--- a/Node/node.pptx
+++ b/Node/node.pptx
@@ -20,6 +20,9 @@
     <p:sldId id="268" r:id="rId14"/>
     <p:sldId id="269" r:id="rId15"/>
     <p:sldId id="270" r:id="rId16"/>
+    <p:sldId id="271" r:id="rId17"/>
+    <p:sldId id="272" r:id="rId18"/>
+    <p:sldId id="273" r:id="rId19"/>
   </p:sldIdLst>
   <p:sldSz cx="12192000" cy="6858000"/>
   <p:notesSz cx="6858000" cy="9144000"/>
@@ -275,7 +278,7 @@
           <a:p>
             <a:fld id="{70AC578A-F481-8B4F-AC68-5322D79242CE}" type="datetimeFigureOut">
               <a:rPr lang="en-US" smtClean="0"/>
-              <a:t>11/7/25</a:t>
+              <a:t>11/10/25</a:t>
             </a:fld>
             <a:endParaRPr lang="en-US"/>
           </a:p>
@@ -475,7 +478,7 @@
           <a:p>
             <a:fld id="{70AC578A-F481-8B4F-AC68-5322D79242CE}" type="datetimeFigureOut">
               <a:rPr lang="en-US" smtClean="0"/>
-              <a:t>11/7/25</a:t>
+              <a:t>11/10/25</a:t>
             </a:fld>
             <a:endParaRPr lang="en-US"/>
           </a:p>
@@ -685,7 +688,7 @@
           <a:p>
             <a:fld id="{70AC578A-F481-8B4F-AC68-5322D79242CE}" type="datetimeFigureOut">
               <a:rPr lang="en-US" smtClean="0"/>
-              <a:t>11/7/25</a:t>
+              <a:t>11/10/25</a:t>
             </a:fld>
             <a:endParaRPr lang="en-US"/>
           </a:p>
@@ -885,7 +888,7 @@
           <a:p>
             <a:fld id="{70AC578A-F481-8B4F-AC68-5322D79242CE}" type="datetimeFigureOut">
               <a:rPr lang="en-US" smtClean="0"/>
-              <a:t>11/7/25</a:t>
+              <a:t>11/10/25</a:t>
             </a:fld>
             <a:endParaRPr lang="en-US"/>
           </a:p>
@@ -1161,7 +1164,7 @@
           <a:p>
             <a:fld id="{70AC578A-F481-8B4F-AC68-5322D79242CE}" type="datetimeFigureOut">
               <a:rPr lang="en-US" smtClean="0"/>
-              <a:t>11/7/25</a:t>
+              <a:t>11/10/25</a:t>
             </a:fld>
             <a:endParaRPr lang="en-US"/>
           </a:p>
@@ -1429,7 +1432,7 @@
           <a:p>
             <a:fld id="{70AC578A-F481-8B4F-AC68-5322D79242CE}" type="datetimeFigureOut">
               <a:rPr lang="en-US" smtClean="0"/>
-              <a:t>11/7/25</a:t>
+              <a:t>11/10/25</a:t>
             </a:fld>
             <a:endParaRPr lang="en-US"/>
           </a:p>
@@ -1844,7 +1847,7 @@
           <a:p>
             <a:fld id="{70AC578A-F481-8B4F-AC68-5322D79242CE}" type="datetimeFigureOut">
               <a:rPr lang="en-US" smtClean="0"/>
-              <a:t>11/7/25</a:t>
+              <a:t>11/10/25</a:t>
             </a:fld>
             <a:endParaRPr lang="en-US"/>
           </a:p>
@@ -1986,7 +1989,7 @@
           <a:p>
             <a:fld id="{70AC578A-F481-8B4F-AC68-5322D79242CE}" type="datetimeFigureOut">
               <a:rPr lang="en-US" smtClean="0"/>
-              <a:t>11/7/25</a:t>
+              <a:t>11/10/25</a:t>
             </a:fld>
             <a:endParaRPr lang="en-US"/>
           </a:p>
@@ -2099,7 +2102,7 @@
           <a:p>
             <a:fld id="{70AC578A-F481-8B4F-AC68-5322D79242CE}" type="datetimeFigureOut">
               <a:rPr lang="en-US" smtClean="0"/>
-              <a:t>11/7/25</a:t>
+              <a:t>11/10/25</a:t>
             </a:fld>
             <a:endParaRPr lang="en-US"/>
           </a:p>
@@ -2412,7 +2415,7 @@
           <a:p>
             <a:fld id="{70AC578A-F481-8B4F-AC68-5322D79242CE}" type="datetimeFigureOut">
               <a:rPr lang="en-US" smtClean="0"/>
-              <a:t>11/7/25</a:t>
+              <a:t>11/10/25</a:t>
             </a:fld>
             <a:endParaRPr lang="en-US"/>
           </a:p>
@@ -2701,7 +2704,7 @@
           <a:p>
             <a:fld id="{70AC578A-F481-8B4F-AC68-5322D79242CE}" type="datetimeFigureOut">
               <a:rPr lang="en-US" smtClean="0"/>
-              <a:t>11/7/25</a:t>
+              <a:t>11/10/25</a:t>
             </a:fld>
             <a:endParaRPr lang="en-US"/>
           </a:p>
@@ -2944,7 +2947,7 @@
           <a:p>
             <a:fld id="{70AC578A-F481-8B4F-AC68-5322D79242CE}" type="datetimeFigureOut">
               <a:rPr lang="en-US" smtClean="0"/>
-              <a:t>11/7/25</a:t>
+              <a:t>11/10/25</a:t>
             </a:fld>
             <a:endParaRPr lang="en-US"/>
           </a:p>
@@ -5429,6 +5432,422 @@
     <p:extLst>
       <p:ext uri="{BB962C8B-B14F-4D97-AF65-F5344CB8AC3E}">
         <p14:creationId xmlns:p14="http://schemas.microsoft.com/office/powerpoint/2010/main" val="3790321824"/>
+      </p:ext>
+    </p:extLst>
+  </p:cSld>
+  <p:clrMapOvr>
+    <a:masterClrMapping/>
+  </p:clrMapOvr>
+</p:sld>
+</file>
+
+<file path=ppt/slides/slide16.xml><?xml version="1.0" encoding="utf-8"?>
+<p:sld xmlns:a="http://schemas.openxmlformats.org/drawingml/2006/main" xmlns:r="http://schemas.openxmlformats.org/officeDocument/2006/relationships" xmlns:p="http://schemas.openxmlformats.org/presentationml/2006/main">
+  <p:cSld>
+    <p:spTree>
+      <p:nvGrpSpPr>
+        <p:cNvPr id="1" name=""/>
+        <p:cNvGrpSpPr/>
+        <p:nvPr/>
+      </p:nvGrpSpPr>
+      <p:grpSpPr>
+        <a:xfrm>
+          <a:off x="0" y="0"/>
+          <a:ext cx="0" cy="0"/>
+          <a:chOff x="0" y="0"/>
+          <a:chExt cx="0" cy="0"/>
+        </a:xfrm>
+      </p:grpSpPr>
+      <p:sp>
+        <p:nvSpPr>
+          <p:cNvPr id="2" name="Title 1">
+            <a:extLst>
+              <a:ext uri="{FF2B5EF4-FFF2-40B4-BE49-F238E27FC236}">
+                <a16:creationId xmlns:a16="http://schemas.microsoft.com/office/drawing/2014/main" id="{5BF3E9F6-794D-36EF-948D-D4445885B6BA}"/>
+              </a:ext>
+            </a:extLst>
+          </p:cNvPr>
+          <p:cNvSpPr>
+            <a:spLocks noGrp="1"/>
+          </p:cNvSpPr>
+          <p:nvPr>
+            <p:ph type="title"/>
+          </p:nvPr>
+        </p:nvSpPr>
+        <p:spPr/>
+        <p:txBody>
+          <a:bodyPr/>
+          <a:lstStyle/>
+          <a:p>
+            <a:endParaRPr lang="en-US" dirty="0"/>
+          </a:p>
+        </p:txBody>
+      </p:sp>
+      <p:sp>
+        <p:nvSpPr>
+          <p:cNvPr id="3" name="Content Placeholder 2">
+            <a:extLst>
+              <a:ext uri="{FF2B5EF4-FFF2-40B4-BE49-F238E27FC236}">
+                <a16:creationId xmlns:a16="http://schemas.microsoft.com/office/drawing/2014/main" id="{4B743A05-2B49-C7D3-1593-BF5E56BA8B08}"/>
+              </a:ext>
+            </a:extLst>
+          </p:cNvPr>
+          <p:cNvSpPr>
+            <a:spLocks noGrp="1"/>
+          </p:cNvSpPr>
+          <p:nvPr>
+            <p:ph idx="1"/>
+          </p:nvPr>
+        </p:nvSpPr>
+        <p:spPr/>
+        <p:txBody>
+          <a:bodyPr/>
+          <a:lstStyle/>
+          <a:p>
+            <a:r>
+              <a:rPr lang="en-US" dirty="0"/>
+              <a:t>Node modules system</a:t>
+            </a:r>
+          </a:p>
+        </p:txBody>
+      </p:sp>
+    </p:spTree>
+    <p:extLst>
+      <p:ext uri="{BB962C8B-B14F-4D97-AF65-F5344CB8AC3E}">
+        <p14:creationId xmlns:p14="http://schemas.microsoft.com/office/powerpoint/2010/main" val="2722604278"/>
+      </p:ext>
+    </p:extLst>
+  </p:cSld>
+  <p:clrMapOvr>
+    <a:masterClrMapping/>
+  </p:clrMapOvr>
+</p:sld>
+</file>
+
+<file path=ppt/slides/slide17.xml><?xml version="1.0" encoding="utf-8"?>
+<p:sld xmlns:a="http://schemas.openxmlformats.org/drawingml/2006/main" xmlns:r="http://schemas.openxmlformats.org/officeDocument/2006/relationships" xmlns:p="http://schemas.openxmlformats.org/presentationml/2006/main">
+  <p:cSld>
+    <p:spTree>
+      <p:nvGrpSpPr>
+        <p:cNvPr id="1" name=""/>
+        <p:cNvGrpSpPr/>
+        <p:nvPr/>
+      </p:nvGrpSpPr>
+      <p:grpSpPr>
+        <a:xfrm>
+          <a:off x="0" y="0"/>
+          <a:ext cx="0" cy="0"/>
+          <a:chOff x="0" y="0"/>
+          <a:chExt cx="0" cy="0"/>
+        </a:xfrm>
+      </p:grpSpPr>
+      <p:sp>
+        <p:nvSpPr>
+          <p:cNvPr id="2" name="Title 1">
+            <a:extLst>
+              <a:ext uri="{FF2B5EF4-FFF2-40B4-BE49-F238E27FC236}">
+                <a16:creationId xmlns:a16="http://schemas.microsoft.com/office/drawing/2014/main" id="{DB1AC442-1C90-70F4-24A8-4FF8CDAF7A6A}"/>
+              </a:ext>
+            </a:extLst>
+          </p:cNvPr>
+          <p:cNvSpPr>
+            <a:spLocks noGrp="1"/>
+          </p:cNvSpPr>
+          <p:nvPr>
+            <p:ph type="title"/>
+          </p:nvPr>
+        </p:nvSpPr>
+        <p:spPr/>
+        <p:txBody>
+          <a:bodyPr/>
+          <a:lstStyle/>
+          <a:p>
+            <a:r>
+              <a:rPr lang="en-US" dirty="0"/>
+              <a:t>Module Summary</a:t>
+            </a:r>
+          </a:p>
+        </p:txBody>
+      </p:sp>
+      <p:sp>
+        <p:nvSpPr>
+          <p:cNvPr id="3" name="Content Placeholder 2">
+            <a:extLst>
+              <a:ext uri="{FF2B5EF4-FFF2-40B4-BE49-F238E27FC236}">
+                <a16:creationId xmlns:a16="http://schemas.microsoft.com/office/drawing/2014/main" id="{C39A9F6E-57AC-54F5-45EF-7740CA0A363A}"/>
+              </a:ext>
+            </a:extLst>
+          </p:cNvPr>
+          <p:cNvSpPr>
+            <a:spLocks noGrp="1"/>
+          </p:cNvSpPr>
+          <p:nvPr>
+            <p:ph idx="1"/>
+          </p:nvPr>
+        </p:nvSpPr>
+        <p:spPr/>
+        <p:txBody>
+          <a:bodyPr>
+            <a:normAutofit fontScale="55000" lnSpcReduction="20000"/>
+          </a:bodyPr>
+          <a:lstStyle/>
+          <a:p>
+            <a:r>
+              <a:rPr lang="en-US" dirty="0"/>
+              <a:t>How the Web Works </a:t>
+            </a:r>
+          </a:p>
+          <a:p>
+            <a:pPr lvl="1"/>
+            <a:r>
+              <a:rPr lang="en-US" dirty="0"/>
+              <a:t>Client =&gt; Request =&gt; Server =&gt; Response =&gt;Client</a:t>
+            </a:r>
+          </a:p>
+          <a:p>
+            <a:r>
+              <a:rPr lang="en-US" dirty="0"/>
+              <a:t>Program Lifecycle &amp; Event Loop</a:t>
+            </a:r>
+          </a:p>
+          <a:p>
+            <a:pPr lvl="1"/>
+            <a:r>
+              <a:rPr lang="en-US" dirty="0"/>
+              <a:t>Node.js runs non-blocking JS code and uses an event-</a:t>
+            </a:r>
+            <a:r>
+              <a:rPr lang="en-US" dirty="0" err="1"/>
+              <a:t>dirven</a:t>
+            </a:r>
+            <a:r>
+              <a:rPr lang="en-US" dirty="0"/>
+              <a:t> code (“Event Loop) for running your logic</a:t>
+            </a:r>
+          </a:p>
+          <a:p>
+            <a:pPr lvl="1"/>
+            <a:r>
+              <a:rPr lang="en-US" dirty="0"/>
+              <a:t>A Node program exits as soon as there is no more work to do</a:t>
+            </a:r>
+          </a:p>
+          <a:p>
+            <a:pPr lvl="1"/>
+            <a:r>
+              <a:rPr lang="en-US" dirty="0"/>
+              <a:t>The </a:t>
+            </a:r>
+            <a:r>
+              <a:rPr lang="en-US" dirty="0" err="1"/>
+              <a:t>createServer</a:t>
+            </a:r>
+            <a:r>
+              <a:rPr lang="en-US" dirty="0"/>
+              <a:t>() event never finishes by default</a:t>
+            </a:r>
+          </a:p>
+          <a:p>
+            <a:r>
+              <a:rPr lang="en-US" dirty="0"/>
+              <a:t>Node.js &amp; Core Modules</a:t>
+            </a:r>
+          </a:p>
+          <a:p>
+            <a:pPr lvl="1"/>
+            <a:r>
+              <a:rPr lang="en-US" dirty="0"/>
+              <a:t>Node.js ships with multiple core modules (</a:t>
+            </a:r>
+            <a:r>
+              <a:rPr lang="en-US" dirty="0" err="1"/>
+              <a:t>http,fs</a:t>
+            </a:r>
+            <a:r>
+              <a:rPr lang="en-US" dirty="0"/>
+              <a:t>…)</a:t>
+            </a:r>
+          </a:p>
+          <a:p>
+            <a:pPr lvl="1"/>
+            <a:r>
+              <a:rPr lang="en-US" dirty="0"/>
+              <a:t>Core modules can be imported into any file to be used there</a:t>
+            </a:r>
+          </a:p>
+          <a:p>
+            <a:pPr lvl="1"/>
+            <a:r>
+              <a:rPr lang="en-US" dirty="0"/>
+              <a:t>Import via require(“module name”)</a:t>
+            </a:r>
+          </a:p>
+          <a:p>
+            <a:r>
+              <a:rPr lang="en-US" dirty="0"/>
+              <a:t>Asynchronous Code</a:t>
+            </a:r>
+          </a:p>
+          <a:p>
+            <a:pPr lvl="1"/>
+            <a:r>
+              <a:rPr lang="en-US" dirty="0"/>
+              <a:t>JS code is non-blocking</a:t>
+            </a:r>
+          </a:p>
+          <a:p>
+            <a:pPr lvl="1"/>
+            <a:r>
+              <a:rPr lang="en-US" dirty="0"/>
+              <a:t>Use callbacks and events =&gt; order changes!</a:t>
+            </a:r>
+          </a:p>
+          <a:p>
+            <a:r>
+              <a:rPr lang="en-US" dirty="0"/>
+              <a:t>Requests &amp; Responses</a:t>
+            </a:r>
+          </a:p>
+          <a:p>
+            <a:pPr lvl="1"/>
+            <a:r>
+              <a:rPr lang="en-US" dirty="0"/>
+              <a:t>Parse request data in chunks (Streams &amp; Buffers)</a:t>
+            </a:r>
+          </a:p>
+          <a:p>
+            <a:pPr lvl="1"/>
+            <a:r>
+              <a:rPr lang="en-US" dirty="0"/>
+              <a:t>Avoid “double responses”</a:t>
+            </a:r>
+          </a:p>
+          <a:p>
+            <a:r>
+              <a:rPr lang="en-US" dirty="0"/>
+              <a:t>The Node Module System</a:t>
+            </a:r>
+          </a:p>
+          <a:p>
+            <a:pPr lvl="1"/>
+            <a:r>
+              <a:rPr lang="en-US" dirty="0"/>
+              <a:t>Import via require(‘path-to-file”)or require(”module”) for core &amp; third-party modules </a:t>
+            </a:r>
+          </a:p>
+          <a:p>
+            <a:pPr lvl="1"/>
+            <a:r>
+              <a:rPr lang="en-US" dirty="0"/>
+              <a:t>Export via </a:t>
+            </a:r>
+            <a:r>
+              <a:rPr lang="en-US" dirty="0" err="1"/>
+              <a:t>module.exports</a:t>
+            </a:r>
+            <a:r>
+              <a:rPr lang="en-US" dirty="0"/>
+              <a:t> or just exports (for multiple exports)</a:t>
+            </a:r>
+          </a:p>
+        </p:txBody>
+      </p:sp>
+    </p:spTree>
+    <p:extLst>
+      <p:ext uri="{BB962C8B-B14F-4D97-AF65-F5344CB8AC3E}">
+        <p14:creationId xmlns:p14="http://schemas.microsoft.com/office/powerpoint/2010/main" val="962319158"/>
+      </p:ext>
+    </p:extLst>
+  </p:cSld>
+  <p:clrMapOvr>
+    <a:masterClrMapping/>
+  </p:clrMapOvr>
+</p:sld>
+</file>
+
+<file path=ppt/slides/slide18.xml><?xml version="1.0" encoding="utf-8"?>
+<p:sld xmlns:a="http://schemas.openxmlformats.org/drawingml/2006/main" xmlns:r="http://schemas.openxmlformats.org/officeDocument/2006/relationships" xmlns:p="http://schemas.openxmlformats.org/presentationml/2006/main">
+  <p:cSld>
+    <p:spTree>
+      <p:nvGrpSpPr>
+        <p:cNvPr id="1" name=""/>
+        <p:cNvGrpSpPr/>
+        <p:nvPr/>
+      </p:nvGrpSpPr>
+      <p:grpSpPr>
+        <a:xfrm>
+          <a:off x="0" y="0"/>
+          <a:ext cx="0" cy="0"/>
+          <a:chOff x="0" y="0"/>
+          <a:chExt cx="0" cy="0"/>
+        </a:xfrm>
+      </p:grpSpPr>
+      <p:sp>
+        <p:nvSpPr>
+          <p:cNvPr id="2" name="Title 1">
+            <a:extLst>
+              <a:ext uri="{FF2B5EF4-FFF2-40B4-BE49-F238E27FC236}">
+                <a16:creationId xmlns:a16="http://schemas.microsoft.com/office/drawing/2014/main" id="{C4F60DC1-B5DF-7C05-AB45-5190C4F22BDD}"/>
+              </a:ext>
+            </a:extLst>
+          </p:cNvPr>
+          <p:cNvSpPr>
+            <a:spLocks noGrp="1"/>
+          </p:cNvSpPr>
+          <p:nvPr>
+            <p:ph type="title"/>
+          </p:nvPr>
+        </p:nvSpPr>
+        <p:spPr/>
+        <p:txBody>
+          <a:bodyPr/>
+          <a:lstStyle/>
+          <a:p>
+            <a:r>
+              <a:rPr lang="en-US" dirty="0"/>
+              <a:t>Debugging &amp; Easier Development</a:t>
+            </a:r>
+          </a:p>
+        </p:txBody>
+      </p:sp>
+      <p:sp>
+        <p:nvSpPr>
+          <p:cNvPr id="3" name="Content Placeholder 2">
+            <a:extLst>
+              <a:ext uri="{FF2B5EF4-FFF2-40B4-BE49-F238E27FC236}">
+                <a16:creationId xmlns:a16="http://schemas.microsoft.com/office/drawing/2014/main" id="{8645D0A9-26D0-52C7-8A4A-53DC64424956}"/>
+              </a:ext>
+            </a:extLst>
+          </p:cNvPr>
+          <p:cNvSpPr>
+            <a:spLocks noGrp="1"/>
+          </p:cNvSpPr>
+          <p:nvPr>
+            <p:ph idx="1"/>
+          </p:nvPr>
+        </p:nvSpPr>
+        <p:spPr/>
+        <p:txBody>
+          <a:bodyPr/>
+          <a:lstStyle/>
+          <a:p>
+            <a:r>
+              <a:rPr lang="en-US" dirty="0"/>
+              <a:t>Fixing Errors</a:t>
+            </a:r>
+          </a:p>
+          <a:p>
+            <a:r>
+              <a:rPr lang="en-US"/>
+              <a:t>Developing Efficiently</a:t>
+            </a:r>
+          </a:p>
+        </p:txBody>
+      </p:sp>
+    </p:spTree>
+    <p:extLst>
+      <p:ext uri="{BB962C8B-B14F-4D97-AF65-F5344CB8AC3E}">
+        <p14:creationId xmlns:p14="http://schemas.microsoft.com/office/powerpoint/2010/main" val="4071312640"/>
       </p:ext>
     </p:extLst>
   </p:cSld>

--- a/Node/node.pptx
+++ b/Node/node.pptx
@@ -23,6 +23,8 @@
     <p:sldId id="271" r:id="rId17"/>
     <p:sldId id="272" r:id="rId18"/>
     <p:sldId id="273" r:id="rId19"/>
+    <p:sldId id="274" r:id="rId20"/>
+    <p:sldId id="275" r:id="rId21"/>
   </p:sldIdLst>
   <p:sldSz cx="12192000" cy="6858000"/>
   <p:notesSz cx="6858000" cy="9144000"/>
@@ -278,7 +280,7 @@
           <a:p>
             <a:fld id="{70AC578A-F481-8B4F-AC68-5322D79242CE}" type="datetimeFigureOut">
               <a:rPr lang="en-US" smtClean="0"/>
-              <a:t>11/10/25</a:t>
+              <a:t>11/12/25</a:t>
             </a:fld>
             <a:endParaRPr lang="en-US"/>
           </a:p>
@@ -478,7 +480,7 @@
           <a:p>
             <a:fld id="{70AC578A-F481-8B4F-AC68-5322D79242CE}" type="datetimeFigureOut">
               <a:rPr lang="en-US" smtClean="0"/>
-              <a:t>11/10/25</a:t>
+              <a:t>11/12/25</a:t>
             </a:fld>
             <a:endParaRPr lang="en-US"/>
           </a:p>
@@ -688,7 +690,7 @@
           <a:p>
             <a:fld id="{70AC578A-F481-8B4F-AC68-5322D79242CE}" type="datetimeFigureOut">
               <a:rPr lang="en-US" smtClean="0"/>
-              <a:t>11/10/25</a:t>
+              <a:t>11/12/25</a:t>
             </a:fld>
             <a:endParaRPr lang="en-US"/>
           </a:p>
@@ -888,7 +890,7 @@
           <a:p>
             <a:fld id="{70AC578A-F481-8B4F-AC68-5322D79242CE}" type="datetimeFigureOut">
               <a:rPr lang="en-US" smtClean="0"/>
-              <a:t>11/10/25</a:t>
+              <a:t>11/12/25</a:t>
             </a:fld>
             <a:endParaRPr lang="en-US"/>
           </a:p>
@@ -1164,7 +1166,7 @@
           <a:p>
             <a:fld id="{70AC578A-F481-8B4F-AC68-5322D79242CE}" type="datetimeFigureOut">
               <a:rPr lang="en-US" smtClean="0"/>
-              <a:t>11/10/25</a:t>
+              <a:t>11/12/25</a:t>
             </a:fld>
             <a:endParaRPr lang="en-US"/>
           </a:p>
@@ -1432,7 +1434,7 @@
           <a:p>
             <a:fld id="{70AC578A-F481-8B4F-AC68-5322D79242CE}" type="datetimeFigureOut">
               <a:rPr lang="en-US" smtClean="0"/>
-              <a:t>11/10/25</a:t>
+              <a:t>11/12/25</a:t>
             </a:fld>
             <a:endParaRPr lang="en-US"/>
           </a:p>
@@ -1847,7 +1849,7 @@
           <a:p>
             <a:fld id="{70AC578A-F481-8B4F-AC68-5322D79242CE}" type="datetimeFigureOut">
               <a:rPr lang="en-US" smtClean="0"/>
-              <a:t>11/10/25</a:t>
+              <a:t>11/12/25</a:t>
             </a:fld>
             <a:endParaRPr lang="en-US"/>
           </a:p>
@@ -1989,7 +1991,7 @@
           <a:p>
             <a:fld id="{70AC578A-F481-8B4F-AC68-5322D79242CE}" type="datetimeFigureOut">
               <a:rPr lang="en-US" smtClean="0"/>
-              <a:t>11/10/25</a:t>
+              <a:t>11/12/25</a:t>
             </a:fld>
             <a:endParaRPr lang="en-US"/>
           </a:p>
@@ -2102,7 +2104,7 @@
           <a:p>
             <a:fld id="{70AC578A-F481-8B4F-AC68-5322D79242CE}" type="datetimeFigureOut">
               <a:rPr lang="en-US" smtClean="0"/>
-              <a:t>11/10/25</a:t>
+              <a:t>11/12/25</a:t>
             </a:fld>
             <a:endParaRPr lang="en-US"/>
           </a:p>
@@ -2415,7 +2417,7 @@
           <a:p>
             <a:fld id="{70AC578A-F481-8B4F-AC68-5322D79242CE}" type="datetimeFigureOut">
               <a:rPr lang="en-US" smtClean="0"/>
-              <a:t>11/10/25</a:t>
+              <a:t>11/12/25</a:t>
             </a:fld>
             <a:endParaRPr lang="en-US"/>
           </a:p>
@@ -2704,7 +2706,7 @@
           <a:p>
             <a:fld id="{70AC578A-F481-8B4F-AC68-5322D79242CE}" type="datetimeFigureOut">
               <a:rPr lang="en-US" smtClean="0"/>
-              <a:t>11/10/25</a:t>
+              <a:t>11/12/25</a:t>
             </a:fld>
             <a:endParaRPr lang="en-US"/>
           </a:p>
@@ -2947,7 +2949,7 @@
           <a:p>
             <a:fld id="{70AC578A-F481-8B4F-AC68-5322D79242CE}" type="datetimeFigureOut">
               <a:rPr lang="en-US" smtClean="0"/>
-              <a:t>11/10/25</a:t>
+              <a:t>11/12/25</a:t>
             </a:fld>
             <a:endParaRPr lang="en-US"/>
           </a:p>
@@ -5838,8 +5840,28 @@
           </a:p>
           <a:p>
             <a:r>
-              <a:rPr lang="en-US"/>
+              <a:rPr lang="en-US" dirty="0"/>
               <a:t>Developing Efficiently</a:t>
+            </a:r>
+          </a:p>
+          <a:p>
+            <a:r>
+              <a:rPr lang="en-US" dirty="0"/>
+              <a:t>Npm scripts</a:t>
+            </a:r>
+          </a:p>
+          <a:p>
+            <a:r>
+              <a:rPr lang="en-US" dirty="0"/>
+              <a:t>Install 3</a:t>
+            </a:r>
+            <a:r>
+              <a:rPr lang="en-US" baseline="30000" dirty="0"/>
+              <a:t>rd</a:t>
+            </a:r>
+            <a:r>
+              <a:rPr lang="en-US" dirty="0"/>
+              <a:t> party packages</a:t>
             </a:r>
           </a:p>
         </p:txBody>
@@ -5848,6 +5870,104 @@
     <p:extLst>
       <p:ext uri="{BB962C8B-B14F-4D97-AF65-F5344CB8AC3E}">
         <p14:creationId xmlns:p14="http://schemas.microsoft.com/office/powerpoint/2010/main" val="4071312640"/>
+      </p:ext>
+    </p:extLst>
+  </p:cSld>
+  <p:clrMapOvr>
+    <a:masterClrMapping/>
+  </p:clrMapOvr>
+</p:sld>
+</file>
+
+<file path=ppt/slides/slide19.xml><?xml version="1.0" encoding="utf-8"?>
+<p:sld xmlns:a="http://schemas.openxmlformats.org/drawingml/2006/main" xmlns:r="http://schemas.openxmlformats.org/officeDocument/2006/relationships" xmlns:p="http://schemas.openxmlformats.org/presentationml/2006/main">
+  <p:cSld>
+    <p:spTree>
+      <p:nvGrpSpPr>
+        <p:cNvPr id="1" name=""/>
+        <p:cNvGrpSpPr/>
+        <p:nvPr/>
+      </p:nvGrpSpPr>
+      <p:grpSpPr>
+        <a:xfrm>
+          <a:off x="0" y="0"/>
+          <a:ext cx="0" cy="0"/>
+          <a:chOff x="0" y="0"/>
+          <a:chExt cx="0" cy="0"/>
+        </a:xfrm>
+      </p:grpSpPr>
+      <p:sp>
+        <p:nvSpPr>
+          <p:cNvPr id="2" name="Title 1">
+            <a:extLst>
+              <a:ext uri="{FF2B5EF4-FFF2-40B4-BE49-F238E27FC236}">
+                <a16:creationId xmlns:a16="http://schemas.microsoft.com/office/drawing/2014/main" id="{7B27689C-EFE9-C3DA-A755-CC015CDE94CA}"/>
+              </a:ext>
+            </a:extLst>
+          </p:cNvPr>
+          <p:cNvSpPr>
+            <a:spLocks noGrp="1"/>
+          </p:cNvSpPr>
+          <p:nvPr>
+            <p:ph type="title"/>
+          </p:nvPr>
+        </p:nvSpPr>
+        <p:spPr/>
+        <p:txBody>
+          <a:bodyPr/>
+          <a:lstStyle/>
+          <a:p>
+            <a:r>
+              <a:rPr lang="en-US" dirty="0"/>
+              <a:t>Error</a:t>
+            </a:r>
+          </a:p>
+        </p:txBody>
+      </p:sp>
+      <p:sp>
+        <p:nvSpPr>
+          <p:cNvPr id="3" name="Content Placeholder 2">
+            <a:extLst>
+              <a:ext uri="{FF2B5EF4-FFF2-40B4-BE49-F238E27FC236}">
+                <a16:creationId xmlns:a16="http://schemas.microsoft.com/office/drawing/2014/main" id="{DE69DC64-B3BE-D717-292D-119C1B2EB9DA}"/>
+              </a:ext>
+            </a:extLst>
+          </p:cNvPr>
+          <p:cNvSpPr>
+            <a:spLocks noGrp="1"/>
+          </p:cNvSpPr>
+          <p:nvPr>
+            <p:ph idx="1"/>
+          </p:nvPr>
+        </p:nvSpPr>
+        <p:spPr/>
+        <p:txBody>
+          <a:bodyPr/>
+          <a:lstStyle/>
+          <a:p>
+            <a:r>
+              <a:rPr lang="en-US" dirty="0"/>
+              <a:t>Syntax Errors</a:t>
+            </a:r>
+          </a:p>
+          <a:p>
+            <a:r>
+              <a:rPr lang="en-US" dirty="0"/>
+              <a:t>Runtime Errors</a:t>
+            </a:r>
+          </a:p>
+          <a:p>
+            <a:r>
+              <a:rPr lang="en-US" dirty="0"/>
+              <a:t>Logical Errors</a:t>
+            </a:r>
+          </a:p>
+        </p:txBody>
+      </p:sp>
+    </p:spTree>
+    <p:extLst>
+      <p:ext uri="{BB962C8B-B14F-4D97-AF65-F5344CB8AC3E}">
+        <p14:creationId xmlns:p14="http://schemas.microsoft.com/office/powerpoint/2010/main" val="626458209"/>
       </p:ext>
     </p:extLst>
   </p:cSld>
@@ -5940,6 +6060,126 @@
     <p:extLst>
       <p:ext uri="{BB962C8B-B14F-4D97-AF65-F5344CB8AC3E}">
         <p14:creationId xmlns:p14="http://schemas.microsoft.com/office/powerpoint/2010/main" val="3453028634"/>
+      </p:ext>
+    </p:extLst>
+  </p:cSld>
+  <p:clrMapOvr>
+    <a:masterClrMapping/>
+  </p:clrMapOvr>
+</p:sld>
+</file>
+
+<file path=ppt/slides/slide20.xml><?xml version="1.0" encoding="utf-8"?>
+<p:sld xmlns:a="http://schemas.openxmlformats.org/drawingml/2006/main" xmlns:r="http://schemas.openxmlformats.org/officeDocument/2006/relationships" xmlns:p="http://schemas.openxmlformats.org/presentationml/2006/main">
+  <p:cSld>
+    <p:spTree>
+      <p:nvGrpSpPr>
+        <p:cNvPr id="1" name=""/>
+        <p:cNvGrpSpPr/>
+        <p:nvPr/>
+      </p:nvGrpSpPr>
+      <p:grpSpPr>
+        <a:xfrm>
+          <a:off x="0" y="0"/>
+          <a:ext cx="0" cy="0"/>
+          <a:chOff x="0" y="0"/>
+          <a:chExt cx="0" cy="0"/>
+        </a:xfrm>
+      </p:grpSpPr>
+      <p:sp>
+        <p:nvSpPr>
+          <p:cNvPr id="2" name="Title 1">
+            <a:extLst>
+              <a:ext uri="{FF2B5EF4-FFF2-40B4-BE49-F238E27FC236}">
+                <a16:creationId xmlns:a16="http://schemas.microsoft.com/office/drawing/2014/main" id="{F07D4A43-5354-D724-2545-7F301D35C532}"/>
+              </a:ext>
+            </a:extLst>
+          </p:cNvPr>
+          <p:cNvSpPr>
+            <a:spLocks noGrp="1"/>
+          </p:cNvSpPr>
+          <p:nvPr>
+            <p:ph type="title"/>
+          </p:nvPr>
+        </p:nvSpPr>
+        <p:spPr/>
+        <p:txBody>
+          <a:bodyPr/>
+          <a:lstStyle/>
+          <a:p>
+            <a:endParaRPr lang="en-US"/>
+          </a:p>
+        </p:txBody>
+      </p:sp>
+      <p:sp>
+        <p:nvSpPr>
+          <p:cNvPr id="3" name="Content Placeholder 2">
+            <a:extLst>
+              <a:ext uri="{FF2B5EF4-FFF2-40B4-BE49-F238E27FC236}">
+                <a16:creationId xmlns:a16="http://schemas.microsoft.com/office/drawing/2014/main" id="{A7D6D45B-CE48-0ACE-5822-DFA2D4DD4428}"/>
+              </a:ext>
+            </a:extLst>
+          </p:cNvPr>
+          <p:cNvSpPr>
+            <a:spLocks noGrp="1"/>
+          </p:cNvSpPr>
+          <p:nvPr>
+            <p:ph idx="1"/>
+          </p:nvPr>
+        </p:nvSpPr>
+        <p:spPr/>
+        <p:txBody>
+          <a:bodyPr/>
+          <a:lstStyle/>
+          <a:p>
+            <a:r>
+              <a:rPr lang="en-US" dirty="0"/>
+              <a:t>Parsing Incoming Requests</a:t>
+            </a:r>
+          </a:p>
+          <a:p>
+            <a:r>
+              <a:rPr lang="en-US" dirty="0"/>
+              <a:t>Limiting Middleware Execution</a:t>
+            </a:r>
+          </a:p>
+          <a:p>
+            <a:r>
+              <a:rPr lang="en-US" dirty="0"/>
+              <a:t>Using express router</a:t>
+            </a:r>
+          </a:p>
+          <a:p>
+            <a:r>
+              <a:rPr lang="en-US" dirty="0"/>
+              <a:t>Adding a 404 error page</a:t>
+            </a:r>
+          </a:p>
+          <a:p>
+            <a:r>
+              <a:rPr lang="en-US" dirty="0"/>
+              <a:t>Filtering paths</a:t>
+            </a:r>
+          </a:p>
+          <a:p>
+            <a:r>
+              <a:rPr lang="en-US" dirty="0"/>
+              <a:t>Creating HTML Pages</a:t>
+            </a:r>
+          </a:p>
+          <a:p>
+            <a:r>
+              <a:rPr lang="en-US"/>
+              <a:t>Serving HTML Pages</a:t>
+            </a:r>
+            <a:endParaRPr lang="en-US" dirty="0"/>
+          </a:p>
+        </p:txBody>
+      </p:sp>
+    </p:spTree>
+    <p:extLst>
+      <p:ext uri="{BB962C8B-B14F-4D97-AF65-F5344CB8AC3E}">
+        <p14:creationId xmlns:p14="http://schemas.microsoft.com/office/powerpoint/2010/main" val="1527157845"/>
       </p:ext>
     </p:extLst>
   </p:cSld>

--- a/Node/node.pptx
+++ b/Node/node.pptx
@@ -25,6 +25,11 @@
     <p:sldId id="273" r:id="rId19"/>
     <p:sldId id="274" r:id="rId20"/>
     <p:sldId id="275" r:id="rId21"/>
+    <p:sldId id="276" r:id="rId22"/>
+    <p:sldId id="277" r:id="rId23"/>
+    <p:sldId id="279" r:id="rId24"/>
+    <p:sldId id="280" r:id="rId25"/>
+    <p:sldId id="278" r:id="rId26"/>
   </p:sldIdLst>
   <p:sldSz cx="12192000" cy="6858000"/>
   <p:notesSz cx="6858000" cy="9144000"/>
@@ -280,7 +285,7 @@
           <a:p>
             <a:fld id="{70AC578A-F481-8B4F-AC68-5322D79242CE}" type="datetimeFigureOut">
               <a:rPr lang="en-US" smtClean="0"/>
-              <a:t>11/12/25</a:t>
+              <a:t>11/14/25</a:t>
             </a:fld>
             <a:endParaRPr lang="en-US"/>
           </a:p>
@@ -480,7 +485,7 @@
           <a:p>
             <a:fld id="{70AC578A-F481-8B4F-AC68-5322D79242CE}" type="datetimeFigureOut">
               <a:rPr lang="en-US" smtClean="0"/>
-              <a:t>11/12/25</a:t>
+              <a:t>11/14/25</a:t>
             </a:fld>
             <a:endParaRPr lang="en-US"/>
           </a:p>
@@ -690,7 +695,7 @@
           <a:p>
             <a:fld id="{70AC578A-F481-8B4F-AC68-5322D79242CE}" type="datetimeFigureOut">
               <a:rPr lang="en-US" smtClean="0"/>
-              <a:t>11/12/25</a:t>
+              <a:t>11/14/25</a:t>
             </a:fld>
             <a:endParaRPr lang="en-US"/>
           </a:p>
@@ -890,7 +895,7 @@
           <a:p>
             <a:fld id="{70AC578A-F481-8B4F-AC68-5322D79242CE}" type="datetimeFigureOut">
               <a:rPr lang="en-US" smtClean="0"/>
-              <a:t>11/12/25</a:t>
+              <a:t>11/14/25</a:t>
             </a:fld>
             <a:endParaRPr lang="en-US"/>
           </a:p>
@@ -1166,7 +1171,7 @@
           <a:p>
             <a:fld id="{70AC578A-F481-8B4F-AC68-5322D79242CE}" type="datetimeFigureOut">
               <a:rPr lang="en-US" smtClean="0"/>
-              <a:t>11/12/25</a:t>
+              <a:t>11/14/25</a:t>
             </a:fld>
             <a:endParaRPr lang="en-US"/>
           </a:p>
@@ -1434,7 +1439,7 @@
           <a:p>
             <a:fld id="{70AC578A-F481-8B4F-AC68-5322D79242CE}" type="datetimeFigureOut">
               <a:rPr lang="en-US" smtClean="0"/>
-              <a:t>11/12/25</a:t>
+              <a:t>11/14/25</a:t>
             </a:fld>
             <a:endParaRPr lang="en-US"/>
           </a:p>
@@ -1849,7 +1854,7 @@
           <a:p>
             <a:fld id="{70AC578A-F481-8B4F-AC68-5322D79242CE}" type="datetimeFigureOut">
               <a:rPr lang="en-US" smtClean="0"/>
-              <a:t>11/12/25</a:t>
+              <a:t>11/14/25</a:t>
             </a:fld>
             <a:endParaRPr lang="en-US"/>
           </a:p>
@@ -1991,7 +1996,7 @@
           <a:p>
             <a:fld id="{70AC578A-F481-8B4F-AC68-5322D79242CE}" type="datetimeFigureOut">
               <a:rPr lang="en-US" smtClean="0"/>
-              <a:t>11/12/25</a:t>
+              <a:t>11/14/25</a:t>
             </a:fld>
             <a:endParaRPr lang="en-US"/>
           </a:p>
@@ -2104,7 +2109,7 @@
           <a:p>
             <a:fld id="{70AC578A-F481-8B4F-AC68-5322D79242CE}" type="datetimeFigureOut">
               <a:rPr lang="en-US" smtClean="0"/>
-              <a:t>11/12/25</a:t>
+              <a:t>11/14/25</a:t>
             </a:fld>
             <a:endParaRPr lang="en-US"/>
           </a:p>
@@ -2417,7 +2422,7 @@
           <a:p>
             <a:fld id="{70AC578A-F481-8B4F-AC68-5322D79242CE}" type="datetimeFigureOut">
               <a:rPr lang="en-US" smtClean="0"/>
-              <a:t>11/12/25</a:t>
+              <a:t>11/14/25</a:t>
             </a:fld>
             <a:endParaRPr lang="en-US"/>
           </a:p>
@@ -2706,7 +2711,7 @@
           <a:p>
             <a:fld id="{70AC578A-F481-8B4F-AC68-5322D79242CE}" type="datetimeFigureOut">
               <a:rPr lang="en-US" smtClean="0"/>
-              <a:t>11/12/25</a:t>
+              <a:t>11/14/25</a:t>
             </a:fld>
             <a:endParaRPr lang="en-US"/>
           </a:p>
@@ -2949,7 +2954,7 @@
           <a:p>
             <a:fld id="{70AC578A-F481-8B4F-AC68-5322D79242CE}" type="datetimeFigureOut">
               <a:rPr lang="en-US" smtClean="0"/>
-              <a:t>11/12/25</a:t>
+              <a:t>11/14/25</a:t>
             </a:fld>
             <a:endParaRPr lang="en-US"/>
           </a:p>
@@ -5462,54 +5467,37 @@
       </p:grpSpPr>
       <p:sp>
         <p:nvSpPr>
-          <p:cNvPr id="2" name="Title 1">
-            <a:extLst>
-              <a:ext uri="{FF2B5EF4-FFF2-40B4-BE49-F238E27FC236}">
-                <a16:creationId xmlns:a16="http://schemas.microsoft.com/office/drawing/2014/main" id="{5BF3E9F6-794D-36EF-948D-D4445885B6BA}"/>
-              </a:ext>
-            </a:extLst>
-          </p:cNvPr>
-          <p:cNvSpPr>
-            <a:spLocks noGrp="1"/>
-          </p:cNvSpPr>
-          <p:nvPr>
-            <p:ph type="title"/>
-          </p:nvPr>
-        </p:nvSpPr>
-        <p:spPr/>
+          <p:cNvPr id="3" name="Content Placeholder 2">
+            <a:extLst>
+              <a:ext uri="{FF2B5EF4-FFF2-40B4-BE49-F238E27FC236}">
+                <a16:creationId xmlns:a16="http://schemas.microsoft.com/office/drawing/2014/main" id="{4B743A05-2B49-C7D3-1593-BF5E56BA8B08}"/>
+              </a:ext>
+            </a:extLst>
+          </p:cNvPr>
+          <p:cNvSpPr>
+            <a:spLocks noGrp="1"/>
+          </p:cNvSpPr>
+          <p:nvPr>
+            <p:ph idx="1"/>
+          </p:nvPr>
+        </p:nvSpPr>
+        <p:spPr>
+          <a:xfrm>
+            <a:off x="838200" y="461639"/>
+            <a:ext cx="10515600" cy="5715324"/>
+          </a:xfrm>
+        </p:spPr>
         <p:txBody>
           <a:bodyPr/>
           <a:lstStyle/>
           <a:p>
+            <a:r>
+              <a:rPr lang="en-US" dirty="0"/>
+              <a:t>Node modules system</a:t>
+            </a:r>
+          </a:p>
+          <a:p>
             <a:endParaRPr lang="en-US" dirty="0"/>
-          </a:p>
-        </p:txBody>
-      </p:sp>
-      <p:sp>
-        <p:nvSpPr>
-          <p:cNvPr id="3" name="Content Placeholder 2">
-            <a:extLst>
-              <a:ext uri="{FF2B5EF4-FFF2-40B4-BE49-F238E27FC236}">
-                <a16:creationId xmlns:a16="http://schemas.microsoft.com/office/drawing/2014/main" id="{4B743A05-2B49-C7D3-1593-BF5E56BA8B08}"/>
-              </a:ext>
-            </a:extLst>
-          </p:cNvPr>
-          <p:cNvSpPr>
-            <a:spLocks noGrp="1"/>
-          </p:cNvSpPr>
-          <p:nvPr>
-            <p:ph idx="1"/>
-          </p:nvPr>
-        </p:nvSpPr>
-        <p:spPr/>
-        <p:txBody>
-          <a:bodyPr/>
-          <a:lstStyle/>
-          <a:p>
-            <a:r>
-              <a:rPr lang="en-US" dirty="0"/>
-              <a:t>Node modules system</a:t>
-            </a:r>
           </a:p>
         </p:txBody>
       </p:sp>
@@ -6129,7 +6117,9 @@
         </p:nvSpPr>
         <p:spPr/>
         <p:txBody>
-          <a:bodyPr/>
+          <a:bodyPr numCol="2">
+            <a:normAutofit/>
+          </a:bodyPr>
           <a:lstStyle/>
           <a:p>
             <a:r>
@@ -6169,10 +6159,33 @@
           </a:p>
           <a:p>
             <a:r>
-              <a:rPr lang="en-US"/>
+              <a:rPr lang="en-US" dirty="0"/>
               <a:t>Serving HTML Pages</a:t>
             </a:r>
-            <a:endParaRPr lang="en-US" dirty="0"/>
+          </a:p>
+          <a:p>
+            <a:r>
+              <a:rPr lang="en-US" dirty="0"/>
+              <a:t>404 error page</a:t>
+            </a:r>
+          </a:p>
+          <a:p>
+            <a:r>
+              <a:rPr lang="en-US" dirty="0"/>
+              <a:t>Helper function for navigation</a:t>
+            </a:r>
+          </a:p>
+          <a:p>
+            <a:r>
+              <a:rPr lang="en-US" dirty="0"/>
+              <a:t>Styling CSS pages</a:t>
+            </a:r>
+          </a:p>
+          <a:p>
+            <a:r>
+              <a:rPr lang="en-US" dirty="0"/>
+              <a:t>Serving Files Statically</a:t>
+            </a:r>
           </a:p>
         </p:txBody>
       </p:sp>
@@ -6180,6 +6193,1257 @@
     <p:extLst>
       <p:ext uri="{BB962C8B-B14F-4D97-AF65-F5344CB8AC3E}">
         <p14:creationId xmlns:p14="http://schemas.microsoft.com/office/powerpoint/2010/main" val="1527157845"/>
+      </p:ext>
+    </p:extLst>
+  </p:cSld>
+  <p:clrMapOvr>
+    <a:masterClrMapping/>
+  </p:clrMapOvr>
+</p:sld>
+</file>
+
+<file path=ppt/slides/slide21.xml><?xml version="1.0" encoding="utf-8"?>
+<p:sld xmlns:a="http://schemas.openxmlformats.org/drawingml/2006/main" xmlns:r="http://schemas.openxmlformats.org/officeDocument/2006/relationships" xmlns:p="http://schemas.openxmlformats.org/presentationml/2006/main">
+  <p:cSld>
+    <p:spTree>
+      <p:nvGrpSpPr>
+        <p:cNvPr id="1" name=""/>
+        <p:cNvGrpSpPr/>
+        <p:nvPr/>
+      </p:nvGrpSpPr>
+      <p:grpSpPr>
+        <a:xfrm>
+          <a:off x="0" y="0"/>
+          <a:ext cx="0" cy="0"/>
+          <a:chOff x="0" y="0"/>
+          <a:chExt cx="0" cy="0"/>
+        </a:xfrm>
+      </p:grpSpPr>
+      <p:sp>
+        <p:nvSpPr>
+          <p:cNvPr id="2" name="Title 1">
+            <a:extLst>
+              <a:ext uri="{FF2B5EF4-FFF2-40B4-BE49-F238E27FC236}">
+                <a16:creationId xmlns:a16="http://schemas.microsoft.com/office/drawing/2014/main" id="{9049D77F-7EFE-1A07-ECB8-CC71EE7E6842}"/>
+              </a:ext>
+            </a:extLst>
+          </p:cNvPr>
+          <p:cNvSpPr>
+            <a:spLocks noGrp="1"/>
+          </p:cNvSpPr>
+          <p:nvPr>
+            <p:ph type="title"/>
+          </p:nvPr>
+        </p:nvSpPr>
+        <p:spPr/>
+        <p:txBody>
+          <a:bodyPr/>
+          <a:lstStyle/>
+          <a:p>
+            <a:r>
+              <a:rPr lang="en-US" dirty="0"/>
+              <a:t>Module summary</a:t>
+            </a:r>
+          </a:p>
+        </p:txBody>
+      </p:sp>
+      <p:sp>
+        <p:nvSpPr>
+          <p:cNvPr id="3" name="Content Placeholder 2">
+            <a:extLst>
+              <a:ext uri="{FF2B5EF4-FFF2-40B4-BE49-F238E27FC236}">
+                <a16:creationId xmlns:a16="http://schemas.microsoft.com/office/drawing/2014/main" id="{5C167EE9-3DB0-5B8E-CAE2-89DE33757125}"/>
+              </a:ext>
+            </a:extLst>
+          </p:cNvPr>
+          <p:cNvSpPr>
+            <a:spLocks noGrp="1"/>
+          </p:cNvSpPr>
+          <p:nvPr>
+            <p:ph idx="1"/>
+          </p:nvPr>
+        </p:nvSpPr>
+        <p:spPr>
+          <a:xfrm>
+            <a:off x="838200" y="1331650"/>
+            <a:ext cx="10515600" cy="4845313"/>
+          </a:xfrm>
+        </p:spPr>
+        <p:txBody>
+          <a:bodyPr>
+            <a:normAutofit fontScale="70000" lnSpcReduction="20000"/>
+          </a:bodyPr>
+          <a:lstStyle/>
+          <a:p>
+            <a:pPr marL="0" indent="0">
+              <a:buNone/>
+            </a:pPr>
+            <a:r>
+              <a:rPr lang="en-US" dirty="0"/>
+              <a:t>What is Express.js?</a:t>
+            </a:r>
+          </a:p>
+          <a:p>
+            <a:pPr lvl="1"/>
+            <a:r>
+              <a:rPr lang="en-US" dirty="0"/>
+              <a:t>Express.js is Node.js framework – a package that adds a bunch of utility functions and tools and a clear set of rules on how the app should be built (middleware!)</a:t>
+            </a:r>
+          </a:p>
+          <a:p>
+            <a:pPr lvl="1"/>
+            <a:r>
+              <a:rPr lang="en-US" dirty="0"/>
+              <a:t>It’s highly extensible and other packages can be plugged into it (middleware)</a:t>
+            </a:r>
+          </a:p>
+          <a:p>
+            <a:pPr marL="0" indent="0">
+              <a:buNone/>
+            </a:pPr>
+            <a:r>
+              <a:rPr lang="en-US" dirty="0"/>
+              <a:t>Middleware, next() and res()</a:t>
+            </a:r>
+          </a:p>
+          <a:p>
+            <a:pPr lvl="1"/>
+            <a:r>
+              <a:rPr lang="en-US" dirty="0"/>
+              <a:t>Express.js relies heavily on middleware functions – you can easily add them by calling use()</a:t>
+            </a:r>
+          </a:p>
+          <a:p>
+            <a:pPr lvl="1"/>
+            <a:r>
+              <a:rPr lang="en-US" dirty="0"/>
+              <a:t>Middleware functions handle a request and should call next() to forward the request to the next function in line or send a response</a:t>
+            </a:r>
+          </a:p>
+          <a:p>
+            <a:pPr marL="0" indent="0">
+              <a:buNone/>
+            </a:pPr>
+            <a:r>
+              <a:rPr lang="en-US" dirty="0"/>
+              <a:t>Routing</a:t>
+            </a:r>
+          </a:p>
+          <a:p>
+            <a:pPr lvl="1"/>
+            <a:r>
+              <a:rPr lang="en-US" dirty="0"/>
+              <a:t>You can filter requests by path and method</a:t>
+            </a:r>
+          </a:p>
+          <a:p>
+            <a:pPr lvl="1"/>
+            <a:r>
+              <a:rPr lang="en-US" dirty="0"/>
+              <a:t>If you filter by method, paths are matched exactly, otherwise, the first segment of a URL is matched</a:t>
+            </a:r>
+          </a:p>
+          <a:p>
+            <a:pPr lvl="1"/>
+            <a:r>
+              <a:rPr lang="en-US" dirty="0"/>
+              <a:t>You can use the </a:t>
+            </a:r>
+            <a:r>
+              <a:rPr lang="en-US" dirty="0" err="1"/>
+              <a:t>express.router</a:t>
+            </a:r>
+            <a:r>
+              <a:rPr lang="en-US" dirty="0"/>
+              <a:t> to split you routes across files </a:t>
+            </a:r>
+            <a:r>
+              <a:rPr lang="en-US" dirty="0" err="1"/>
+              <a:t>elegantely</a:t>
+            </a:r>
+            <a:endParaRPr lang="en-US" dirty="0"/>
+          </a:p>
+          <a:p>
+            <a:pPr marL="0" indent="0">
+              <a:buNone/>
+            </a:pPr>
+            <a:r>
+              <a:rPr lang="en-US" dirty="0"/>
+              <a:t>Serve Files</a:t>
+            </a:r>
+          </a:p>
+          <a:p>
+            <a:pPr lvl="1"/>
+            <a:r>
+              <a:rPr lang="en-US" dirty="0"/>
+              <a:t>You’re not limited to serving dummy text as a response</a:t>
+            </a:r>
+          </a:p>
+          <a:p>
+            <a:pPr lvl="1"/>
+            <a:r>
+              <a:rPr lang="en-US" dirty="0"/>
+              <a:t>You can </a:t>
+            </a:r>
+            <a:r>
+              <a:rPr lang="en-US" dirty="0" err="1"/>
+              <a:t>sendFile</a:t>
+            </a:r>
+            <a:r>
+              <a:rPr lang="en-US" dirty="0"/>
+              <a:t>() to your users – </a:t>
+            </a:r>
+            <a:r>
+              <a:rPr lang="en-US" dirty="0" err="1"/>
+              <a:t>e.g</a:t>
+            </a:r>
+            <a:r>
+              <a:rPr lang="en-US" dirty="0"/>
+              <a:t> HTML files</a:t>
+            </a:r>
+          </a:p>
+          <a:p>
+            <a:pPr lvl="1"/>
+            <a:r>
+              <a:rPr lang="en-US" dirty="0"/>
+              <a:t>If a request is directly made for a file (</a:t>
+            </a:r>
+            <a:r>
+              <a:rPr lang="en-US" dirty="0" err="1"/>
+              <a:t>e.g</a:t>
+            </a:r>
+            <a:r>
+              <a:rPr lang="en-US" dirty="0"/>
+              <a:t> a .</a:t>
+            </a:r>
+            <a:r>
+              <a:rPr lang="en-US" dirty="0" err="1"/>
+              <a:t>css</a:t>
+            </a:r>
+            <a:r>
+              <a:rPr lang="en-US" dirty="0"/>
+              <a:t> file is requested), you can enable static serving for such files via </a:t>
+            </a:r>
+            <a:r>
+              <a:rPr lang="en-US" dirty="0" err="1"/>
+              <a:t>express.static</a:t>
+            </a:r>
+            <a:r>
+              <a:rPr lang="en-US" dirty="0"/>
+              <a:t>()</a:t>
+            </a:r>
+          </a:p>
+        </p:txBody>
+      </p:sp>
+    </p:spTree>
+    <p:extLst>
+      <p:ext uri="{BB962C8B-B14F-4D97-AF65-F5344CB8AC3E}">
+        <p14:creationId xmlns:p14="http://schemas.microsoft.com/office/powerpoint/2010/main" val="439997610"/>
+      </p:ext>
+    </p:extLst>
+  </p:cSld>
+  <p:clrMapOvr>
+    <a:masterClrMapping/>
+  </p:clrMapOvr>
+</p:sld>
+</file>
+
+<file path=ppt/slides/slide22.xml><?xml version="1.0" encoding="utf-8"?>
+<p:sld xmlns:a="http://schemas.openxmlformats.org/drawingml/2006/main" xmlns:r="http://schemas.openxmlformats.org/officeDocument/2006/relationships" xmlns:p="http://schemas.openxmlformats.org/presentationml/2006/main">
+  <p:cSld>
+    <p:spTree>
+      <p:nvGrpSpPr>
+        <p:cNvPr id="1" name=""/>
+        <p:cNvGrpSpPr/>
+        <p:nvPr/>
+      </p:nvGrpSpPr>
+      <p:grpSpPr>
+        <a:xfrm>
+          <a:off x="0" y="0"/>
+          <a:ext cx="0" cy="0"/>
+          <a:chOff x="0" y="0"/>
+          <a:chExt cx="0" cy="0"/>
+        </a:xfrm>
+      </p:grpSpPr>
+      <p:sp>
+        <p:nvSpPr>
+          <p:cNvPr id="2" name="Title 1">
+            <a:extLst>
+              <a:ext uri="{FF2B5EF4-FFF2-40B4-BE49-F238E27FC236}">
+                <a16:creationId xmlns:a16="http://schemas.microsoft.com/office/drawing/2014/main" id="{67267A34-0EE1-D980-6CC8-85604BA72C3C}"/>
+              </a:ext>
+            </a:extLst>
+          </p:cNvPr>
+          <p:cNvSpPr>
+            <a:spLocks noGrp="1"/>
+          </p:cNvSpPr>
+          <p:nvPr>
+            <p:ph type="title"/>
+          </p:nvPr>
+        </p:nvSpPr>
+        <p:spPr/>
+        <p:txBody>
+          <a:bodyPr/>
+          <a:lstStyle/>
+          <a:p>
+            <a:r>
+              <a:rPr lang="en-US" dirty="0"/>
+              <a:t>Dynamic Content &amp; Templates</a:t>
+            </a:r>
+          </a:p>
+        </p:txBody>
+      </p:sp>
+      <p:sp>
+        <p:nvSpPr>
+          <p:cNvPr id="3" name="Content Placeholder 2">
+            <a:extLst>
+              <a:ext uri="{FF2B5EF4-FFF2-40B4-BE49-F238E27FC236}">
+                <a16:creationId xmlns:a16="http://schemas.microsoft.com/office/drawing/2014/main" id="{F372CD2E-7619-664B-B8FA-BC2078E5EC08}"/>
+              </a:ext>
+            </a:extLst>
+          </p:cNvPr>
+          <p:cNvSpPr>
+            <a:spLocks noGrp="1"/>
+          </p:cNvSpPr>
+          <p:nvPr>
+            <p:ph idx="1"/>
+          </p:nvPr>
+        </p:nvSpPr>
+        <p:spPr/>
+        <p:txBody>
+          <a:bodyPr/>
+          <a:lstStyle/>
+          <a:p>
+            <a:r>
+              <a:rPr lang="en-US" dirty="0"/>
+              <a:t>Managing data (without database)</a:t>
+            </a:r>
+          </a:p>
+          <a:p>
+            <a:r>
+              <a:rPr lang="en-US" dirty="0"/>
+              <a:t>Render dynamic content in our Views</a:t>
+            </a:r>
+          </a:p>
+          <a:p>
+            <a:r>
+              <a:rPr lang="en-US" dirty="0"/>
+              <a:t>Understanding Templating Engines</a:t>
+            </a:r>
+          </a:p>
+        </p:txBody>
+      </p:sp>
+    </p:spTree>
+    <p:extLst>
+      <p:ext uri="{BB962C8B-B14F-4D97-AF65-F5344CB8AC3E}">
+        <p14:creationId xmlns:p14="http://schemas.microsoft.com/office/powerpoint/2010/main" val="3861727420"/>
+      </p:ext>
+    </p:extLst>
+  </p:cSld>
+  <p:clrMapOvr>
+    <a:masterClrMapping/>
+  </p:clrMapOvr>
+</p:sld>
+</file>
+
+<file path=ppt/slides/slide23.xml><?xml version="1.0" encoding="utf-8"?>
+<p:sld xmlns:a="http://schemas.openxmlformats.org/drawingml/2006/main" xmlns:r="http://schemas.openxmlformats.org/officeDocument/2006/relationships" xmlns:p="http://schemas.openxmlformats.org/presentationml/2006/main">
+  <p:cSld>
+    <p:spTree>
+      <p:nvGrpSpPr>
+        <p:cNvPr id="1" name=""/>
+        <p:cNvGrpSpPr/>
+        <p:nvPr/>
+      </p:nvGrpSpPr>
+      <p:grpSpPr>
+        <a:xfrm>
+          <a:off x="0" y="0"/>
+          <a:ext cx="0" cy="0"/>
+          <a:chOff x="0" y="0"/>
+          <a:chExt cx="0" cy="0"/>
+        </a:xfrm>
+      </p:grpSpPr>
+      <p:sp>
+        <p:nvSpPr>
+          <p:cNvPr id="2" name="Title 1">
+            <a:extLst>
+              <a:ext uri="{FF2B5EF4-FFF2-40B4-BE49-F238E27FC236}">
+                <a16:creationId xmlns:a16="http://schemas.microsoft.com/office/drawing/2014/main" id="{CD95D7BE-3E32-C4B5-4F60-A8D03D25B004}"/>
+              </a:ext>
+            </a:extLst>
+          </p:cNvPr>
+          <p:cNvSpPr>
+            <a:spLocks noGrp="1"/>
+          </p:cNvSpPr>
+          <p:nvPr>
+            <p:ph type="title"/>
+          </p:nvPr>
+        </p:nvSpPr>
+        <p:spPr/>
+        <p:txBody>
+          <a:bodyPr/>
+          <a:lstStyle/>
+          <a:p>
+            <a:r>
+              <a:rPr lang="en-US" dirty="0"/>
+              <a:t>Templating Engines</a:t>
+            </a:r>
+          </a:p>
+        </p:txBody>
+      </p:sp>
+      <p:sp>
+        <p:nvSpPr>
+          <p:cNvPr id="4" name="Rectangle 3">
+            <a:extLst>
+              <a:ext uri="{FF2B5EF4-FFF2-40B4-BE49-F238E27FC236}">
+                <a16:creationId xmlns:a16="http://schemas.microsoft.com/office/drawing/2014/main" id="{6CD58A40-1118-7BD3-1AAF-5931D8C0010F}"/>
+              </a:ext>
+            </a:extLst>
+          </p:cNvPr>
+          <p:cNvSpPr/>
+          <p:nvPr/>
+        </p:nvSpPr>
+        <p:spPr>
+          <a:xfrm>
+            <a:off x="5113538" y="1589103"/>
+            <a:ext cx="3710866" cy="648070"/>
+          </a:xfrm>
+          <a:prstGeom prst="rect">
+            <a:avLst/>
+          </a:prstGeom>
+        </p:spPr>
+        <p:style>
+          <a:lnRef idx="2">
+            <a:schemeClr val="accent1">
+              <a:shade val="15000"/>
+            </a:schemeClr>
+          </a:lnRef>
+          <a:fillRef idx="1">
+            <a:schemeClr val="accent1"/>
+          </a:fillRef>
+          <a:effectRef idx="0">
+            <a:schemeClr val="accent1"/>
+          </a:effectRef>
+          <a:fontRef idx="minor">
+            <a:schemeClr val="lt1"/>
+          </a:fontRef>
+        </p:style>
+        <p:txBody>
+          <a:bodyPr rtlCol="0" anchor="ctr"/>
+          <a:lstStyle/>
+          <a:p>
+            <a:pPr algn="ctr"/>
+            <a:r>
+              <a:rPr lang="en-US" dirty="0" err="1"/>
+              <a:t>HTMLish</a:t>
+            </a:r>
+            <a:r>
+              <a:rPr lang="en-US" dirty="0"/>
+              <a:t> Template</a:t>
+            </a:r>
+          </a:p>
+        </p:txBody>
+      </p:sp>
+      <p:sp>
+        <p:nvSpPr>
+          <p:cNvPr id="5" name="Rectangle 4">
+            <a:extLst>
+              <a:ext uri="{FF2B5EF4-FFF2-40B4-BE49-F238E27FC236}">
+                <a16:creationId xmlns:a16="http://schemas.microsoft.com/office/drawing/2014/main" id="{B77738EF-4AB6-0DB8-67C3-5DBBEB2AD616}"/>
+              </a:ext>
+            </a:extLst>
+          </p:cNvPr>
+          <p:cNvSpPr/>
+          <p:nvPr/>
+        </p:nvSpPr>
+        <p:spPr>
+          <a:xfrm>
+            <a:off x="5113538" y="3747856"/>
+            <a:ext cx="3710866" cy="648070"/>
+          </a:xfrm>
+          <a:prstGeom prst="rect">
+            <a:avLst/>
+          </a:prstGeom>
+        </p:spPr>
+        <p:style>
+          <a:lnRef idx="2">
+            <a:schemeClr val="accent1">
+              <a:shade val="15000"/>
+            </a:schemeClr>
+          </a:lnRef>
+          <a:fillRef idx="1">
+            <a:schemeClr val="accent1"/>
+          </a:fillRef>
+          <a:effectRef idx="0">
+            <a:schemeClr val="accent1"/>
+          </a:effectRef>
+          <a:fontRef idx="minor">
+            <a:schemeClr val="lt1"/>
+          </a:fontRef>
+        </p:style>
+        <p:txBody>
+          <a:bodyPr rtlCol="0" anchor="ctr"/>
+          <a:lstStyle/>
+          <a:p>
+            <a:pPr algn="ctr"/>
+            <a:r>
+              <a:rPr lang="en-US" dirty="0"/>
+              <a:t>Replaces Placeholders/Snippets with HTML Content</a:t>
+            </a:r>
+          </a:p>
+        </p:txBody>
+      </p:sp>
+      <p:sp>
+        <p:nvSpPr>
+          <p:cNvPr id="6" name="Rectangle 5">
+            <a:extLst>
+              <a:ext uri="{FF2B5EF4-FFF2-40B4-BE49-F238E27FC236}">
+                <a16:creationId xmlns:a16="http://schemas.microsoft.com/office/drawing/2014/main" id="{ED1E9C5E-4F3A-9020-5CDF-24591326922D}"/>
+              </a:ext>
+            </a:extLst>
+          </p:cNvPr>
+          <p:cNvSpPr/>
+          <p:nvPr/>
+        </p:nvSpPr>
+        <p:spPr>
+          <a:xfrm>
+            <a:off x="5113538" y="5582574"/>
+            <a:ext cx="3710866" cy="648070"/>
+          </a:xfrm>
+          <a:prstGeom prst="rect">
+            <a:avLst/>
+          </a:prstGeom>
+        </p:spPr>
+        <p:style>
+          <a:lnRef idx="2">
+            <a:schemeClr val="accent1">
+              <a:shade val="15000"/>
+            </a:schemeClr>
+          </a:lnRef>
+          <a:fillRef idx="1">
+            <a:schemeClr val="accent1"/>
+          </a:fillRef>
+          <a:effectRef idx="0">
+            <a:schemeClr val="accent1"/>
+          </a:effectRef>
+          <a:fontRef idx="minor">
+            <a:schemeClr val="lt1"/>
+          </a:fontRef>
+        </p:style>
+        <p:txBody>
+          <a:bodyPr rtlCol="0" anchor="ctr"/>
+          <a:lstStyle/>
+          <a:p>
+            <a:pPr algn="ctr"/>
+            <a:r>
+              <a:rPr lang="en-US" dirty="0"/>
+              <a:t>HTML File</a:t>
+            </a:r>
+          </a:p>
+        </p:txBody>
+      </p:sp>
+      <p:sp>
+        <p:nvSpPr>
+          <p:cNvPr id="7" name="Down Arrow 6">
+            <a:extLst>
+              <a:ext uri="{FF2B5EF4-FFF2-40B4-BE49-F238E27FC236}">
+                <a16:creationId xmlns:a16="http://schemas.microsoft.com/office/drawing/2014/main" id="{431DE2DE-2334-B929-D49D-01D5D923501D}"/>
+              </a:ext>
+            </a:extLst>
+          </p:cNvPr>
+          <p:cNvSpPr/>
+          <p:nvPr/>
+        </p:nvSpPr>
+        <p:spPr>
+          <a:xfrm>
+            <a:off x="6782540" y="2379216"/>
+            <a:ext cx="585926" cy="1171852"/>
+          </a:xfrm>
+          <a:prstGeom prst="downArrow">
+            <a:avLst/>
+          </a:prstGeom>
+        </p:spPr>
+        <p:style>
+          <a:lnRef idx="2">
+            <a:schemeClr val="accent1">
+              <a:shade val="15000"/>
+            </a:schemeClr>
+          </a:lnRef>
+          <a:fillRef idx="1">
+            <a:schemeClr val="accent1"/>
+          </a:fillRef>
+          <a:effectRef idx="0">
+            <a:schemeClr val="accent1"/>
+          </a:effectRef>
+          <a:fontRef idx="minor">
+            <a:schemeClr val="lt1"/>
+          </a:fontRef>
+        </p:style>
+        <p:txBody>
+          <a:bodyPr rtlCol="0" anchor="ctr"/>
+          <a:lstStyle/>
+          <a:p>
+            <a:pPr algn="ctr"/>
+            <a:endParaRPr lang="en-US"/>
+          </a:p>
+        </p:txBody>
+      </p:sp>
+      <p:sp>
+        <p:nvSpPr>
+          <p:cNvPr id="8" name="Down Arrow 7">
+            <a:extLst>
+              <a:ext uri="{FF2B5EF4-FFF2-40B4-BE49-F238E27FC236}">
+                <a16:creationId xmlns:a16="http://schemas.microsoft.com/office/drawing/2014/main" id="{CC099902-D12C-D838-E4AB-4B3F7EF5414E}"/>
+              </a:ext>
+            </a:extLst>
+          </p:cNvPr>
+          <p:cNvSpPr/>
+          <p:nvPr/>
+        </p:nvSpPr>
+        <p:spPr>
+          <a:xfrm>
+            <a:off x="6835806" y="4403324"/>
+            <a:ext cx="585926" cy="1171852"/>
+          </a:xfrm>
+          <a:prstGeom prst="downArrow">
+            <a:avLst/>
+          </a:prstGeom>
+        </p:spPr>
+        <p:style>
+          <a:lnRef idx="2">
+            <a:schemeClr val="accent1">
+              <a:shade val="15000"/>
+            </a:schemeClr>
+          </a:lnRef>
+          <a:fillRef idx="1">
+            <a:schemeClr val="accent1"/>
+          </a:fillRef>
+          <a:effectRef idx="0">
+            <a:schemeClr val="accent1"/>
+          </a:effectRef>
+          <a:fontRef idx="minor">
+            <a:schemeClr val="lt1"/>
+          </a:fontRef>
+        </p:style>
+        <p:txBody>
+          <a:bodyPr rtlCol="0" anchor="ctr"/>
+          <a:lstStyle/>
+          <a:p>
+            <a:pPr algn="ctr"/>
+            <a:endParaRPr lang="en-US"/>
+          </a:p>
+        </p:txBody>
+      </p:sp>
+    </p:spTree>
+    <p:extLst>
+      <p:ext uri="{BB962C8B-B14F-4D97-AF65-F5344CB8AC3E}">
+        <p14:creationId xmlns:p14="http://schemas.microsoft.com/office/powerpoint/2010/main" val="3097316662"/>
+      </p:ext>
+    </p:extLst>
+  </p:cSld>
+  <p:clrMapOvr>
+    <a:masterClrMapping/>
+  </p:clrMapOvr>
+</p:sld>
+</file>
+
+<file path=ppt/slides/slide24.xml><?xml version="1.0" encoding="utf-8"?>
+<p:sld xmlns:a="http://schemas.openxmlformats.org/drawingml/2006/main" xmlns:r="http://schemas.openxmlformats.org/officeDocument/2006/relationships" xmlns:p="http://schemas.openxmlformats.org/presentationml/2006/main">
+  <p:cSld>
+    <p:spTree>
+      <p:nvGrpSpPr>
+        <p:cNvPr id="1" name=""/>
+        <p:cNvGrpSpPr/>
+        <p:nvPr/>
+      </p:nvGrpSpPr>
+      <p:grpSpPr>
+        <a:xfrm>
+          <a:off x="0" y="0"/>
+          <a:ext cx="0" cy="0"/>
+          <a:chOff x="0" y="0"/>
+          <a:chExt cx="0" cy="0"/>
+        </a:xfrm>
+      </p:grpSpPr>
+      <p:sp>
+        <p:nvSpPr>
+          <p:cNvPr id="2" name="Title 1">
+            <a:extLst>
+              <a:ext uri="{FF2B5EF4-FFF2-40B4-BE49-F238E27FC236}">
+                <a16:creationId xmlns:a16="http://schemas.microsoft.com/office/drawing/2014/main" id="{317EEC32-D420-3C08-8BA0-FBC221F60A7E}"/>
+              </a:ext>
+            </a:extLst>
+          </p:cNvPr>
+          <p:cNvSpPr>
+            <a:spLocks noGrp="1"/>
+          </p:cNvSpPr>
+          <p:nvPr>
+            <p:ph type="title"/>
+          </p:nvPr>
+        </p:nvSpPr>
+        <p:spPr/>
+        <p:txBody>
+          <a:bodyPr/>
+          <a:lstStyle/>
+          <a:p>
+            <a:r>
+              <a:rPr lang="en-US" dirty="0"/>
+              <a:t>Available Templating Engine</a:t>
+            </a:r>
+          </a:p>
+        </p:txBody>
+      </p:sp>
+      <p:sp>
+        <p:nvSpPr>
+          <p:cNvPr id="4" name="Rectangle 3">
+            <a:extLst>
+              <a:ext uri="{FF2B5EF4-FFF2-40B4-BE49-F238E27FC236}">
+                <a16:creationId xmlns:a16="http://schemas.microsoft.com/office/drawing/2014/main" id="{907B46B3-8E73-0719-7413-0EBF60199A3A}"/>
+              </a:ext>
+            </a:extLst>
+          </p:cNvPr>
+          <p:cNvSpPr/>
+          <p:nvPr/>
+        </p:nvSpPr>
+        <p:spPr>
+          <a:xfrm>
+            <a:off x="838200" y="1624614"/>
+            <a:ext cx="1931633" cy="541537"/>
+          </a:xfrm>
+          <a:prstGeom prst="rect">
+            <a:avLst/>
+          </a:prstGeom>
+        </p:spPr>
+        <p:style>
+          <a:lnRef idx="2">
+            <a:schemeClr val="accent1">
+              <a:shade val="15000"/>
+            </a:schemeClr>
+          </a:lnRef>
+          <a:fillRef idx="1">
+            <a:schemeClr val="accent1"/>
+          </a:fillRef>
+          <a:effectRef idx="0">
+            <a:schemeClr val="accent1"/>
+          </a:effectRef>
+          <a:fontRef idx="minor">
+            <a:schemeClr val="lt1"/>
+          </a:fontRef>
+        </p:style>
+        <p:txBody>
+          <a:bodyPr rtlCol="0" anchor="ctr"/>
+          <a:lstStyle/>
+          <a:p>
+            <a:pPr algn="ctr"/>
+            <a:r>
+              <a:rPr lang="en-US" dirty="0"/>
+              <a:t>EjS</a:t>
+            </a:r>
+          </a:p>
+        </p:txBody>
+      </p:sp>
+      <p:sp>
+        <p:nvSpPr>
+          <p:cNvPr id="5" name="Rectangle 4">
+            <a:extLst>
+              <a:ext uri="{FF2B5EF4-FFF2-40B4-BE49-F238E27FC236}">
+                <a16:creationId xmlns:a16="http://schemas.microsoft.com/office/drawing/2014/main" id="{EE7D950F-7DC1-AB78-540D-6514FD46F31A}"/>
+              </a:ext>
+            </a:extLst>
+          </p:cNvPr>
+          <p:cNvSpPr/>
+          <p:nvPr/>
+        </p:nvSpPr>
+        <p:spPr>
+          <a:xfrm>
+            <a:off x="5130183" y="1624613"/>
+            <a:ext cx="1931633" cy="541537"/>
+          </a:xfrm>
+          <a:prstGeom prst="rect">
+            <a:avLst/>
+          </a:prstGeom>
+        </p:spPr>
+        <p:style>
+          <a:lnRef idx="2">
+            <a:schemeClr val="accent1">
+              <a:shade val="15000"/>
+            </a:schemeClr>
+          </a:lnRef>
+          <a:fillRef idx="1">
+            <a:schemeClr val="accent1"/>
+          </a:fillRef>
+          <a:effectRef idx="0">
+            <a:schemeClr val="accent1"/>
+          </a:effectRef>
+          <a:fontRef idx="minor">
+            <a:schemeClr val="lt1"/>
+          </a:fontRef>
+        </p:style>
+        <p:txBody>
+          <a:bodyPr rtlCol="0" anchor="ctr"/>
+          <a:lstStyle/>
+          <a:p>
+            <a:pPr algn="ctr"/>
+            <a:r>
+              <a:rPr lang="en-US" dirty="0"/>
+              <a:t>Pug (jade)</a:t>
+            </a:r>
+          </a:p>
+        </p:txBody>
+      </p:sp>
+      <p:sp>
+        <p:nvSpPr>
+          <p:cNvPr id="6" name="Rectangle 5">
+            <a:extLst>
+              <a:ext uri="{FF2B5EF4-FFF2-40B4-BE49-F238E27FC236}">
+                <a16:creationId xmlns:a16="http://schemas.microsoft.com/office/drawing/2014/main" id="{634D9D05-07FB-8EF8-5F13-F4761F278576}"/>
+              </a:ext>
+            </a:extLst>
+          </p:cNvPr>
+          <p:cNvSpPr/>
+          <p:nvPr/>
+        </p:nvSpPr>
+        <p:spPr>
+          <a:xfrm>
+            <a:off x="9073348" y="1624612"/>
+            <a:ext cx="1931633" cy="541537"/>
+          </a:xfrm>
+          <a:prstGeom prst="rect">
+            <a:avLst/>
+          </a:prstGeom>
+        </p:spPr>
+        <p:style>
+          <a:lnRef idx="2">
+            <a:schemeClr val="accent1">
+              <a:shade val="15000"/>
+            </a:schemeClr>
+          </a:lnRef>
+          <a:fillRef idx="1">
+            <a:schemeClr val="accent1"/>
+          </a:fillRef>
+          <a:effectRef idx="0">
+            <a:schemeClr val="accent1"/>
+          </a:effectRef>
+          <a:fontRef idx="minor">
+            <a:schemeClr val="lt1"/>
+          </a:fontRef>
+        </p:style>
+        <p:txBody>
+          <a:bodyPr rtlCol="0" anchor="ctr"/>
+          <a:lstStyle/>
+          <a:p>
+            <a:pPr algn="ctr"/>
+            <a:r>
+              <a:rPr lang="en-US" dirty="0"/>
+              <a:t>Handlebars</a:t>
+            </a:r>
+          </a:p>
+        </p:txBody>
+      </p:sp>
+      <p:sp>
+        <p:nvSpPr>
+          <p:cNvPr id="7" name="Rectangle 6">
+            <a:extLst>
+              <a:ext uri="{FF2B5EF4-FFF2-40B4-BE49-F238E27FC236}">
+                <a16:creationId xmlns:a16="http://schemas.microsoft.com/office/drawing/2014/main" id="{18ABA56C-6B84-9E3D-ACE2-CC4F15D8F4C7}"/>
+              </a:ext>
+            </a:extLst>
+          </p:cNvPr>
+          <p:cNvSpPr/>
+          <p:nvPr/>
+        </p:nvSpPr>
+        <p:spPr>
+          <a:xfrm>
+            <a:off x="838199" y="2780191"/>
+            <a:ext cx="2988077" cy="541537"/>
+          </a:xfrm>
+          <a:prstGeom prst="rect">
+            <a:avLst/>
+          </a:prstGeom>
+        </p:spPr>
+        <p:style>
+          <a:lnRef idx="2">
+            <a:schemeClr val="accent1">
+              <a:shade val="15000"/>
+            </a:schemeClr>
+          </a:lnRef>
+          <a:fillRef idx="1">
+            <a:schemeClr val="accent1"/>
+          </a:fillRef>
+          <a:effectRef idx="0">
+            <a:schemeClr val="accent1"/>
+          </a:effectRef>
+          <a:fontRef idx="minor">
+            <a:schemeClr val="lt1"/>
+          </a:fontRef>
+        </p:style>
+        <p:txBody>
+          <a:bodyPr rtlCol="0" anchor="ctr"/>
+          <a:lstStyle/>
+          <a:p>
+            <a:pPr algn="ctr"/>
+            <a:r>
+              <a:rPr lang="en-US" dirty="0"/>
+              <a:t>&lt;p&gt;  &lt;%= name %&gt; &lt;/p&gt;</a:t>
+            </a:r>
+          </a:p>
+        </p:txBody>
+      </p:sp>
+      <p:sp>
+        <p:nvSpPr>
+          <p:cNvPr id="8" name="Rectangle 7">
+            <a:extLst>
+              <a:ext uri="{FF2B5EF4-FFF2-40B4-BE49-F238E27FC236}">
+                <a16:creationId xmlns:a16="http://schemas.microsoft.com/office/drawing/2014/main" id="{403E231A-5D96-75EF-EA03-CD5317F5FAC2}"/>
+              </a:ext>
+            </a:extLst>
+          </p:cNvPr>
+          <p:cNvSpPr/>
+          <p:nvPr/>
+        </p:nvSpPr>
+        <p:spPr>
+          <a:xfrm>
+            <a:off x="4601960" y="2755777"/>
+            <a:ext cx="2988077" cy="541537"/>
+          </a:xfrm>
+          <a:prstGeom prst="rect">
+            <a:avLst/>
+          </a:prstGeom>
+        </p:spPr>
+        <p:style>
+          <a:lnRef idx="2">
+            <a:schemeClr val="accent1">
+              <a:shade val="15000"/>
+            </a:schemeClr>
+          </a:lnRef>
+          <a:fillRef idx="1">
+            <a:schemeClr val="accent1"/>
+          </a:fillRef>
+          <a:effectRef idx="0">
+            <a:schemeClr val="accent1"/>
+          </a:effectRef>
+          <a:fontRef idx="minor">
+            <a:schemeClr val="lt1"/>
+          </a:fontRef>
+        </p:style>
+        <p:txBody>
+          <a:bodyPr rtlCol="0" anchor="ctr"/>
+          <a:lstStyle/>
+          <a:p>
+            <a:pPr algn="ctr"/>
+            <a:r>
+              <a:rPr lang="en-US" dirty="0"/>
+              <a:t>P #{name}</a:t>
+            </a:r>
+          </a:p>
+        </p:txBody>
+      </p:sp>
+      <p:sp>
+        <p:nvSpPr>
+          <p:cNvPr id="9" name="Rectangle 8">
+            <a:extLst>
+              <a:ext uri="{FF2B5EF4-FFF2-40B4-BE49-F238E27FC236}">
+                <a16:creationId xmlns:a16="http://schemas.microsoft.com/office/drawing/2014/main" id="{1A6ABD89-7A6D-62C1-DD3D-63B095610E9F}"/>
+              </a:ext>
+            </a:extLst>
+          </p:cNvPr>
+          <p:cNvSpPr/>
+          <p:nvPr/>
+        </p:nvSpPr>
+        <p:spPr>
+          <a:xfrm>
+            <a:off x="8545125" y="2755776"/>
+            <a:ext cx="2988077" cy="541537"/>
+          </a:xfrm>
+          <a:prstGeom prst="rect">
+            <a:avLst/>
+          </a:prstGeom>
+        </p:spPr>
+        <p:style>
+          <a:lnRef idx="2">
+            <a:schemeClr val="accent1">
+              <a:shade val="15000"/>
+            </a:schemeClr>
+          </a:lnRef>
+          <a:fillRef idx="1">
+            <a:schemeClr val="accent1"/>
+          </a:fillRef>
+          <a:effectRef idx="0">
+            <a:schemeClr val="accent1"/>
+          </a:effectRef>
+          <a:fontRef idx="minor">
+            <a:schemeClr val="lt1"/>
+          </a:fontRef>
+        </p:style>
+        <p:txBody>
+          <a:bodyPr rtlCol="0" anchor="ctr"/>
+          <a:lstStyle/>
+          <a:p>
+            <a:pPr algn="ctr"/>
+            <a:r>
+              <a:rPr lang="en-US" dirty="0"/>
+              <a:t>&lt;p&gt; { {name} } &lt;/p&gt;</a:t>
+            </a:r>
+          </a:p>
+        </p:txBody>
+      </p:sp>
+      <p:sp>
+        <p:nvSpPr>
+          <p:cNvPr id="10" name="Rectangle 9">
+            <a:extLst>
+              <a:ext uri="{FF2B5EF4-FFF2-40B4-BE49-F238E27FC236}">
+                <a16:creationId xmlns:a16="http://schemas.microsoft.com/office/drawing/2014/main" id="{FD2F51C4-902C-C2B3-CA77-E952F7E49E36}"/>
+              </a:ext>
+            </a:extLst>
+          </p:cNvPr>
+          <p:cNvSpPr/>
+          <p:nvPr/>
+        </p:nvSpPr>
+        <p:spPr>
+          <a:xfrm>
+            <a:off x="838198" y="4962617"/>
+            <a:ext cx="2988077" cy="1242874"/>
+          </a:xfrm>
+          <a:prstGeom prst="rect">
+            <a:avLst/>
+          </a:prstGeom>
+        </p:spPr>
+        <p:style>
+          <a:lnRef idx="2">
+            <a:schemeClr val="accent1">
+              <a:shade val="15000"/>
+            </a:schemeClr>
+          </a:lnRef>
+          <a:fillRef idx="1">
+            <a:schemeClr val="accent1"/>
+          </a:fillRef>
+          <a:effectRef idx="0">
+            <a:schemeClr val="accent1"/>
+          </a:effectRef>
+          <a:fontRef idx="minor">
+            <a:schemeClr val="lt1"/>
+          </a:fontRef>
+        </p:style>
+        <p:txBody>
+          <a:bodyPr rtlCol="0" anchor="ctr"/>
+          <a:lstStyle/>
+          <a:p>
+            <a:pPr algn="ctr"/>
+            <a:r>
+              <a:rPr lang="en-US" dirty="0"/>
+              <a:t>Use normal HTML and plain </a:t>
+            </a:r>
+            <a:r>
+              <a:rPr lang="en-US" dirty="0" err="1"/>
+              <a:t>javaScript</a:t>
+            </a:r>
+            <a:r>
+              <a:rPr lang="en-US" dirty="0"/>
+              <a:t> in your templates</a:t>
+            </a:r>
+          </a:p>
+        </p:txBody>
+      </p:sp>
+      <p:sp>
+        <p:nvSpPr>
+          <p:cNvPr id="11" name="Rectangle 10">
+            <a:extLst>
+              <a:ext uri="{FF2B5EF4-FFF2-40B4-BE49-F238E27FC236}">
+                <a16:creationId xmlns:a16="http://schemas.microsoft.com/office/drawing/2014/main" id="{BFF77489-C866-3409-3C44-9A241DCAA659}"/>
+              </a:ext>
+            </a:extLst>
+          </p:cNvPr>
+          <p:cNvSpPr/>
+          <p:nvPr/>
+        </p:nvSpPr>
+        <p:spPr>
+          <a:xfrm>
+            <a:off x="4601960" y="4962617"/>
+            <a:ext cx="2988077" cy="1242874"/>
+          </a:xfrm>
+          <a:prstGeom prst="rect">
+            <a:avLst/>
+          </a:prstGeom>
+        </p:spPr>
+        <p:style>
+          <a:lnRef idx="2">
+            <a:schemeClr val="accent1">
+              <a:shade val="15000"/>
+            </a:schemeClr>
+          </a:lnRef>
+          <a:fillRef idx="1">
+            <a:schemeClr val="accent1"/>
+          </a:fillRef>
+          <a:effectRef idx="0">
+            <a:schemeClr val="accent1"/>
+          </a:effectRef>
+          <a:fontRef idx="minor">
+            <a:schemeClr val="lt1"/>
+          </a:fontRef>
+        </p:style>
+        <p:txBody>
+          <a:bodyPr rtlCol="0" anchor="ctr"/>
+          <a:lstStyle/>
+          <a:p>
+            <a:pPr algn="ctr"/>
+            <a:r>
+              <a:rPr lang="en-US" dirty="0"/>
+              <a:t>Use minimal HTML and custom template language</a:t>
+            </a:r>
+          </a:p>
+        </p:txBody>
+      </p:sp>
+      <p:sp>
+        <p:nvSpPr>
+          <p:cNvPr id="12" name="Rectangle 11">
+            <a:extLst>
+              <a:ext uri="{FF2B5EF4-FFF2-40B4-BE49-F238E27FC236}">
+                <a16:creationId xmlns:a16="http://schemas.microsoft.com/office/drawing/2014/main" id="{EA4CD8D4-C0BC-A4C9-7551-FC598CB9F716}"/>
+              </a:ext>
+            </a:extLst>
+          </p:cNvPr>
+          <p:cNvSpPr/>
+          <p:nvPr/>
+        </p:nvSpPr>
+        <p:spPr>
+          <a:xfrm>
+            <a:off x="8545125" y="4962617"/>
+            <a:ext cx="2988077" cy="1242874"/>
+          </a:xfrm>
+          <a:prstGeom prst="rect">
+            <a:avLst/>
+          </a:prstGeom>
+        </p:spPr>
+        <p:style>
+          <a:lnRef idx="2">
+            <a:schemeClr val="accent1">
+              <a:shade val="15000"/>
+            </a:schemeClr>
+          </a:lnRef>
+          <a:fillRef idx="1">
+            <a:schemeClr val="accent1"/>
+          </a:fillRef>
+          <a:effectRef idx="0">
+            <a:schemeClr val="accent1"/>
+          </a:effectRef>
+          <a:fontRef idx="minor">
+            <a:schemeClr val="lt1"/>
+          </a:fontRef>
+        </p:style>
+        <p:txBody>
+          <a:bodyPr rtlCol="0" anchor="ctr"/>
+          <a:lstStyle/>
+          <a:p>
+            <a:pPr algn="ctr"/>
+            <a:r>
+              <a:rPr lang="en-US" dirty="0"/>
+              <a:t>Use normal HTML and custom template language</a:t>
+            </a:r>
+          </a:p>
+        </p:txBody>
+      </p:sp>
+    </p:spTree>
+    <p:extLst>
+      <p:ext uri="{BB962C8B-B14F-4D97-AF65-F5344CB8AC3E}">
+        <p14:creationId xmlns:p14="http://schemas.microsoft.com/office/powerpoint/2010/main" val="3280706969"/>
+      </p:ext>
+    </p:extLst>
+  </p:cSld>
+  <p:clrMapOvr>
+    <a:masterClrMapping/>
+  </p:clrMapOvr>
+</p:sld>
+</file>
+
+<file path=ppt/slides/slide25.xml><?xml version="1.0" encoding="utf-8"?>
+<p:sld xmlns:a="http://schemas.openxmlformats.org/drawingml/2006/main" xmlns:r="http://schemas.openxmlformats.org/officeDocument/2006/relationships" xmlns:p="http://schemas.openxmlformats.org/presentationml/2006/main">
+  <p:cSld>
+    <p:spTree>
+      <p:nvGrpSpPr>
+        <p:cNvPr id="1" name=""/>
+        <p:cNvGrpSpPr/>
+        <p:nvPr/>
+      </p:nvGrpSpPr>
+      <p:grpSpPr>
+        <a:xfrm>
+          <a:off x="0" y="0"/>
+          <a:ext cx="0" cy="0"/>
+          <a:chOff x="0" y="0"/>
+          <a:chExt cx="0" cy="0"/>
+        </a:xfrm>
+      </p:grpSpPr>
+      <p:sp>
+        <p:nvSpPr>
+          <p:cNvPr id="2" name="Title 1">
+            <a:extLst>
+              <a:ext uri="{FF2B5EF4-FFF2-40B4-BE49-F238E27FC236}">
+                <a16:creationId xmlns:a16="http://schemas.microsoft.com/office/drawing/2014/main" id="{80DB373D-D9CF-921D-13BF-6522D0749CF1}"/>
+              </a:ext>
+            </a:extLst>
+          </p:cNvPr>
+          <p:cNvSpPr>
+            <a:spLocks noGrp="1"/>
+          </p:cNvSpPr>
+          <p:nvPr>
+            <p:ph type="title"/>
+          </p:nvPr>
+        </p:nvSpPr>
+        <p:spPr/>
+        <p:txBody>
+          <a:bodyPr/>
+          <a:lstStyle/>
+          <a:p>
+            <a:endParaRPr lang="en-US"/>
+          </a:p>
+        </p:txBody>
+      </p:sp>
+      <p:sp>
+        <p:nvSpPr>
+          <p:cNvPr id="3" name="Content Placeholder 2">
+            <a:extLst>
+              <a:ext uri="{FF2B5EF4-FFF2-40B4-BE49-F238E27FC236}">
+                <a16:creationId xmlns:a16="http://schemas.microsoft.com/office/drawing/2014/main" id="{8B18AC50-97E2-1D78-91FB-E5A924341035}"/>
+              </a:ext>
+            </a:extLst>
+          </p:cNvPr>
+          <p:cNvSpPr>
+            <a:spLocks noGrp="1"/>
+          </p:cNvSpPr>
+          <p:nvPr>
+            <p:ph idx="1"/>
+          </p:nvPr>
+        </p:nvSpPr>
+        <p:spPr/>
+        <p:txBody>
+          <a:bodyPr/>
+          <a:lstStyle/>
+          <a:p>
+            <a:r>
+              <a:rPr lang="en-US" dirty="0"/>
+              <a:t>Sharing Data Access Requests &amp; users</a:t>
+            </a:r>
+          </a:p>
+          <a:p>
+            <a:r>
+              <a:rPr lang="en-US" dirty="0"/>
+              <a:t>Installing &amp; implementing Pug</a:t>
+            </a:r>
+          </a:p>
+          <a:p>
+            <a:r>
+              <a:rPr lang="en-US"/>
+              <a:t>Outputting Dynamic Content</a:t>
+            </a:r>
+            <a:endParaRPr lang="en-US" dirty="0"/>
+          </a:p>
+          <a:p>
+            <a:endParaRPr lang="en-US" dirty="0"/>
+          </a:p>
+        </p:txBody>
+      </p:sp>
+    </p:spTree>
+    <p:extLst>
+      <p:ext uri="{BB962C8B-B14F-4D97-AF65-F5344CB8AC3E}">
+        <p14:creationId xmlns:p14="http://schemas.microsoft.com/office/powerpoint/2010/main" val="1359382990"/>
       </p:ext>
     </p:extLst>
   </p:cSld>

--- a/Node/node.pptx
+++ b/Node/node.pptx
@@ -285,7 +285,7 @@
           <a:p>
             <a:fld id="{70AC578A-F481-8B4F-AC68-5322D79242CE}" type="datetimeFigureOut">
               <a:rPr lang="en-US" smtClean="0"/>
-              <a:t>11/14/25</a:t>
+              <a:t>11/19/25</a:t>
             </a:fld>
             <a:endParaRPr lang="en-US"/>
           </a:p>
@@ -485,7 +485,7 @@
           <a:p>
             <a:fld id="{70AC578A-F481-8B4F-AC68-5322D79242CE}" type="datetimeFigureOut">
               <a:rPr lang="en-US" smtClean="0"/>
-              <a:t>11/14/25</a:t>
+              <a:t>11/19/25</a:t>
             </a:fld>
             <a:endParaRPr lang="en-US"/>
           </a:p>
@@ -695,7 +695,7 @@
           <a:p>
             <a:fld id="{70AC578A-F481-8B4F-AC68-5322D79242CE}" type="datetimeFigureOut">
               <a:rPr lang="en-US" smtClean="0"/>
-              <a:t>11/14/25</a:t>
+              <a:t>11/19/25</a:t>
             </a:fld>
             <a:endParaRPr lang="en-US"/>
           </a:p>
@@ -895,7 +895,7 @@
           <a:p>
             <a:fld id="{70AC578A-F481-8B4F-AC68-5322D79242CE}" type="datetimeFigureOut">
               <a:rPr lang="en-US" smtClean="0"/>
-              <a:t>11/14/25</a:t>
+              <a:t>11/19/25</a:t>
             </a:fld>
             <a:endParaRPr lang="en-US"/>
           </a:p>
@@ -1171,7 +1171,7 @@
           <a:p>
             <a:fld id="{70AC578A-F481-8B4F-AC68-5322D79242CE}" type="datetimeFigureOut">
               <a:rPr lang="en-US" smtClean="0"/>
-              <a:t>11/14/25</a:t>
+              <a:t>11/19/25</a:t>
             </a:fld>
             <a:endParaRPr lang="en-US"/>
           </a:p>
@@ -1439,7 +1439,7 @@
           <a:p>
             <a:fld id="{70AC578A-F481-8B4F-AC68-5322D79242CE}" type="datetimeFigureOut">
               <a:rPr lang="en-US" smtClean="0"/>
-              <a:t>11/14/25</a:t>
+              <a:t>11/19/25</a:t>
             </a:fld>
             <a:endParaRPr lang="en-US"/>
           </a:p>
@@ -1854,7 +1854,7 @@
           <a:p>
             <a:fld id="{70AC578A-F481-8B4F-AC68-5322D79242CE}" type="datetimeFigureOut">
               <a:rPr lang="en-US" smtClean="0"/>
-              <a:t>11/14/25</a:t>
+              <a:t>11/19/25</a:t>
             </a:fld>
             <a:endParaRPr lang="en-US"/>
           </a:p>
@@ -1996,7 +1996,7 @@
           <a:p>
             <a:fld id="{70AC578A-F481-8B4F-AC68-5322D79242CE}" type="datetimeFigureOut">
               <a:rPr lang="en-US" smtClean="0"/>
-              <a:t>11/14/25</a:t>
+              <a:t>11/19/25</a:t>
             </a:fld>
             <a:endParaRPr lang="en-US"/>
           </a:p>
@@ -2109,7 +2109,7 @@
           <a:p>
             <a:fld id="{70AC578A-F481-8B4F-AC68-5322D79242CE}" type="datetimeFigureOut">
               <a:rPr lang="en-US" smtClean="0"/>
-              <a:t>11/14/25</a:t>
+              <a:t>11/19/25</a:t>
             </a:fld>
             <a:endParaRPr lang="en-US"/>
           </a:p>
@@ -2422,7 +2422,7 @@
           <a:p>
             <a:fld id="{70AC578A-F481-8B4F-AC68-5322D79242CE}" type="datetimeFigureOut">
               <a:rPr lang="en-US" smtClean="0"/>
-              <a:t>11/14/25</a:t>
+              <a:t>11/19/25</a:t>
             </a:fld>
             <a:endParaRPr lang="en-US"/>
           </a:p>
@@ -2711,7 +2711,7 @@
           <a:p>
             <a:fld id="{70AC578A-F481-8B4F-AC68-5322D79242CE}" type="datetimeFigureOut">
               <a:rPr lang="en-US" smtClean="0"/>
-              <a:t>11/14/25</a:t>
+              <a:t>11/19/25</a:t>
             </a:fld>
             <a:endParaRPr lang="en-US"/>
           </a:p>
@@ -2954,7 +2954,7 @@
           <a:p>
             <a:fld id="{70AC578A-F481-8B4F-AC68-5322D79242CE}" type="datetimeFigureOut">
               <a:rPr lang="en-US" smtClean="0"/>
-              <a:t>11/14/25</a:t>
+              <a:t>11/19/25</a:t>
             </a:fld>
             <a:endParaRPr lang="en-US"/>
           </a:p>
@@ -7430,9 +7430,33 @@
           </a:p>
           <a:p>
             <a:r>
+              <a:rPr lang="en-US" dirty="0"/>
+              <a:t>Outputting Dynamic Content</a:t>
+            </a:r>
+          </a:p>
+          <a:p>
+            <a:r>
+              <a:rPr lang="en-US" dirty="0"/>
+              <a:t>Converting HTML files to Pug</a:t>
+            </a:r>
+          </a:p>
+          <a:p>
+            <a:r>
+              <a:rPr lang="en-US" dirty="0"/>
+              <a:t>Adding a Layout</a:t>
+            </a:r>
+          </a:p>
+          <a:p>
+            <a:r>
+              <a:rPr lang="en-US" dirty="0"/>
+              <a:t>Finishing the </a:t>
+            </a:r>
+            <a:r>
               <a:rPr lang="en-US"/>
-              <a:t>Outputting Dynamic Content</a:t>
-            </a:r>
+              <a:t>pug template</a:t>
+            </a:r>
+          </a:p>
+          <a:p>
             <a:endParaRPr lang="en-US" dirty="0"/>
           </a:p>
           <a:p>

--- a/Node/node.pptx
+++ b/Node/node.pptx
@@ -285,7 +285,7 @@
           <a:p>
             <a:fld id="{70AC578A-F481-8B4F-AC68-5322D79242CE}" type="datetimeFigureOut">
               <a:rPr lang="en-US" smtClean="0"/>
-              <a:t>11/19/25</a:t>
+              <a:t>11/21/25</a:t>
             </a:fld>
             <a:endParaRPr lang="en-US"/>
           </a:p>
@@ -485,7 +485,7 @@
           <a:p>
             <a:fld id="{70AC578A-F481-8B4F-AC68-5322D79242CE}" type="datetimeFigureOut">
               <a:rPr lang="en-US" smtClean="0"/>
-              <a:t>11/19/25</a:t>
+              <a:t>11/21/25</a:t>
             </a:fld>
             <a:endParaRPr lang="en-US"/>
           </a:p>
@@ -695,7 +695,7 @@
           <a:p>
             <a:fld id="{70AC578A-F481-8B4F-AC68-5322D79242CE}" type="datetimeFigureOut">
               <a:rPr lang="en-US" smtClean="0"/>
-              <a:t>11/19/25</a:t>
+              <a:t>11/21/25</a:t>
             </a:fld>
             <a:endParaRPr lang="en-US"/>
           </a:p>
@@ -895,7 +895,7 @@
           <a:p>
             <a:fld id="{70AC578A-F481-8B4F-AC68-5322D79242CE}" type="datetimeFigureOut">
               <a:rPr lang="en-US" smtClean="0"/>
-              <a:t>11/19/25</a:t>
+              <a:t>11/21/25</a:t>
             </a:fld>
             <a:endParaRPr lang="en-US"/>
           </a:p>
@@ -1171,7 +1171,7 @@
           <a:p>
             <a:fld id="{70AC578A-F481-8B4F-AC68-5322D79242CE}" type="datetimeFigureOut">
               <a:rPr lang="en-US" smtClean="0"/>
-              <a:t>11/19/25</a:t>
+              <a:t>11/21/25</a:t>
             </a:fld>
             <a:endParaRPr lang="en-US"/>
           </a:p>
@@ -1439,7 +1439,7 @@
           <a:p>
             <a:fld id="{70AC578A-F481-8B4F-AC68-5322D79242CE}" type="datetimeFigureOut">
               <a:rPr lang="en-US" smtClean="0"/>
-              <a:t>11/19/25</a:t>
+              <a:t>11/21/25</a:t>
             </a:fld>
             <a:endParaRPr lang="en-US"/>
           </a:p>
@@ -1854,7 +1854,7 @@
           <a:p>
             <a:fld id="{70AC578A-F481-8B4F-AC68-5322D79242CE}" type="datetimeFigureOut">
               <a:rPr lang="en-US" smtClean="0"/>
-              <a:t>11/19/25</a:t>
+              <a:t>11/21/25</a:t>
             </a:fld>
             <a:endParaRPr lang="en-US"/>
           </a:p>
@@ -1996,7 +1996,7 @@
           <a:p>
             <a:fld id="{70AC578A-F481-8B4F-AC68-5322D79242CE}" type="datetimeFigureOut">
               <a:rPr lang="en-US" smtClean="0"/>
-              <a:t>11/19/25</a:t>
+              <a:t>11/21/25</a:t>
             </a:fld>
             <a:endParaRPr lang="en-US"/>
           </a:p>
@@ -2109,7 +2109,7 @@
           <a:p>
             <a:fld id="{70AC578A-F481-8B4F-AC68-5322D79242CE}" type="datetimeFigureOut">
               <a:rPr lang="en-US" smtClean="0"/>
-              <a:t>11/19/25</a:t>
+              <a:t>11/21/25</a:t>
             </a:fld>
             <a:endParaRPr lang="en-US"/>
           </a:p>
@@ -2422,7 +2422,7 @@
           <a:p>
             <a:fld id="{70AC578A-F481-8B4F-AC68-5322D79242CE}" type="datetimeFigureOut">
               <a:rPr lang="en-US" smtClean="0"/>
-              <a:t>11/19/25</a:t>
+              <a:t>11/21/25</a:t>
             </a:fld>
             <a:endParaRPr lang="en-US"/>
           </a:p>
@@ -2711,7 +2711,7 @@
           <a:p>
             <a:fld id="{70AC578A-F481-8B4F-AC68-5322D79242CE}" type="datetimeFigureOut">
               <a:rPr lang="en-US" smtClean="0"/>
-              <a:t>11/19/25</a:t>
+              <a:t>11/21/25</a:t>
             </a:fld>
             <a:endParaRPr lang="en-US"/>
           </a:p>
@@ -2954,7 +2954,7 @@
           <a:p>
             <a:fld id="{70AC578A-F481-8B4F-AC68-5322D79242CE}" type="datetimeFigureOut">
               <a:rPr lang="en-US" smtClean="0"/>
-              <a:t>11/19/25</a:t>
+              <a:t>11/21/25</a:t>
             </a:fld>
             <a:endParaRPr lang="en-US"/>
           </a:p>
@@ -7373,31 +7373,6 @@
       </p:grpSpPr>
       <p:sp>
         <p:nvSpPr>
-          <p:cNvPr id="2" name="Title 1">
-            <a:extLst>
-              <a:ext uri="{FF2B5EF4-FFF2-40B4-BE49-F238E27FC236}">
-                <a16:creationId xmlns:a16="http://schemas.microsoft.com/office/drawing/2014/main" id="{80DB373D-D9CF-921D-13BF-6522D0749CF1}"/>
-              </a:ext>
-            </a:extLst>
-          </p:cNvPr>
-          <p:cNvSpPr>
-            <a:spLocks noGrp="1"/>
-          </p:cNvSpPr>
-          <p:nvPr>
-            <p:ph type="title"/>
-          </p:nvPr>
-        </p:nvSpPr>
-        <p:spPr/>
-        <p:txBody>
-          <a:bodyPr/>
-          <a:lstStyle/>
-          <a:p>
-            <a:endParaRPr lang="en-US"/>
-          </a:p>
-        </p:txBody>
-      </p:sp>
-      <p:sp>
-        <p:nvSpPr>
           <p:cNvPr id="3" name="Content Placeholder 2">
             <a:extLst>
               <a:ext uri="{FF2B5EF4-FFF2-40B4-BE49-F238E27FC236}">
@@ -7412,9 +7387,16 @@
             <p:ph idx="1"/>
           </p:nvPr>
         </p:nvSpPr>
-        <p:spPr/>
-        <p:txBody>
-          <a:bodyPr/>
+        <p:spPr>
+          <a:xfrm>
+            <a:off x="838200" y="363984"/>
+            <a:ext cx="10515600" cy="5812979"/>
+          </a:xfrm>
+        </p:spPr>
+        <p:txBody>
+          <a:bodyPr numCol="2">
+            <a:normAutofit/>
+          </a:bodyPr>
           <a:lstStyle/>
           <a:p>
             <a:r>
@@ -7449,14 +7431,42 @@
           <a:p>
             <a:r>
               <a:rPr lang="en-US" dirty="0"/>
-              <a:t>Finishing the </a:t>
+              <a:t>Finishing the pug template</a:t>
+            </a:r>
+          </a:p>
+          <a:p>
+            <a:r>
+              <a:rPr lang="en-US" dirty="0"/>
+              <a:t>Working with Handlebars</a:t>
+            </a:r>
+          </a:p>
+          <a:p>
+            <a:r>
+              <a:rPr lang="en-US" dirty="0"/>
+              <a:t>Converting our project to handlebars</a:t>
+            </a:r>
+          </a:p>
+          <a:p>
+            <a:r>
+              <a:rPr lang="en-US" dirty="0"/>
+              <a:t>Adding the layout to handlebars</a:t>
+            </a:r>
+          </a:p>
+          <a:p>
+            <a:r>
+              <a:rPr lang="en-US" dirty="0"/>
+              <a:t>Working with EJS</a:t>
+            </a:r>
+          </a:p>
+          <a:p>
+            <a:r>
+              <a:rPr lang="en-US" dirty="0"/>
+              <a:t>Working on the </a:t>
             </a:r>
             <a:r>
               <a:rPr lang="en-US"/>
-              <a:t>pug template</a:t>
-            </a:r>
-          </a:p>
-          <a:p>
+              <a:t>Layout with Partials</a:t>
+            </a:r>
             <a:endParaRPr lang="en-US" dirty="0"/>
           </a:p>
           <a:p>

--- a/Node/node.pptx
+++ b/Node/node.pptx
@@ -30,6 +30,10 @@
     <p:sldId id="279" r:id="rId24"/>
     <p:sldId id="280" r:id="rId25"/>
     <p:sldId id="278" r:id="rId26"/>
+    <p:sldId id="281" r:id="rId27"/>
+    <p:sldId id="282" r:id="rId28"/>
+    <p:sldId id="283" r:id="rId29"/>
+    <p:sldId id="284" r:id="rId30"/>
   </p:sldIdLst>
   <p:sldSz cx="12192000" cy="6858000"/>
   <p:notesSz cx="6858000" cy="9144000"/>
@@ -285,7 +289,7 @@
           <a:p>
             <a:fld id="{70AC578A-F481-8B4F-AC68-5322D79242CE}" type="datetimeFigureOut">
               <a:rPr lang="en-US" smtClean="0"/>
-              <a:t>11/21/25</a:t>
+              <a:t>11/26/25</a:t>
             </a:fld>
             <a:endParaRPr lang="en-US"/>
           </a:p>
@@ -485,7 +489,7 @@
           <a:p>
             <a:fld id="{70AC578A-F481-8B4F-AC68-5322D79242CE}" type="datetimeFigureOut">
               <a:rPr lang="en-US" smtClean="0"/>
-              <a:t>11/21/25</a:t>
+              <a:t>11/26/25</a:t>
             </a:fld>
             <a:endParaRPr lang="en-US"/>
           </a:p>
@@ -695,7 +699,7 @@
           <a:p>
             <a:fld id="{70AC578A-F481-8B4F-AC68-5322D79242CE}" type="datetimeFigureOut">
               <a:rPr lang="en-US" smtClean="0"/>
-              <a:t>11/21/25</a:t>
+              <a:t>11/26/25</a:t>
             </a:fld>
             <a:endParaRPr lang="en-US"/>
           </a:p>
@@ -895,7 +899,7 @@
           <a:p>
             <a:fld id="{70AC578A-F481-8B4F-AC68-5322D79242CE}" type="datetimeFigureOut">
               <a:rPr lang="en-US" smtClean="0"/>
-              <a:t>11/21/25</a:t>
+              <a:t>11/26/25</a:t>
             </a:fld>
             <a:endParaRPr lang="en-US"/>
           </a:p>
@@ -1171,7 +1175,7 @@
           <a:p>
             <a:fld id="{70AC578A-F481-8B4F-AC68-5322D79242CE}" type="datetimeFigureOut">
               <a:rPr lang="en-US" smtClean="0"/>
-              <a:t>11/21/25</a:t>
+              <a:t>11/26/25</a:t>
             </a:fld>
             <a:endParaRPr lang="en-US"/>
           </a:p>
@@ -1439,7 +1443,7 @@
           <a:p>
             <a:fld id="{70AC578A-F481-8B4F-AC68-5322D79242CE}" type="datetimeFigureOut">
               <a:rPr lang="en-US" smtClean="0"/>
-              <a:t>11/21/25</a:t>
+              <a:t>11/26/25</a:t>
             </a:fld>
             <a:endParaRPr lang="en-US"/>
           </a:p>
@@ -1854,7 +1858,7 @@
           <a:p>
             <a:fld id="{70AC578A-F481-8B4F-AC68-5322D79242CE}" type="datetimeFigureOut">
               <a:rPr lang="en-US" smtClean="0"/>
-              <a:t>11/21/25</a:t>
+              <a:t>11/26/25</a:t>
             </a:fld>
             <a:endParaRPr lang="en-US"/>
           </a:p>
@@ -1996,7 +2000,7 @@
           <a:p>
             <a:fld id="{70AC578A-F481-8B4F-AC68-5322D79242CE}" type="datetimeFigureOut">
               <a:rPr lang="en-US" smtClean="0"/>
-              <a:t>11/21/25</a:t>
+              <a:t>11/26/25</a:t>
             </a:fld>
             <a:endParaRPr lang="en-US"/>
           </a:p>
@@ -2109,7 +2113,7 @@
           <a:p>
             <a:fld id="{70AC578A-F481-8B4F-AC68-5322D79242CE}" type="datetimeFigureOut">
               <a:rPr lang="en-US" smtClean="0"/>
-              <a:t>11/21/25</a:t>
+              <a:t>11/26/25</a:t>
             </a:fld>
             <a:endParaRPr lang="en-US"/>
           </a:p>
@@ -2422,7 +2426,7 @@
           <a:p>
             <a:fld id="{70AC578A-F481-8B4F-AC68-5322D79242CE}" type="datetimeFigureOut">
               <a:rPr lang="en-US" smtClean="0"/>
-              <a:t>11/21/25</a:t>
+              <a:t>11/26/25</a:t>
             </a:fld>
             <a:endParaRPr lang="en-US"/>
           </a:p>
@@ -2711,7 +2715,7 @@
           <a:p>
             <a:fld id="{70AC578A-F481-8B4F-AC68-5322D79242CE}" type="datetimeFigureOut">
               <a:rPr lang="en-US" smtClean="0"/>
-              <a:t>11/21/25</a:t>
+              <a:t>11/26/25</a:t>
             </a:fld>
             <a:endParaRPr lang="en-US"/>
           </a:p>
@@ -2954,7 +2958,7 @@
           <a:p>
             <a:fld id="{70AC578A-F481-8B4F-AC68-5322D79242CE}" type="datetimeFigureOut">
               <a:rPr lang="en-US" smtClean="0"/>
-              <a:t>11/21/25</a:t>
+              <a:t>11/26/25</a:t>
             </a:fld>
             <a:endParaRPr lang="en-US"/>
           </a:p>
@@ -7478,6 +7482,473 @@
     <p:extLst>
       <p:ext uri="{BB962C8B-B14F-4D97-AF65-F5344CB8AC3E}">
         <p14:creationId xmlns:p14="http://schemas.microsoft.com/office/powerpoint/2010/main" val="1359382990"/>
+      </p:ext>
+    </p:extLst>
+  </p:cSld>
+  <p:clrMapOvr>
+    <a:masterClrMapping/>
+  </p:clrMapOvr>
+</p:sld>
+</file>
+
+<file path=ppt/slides/slide26.xml><?xml version="1.0" encoding="utf-8"?>
+<p:sld xmlns:a="http://schemas.openxmlformats.org/drawingml/2006/main" xmlns:r="http://schemas.openxmlformats.org/officeDocument/2006/relationships" xmlns:p="http://schemas.openxmlformats.org/presentationml/2006/main">
+  <p:cSld>
+    <p:spTree>
+      <p:nvGrpSpPr>
+        <p:cNvPr id="1" name=""/>
+        <p:cNvGrpSpPr/>
+        <p:nvPr/>
+      </p:nvGrpSpPr>
+      <p:grpSpPr>
+        <a:xfrm>
+          <a:off x="0" y="0"/>
+          <a:ext cx="0" cy="0"/>
+          <a:chOff x="0" y="0"/>
+          <a:chExt cx="0" cy="0"/>
+        </a:xfrm>
+      </p:grpSpPr>
+      <p:sp>
+        <p:nvSpPr>
+          <p:cNvPr id="2" name="Title 1">
+            <a:extLst>
+              <a:ext uri="{FF2B5EF4-FFF2-40B4-BE49-F238E27FC236}">
+                <a16:creationId xmlns:a16="http://schemas.microsoft.com/office/drawing/2014/main" id="{B9B92C53-1F18-3AD3-9AF1-ED222A64FEC8}"/>
+              </a:ext>
+            </a:extLst>
+          </p:cNvPr>
+          <p:cNvSpPr>
+            <a:spLocks noGrp="1"/>
+          </p:cNvSpPr>
+          <p:nvPr>
+            <p:ph type="title"/>
+          </p:nvPr>
+        </p:nvSpPr>
+        <p:spPr/>
+        <p:txBody>
+          <a:bodyPr/>
+          <a:lstStyle/>
+          <a:p>
+            <a:r>
+              <a:rPr lang="en-US" dirty="0"/>
+              <a:t>MVC (Structuring your Code)</a:t>
+            </a:r>
+          </a:p>
+        </p:txBody>
+      </p:sp>
+      <p:sp>
+        <p:nvSpPr>
+          <p:cNvPr id="3" name="Content Placeholder 2">
+            <a:extLst>
+              <a:ext uri="{FF2B5EF4-FFF2-40B4-BE49-F238E27FC236}">
+                <a16:creationId xmlns:a16="http://schemas.microsoft.com/office/drawing/2014/main" id="{9EE730F8-40FD-6A53-8572-3AA157678B0E}"/>
+              </a:ext>
+            </a:extLst>
+          </p:cNvPr>
+          <p:cNvSpPr>
+            <a:spLocks noGrp="1"/>
+          </p:cNvSpPr>
+          <p:nvPr>
+            <p:ph idx="1"/>
+          </p:nvPr>
+        </p:nvSpPr>
+        <p:spPr>
+          <a:xfrm>
+            <a:off x="838200" y="1825625"/>
+            <a:ext cx="10515600" cy="1603375"/>
+          </a:xfrm>
+        </p:spPr>
+        <p:txBody>
+          <a:bodyPr/>
+          <a:lstStyle/>
+          <a:p>
+            <a:r>
+              <a:rPr lang="en-US" dirty="0"/>
+              <a:t>Model – Represent data in your code, work with data(save, fetch)</a:t>
+            </a:r>
+          </a:p>
+          <a:p>
+            <a:r>
+              <a:rPr lang="en-US" dirty="0"/>
+              <a:t>View – What the users see, decoupled from application code</a:t>
+            </a:r>
+          </a:p>
+          <a:p>
+            <a:r>
+              <a:rPr lang="en-US" dirty="0"/>
+              <a:t>Controller – connecting Models and Views, “in-between” logic</a:t>
+            </a:r>
+          </a:p>
+          <a:p>
+            <a:pPr marL="0" indent="0">
+              <a:buNone/>
+            </a:pPr>
+            <a:endParaRPr lang="en-US" dirty="0"/>
+          </a:p>
+        </p:txBody>
+      </p:sp>
+    </p:spTree>
+    <p:extLst>
+      <p:ext uri="{BB962C8B-B14F-4D97-AF65-F5344CB8AC3E}">
+        <p14:creationId xmlns:p14="http://schemas.microsoft.com/office/powerpoint/2010/main" val="4237711422"/>
+      </p:ext>
+    </p:extLst>
+  </p:cSld>
+  <p:clrMapOvr>
+    <a:masterClrMapping/>
+  </p:clrMapOvr>
+</p:sld>
+</file>
+
+<file path=ppt/slides/slide27.xml><?xml version="1.0" encoding="utf-8"?>
+<p:sld xmlns:a="http://schemas.openxmlformats.org/drawingml/2006/main" xmlns:r="http://schemas.openxmlformats.org/officeDocument/2006/relationships" xmlns:p="http://schemas.openxmlformats.org/presentationml/2006/main">
+  <p:cSld>
+    <p:spTree>
+      <p:nvGrpSpPr>
+        <p:cNvPr id="1" name=""/>
+        <p:cNvGrpSpPr/>
+        <p:nvPr/>
+      </p:nvGrpSpPr>
+      <p:grpSpPr>
+        <a:xfrm>
+          <a:off x="0" y="0"/>
+          <a:ext cx="0" cy="0"/>
+          <a:chOff x="0" y="0"/>
+          <a:chExt cx="0" cy="0"/>
+        </a:xfrm>
+      </p:grpSpPr>
+      <p:sp>
+        <p:nvSpPr>
+          <p:cNvPr id="2" name="Title 1">
+            <a:extLst>
+              <a:ext uri="{FF2B5EF4-FFF2-40B4-BE49-F238E27FC236}">
+                <a16:creationId xmlns:a16="http://schemas.microsoft.com/office/drawing/2014/main" id="{2C85863B-273E-3B2D-F934-53BDAB5968B3}"/>
+              </a:ext>
+            </a:extLst>
+          </p:cNvPr>
+          <p:cNvSpPr>
+            <a:spLocks noGrp="1"/>
+          </p:cNvSpPr>
+          <p:nvPr>
+            <p:ph type="title"/>
+          </p:nvPr>
+        </p:nvSpPr>
+        <p:spPr/>
+        <p:txBody>
+          <a:bodyPr/>
+          <a:lstStyle/>
+          <a:p>
+            <a:endParaRPr lang="en-US"/>
+          </a:p>
+        </p:txBody>
+      </p:sp>
+      <p:sp>
+        <p:nvSpPr>
+          <p:cNvPr id="3" name="Content Placeholder 2">
+            <a:extLst>
+              <a:ext uri="{FF2B5EF4-FFF2-40B4-BE49-F238E27FC236}">
+                <a16:creationId xmlns:a16="http://schemas.microsoft.com/office/drawing/2014/main" id="{84A2CDCD-D418-F4A4-8B13-374B0C916CF6}"/>
+              </a:ext>
+            </a:extLst>
+          </p:cNvPr>
+          <p:cNvSpPr>
+            <a:spLocks noGrp="1"/>
+          </p:cNvSpPr>
+          <p:nvPr>
+            <p:ph idx="1"/>
+          </p:nvPr>
+        </p:nvSpPr>
+        <p:spPr/>
+        <p:txBody>
+          <a:bodyPr/>
+          <a:lstStyle/>
+          <a:p>
+            <a:r>
+              <a:rPr lang="en-US" dirty="0"/>
+              <a:t>Adding Controllers</a:t>
+            </a:r>
+          </a:p>
+          <a:p>
+            <a:r>
+              <a:rPr lang="en-US" dirty="0"/>
+              <a:t>Adding a Product Model</a:t>
+            </a:r>
+          </a:p>
+          <a:p>
+            <a:r>
+              <a:rPr lang="en-US" dirty="0"/>
+              <a:t>Storing data in Files Via the Model</a:t>
+            </a:r>
+          </a:p>
+          <a:p>
+            <a:r>
+              <a:rPr lang="en-US" dirty="0"/>
+              <a:t>Fetching data from files via the Model</a:t>
+            </a:r>
+          </a:p>
+          <a:p>
+            <a:r>
+              <a:rPr lang="en-US" dirty="0"/>
+              <a:t>Refactoring the file storage code</a:t>
+            </a:r>
+          </a:p>
+          <a:p>
+            <a:endParaRPr lang="en-US" dirty="0"/>
+          </a:p>
+        </p:txBody>
+      </p:sp>
+    </p:spTree>
+    <p:extLst>
+      <p:ext uri="{BB962C8B-B14F-4D97-AF65-F5344CB8AC3E}">
+        <p14:creationId xmlns:p14="http://schemas.microsoft.com/office/powerpoint/2010/main" val="778538993"/>
+      </p:ext>
+    </p:extLst>
+  </p:cSld>
+  <p:clrMapOvr>
+    <a:masterClrMapping/>
+  </p:clrMapOvr>
+</p:sld>
+</file>
+
+<file path=ppt/slides/slide28.xml><?xml version="1.0" encoding="utf-8"?>
+<p:sld xmlns:a="http://schemas.openxmlformats.org/drawingml/2006/main" xmlns:r="http://schemas.openxmlformats.org/officeDocument/2006/relationships" xmlns:p="http://schemas.openxmlformats.org/presentationml/2006/main">
+  <p:cSld>
+    <p:spTree>
+      <p:nvGrpSpPr>
+        <p:cNvPr id="1" name=""/>
+        <p:cNvGrpSpPr/>
+        <p:nvPr/>
+      </p:nvGrpSpPr>
+      <p:grpSpPr>
+        <a:xfrm>
+          <a:off x="0" y="0"/>
+          <a:ext cx="0" cy="0"/>
+          <a:chOff x="0" y="0"/>
+          <a:chExt cx="0" cy="0"/>
+        </a:xfrm>
+      </p:grpSpPr>
+      <p:sp>
+        <p:nvSpPr>
+          <p:cNvPr id="2" name="Title 1">
+            <a:extLst>
+              <a:ext uri="{FF2B5EF4-FFF2-40B4-BE49-F238E27FC236}">
+                <a16:creationId xmlns:a16="http://schemas.microsoft.com/office/drawing/2014/main" id="{DABBCC09-64F9-44E3-4D85-1867FF1BF9D6}"/>
+              </a:ext>
+            </a:extLst>
+          </p:cNvPr>
+          <p:cNvSpPr>
+            <a:spLocks noGrp="1"/>
+          </p:cNvSpPr>
+          <p:nvPr>
+            <p:ph type="title"/>
+          </p:nvPr>
+        </p:nvSpPr>
+        <p:spPr/>
+        <p:txBody>
+          <a:bodyPr/>
+          <a:lstStyle/>
+          <a:p>
+            <a:r>
+              <a:rPr lang="en-US" dirty="0"/>
+              <a:t>Module Summary</a:t>
+            </a:r>
+          </a:p>
+        </p:txBody>
+      </p:sp>
+      <p:sp>
+        <p:nvSpPr>
+          <p:cNvPr id="3" name="Content Placeholder 2">
+            <a:extLst>
+              <a:ext uri="{FF2B5EF4-FFF2-40B4-BE49-F238E27FC236}">
+                <a16:creationId xmlns:a16="http://schemas.microsoft.com/office/drawing/2014/main" id="{8CAA83A7-918D-36D3-B65F-FF98AADE5B21}"/>
+              </a:ext>
+            </a:extLst>
+          </p:cNvPr>
+          <p:cNvSpPr>
+            <a:spLocks noGrp="1"/>
+          </p:cNvSpPr>
+          <p:nvPr>
+            <p:ph idx="1"/>
+          </p:nvPr>
+        </p:nvSpPr>
+        <p:spPr/>
+        <p:txBody>
+          <a:bodyPr>
+            <a:normAutofit lnSpcReduction="10000"/>
+          </a:bodyPr>
+          <a:lstStyle/>
+          <a:p>
+            <a:r>
+              <a:rPr lang="en-US" dirty="0"/>
+              <a:t>Model</a:t>
+            </a:r>
+          </a:p>
+          <a:p>
+            <a:pPr lvl="1"/>
+            <a:r>
+              <a:rPr lang="en-US" dirty="0"/>
+              <a:t>Responsible for representing your data</a:t>
+            </a:r>
+          </a:p>
+          <a:p>
+            <a:pPr lvl="1"/>
+            <a:r>
+              <a:rPr lang="en-US" dirty="0"/>
+              <a:t>Responsible for managing your data (saving, fetching, …)</a:t>
+            </a:r>
+          </a:p>
+          <a:p>
+            <a:pPr lvl="1"/>
+            <a:r>
+              <a:rPr lang="en-US" dirty="0"/>
+              <a:t>Doesn’t matter if you manage data in memory, files, databases</a:t>
+            </a:r>
+          </a:p>
+          <a:p>
+            <a:pPr lvl="1"/>
+            <a:r>
+              <a:rPr lang="en-US" dirty="0"/>
+              <a:t>Contains data-related logic</a:t>
+            </a:r>
+          </a:p>
+          <a:p>
+            <a:r>
+              <a:rPr lang="en-US" dirty="0"/>
+              <a:t>Controller</a:t>
+            </a:r>
+          </a:p>
+          <a:p>
+            <a:pPr lvl="1"/>
+            <a:r>
+              <a:rPr lang="en-US" dirty="0"/>
+              <a:t>Connects Model and View</a:t>
+            </a:r>
+          </a:p>
+          <a:p>
+            <a:pPr lvl="1"/>
+            <a:r>
+              <a:rPr lang="en-US" dirty="0"/>
+              <a:t>Should only make sure that the two can communicate ( in both directions)</a:t>
+            </a:r>
+          </a:p>
+          <a:p>
+            <a:r>
+              <a:rPr lang="en-US" dirty="0"/>
+              <a:t>View</a:t>
+            </a:r>
+          </a:p>
+          <a:p>
+            <a:pPr lvl="1"/>
+            <a:r>
+              <a:rPr lang="en-US" dirty="0"/>
+              <a:t>What the user sees</a:t>
+            </a:r>
+          </a:p>
+          <a:p>
+            <a:pPr lvl="1"/>
+            <a:r>
+              <a:rPr lang="en-US" dirty="0"/>
+              <a:t>Shouldn’t contain too much logic (handlebars!)</a:t>
+            </a:r>
+          </a:p>
+          <a:p>
+            <a:pPr lvl="1"/>
+            <a:endParaRPr lang="en-US" dirty="0"/>
+          </a:p>
+        </p:txBody>
+      </p:sp>
+    </p:spTree>
+    <p:extLst>
+      <p:ext uri="{BB962C8B-B14F-4D97-AF65-F5344CB8AC3E}">
+        <p14:creationId xmlns:p14="http://schemas.microsoft.com/office/powerpoint/2010/main" val="1350433101"/>
+      </p:ext>
+    </p:extLst>
+  </p:cSld>
+  <p:clrMapOvr>
+    <a:masterClrMapping/>
+  </p:clrMapOvr>
+</p:sld>
+</file>
+
+<file path=ppt/slides/slide29.xml><?xml version="1.0" encoding="utf-8"?>
+<p:sld xmlns:a="http://schemas.openxmlformats.org/drawingml/2006/main" xmlns:r="http://schemas.openxmlformats.org/officeDocument/2006/relationships" xmlns:p="http://schemas.openxmlformats.org/presentationml/2006/main">
+  <p:cSld>
+    <p:spTree>
+      <p:nvGrpSpPr>
+        <p:cNvPr id="1" name=""/>
+        <p:cNvGrpSpPr/>
+        <p:nvPr/>
+      </p:nvGrpSpPr>
+      <p:grpSpPr>
+        <a:xfrm>
+          <a:off x="0" y="0"/>
+          <a:ext cx="0" cy="0"/>
+          <a:chOff x="0" y="0"/>
+          <a:chExt cx="0" cy="0"/>
+        </a:xfrm>
+      </p:grpSpPr>
+      <p:sp>
+        <p:nvSpPr>
+          <p:cNvPr id="3" name="Content Placeholder 2">
+            <a:extLst>
+              <a:ext uri="{FF2B5EF4-FFF2-40B4-BE49-F238E27FC236}">
+                <a16:creationId xmlns:a16="http://schemas.microsoft.com/office/drawing/2014/main" id="{00750284-0580-E891-873A-A420CD2518FD}"/>
+              </a:ext>
+            </a:extLst>
+          </p:cNvPr>
+          <p:cNvSpPr>
+            <a:spLocks noGrp="1"/>
+          </p:cNvSpPr>
+          <p:nvPr>
+            <p:ph idx="1"/>
+          </p:nvPr>
+        </p:nvSpPr>
+        <p:spPr>
+          <a:xfrm>
+            <a:off x="838200" y="271604"/>
+            <a:ext cx="10515600" cy="5905359"/>
+          </a:xfrm>
+        </p:spPr>
+        <p:txBody>
+          <a:bodyPr/>
+          <a:lstStyle/>
+          <a:p>
+            <a:r>
+              <a:rPr lang="en-US" dirty="0"/>
+              <a:t>Creating the Shop Structure</a:t>
+            </a:r>
+          </a:p>
+          <a:p>
+            <a:r>
+              <a:rPr lang="en-US" dirty="0"/>
+              <a:t>Working on the Navigation</a:t>
+            </a:r>
+          </a:p>
+          <a:p>
+            <a:r>
+              <a:rPr lang="en-US" dirty="0"/>
+              <a:t>Registering the Routes</a:t>
+            </a:r>
+          </a:p>
+          <a:p>
+            <a:r>
+              <a:rPr lang="en-US" dirty="0"/>
+              <a:t>Storing Product Data</a:t>
+            </a:r>
+          </a:p>
+          <a:p>
+            <a:r>
+              <a:rPr lang="en-US"/>
+              <a:t>Displaying product data</a:t>
+            </a:r>
+            <a:endParaRPr lang="en-US" dirty="0"/>
+          </a:p>
+        </p:txBody>
+      </p:sp>
+    </p:spTree>
+    <p:extLst>
+      <p:ext uri="{BB962C8B-B14F-4D97-AF65-F5344CB8AC3E}">
+        <p14:creationId xmlns:p14="http://schemas.microsoft.com/office/powerpoint/2010/main" val="2153013642"/>
       </p:ext>
     </p:extLst>
   </p:cSld>

--- a/Node/node.pptx
+++ b/Node/node.pptx
@@ -34,6 +34,7 @@
     <p:sldId id="282" r:id="rId28"/>
     <p:sldId id="283" r:id="rId29"/>
     <p:sldId id="284" r:id="rId30"/>
+    <p:sldId id="285" r:id="rId31"/>
   </p:sldIdLst>
   <p:sldSz cx="12192000" cy="6858000"/>
   <p:notesSz cx="6858000" cy="9144000"/>
@@ -289,7 +290,7 @@
           <a:p>
             <a:fld id="{70AC578A-F481-8B4F-AC68-5322D79242CE}" type="datetimeFigureOut">
               <a:rPr lang="en-US" smtClean="0"/>
-              <a:t>11/26/25</a:t>
+              <a:t>11/27/25</a:t>
             </a:fld>
             <a:endParaRPr lang="en-US"/>
           </a:p>
@@ -489,7 +490,7 @@
           <a:p>
             <a:fld id="{70AC578A-F481-8B4F-AC68-5322D79242CE}" type="datetimeFigureOut">
               <a:rPr lang="en-US" smtClean="0"/>
-              <a:t>11/26/25</a:t>
+              <a:t>11/27/25</a:t>
             </a:fld>
             <a:endParaRPr lang="en-US"/>
           </a:p>
@@ -699,7 +700,7 @@
           <a:p>
             <a:fld id="{70AC578A-F481-8B4F-AC68-5322D79242CE}" type="datetimeFigureOut">
               <a:rPr lang="en-US" smtClean="0"/>
-              <a:t>11/26/25</a:t>
+              <a:t>11/27/25</a:t>
             </a:fld>
             <a:endParaRPr lang="en-US"/>
           </a:p>
@@ -899,7 +900,7 @@
           <a:p>
             <a:fld id="{70AC578A-F481-8B4F-AC68-5322D79242CE}" type="datetimeFigureOut">
               <a:rPr lang="en-US" smtClean="0"/>
-              <a:t>11/26/25</a:t>
+              <a:t>11/27/25</a:t>
             </a:fld>
             <a:endParaRPr lang="en-US"/>
           </a:p>
@@ -1175,7 +1176,7 @@
           <a:p>
             <a:fld id="{70AC578A-F481-8B4F-AC68-5322D79242CE}" type="datetimeFigureOut">
               <a:rPr lang="en-US" smtClean="0"/>
-              <a:t>11/26/25</a:t>
+              <a:t>11/27/25</a:t>
             </a:fld>
             <a:endParaRPr lang="en-US"/>
           </a:p>
@@ -1443,7 +1444,7 @@
           <a:p>
             <a:fld id="{70AC578A-F481-8B4F-AC68-5322D79242CE}" type="datetimeFigureOut">
               <a:rPr lang="en-US" smtClean="0"/>
-              <a:t>11/26/25</a:t>
+              <a:t>11/27/25</a:t>
             </a:fld>
             <a:endParaRPr lang="en-US"/>
           </a:p>
@@ -1858,7 +1859,7 @@
           <a:p>
             <a:fld id="{70AC578A-F481-8B4F-AC68-5322D79242CE}" type="datetimeFigureOut">
               <a:rPr lang="en-US" smtClean="0"/>
-              <a:t>11/26/25</a:t>
+              <a:t>11/27/25</a:t>
             </a:fld>
             <a:endParaRPr lang="en-US"/>
           </a:p>
@@ -2000,7 +2001,7 @@
           <a:p>
             <a:fld id="{70AC578A-F481-8B4F-AC68-5322D79242CE}" type="datetimeFigureOut">
               <a:rPr lang="en-US" smtClean="0"/>
-              <a:t>11/26/25</a:t>
+              <a:t>11/27/25</a:t>
             </a:fld>
             <a:endParaRPr lang="en-US"/>
           </a:p>
@@ -2113,7 +2114,7 @@
           <a:p>
             <a:fld id="{70AC578A-F481-8B4F-AC68-5322D79242CE}" type="datetimeFigureOut">
               <a:rPr lang="en-US" smtClean="0"/>
-              <a:t>11/26/25</a:t>
+              <a:t>11/27/25</a:t>
             </a:fld>
             <a:endParaRPr lang="en-US"/>
           </a:p>
@@ -2426,7 +2427,7 @@
           <a:p>
             <a:fld id="{70AC578A-F481-8B4F-AC68-5322D79242CE}" type="datetimeFigureOut">
               <a:rPr lang="en-US" smtClean="0"/>
-              <a:t>11/26/25</a:t>
+              <a:t>11/27/25</a:t>
             </a:fld>
             <a:endParaRPr lang="en-US"/>
           </a:p>
@@ -2715,7 +2716,7 @@
           <a:p>
             <a:fld id="{70AC578A-F481-8B4F-AC68-5322D79242CE}" type="datetimeFigureOut">
               <a:rPr lang="en-US" smtClean="0"/>
-              <a:t>11/26/25</a:t>
+              <a:t>11/27/25</a:t>
             </a:fld>
             <a:endParaRPr lang="en-US"/>
           </a:p>
@@ -2958,7 +2959,7 @@
           <a:p>
             <a:fld id="{70AC578A-F481-8B4F-AC68-5322D79242CE}" type="datetimeFigureOut">
               <a:rPr lang="en-US" smtClean="0"/>
-              <a:t>11/26/25</a:t>
+              <a:t>11/27/25</a:t>
             </a:fld>
             <a:endParaRPr lang="en-US"/>
           </a:p>
@@ -7938,9 +7939,23 @@
           </a:p>
           <a:p>
             <a:r>
-              <a:rPr lang="en-US"/>
+              <a:rPr lang="en-US" dirty="0"/>
               <a:t>Displaying product data</a:t>
             </a:r>
+          </a:p>
+          <a:p>
+            <a:r>
+              <a:rPr lang="en-US" dirty="0"/>
+              <a:t>Editing &amp; Deleting Products</a:t>
+            </a:r>
+          </a:p>
+          <a:p>
+            <a:r>
+              <a:rPr lang="en-US" dirty="0"/>
+              <a:t>Adding Another Item</a:t>
+            </a:r>
+          </a:p>
+          <a:p>
             <a:endParaRPr lang="en-US" dirty="0"/>
           </a:p>
         </p:txBody>
@@ -8072,6 +8087,129 @@
     <p:extLst>
       <p:ext uri="{BB962C8B-B14F-4D97-AF65-F5344CB8AC3E}">
         <p14:creationId xmlns:p14="http://schemas.microsoft.com/office/powerpoint/2010/main" val="2762186985"/>
+      </p:ext>
+    </p:extLst>
+  </p:cSld>
+  <p:clrMapOvr>
+    <a:masterClrMapping/>
+  </p:clrMapOvr>
+</p:sld>
+</file>
+
+<file path=ppt/slides/slide30.xml><?xml version="1.0" encoding="utf-8"?>
+<p:sld xmlns:a="http://schemas.openxmlformats.org/drawingml/2006/main" xmlns:r="http://schemas.openxmlformats.org/officeDocument/2006/relationships" xmlns:p="http://schemas.openxmlformats.org/presentationml/2006/main">
+  <p:cSld>
+    <p:spTree>
+      <p:nvGrpSpPr>
+        <p:cNvPr id="1" name=""/>
+        <p:cNvGrpSpPr/>
+        <p:nvPr/>
+      </p:nvGrpSpPr>
+      <p:grpSpPr>
+        <a:xfrm>
+          <a:off x="0" y="0"/>
+          <a:ext cx="0" cy="0"/>
+          <a:chOff x="0" y="0"/>
+          <a:chExt cx="0" cy="0"/>
+        </a:xfrm>
+      </p:grpSpPr>
+      <p:sp>
+        <p:nvSpPr>
+          <p:cNvPr id="2" name="Title 1">
+            <a:extLst>
+              <a:ext uri="{FF2B5EF4-FFF2-40B4-BE49-F238E27FC236}">
+                <a16:creationId xmlns:a16="http://schemas.microsoft.com/office/drawing/2014/main" id="{B0609184-4E88-BE3D-3868-0284DAD74719}"/>
+              </a:ext>
+            </a:extLst>
+          </p:cNvPr>
+          <p:cNvSpPr>
+            <a:spLocks noGrp="1"/>
+          </p:cNvSpPr>
+          <p:nvPr>
+            <p:ph type="title"/>
+          </p:nvPr>
+        </p:nvSpPr>
+        <p:spPr/>
+        <p:txBody>
+          <a:bodyPr/>
+          <a:lstStyle/>
+          <a:p>
+            <a:r>
+              <a:rPr lang="en-US" dirty="0"/>
+              <a:t>Dynamic Routes &amp; Advanced Models</a:t>
+            </a:r>
+          </a:p>
+        </p:txBody>
+      </p:sp>
+      <p:sp>
+        <p:nvSpPr>
+          <p:cNvPr id="3" name="Content Placeholder 2">
+            <a:extLst>
+              <a:ext uri="{FF2B5EF4-FFF2-40B4-BE49-F238E27FC236}">
+                <a16:creationId xmlns:a16="http://schemas.microsoft.com/office/drawing/2014/main" id="{B421D14C-9F1B-62DE-EA77-ED897533949E}"/>
+              </a:ext>
+            </a:extLst>
+          </p:cNvPr>
+          <p:cNvSpPr>
+            <a:spLocks noGrp="1"/>
+          </p:cNvSpPr>
+          <p:nvPr>
+            <p:ph idx="1"/>
+          </p:nvPr>
+        </p:nvSpPr>
+        <p:spPr/>
+        <p:txBody>
+          <a:bodyPr/>
+          <a:lstStyle/>
+          <a:p>
+            <a:r>
+              <a:rPr lang="en-US" dirty="0"/>
+              <a:t>Passing route params</a:t>
+            </a:r>
+          </a:p>
+          <a:p>
+            <a:r>
+              <a:rPr lang="en-US" dirty="0"/>
+              <a:t>Using Query Params</a:t>
+            </a:r>
+          </a:p>
+          <a:p>
+            <a:r>
+              <a:rPr lang="en-US" dirty="0"/>
+              <a:t>Enhance our Models</a:t>
+            </a:r>
+          </a:p>
+          <a:p>
+            <a:r>
+              <a:rPr lang="en-US" dirty="0"/>
+              <a:t>Adding the Product ID to the Path</a:t>
+            </a:r>
+          </a:p>
+          <a:p>
+            <a:r>
+              <a:rPr lang="en-US" dirty="0"/>
+              <a:t>Loading Product Detail Data</a:t>
+            </a:r>
+          </a:p>
+          <a:p>
+            <a:r>
+              <a:rPr lang="en-US" dirty="0"/>
+              <a:t>Rendering the Product Detail View</a:t>
+            </a:r>
+          </a:p>
+          <a:p>
+            <a:r>
+              <a:rPr lang="en-US"/>
+              <a:t>Passing Data with POST Requests</a:t>
+            </a:r>
+            <a:endParaRPr lang="en-US" dirty="0"/>
+          </a:p>
+        </p:txBody>
+      </p:sp>
+    </p:spTree>
+    <p:extLst>
+      <p:ext uri="{BB962C8B-B14F-4D97-AF65-F5344CB8AC3E}">
+        <p14:creationId xmlns:p14="http://schemas.microsoft.com/office/powerpoint/2010/main" val="3171465086"/>
       </p:ext>
     </p:extLst>
   </p:cSld>

--- a/Node/node.pptx
+++ b/Node/node.pptx
@@ -35,6 +35,7 @@
     <p:sldId id="283" r:id="rId29"/>
     <p:sldId id="284" r:id="rId30"/>
     <p:sldId id="285" r:id="rId31"/>
+    <p:sldId id="286" r:id="rId32"/>
   </p:sldIdLst>
   <p:sldSz cx="12192000" cy="6858000"/>
   <p:notesSz cx="6858000" cy="9144000"/>
@@ -290,7 +291,7 @@
           <a:p>
             <a:fld id="{70AC578A-F481-8B4F-AC68-5322D79242CE}" type="datetimeFigureOut">
               <a:rPr lang="en-US" smtClean="0"/>
-              <a:t>11/27/25</a:t>
+              <a:t>12/1/25</a:t>
             </a:fld>
             <a:endParaRPr lang="en-US"/>
           </a:p>
@@ -490,7 +491,7 @@
           <a:p>
             <a:fld id="{70AC578A-F481-8B4F-AC68-5322D79242CE}" type="datetimeFigureOut">
               <a:rPr lang="en-US" smtClean="0"/>
-              <a:t>11/27/25</a:t>
+              <a:t>12/1/25</a:t>
             </a:fld>
             <a:endParaRPr lang="en-US"/>
           </a:p>
@@ -700,7 +701,7 @@
           <a:p>
             <a:fld id="{70AC578A-F481-8B4F-AC68-5322D79242CE}" type="datetimeFigureOut">
               <a:rPr lang="en-US" smtClean="0"/>
-              <a:t>11/27/25</a:t>
+              <a:t>12/1/25</a:t>
             </a:fld>
             <a:endParaRPr lang="en-US"/>
           </a:p>
@@ -900,7 +901,7 @@
           <a:p>
             <a:fld id="{70AC578A-F481-8B4F-AC68-5322D79242CE}" type="datetimeFigureOut">
               <a:rPr lang="en-US" smtClean="0"/>
-              <a:t>11/27/25</a:t>
+              <a:t>12/1/25</a:t>
             </a:fld>
             <a:endParaRPr lang="en-US"/>
           </a:p>
@@ -1176,7 +1177,7 @@
           <a:p>
             <a:fld id="{70AC578A-F481-8B4F-AC68-5322D79242CE}" type="datetimeFigureOut">
               <a:rPr lang="en-US" smtClean="0"/>
-              <a:t>11/27/25</a:t>
+              <a:t>12/1/25</a:t>
             </a:fld>
             <a:endParaRPr lang="en-US"/>
           </a:p>
@@ -1444,7 +1445,7 @@
           <a:p>
             <a:fld id="{70AC578A-F481-8B4F-AC68-5322D79242CE}" type="datetimeFigureOut">
               <a:rPr lang="en-US" smtClean="0"/>
-              <a:t>11/27/25</a:t>
+              <a:t>12/1/25</a:t>
             </a:fld>
             <a:endParaRPr lang="en-US"/>
           </a:p>
@@ -1859,7 +1860,7 @@
           <a:p>
             <a:fld id="{70AC578A-F481-8B4F-AC68-5322D79242CE}" type="datetimeFigureOut">
               <a:rPr lang="en-US" smtClean="0"/>
-              <a:t>11/27/25</a:t>
+              <a:t>12/1/25</a:t>
             </a:fld>
             <a:endParaRPr lang="en-US"/>
           </a:p>
@@ -2001,7 +2002,7 @@
           <a:p>
             <a:fld id="{70AC578A-F481-8B4F-AC68-5322D79242CE}" type="datetimeFigureOut">
               <a:rPr lang="en-US" smtClean="0"/>
-              <a:t>11/27/25</a:t>
+              <a:t>12/1/25</a:t>
             </a:fld>
             <a:endParaRPr lang="en-US"/>
           </a:p>
@@ -2114,7 +2115,7 @@
           <a:p>
             <a:fld id="{70AC578A-F481-8B4F-AC68-5322D79242CE}" type="datetimeFigureOut">
               <a:rPr lang="en-US" smtClean="0"/>
-              <a:t>11/27/25</a:t>
+              <a:t>12/1/25</a:t>
             </a:fld>
             <a:endParaRPr lang="en-US"/>
           </a:p>
@@ -2427,7 +2428,7 @@
           <a:p>
             <a:fld id="{70AC578A-F481-8B4F-AC68-5322D79242CE}" type="datetimeFigureOut">
               <a:rPr lang="en-US" smtClean="0"/>
-              <a:t>11/27/25</a:t>
+              <a:t>12/1/25</a:t>
             </a:fld>
             <a:endParaRPr lang="en-US"/>
           </a:p>
@@ -2716,7 +2717,7 @@
           <a:p>
             <a:fld id="{70AC578A-F481-8B4F-AC68-5322D79242CE}" type="datetimeFigureOut">
               <a:rPr lang="en-US" smtClean="0"/>
-              <a:t>11/27/25</a:t>
+              <a:t>12/1/25</a:t>
             </a:fld>
             <a:endParaRPr lang="en-US"/>
           </a:p>
@@ -2959,7 +2960,7 @@
           <a:p>
             <a:fld id="{70AC578A-F481-8B4F-AC68-5322D79242CE}" type="datetimeFigureOut">
               <a:rPr lang="en-US" smtClean="0"/>
-              <a:t>11/27/25</a:t>
+              <a:t>12/1/25</a:t>
             </a:fld>
             <a:endParaRPr lang="en-US"/>
           </a:p>
@@ -8210,6 +8211,89 @@
     <p:extLst>
       <p:ext uri="{BB962C8B-B14F-4D97-AF65-F5344CB8AC3E}">
         <p14:creationId xmlns:p14="http://schemas.microsoft.com/office/powerpoint/2010/main" val="3171465086"/>
+      </p:ext>
+    </p:extLst>
+  </p:cSld>
+  <p:clrMapOvr>
+    <a:masterClrMapping/>
+  </p:clrMapOvr>
+</p:sld>
+</file>
+
+<file path=ppt/slides/slide31.xml><?xml version="1.0" encoding="utf-8"?>
+<p:sld xmlns:a="http://schemas.openxmlformats.org/drawingml/2006/main" xmlns:r="http://schemas.openxmlformats.org/officeDocument/2006/relationships" xmlns:p="http://schemas.openxmlformats.org/presentationml/2006/main">
+  <p:cSld>
+    <p:spTree>
+      <p:nvGrpSpPr>
+        <p:cNvPr id="1" name=""/>
+        <p:cNvGrpSpPr/>
+        <p:nvPr/>
+      </p:nvGrpSpPr>
+      <p:grpSpPr>
+        <a:xfrm>
+          <a:off x="0" y="0"/>
+          <a:ext cx="0" cy="0"/>
+          <a:chOff x="0" y="0"/>
+          <a:chExt cx="0" cy="0"/>
+        </a:xfrm>
+      </p:grpSpPr>
+      <p:sp>
+        <p:nvSpPr>
+          <p:cNvPr id="3" name="Content Placeholder 2">
+            <a:extLst>
+              <a:ext uri="{FF2B5EF4-FFF2-40B4-BE49-F238E27FC236}">
+                <a16:creationId xmlns:a16="http://schemas.microsoft.com/office/drawing/2014/main" id="{BD18C65D-AA8E-47D2-147B-600BEFCA96A0}"/>
+              </a:ext>
+            </a:extLst>
+          </p:cNvPr>
+          <p:cNvSpPr>
+            <a:spLocks noGrp="1"/>
+          </p:cNvSpPr>
+          <p:nvPr>
+            <p:ph idx="1"/>
+          </p:nvPr>
+        </p:nvSpPr>
+        <p:spPr>
+          <a:xfrm>
+            <a:off x="838200" y="516048"/>
+            <a:ext cx="10515600" cy="5660915"/>
+          </a:xfrm>
+        </p:spPr>
+        <p:txBody>
+          <a:bodyPr/>
+          <a:lstStyle/>
+          <a:p>
+            <a:r>
+              <a:rPr lang="en-US" dirty="0"/>
+              <a:t>Adding a Cart Model</a:t>
+            </a:r>
+          </a:p>
+          <a:p>
+            <a:r>
+              <a:rPr lang="en-US" dirty="0"/>
+              <a:t>Using Query Params</a:t>
+            </a:r>
+          </a:p>
+          <a:p>
+            <a:r>
+              <a:rPr lang="en-US" dirty="0"/>
+              <a:t>Pre-populating the Edit </a:t>
+            </a:r>
+            <a:r>
+              <a:rPr lang="en-US"/>
+              <a:t>Product Page with </a:t>
+            </a:r>
+            <a:r>
+              <a:rPr lang="en-US" dirty="0"/>
+              <a:t>Data</a:t>
+            </a:r>
+          </a:p>
+        </p:txBody>
+      </p:sp>
+    </p:spTree>
+    <p:extLst>
+      <p:ext uri="{BB962C8B-B14F-4D97-AF65-F5344CB8AC3E}">
+        <p14:creationId xmlns:p14="http://schemas.microsoft.com/office/powerpoint/2010/main" val="2279171111"/>
       </p:ext>
     </p:extLst>
   </p:cSld>

--- a/Node/node.pptx
+++ b/Node/node.pptx
@@ -291,7 +291,7 @@
           <a:p>
             <a:fld id="{70AC578A-F481-8B4F-AC68-5322D79242CE}" type="datetimeFigureOut">
               <a:rPr lang="en-US" smtClean="0"/>
-              <a:t>12/1/25</a:t>
+              <a:t>12/4/25</a:t>
             </a:fld>
             <a:endParaRPr lang="en-US"/>
           </a:p>
@@ -491,7 +491,7 @@
           <a:p>
             <a:fld id="{70AC578A-F481-8B4F-AC68-5322D79242CE}" type="datetimeFigureOut">
               <a:rPr lang="en-US" smtClean="0"/>
-              <a:t>12/1/25</a:t>
+              <a:t>12/4/25</a:t>
             </a:fld>
             <a:endParaRPr lang="en-US"/>
           </a:p>
@@ -701,7 +701,7 @@
           <a:p>
             <a:fld id="{70AC578A-F481-8B4F-AC68-5322D79242CE}" type="datetimeFigureOut">
               <a:rPr lang="en-US" smtClean="0"/>
-              <a:t>12/1/25</a:t>
+              <a:t>12/4/25</a:t>
             </a:fld>
             <a:endParaRPr lang="en-US"/>
           </a:p>
@@ -901,7 +901,7 @@
           <a:p>
             <a:fld id="{70AC578A-F481-8B4F-AC68-5322D79242CE}" type="datetimeFigureOut">
               <a:rPr lang="en-US" smtClean="0"/>
-              <a:t>12/1/25</a:t>
+              <a:t>12/4/25</a:t>
             </a:fld>
             <a:endParaRPr lang="en-US"/>
           </a:p>
@@ -1177,7 +1177,7 @@
           <a:p>
             <a:fld id="{70AC578A-F481-8B4F-AC68-5322D79242CE}" type="datetimeFigureOut">
               <a:rPr lang="en-US" smtClean="0"/>
-              <a:t>12/1/25</a:t>
+              <a:t>12/4/25</a:t>
             </a:fld>
             <a:endParaRPr lang="en-US"/>
           </a:p>
@@ -1445,7 +1445,7 @@
           <a:p>
             <a:fld id="{70AC578A-F481-8B4F-AC68-5322D79242CE}" type="datetimeFigureOut">
               <a:rPr lang="en-US" smtClean="0"/>
-              <a:t>12/1/25</a:t>
+              <a:t>12/4/25</a:t>
             </a:fld>
             <a:endParaRPr lang="en-US"/>
           </a:p>
@@ -1860,7 +1860,7 @@
           <a:p>
             <a:fld id="{70AC578A-F481-8B4F-AC68-5322D79242CE}" type="datetimeFigureOut">
               <a:rPr lang="en-US" smtClean="0"/>
-              <a:t>12/1/25</a:t>
+              <a:t>12/4/25</a:t>
             </a:fld>
             <a:endParaRPr lang="en-US"/>
           </a:p>
@@ -2002,7 +2002,7 @@
           <a:p>
             <a:fld id="{70AC578A-F481-8B4F-AC68-5322D79242CE}" type="datetimeFigureOut">
               <a:rPr lang="en-US" smtClean="0"/>
-              <a:t>12/1/25</a:t>
+              <a:t>12/4/25</a:t>
             </a:fld>
             <a:endParaRPr lang="en-US"/>
           </a:p>
@@ -2115,7 +2115,7 @@
           <a:p>
             <a:fld id="{70AC578A-F481-8B4F-AC68-5322D79242CE}" type="datetimeFigureOut">
               <a:rPr lang="en-US" smtClean="0"/>
-              <a:t>12/1/25</a:t>
+              <a:t>12/4/25</a:t>
             </a:fld>
             <a:endParaRPr lang="en-US"/>
           </a:p>
@@ -2428,7 +2428,7 @@
           <a:p>
             <a:fld id="{70AC578A-F481-8B4F-AC68-5322D79242CE}" type="datetimeFigureOut">
               <a:rPr lang="en-US" smtClean="0"/>
-              <a:t>12/1/25</a:t>
+              <a:t>12/4/25</a:t>
             </a:fld>
             <a:endParaRPr lang="en-US"/>
           </a:p>
@@ -2717,7 +2717,7 @@
           <a:p>
             <a:fld id="{70AC578A-F481-8B4F-AC68-5322D79242CE}" type="datetimeFigureOut">
               <a:rPr lang="en-US" smtClean="0"/>
-              <a:t>12/1/25</a:t>
+              <a:t>12/4/25</a:t>
             </a:fld>
             <a:endParaRPr lang="en-US"/>
           </a:p>
@@ -2960,7 +2960,7 @@
           <a:p>
             <a:fld id="{70AC578A-F481-8B4F-AC68-5322D79242CE}" type="datetimeFigureOut">
               <a:rPr lang="en-US" smtClean="0"/>
-              <a:t>12/1/25</a:t>
+              <a:t>12/4/25</a:t>
             </a:fld>
             <a:endParaRPr lang="en-US"/>
           </a:p>
@@ -8277,15 +8277,25 @@
           <a:p>
             <a:r>
               <a:rPr lang="en-US" dirty="0"/>
-              <a:t>Pre-populating the Edit </a:t>
-            </a:r>
-            <a:r>
-              <a:rPr lang="en-US"/>
-              <a:t>Product Page with </a:t>
-            </a:r>
-            <a:r>
-              <a:rPr lang="en-US" dirty="0"/>
-              <a:t>Data</a:t>
+              <a:t>Pre-populating the Edit Product Page with Data</a:t>
+            </a:r>
+          </a:p>
+          <a:p>
+            <a:r>
+              <a:rPr lang="en-US" dirty="0"/>
+              <a:t>Linking to the Edit Page</a:t>
+            </a:r>
+          </a:p>
+          <a:p>
+            <a:r>
+              <a:rPr lang="en-US" dirty="0"/>
+              <a:t>Editing the Product Data</a:t>
+            </a:r>
+          </a:p>
+          <a:p>
+            <a:r>
+              <a:rPr lang="en-US" dirty="0"/>
+              <a:t>Adding the Product-Delete functionality</a:t>
             </a:r>
           </a:p>
         </p:txBody>

--- a/Node/node.pptx
+++ b/Node/node.pptx
@@ -36,6 +36,16 @@
     <p:sldId id="284" r:id="rId30"/>
     <p:sldId id="285" r:id="rId31"/>
     <p:sldId id="286" r:id="rId32"/>
+    <p:sldId id="287" r:id="rId33"/>
+    <p:sldId id="288" r:id="rId34"/>
+    <p:sldId id="289" r:id="rId35"/>
+    <p:sldId id="290" r:id="rId36"/>
+    <p:sldId id="291" r:id="rId37"/>
+    <p:sldId id="292" r:id="rId38"/>
+    <p:sldId id="293" r:id="rId39"/>
+    <p:sldId id="294" r:id="rId40"/>
+    <p:sldId id="295" r:id="rId41"/>
+    <p:sldId id="296" r:id="rId42"/>
   </p:sldIdLst>
   <p:sldSz cx="12192000" cy="6858000"/>
   <p:notesSz cx="6858000" cy="9144000"/>
@@ -291,7 +301,7 @@
           <a:p>
             <a:fld id="{70AC578A-F481-8B4F-AC68-5322D79242CE}" type="datetimeFigureOut">
               <a:rPr lang="en-US" smtClean="0"/>
-              <a:t>12/4/25</a:t>
+              <a:t>12/5/25</a:t>
             </a:fld>
             <a:endParaRPr lang="en-US"/>
           </a:p>
@@ -491,7 +501,7 @@
           <a:p>
             <a:fld id="{70AC578A-F481-8B4F-AC68-5322D79242CE}" type="datetimeFigureOut">
               <a:rPr lang="en-US" smtClean="0"/>
-              <a:t>12/4/25</a:t>
+              <a:t>12/5/25</a:t>
             </a:fld>
             <a:endParaRPr lang="en-US"/>
           </a:p>
@@ -701,7 +711,7 @@
           <a:p>
             <a:fld id="{70AC578A-F481-8B4F-AC68-5322D79242CE}" type="datetimeFigureOut">
               <a:rPr lang="en-US" smtClean="0"/>
-              <a:t>12/4/25</a:t>
+              <a:t>12/5/25</a:t>
             </a:fld>
             <a:endParaRPr lang="en-US"/>
           </a:p>
@@ -901,7 +911,7 @@
           <a:p>
             <a:fld id="{70AC578A-F481-8B4F-AC68-5322D79242CE}" type="datetimeFigureOut">
               <a:rPr lang="en-US" smtClean="0"/>
-              <a:t>12/4/25</a:t>
+              <a:t>12/5/25</a:t>
             </a:fld>
             <a:endParaRPr lang="en-US"/>
           </a:p>
@@ -1177,7 +1187,7 @@
           <a:p>
             <a:fld id="{70AC578A-F481-8B4F-AC68-5322D79242CE}" type="datetimeFigureOut">
               <a:rPr lang="en-US" smtClean="0"/>
-              <a:t>12/4/25</a:t>
+              <a:t>12/5/25</a:t>
             </a:fld>
             <a:endParaRPr lang="en-US"/>
           </a:p>
@@ -1445,7 +1455,7 @@
           <a:p>
             <a:fld id="{70AC578A-F481-8B4F-AC68-5322D79242CE}" type="datetimeFigureOut">
               <a:rPr lang="en-US" smtClean="0"/>
-              <a:t>12/4/25</a:t>
+              <a:t>12/5/25</a:t>
             </a:fld>
             <a:endParaRPr lang="en-US"/>
           </a:p>
@@ -1860,7 +1870,7 @@
           <a:p>
             <a:fld id="{70AC578A-F481-8B4F-AC68-5322D79242CE}" type="datetimeFigureOut">
               <a:rPr lang="en-US" smtClean="0"/>
-              <a:t>12/4/25</a:t>
+              <a:t>12/5/25</a:t>
             </a:fld>
             <a:endParaRPr lang="en-US"/>
           </a:p>
@@ -2002,7 +2012,7 @@
           <a:p>
             <a:fld id="{70AC578A-F481-8B4F-AC68-5322D79242CE}" type="datetimeFigureOut">
               <a:rPr lang="en-US" smtClean="0"/>
-              <a:t>12/4/25</a:t>
+              <a:t>12/5/25</a:t>
             </a:fld>
             <a:endParaRPr lang="en-US"/>
           </a:p>
@@ -2115,7 +2125,7 @@
           <a:p>
             <a:fld id="{70AC578A-F481-8B4F-AC68-5322D79242CE}" type="datetimeFigureOut">
               <a:rPr lang="en-US" smtClean="0"/>
-              <a:t>12/4/25</a:t>
+              <a:t>12/5/25</a:t>
             </a:fld>
             <a:endParaRPr lang="en-US"/>
           </a:p>
@@ -2428,7 +2438,7 @@
           <a:p>
             <a:fld id="{70AC578A-F481-8B4F-AC68-5322D79242CE}" type="datetimeFigureOut">
               <a:rPr lang="en-US" smtClean="0"/>
-              <a:t>12/4/25</a:t>
+              <a:t>12/5/25</a:t>
             </a:fld>
             <a:endParaRPr lang="en-US"/>
           </a:p>
@@ -2717,7 +2727,7 @@
           <a:p>
             <a:fld id="{70AC578A-F481-8B4F-AC68-5322D79242CE}" type="datetimeFigureOut">
               <a:rPr lang="en-US" smtClean="0"/>
-              <a:t>12/4/25</a:t>
+              <a:t>12/5/25</a:t>
             </a:fld>
             <a:endParaRPr lang="en-US"/>
           </a:p>
@@ -2960,7 +2970,7 @@
           <a:p>
             <a:fld id="{70AC578A-F481-8B4F-AC68-5322D79242CE}" type="datetimeFigureOut">
               <a:rPr lang="en-US" smtClean="0"/>
-              <a:t>12/4/25</a:t>
+              <a:t>12/5/25</a:t>
             </a:fld>
             <a:endParaRPr lang="en-US"/>
           </a:p>
@@ -8298,12 +8308,1888 @@
               <a:t>Adding the Product-Delete functionality</a:t>
             </a:r>
           </a:p>
+          <a:p>
+            <a:r>
+              <a:rPr lang="en-US" dirty="0"/>
+              <a:t>Deleting Cart Item</a:t>
+            </a:r>
+          </a:p>
+          <a:p>
+            <a:r>
+              <a:rPr lang="en-US" dirty="0"/>
+              <a:t>Displaying Cart Items </a:t>
+            </a:r>
+            <a:r>
+              <a:rPr lang="en-US"/>
+              <a:t>on the Cart Page</a:t>
+            </a:r>
+            <a:endParaRPr lang="en-US" dirty="0"/>
+          </a:p>
         </p:txBody>
       </p:sp>
     </p:spTree>
     <p:extLst>
       <p:ext uri="{BB962C8B-B14F-4D97-AF65-F5344CB8AC3E}">
         <p14:creationId xmlns:p14="http://schemas.microsoft.com/office/powerpoint/2010/main" val="2279171111"/>
+      </p:ext>
+    </p:extLst>
+  </p:cSld>
+  <p:clrMapOvr>
+    <a:masterClrMapping/>
+  </p:clrMapOvr>
+</p:sld>
+</file>
+
+<file path=ppt/slides/slide32.xml><?xml version="1.0" encoding="utf-8"?>
+<p:sld xmlns:a="http://schemas.openxmlformats.org/drawingml/2006/main" xmlns:r="http://schemas.openxmlformats.org/officeDocument/2006/relationships" xmlns:p="http://schemas.openxmlformats.org/presentationml/2006/main">
+  <p:cSld>
+    <p:spTree>
+      <p:nvGrpSpPr>
+        <p:cNvPr id="1" name=""/>
+        <p:cNvGrpSpPr/>
+        <p:nvPr/>
+      </p:nvGrpSpPr>
+      <p:grpSpPr>
+        <a:xfrm>
+          <a:off x="0" y="0"/>
+          <a:ext cx="0" cy="0"/>
+          <a:chOff x="0" y="0"/>
+          <a:chExt cx="0" cy="0"/>
+        </a:xfrm>
+      </p:grpSpPr>
+      <p:sp>
+        <p:nvSpPr>
+          <p:cNvPr id="2" name="Title 1">
+            <a:extLst>
+              <a:ext uri="{FF2B5EF4-FFF2-40B4-BE49-F238E27FC236}">
+                <a16:creationId xmlns:a16="http://schemas.microsoft.com/office/drawing/2014/main" id="{63693B40-6D39-7FBC-52A3-85AAFF99F94C}"/>
+              </a:ext>
+            </a:extLst>
+          </p:cNvPr>
+          <p:cNvSpPr>
+            <a:spLocks noGrp="1"/>
+          </p:cNvSpPr>
+          <p:nvPr>
+            <p:ph type="title"/>
+          </p:nvPr>
+        </p:nvSpPr>
+        <p:spPr/>
+        <p:txBody>
+          <a:bodyPr/>
+          <a:lstStyle/>
+          <a:p>
+            <a:r>
+              <a:rPr lang="en-US" dirty="0"/>
+              <a:t>Module Summary</a:t>
+            </a:r>
+          </a:p>
+        </p:txBody>
+      </p:sp>
+      <p:sp>
+        <p:nvSpPr>
+          <p:cNvPr id="3" name="Content Placeholder 2">
+            <a:extLst>
+              <a:ext uri="{FF2B5EF4-FFF2-40B4-BE49-F238E27FC236}">
+                <a16:creationId xmlns:a16="http://schemas.microsoft.com/office/drawing/2014/main" id="{35283804-D252-5F62-7ED7-023CD05FB685}"/>
+              </a:ext>
+            </a:extLst>
+          </p:cNvPr>
+          <p:cNvSpPr>
+            <a:spLocks noGrp="1"/>
+          </p:cNvSpPr>
+          <p:nvPr>
+            <p:ph idx="1"/>
+          </p:nvPr>
+        </p:nvSpPr>
+        <p:spPr/>
+        <p:txBody>
+          <a:bodyPr>
+            <a:normAutofit fontScale="92500"/>
+          </a:bodyPr>
+          <a:lstStyle/>
+          <a:p>
+            <a:r>
+              <a:rPr lang="en-US" dirty="0"/>
+              <a:t>Dynamic Routing</a:t>
+            </a:r>
+          </a:p>
+          <a:p>
+            <a:pPr lvl="1"/>
+            <a:r>
+              <a:rPr lang="en-US" dirty="0"/>
+              <a:t>You can pass dynamic path segments by adding a “:” to the Express router path</a:t>
+            </a:r>
+          </a:p>
+          <a:p>
+            <a:pPr lvl="1"/>
+            <a:r>
+              <a:rPr lang="en-US" dirty="0"/>
+              <a:t>The name you add after “:” is the name by which you can extract the data on </a:t>
+            </a:r>
+            <a:r>
+              <a:rPr lang="en-US" dirty="0" err="1"/>
+              <a:t>req.params</a:t>
+            </a:r>
+            <a:endParaRPr lang="en-US" dirty="0"/>
+          </a:p>
+          <a:p>
+            <a:pPr lvl="1"/>
+            <a:r>
+              <a:rPr lang="en-US" dirty="0"/>
+              <a:t>Optional (query) parameters can also be passed ( ? Param = value &amp; b = 2) and extracted (</a:t>
+            </a:r>
+            <a:r>
+              <a:rPr lang="en-US" dirty="0" err="1"/>
+              <a:t>req.query.myParam</a:t>
+            </a:r>
+            <a:r>
+              <a:rPr lang="en-US" dirty="0"/>
+              <a:t>)</a:t>
+            </a:r>
+          </a:p>
+          <a:p>
+            <a:r>
+              <a:rPr lang="en-US" dirty="0"/>
+              <a:t>More on Models</a:t>
+            </a:r>
+          </a:p>
+          <a:p>
+            <a:pPr lvl="1"/>
+            <a:r>
+              <a:rPr lang="en-US" dirty="0"/>
+              <a:t>A cart model was added – it holds static methods only</a:t>
+            </a:r>
+          </a:p>
+          <a:p>
+            <a:pPr lvl="1"/>
+            <a:r>
+              <a:rPr lang="en-US" dirty="0"/>
+              <a:t>You can interact between models ( e.g. delete cart item if a product is deleted)</a:t>
+            </a:r>
+          </a:p>
+          <a:p>
+            <a:pPr lvl="1"/>
+            <a:r>
+              <a:rPr lang="en-US" dirty="0"/>
+              <a:t>Working with files for data storage is </a:t>
+            </a:r>
+            <a:r>
+              <a:rPr lang="en-US" dirty="0" err="1"/>
+              <a:t>suboptiomal</a:t>
+            </a:r>
+            <a:r>
+              <a:rPr lang="en-US" dirty="0"/>
+              <a:t> for bigger amounts of data</a:t>
+            </a:r>
+          </a:p>
+        </p:txBody>
+      </p:sp>
+    </p:spTree>
+    <p:extLst>
+      <p:ext uri="{BB962C8B-B14F-4D97-AF65-F5344CB8AC3E}">
+        <p14:creationId xmlns:p14="http://schemas.microsoft.com/office/powerpoint/2010/main" val="3903343959"/>
+      </p:ext>
+    </p:extLst>
+  </p:cSld>
+  <p:clrMapOvr>
+    <a:masterClrMapping/>
+  </p:clrMapOvr>
+</p:sld>
+</file>
+
+<file path=ppt/slides/slide33.xml><?xml version="1.0" encoding="utf-8"?>
+<p:sld xmlns:a="http://schemas.openxmlformats.org/drawingml/2006/main" xmlns:r="http://schemas.openxmlformats.org/officeDocument/2006/relationships" xmlns:p="http://schemas.openxmlformats.org/presentationml/2006/main">
+  <p:cSld>
+    <p:spTree>
+      <p:nvGrpSpPr>
+        <p:cNvPr id="1" name=""/>
+        <p:cNvGrpSpPr/>
+        <p:nvPr/>
+      </p:nvGrpSpPr>
+      <p:grpSpPr>
+        <a:xfrm>
+          <a:off x="0" y="0"/>
+          <a:ext cx="0" cy="0"/>
+          <a:chOff x="0" y="0"/>
+          <a:chExt cx="0" cy="0"/>
+        </a:xfrm>
+      </p:grpSpPr>
+      <p:sp>
+        <p:nvSpPr>
+          <p:cNvPr id="2" name="Title 1">
+            <a:extLst>
+              <a:ext uri="{FF2B5EF4-FFF2-40B4-BE49-F238E27FC236}">
+                <a16:creationId xmlns:a16="http://schemas.microsoft.com/office/drawing/2014/main" id="{D00EAB70-EE0C-7530-FBE0-7296B06C1979}"/>
+              </a:ext>
+            </a:extLst>
+          </p:cNvPr>
+          <p:cNvSpPr>
+            <a:spLocks noGrp="1"/>
+          </p:cNvSpPr>
+          <p:nvPr>
+            <p:ph type="title"/>
+          </p:nvPr>
+        </p:nvSpPr>
+        <p:spPr/>
+        <p:txBody>
+          <a:bodyPr/>
+          <a:lstStyle/>
+          <a:p>
+            <a:pPr algn="ctr"/>
+            <a:r>
+              <a:rPr lang="en-US" dirty="0"/>
+              <a:t>Storing Data in Databases</a:t>
+            </a:r>
+          </a:p>
+        </p:txBody>
+      </p:sp>
+      <p:sp>
+        <p:nvSpPr>
+          <p:cNvPr id="3" name="Content Placeholder 2">
+            <a:extLst>
+              <a:ext uri="{FF2B5EF4-FFF2-40B4-BE49-F238E27FC236}">
+                <a16:creationId xmlns:a16="http://schemas.microsoft.com/office/drawing/2014/main" id="{7E058085-6E06-C165-2882-074C72EB6DA9}"/>
+              </a:ext>
+            </a:extLst>
+          </p:cNvPr>
+          <p:cNvSpPr>
+            <a:spLocks noGrp="1"/>
+          </p:cNvSpPr>
+          <p:nvPr>
+            <p:ph idx="1"/>
+          </p:nvPr>
+        </p:nvSpPr>
+        <p:spPr/>
+        <p:txBody>
+          <a:bodyPr/>
+          <a:lstStyle/>
+          <a:p>
+            <a:r>
+              <a:rPr lang="en-US" dirty="0"/>
+              <a:t>Different kinds of databases ( SQL vs NoSQL)</a:t>
+            </a:r>
+          </a:p>
+          <a:p>
+            <a:r>
+              <a:rPr lang="en-US" dirty="0"/>
+              <a:t>Using SQL in a Node.js App</a:t>
+            </a:r>
+          </a:p>
+        </p:txBody>
+      </p:sp>
+    </p:spTree>
+    <p:extLst>
+      <p:ext uri="{BB962C8B-B14F-4D97-AF65-F5344CB8AC3E}">
+        <p14:creationId xmlns:p14="http://schemas.microsoft.com/office/powerpoint/2010/main" val="3280210814"/>
+      </p:ext>
+    </p:extLst>
+  </p:cSld>
+  <p:clrMapOvr>
+    <a:masterClrMapping/>
+  </p:clrMapOvr>
+</p:sld>
+</file>
+
+<file path=ppt/slides/slide34.xml><?xml version="1.0" encoding="utf-8"?>
+<p:sld xmlns:a="http://schemas.openxmlformats.org/drawingml/2006/main" xmlns:r="http://schemas.openxmlformats.org/officeDocument/2006/relationships" xmlns:p="http://schemas.openxmlformats.org/presentationml/2006/main">
+  <p:cSld>
+    <p:spTree>
+      <p:nvGrpSpPr>
+        <p:cNvPr id="1" name=""/>
+        <p:cNvGrpSpPr/>
+        <p:nvPr/>
+      </p:nvGrpSpPr>
+      <p:grpSpPr>
+        <a:xfrm>
+          <a:off x="0" y="0"/>
+          <a:ext cx="0" cy="0"/>
+          <a:chOff x="0" y="0"/>
+          <a:chExt cx="0" cy="0"/>
+        </a:xfrm>
+      </p:grpSpPr>
+      <p:sp>
+        <p:nvSpPr>
+          <p:cNvPr id="2" name="Title 1">
+            <a:extLst>
+              <a:ext uri="{FF2B5EF4-FFF2-40B4-BE49-F238E27FC236}">
+                <a16:creationId xmlns:a16="http://schemas.microsoft.com/office/drawing/2014/main" id="{9915E188-F2A9-9154-22EE-08834DDFAF7E}"/>
+              </a:ext>
+            </a:extLst>
+          </p:cNvPr>
+          <p:cNvSpPr>
+            <a:spLocks noGrp="1"/>
+          </p:cNvSpPr>
+          <p:nvPr>
+            <p:ph type="title"/>
+          </p:nvPr>
+        </p:nvSpPr>
+        <p:spPr/>
+        <p:txBody>
+          <a:bodyPr/>
+          <a:lstStyle/>
+          <a:p>
+            <a:r>
+              <a:rPr lang="en-US" dirty="0"/>
+              <a:t>SQL vs NoSQL</a:t>
+            </a:r>
+          </a:p>
+        </p:txBody>
+      </p:sp>
+      <p:sp>
+        <p:nvSpPr>
+          <p:cNvPr id="3" name="Content Placeholder 2">
+            <a:extLst>
+              <a:ext uri="{FF2B5EF4-FFF2-40B4-BE49-F238E27FC236}">
+                <a16:creationId xmlns:a16="http://schemas.microsoft.com/office/drawing/2014/main" id="{EB51DEC2-891D-0E44-EC2B-C44F50A4E6E5}"/>
+              </a:ext>
+            </a:extLst>
+          </p:cNvPr>
+          <p:cNvSpPr>
+            <a:spLocks noGrp="1"/>
+          </p:cNvSpPr>
+          <p:nvPr>
+            <p:ph idx="1"/>
+          </p:nvPr>
+        </p:nvSpPr>
+        <p:spPr/>
+        <p:txBody>
+          <a:bodyPr/>
+          <a:lstStyle/>
+          <a:p>
+            <a:r>
+              <a:rPr lang="en-US" dirty="0"/>
+              <a:t>Store data and make it Easily Accessible</a:t>
+            </a:r>
+          </a:p>
+          <a:p>
+            <a:pPr lvl="1"/>
+            <a:r>
+              <a:rPr lang="en-US" dirty="0"/>
+              <a:t>SQL databases (e.g. MySQL)</a:t>
+            </a:r>
+          </a:p>
+          <a:p>
+            <a:pPr lvl="1"/>
+            <a:r>
+              <a:rPr lang="en-US" dirty="0"/>
+              <a:t>NoSQL Databases (e.g. MongoDB)</a:t>
+            </a:r>
+          </a:p>
+        </p:txBody>
+      </p:sp>
+    </p:spTree>
+    <p:extLst>
+      <p:ext uri="{BB962C8B-B14F-4D97-AF65-F5344CB8AC3E}">
+        <p14:creationId xmlns:p14="http://schemas.microsoft.com/office/powerpoint/2010/main" val="4283603027"/>
+      </p:ext>
+    </p:extLst>
+  </p:cSld>
+  <p:clrMapOvr>
+    <a:masterClrMapping/>
+  </p:clrMapOvr>
+</p:sld>
+</file>
+
+<file path=ppt/slides/slide35.xml><?xml version="1.0" encoding="utf-8"?>
+<p:sld xmlns:a="http://schemas.openxmlformats.org/drawingml/2006/main" xmlns:r="http://schemas.openxmlformats.org/officeDocument/2006/relationships" xmlns:p="http://schemas.openxmlformats.org/presentationml/2006/main">
+  <p:cSld>
+    <p:spTree>
+      <p:nvGrpSpPr>
+        <p:cNvPr id="1" name=""/>
+        <p:cNvGrpSpPr/>
+        <p:nvPr/>
+      </p:nvGrpSpPr>
+      <p:grpSpPr>
+        <a:xfrm>
+          <a:off x="0" y="0"/>
+          <a:ext cx="0" cy="0"/>
+          <a:chOff x="0" y="0"/>
+          <a:chExt cx="0" cy="0"/>
+        </a:xfrm>
+      </p:grpSpPr>
+      <p:sp>
+        <p:nvSpPr>
+          <p:cNvPr id="2" name="Title 1">
+            <a:extLst>
+              <a:ext uri="{FF2B5EF4-FFF2-40B4-BE49-F238E27FC236}">
+                <a16:creationId xmlns:a16="http://schemas.microsoft.com/office/drawing/2014/main" id="{D6157A02-7D28-9F6A-67F7-F9DF52A385BC}"/>
+              </a:ext>
+            </a:extLst>
+          </p:cNvPr>
+          <p:cNvSpPr>
+            <a:spLocks noGrp="1"/>
+          </p:cNvSpPr>
+          <p:nvPr>
+            <p:ph type="title"/>
+          </p:nvPr>
+        </p:nvSpPr>
+        <p:spPr/>
+        <p:txBody>
+          <a:bodyPr/>
+          <a:lstStyle/>
+          <a:p>
+            <a:r>
+              <a:rPr lang="en-US" dirty="0"/>
+              <a:t>SQL</a:t>
+            </a:r>
+          </a:p>
+        </p:txBody>
+      </p:sp>
+      <p:graphicFrame>
+        <p:nvGraphicFramePr>
+          <p:cNvPr id="4" name="Content Placeholder 3">
+            <a:extLst>
+              <a:ext uri="{FF2B5EF4-FFF2-40B4-BE49-F238E27FC236}">
+                <a16:creationId xmlns:a16="http://schemas.microsoft.com/office/drawing/2014/main" id="{705CC224-20F9-807A-E4F9-C8E0D5D2D1A7}"/>
+              </a:ext>
+            </a:extLst>
+          </p:cNvPr>
+          <p:cNvGraphicFramePr>
+            <a:graphicFrameLocks noGrp="1"/>
+          </p:cNvGraphicFramePr>
+          <p:nvPr>
+            <p:ph idx="1"/>
+            <p:extLst>
+              <p:ext uri="{D42A27DB-BD31-4B8C-83A1-F6EECF244321}">
+                <p14:modId xmlns:p14="http://schemas.microsoft.com/office/powerpoint/2010/main" val="3764323852"/>
+              </p:ext>
+            </p:extLst>
+          </p:nvPr>
+        </p:nvGraphicFramePr>
+        <p:xfrm>
+          <a:off x="1032162" y="1834862"/>
+          <a:ext cx="6033656" cy="2123440"/>
+        </p:xfrm>
+        <a:graphic>
+          <a:graphicData uri="http://schemas.openxmlformats.org/drawingml/2006/table">
+            <a:tbl>
+              <a:tblPr firstRow="1" bandRow="1">
+                <a:tableStyleId>{5C22544A-7EE6-4342-B048-85BDC9FD1C3A}</a:tableStyleId>
+              </a:tblPr>
+              <a:tblGrid>
+                <a:gridCol w="743293">
+                  <a:extLst>
+                    <a:ext uri="{9D8B030D-6E8A-4147-A177-3AD203B41FA5}">
+                      <a16:colId xmlns:a16="http://schemas.microsoft.com/office/drawing/2014/main" val="633939766"/>
+                    </a:ext>
+                  </a:extLst>
+                </a:gridCol>
+                <a:gridCol w="2180890">
+                  <a:extLst>
+                    <a:ext uri="{9D8B030D-6E8A-4147-A177-3AD203B41FA5}">
+                      <a16:colId xmlns:a16="http://schemas.microsoft.com/office/drawing/2014/main" val="2921028910"/>
+                    </a:ext>
+                  </a:extLst>
+                </a:gridCol>
+                <a:gridCol w="3109473">
+                  <a:extLst>
+                    <a:ext uri="{9D8B030D-6E8A-4147-A177-3AD203B41FA5}">
+                      <a16:colId xmlns:a16="http://schemas.microsoft.com/office/drawing/2014/main" val="2648814571"/>
+                    </a:ext>
+                  </a:extLst>
+                </a:gridCol>
+              </a:tblGrid>
+              <a:tr h="370840">
+                <a:tc gridSpan="3">
+                  <a:txBody>
+                    <a:bodyPr/>
+                    <a:lstStyle/>
+                    <a:p>
+                      <a:r>
+                        <a:rPr lang="en-US" b="1" dirty="0"/>
+                        <a:t>Users</a:t>
+                      </a:r>
+                    </a:p>
+                  </a:txBody>
+                  <a:tcPr/>
+                </a:tc>
+                <a:tc hMerge="1">
+                  <a:txBody>
+                    <a:bodyPr/>
+                    <a:lstStyle/>
+                    <a:p>
+                      <a:endParaRPr lang="en-US" dirty="0"/>
+                    </a:p>
+                  </a:txBody>
+                  <a:tcPr/>
+                </a:tc>
+                <a:tc hMerge="1">
+                  <a:txBody>
+                    <a:bodyPr/>
+                    <a:lstStyle/>
+                    <a:p>
+                      <a:endParaRPr lang="en-US" dirty="0"/>
+                    </a:p>
+                  </a:txBody>
+                  <a:tcPr/>
+                </a:tc>
+                <a:extLst>
+                  <a:ext uri="{0D108BD9-81ED-4DB2-BD59-A6C34878D82A}">
+                    <a16:rowId xmlns:a16="http://schemas.microsoft.com/office/drawing/2014/main" val="1986067544"/>
+                  </a:ext>
+                </a:extLst>
+              </a:tr>
+              <a:tr h="370840">
+                <a:tc>
+                  <a:txBody>
+                    <a:bodyPr/>
+                    <a:lstStyle/>
+                    <a:p>
+                      <a:r>
+                        <a:rPr lang="en-US" b="1" dirty="0"/>
+                        <a:t>Id</a:t>
+                      </a:r>
+                    </a:p>
+                  </a:txBody>
+                  <a:tcPr/>
+                </a:tc>
+                <a:tc>
+                  <a:txBody>
+                    <a:bodyPr/>
+                    <a:lstStyle/>
+                    <a:p>
+                      <a:r>
+                        <a:rPr lang="en-US" b="1" dirty="0"/>
+                        <a:t>Email</a:t>
+                      </a:r>
+                    </a:p>
+                  </a:txBody>
+                  <a:tcPr/>
+                </a:tc>
+                <a:tc>
+                  <a:txBody>
+                    <a:bodyPr/>
+                    <a:lstStyle/>
+                    <a:p>
+                      <a:r>
+                        <a:rPr lang="en-US" b="1" dirty="0"/>
+                        <a:t>Name</a:t>
+                      </a:r>
+                    </a:p>
+                  </a:txBody>
+                  <a:tcPr/>
+                </a:tc>
+                <a:extLst>
+                  <a:ext uri="{0D108BD9-81ED-4DB2-BD59-A6C34878D82A}">
+                    <a16:rowId xmlns:a16="http://schemas.microsoft.com/office/drawing/2014/main" val="2071109534"/>
+                  </a:ext>
+                </a:extLst>
+              </a:tr>
+              <a:tr h="370840">
+                <a:tc>
+                  <a:txBody>
+                    <a:bodyPr/>
+                    <a:lstStyle/>
+                    <a:p>
+                      <a:r>
+                        <a:rPr lang="en-US" b="1" dirty="0"/>
+                        <a:t>1</a:t>
+                      </a:r>
+                    </a:p>
+                  </a:txBody>
+                  <a:tcPr/>
+                </a:tc>
+                <a:tc>
+                  <a:txBody>
+                    <a:bodyPr/>
+                    <a:lstStyle/>
+                    <a:p>
+                      <a:r>
+                        <a:rPr lang="en-US" b="1" dirty="0">
+                          <a:hlinkClick r:id="rId2"/>
+                        </a:rPr>
+                        <a:t>ram@gmail.com</a:t>
+                      </a:r>
+                      <a:endParaRPr lang="en-US" b="1" dirty="0"/>
+                    </a:p>
+                  </a:txBody>
+                  <a:tcPr/>
+                </a:tc>
+                <a:tc>
+                  <a:txBody>
+                    <a:bodyPr/>
+                    <a:lstStyle/>
+                    <a:p>
+                      <a:r>
+                        <a:rPr lang="en-US" b="1" dirty="0"/>
+                        <a:t>Ram Sharma</a:t>
+                      </a:r>
+                    </a:p>
+                  </a:txBody>
+                  <a:tcPr/>
+                </a:tc>
+                <a:extLst>
+                  <a:ext uri="{0D108BD9-81ED-4DB2-BD59-A6C34878D82A}">
+                    <a16:rowId xmlns:a16="http://schemas.microsoft.com/office/drawing/2014/main" val="886214449"/>
+                  </a:ext>
+                </a:extLst>
+              </a:tr>
+              <a:tr h="370840">
+                <a:tc>
+                  <a:txBody>
+                    <a:bodyPr/>
+                    <a:lstStyle/>
+                    <a:p>
+                      <a:r>
+                        <a:rPr lang="en-US" b="1" dirty="0"/>
+                        <a:t>2 </a:t>
+                      </a:r>
+                    </a:p>
+                  </a:txBody>
+                  <a:tcPr/>
+                </a:tc>
+                <a:tc>
+                  <a:txBody>
+                    <a:bodyPr/>
+                    <a:lstStyle/>
+                    <a:p>
+                      <a:r>
+                        <a:rPr lang="en-US" b="1" dirty="0">
+                          <a:hlinkClick r:id="rId3"/>
+                        </a:rPr>
+                        <a:t>mohan@gmail.com</a:t>
+                      </a:r>
+                      <a:endParaRPr lang="en-US" b="1" dirty="0"/>
+                    </a:p>
+                  </a:txBody>
+                  <a:tcPr/>
+                </a:tc>
+                <a:tc>
+                  <a:txBody>
+                    <a:bodyPr/>
+                    <a:lstStyle/>
+                    <a:p>
+                      <a:r>
+                        <a:rPr lang="en-US" b="1" dirty="0"/>
+                        <a:t>Mohan Verma</a:t>
+                      </a:r>
+                    </a:p>
+                  </a:txBody>
+                  <a:tcPr/>
+                </a:tc>
+                <a:extLst>
+                  <a:ext uri="{0D108BD9-81ED-4DB2-BD59-A6C34878D82A}">
+                    <a16:rowId xmlns:a16="http://schemas.microsoft.com/office/drawing/2014/main" val="2158115648"/>
+                  </a:ext>
+                </a:extLst>
+              </a:tr>
+              <a:tr h="370840">
+                <a:tc>
+                  <a:txBody>
+                    <a:bodyPr/>
+                    <a:lstStyle/>
+                    <a:p>
+                      <a:r>
+                        <a:rPr lang="en-US" b="1" dirty="0"/>
+                        <a:t>3</a:t>
+                      </a:r>
+                    </a:p>
+                  </a:txBody>
+                  <a:tcPr/>
+                </a:tc>
+                <a:tc>
+                  <a:txBody>
+                    <a:bodyPr/>
+                    <a:lstStyle/>
+                    <a:p>
+                      <a:r>
+                        <a:rPr lang="en-US" b="1" dirty="0">
+                          <a:hlinkClick r:id="rId4"/>
+                        </a:rPr>
+                        <a:t>sohan@gmail.com</a:t>
+                      </a:r>
+                      <a:endParaRPr lang="en-US" b="1" dirty="0"/>
+                    </a:p>
+                  </a:txBody>
+                  <a:tcPr/>
+                </a:tc>
+                <a:tc>
+                  <a:txBody>
+                    <a:bodyPr/>
+                    <a:lstStyle/>
+                    <a:p>
+                      <a:r>
+                        <a:rPr lang="en-US" b="1" dirty="0"/>
+                        <a:t>Sohan Mishra</a:t>
+                      </a:r>
+                    </a:p>
+                  </a:txBody>
+                  <a:tcPr/>
+                </a:tc>
+                <a:extLst>
+                  <a:ext uri="{0D108BD9-81ED-4DB2-BD59-A6C34878D82A}">
+                    <a16:rowId xmlns:a16="http://schemas.microsoft.com/office/drawing/2014/main" val="252668102"/>
+                  </a:ext>
+                </a:extLst>
+              </a:tr>
+            </a:tbl>
+          </a:graphicData>
+        </a:graphic>
+      </p:graphicFrame>
+      <p:graphicFrame>
+        <p:nvGraphicFramePr>
+          <p:cNvPr id="5" name="Content Placeholder 3">
+            <a:extLst>
+              <a:ext uri="{FF2B5EF4-FFF2-40B4-BE49-F238E27FC236}">
+                <a16:creationId xmlns:a16="http://schemas.microsoft.com/office/drawing/2014/main" id="{C8DAABE0-9180-9FE7-9BFB-8FBA83047DC5}"/>
+              </a:ext>
+            </a:extLst>
+          </p:cNvPr>
+          <p:cNvGraphicFramePr>
+            <a:graphicFrameLocks/>
+          </p:cNvGraphicFramePr>
+          <p:nvPr>
+            <p:extLst>
+              <p:ext uri="{D42A27DB-BD31-4B8C-83A1-F6EECF244321}">
+                <p14:modId xmlns:p14="http://schemas.microsoft.com/office/powerpoint/2010/main" val="1964086973"/>
+              </p:ext>
+            </p:extLst>
+          </p:nvPr>
+        </p:nvGraphicFramePr>
+        <p:xfrm>
+          <a:off x="1032162" y="4185517"/>
+          <a:ext cx="6033656" cy="1854200"/>
+        </p:xfrm>
+        <a:graphic>
+          <a:graphicData uri="http://schemas.openxmlformats.org/drawingml/2006/table">
+            <a:tbl>
+              <a:tblPr firstRow="1" bandRow="1">
+                <a:tableStyleId>{5C22544A-7EE6-4342-B048-85BDC9FD1C3A}</a:tableStyleId>
+              </a:tblPr>
+              <a:tblGrid>
+                <a:gridCol w="490508">
+                  <a:extLst>
+                    <a:ext uri="{9D8B030D-6E8A-4147-A177-3AD203B41FA5}">
+                      <a16:colId xmlns:a16="http://schemas.microsoft.com/office/drawing/2014/main" val="633939766"/>
+                    </a:ext>
+                  </a:extLst>
+                </a:gridCol>
+                <a:gridCol w="1439194">
+                  <a:extLst>
+                    <a:ext uri="{9D8B030D-6E8A-4147-A177-3AD203B41FA5}">
+                      <a16:colId xmlns:a16="http://schemas.microsoft.com/office/drawing/2014/main" val="2921028910"/>
+                    </a:ext>
+                  </a:extLst>
+                </a:gridCol>
+                <a:gridCol w="2051977">
+                  <a:extLst>
+                    <a:ext uri="{9D8B030D-6E8A-4147-A177-3AD203B41FA5}">
+                      <a16:colId xmlns:a16="http://schemas.microsoft.com/office/drawing/2014/main" val="2648814571"/>
+                    </a:ext>
+                  </a:extLst>
+                </a:gridCol>
+                <a:gridCol w="2051977">
+                  <a:extLst>
+                    <a:ext uri="{9D8B030D-6E8A-4147-A177-3AD203B41FA5}">
+                      <a16:colId xmlns:a16="http://schemas.microsoft.com/office/drawing/2014/main" val="303862644"/>
+                    </a:ext>
+                  </a:extLst>
+                </a:gridCol>
+              </a:tblGrid>
+              <a:tr h="370840">
+                <a:tc gridSpan="4">
+                  <a:txBody>
+                    <a:bodyPr/>
+                    <a:lstStyle/>
+                    <a:p>
+                      <a:r>
+                        <a:rPr lang="en-US" dirty="0"/>
+                        <a:t>Products</a:t>
+                      </a:r>
+                    </a:p>
+                  </a:txBody>
+                  <a:tcPr/>
+                </a:tc>
+                <a:tc hMerge="1">
+                  <a:txBody>
+                    <a:bodyPr/>
+                    <a:lstStyle/>
+                    <a:p>
+                      <a:endParaRPr lang="en-US" dirty="0"/>
+                    </a:p>
+                  </a:txBody>
+                  <a:tcPr/>
+                </a:tc>
+                <a:tc hMerge="1">
+                  <a:txBody>
+                    <a:bodyPr/>
+                    <a:lstStyle/>
+                    <a:p>
+                      <a:endParaRPr lang="en-US" dirty="0"/>
+                    </a:p>
+                  </a:txBody>
+                  <a:tcPr/>
+                </a:tc>
+                <a:tc hMerge="1">
+                  <a:txBody>
+                    <a:bodyPr/>
+                    <a:lstStyle/>
+                    <a:p>
+                      <a:endParaRPr lang="en-US" dirty="0"/>
+                    </a:p>
+                  </a:txBody>
+                  <a:tcPr/>
+                </a:tc>
+                <a:extLst>
+                  <a:ext uri="{0D108BD9-81ED-4DB2-BD59-A6C34878D82A}">
+                    <a16:rowId xmlns:a16="http://schemas.microsoft.com/office/drawing/2014/main" val="1986067544"/>
+                  </a:ext>
+                </a:extLst>
+              </a:tr>
+              <a:tr h="370840">
+                <a:tc>
+                  <a:txBody>
+                    <a:bodyPr/>
+                    <a:lstStyle/>
+                    <a:p>
+                      <a:r>
+                        <a:rPr lang="en-US" dirty="0"/>
+                        <a:t>Id</a:t>
+                      </a:r>
+                    </a:p>
+                  </a:txBody>
+                  <a:tcPr/>
+                </a:tc>
+                <a:tc>
+                  <a:txBody>
+                    <a:bodyPr/>
+                    <a:lstStyle/>
+                    <a:p>
+                      <a:r>
+                        <a:rPr lang="en-US" dirty="0"/>
+                        <a:t>Title</a:t>
+                      </a:r>
+                    </a:p>
+                  </a:txBody>
+                  <a:tcPr/>
+                </a:tc>
+                <a:tc>
+                  <a:txBody>
+                    <a:bodyPr/>
+                    <a:lstStyle/>
+                    <a:p>
+                      <a:r>
+                        <a:rPr lang="en-US" dirty="0"/>
+                        <a:t>price</a:t>
+                      </a:r>
+                    </a:p>
+                  </a:txBody>
+                  <a:tcPr/>
+                </a:tc>
+                <a:tc>
+                  <a:txBody>
+                    <a:bodyPr/>
+                    <a:lstStyle/>
+                    <a:p>
+                      <a:r>
+                        <a:rPr lang="en-US" dirty="0"/>
+                        <a:t>Description</a:t>
+                      </a:r>
+                    </a:p>
+                  </a:txBody>
+                  <a:tcPr/>
+                </a:tc>
+                <a:extLst>
+                  <a:ext uri="{0D108BD9-81ED-4DB2-BD59-A6C34878D82A}">
+                    <a16:rowId xmlns:a16="http://schemas.microsoft.com/office/drawing/2014/main" val="2071109534"/>
+                  </a:ext>
+                </a:extLst>
+              </a:tr>
+              <a:tr h="370840">
+                <a:tc>
+                  <a:txBody>
+                    <a:bodyPr/>
+                    <a:lstStyle/>
+                    <a:p>
+                      <a:r>
+                        <a:rPr lang="en-US" dirty="0"/>
+                        <a:t>1</a:t>
+                      </a:r>
+                    </a:p>
+                  </a:txBody>
+                  <a:tcPr/>
+                </a:tc>
+                <a:tc>
+                  <a:txBody>
+                    <a:bodyPr/>
+                    <a:lstStyle/>
+                    <a:p>
+                      <a:r>
+                        <a:rPr lang="en-US" dirty="0"/>
+                        <a:t>Book</a:t>
+                      </a:r>
+                    </a:p>
+                  </a:txBody>
+                  <a:tcPr/>
+                </a:tc>
+                <a:tc>
+                  <a:txBody>
+                    <a:bodyPr/>
+                    <a:lstStyle/>
+                    <a:p>
+                      <a:r>
+                        <a:rPr lang="en-US" dirty="0"/>
+                        <a:t>120</a:t>
+                      </a:r>
+                    </a:p>
+                  </a:txBody>
+                  <a:tcPr/>
+                </a:tc>
+                <a:tc>
+                  <a:txBody>
+                    <a:bodyPr/>
+                    <a:lstStyle/>
+                    <a:p>
+                      <a:r>
+                        <a:rPr lang="en-US" dirty="0"/>
+                        <a:t>Book</a:t>
+                      </a:r>
+                    </a:p>
+                  </a:txBody>
+                  <a:tcPr/>
+                </a:tc>
+                <a:extLst>
+                  <a:ext uri="{0D108BD9-81ED-4DB2-BD59-A6C34878D82A}">
+                    <a16:rowId xmlns:a16="http://schemas.microsoft.com/office/drawing/2014/main" val="886214449"/>
+                  </a:ext>
+                </a:extLst>
+              </a:tr>
+              <a:tr h="370840">
+                <a:tc>
+                  <a:txBody>
+                    <a:bodyPr/>
+                    <a:lstStyle/>
+                    <a:p>
+                      <a:r>
+                        <a:rPr lang="en-US" dirty="0"/>
+                        <a:t>2 </a:t>
+                      </a:r>
+                    </a:p>
+                  </a:txBody>
+                  <a:tcPr/>
+                </a:tc>
+                <a:tc>
+                  <a:txBody>
+                    <a:bodyPr/>
+                    <a:lstStyle/>
+                    <a:p>
+                      <a:r>
+                        <a:rPr lang="en-US" dirty="0"/>
+                        <a:t>Book 2</a:t>
+                      </a:r>
+                    </a:p>
+                  </a:txBody>
+                  <a:tcPr/>
+                </a:tc>
+                <a:tc>
+                  <a:txBody>
+                    <a:bodyPr/>
+                    <a:lstStyle/>
+                    <a:p>
+                      <a:r>
+                        <a:rPr lang="en-US" dirty="0"/>
+                        <a:t>240</a:t>
+                      </a:r>
+                    </a:p>
+                  </a:txBody>
+                  <a:tcPr/>
+                </a:tc>
+                <a:tc>
+                  <a:txBody>
+                    <a:bodyPr/>
+                    <a:lstStyle/>
+                    <a:p>
+                      <a:r>
+                        <a:rPr lang="en-US" dirty="0"/>
+                        <a:t>Book 2</a:t>
+                      </a:r>
+                    </a:p>
+                  </a:txBody>
+                  <a:tcPr/>
+                </a:tc>
+                <a:extLst>
+                  <a:ext uri="{0D108BD9-81ED-4DB2-BD59-A6C34878D82A}">
+                    <a16:rowId xmlns:a16="http://schemas.microsoft.com/office/drawing/2014/main" val="2158115648"/>
+                  </a:ext>
+                </a:extLst>
+              </a:tr>
+              <a:tr h="370840">
+                <a:tc>
+                  <a:txBody>
+                    <a:bodyPr/>
+                    <a:lstStyle/>
+                    <a:p>
+                      <a:r>
+                        <a:rPr lang="en-US" dirty="0"/>
+                        <a:t>3</a:t>
+                      </a:r>
+                    </a:p>
+                  </a:txBody>
+                  <a:tcPr/>
+                </a:tc>
+                <a:tc>
+                  <a:txBody>
+                    <a:bodyPr/>
+                    <a:lstStyle/>
+                    <a:p>
+                      <a:r>
+                        <a:rPr lang="en-US" dirty="0"/>
+                        <a:t>Book 3</a:t>
+                      </a:r>
+                    </a:p>
+                  </a:txBody>
+                  <a:tcPr/>
+                </a:tc>
+                <a:tc>
+                  <a:txBody>
+                    <a:bodyPr/>
+                    <a:lstStyle/>
+                    <a:p>
+                      <a:r>
+                        <a:rPr lang="en-US" dirty="0"/>
+                        <a:t>520</a:t>
+                      </a:r>
+                    </a:p>
+                  </a:txBody>
+                  <a:tcPr/>
+                </a:tc>
+                <a:tc>
+                  <a:txBody>
+                    <a:bodyPr/>
+                    <a:lstStyle/>
+                    <a:p>
+                      <a:r>
+                        <a:rPr lang="en-US" dirty="0"/>
+                        <a:t>Book3</a:t>
+                      </a:r>
+                    </a:p>
+                  </a:txBody>
+                  <a:tcPr/>
+                </a:tc>
+                <a:extLst>
+                  <a:ext uri="{0D108BD9-81ED-4DB2-BD59-A6C34878D82A}">
+                    <a16:rowId xmlns:a16="http://schemas.microsoft.com/office/drawing/2014/main" val="252668102"/>
+                  </a:ext>
+                </a:extLst>
+              </a:tr>
+            </a:tbl>
+          </a:graphicData>
+        </a:graphic>
+      </p:graphicFrame>
+      <p:graphicFrame>
+        <p:nvGraphicFramePr>
+          <p:cNvPr id="6" name="Content Placeholder 3">
+            <a:extLst>
+              <a:ext uri="{FF2B5EF4-FFF2-40B4-BE49-F238E27FC236}">
+                <a16:creationId xmlns:a16="http://schemas.microsoft.com/office/drawing/2014/main" id="{57A07CFC-6D74-67D7-CC97-27DCE8E57C5D}"/>
+              </a:ext>
+            </a:extLst>
+          </p:cNvPr>
+          <p:cNvGraphicFramePr>
+            <a:graphicFrameLocks/>
+          </p:cNvGraphicFramePr>
+          <p:nvPr>
+            <p:extLst>
+              <p:ext uri="{D42A27DB-BD31-4B8C-83A1-F6EECF244321}">
+                <p14:modId xmlns:p14="http://schemas.microsoft.com/office/powerpoint/2010/main" val="1092615754"/>
+              </p:ext>
+            </p:extLst>
+          </p:nvPr>
+        </p:nvGraphicFramePr>
+        <p:xfrm>
+          <a:off x="7585364" y="3138430"/>
+          <a:ext cx="3768436" cy="1854200"/>
+        </p:xfrm>
+        <a:graphic>
+          <a:graphicData uri="http://schemas.openxmlformats.org/drawingml/2006/table">
+            <a:tbl>
+              <a:tblPr firstRow="1" bandRow="1">
+                <a:tableStyleId>{5C22544A-7EE6-4342-B048-85BDC9FD1C3A}</a:tableStyleId>
+              </a:tblPr>
+              <a:tblGrid>
+                <a:gridCol w="646545">
+                  <a:extLst>
+                    <a:ext uri="{9D8B030D-6E8A-4147-A177-3AD203B41FA5}">
+                      <a16:colId xmlns:a16="http://schemas.microsoft.com/office/drawing/2014/main" val="633939766"/>
+                    </a:ext>
+                  </a:extLst>
+                </a:gridCol>
+                <a:gridCol w="1431636">
+                  <a:extLst>
+                    <a:ext uri="{9D8B030D-6E8A-4147-A177-3AD203B41FA5}">
+                      <a16:colId xmlns:a16="http://schemas.microsoft.com/office/drawing/2014/main" val="2921028910"/>
+                    </a:ext>
+                  </a:extLst>
+                </a:gridCol>
+                <a:gridCol w="1690255">
+                  <a:extLst>
+                    <a:ext uri="{9D8B030D-6E8A-4147-A177-3AD203B41FA5}">
+                      <a16:colId xmlns:a16="http://schemas.microsoft.com/office/drawing/2014/main" val="2648814571"/>
+                    </a:ext>
+                  </a:extLst>
+                </a:gridCol>
+              </a:tblGrid>
+              <a:tr h="370840">
+                <a:tc gridSpan="3">
+                  <a:txBody>
+                    <a:bodyPr/>
+                    <a:lstStyle/>
+                    <a:p>
+                      <a:r>
+                        <a:rPr lang="en-US" dirty="0"/>
+                        <a:t>Orders</a:t>
+                      </a:r>
+                    </a:p>
+                  </a:txBody>
+                  <a:tcPr/>
+                </a:tc>
+                <a:tc hMerge="1">
+                  <a:txBody>
+                    <a:bodyPr/>
+                    <a:lstStyle/>
+                    <a:p>
+                      <a:endParaRPr lang="en-US" dirty="0"/>
+                    </a:p>
+                  </a:txBody>
+                  <a:tcPr/>
+                </a:tc>
+                <a:tc hMerge="1">
+                  <a:txBody>
+                    <a:bodyPr/>
+                    <a:lstStyle/>
+                    <a:p>
+                      <a:endParaRPr lang="en-US" dirty="0"/>
+                    </a:p>
+                  </a:txBody>
+                  <a:tcPr/>
+                </a:tc>
+                <a:extLst>
+                  <a:ext uri="{0D108BD9-81ED-4DB2-BD59-A6C34878D82A}">
+                    <a16:rowId xmlns:a16="http://schemas.microsoft.com/office/drawing/2014/main" val="1986067544"/>
+                  </a:ext>
+                </a:extLst>
+              </a:tr>
+              <a:tr h="370840">
+                <a:tc>
+                  <a:txBody>
+                    <a:bodyPr/>
+                    <a:lstStyle/>
+                    <a:p>
+                      <a:r>
+                        <a:rPr lang="en-US" dirty="0"/>
+                        <a:t>Id</a:t>
+                      </a:r>
+                    </a:p>
+                  </a:txBody>
+                  <a:tcPr/>
+                </a:tc>
+                <a:tc>
+                  <a:txBody>
+                    <a:bodyPr/>
+                    <a:lstStyle/>
+                    <a:p>
+                      <a:r>
+                        <a:rPr lang="en-US" dirty="0" err="1"/>
+                        <a:t>User_id</a:t>
+                      </a:r>
+                      <a:endParaRPr lang="en-US" dirty="0"/>
+                    </a:p>
+                  </a:txBody>
+                  <a:tcPr/>
+                </a:tc>
+                <a:tc>
+                  <a:txBody>
+                    <a:bodyPr/>
+                    <a:lstStyle/>
+                    <a:p>
+                      <a:r>
+                        <a:rPr lang="en-US" dirty="0" err="1"/>
+                        <a:t>Product_id</a:t>
+                      </a:r>
+                      <a:endParaRPr lang="en-US" dirty="0"/>
+                    </a:p>
+                  </a:txBody>
+                  <a:tcPr/>
+                </a:tc>
+                <a:extLst>
+                  <a:ext uri="{0D108BD9-81ED-4DB2-BD59-A6C34878D82A}">
+                    <a16:rowId xmlns:a16="http://schemas.microsoft.com/office/drawing/2014/main" val="2071109534"/>
+                  </a:ext>
+                </a:extLst>
+              </a:tr>
+              <a:tr h="370840">
+                <a:tc>
+                  <a:txBody>
+                    <a:bodyPr/>
+                    <a:lstStyle/>
+                    <a:p>
+                      <a:r>
+                        <a:rPr lang="en-US" dirty="0"/>
+                        <a:t>1</a:t>
+                      </a:r>
+                    </a:p>
+                  </a:txBody>
+                  <a:tcPr/>
+                </a:tc>
+                <a:tc>
+                  <a:txBody>
+                    <a:bodyPr/>
+                    <a:lstStyle/>
+                    <a:p>
+                      <a:r>
+                        <a:rPr lang="en-US" dirty="0"/>
+                        <a:t>1</a:t>
+                      </a:r>
+                    </a:p>
+                  </a:txBody>
+                  <a:tcPr/>
+                </a:tc>
+                <a:tc>
+                  <a:txBody>
+                    <a:bodyPr/>
+                    <a:lstStyle/>
+                    <a:p>
+                      <a:r>
+                        <a:rPr lang="en-US" dirty="0"/>
+                        <a:t>2</a:t>
+                      </a:r>
+                    </a:p>
+                  </a:txBody>
+                  <a:tcPr/>
+                </a:tc>
+                <a:extLst>
+                  <a:ext uri="{0D108BD9-81ED-4DB2-BD59-A6C34878D82A}">
+                    <a16:rowId xmlns:a16="http://schemas.microsoft.com/office/drawing/2014/main" val="886214449"/>
+                  </a:ext>
+                </a:extLst>
+              </a:tr>
+              <a:tr h="370840">
+                <a:tc>
+                  <a:txBody>
+                    <a:bodyPr/>
+                    <a:lstStyle/>
+                    <a:p>
+                      <a:r>
+                        <a:rPr lang="en-US" dirty="0"/>
+                        <a:t>2 </a:t>
+                      </a:r>
+                    </a:p>
+                  </a:txBody>
+                  <a:tcPr/>
+                </a:tc>
+                <a:tc>
+                  <a:txBody>
+                    <a:bodyPr/>
+                    <a:lstStyle/>
+                    <a:p>
+                      <a:r>
+                        <a:rPr lang="en-US" dirty="0"/>
+                        <a:t>1</a:t>
+                      </a:r>
+                    </a:p>
+                  </a:txBody>
+                  <a:tcPr/>
+                </a:tc>
+                <a:tc>
+                  <a:txBody>
+                    <a:bodyPr/>
+                    <a:lstStyle/>
+                    <a:p>
+                      <a:r>
+                        <a:rPr lang="en-US" dirty="0"/>
+                        <a:t>3</a:t>
+                      </a:r>
+                    </a:p>
+                  </a:txBody>
+                  <a:tcPr/>
+                </a:tc>
+                <a:extLst>
+                  <a:ext uri="{0D108BD9-81ED-4DB2-BD59-A6C34878D82A}">
+                    <a16:rowId xmlns:a16="http://schemas.microsoft.com/office/drawing/2014/main" val="2158115648"/>
+                  </a:ext>
+                </a:extLst>
+              </a:tr>
+              <a:tr h="370840">
+                <a:tc>
+                  <a:txBody>
+                    <a:bodyPr/>
+                    <a:lstStyle/>
+                    <a:p>
+                      <a:r>
+                        <a:rPr lang="en-US" dirty="0"/>
+                        <a:t>3</a:t>
+                      </a:r>
+                    </a:p>
+                  </a:txBody>
+                  <a:tcPr/>
+                </a:tc>
+                <a:tc>
+                  <a:txBody>
+                    <a:bodyPr/>
+                    <a:lstStyle/>
+                    <a:p>
+                      <a:r>
+                        <a:rPr lang="en-US" dirty="0"/>
+                        <a:t>2</a:t>
+                      </a:r>
+                    </a:p>
+                  </a:txBody>
+                  <a:tcPr/>
+                </a:tc>
+                <a:tc>
+                  <a:txBody>
+                    <a:bodyPr/>
+                    <a:lstStyle/>
+                    <a:p>
+                      <a:r>
+                        <a:rPr lang="en-US" dirty="0"/>
+                        <a:t>1</a:t>
+                      </a:r>
+                    </a:p>
+                  </a:txBody>
+                  <a:tcPr/>
+                </a:tc>
+                <a:extLst>
+                  <a:ext uri="{0D108BD9-81ED-4DB2-BD59-A6C34878D82A}">
+                    <a16:rowId xmlns:a16="http://schemas.microsoft.com/office/drawing/2014/main" val="252668102"/>
+                  </a:ext>
+                </a:extLst>
+              </a:tr>
+            </a:tbl>
+          </a:graphicData>
+        </a:graphic>
+      </p:graphicFrame>
+    </p:spTree>
+    <p:extLst>
+      <p:ext uri="{BB962C8B-B14F-4D97-AF65-F5344CB8AC3E}">
+        <p14:creationId xmlns:p14="http://schemas.microsoft.com/office/powerpoint/2010/main" val="2010482640"/>
+      </p:ext>
+    </p:extLst>
+  </p:cSld>
+  <p:clrMapOvr>
+    <a:masterClrMapping/>
+  </p:clrMapOvr>
+</p:sld>
+</file>
+
+<file path=ppt/slides/slide36.xml><?xml version="1.0" encoding="utf-8"?>
+<p:sld xmlns:a="http://schemas.openxmlformats.org/drawingml/2006/main" xmlns:r="http://schemas.openxmlformats.org/officeDocument/2006/relationships" xmlns:p="http://schemas.openxmlformats.org/presentationml/2006/main">
+  <p:cSld>
+    <p:spTree>
+      <p:nvGrpSpPr>
+        <p:cNvPr id="1" name=""/>
+        <p:cNvGrpSpPr/>
+        <p:nvPr/>
+      </p:nvGrpSpPr>
+      <p:grpSpPr>
+        <a:xfrm>
+          <a:off x="0" y="0"/>
+          <a:ext cx="0" cy="0"/>
+          <a:chOff x="0" y="0"/>
+          <a:chExt cx="0" cy="0"/>
+        </a:xfrm>
+      </p:grpSpPr>
+      <p:sp>
+        <p:nvSpPr>
+          <p:cNvPr id="2" name="Title 1">
+            <a:extLst>
+              <a:ext uri="{FF2B5EF4-FFF2-40B4-BE49-F238E27FC236}">
+                <a16:creationId xmlns:a16="http://schemas.microsoft.com/office/drawing/2014/main" id="{7E0217D3-7274-6D7D-30F3-7BA9680F6B5C}"/>
+              </a:ext>
+            </a:extLst>
+          </p:cNvPr>
+          <p:cNvSpPr>
+            <a:spLocks noGrp="1"/>
+          </p:cNvSpPr>
+          <p:nvPr>
+            <p:ph type="title"/>
+          </p:nvPr>
+        </p:nvSpPr>
+        <p:spPr/>
+        <p:txBody>
+          <a:bodyPr/>
+          <a:lstStyle/>
+          <a:p>
+            <a:r>
+              <a:rPr lang="en-US" dirty="0"/>
+              <a:t>Core SQL Database Characteristics</a:t>
+            </a:r>
+          </a:p>
+        </p:txBody>
+      </p:sp>
+      <p:sp>
+        <p:nvSpPr>
+          <p:cNvPr id="3" name="Content Placeholder 2">
+            <a:extLst>
+              <a:ext uri="{FF2B5EF4-FFF2-40B4-BE49-F238E27FC236}">
+                <a16:creationId xmlns:a16="http://schemas.microsoft.com/office/drawing/2014/main" id="{638B68F1-840D-75FC-CE66-358881265D05}"/>
+              </a:ext>
+            </a:extLst>
+          </p:cNvPr>
+          <p:cNvSpPr>
+            <a:spLocks noGrp="1"/>
+          </p:cNvSpPr>
+          <p:nvPr>
+            <p:ph idx="1"/>
+          </p:nvPr>
+        </p:nvSpPr>
+        <p:spPr/>
+        <p:txBody>
+          <a:bodyPr/>
+          <a:lstStyle/>
+          <a:p>
+            <a:r>
+              <a:rPr lang="en-US" dirty="0"/>
+              <a:t>Data Schema (id, name, age) – All Data ( in a Table has to fit)</a:t>
+            </a:r>
+          </a:p>
+          <a:p>
+            <a:r>
+              <a:rPr lang="en-US" dirty="0"/>
+              <a:t>Data Relations ( Tables are connected)</a:t>
+            </a:r>
+          </a:p>
+          <a:p>
+            <a:pPr lvl="1"/>
+            <a:r>
+              <a:rPr lang="en-US" dirty="0"/>
+              <a:t>One-to-One</a:t>
+            </a:r>
+          </a:p>
+          <a:p>
+            <a:pPr lvl="1"/>
+            <a:r>
+              <a:rPr lang="en-US" dirty="0"/>
+              <a:t>One-to-Many</a:t>
+            </a:r>
+          </a:p>
+          <a:p>
+            <a:pPr lvl="1"/>
+            <a:r>
+              <a:rPr lang="en-US" dirty="0"/>
+              <a:t>Many-to-Many</a:t>
+            </a:r>
+          </a:p>
+        </p:txBody>
+      </p:sp>
+    </p:spTree>
+    <p:extLst>
+      <p:ext uri="{BB962C8B-B14F-4D97-AF65-F5344CB8AC3E}">
+        <p14:creationId xmlns:p14="http://schemas.microsoft.com/office/powerpoint/2010/main" val="2014244838"/>
+      </p:ext>
+    </p:extLst>
+  </p:cSld>
+  <p:clrMapOvr>
+    <a:masterClrMapping/>
+  </p:clrMapOvr>
+</p:sld>
+</file>
+
+<file path=ppt/slides/slide37.xml><?xml version="1.0" encoding="utf-8"?>
+<p:sld xmlns:a="http://schemas.openxmlformats.org/drawingml/2006/main" xmlns:r="http://schemas.openxmlformats.org/officeDocument/2006/relationships" xmlns:p="http://schemas.openxmlformats.org/presentationml/2006/main">
+  <p:cSld>
+    <p:spTree>
+      <p:nvGrpSpPr>
+        <p:cNvPr id="1" name=""/>
+        <p:cNvGrpSpPr/>
+        <p:nvPr/>
+      </p:nvGrpSpPr>
+      <p:grpSpPr>
+        <a:xfrm>
+          <a:off x="0" y="0"/>
+          <a:ext cx="0" cy="0"/>
+          <a:chOff x="0" y="0"/>
+          <a:chExt cx="0" cy="0"/>
+        </a:xfrm>
+      </p:grpSpPr>
+      <p:sp>
+        <p:nvSpPr>
+          <p:cNvPr id="2" name="Title 1">
+            <a:extLst>
+              <a:ext uri="{FF2B5EF4-FFF2-40B4-BE49-F238E27FC236}">
+                <a16:creationId xmlns:a16="http://schemas.microsoft.com/office/drawing/2014/main" id="{4CA291F4-7B93-35A6-DD81-27CF25422BB1}"/>
+              </a:ext>
+            </a:extLst>
+          </p:cNvPr>
+          <p:cNvSpPr>
+            <a:spLocks noGrp="1"/>
+          </p:cNvSpPr>
+          <p:nvPr>
+            <p:ph type="title"/>
+          </p:nvPr>
+        </p:nvSpPr>
+        <p:spPr/>
+        <p:txBody>
+          <a:bodyPr/>
+          <a:lstStyle/>
+          <a:p>
+            <a:r>
+              <a:rPr lang="en-US" dirty="0"/>
+              <a:t>SQL Queries</a:t>
+            </a:r>
+          </a:p>
+        </p:txBody>
+      </p:sp>
+      <p:sp>
+        <p:nvSpPr>
+          <p:cNvPr id="3" name="Content Placeholder 2">
+            <a:extLst>
+              <a:ext uri="{FF2B5EF4-FFF2-40B4-BE49-F238E27FC236}">
+                <a16:creationId xmlns:a16="http://schemas.microsoft.com/office/drawing/2014/main" id="{560D3289-22F2-6BC5-1C14-BE9C5F904F90}"/>
+              </a:ext>
+            </a:extLst>
+          </p:cNvPr>
+          <p:cNvSpPr>
+            <a:spLocks noGrp="1"/>
+          </p:cNvSpPr>
+          <p:nvPr>
+            <p:ph idx="1"/>
+          </p:nvPr>
+        </p:nvSpPr>
+        <p:spPr/>
+        <p:txBody>
+          <a:bodyPr/>
+          <a:lstStyle/>
+          <a:p>
+            <a:pPr marL="0" indent="0">
+              <a:buNone/>
+            </a:pPr>
+            <a:r>
+              <a:rPr lang="en-US" dirty="0">
+                <a:solidFill>
+                  <a:srgbClr val="FF0000"/>
+                </a:solidFill>
+              </a:rPr>
+              <a:t>SELECT</a:t>
+            </a:r>
+            <a:r>
+              <a:rPr lang="en-US" dirty="0"/>
+              <a:t> </a:t>
+            </a:r>
+            <a:r>
+              <a:rPr lang="en-US" dirty="0">
+                <a:solidFill>
+                  <a:srgbClr val="00B050"/>
+                </a:solidFill>
+              </a:rPr>
+              <a:t>*</a:t>
+            </a:r>
+            <a:r>
+              <a:rPr lang="en-US" dirty="0"/>
+              <a:t> </a:t>
+            </a:r>
+            <a:r>
+              <a:rPr lang="en-US" dirty="0">
+                <a:solidFill>
+                  <a:srgbClr val="FF0000"/>
+                </a:solidFill>
+              </a:rPr>
+              <a:t>FROM</a:t>
+            </a:r>
+            <a:r>
+              <a:rPr lang="en-US" dirty="0"/>
+              <a:t> </a:t>
+            </a:r>
+            <a:r>
+              <a:rPr lang="en-US" dirty="0">
+                <a:solidFill>
+                  <a:srgbClr val="00B050"/>
+                </a:solidFill>
+              </a:rPr>
+              <a:t>users</a:t>
+            </a:r>
+            <a:r>
+              <a:rPr lang="en-US" dirty="0"/>
+              <a:t> </a:t>
+            </a:r>
+            <a:r>
+              <a:rPr lang="en-US" dirty="0">
+                <a:solidFill>
+                  <a:srgbClr val="FF0000"/>
+                </a:solidFill>
+              </a:rPr>
+              <a:t>WHERE</a:t>
+            </a:r>
+            <a:r>
+              <a:rPr lang="en-US" dirty="0"/>
+              <a:t> </a:t>
+            </a:r>
+            <a:r>
+              <a:rPr lang="en-US" dirty="0">
+                <a:solidFill>
+                  <a:srgbClr val="00B050"/>
+                </a:solidFill>
+              </a:rPr>
+              <a:t>age &gt; 30</a:t>
+            </a:r>
+          </a:p>
+          <a:p>
+            <a:pPr marL="0" indent="0">
+              <a:buNone/>
+            </a:pPr>
+            <a:endParaRPr lang="en-US" dirty="0"/>
+          </a:p>
+          <a:p>
+            <a:pPr marL="0" indent="0">
+              <a:buNone/>
+            </a:pPr>
+            <a:r>
+              <a:rPr lang="en-US" dirty="0">
+                <a:solidFill>
+                  <a:srgbClr val="FF0000"/>
+                </a:solidFill>
+              </a:rPr>
+              <a:t>SQL</a:t>
+            </a:r>
+            <a:r>
+              <a:rPr lang="en-US" dirty="0"/>
+              <a:t> </a:t>
+            </a:r>
+            <a:r>
+              <a:rPr lang="en-US" dirty="0">
+                <a:solidFill>
+                  <a:srgbClr val="FF0000"/>
+                </a:solidFill>
+              </a:rPr>
+              <a:t>Keywords</a:t>
+            </a:r>
+          </a:p>
+          <a:p>
+            <a:pPr marL="0" indent="0">
+              <a:buNone/>
+            </a:pPr>
+            <a:endParaRPr lang="en-US" dirty="0">
+              <a:solidFill>
+                <a:srgbClr val="FF0000"/>
+              </a:solidFill>
+            </a:endParaRPr>
+          </a:p>
+          <a:p>
+            <a:pPr marL="0" indent="0">
+              <a:buNone/>
+            </a:pPr>
+            <a:r>
+              <a:rPr lang="en-US" dirty="0">
+                <a:solidFill>
+                  <a:srgbClr val="00B050"/>
+                </a:solidFill>
+              </a:rPr>
+              <a:t>Parameters/Data</a:t>
+            </a:r>
+          </a:p>
+        </p:txBody>
+      </p:sp>
+    </p:spTree>
+    <p:extLst>
+      <p:ext uri="{BB962C8B-B14F-4D97-AF65-F5344CB8AC3E}">
+        <p14:creationId xmlns:p14="http://schemas.microsoft.com/office/powerpoint/2010/main" val="2872843735"/>
+      </p:ext>
+    </p:extLst>
+  </p:cSld>
+  <p:clrMapOvr>
+    <a:masterClrMapping/>
+  </p:clrMapOvr>
+</p:sld>
+</file>
+
+<file path=ppt/slides/slide38.xml><?xml version="1.0" encoding="utf-8"?>
+<p:sld xmlns:a="http://schemas.openxmlformats.org/drawingml/2006/main" xmlns:r="http://schemas.openxmlformats.org/officeDocument/2006/relationships" xmlns:p="http://schemas.openxmlformats.org/presentationml/2006/main">
+  <p:cSld>
+    <p:spTree>
+      <p:nvGrpSpPr>
+        <p:cNvPr id="1" name=""/>
+        <p:cNvGrpSpPr/>
+        <p:nvPr/>
+      </p:nvGrpSpPr>
+      <p:grpSpPr>
+        <a:xfrm>
+          <a:off x="0" y="0"/>
+          <a:ext cx="0" cy="0"/>
+          <a:chOff x="0" y="0"/>
+          <a:chExt cx="0" cy="0"/>
+        </a:xfrm>
+      </p:grpSpPr>
+      <p:sp>
+        <p:nvSpPr>
+          <p:cNvPr id="2" name="Title 1">
+            <a:extLst>
+              <a:ext uri="{FF2B5EF4-FFF2-40B4-BE49-F238E27FC236}">
+                <a16:creationId xmlns:a16="http://schemas.microsoft.com/office/drawing/2014/main" id="{5EC39F45-21C1-31AF-587F-4A9A43E38EF0}"/>
+              </a:ext>
+            </a:extLst>
+          </p:cNvPr>
+          <p:cNvSpPr>
+            <a:spLocks noGrp="1"/>
+          </p:cNvSpPr>
+          <p:nvPr>
+            <p:ph type="title"/>
+          </p:nvPr>
+        </p:nvSpPr>
+        <p:spPr/>
+        <p:txBody>
+          <a:bodyPr/>
+          <a:lstStyle/>
+          <a:p>
+            <a:r>
+              <a:rPr lang="en-US" dirty="0"/>
+              <a:t>NoSQL</a:t>
+            </a:r>
+          </a:p>
+        </p:txBody>
+      </p:sp>
+      <p:sp>
+        <p:nvSpPr>
+          <p:cNvPr id="3" name="Content Placeholder 2">
+            <a:extLst>
+              <a:ext uri="{FF2B5EF4-FFF2-40B4-BE49-F238E27FC236}">
+                <a16:creationId xmlns:a16="http://schemas.microsoft.com/office/drawing/2014/main" id="{5E364BA6-889C-ADE3-A64D-97C7A72A8609}"/>
+              </a:ext>
+            </a:extLst>
+          </p:cNvPr>
+          <p:cNvSpPr>
+            <a:spLocks noGrp="1"/>
+          </p:cNvSpPr>
+          <p:nvPr>
+            <p:ph idx="1"/>
+          </p:nvPr>
+        </p:nvSpPr>
+        <p:spPr/>
+        <p:txBody>
+          <a:bodyPr/>
+          <a:lstStyle/>
+          <a:p>
+            <a:r>
+              <a:rPr lang="en-US" dirty="0"/>
+              <a:t>Database : Shop</a:t>
+            </a:r>
+          </a:p>
+          <a:p>
+            <a:r>
+              <a:rPr lang="en-US" dirty="0"/>
+              <a:t>Collections : Users, Orders</a:t>
+            </a:r>
+          </a:p>
+          <a:p>
+            <a:r>
+              <a:rPr lang="en-US" dirty="0"/>
+              <a:t>Documents: {</a:t>
+            </a:r>
+            <a:r>
+              <a:rPr lang="en-US" dirty="0" err="1"/>
+              <a:t>name:’Ram</a:t>
+            </a:r>
+            <a:r>
+              <a:rPr lang="en-US" dirty="0"/>
+              <a:t> Sharmar’,age:30} {…}</a:t>
+            </a:r>
+          </a:p>
+          <a:p>
+            <a:endParaRPr lang="en-US" dirty="0"/>
+          </a:p>
+        </p:txBody>
+      </p:sp>
+    </p:spTree>
+    <p:extLst>
+      <p:ext uri="{BB962C8B-B14F-4D97-AF65-F5344CB8AC3E}">
+        <p14:creationId xmlns:p14="http://schemas.microsoft.com/office/powerpoint/2010/main" val="866949771"/>
+      </p:ext>
+    </p:extLst>
+  </p:cSld>
+  <p:clrMapOvr>
+    <a:masterClrMapping/>
+  </p:clrMapOvr>
+</p:sld>
+</file>
+
+<file path=ppt/slides/slide39.xml><?xml version="1.0" encoding="utf-8"?>
+<p:sld xmlns:a="http://schemas.openxmlformats.org/drawingml/2006/main" xmlns:r="http://schemas.openxmlformats.org/officeDocument/2006/relationships" xmlns:p="http://schemas.openxmlformats.org/presentationml/2006/main">
+  <p:cSld>
+    <p:spTree>
+      <p:nvGrpSpPr>
+        <p:cNvPr id="1" name=""/>
+        <p:cNvGrpSpPr/>
+        <p:nvPr/>
+      </p:nvGrpSpPr>
+      <p:grpSpPr>
+        <a:xfrm>
+          <a:off x="0" y="0"/>
+          <a:ext cx="0" cy="0"/>
+          <a:chOff x="0" y="0"/>
+          <a:chExt cx="0" cy="0"/>
+        </a:xfrm>
+      </p:grpSpPr>
+      <p:sp>
+        <p:nvSpPr>
+          <p:cNvPr id="2" name="Title 1">
+            <a:extLst>
+              <a:ext uri="{FF2B5EF4-FFF2-40B4-BE49-F238E27FC236}">
+                <a16:creationId xmlns:a16="http://schemas.microsoft.com/office/drawing/2014/main" id="{32C8128E-809B-E593-29C7-25B3221BD29F}"/>
+              </a:ext>
+            </a:extLst>
+          </p:cNvPr>
+          <p:cNvSpPr>
+            <a:spLocks noGrp="1"/>
+          </p:cNvSpPr>
+          <p:nvPr>
+            <p:ph type="title"/>
+          </p:nvPr>
+        </p:nvSpPr>
+        <p:spPr/>
+        <p:txBody>
+          <a:bodyPr/>
+          <a:lstStyle/>
+          <a:p>
+            <a:r>
+              <a:rPr lang="en-US" dirty="0"/>
+              <a:t>NoSQL Characteristics</a:t>
+            </a:r>
+          </a:p>
+        </p:txBody>
+      </p:sp>
+      <p:sp>
+        <p:nvSpPr>
+          <p:cNvPr id="3" name="Content Placeholder 2">
+            <a:extLst>
+              <a:ext uri="{FF2B5EF4-FFF2-40B4-BE49-F238E27FC236}">
+                <a16:creationId xmlns:a16="http://schemas.microsoft.com/office/drawing/2014/main" id="{F1769E68-B525-11F4-B0A7-EC563B4BB0A9}"/>
+              </a:ext>
+            </a:extLst>
+          </p:cNvPr>
+          <p:cNvSpPr>
+            <a:spLocks noGrp="1"/>
+          </p:cNvSpPr>
+          <p:nvPr>
+            <p:ph idx="1"/>
+          </p:nvPr>
+        </p:nvSpPr>
+        <p:spPr/>
+        <p:txBody>
+          <a:bodyPr/>
+          <a:lstStyle/>
+          <a:p>
+            <a:r>
+              <a:rPr lang="en-US" dirty="0"/>
+              <a:t>No Data Schema – No Structure required!</a:t>
+            </a:r>
+          </a:p>
+          <a:p>
+            <a:r>
+              <a:rPr lang="en-US" dirty="0"/>
+              <a:t>No Data Relations – No/Few Connections</a:t>
+            </a:r>
+          </a:p>
+          <a:p>
+            <a:endParaRPr lang="en-US" dirty="0"/>
+          </a:p>
+          <a:p>
+            <a:endParaRPr lang="en-US" dirty="0"/>
+          </a:p>
+        </p:txBody>
+      </p:sp>
+    </p:spTree>
+    <p:extLst>
+      <p:ext uri="{BB962C8B-B14F-4D97-AF65-F5344CB8AC3E}">
+        <p14:creationId xmlns:p14="http://schemas.microsoft.com/office/powerpoint/2010/main" val="884075581"/>
       </p:ext>
     </p:extLst>
   </p:cSld>
@@ -8571,6 +10457,729 @@
     <p:extLst>
       <p:ext uri="{BB962C8B-B14F-4D97-AF65-F5344CB8AC3E}">
         <p14:creationId xmlns:p14="http://schemas.microsoft.com/office/powerpoint/2010/main" val="1918536730"/>
+      </p:ext>
+    </p:extLst>
+  </p:cSld>
+  <p:clrMapOvr>
+    <a:masterClrMapping/>
+  </p:clrMapOvr>
+</p:sld>
+</file>
+
+<file path=ppt/slides/slide40.xml><?xml version="1.0" encoding="utf-8"?>
+<p:sld xmlns:a="http://schemas.openxmlformats.org/drawingml/2006/main" xmlns:r="http://schemas.openxmlformats.org/officeDocument/2006/relationships" xmlns:p="http://schemas.openxmlformats.org/presentationml/2006/main">
+  <p:cSld>
+    <p:spTree>
+      <p:nvGrpSpPr>
+        <p:cNvPr id="1" name=""/>
+        <p:cNvGrpSpPr/>
+        <p:nvPr/>
+      </p:nvGrpSpPr>
+      <p:grpSpPr>
+        <a:xfrm>
+          <a:off x="0" y="0"/>
+          <a:ext cx="0" cy="0"/>
+          <a:chOff x="0" y="0"/>
+          <a:chExt cx="0" cy="0"/>
+        </a:xfrm>
+      </p:grpSpPr>
+      <p:sp>
+        <p:nvSpPr>
+          <p:cNvPr id="2" name="Title 1">
+            <a:extLst>
+              <a:ext uri="{FF2B5EF4-FFF2-40B4-BE49-F238E27FC236}">
+                <a16:creationId xmlns:a16="http://schemas.microsoft.com/office/drawing/2014/main" id="{BB4CE373-EC35-AC0B-1E31-E4DC99BDF94B}"/>
+              </a:ext>
+            </a:extLst>
+          </p:cNvPr>
+          <p:cNvSpPr>
+            <a:spLocks noGrp="1"/>
+          </p:cNvSpPr>
+          <p:nvPr>
+            <p:ph type="title"/>
+          </p:nvPr>
+        </p:nvSpPr>
+        <p:spPr/>
+        <p:txBody>
+          <a:bodyPr/>
+          <a:lstStyle/>
+          <a:p>
+            <a:endParaRPr lang="en-US"/>
+          </a:p>
+        </p:txBody>
+      </p:sp>
+      <p:sp>
+        <p:nvSpPr>
+          <p:cNvPr id="3" name="Content Placeholder 2">
+            <a:extLst>
+              <a:ext uri="{FF2B5EF4-FFF2-40B4-BE49-F238E27FC236}">
+                <a16:creationId xmlns:a16="http://schemas.microsoft.com/office/drawing/2014/main" id="{AB5AFEC6-4412-DAF0-58C6-60CBAD654306}"/>
+              </a:ext>
+            </a:extLst>
+          </p:cNvPr>
+          <p:cNvSpPr>
+            <a:spLocks noGrp="1"/>
+          </p:cNvSpPr>
+          <p:nvPr>
+            <p:ph idx="1"/>
+          </p:nvPr>
+        </p:nvSpPr>
+        <p:spPr/>
+        <p:txBody>
+          <a:bodyPr/>
+          <a:lstStyle/>
+          <a:p>
+            <a:r>
+              <a:rPr lang="en-US" dirty="0"/>
+              <a:t>Horizontal Scaling</a:t>
+            </a:r>
+          </a:p>
+          <a:p>
+            <a:pPr lvl="1"/>
+            <a:r>
+              <a:rPr lang="en-US" dirty="0"/>
+              <a:t>Add More Servers ( and merge Data into one Database)</a:t>
+            </a:r>
+          </a:p>
+          <a:p>
+            <a:pPr lvl="1"/>
+            <a:endParaRPr lang="en-US" dirty="0"/>
+          </a:p>
+          <a:p>
+            <a:r>
+              <a:rPr lang="en-US" dirty="0"/>
+              <a:t>Vertical Scaling</a:t>
+            </a:r>
+          </a:p>
+          <a:p>
+            <a:pPr lvl="1"/>
+            <a:r>
+              <a:rPr lang="en-US" dirty="0"/>
+              <a:t>Improve Server Capacity/Hardware</a:t>
+            </a:r>
+          </a:p>
+        </p:txBody>
+      </p:sp>
+      <p:sp>
+        <p:nvSpPr>
+          <p:cNvPr id="4" name="Rectangle 3">
+            <a:extLst>
+              <a:ext uri="{FF2B5EF4-FFF2-40B4-BE49-F238E27FC236}">
+                <a16:creationId xmlns:a16="http://schemas.microsoft.com/office/drawing/2014/main" id="{8734D245-C462-FA57-1453-30F8C2E065DD}"/>
+              </a:ext>
+            </a:extLst>
+          </p:cNvPr>
+          <p:cNvSpPr/>
+          <p:nvPr/>
+        </p:nvSpPr>
+        <p:spPr>
+          <a:xfrm>
+            <a:off x="9023927" y="2022764"/>
+            <a:ext cx="471055" cy="831272"/>
+          </a:xfrm>
+          <a:prstGeom prst="rect">
+            <a:avLst/>
+          </a:prstGeom>
+        </p:spPr>
+        <p:style>
+          <a:lnRef idx="2">
+            <a:schemeClr val="accent1">
+              <a:shade val="15000"/>
+            </a:schemeClr>
+          </a:lnRef>
+          <a:fillRef idx="1">
+            <a:schemeClr val="accent1"/>
+          </a:fillRef>
+          <a:effectRef idx="0">
+            <a:schemeClr val="accent1"/>
+          </a:effectRef>
+          <a:fontRef idx="minor">
+            <a:schemeClr val="lt1"/>
+          </a:fontRef>
+        </p:style>
+        <p:txBody>
+          <a:bodyPr rtlCol="0" anchor="ctr"/>
+          <a:lstStyle/>
+          <a:p>
+            <a:pPr algn="ctr"/>
+            <a:endParaRPr lang="en-US"/>
+          </a:p>
+        </p:txBody>
+      </p:sp>
+      <p:sp>
+        <p:nvSpPr>
+          <p:cNvPr id="5" name="Rectangle 4">
+            <a:extLst>
+              <a:ext uri="{FF2B5EF4-FFF2-40B4-BE49-F238E27FC236}">
+                <a16:creationId xmlns:a16="http://schemas.microsoft.com/office/drawing/2014/main" id="{EC6A4CDC-3B36-A3BA-9CE9-FCE47A1E5138}"/>
+              </a:ext>
+            </a:extLst>
+          </p:cNvPr>
+          <p:cNvSpPr/>
+          <p:nvPr/>
+        </p:nvSpPr>
+        <p:spPr>
+          <a:xfrm>
+            <a:off x="9619672" y="2022764"/>
+            <a:ext cx="471055" cy="831272"/>
+          </a:xfrm>
+          <a:prstGeom prst="rect">
+            <a:avLst/>
+          </a:prstGeom>
+        </p:spPr>
+        <p:style>
+          <a:lnRef idx="2">
+            <a:schemeClr val="accent1">
+              <a:shade val="15000"/>
+            </a:schemeClr>
+          </a:lnRef>
+          <a:fillRef idx="1">
+            <a:schemeClr val="accent1"/>
+          </a:fillRef>
+          <a:effectRef idx="0">
+            <a:schemeClr val="accent1"/>
+          </a:effectRef>
+          <a:fontRef idx="minor">
+            <a:schemeClr val="lt1"/>
+          </a:fontRef>
+        </p:style>
+        <p:txBody>
+          <a:bodyPr rtlCol="0" anchor="ctr"/>
+          <a:lstStyle/>
+          <a:p>
+            <a:pPr algn="ctr"/>
+            <a:endParaRPr lang="en-US"/>
+          </a:p>
+        </p:txBody>
+      </p:sp>
+      <p:sp>
+        <p:nvSpPr>
+          <p:cNvPr id="6" name="Rectangle 5">
+            <a:extLst>
+              <a:ext uri="{FF2B5EF4-FFF2-40B4-BE49-F238E27FC236}">
+                <a16:creationId xmlns:a16="http://schemas.microsoft.com/office/drawing/2014/main" id="{7721FF50-C47B-03C2-7BAB-2DFD9EA2B272}"/>
+              </a:ext>
+            </a:extLst>
+          </p:cNvPr>
+          <p:cNvSpPr/>
+          <p:nvPr/>
+        </p:nvSpPr>
+        <p:spPr>
+          <a:xfrm>
+            <a:off x="10251208" y="2022764"/>
+            <a:ext cx="471055" cy="831272"/>
+          </a:xfrm>
+          <a:prstGeom prst="rect">
+            <a:avLst/>
+          </a:prstGeom>
+        </p:spPr>
+        <p:style>
+          <a:lnRef idx="2">
+            <a:schemeClr val="accent1">
+              <a:shade val="15000"/>
+            </a:schemeClr>
+          </a:lnRef>
+          <a:fillRef idx="1">
+            <a:schemeClr val="accent1"/>
+          </a:fillRef>
+          <a:effectRef idx="0">
+            <a:schemeClr val="accent1"/>
+          </a:effectRef>
+          <a:fontRef idx="minor">
+            <a:schemeClr val="lt1"/>
+          </a:fontRef>
+        </p:style>
+        <p:txBody>
+          <a:bodyPr rtlCol="0" anchor="ctr"/>
+          <a:lstStyle/>
+          <a:p>
+            <a:pPr algn="ctr"/>
+            <a:endParaRPr lang="en-US"/>
+          </a:p>
+        </p:txBody>
+      </p:sp>
+      <p:sp>
+        <p:nvSpPr>
+          <p:cNvPr id="7" name="Rectangle 6">
+            <a:extLst>
+              <a:ext uri="{FF2B5EF4-FFF2-40B4-BE49-F238E27FC236}">
+                <a16:creationId xmlns:a16="http://schemas.microsoft.com/office/drawing/2014/main" id="{859FF6FC-F140-BF89-1968-7158BAC02E71}"/>
+              </a:ext>
+            </a:extLst>
+          </p:cNvPr>
+          <p:cNvSpPr/>
+          <p:nvPr/>
+        </p:nvSpPr>
+        <p:spPr>
+          <a:xfrm>
+            <a:off x="7961745" y="3703782"/>
+            <a:ext cx="868219" cy="297512"/>
+          </a:xfrm>
+          <a:prstGeom prst="rect">
+            <a:avLst/>
+          </a:prstGeom>
+        </p:spPr>
+        <p:style>
+          <a:lnRef idx="2">
+            <a:schemeClr val="accent1">
+              <a:shade val="15000"/>
+            </a:schemeClr>
+          </a:lnRef>
+          <a:fillRef idx="1">
+            <a:schemeClr val="accent1"/>
+          </a:fillRef>
+          <a:effectRef idx="0">
+            <a:schemeClr val="accent1"/>
+          </a:effectRef>
+          <a:fontRef idx="minor">
+            <a:schemeClr val="lt1"/>
+          </a:fontRef>
+        </p:style>
+        <p:txBody>
+          <a:bodyPr rtlCol="0" anchor="ctr"/>
+          <a:lstStyle/>
+          <a:p>
+            <a:pPr algn="ctr"/>
+            <a:endParaRPr lang="en-US"/>
+          </a:p>
+        </p:txBody>
+      </p:sp>
+      <p:sp>
+        <p:nvSpPr>
+          <p:cNvPr id="8" name="Rectangle 7">
+            <a:extLst>
+              <a:ext uri="{FF2B5EF4-FFF2-40B4-BE49-F238E27FC236}">
+                <a16:creationId xmlns:a16="http://schemas.microsoft.com/office/drawing/2014/main" id="{59AA4222-F95B-4377-C295-12793C313CC8}"/>
+              </a:ext>
+            </a:extLst>
+          </p:cNvPr>
+          <p:cNvSpPr/>
+          <p:nvPr/>
+        </p:nvSpPr>
+        <p:spPr>
+          <a:xfrm>
+            <a:off x="7961744" y="4136231"/>
+            <a:ext cx="868219" cy="297512"/>
+          </a:xfrm>
+          <a:prstGeom prst="rect">
+            <a:avLst/>
+          </a:prstGeom>
+        </p:spPr>
+        <p:style>
+          <a:lnRef idx="2">
+            <a:schemeClr val="accent1">
+              <a:shade val="15000"/>
+            </a:schemeClr>
+          </a:lnRef>
+          <a:fillRef idx="1">
+            <a:schemeClr val="accent1"/>
+          </a:fillRef>
+          <a:effectRef idx="0">
+            <a:schemeClr val="accent1"/>
+          </a:effectRef>
+          <a:fontRef idx="minor">
+            <a:schemeClr val="lt1"/>
+          </a:fontRef>
+        </p:style>
+        <p:txBody>
+          <a:bodyPr rtlCol="0" anchor="ctr"/>
+          <a:lstStyle/>
+          <a:p>
+            <a:pPr algn="ctr"/>
+            <a:endParaRPr lang="en-US"/>
+          </a:p>
+        </p:txBody>
+      </p:sp>
+      <p:sp>
+        <p:nvSpPr>
+          <p:cNvPr id="9" name="Rectangle 8">
+            <a:extLst>
+              <a:ext uri="{FF2B5EF4-FFF2-40B4-BE49-F238E27FC236}">
+                <a16:creationId xmlns:a16="http://schemas.microsoft.com/office/drawing/2014/main" id="{BECDB18F-D60A-60D2-44C3-CDB676B25512}"/>
+              </a:ext>
+            </a:extLst>
+          </p:cNvPr>
+          <p:cNvSpPr/>
+          <p:nvPr/>
+        </p:nvSpPr>
+        <p:spPr>
+          <a:xfrm>
+            <a:off x="7961744" y="4575392"/>
+            <a:ext cx="868219" cy="297512"/>
+          </a:xfrm>
+          <a:prstGeom prst="rect">
+            <a:avLst/>
+          </a:prstGeom>
+        </p:spPr>
+        <p:style>
+          <a:lnRef idx="2">
+            <a:schemeClr val="accent1">
+              <a:shade val="15000"/>
+            </a:schemeClr>
+          </a:lnRef>
+          <a:fillRef idx="1">
+            <a:schemeClr val="accent1"/>
+          </a:fillRef>
+          <a:effectRef idx="0">
+            <a:schemeClr val="accent1"/>
+          </a:effectRef>
+          <a:fontRef idx="minor">
+            <a:schemeClr val="lt1"/>
+          </a:fontRef>
+        </p:style>
+        <p:txBody>
+          <a:bodyPr rtlCol="0" anchor="ctr"/>
+          <a:lstStyle/>
+          <a:p>
+            <a:pPr algn="ctr"/>
+            <a:endParaRPr lang="en-US"/>
+          </a:p>
+        </p:txBody>
+      </p:sp>
+    </p:spTree>
+    <p:extLst>
+      <p:ext uri="{BB962C8B-B14F-4D97-AF65-F5344CB8AC3E}">
+        <p14:creationId xmlns:p14="http://schemas.microsoft.com/office/powerpoint/2010/main" val="429307979"/>
+      </p:ext>
+    </p:extLst>
+  </p:cSld>
+  <p:clrMapOvr>
+    <a:masterClrMapping/>
+  </p:clrMapOvr>
+</p:sld>
+</file>
+
+<file path=ppt/slides/slide41.xml><?xml version="1.0" encoding="utf-8"?>
+<p:sld xmlns:a="http://schemas.openxmlformats.org/drawingml/2006/main" xmlns:r="http://schemas.openxmlformats.org/officeDocument/2006/relationships" xmlns:p="http://schemas.openxmlformats.org/presentationml/2006/main">
+  <p:cSld>
+    <p:spTree>
+      <p:nvGrpSpPr>
+        <p:cNvPr id="1" name=""/>
+        <p:cNvGrpSpPr/>
+        <p:nvPr/>
+      </p:nvGrpSpPr>
+      <p:grpSpPr>
+        <a:xfrm>
+          <a:off x="0" y="0"/>
+          <a:ext cx="0" cy="0"/>
+          <a:chOff x="0" y="0"/>
+          <a:chExt cx="0" cy="0"/>
+        </a:xfrm>
+      </p:grpSpPr>
+      <p:sp>
+        <p:nvSpPr>
+          <p:cNvPr id="2" name="Title 1">
+            <a:extLst>
+              <a:ext uri="{FF2B5EF4-FFF2-40B4-BE49-F238E27FC236}">
+                <a16:creationId xmlns:a16="http://schemas.microsoft.com/office/drawing/2014/main" id="{3497A0B2-374A-B574-4AA8-067B648D6BEF}"/>
+              </a:ext>
+            </a:extLst>
+          </p:cNvPr>
+          <p:cNvSpPr>
+            <a:spLocks noGrp="1"/>
+          </p:cNvSpPr>
+          <p:nvPr>
+            <p:ph type="title"/>
+          </p:nvPr>
+        </p:nvSpPr>
+        <p:spPr/>
+        <p:txBody>
+          <a:bodyPr/>
+          <a:lstStyle/>
+          <a:p>
+            <a:r>
+              <a:rPr lang="en-US" dirty="0"/>
+              <a:t>SQL vs NoSQL</a:t>
+            </a:r>
+          </a:p>
+        </p:txBody>
+      </p:sp>
+      <p:sp>
+        <p:nvSpPr>
+          <p:cNvPr id="3" name="Content Placeholder 2">
+            <a:extLst>
+              <a:ext uri="{FF2B5EF4-FFF2-40B4-BE49-F238E27FC236}">
+                <a16:creationId xmlns:a16="http://schemas.microsoft.com/office/drawing/2014/main" id="{90DDC01F-45B0-C8C5-767E-6DDED73C7ADB}"/>
+              </a:ext>
+            </a:extLst>
+          </p:cNvPr>
+          <p:cNvSpPr>
+            <a:spLocks noGrp="1"/>
+          </p:cNvSpPr>
+          <p:nvPr>
+            <p:ph idx="1"/>
+          </p:nvPr>
+        </p:nvSpPr>
+        <p:spPr>
+          <a:xfrm>
+            <a:off x="967508" y="1690688"/>
+            <a:ext cx="4528127" cy="4351338"/>
+          </a:xfrm>
+        </p:spPr>
+        <p:txBody>
+          <a:bodyPr>
+            <a:normAutofit lnSpcReduction="10000"/>
+          </a:bodyPr>
+          <a:lstStyle/>
+          <a:p>
+            <a:r>
+              <a:rPr lang="en-US" dirty="0"/>
+              <a:t>Data uses Schemas</a:t>
+            </a:r>
+          </a:p>
+          <a:p>
+            <a:r>
+              <a:rPr lang="en-US" dirty="0"/>
+              <a:t>Relations!	</a:t>
+            </a:r>
+          </a:p>
+          <a:p>
+            <a:r>
+              <a:rPr lang="en-US" dirty="0"/>
+              <a:t>Data is distributed across multiple tables</a:t>
+            </a:r>
+          </a:p>
+          <a:p>
+            <a:r>
+              <a:rPr lang="en-US" dirty="0"/>
+              <a:t>Horizontal scaling is difficult/impossible; vertical scaling is possible</a:t>
+            </a:r>
+          </a:p>
+          <a:p>
+            <a:r>
+              <a:rPr lang="en-US" dirty="0"/>
+              <a:t>Limitations for lots of (thousands) read&amp; write queries per second</a:t>
+            </a:r>
+          </a:p>
+        </p:txBody>
+      </p:sp>
+      <p:sp>
+        <p:nvSpPr>
+          <p:cNvPr id="4" name="Content Placeholder 2">
+            <a:extLst>
+              <a:ext uri="{FF2B5EF4-FFF2-40B4-BE49-F238E27FC236}">
+                <a16:creationId xmlns:a16="http://schemas.microsoft.com/office/drawing/2014/main" id="{70528BA7-9B90-06C1-BB0A-91F00E440B2C}"/>
+              </a:ext>
+            </a:extLst>
+          </p:cNvPr>
+          <p:cNvSpPr txBox="1">
+            <a:spLocks/>
+          </p:cNvSpPr>
+          <p:nvPr/>
+        </p:nvSpPr>
+        <p:spPr>
+          <a:xfrm>
+            <a:off x="6825673" y="1690688"/>
+            <a:ext cx="4528127" cy="4351338"/>
+          </a:xfrm>
+          <a:prstGeom prst="rect">
+            <a:avLst/>
+          </a:prstGeom>
+        </p:spPr>
+        <p:txBody>
+          <a:bodyPr vert="horz" lIns="91440" tIns="45720" rIns="91440" bIns="45720" rtlCol="0">
+            <a:normAutofit lnSpcReduction="10000"/>
+          </a:bodyPr>
+          <a:lstStyle>
+            <a:lvl1pPr marL="228600" indent="-228600" algn="l" defTabSz="914400" rtl="0" eaLnBrk="1" latinLnBrk="0" hangingPunct="1">
+              <a:lnSpc>
+                <a:spcPct val="90000"/>
+              </a:lnSpc>
+              <a:spcBef>
+                <a:spcPts val="1000"/>
+              </a:spcBef>
+              <a:buFont typeface="Arial" panose="020B0604020202020204" pitchFamily="34" charset="0"/>
+              <a:buChar char="•"/>
+              <a:defRPr sz="2800" kern="1200">
+                <a:solidFill>
+                  <a:schemeClr val="tx1"/>
+                </a:solidFill>
+                <a:latin typeface="+mn-lt"/>
+                <a:ea typeface="+mn-ea"/>
+                <a:cs typeface="+mn-cs"/>
+              </a:defRPr>
+            </a:lvl1pPr>
+            <a:lvl2pPr marL="685800" indent="-228600" algn="l" defTabSz="914400" rtl="0" eaLnBrk="1" latinLnBrk="0" hangingPunct="1">
+              <a:lnSpc>
+                <a:spcPct val="90000"/>
+              </a:lnSpc>
+              <a:spcBef>
+                <a:spcPts val="500"/>
+              </a:spcBef>
+              <a:buFont typeface="Arial" panose="020B0604020202020204" pitchFamily="34" charset="0"/>
+              <a:buChar char="•"/>
+              <a:defRPr sz="2400" kern="1200">
+                <a:solidFill>
+                  <a:schemeClr val="tx1"/>
+                </a:solidFill>
+                <a:latin typeface="+mn-lt"/>
+                <a:ea typeface="+mn-ea"/>
+                <a:cs typeface="+mn-cs"/>
+              </a:defRPr>
+            </a:lvl2pPr>
+            <a:lvl3pPr marL="1143000" indent="-228600" algn="l" defTabSz="914400" rtl="0" eaLnBrk="1" latinLnBrk="0" hangingPunct="1">
+              <a:lnSpc>
+                <a:spcPct val="90000"/>
+              </a:lnSpc>
+              <a:spcBef>
+                <a:spcPts val="500"/>
+              </a:spcBef>
+              <a:buFont typeface="Arial" panose="020B0604020202020204" pitchFamily="34" charset="0"/>
+              <a:buChar char="•"/>
+              <a:defRPr sz="2000" kern="1200">
+                <a:solidFill>
+                  <a:schemeClr val="tx1"/>
+                </a:solidFill>
+                <a:latin typeface="+mn-lt"/>
+                <a:ea typeface="+mn-ea"/>
+                <a:cs typeface="+mn-cs"/>
+              </a:defRPr>
+            </a:lvl3pPr>
+            <a:lvl4pPr marL="1600200" indent="-228600" algn="l" defTabSz="914400" rtl="0" eaLnBrk="1" latinLnBrk="0" hangingPunct="1">
+              <a:lnSpc>
+                <a:spcPct val="90000"/>
+              </a:lnSpc>
+              <a:spcBef>
+                <a:spcPts val="500"/>
+              </a:spcBef>
+              <a:buFont typeface="Arial" panose="020B0604020202020204" pitchFamily="34" charset="0"/>
+              <a:buChar char="•"/>
+              <a:defRPr sz="1800" kern="1200">
+                <a:solidFill>
+                  <a:schemeClr val="tx1"/>
+                </a:solidFill>
+                <a:latin typeface="+mn-lt"/>
+                <a:ea typeface="+mn-ea"/>
+                <a:cs typeface="+mn-cs"/>
+              </a:defRPr>
+            </a:lvl4pPr>
+            <a:lvl5pPr marL="2057400" indent="-228600" algn="l" defTabSz="914400" rtl="0" eaLnBrk="1" latinLnBrk="0" hangingPunct="1">
+              <a:lnSpc>
+                <a:spcPct val="90000"/>
+              </a:lnSpc>
+              <a:spcBef>
+                <a:spcPts val="500"/>
+              </a:spcBef>
+              <a:buFont typeface="Arial" panose="020B0604020202020204" pitchFamily="34" charset="0"/>
+              <a:buChar char="•"/>
+              <a:defRPr sz="1800" kern="1200">
+                <a:solidFill>
+                  <a:schemeClr val="tx1"/>
+                </a:solidFill>
+                <a:latin typeface="+mn-lt"/>
+                <a:ea typeface="+mn-ea"/>
+                <a:cs typeface="+mn-cs"/>
+              </a:defRPr>
+            </a:lvl5pPr>
+            <a:lvl6pPr marL="2514600" indent="-228600" algn="l" defTabSz="914400" rtl="0" eaLnBrk="1" latinLnBrk="0" hangingPunct="1">
+              <a:lnSpc>
+                <a:spcPct val="90000"/>
+              </a:lnSpc>
+              <a:spcBef>
+                <a:spcPts val="500"/>
+              </a:spcBef>
+              <a:buFont typeface="Arial" panose="020B0604020202020204" pitchFamily="34" charset="0"/>
+              <a:buChar char="•"/>
+              <a:defRPr sz="1800" kern="1200">
+                <a:solidFill>
+                  <a:schemeClr val="tx1"/>
+                </a:solidFill>
+                <a:latin typeface="+mn-lt"/>
+                <a:ea typeface="+mn-ea"/>
+                <a:cs typeface="+mn-cs"/>
+              </a:defRPr>
+            </a:lvl6pPr>
+            <a:lvl7pPr marL="2971800" indent="-228600" algn="l" defTabSz="914400" rtl="0" eaLnBrk="1" latinLnBrk="0" hangingPunct="1">
+              <a:lnSpc>
+                <a:spcPct val="90000"/>
+              </a:lnSpc>
+              <a:spcBef>
+                <a:spcPts val="500"/>
+              </a:spcBef>
+              <a:buFont typeface="Arial" panose="020B0604020202020204" pitchFamily="34" charset="0"/>
+              <a:buChar char="•"/>
+              <a:defRPr sz="1800" kern="1200">
+                <a:solidFill>
+                  <a:schemeClr val="tx1"/>
+                </a:solidFill>
+                <a:latin typeface="+mn-lt"/>
+                <a:ea typeface="+mn-ea"/>
+                <a:cs typeface="+mn-cs"/>
+              </a:defRPr>
+            </a:lvl7pPr>
+            <a:lvl8pPr marL="3429000" indent="-228600" algn="l" defTabSz="914400" rtl="0" eaLnBrk="1" latinLnBrk="0" hangingPunct="1">
+              <a:lnSpc>
+                <a:spcPct val="90000"/>
+              </a:lnSpc>
+              <a:spcBef>
+                <a:spcPts val="500"/>
+              </a:spcBef>
+              <a:buFont typeface="Arial" panose="020B0604020202020204" pitchFamily="34" charset="0"/>
+              <a:buChar char="•"/>
+              <a:defRPr sz="1800" kern="1200">
+                <a:solidFill>
+                  <a:schemeClr val="tx1"/>
+                </a:solidFill>
+                <a:latin typeface="+mn-lt"/>
+                <a:ea typeface="+mn-ea"/>
+                <a:cs typeface="+mn-cs"/>
+              </a:defRPr>
+            </a:lvl8pPr>
+            <a:lvl9pPr marL="3886200" indent="-228600" algn="l" defTabSz="914400" rtl="0" eaLnBrk="1" latinLnBrk="0" hangingPunct="1">
+              <a:lnSpc>
+                <a:spcPct val="90000"/>
+              </a:lnSpc>
+              <a:spcBef>
+                <a:spcPts val="500"/>
+              </a:spcBef>
+              <a:buFont typeface="Arial" panose="020B0604020202020204" pitchFamily="34" charset="0"/>
+              <a:buChar char="•"/>
+              <a:defRPr sz="1800" kern="1200">
+                <a:solidFill>
+                  <a:schemeClr val="tx1"/>
+                </a:solidFill>
+                <a:latin typeface="+mn-lt"/>
+                <a:ea typeface="+mn-ea"/>
+                <a:cs typeface="+mn-cs"/>
+              </a:defRPr>
+            </a:lvl9pPr>
+          </a:lstStyle>
+          <a:p>
+            <a:r>
+              <a:rPr lang="en-US" dirty="0"/>
+              <a:t>Schema-less</a:t>
+            </a:r>
+          </a:p>
+          <a:p>
+            <a:r>
+              <a:rPr lang="en-US" dirty="0"/>
+              <a:t>No(or very few) Relations</a:t>
+            </a:r>
+          </a:p>
+          <a:p>
+            <a:r>
+              <a:rPr lang="en-US" dirty="0"/>
+              <a:t>Data is typically merged/nested in a few collections</a:t>
+            </a:r>
+          </a:p>
+          <a:p>
+            <a:r>
+              <a:rPr lang="en-US" dirty="0"/>
+              <a:t>Both horizontal and vertical scaling is possible</a:t>
+            </a:r>
+          </a:p>
+          <a:p>
+            <a:r>
+              <a:rPr lang="en-US" dirty="0"/>
+              <a:t>Great performance for mass read &amp; write requests</a:t>
+            </a:r>
+          </a:p>
+        </p:txBody>
+      </p:sp>
+    </p:spTree>
+    <p:extLst>
+      <p:ext uri="{BB962C8B-B14F-4D97-AF65-F5344CB8AC3E}">
+        <p14:creationId xmlns:p14="http://schemas.microsoft.com/office/powerpoint/2010/main" val="1924190644"/>
       </p:ext>
     </p:extLst>
   </p:cSld>

--- a/Node/node.pptx
+++ b/Node/node.pptx
@@ -46,6 +46,8 @@
     <p:sldId id="294" r:id="rId40"/>
     <p:sldId id="295" r:id="rId41"/>
     <p:sldId id="296" r:id="rId42"/>
+    <p:sldId id="297" r:id="rId43"/>
+    <p:sldId id="298" r:id="rId44"/>
   </p:sldIdLst>
   <p:sldSz cx="12192000" cy="6858000"/>
   <p:notesSz cx="6858000" cy="9144000"/>
@@ -301,7 +303,7 @@
           <a:p>
             <a:fld id="{70AC578A-F481-8B4F-AC68-5322D79242CE}" type="datetimeFigureOut">
               <a:rPr lang="en-US" smtClean="0"/>
-              <a:t>12/5/25</a:t>
+              <a:t>12/9/25</a:t>
             </a:fld>
             <a:endParaRPr lang="en-US"/>
           </a:p>
@@ -501,7 +503,7 @@
           <a:p>
             <a:fld id="{70AC578A-F481-8B4F-AC68-5322D79242CE}" type="datetimeFigureOut">
               <a:rPr lang="en-US" smtClean="0"/>
-              <a:t>12/5/25</a:t>
+              <a:t>12/9/25</a:t>
             </a:fld>
             <a:endParaRPr lang="en-US"/>
           </a:p>
@@ -711,7 +713,7 @@
           <a:p>
             <a:fld id="{70AC578A-F481-8B4F-AC68-5322D79242CE}" type="datetimeFigureOut">
               <a:rPr lang="en-US" smtClean="0"/>
-              <a:t>12/5/25</a:t>
+              <a:t>12/9/25</a:t>
             </a:fld>
             <a:endParaRPr lang="en-US"/>
           </a:p>
@@ -911,7 +913,7 @@
           <a:p>
             <a:fld id="{70AC578A-F481-8B4F-AC68-5322D79242CE}" type="datetimeFigureOut">
               <a:rPr lang="en-US" smtClean="0"/>
-              <a:t>12/5/25</a:t>
+              <a:t>12/9/25</a:t>
             </a:fld>
             <a:endParaRPr lang="en-US"/>
           </a:p>
@@ -1187,7 +1189,7 @@
           <a:p>
             <a:fld id="{70AC578A-F481-8B4F-AC68-5322D79242CE}" type="datetimeFigureOut">
               <a:rPr lang="en-US" smtClean="0"/>
-              <a:t>12/5/25</a:t>
+              <a:t>12/9/25</a:t>
             </a:fld>
             <a:endParaRPr lang="en-US"/>
           </a:p>
@@ -1455,7 +1457,7 @@
           <a:p>
             <a:fld id="{70AC578A-F481-8B4F-AC68-5322D79242CE}" type="datetimeFigureOut">
               <a:rPr lang="en-US" smtClean="0"/>
-              <a:t>12/5/25</a:t>
+              <a:t>12/9/25</a:t>
             </a:fld>
             <a:endParaRPr lang="en-US"/>
           </a:p>
@@ -1870,7 +1872,7 @@
           <a:p>
             <a:fld id="{70AC578A-F481-8B4F-AC68-5322D79242CE}" type="datetimeFigureOut">
               <a:rPr lang="en-US" smtClean="0"/>
-              <a:t>12/5/25</a:t>
+              <a:t>12/9/25</a:t>
             </a:fld>
             <a:endParaRPr lang="en-US"/>
           </a:p>
@@ -2012,7 +2014,7 @@
           <a:p>
             <a:fld id="{70AC578A-F481-8B4F-AC68-5322D79242CE}" type="datetimeFigureOut">
               <a:rPr lang="en-US" smtClean="0"/>
-              <a:t>12/5/25</a:t>
+              <a:t>12/9/25</a:t>
             </a:fld>
             <a:endParaRPr lang="en-US"/>
           </a:p>
@@ -2125,7 +2127,7 @@
           <a:p>
             <a:fld id="{70AC578A-F481-8B4F-AC68-5322D79242CE}" type="datetimeFigureOut">
               <a:rPr lang="en-US" smtClean="0"/>
-              <a:t>12/5/25</a:t>
+              <a:t>12/9/25</a:t>
             </a:fld>
             <a:endParaRPr lang="en-US"/>
           </a:p>
@@ -2438,7 +2440,7 @@
           <a:p>
             <a:fld id="{70AC578A-F481-8B4F-AC68-5322D79242CE}" type="datetimeFigureOut">
               <a:rPr lang="en-US" smtClean="0"/>
-              <a:t>12/5/25</a:t>
+              <a:t>12/9/25</a:t>
             </a:fld>
             <a:endParaRPr lang="en-US"/>
           </a:p>
@@ -2727,7 +2729,7 @@
           <a:p>
             <a:fld id="{70AC578A-F481-8B4F-AC68-5322D79242CE}" type="datetimeFigureOut">
               <a:rPr lang="en-US" smtClean="0"/>
-              <a:t>12/5/25</a:t>
+              <a:t>12/9/25</a:t>
             </a:fld>
             <a:endParaRPr lang="en-US"/>
           </a:p>
@@ -2970,7 +2972,7 @@
           <a:p>
             <a:fld id="{70AC578A-F481-8B4F-AC68-5322D79242CE}" type="datetimeFigureOut">
               <a:rPr lang="en-US" smtClean="0"/>
-              <a:t>12/5/25</a:t>
+              <a:t>12/9/25</a:t>
             </a:fld>
             <a:endParaRPr lang="en-US"/>
           </a:p>
@@ -11189,6 +11191,294 @@
 </p:sld>
 </file>
 
+<file path=ppt/slides/slide42.xml><?xml version="1.0" encoding="utf-8"?>
+<p:sld xmlns:a="http://schemas.openxmlformats.org/drawingml/2006/main" xmlns:r="http://schemas.openxmlformats.org/officeDocument/2006/relationships" xmlns:p="http://schemas.openxmlformats.org/presentationml/2006/main">
+  <p:cSld>
+    <p:spTree>
+      <p:nvGrpSpPr>
+        <p:cNvPr id="1" name=""/>
+        <p:cNvGrpSpPr/>
+        <p:nvPr/>
+      </p:nvGrpSpPr>
+      <p:grpSpPr>
+        <a:xfrm>
+          <a:off x="0" y="0"/>
+          <a:ext cx="0" cy="0"/>
+          <a:chOff x="0" y="0"/>
+          <a:chExt cx="0" cy="0"/>
+        </a:xfrm>
+      </p:grpSpPr>
+      <p:sp>
+        <p:nvSpPr>
+          <p:cNvPr id="2" name="Title 1">
+            <a:extLst>
+              <a:ext uri="{FF2B5EF4-FFF2-40B4-BE49-F238E27FC236}">
+                <a16:creationId xmlns:a16="http://schemas.microsoft.com/office/drawing/2014/main" id="{E639EEF1-FDD9-1690-C4CE-7F6DDF47C488}"/>
+              </a:ext>
+            </a:extLst>
+          </p:cNvPr>
+          <p:cNvSpPr>
+            <a:spLocks noGrp="1"/>
+          </p:cNvSpPr>
+          <p:nvPr>
+            <p:ph type="title"/>
+          </p:nvPr>
+        </p:nvSpPr>
+        <p:spPr/>
+        <p:txBody>
+          <a:bodyPr/>
+          <a:lstStyle/>
+          <a:p>
+            <a:r>
+              <a:rPr lang="en-US" dirty="0"/>
+              <a:t>MySQL Download install</a:t>
+            </a:r>
+          </a:p>
+        </p:txBody>
+      </p:sp>
+      <p:sp>
+        <p:nvSpPr>
+          <p:cNvPr id="3" name="Content Placeholder 2">
+            <a:extLst>
+              <a:ext uri="{FF2B5EF4-FFF2-40B4-BE49-F238E27FC236}">
+                <a16:creationId xmlns:a16="http://schemas.microsoft.com/office/drawing/2014/main" id="{2D26BA55-97CF-683B-6E3C-3C4AE0E7BA1C}"/>
+              </a:ext>
+            </a:extLst>
+          </p:cNvPr>
+          <p:cNvSpPr>
+            <a:spLocks noGrp="1"/>
+          </p:cNvSpPr>
+          <p:nvPr>
+            <p:ph idx="1"/>
+          </p:nvPr>
+        </p:nvSpPr>
+        <p:spPr/>
+        <p:txBody>
+          <a:bodyPr/>
+          <a:lstStyle/>
+          <a:p>
+            <a:r>
+              <a:rPr lang="en-US" dirty="0"/>
+              <a:t>MySQL Community Downloads</a:t>
+            </a:r>
+          </a:p>
+          <a:p>
+            <a:pPr lvl="1"/>
+            <a:r>
+              <a:rPr lang="en-US" dirty="0"/>
+              <a:t>MySQL Community Server</a:t>
+            </a:r>
+          </a:p>
+          <a:p>
+            <a:pPr lvl="1"/>
+            <a:r>
+              <a:rPr lang="en-US" dirty="0"/>
+              <a:t>MySQL Workbench</a:t>
+            </a:r>
+          </a:p>
+          <a:p>
+            <a:r>
+              <a:rPr lang="en-US" dirty="0"/>
+              <a:t>Connecting our App to the SQL Database</a:t>
+            </a:r>
+          </a:p>
+          <a:p>
+            <a:r>
+              <a:rPr lang="en-US" dirty="0"/>
+              <a:t>Basic SQL &amp; creating a Table</a:t>
+            </a:r>
+          </a:p>
+          <a:p>
+            <a:r>
+              <a:rPr lang="en-US" dirty="0"/>
+              <a:t>Fetching Products</a:t>
+            </a:r>
+          </a:p>
+          <a:p>
+            <a:r>
+              <a:rPr lang="en-US" dirty="0"/>
+              <a:t>Inserting Data into Database</a:t>
+            </a:r>
+          </a:p>
+          <a:p>
+            <a:r>
+              <a:rPr lang="en-US" dirty="0"/>
+              <a:t>Fetching a single product with the </a:t>
+            </a:r>
+            <a:r>
+              <a:rPr lang="en-US"/>
+              <a:t>where condition</a:t>
+            </a:r>
+            <a:endParaRPr lang="en-US" dirty="0"/>
+          </a:p>
+        </p:txBody>
+      </p:sp>
+    </p:spTree>
+    <p:extLst>
+      <p:ext uri="{BB962C8B-B14F-4D97-AF65-F5344CB8AC3E}">
+        <p14:creationId xmlns:p14="http://schemas.microsoft.com/office/powerpoint/2010/main" val="158315755"/>
+      </p:ext>
+    </p:extLst>
+  </p:cSld>
+  <p:clrMapOvr>
+    <a:masterClrMapping/>
+  </p:clrMapOvr>
+</p:sld>
+</file>
+
+<file path=ppt/slides/slide43.xml><?xml version="1.0" encoding="utf-8"?>
+<p:sld xmlns:a="http://schemas.openxmlformats.org/drawingml/2006/main" xmlns:r="http://schemas.openxmlformats.org/officeDocument/2006/relationships" xmlns:p="http://schemas.openxmlformats.org/presentationml/2006/main">
+  <p:cSld>
+    <p:spTree>
+      <p:nvGrpSpPr>
+        <p:cNvPr id="1" name=""/>
+        <p:cNvGrpSpPr/>
+        <p:nvPr/>
+      </p:nvGrpSpPr>
+      <p:grpSpPr>
+        <a:xfrm>
+          <a:off x="0" y="0"/>
+          <a:ext cx="0" cy="0"/>
+          <a:chOff x="0" y="0"/>
+          <a:chExt cx="0" cy="0"/>
+        </a:xfrm>
+      </p:grpSpPr>
+      <p:sp>
+        <p:nvSpPr>
+          <p:cNvPr id="2" name="Title 1">
+            <a:extLst>
+              <a:ext uri="{FF2B5EF4-FFF2-40B4-BE49-F238E27FC236}">
+                <a16:creationId xmlns:a16="http://schemas.microsoft.com/office/drawing/2014/main" id="{DCA70847-203D-3882-F5F4-7C7C2861B663}"/>
+              </a:ext>
+            </a:extLst>
+          </p:cNvPr>
+          <p:cNvSpPr>
+            <a:spLocks noGrp="1"/>
+          </p:cNvSpPr>
+          <p:nvPr>
+            <p:ph type="title"/>
+          </p:nvPr>
+        </p:nvSpPr>
+        <p:spPr/>
+        <p:txBody>
+          <a:bodyPr/>
+          <a:lstStyle/>
+          <a:p>
+            <a:r>
+              <a:rPr lang="en-US" dirty="0"/>
+              <a:t>Sequelize</a:t>
+            </a:r>
+          </a:p>
+        </p:txBody>
+      </p:sp>
+      <p:sp>
+        <p:nvSpPr>
+          <p:cNvPr id="3" name="Content Placeholder 2">
+            <a:extLst>
+              <a:ext uri="{FF2B5EF4-FFF2-40B4-BE49-F238E27FC236}">
+                <a16:creationId xmlns:a16="http://schemas.microsoft.com/office/drawing/2014/main" id="{D4D08ED4-3C93-DC4B-3AFB-6C39798946DA}"/>
+              </a:ext>
+            </a:extLst>
+          </p:cNvPr>
+          <p:cNvSpPr>
+            <a:spLocks noGrp="1"/>
+          </p:cNvSpPr>
+          <p:nvPr>
+            <p:ph idx="1"/>
+          </p:nvPr>
+        </p:nvSpPr>
+        <p:spPr/>
+        <p:txBody>
+          <a:bodyPr/>
+          <a:lstStyle/>
+          <a:p>
+            <a:pPr marL="0" indent="0">
+              <a:buNone/>
+            </a:pPr>
+            <a:r>
+              <a:rPr lang="en-US" dirty="0"/>
+              <a:t>Focus n Node.js, not on SQL</a:t>
+            </a:r>
+          </a:p>
+          <a:p>
+            <a:pPr marL="0" indent="0">
+              <a:buNone/>
+            </a:pPr>
+            <a:r>
+              <a:rPr lang="en-US" dirty="0"/>
+              <a:t>An Object-Relational Mapping Library</a:t>
+            </a:r>
+          </a:p>
+          <a:p>
+            <a:pPr marL="0" indent="0">
+              <a:buNone/>
+            </a:pPr>
+            <a:r>
+              <a:rPr lang="en-US" dirty="0"/>
+              <a:t>Syncing JS Definitions to the Database</a:t>
+            </a:r>
+          </a:p>
+          <a:p>
+            <a:pPr marL="0" indent="0">
+              <a:buNone/>
+            </a:pPr>
+            <a:r>
+              <a:rPr lang="en-US" dirty="0"/>
+              <a:t>Inserting Data &amp; Creating a Product</a:t>
+            </a:r>
+          </a:p>
+          <a:p>
+            <a:pPr marL="0" indent="0">
+              <a:buNone/>
+            </a:pPr>
+            <a:r>
+              <a:rPr lang="en-US" dirty="0"/>
+              <a:t>Retrieving Data &amp; Finding Products</a:t>
+            </a:r>
+          </a:p>
+          <a:p>
+            <a:pPr marL="0" indent="0">
+              <a:buNone/>
+            </a:pPr>
+            <a:r>
+              <a:rPr lang="en-US" dirty="0"/>
+              <a:t>Getting a Single Product with the where Condition</a:t>
+            </a:r>
+          </a:p>
+          <a:p>
+            <a:pPr marL="0" indent="0">
+              <a:buNone/>
+            </a:pPr>
+            <a:r>
+              <a:rPr lang="en-US" dirty="0"/>
+              <a:t>Fetching Admin products</a:t>
+            </a:r>
+          </a:p>
+          <a:p>
+            <a:pPr marL="0" indent="0">
+              <a:buNone/>
+            </a:pPr>
+            <a:r>
+              <a:rPr lang="en-US"/>
+              <a:t>Updating Products</a:t>
+            </a:r>
+            <a:endParaRPr lang="en-US" dirty="0"/>
+          </a:p>
+        </p:txBody>
+      </p:sp>
+    </p:spTree>
+    <p:extLst>
+      <p:ext uri="{BB962C8B-B14F-4D97-AF65-F5344CB8AC3E}">
+        <p14:creationId xmlns:p14="http://schemas.microsoft.com/office/powerpoint/2010/main" val="3280754089"/>
+      </p:ext>
+    </p:extLst>
+  </p:cSld>
+  <p:clrMapOvr>
+    <a:masterClrMapping/>
+  </p:clrMapOvr>
+</p:sld>
+</file>
+
 <file path=ppt/slides/slide5.xml><?xml version="1.0" encoding="utf-8"?>
 <p:sld xmlns:a="http://schemas.openxmlformats.org/drawingml/2006/main" xmlns:r="http://schemas.openxmlformats.org/officeDocument/2006/relationships" xmlns:p="http://schemas.openxmlformats.org/presentationml/2006/main">
   <p:cSld>

--- a/Node/node.pptx
+++ b/Node/node.pptx
@@ -48,6 +48,7 @@
     <p:sldId id="296" r:id="rId42"/>
     <p:sldId id="297" r:id="rId43"/>
     <p:sldId id="298" r:id="rId44"/>
+    <p:sldId id="299" r:id="rId45"/>
   </p:sldIdLst>
   <p:sldSz cx="12192000" cy="6858000"/>
   <p:notesSz cx="6858000" cy="9144000"/>
@@ -303,7 +304,7 @@
           <a:p>
             <a:fld id="{70AC578A-F481-8B4F-AC68-5322D79242CE}" type="datetimeFigureOut">
               <a:rPr lang="en-US" smtClean="0"/>
-              <a:t>12/9/25</a:t>
+              <a:t>12/15/25</a:t>
             </a:fld>
             <a:endParaRPr lang="en-US"/>
           </a:p>
@@ -503,7 +504,7 @@
           <a:p>
             <a:fld id="{70AC578A-F481-8B4F-AC68-5322D79242CE}" type="datetimeFigureOut">
               <a:rPr lang="en-US" smtClean="0"/>
-              <a:t>12/9/25</a:t>
+              <a:t>12/15/25</a:t>
             </a:fld>
             <a:endParaRPr lang="en-US"/>
           </a:p>
@@ -713,7 +714,7 @@
           <a:p>
             <a:fld id="{70AC578A-F481-8B4F-AC68-5322D79242CE}" type="datetimeFigureOut">
               <a:rPr lang="en-US" smtClean="0"/>
-              <a:t>12/9/25</a:t>
+              <a:t>12/15/25</a:t>
             </a:fld>
             <a:endParaRPr lang="en-US"/>
           </a:p>
@@ -913,7 +914,7 @@
           <a:p>
             <a:fld id="{70AC578A-F481-8B4F-AC68-5322D79242CE}" type="datetimeFigureOut">
               <a:rPr lang="en-US" smtClean="0"/>
-              <a:t>12/9/25</a:t>
+              <a:t>12/15/25</a:t>
             </a:fld>
             <a:endParaRPr lang="en-US"/>
           </a:p>
@@ -1189,7 +1190,7 @@
           <a:p>
             <a:fld id="{70AC578A-F481-8B4F-AC68-5322D79242CE}" type="datetimeFigureOut">
               <a:rPr lang="en-US" smtClean="0"/>
-              <a:t>12/9/25</a:t>
+              <a:t>12/15/25</a:t>
             </a:fld>
             <a:endParaRPr lang="en-US"/>
           </a:p>
@@ -1457,7 +1458,7 @@
           <a:p>
             <a:fld id="{70AC578A-F481-8B4F-AC68-5322D79242CE}" type="datetimeFigureOut">
               <a:rPr lang="en-US" smtClean="0"/>
-              <a:t>12/9/25</a:t>
+              <a:t>12/15/25</a:t>
             </a:fld>
             <a:endParaRPr lang="en-US"/>
           </a:p>
@@ -1872,7 +1873,7 @@
           <a:p>
             <a:fld id="{70AC578A-F481-8B4F-AC68-5322D79242CE}" type="datetimeFigureOut">
               <a:rPr lang="en-US" smtClean="0"/>
-              <a:t>12/9/25</a:t>
+              <a:t>12/15/25</a:t>
             </a:fld>
             <a:endParaRPr lang="en-US"/>
           </a:p>
@@ -2014,7 +2015,7 @@
           <a:p>
             <a:fld id="{70AC578A-F481-8B4F-AC68-5322D79242CE}" type="datetimeFigureOut">
               <a:rPr lang="en-US" smtClean="0"/>
-              <a:t>12/9/25</a:t>
+              <a:t>12/15/25</a:t>
             </a:fld>
             <a:endParaRPr lang="en-US"/>
           </a:p>
@@ -2127,7 +2128,7 @@
           <a:p>
             <a:fld id="{70AC578A-F481-8B4F-AC68-5322D79242CE}" type="datetimeFigureOut">
               <a:rPr lang="en-US" smtClean="0"/>
-              <a:t>12/9/25</a:t>
+              <a:t>12/15/25</a:t>
             </a:fld>
             <a:endParaRPr lang="en-US"/>
           </a:p>
@@ -2440,7 +2441,7 @@
           <a:p>
             <a:fld id="{70AC578A-F481-8B4F-AC68-5322D79242CE}" type="datetimeFigureOut">
               <a:rPr lang="en-US" smtClean="0"/>
-              <a:t>12/9/25</a:t>
+              <a:t>12/15/25</a:t>
             </a:fld>
             <a:endParaRPr lang="en-US"/>
           </a:p>
@@ -2729,7 +2730,7 @@
           <a:p>
             <a:fld id="{70AC578A-F481-8B4F-AC68-5322D79242CE}" type="datetimeFigureOut">
               <a:rPr lang="en-US" smtClean="0"/>
-              <a:t>12/9/25</a:t>
+              <a:t>12/15/25</a:t>
             </a:fld>
             <a:endParaRPr lang="en-US"/>
           </a:p>
@@ -2972,7 +2973,7 @@
           <a:p>
             <a:fld id="{70AC578A-F481-8B4F-AC68-5322D79242CE}" type="datetimeFigureOut">
               <a:rPr lang="en-US" smtClean="0"/>
-              <a:t>12/9/25</a:t>
+              <a:t>12/15/25</a:t>
             </a:fld>
             <a:endParaRPr lang="en-US"/>
           </a:p>
@@ -11389,7 +11390,9 @@
         </p:nvSpPr>
         <p:spPr/>
         <p:txBody>
-          <a:bodyPr/>
+          <a:bodyPr>
+            <a:normAutofit fontScale="77500" lnSpcReduction="20000"/>
+          </a:bodyPr>
           <a:lstStyle/>
           <a:p>
             <a:pPr marL="0" indent="0">
@@ -11459,8 +11462,48 @@
               <a:buNone/>
             </a:pPr>
             <a:r>
+              <a:rPr lang="en-US" dirty="0"/>
+              <a:t>Updating Products</a:t>
+            </a:r>
+          </a:p>
+          <a:p>
+            <a:pPr marL="0" indent="0">
+              <a:buNone/>
+            </a:pPr>
+            <a:r>
+              <a:rPr lang="en-US" dirty="0"/>
+              <a:t>Creating a User Model</a:t>
+            </a:r>
+          </a:p>
+          <a:p>
+            <a:pPr marL="0" indent="0">
+              <a:buNone/>
+            </a:pPr>
+            <a:r>
+              <a:rPr lang="en-US" dirty="0"/>
+              <a:t>Adding a One-To-Many Relationship</a:t>
+            </a:r>
+          </a:p>
+          <a:p>
+            <a:pPr marL="0" indent="0">
+              <a:buNone/>
+            </a:pPr>
+            <a:r>
+              <a:rPr lang="en-US" dirty="0"/>
+              <a:t>Creating &amp; Managing a Dummy User</a:t>
+            </a:r>
+          </a:p>
+          <a:p>
+            <a:pPr marL="0" indent="0">
+              <a:buNone/>
+            </a:pPr>
+            <a:r>
+              <a:rPr lang="en-US" dirty="0"/>
+              <a:t>Using </a:t>
+            </a:r>
+            <a:r>
               <a:rPr lang="en-US"/>
-              <a:t>Updating Products</a:t>
+              <a:t>Magic Association Methods</a:t>
             </a:r>
             <a:endParaRPr lang="en-US" dirty="0"/>
           </a:p>
@@ -11470,6 +11513,652 @@
     <p:extLst>
       <p:ext uri="{BB962C8B-B14F-4D97-AF65-F5344CB8AC3E}">
         <p14:creationId xmlns:p14="http://schemas.microsoft.com/office/powerpoint/2010/main" val="3280754089"/>
+      </p:ext>
+    </p:extLst>
+  </p:cSld>
+  <p:clrMapOvr>
+    <a:masterClrMapping/>
+  </p:clrMapOvr>
+</p:sld>
+</file>
+
+<file path=ppt/slides/slide44.xml><?xml version="1.0" encoding="utf-8"?>
+<p:sld xmlns:a="http://schemas.openxmlformats.org/drawingml/2006/main" xmlns:r="http://schemas.openxmlformats.org/officeDocument/2006/relationships" xmlns:p="http://schemas.openxmlformats.org/presentationml/2006/main">
+  <p:cSld>
+    <p:spTree>
+      <p:nvGrpSpPr>
+        <p:cNvPr id="1" name=""/>
+        <p:cNvGrpSpPr/>
+        <p:nvPr/>
+      </p:nvGrpSpPr>
+      <p:grpSpPr>
+        <a:xfrm>
+          <a:off x="0" y="0"/>
+          <a:ext cx="0" cy="0"/>
+          <a:chOff x="0" y="0"/>
+          <a:chExt cx="0" cy="0"/>
+        </a:xfrm>
+      </p:grpSpPr>
+      <p:sp>
+        <p:nvSpPr>
+          <p:cNvPr id="4" name="TextBox 3">
+            <a:extLst>
+              <a:ext uri="{FF2B5EF4-FFF2-40B4-BE49-F238E27FC236}">
+                <a16:creationId xmlns:a16="http://schemas.microsoft.com/office/drawing/2014/main" id="{2A84748F-8A0B-BD1A-DC81-F918D687D8F0}"/>
+              </a:ext>
+            </a:extLst>
+          </p:cNvPr>
+          <p:cNvSpPr txBox="1"/>
+          <p:nvPr/>
+        </p:nvSpPr>
+        <p:spPr>
+          <a:xfrm>
+            <a:off x="4507992" y="484632"/>
+            <a:ext cx="1468159" cy="369332"/>
+          </a:xfrm>
+          <a:prstGeom prst="rect">
+            <a:avLst/>
+          </a:prstGeom>
+          <a:noFill/>
+        </p:spPr>
+        <p:txBody>
+          <a:bodyPr wrap="none" rtlCol="0">
+            <a:spAutoFit/>
+          </a:bodyPr>
+          <a:lstStyle/>
+          <a:p>
+            <a:r>
+              <a:rPr lang="en-US" dirty="0"/>
+              <a:t>Associations</a:t>
+            </a:r>
+          </a:p>
+        </p:txBody>
+      </p:sp>
+      <p:sp>
+        <p:nvSpPr>
+          <p:cNvPr id="5" name="Rectangle 4">
+            <a:extLst>
+              <a:ext uri="{FF2B5EF4-FFF2-40B4-BE49-F238E27FC236}">
+                <a16:creationId xmlns:a16="http://schemas.microsoft.com/office/drawing/2014/main" id="{CA30B96C-9420-58E3-FBFB-0025C003FF2B}"/>
+              </a:ext>
+            </a:extLst>
+          </p:cNvPr>
+          <p:cNvSpPr/>
+          <p:nvPr/>
+        </p:nvSpPr>
+        <p:spPr>
+          <a:xfrm>
+            <a:off x="795528" y="1152144"/>
+            <a:ext cx="1764792" cy="841248"/>
+          </a:xfrm>
+          <a:prstGeom prst="rect">
+            <a:avLst/>
+          </a:prstGeom>
+        </p:spPr>
+        <p:style>
+          <a:lnRef idx="2">
+            <a:schemeClr val="accent1">
+              <a:shade val="15000"/>
+            </a:schemeClr>
+          </a:lnRef>
+          <a:fillRef idx="1">
+            <a:schemeClr val="accent1"/>
+          </a:fillRef>
+          <a:effectRef idx="0">
+            <a:schemeClr val="accent1"/>
+          </a:effectRef>
+          <a:fontRef idx="minor">
+            <a:schemeClr val="lt1"/>
+          </a:fontRef>
+        </p:style>
+        <p:txBody>
+          <a:bodyPr rtlCol="0" anchor="ctr"/>
+          <a:lstStyle/>
+          <a:p>
+            <a:pPr algn="ctr"/>
+            <a:r>
+              <a:rPr lang="en-US" dirty="0"/>
+              <a:t>Product</a:t>
+            </a:r>
+          </a:p>
+        </p:txBody>
+      </p:sp>
+      <p:sp>
+        <p:nvSpPr>
+          <p:cNvPr id="6" name="Rectangle 5">
+            <a:extLst>
+              <a:ext uri="{FF2B5EF4-FFF2-40B4-BE49-F238E27FC236}">
+                <a16:creationId xmlns:a16="http://schemas.microsoft.com/office/drawing/2014/main" id="{637DFBF8-1AD4-37DF-FAB8-668A26C482A2}"/>
+              </a:ext>
+            </a:extLst>
+          </p:cNvPr>
+          <p:cNvSpPr/>
+          <p:nvPr/>
+        </p:nvSpPr>
+        <p:spPr>
+          <a:xfrm>
+            <a:off x="9378696" y="1152144"/>
+            <a:ext cx="1764792" cy="841248"/>
+          </a:xfrm>
+          <a:prstGeom prst="rect">
+            <a:avLst/>
+          </a:prstGeom>
+        </p:spPr>
+        <p:style>
+          <a:lnRef idx="2">
+            <a:schemeClr val="accent1">
+              <a:shade val="15000"/>
+            </a:schemeClr>
+          </a:lnRef>
+          <a:fillRef idx="1">
+            <a:schemeClr val="accent1"/>
+          </a:fillRef>
+          <a:effectRef idx="0">
+            <a:schemeClr val="accent1"/>
+          </a:effectRef>
+          <a:fontRef idx="minor">
+            <a:schemeClr val="lt1"/>
+          </a:fontRef>
+        </p:style>
+        <p:txBody>
+          <a:bodyPr rtlCol="0" anchor="ctr"/>
+          <a:lstStyle/>
+          <a:p>
+            <a:pPr algn="ctr"/>
+            <a:r>
+              <a:rPr lang="en-US" dirty="0"/>
+              <a:t>User</a:t>
+            </a:r>
+          </a:p>
+        </p:txBody>
+      </p:sp>
+      <p:sp>
+        <p:nvSpPr>
+          <p:cNvPr id="7" name="Rectangle 6">
+            <a:extLst>
+              <a:ext uri="{FF2B5EF4-FFF2-40B4-BE49-F238E27FC236}">
+                <a16:creationId xmlns:a16="http://schemas.microsoft.com/office/drawing/2014/main" id="{24A0B7A3-7083-BE85-AC1C-EAC8AA3C4775}"/>
+              </a:ext>
+            </a:extLst>
+          </p:cNvPr>
+          <p:cNvSpPr/>
+          <p:nvPr/>
+        </p:nvSpPr>
+        <p:spPr>
+          <a:xfrm>
+            <a:off x="4967117" y="3782568"/>
+            <a:ext cx="1764792" cy="841248"/>
+          </a:xfrm>
+          <a:prstGeom prst="rect">
+            <a:avLst/>
+          </a:prstGeom>
+        </p:spPr>
+        <p:style>
+          <a:lnRef idx="2">
+            <a:schemeClr val="accent1">
+              <a:shade val="15000"/>
+            </a:schemeClr>
+          </a:lnRef>
+          <a:fillRef idx="1">
+            <a:schemeClr val="accent1"/>
+          </a:fillRef>
+          <a:effectRef idx="0">
+            <a:schemeClr val="accent1"/>
+          </a:effectRef>
+          <a:fontRef idx="minor">
+            <a:schemeClr val="lt1"/>
+          </a:fontRef>
+        </p:style>
+        <p:txBody>
+          <a:bodyPr rtlCol="0" anchor="ctr"/>
+          <a:lstStyle/>
+          <a:p>
+            <a:pPr algn="ctr"/>
+            <a:r>
+              <a:rPr lang="en-US" dirty="0"/>
+              <a:t>Cart</a:t>
+            </a:r>
+          </a:p>
+        </p:txBody>
+      </p:sp>
+      <p:sp>
+        <p:nvSpPr>
+          <p:cNvPr id="8" name="Rectangle 7">
+            <a:extLst>
+              <a:ext uri="{FF2B5EF4-FFF2-40B4-BE49-F238E27FC236}">
+                <a16:creationId xmlns:a16="http://schemas.microsoft.com/office/drawing/2014/main" id="{5704F74C-AE52-8EDA-6BA7-5609D0C1106F}"/>
+              </a:ext>
+            </a:extLst>
+          </p:cNvPr>
+          <p:cNvSpPr/>
+          <p:nvPr/>
+        </p:nvSpPr>
+        <p:spPr>
+          <a:xfrm>
+            <a:off x="4967117" y="5169408"/>
+            <a:ext cx="1764792" cy="841248"/>
+          </a:xfrm>
+          <a:prstGeom prst="rect">
+            <a:avLst/>
+          </a:prstGeom>
+        </p:spPr>
+        <p:style>
+          <a:lnRef idx="2">
+            <a:schemeClr val="accent1">
+              <a:shade val="15000"/>
+            </a:schemeClr>
+          </a:lnRef>
+          <a:fillRef idx="1">
+            <a:schemeClr val="accent1"/>
+          </a:fillRef>
+          <a:effectRef idx="0">
+            <a:schemeClr val="accent1"/>
+          </a:effectRef>
+          <a:fontRef idx="minor">
+            <a:schemeClr val="lt1"/>
+          </a:fontRef>
+        </p:style>
+        <p:txBody>
+          <a:bodyPr rtlCol="0" anchor="ctr"/>
+          <a:lstStyle/>
+          <a:p>
+            <a:pPr algn="ctr"/>
+            <a:r>
+              <a:rPr lang="en-US" dirty="0"/>
+              <a:t>Order</a:t>
+            </a:r>
+          </a:p>
+        </p:txBody>
+      </p:sp>
+      <p:cxnSp>
+        <p:nvCxnSpPr>
+          <p:cNvPr id="10" name="Elbow Connector 9">
+            <a:extLst>
+              <a:ext uri="{FF2B5EF4-FFF2-40B4-BE49-F238E27FC236}">
+                <a16:creationId xmlns:a16="http://schemas.microsoft.com/office/drawing/2014/main" id="{5D84ABE3-4BAF-975F-527F-0FEB811E55BF}"/>
+              </a:ext>
+            </a:extLst>
+          </p:cNvPr>
+          <p:cNvCxnSpPr>
+            <a:stCxn id="5" idx="2"/>
+            <a:endCxn id="7" idx="1"/>
+          </p:cNvCxnSpPr>
+          <p:nvPr/>
+        </p:nvCxnSpPr>
+        <p:spPr>
+          <a:xfrm rot="16200000" flipH="1">
+            <a:off x="2217620" y="1453695"/>
+            <a:ext cx="2209800" cy="3289193"/>
+          </a:xfrm>
+          <a:prstGeom prst="bentConnector2">
+            <a:avLst/>
+          </a:prstGeom>
+          <a:ln>
+            <a:tailEnd type="triangle"/>
+          </a:ln>
+        </p:spPr>
+        <p:style>
+          <a:lnRef idx="2">
+            <a:schemeClr val="accent1"/>
+          </a:lnRef>
+          <a:fillRef idx="0">
+            <a:schemeClr val="accent1"/>
+          </a:fillRef>
+          <a:effectRef idx="1">
+            <a:schemeClr val="accent1"/>
+          </a:effectRef>
+          <a:fontRef idx="minor">
+            <a:schemeClr val="tx1"/>
+          </a:fontRef>
+        </p:style>
+      </p:cxnSp>
+      <p:cxnSp>
+        <p:nvCxnSpPr>
+          <p:cNvPr id="12" name="Elbow Connector 11">
+            <a:extLst>
+              <a:ext uri="{FF2B5EF4-FFF2-40B4-BE49-F238E27FC236}">
+                <a16:creationId xmlns:a16="http://schemas.microsoft.com/office/drawing/2014/main" id="{8F4B6D73-3699-0BF1-A8EF-355C6EFD8659}"/>
+              </a:ext>
+            </a:extLst>
+          </p:cNvPr>
+          <p:cNvCxnSpPr>
+            <a:stCxn id="5" idx="2"/>
+            <a:endCxn id="8" idx="1"/>
+          </p:cNvCxnSpPr>
+          <p:nvPr/>
+        </p:nvCxnSpPr>
+        <p:spPr>
+          <a:xfrm rot="16200000" flipH="1">
+            <a:off x="1524200" y="2147115"/>
+            <a:ext cx="3596640" cy="3289193"/>
+          </a:xfrm>
+          <a:prstGeom prst="bentConnector2">
+            <a:avLst/>
+          </a:prstGeom>
+          <a:ln>
+            <a:tailEnd type="triangle"/>
+          </a:ln>
+        </p:spPr>
+        <p:style>
+          <a:lnRef idx="2">
+            <a:schemeClr val="accent1"/>
+          </a:lnRef>
+          <a:fillRef idx="0">
+            <a:schemeClr val="accent1"/>
+          </a:fillRef>
+          <a:effectRef idx="1">
+            <a:schemeClr val="accent1"/>
+          </a:effectRef>
+          <a:fontRef idx="minor">
+            <a:schemeClr val="tx1"/>
+          </a:fontRef>
+        </p:style>
+      </p:cxnSp>
+      <p:cxnSp>
+        <p:nvCxnSpPr>
+          <p:cNvPr id="14" name="Elbow Connector 13">
+            <a:extLst>
+              <a:ext uri="{FF2B5EF4-FFF2-40B4-BE49-F238E27FC236}">
+                <a16:creationId xmlns:a16="http://schemas.microsoft.com/office/drawing/2014/main" id="{D7C1EB52-49BF-BF46-015C-F87E132A02FB}"/>
+              </a:ext>
+            </a:extLst>
+          </p:cNvPr>
+          <p:cNvCxnSpPr>
+            <a:stCxn id="6" idx="1"/>
+            <a:endCxn id="5" idx="3"/>
+          </p:cNvCxnSpPr>
+          <p:nvPr/>
+        </p:nvCxnSpPr>
+        <p:spPr>
+          <a:xfrm rot="10800000">
+            <a:off x="2560320" y="1572768"/>
+            <a:ext cx="6818376" cy="12700"/>
+          </a:xfrm>
+          <a:prstGeom prst="bentConnector3">
+            <a:avLst/>
+          </a:prstGeom>
+          <a:ln>
+            <a:tailEnd type="triangle"/>
+          </a:ln>
+        </p:spPr>
+        <p:style>
+          <a:lnRef idx="2">
+            <a:schemeClr val="accent1"/>
+          </a:lnRef>
+          <a:fillRef idx="0">
+            <a:schemeClr val="accent1"/>
+          </a:fillRef>
+          <a:effectRef idx="1">
+            <a:schemeClr val="accent1"/>
+          </a:effectRef>
+          <a:fontRef idx="minor">
+            <a:schemeClr val="tx1"/>
+          </a:fontRef>
+        </p:style>
+      </p:cxnSp>
+      <p:cxnSp>
+        <p:nvCxnSpPr>
+          <p:cNvPr id="16" name="Elbow Connector 15">
+            <a:extLst>
+              <a:ext uri="{FF2B5EF4-FFF2-40B4-BE49-F238E27FC236}">
+                <a16:creationId xmlns:a16="http://schemas.microsoft.com/office/drawing/2014/main" id="{3D22392F-F64A-CCDB-4F23-CA38E3393D30}"/>
+              </a:ext>
+            </a:extLst>
+          </p:cNvPr>
+          <p:cNvCxnSpPr>
+            <a:stCxn id="6" idx="2"/>
+            <a:endCxn id="7" idx="3"/>
+          </p:cNvCxnSpPr>
+          <p:nvPr/>
+        </p:nvCxnSpPr>
+        <p:spPr>
+          <a:xfrm rot="5400000">
+            <a:off x="7391601" y="1333701"/>
+            <a:ext cx="2209800" cy="3529183"/>
+          </a:xfrm>
+          <a:prstGeom prst="bentConnector2">
+            <a:avLst/>
+          </a:prstGeom>
+          <a:ln>
+            <a:tailEnd type="triangle"/>
+          </a:ln>
+        </p:spPr>
+        <p:style>
+          <a:lnRef idx="2">
+            <a:schemeClr val="accent1"/>
+          </a:lnRef>
+          <a:fillRef idx="0">
+            <a:schemeClr val="accent1"/>
+          </a:fillRef>
+          <a:effectRef idx="1">
+            <a:schemeClr val="accent1"/>
+          </a:effectRef>
+          <a:fontRef idx="minor">
+            <a:schemeClr val="tx1"/>
+          </a:fontRef>
+        </p:style>
+      </p:cxnSp>
+      <p:cxnSp>
+        <p:nvCxnSpPr>
+          <p:cNvPr id="18" name="Elbow Connector 17">
+            <a:extLst>
+              <a:ext uri="{FF2B5EF4-FFF2-40B4-BE49-F238E27FC236}">
+                <a16:creationId xmlns:a16="http://schemas.microsoft.com/office/drawing/2014/main" id="{A3404DF1-7BE9-7E2A-D024-1A3CE9193C81}"/>
+              </a:ext>
+            </a:extLst>
+          </p:cNvPr>
+          <p:cNvCxnSpPr>
+            <a:stCxn id="6" idx="2"/>
+            <a:endCxn id="8" idx="3"/>
+          </p:cNvCxnSpPr>
+          <p:nvPr/>
+        </p:nvCxnSpPr>
+        <p:spPr>
+          <a:xfrm rot="5400000">
+            <a:off x="6698181" y="2027121"/>
+            <a:ext cx="3596640" cy="3529183"/>
+          </a:xfrm>
+          <a:prstGeom prst="bentConnector2">
+            <a:avLst/>
+          </a:prstGeom>
+          <a:ln>
+            <a:tailEnd type="triangle"/>
+          </a:ln>
+        </p:spPr>
+        <p:style>
+          <a:lnRef idx="2">
+            <a:schemeClr val="accent1"/>
+          </a:lnRef>
+          <a:fillRef idx="0">
+            <a:schemeClr val="accent1"/>
+          </a:fillRef>
+          <a:effectRef idx="1">
+            <a:schemeClr val="accent1"/>
+          </a:effectRef>
+          <a:fontRef idx="minor">
+            <a:schemeClr val="tx1"/>
+          </a:fontRef>
+        </p:style>
+      </p:cxnSp>
+      <p:sp>
+        <p:nvSpPr>
+          <p:cNvPr id="19" name="TextBox 18">
+            <a:extLst>
+              <a:ext uri="{FF2B5EF4-FFF2-40B4-BE49-F238E27FC236}">
+                <a16:creationId xmlns:a16="http://schemas.microsoft.com/office/drawing/2014/main" id="{654F40DD-0096-F619-BBC3-34F7B0992CDB}"/>
+              </a:ext>
+            </a:extLst>
+          </p:cNvPr>
+          <p:cNvSpPr txBox="1"/>
+          <p:nvPr/>
+        </p:nvSpPr>
+        <p:spPr>
+          <a:xfrm>
+            <a:off x="5233015" y="1177790"/>
+            <a:ext cx="1166153" cy="369332"/>
+          </a:xfrm>
+          <a:prstGeom prst="rect">
+            <a:avLst/>
+          </a:prstGeom>
+          <a:noFill/>
+        </p:spPr>
+        <p:txBody>
+          <a:bodyPr wrap="none" rtlCol="0">
+            <a:spAutoFit/>
+          </a:bodyPr>
+          <a:lstStyle/>
+          <a:p>
+            <a:r>
+              <a:rPr lang="en-US" dirty="0"/>
+              <a:t>Has Many</a:t>
+            </a:r>
+          </a:p>
+        </p:txBody>
+      </p:sp>
+      <p:sp>
+        <p:nvSpPr>
+          <p:cNvPr id="20" name="TextBox 19">
+            <a:extLst>
+              <a:ext uri="{FF2B5EF4-FFF2-40B4-BE49-F238E27FC236}">
+                <a16:creationId xmlns:a16="http://schemas.microsoft.com/office/drawing/2014/main" id="{E00B36AD-3395-A1DD-CDF6-5489598DCAD8}"/>
+              </a:ext>
+            </a:extLst>
+          </p:cNvPr>
+          <p:cNvSpPr txBox="1"/>
+          <p:nvPr/>
+        </p:nvSpPr>
+        <p:spPr>
+          <a:xfrm>
+            <a:off x="2560320" y="3833860"/>
+            <a:ext cx="1812612" cy="369332"/>
+          </a:xfrm>
+          <a:prstGeom prst="rect">
+            <a:avLst/>
+          </a:prstGeom>
+          <a:noFill/>
+        </p:spPr>
+        <p:txBody>
+          <a:bodyPr wrap="none" rtlCol="0">
+            <a:spAutoFit/>
+          </a:bodyPr>
+          <a:lstStyle/>
+          <a:p>
+            <a:r>
+              <a:rPr lang="en-US" dirty="0"/>
+              <a:t>Belongs to Many</a:t>
+            </a:r>
+          </a:p>
+        </p:txBody>
+      </p:sp>
+      <p:sp>
+        <p:nvSpPr>
+          <p:cNvPr id="21" name="TextBox 20">
+            <a:extLst>
+              <a:ext uri="{FF2B5EF4-FFF2-40B4-BE49-F238E27FC236}">
+                <a16:creationId xmlns:a16="http://schemas.microsoft.com/office/drawing/2014/main" id="{69E8EA71-8F82-7CFB-6780-EB1958D42A1F}"/>
+              </a:ext>
+            </a:extLst>
+          </p:cNvPr>
+          <p:cNvSpPr txBox="1"/>
+          <p:nvPr/>
+        </p:nvSpPr>
+        <p:spPr>
+          <a:xfrm>
+            <a:off x="2560320" y="5246346"/>
+            <a:ext cx="1812612" cy="369332"/>
+          </a:xfrm>
+          <a:prstGeom prst="rect">
+            <a:avLst/>
+          </a:prstGeom>
+          <a:noFill/>
+        </p:spPr>
+        <p:txBody>
+          <a:bodyPr wrap="none" rtlCol="0">
+            <a:spAutoFit/>
+          </a:bodyPr>
+          <a:lstStyle/>
+          <a:p>
+            <a:r>
+              <a:rPr lang="en-US" dirty="0"/>
+              <a:t>Belongs to Many</a:t>
+            </a:r>
+          </a:p>
+        </p:txBody>
+      </p:sp>
+      <p:sp>
+        <p:nvSpPr>
+          <p:cNvPr id="22" name="TextBox 21">
+            <a:extLst>
+              <a:ext uri="{FF2B5EF4-FFF2-40B4-BE49-F238E27FC236}">
+                <a16:creationId xmlns:a16="http://schemas.microsoft.com/office/drawing/2014/main" id="{E25F54E4-053E-4027-F6BE-B8F432D3DCA1}"/>
+              </a:ext>
+            </a:extLst>
+          </p:cNvPr>
+          <p:cNvSpPr txBox="1"/>
+          <p:nvPr/>
+        </p:nvSpPr>
+        <p:spPr>
+          <a:xfrm>
+            <a:off x="7566084" y="3833860"/>
+            <a:ext cx="1047082" cy="369332"/>
+          </a:xfrm>
+          <a:prstGeom prst="rect">
+            <a:avLst/>
+          </a:prstGeom>
+          <a:noFill/>
+        </p:spPr>
+        <p:txBody>
+          <a:bodyPr wrap="none" rtlCol="0">
+            <a:spAutoFit/>
+          </a:bodyPr>
+          <a:lstStyle/>
+          <a:p>
+            <a:r>
+              <a:rPr lang="en-US" dirty="0"/>
+              <a:t>Has One</a:t>
+            </a:r>
+          </a:p>
+        </p:txBody>
+      </p:sp>
+      <p:sp>
+        <p:nvSpPr>
+          <p:cNvPr id="23" name="TextBox 22">
+            <a:extLst>
+              <a:ext uri="{FF2B5EF4-FFF2-40B4-BE49-F238E27FC236}">
+                <a16:creationId xmlns:a16="http://schemas.microsoft.com/office/drawing/2014/main" id="{EA752619-905E-F726-1F1F-2CEE701D8A2C}"/>
+              </a:ext>
+            </a:extLst>
+          </p:cNvPr>
+          <p:cNvSpPr txBox="1"/>
+          <p:nvPr/>
+        </p:nvSpPr>
+        <p:spPr>
+          <a:xfrm>
+            <a:off x="7566084" y="5246346"/>
+            <a:ext cx="1166153" cy="369332"/>
+          </a:xfrm>
+          <a:prstGeom prst="rect">
+            <a:avLst/>
+          </a:prstGeom>
+          <a:noFill/>
+        </p:spPr>
+        <p:txBody>
+          <a:bodyPr wrap="none" rtlCol="0">
+            <a:spAutoFit/>
+          </a:bodyPr>
+          <a:lstStyle/>
+          <a:p>
+            <a:r>
+              <a:rPr lang="en-US" dirty="0"/>
+              <a:t>Has Many</a:t>
+            </a:r>
+          </a:p>
+        </p:txBody>
+      </p:sp>
+    </p:spTree>
+    <p:extLst>
+      <p:ext uri="{BB962C8B-B14F-4D97-AF65-F5344CB8AC3E}">
+        <p14:creationId xmlns:p14="http://schemas.microsoft.com/office/powerpoint/2010/main" val="4213727229"/>
       </p:ext>
     </p:extLst>
   </p:cSld>

--- a/Node/node.pptx
+++ b/Node/node.pptx
@@ -49,6 +49,7 @@
     <p:sldId id="297" r:id="rId43"/>
     <p:sldId id="298" r:id="rId44"/>
     <p:sldId id="299" r:id="rId45"/>
+    <p:sldId id="300" r:id="rId46"/>
   </p:sldIdLst>
   <p:sldSz cx="12192000" cy="6858000"/>
   <p:notesSz cx="6858000" cy="9144000"/>
@@ -304,7 +305,7 @@
           <a:p>
             <a:fld id="{70AC578A-F481-8B4F-AC68-5322D79242CE}" type="datetimeFigureOut">
               <a:rPr lang="en-US" smtClean="0"/>
-              <a:t>12/15/25</a:t>
+              <a:t>12/17/25</a:t>
             </a:fld>
             <a:endParaRPr lang="en-US"/>
           </a:p>
@@ -504,7 +505,7 @@
           <a:p>
             <a:fld id="{70AC578A-F481-8B4F-AC68-5322D79242CE}" type="datetimeFigureOut">
               <a:rPr lang="en-US" smtClean="0"/>
-              <a:t>12/15/25</a:t>
+              <a:t>12/17/25</a:t>
             </a:fld>
             <a:endParaRPr lang="en-US"/>
           </a:p>
@@ -714,7 +715,7 @@
           <a:p>
             <a:fld id="{70AC578A-F481-8B4F-AC68-5322D79242CE}" type="datetimeFigureOut">
               <a:rPr lang="en-US" smtClean="0"/>
-              <a:t>12/15/25</a:t>
+              <a:t>12/17/25</a:t>
             </a:fld>
             <a:endParaRPr lang="en-US"/>
           </a:p>
@@ -914,7 +915,7 @@
           <a:p>
             <a:fld id="{70AC578A-F481-8B4F-AC68-5322D79242CE}" type="datetimeFigureOut">
               <a:rPr lang="en-US" smtClean="0"/>
-              <a:t>12/15/25</a:t>
+              <a:t>12/17/25</a:t>
             </a:fld>
             <a:endParaRPr lang="en-US"/>
           </a:p>
@@ -1190,7 +1191,7 @@
           <a:p>
             <a:fld id="{70AC578A-F481-8B4F-AC68-5322D79242CE}" type="datetimeFigureOut">
               <a:rPr lang="en-US" smtClean="0"/>
-              <a:t>12/15/25</a:t>
+              <a:t>12/17/25</a:t>
             </a:fld>
             <a:endParaRPr lang="en-US"/>
           </a:p>
@@ -1458,7 +1459,7 @@
           <a:p>
             <a:fld id="{70AC578A-F481-8B4F-AC68-5322D79242CE}" type="datetimeFigureOut">
               <a:rPr lang="en-US" smtClean="0"/>
-              <a:t>12/15/25</a:t>
+              <a:t>12/17/25</a:t>
             </a:fld>
             <a:endParaRPr lang="en-US"/>
           </a:p>
@@ -1873,7 +1874,7 @@
           <a:p>
             <a:fld id="{70AC578A-F481-8B4F-AC68-5322D79242CE}" type="datetimeFigureOut">
               <a:rPr lang="en-US" smtClean="0"/>
-              <a:t>12/15/25</a:t>
+              <a:t>12/17/25</a:t>
             </a:fld>
             <a:endParaRPr lang="en-US"/>
           </a:p>
@@ -2015,7 +2016,7 @@
           <a:p>
             <a:fld id="{70AC578A-F481-8B4F-AC68-5322D79242CE}" type="datetimeFigureOut">
               <a:rPr lang="en-US" smtClean="0"/>
-              <a:t>12/15/25</a:t>
+              <a:t>12/17/25</a:t>
             </a:fld>
             <a:endParaRPr lang="en-US"/>
           </a:p>
@@ -2128,7 +2129,7 @@
           <a:p>
             <a:fld id="{70AC578A-F481-8B4F-AC68-5322D79242CE}" type="datetimeFigureOut">
               <a:rPr lang="en-US" smtClean="0"/>
-              <a:t>12/15/25</a:t>
+              <a:t>12/17/25</a:t>
             </a:fld>
             <a:endParaRPr lang="en-US"/>
           </a:p>
@@ -2441,7 +2442,7 @@
           <a:p>
             <a:fld id="{70AC578A-F481-8B4F-AC68-5322D79242CE}" type="datetimeFigureOut">
               <a:rPr lang="en-US" smtClean="0"/>
-              <a:t>12/15/25</a:t>
+              <a:t>12/17/25</a:t>
             </a:fld>
             <a:endParaRPr lang="en-US"/>
           </a:p>
@@ -2730,7 +2731,7 @@
           <a:p>
             <a:fld id="{70AC578A-F481-8B4F-AC68-5322D79242CE}" type="datetimeFigureOut">
               <a:rPr lang="en-US" smtClean="0"/>
-              <a:t>12/15/25</a:t>
+              <a:t>12/17/25</a:t>
             </a:fld>
             <a:endParaRPr lang="en-US"/>
           </a:p>
@@ -2973,7 +2974,7 @@
           <a:p>
             <a:fld id="{70AC578A-F481-8B4F-AC68-5322D79242CE}" type="datetimeFigureOut">
               <a:rPr lang="en-US" smtClean="0"/>
-              <a:t>12/15/25</a:t>
+              <a:t>12/17/25</a:t>
             </a:fld>
             <a:endParaRPr lang="en-US"/>
           </a:p>
@@ -11390,7 +11391,7 @@
         </p:nvSpPr>
         <p:spPr/>
         <p:txBody>
-          <a:bodyPr>
+          <a:bodyPr numCol="2">
             <a:normAutofit fontScale="77500" lnSpcReduction="20000"/>
           </a:bodyPr>
           <a:lstStyle/>
@@ -11499,13 +11500,102 @@
             </a:pPr>
             <a:r>
               <a:rPr lang="en-US" dirty="0"/>
-              <a:t>Using </a:t>
-            </a:r>
-            <a:r>
-              <a:rPr lang="en-US"/>
-              <a:t>Magic Association Methods</a:t>
+              <a:t>Using Magic Association Methods</a:t>
+            </a:r>
+          </a:p>
+          <a:p>
+            <a:pPr marL="0" indent="0">
+              <a:buNone/>
+            </a:pPr>
+            <a:r>
+              <a:rPr lang="en-US" dirty="0"/>
+              <a:t>Fetching Related Products</a:t>
+            </a:r>
+          </a:p>
+          <a:p>
+            <a:pPr marL="0" indent="0">
+              <a:buNone/>
+            </a:pPr>
+            <a:r>
+              <a:rPr lang="en-US" dirty="0"/>
+              <a:t>One-to-many &amp; many-to-many Relations</a:t>
+            </a:r>
+          </a:p>
+          <a:p>
+            <a:pPr marL="0" indent="0">
+              <a:buNone/>
+            </a:pPr>
+            <a:r>
+              <a:rPr lang="en-US" dirty="0"/>
+              <a:t>Creating &amp; Fetching a Cart</a:t>
+            </a:r>
+          </a:p>
+          <a:p>
+            <a:pPr marL="0" indent="0">
+              <a:buNone/>
+            </a:pPr>
+            <a:r>
+              <a:rPr lang="en-US" dirty="0"/>
+              <a:t>Adding New Products to the Cart</a:t>
+            </a:r>
+          </a:p>
+          <a:p>
+            <a:pPr marL="0" indent="0">
+              <a:buNone/>
+            </a:pPr>
+            <a:r>
+              <a:rPr lang="en-US" dirty="0"/>
+              <a:t>Adding Existing Products &amp; Retrieving Cart Items</a:t>
+            </a:r>
+          </a:p>
+          <a:p>
+            <a:pPr marL="0" indent="0">
+              <a:buNone/>
+            </a:pPr>
+            <a:r>
+              <a:rPr lang="en-US" dirty="0"/>
+              <a:t>Deleting Related Items &amp; Deleting Cart Products</a:t>
+            </a:r>
+          </a:p>
+          <a:p>
+            <a:pPr marL="0" indent="0">
+              <a:buNone/>
+            </a:pPr>
+            <a:r>
+              <a:rPr lang="en-US" dirty="0"/>
+              <a:t>Adding an Order Model</a:t>
+            </a:r>
+          </a:p>
+          <a:p>
+            <a:pPr marL="0" indent="0">
+              <a:buNone/>
+            </a:pPr>
+            <a:r>
+              <a:rPr lang="en-US" dirty="0"/>
+              <a:t>Storing </a:t>
+            </a:r>
+            <a:r>
+              <a:rPr lang="en-US" dirty="0" err="1"/>
+              <a:t>Cartitems</a:t>
+            </a:r>
+            <a:r>
+              <a:rPr lang="en-US" dirty="0"/>
+              <a:t> as </a:t>
+            </a:r>
+            <a:r>
+              <a:rPr lang="en-US" dirty="0" err="1"/>
+              <a:t>Orderitems</a:t>
             </a:r>
             <a:endParaRPr lang="en-US" dirty="0"/>
+          </a:p>
+          <a:p>
+            <a:pPr marL="0" indent="0">
+              <a:buNone/>
+            </a:pPr>
+            <a:r>
+              <a:rPr lang="en-US" dirty="0"/>
+              <a:t>Resetting the Cart &amp; Fetching and Outputting Orders</a:t>
+            </a:r>
           </a:p>
         </p:txBody>
       </p:sp>
@@ -12159,6 +12249,142 @@
     <p:extLst>
       <p:ext uri="{BB962C8B-B14F-4D97-AF65-F5344CB8AC3E}">
         <p14:creationId xmlns:p14="http://schemas.microsoft.com/office/powerpoint/2010/main" val="4213727229"/>
+      </p:ext>
+    </p:extLst>
+  </p:cSld>
+  <p:clrMapOvr>
+    <a:masterClrMapping/>
+  </p:clrMapOvr>
+</p:sld>
+</file>
+
+<file path=ppt/slides/slide45.xml><?xml version="1.0" encoding="utf-8"?>
+<p:sld xmlns:a="http://schemas.openxmlformats.org/drawingml/2006/main" xmlns:r="http://schemas.openxmlformats.org/officeDocument/2006/relationships" xmlns:p="http://schemas.openxmlformats.org/presentationml/2006/main">
+  <p:cSld>
+    <p:spTree>
+      <p:nvGrpSpPr>
+        <p:cNvPr id="1" name=""/>
+        <p:cNvGrpSpPr/>
+        <p:nvPr/>
+      </p:nvGrpSpPr>
+      <p:grpSpPr>
+        <a:xfrm>
+          <a:off x="0" y="0"/>
+          <a:ext cx="0" cy="0"/>
+          <a:chOff x="0" y="0"/>
+          <a:chExt cx="0" cy="0"/>
+        </a:xfrm>
+      </p:grpSpPr>
+      <p:sp>
+        <p:nvSpPr>
+          <p:cNvPr id="2" name="Title 1">
+            <a:extLst>
+              <a:ext uri="{FF2B5EF4-FFF2-40B4-BE49-F238E27FC236}">
+                <a16:creationId xmlns:a16="http://schemas.microsoft.com/office/drawing/2014/main" id="{995CDBE0-BCB9-AF8E-9399-AE83F26C0869}"/>
+              </a:ext>
+            </a:extLst>
+          </p:cNvPr>
+          <p:cNvSpPr>
+            <a:spLocks noGrp="1"/>
+          </p:cNvSpPr>
+          <p:nvPr>
+            <p:ph type="title"/>
+          </p:nvPr>
+        </p:nvSpPr>
+        <p:spPr/>
+        <p:txBody>
+          <a:bodyPr/>
+          <a:lstStyle/>
+          <a:p>
+            <a:r>
+              <a:rPr lang="en-US" dirty="0"/>
+              <a:t>Module Summary</a:t>
+            </a:r>
+          </a:p>
+        </p:txBody>
+      </p:sp>
+      <p:sp>
+        <p:nvSpPr>
+          <p:cNvPr id="3" name="Content Placeholder 2">
+            <a:extLst>
+              <a:ext uri="{FF2B5EF4-FFF2-40B4-BE49-F238E27FC236}">
+                <a16:creationId xmlns:a16="http://schemas.microsoft.com/office/drawing/2014/main" id="{AB58DCBC-EE50-AE6D-3727-509CCBD88571}"/>
+              </a:ext>
+            </a:extLst>
+          </p:cNvPr>
+          <p:cNvSpPr>
+            <a:spLocks noGrp="1"/>
+          </p:cNvSpPr>
+          <p:nvPr>
+            <p:ph idx="1"/>
+          </p:nvPr>
+        </p:nvSpPr>
+        <p:spPr/>
+        <p:txBody>
+          <a:bodyPr>
+            <a:normAutofit fontScale="92500"/>
+          </a:bodyPr>
+          <a:lstStyle/>
+          <a:p>
+            <a:r>
+              <a:rPr lang="en-US" dirty="0"/>
+              <a:t>SQL</a:t>
+            </a:r>
+          </a:p>
+          <a:p>
+            <a:pPr lvl="1"/>
+            <a:r>
+              <a:rPr lang="en-US" dirty="0"/>
+              <a:t>SQL uses strict data schemas and relations</a:t>
+            </a:r>
+          </a:p>
+          <a:p>
+            <a:pPr lvl="1"/>
+            <a:r>
+              <a:rPr lang="en-US" dirty="0"/>
+              <a:t>You can connect your Node.js app via packages like mysql2</a:t>
+            </a:r>
+          </a:p>
+          <a:p>
+            <a:pPr lvl="1"/>
+            <a:r>
+              <a:rPr lang="en-US" dirty="0"/>
+              <a:t>Writing SQL queries in not directly related to Node.js and something you have to learn in addition to Node.js</a:t>
+            </a:r>
+          </a:p>
+          <a:p>
+            <a:r>
+              <a:rPr lang="en-US" dirty="0"/>
+              <a:t>Sequelize</a:t>
+            </a:r>
+          </a:p>
+          <a:p>
+            <a:pPr lvl="1"/>
+            <a:r>
+              <a:rPr lang="en-US" dirty="0"/>
+              <a:t>Instead of writing SQL queries manually, you can use packages(ORMs) like Sequelize to focus on the Node.js code and work with native JS objects</a:t>
+            </a:r>
+          </a:p>
+          <a:p>
+            <a:pPr lvl="1"/>
+            <a:r>
+              <a:rPr lang="en-US" dirty="0"/>
+              <a:t>Sequelize allows you define models and interact with the database through them</a:t>
+            </a:r>
+          </a:p>
+          <a:p>
+            <a:pPr lvl="1"/>
+            <a:r>
+              <a:rPr lang="en-US" dirty="0"/>
+              <a:t>You can also easily set up relations(“Associations”) and interact with your related models through them</a:t>
+            </a:r>
+          </a:p>
+        </p:txBody>
+      </p:sp>
+    </p:spTree>
+    <p:extLst>
+      <p:ext uri="{BB962C8B-B14F-4D97-AF65-F5344CB8AC3E}">
+        <p14:creationId xmlns:p14="http://schemas.microsoft.com/office/powerpoint/2010/main" val="2421990385"/>
       </p:ext>
     </p:extLst>
   </p:cSld>

--- a/Node/node.pptx
+++ b/Node/node.pptx
@@ -50,6 +50,9 @@
     <p:sldId id="298" r:id="rId44"/>
     <p:sldId id="299" r:id="rId45"/>
     <p:sldId id="300" r:id="rId46"/>
+    <p:sldId id="301" r:id="rId47"/>
+    <p:sldId id="302" r:id="rId48"/>
+    <p:sldId id="303" r:id="rId49"/>
   </p:sldIdLst>
   <p:sldSz cx="12192000" cy="6858000"/>
   <p:notesSz cx="6858000" cy="9144000"/>
@@ -12394,6 +12397,337 @@
 </p:sld>
 </file>
 
+<file path=ppt/slides/slide46.xml><?xml version="1.0" encoding="utf-8"?>
+<p:sld xmlns:a="http://schemas.openxmlformats.org/drawingml/2006/main" xmlns:r="http://schemas.openxmlformats.org/officeDocument/2006/relationships" xmlns:p="http://schemas.openxmlformats.org/presentationml/2006/main">
+  <p:cSld>
+    <p:spTree>
+      <p:nvGrpSpPr>
+        <p:cNvPr id="1" name=""/>
+        <p:cNvGrpSpPr/>
+        <p:nvPr/>
+      </p:nvGrpSpPr>
+      <p:grpSpPr>
+        <a:xfrm>
+          <a:off x="0" y="0"/>
+          <a:ext cx="0" cy="0"/>
+          <a:chOff x="0" y="0"/>
+          <a:chExt cx="0" cy="0"/>
+        </a:xfrm>
+      </p:grpSpPr>
+      <p:sp>
+        <p:nvSpPr>
+          <p:cNvPr id="2" name="Title 1">
+            <a:extLst>
+              <a:ext uri="{FF2B5EF4-FFF2-40B4-BE49-F238E27FC236}">
+                <a16:creationId xmlns:a16="http://schemas.microsoft.com/office/drawing/2014/main" id="{D3991769-C5C1-AA84-7917-5313D3E16786}"/>
+              </a:ext>
+            </a:extLst>
+          </p:cNvPr>
+          <p:cNvSpPr>
+            <a:spLocks noGrp="1"/>
+          </p:cNvSpPr>
+          <p:nvPr>
+            <p:ph type="title"/>
+          </p:nvPr>
+        </p:nvSpPr>
+        <p:spPr/>
+        <p:txBody>
+          <a:bodyPr/>
+          <a:lstStyle/>
+          <a:p>
+            <a:r>
+              <a:rPr lang="en-US" dirty="0"/>
+              <a:t>NoSQL Databases / MongoDB</a:t>
+            </a:r>
+          </a:p>
+        </p:txBody>
+      </p:sp>
+      <p:sp>
+        <p:nvSpPr>
+          <p:cNvPr id="3" name="Content Placeholder 2">
+            <a:extLst>
+              <a:ext uri="{FF2B5EF4-FFF2-40B4-BE49-F238E27FC236}">
+                <a16:creationId xmlns:a16="http://schemas.microsoft.com/office/drawing/2014/main" id="{3C4211BC-4E55-3418-7642-B3D44086A8F3}"/>
+              </a:ext>
+            </a:extLst>
+          </p:cNvPr>
+          <p:cNvSpPr>
+            <a:spLocks noGrp="1"/>
+          </p:cNvSpPr>
+          <p:nvPr>
+            <p:ph idx="1"/>
+          </p:nvPr>
+        </p:nvSpPr>
+        <p:spPr/>
+        <p:txBody>
+          <a:bodyPr/>
+          <a:lstStyle/>
+          <a:p>
+            <a:r>
+              <a:rPr lang="en-US" dirty="0"/>
+              <a:t>Storing data in a different kind of database</a:t>
+            </a:r>
+          </a:p>
+          <a:p>
+            <a:endParaRPr lang="en-US" dirty="0"/>
+          </a:p>
+          <a:p>
+            <a:r>
+              <a:rPr lang="en-US" dirty="0"/>
+              <a:t>What is MongoDB?</a:t>
+            </a:r>
+          </a:p>
+          <a:p>
+            <a:r>
+              <a:rPr lang="en-US" dirty="0"/>
+              <a:t>Using the MongoDB Driver in Node.js Apps</a:t>
+            </a:r>
+          </a:p>
+          <a:p>
+            <a:endParaRPr lang="en-US" dirty="0"/>
+          </a:p>
+          <a:p>
+            <a:r>
+              <a:rPr lang="en-US" dirty="0"/>
+              <a:t>Because it can store lots and lots of data </a:t>
+            </a:r>
+          </a:p>
+        </p:txBody>
+      </p:sp>
+    </p:spTree>
+    <p:extLst>
+      <p:ext uri="{BB962C8B-B14F-4D97-AF65-F5344CB8AC3E}">
+        <p14:creationId xmlns:p14="http://schemas.microsoft.com/office/powerpoint/2010/main" val="2741913053"/>
+      </p:ext>
+    </p:extLst>
+  </p:cSld>
+  <p:clrMapOvr>
+    <a:masterClrMapping/>
+  </p:clrMapOvr>
+</p:sld>
+</file>
+
+<file path=ppt/slides/slide47.xml><?xml version="1.0" encoding="utf-8"?>
+<p:sld xmlns:a="http://schemas.openxmlformats.org/drawingml/2006/main" xmlns:r="http://schemas.openxmlformats.org/officeDocument/2006/relationships" xmlns:p="http://schemas.openxmlformats.org/presentationml/2006/main">
+  <p:cSld>
+    <p:spTree>
+      <p:nvGrpSpPr>
+        <p:cNvPr id="1" name=""/>
+        <p:cNvGrpSpPr/>
+        <p:nvPr/>
+      </p:nvGrpSpPr>
+      <p:grpSpPr>
+        <a:xfrm>
+          <a:off x="0" y="0"/>
+          <a:ext cx="0" cy="0"/>
+          <a:chOff x="0" y="0"/>
+          <a:chExt cx="0" cy="0"/>
+        </a:xfrm>
+      </p:grpSpPr>
+      <p:sp>
+        <p:nvSpPr>
+          <p:cNvPr id="2" name="Title 1">
+            <a:extLst>
+              <a:ext uri="{FF2B5EF4-FFF2-40B4-BE49-F238E27FC236}">
+                <a16:creationId xmlns:a16="http://schemas.microsoft.com/office/drawing/2014/main" id="{07EA4701-064F-7473-9919-F1E64195B243}"/>
+              </a:ext>
+            </a:extLst>
+          </p:cNvPr>
+          <p:cNvSpPr>
+            <a:spLocks noGrp="1"/>
+          </p:cNvSpPr>
+          <p:nvPr>
+            <p:ph type="title"/>
+          </p:nvPr>
+        </p:nvSpPr>
+        <p:spPr/>
+        <p:txBody>
+          <a:bodyPr/>
+          <a:lstStyle/>
+          <a:p>
+            <a:endParaRPr lang="en-US"/>
+          </a:p>
+        </p:txBody>
+      </p:sp>
+      <p:sp>
+        <p:nvSpPr>
+          <p:cNvPr id="3" name="Content Placeholder 2">
+            <a:extLst>
+              <a:ext uri="{FF2B5EF4-FFF2-40B4-BE49-F238E27FC236}">
+                <a16:creationId xmlns:a16="http://schemas.microsoft.com/office/drawing/2014/main" id="{8C46EEB0-8274-D5E9-91E9-7BFE91FA94F8}"/>
+              </a:ext>
+            </a:extLst>
+          </p:cNvPr>
+          <p:cNvSpPr>
+            <a:spLocks noGrp="1"/>
+          </p:cNvSpPr>
+          <p:nvPr>
+            <p:ph idx="1"/>
+          </p:nvPr>
+        </p:nvSpPr>
+        <p:spPr/>
+        <p:txBody>
+          <a:bodyPr/>
+          <a:lstStyle/>
+          <a:p>
+            <a:r>
+              <a:rPr lang="en-US" dirty="0"/>
+              <a:t>Database </a:t>
+            </a:r>
+          </a:p>
+          <a:p>
+            <a:pPr lvl="1"/>
+            <a:r>
+              <a:rPr lang="en-US" dirty="0"/>
+              <a:t>Shop</a:t>
+            </a:r>
+          </a:p>
+          <a:p>
+            <a:r>
+              <a:rPr lang="en-US" dirty="0"/>
+              <a:t>Collections</a:t>
+            </a:r>
+          </a:p>
+          <a:p>
+            <a:pPr lvl="1"/>
+            <a:r>
+              <a:rPr lang="en-US" dirty="0"/>
+              <a:t>Orders</a:t>
+            </a:r>
+          </a:p>
+          <a:p>
+            <a:pPr lvl="1"/>
+            <a:r>
+              <a:rPr lang="en-US" dirty="0"/>
+              <a:t>Users</a:t>
+            </a:r>
+          </a:p>
+          <a:p>
+            <a:r>
+              <a:rPr lang="en-US" dirty="0"/>
+              <a:t>Documents</a:t>
+            </a:r>
+          </a:p>
+          <a:p>
+            <a:pPr lvl="1"/>
+            <a:r>
+              <a:rPr lang="en-US" dirty="0"/>
+              <a:t>{name:’Max’,age:29}</a:t>
+            </a:r>
+          </a:p>
+          <a:p>
+            <a:pPr lvl="1"/>
+            <a:r>
+              <a:rPr lang="en-US" dirty="0"/>
+              <a:t>{</a:t>
+            </a:r>
+            <a:r>
+              <a:rPr lang="en-US" dirty="0" err="1"/>
+              <a:t>name:’Ram</a:t>
+            </a:r>
+            <a:r>
+              <a:rPr lang="en-US" dirty="0"/>
+              <a:t>’}</a:t>
+            </a:r>
+          </a:p>
+        </p:txBody>
+      </p:sp>
+    </p:spTree>
+    <p:extLst>
+      <p:ext uri="{BB962C8B-B14F-4D97-AF65-F5344CB8AC3E}">
+        <p14:creationId xmlns:p14="http://schemas.microsoft.com/office/powerpoint/2010/main" val="4106146499"/>
+      </p:ext>
+    </p:extLst>
+  </p:cSld>
+  <p:clrMapOvr>
+    <a:masterClrMapping/>
+  </p:clrMapOvr>
+</p:sld>
+</file>
+
+<file path=ppt/slides/slide48.xml><?xml version="1.0" encoding="utf-8"?>
+<p:sld xmlns:a="http://schemas.openxmlformats.org/drawingml/2006/main" xmlns:r="http://schemas.openxmlformats.org/officeDocument/2006/relationships" xmlns:p="http://schemas.openxmlformats.org/presentationml/2006/main">
+  <p:cSld>
+    <p:spTree>
+      <p:nvGrpSpPr>
+        <p:cNvPr id="1" name=""/>
+        <p:cNvGrpSpPr/>
+        <p:nvPr/>
+      </p:nvGrpSpPr>
+      <p:grpSpPr>
+        <a:xfrm>
+          <a:off x="0" y="0"/>
+          <a:ext cx="0" cy="0"/>
+          <a:chOff x="0" y="0"/>
+          <a:chExt cx="0" cy="0"/>
+        </a:xfrm>
+      </p:grpSpPr>
+      <p:sp>
+        <p:nvSpPr>
+          <p:cNvPr id="2" name="Title 1">
+            <a:extLst>
+              <a:ext uri="{FF2B5EF4-FFF2-40B4-BE49-F238E27FC236}">
+                <a16:creationId xmlns:a16="http://schemas.microsoft.com/office/drawing/2014/main" id="{B184578D-D91C-E3A9-4A6B-FB662D3AABB6}"/>
+              </a:ext>
+            </a:extLst>
+          </p:cNvPr>
+          <p:cNvSpPr>
+            <a:spLocks noGrp="1"/>
+          </p:cNvSpPr>
+          <p:nvPr>
+            <p:ph type="title"/>
+          </p:nvPr>
+        </p:nvSpPr>
+        <p:spPr/>
+        <p:txBody>
+          <a:bodyPr/>
+          <a:lstStyle/>
+          <a:p>
+            <a:r>
+              <a:rPr lang="en-US" dirty="0"/>
+              <a:t>JSON(BSON) Data Format</a:t>
+            </a:r>
+          </a:p>
+        </p:txBody>
+      </p:sp>
+      <p:sp>
+        <p:nvSpPr>
+          <p:cNvPr id="3" name="Content Placeholder 2">
+            <a:extLst>
+              <a:ext uri="{FF2B5EF4-FFF2-40B4-BE49-F238E27FC236}">
+                <a16:creationId xmlns:a16="http://schemas.microsoft.com/office/drawing/2014/main" id="{5CECD482-E8E0-C922-EAE5-BED33988E591}"/>
+              </a:ext>
+            </a:extLst>
+          </p:cNvPr>
+          <p:cNvSpPr>
+            <a:spLocks noGrp="1"/>
+          </p:cNvSpPr>
+          <p:nvPr>
+            <p:ph idx="1"/>
+          </p:nvPr>
+        </p:nvSpPr>
+        <p:spPr/>
+        <p:txBody>
+          <a:bodyPr/>
+          <a:lstStyle/>
+          <a:p>
+            <a:endParaRPr lang="en-US"/>
+          </a:p>
+        </p:txBody>
+      </p:sp>
+    </p:spTree>
+    <p:extLst>
+      <p:ext uri="{BB962C8B-B14F-4D97-AF65-F5344CB8AC3E}">
+        <p14:creationId xmlns:p14="http://schemas.microsoft.com/office/powerpoint/2010/main" val="3317667922"/>
+      </p:ext>
+    </p:extLst>
+  </p:cSld>
+  <p:clrMapOvr>
+    <a:masterClrMapping/>
+  </p:clrMapOvr>
+</p:sld>
+</file>
+
 <file path=ppt/slides/slide5.xml><?xml version="1.0" encoding="utf-8"?>
 <p:sld xmlns:a="http://schemas.openxmlformats.org/drawingml/2006/main" xmlns:r="http://schemas.openxmlformats.org/officeDocument/2006/relationships" xmlns:p="http://schemas.openxmlformats.org/presentationml/2006/main">
   <p:cSld>

--- a/Node/node.pptx
+++ b/Node/node.pptx
@@ -53,6 +53,7 @@
     <p:sldId id="301" r:id="rId47"/>
     <p:sldId id="302" r:id="rId48"/>
     <p:sldId id="303" r:id="rId49"/>
+    <p:sldId id="304" r:id="rId50"/>
   </p:sldIdLst>
   <p:sldSz cx="12192000" cy="6858000"/>
   <p:notesSz cx="6858000" cy="9144000"/>
@@ -308,7 +309,7 @@
           <a:p>
             <a:fld id="{70AC578A-F481-8B4F-AC68-5322D79242CE}" type="datetimeFigureOut">
               <a:rPr lang="en-US" smtClean="0"/>
-              <a:t>12/17/25</a:t>
+              <a:t>12/24/25</a:t>
             </a:fld>
             <a:endParaRPr lang="en-US"/>
           </a:p>
@@ -508,7 +509,7 @@
           <a:p>
             <a:fld id="{70AC578A-F481-8B4F-AC68-5322D79242CE}" type="datetimeFigureOut">
               <a:rPr lang="en-US" smtClean="0"/>
-              <a:t>12/17/25</a:t>
+              <a:t>12/24/25</a:t>
             </a:fld>
             <a:endParaRPr lang="en-US"/>
           </a:p>
@@ -718,7 +719,7 @@
           <a:p>
             <a:fld id="{70AC578A-F481-8B4F-AC68-5322D79242CE}" type="datetimeFigureOut">
               <a:rPr lang="en-US" smtClean="0"/>
-              <a:t>12/17/25</a:t>
+              <a:t>12/24/25</a:t>
             </a:fld>
             <a:endParaRPr lang="en-US"/>
           </a:p>
@@ -918,7 +919,7 @@
           <a:p>
             <a:fld id="{70AC578A-F481-8B4F-AC68-5322D79242CE}" type="datetimeFigureOut">
               <a:rPr lang="en-US" smtClean="0"/>
-              <a:t>12/17/25</a:t>
+              <a:t>12/24/25</a:t>
             </a:fld>
             <a:endParaRPr lang="en-US"/>
           </a:p>
@@ -1194,7 +1195,7 @@
           <a:p>
             <a:fld id="{70AC578A-F481-8B4F-AC68-5322D79242CE}" type="datetimeFigureOut">
               <a:rPr lang="en-US" smtClean="0"/>
-              <a:t>12/17/25</a:t>
+              <a:t>12/24/25</a:t>
             </a:fld>
             <a:endParaRPr lang="en-US"/>
           </a:p>
@@ -1462,7 +1463,7 @@
           <a:p>
             <a:fld id="{70AC578A-F481-8B4F-AC68-5322D79242CE}" type="datetimeFigureOut">
               <a:rPr lang="en-US" smtClean="0"/>
-              <a:t>12/17/25</a:t>
+              <a:t>12/24/25</a:t>
             </a:fld>
             <a:endParaRPr lang="en-US"/>
           </a:p>
@@ -1877,7 +1878,7 @@
           <a:p>
             <a:fld id="{70AC578A-F481-8B4F-AC68-5322D79242CE}" type="datetimeFigureOut">
               <a:rPr lang="en-US" smtClean="0"/>
-              <a:t>12/17/25</a:t>
+              <a:t>12/24/25</a:t>
             </a:fld>
             <a:endParaRPr lang="en-US"/>
           </a:p>
@@ -2019,7 +2020,7 @@
           <a:p>
             <a:fld id="{70AC578A-F481-8B4F-AC68-5322D79242CE}" type="datetimeFigureOut">
               <a:rPr lang="en-US" smtClean="0"/>
-              <a:t>12/17/25</a:t>
+              <a:t>12/24/25</a:t>
             </a:fld>
             <a:endParaRPr lang="en-US"/>
           </a:p>
@@ -2132,7 +2133,7 @@
           <a:p>
             <a:fld id="{70AC578A-F481-8B4F-AC68-5322D79242CE}" type="datetimeFigureOut">
               <a:rPr lang="en-US" smtClean="0"/>
-              <a:t>12/17/25</a:t>
+              <a:t>12/24/25</a:t>
             </a:fld>
             <a:endParaRPr lang="en-US"/>
           </a:p>
@@ -2445,7 +2446,7 @@
           <a:p>
             <a:fld id="{70AC578A-F481-8B4F-AC68-5322D79242CE}" type="datetimeFigureOut">
               <a:rPr lang="en-US" smtClean="0"/>
-              <a:t>12/17/25</a:t>
+              <a:t>12/24/25</a:t>
             </a:fld>
             <a:endParaRPr lang="en-US"/>
           </a:p>
@@ -2734,7 +2735,7 @@
           <a:p>
             <a:fld id="{70AC578A-F481-8B4F-AC68-5322D79242CE}" type="datetimeFigureOut">
               <a:rPr lang="en-US" smtClean="0"/>
-              <a:t>12/17/25</a:t>
+              <a:t>12/24/25</a:t>
             </a:fld>
             <a:endParaRPr lang="en-US"/>
           </a:p>
@@ -2977,7 +2978,7 @@
           <a:p>
             <a:fld id="{70AC578A-F481-8B4F-AC68-5322D79242CE}" type="datetimeFigureOut">
               <a:rPr lang="en-US" smtClean="0"/>
-              <a:t>12/17/25</a:t>
+              <a:t>12/24/25</a:t>
             </a:fld>
             <a:endParaRPr lang="en-US"/>
           </a:p>
@@ -12708,10 +12709,123 @@
         </p:nvSpPr>
         <p:spPr/>
         <p:txBody>
-          <a:bodyPr/>
-          <a:lstStyle/>
-          <a:p>
-            <a:endParaRPr lang="en-US"/>
+          <a:bodyPr numCol="2">
+            <a:normAutofit fontScale="92500" lnSpcReduction="20000"/>
+          </a:bodyPr>
+          <a:lstStyle/>
+          <a:p>
+            <a:r>
+              <a:rPr lang="en-US" dirty="0"/>
+              <a:t>Installing the MongoDB Driver</a:t>
+            </a:r>
+          </a:p>
+          <a:p>
+            <a:r>
+              <a:rPr lang="en-US" dirty="0"/>
+              <a:t>Creating the Database Connection</a:t>
+            </a:r>
+          </a:p>
+          <a:p>
+            <a:r>
+              <a:rPr lang="en-US" dirty="0"/>
+              <a:t>Using the Database connection</a:t>
+            </a:r>
+          </a:p>
+          <a:p>
+            <a:r>
+              <a:rPr lang="en-US" dirty="0"/>
+              <a:t>Creating Products</a:t>
+            </a:r>
+          </a:p>
+          <a:p>
+            <a:r>
+              <a:rPr lang="en-US" dirty="0"/>
+              <a:t>Understanding the MongoDB Compass</a:t>
+            </a:r>
+          </a:p>
+          <a:p>
+            <a:r>
+              <a:rPr lang="en-US" dirty="0"/>
+              <a:t>Fetching all Products</a:t>
+            </a:r>
+          </a:p>
+          <a:p>
+            <a:r>
+              <a:rPr lang="en-US" dirty="0"/>
+              <a:t>Making the Edit &amp; delete Buttons work again</a:t>
+            </a:r>
+          </a:p>
+          <a:p>
+            <a:r>
+              <a:rPr lang="en-US" dirty="0"/>
+              <a:t>Working on the product model</a:t>
+            </a:r>
+          </a:p>
+          <a:p>
+            <a:r>
+              <a:rPr lang="en-US" dirty="0"/>
+              <a:t>Deleting Product</a:t>
+            </a:r>
+          </a:p>
+          <a:p>
+            <a:r>
+              <a:rPr lang="en-US" dirty="0"/>
+              <a:t>Creating New Users</a:t>
+            </a:r>
+          </a:p>
+          <a:p>
+            <a:r>
+              <a:rPr lang="en-US" dirty="0"/>
+              <a:t>Storing the user in our Database</a:t>
+            </a:r>
+          </a:p>
+          <a:p>
+            <a:r>
+              <a:rPr lang="en-US" dirty="0"/>
+              <a:t>Working on cart items &amp; orders</a:t>
+            </a:r>
+          </a:p>
+          <a:p>
+            <a:r>
+              <a:rPr lang="en-US" dirty="0"/>
+              <a:t>Storing Multiple Products in the Cart</a:t>
+            </a:r>
+          </a:p>
+          <a:p>
+            <a:r>
+              <a:rPr lang="en-US" dirty="0"/>
+              <a:t>Displaying the Cart items</a:t>
+            </a:r>
+          </a:p>
+          <a:p>
+            <a:r>
+              <a:rPr lang="en-US" dirty="0"/>
+              <a:t>Fixing a Bug</a:t>
+            </a:r>
+          </a:p>
+          <a:p>
+            <a:r>
+              <a:rPr lang="en-US" dirty="0"/>
+              <a:t>Deleting a Cart items</a:t>
+            </a:r>
+          </a:p>
+          <a:p>
+            <a:r>
+              <a:rPr lang="en-US" dirty="0"/>
+              <a:t>Adding an Order</a:t>
+            </a:r>
+          </a:p>
+          <a:p>
+            <a:r>
+              <a:rPr lang="en-US" dirty="0"/>
+              <a:t>Adding Relational Order Data</a:t>
+            </a:r>
+          </a:p>
+          <a:p>
+            <a:r>
+              <a:rPr lang="en-US" dirty="0"/>
+              <a:t>Getting Orders</a:t>
+            </a:r>
           </a:p>
         </p:txBody>
       </p:sp>
@@ -12719,6 +12833,160 @@
     <p:extLst>
       <p:ext uri="{BB962C8B-B14F-4D97-AF65-F5344CB8AC3E}">
         <p14:creationId xmlns:p14="http://schemas.microsoft.com/office/powerpoint/2010/main" val="3317667922"/>
+      </p:ext>
+    </p:extLst>
+  </p:cSld>
+  <p:clrMapOvr>
+    <a:masterClrMapping/>
+  </p:clrMapOvr>
+</p:sld>
+</file>
+
+<file path=ppt/slides/slide49.xml><?xml version="1.0" encoding="utf-8"?>
+<p:sld xmlns:a="http://schemas.openxmlformats.org/drawingml/2006/main" xmlns:r="http://schemas.openxmlformats.org/officeDocument/2006/relationships" xmlns:p="http://schemas.openxmlformats.org/presentationml/2006/main">
+  <p:cSld>
+    <p:spTree>
+      <p:nvGrpSpPr>
+        <p:cNvPr id="1" name=""/>
+        <p:cNvGrpSpPr/>
+        <p:nvPr/>
+      </p:nvGrpSpPr>
+      <p:grpSpPr>
+        <a:xfrm>
+          <a:off x="0" y="0"/>
+          <a:ext cx="0" cy="0"/>
+          <a:chOff x="0" y="0"/>
+          <a:chExt cx="0" cy="0"/>
+        </a:xfrm>
+      </p:grpSpPr>
+      <p:sp>
+        <p:nvSpPr>
+          <p:cNvPr id="3" name="Content Placeholder 2">
+            <a:extLst>
+              <a:ext uri="{FF2B5EF4-FFF2-40B4-BE49-F238E27FC236}">
+                <a16:creationId xmlns:a16="http://schemas.microsoft.com/office/drawing/2014/main" id="{BE347618-9647-737B-E800-C3297EB4A6BA}"/>
+              </a:ext>
+            </a:extLst>
+          </p:cNvPr>
+          <p:cNvSpPr>
+            <a:spLocks noGrp="1"/>
+          </p:cNvSpPr>
+          <p:nvPr>
+            <p:ph idx="1"/>
+          </p:nvPr>
+        </p:nvSpPr>
+        <p:spPr>
+          <a:xfrm>
+            <a:off x="838200" y="438912"/>
+            <a:ext cx="10515600" cy="5738051"/>
+          </a:xfrm>
+        </p:spPr>
+        <p:txBody>
+          <a:bodyPr/>
+          <a:lstStyle/>
+          <a:p>
+            <a:r>
+              <a:rPr lang="en-US" dirty="0"/>
+              <a:t>NoSQL/MongoDB</a:t>
+            </a:r>
+          </a:p>
+          <a:p>
+            <a:pPr lvl="1"/>
+            <a:r>
+              <a:rPr lang="en-US" dirty="0"/>
+              <a:t>Alternative to SQL databases</a:t>
+            </a:r>
+          </a:p>
+          <a:p>
+            <a:pPr lvl="1"/>
+            <a:r>
+              <a:rPr lang="en-US" dirty="0"/>
+              <a:t>No strict schemas, fewer relations</a:t>
+            </a:r>
+          </a:p>
+          <a:p>
+            <a:pPr lvl="1"/>
+            <a:r>
+              <a:rPr lang="en-US" dirty="0"/>
+              <a:t>You can of course use schemas and reference-based relations but you got more flexibility</a:t>
+            </a:r>
+          </a:p>
+          <a:p>
+            <a:pPr lvl="1"/>
+            <a:r>
+              <a:rPr lang="en-US" dirty="0"/>
+              <a:t>Often, relations are also created by embedding other documents/data</a:t>
+            </a:r>
+          </a:p>
+          <a:p>
+            <a:r>
+              <a:rPr lang="en-US" dirty="0"/>
+              <a:t>Working with MongoDB</a:t>
+            </a:r>
+          </a:p>
+          <a:p>
+            <a:pPr lvl="1"/>
+            <a:r>
+              <a:rPr lang="en-US" dirty="0"/>
+              <a:t>Use the official MongoDB driver</a:t>
+            </a:r>
+          </a:p>
+          <a:p>
+            <a:pPr lvl="1"/>
+            <a:r>
+              <a:rPr lang="en-US" dirty="0"/>
+              <a:t>Commands like </a:t>
+            </a:r>
+            <a:r>
+              <a:rPr lang="en-US" dirty="0" err="1"/>
+              <a:t>insertOne</a:t>
+            </a:r>
+            <a:r>
+              <a:rPr lang="en-US" dirty="0"/>
+              <a:t>(), find(), </a:t>
+            </a:r>
+            <a:r>
+              <a:rPr lang="en-US" dirty="0" err="1"/>
+              <a:t>updateOne</a:t>
+            </a:r>
+            <a:r>
+              <a:rPr lang="en-US" dirty="0"/>
+              <a:t>() and </a:t>
+            </a:r>
+            <a:r>
+              <a:rPr lang="en-US" dirty="0" err="1"/>
+              <a:t>deleteOne</a:t>
+            </a:r>
+            <a:r>
+              <a:rPr lang="en-US" dirty="0"/>
+              <a:t>() make CRUD-Operations very simple</a:t>
+            </a:r>
+          </a:p>
+          <a:p>
+            <a:pPr lvl="1"/>
+            <a:r>
+              <a:rPr lang="en-US" dirty="0"/>
+              <a:t>Check the official docs to learn about all available operations + configurations/operators</a:t>
+            </a:r>
+          </a:p>
+          <a:p>
+            <a:pPr lvl="1"/>
+            <a:r>
+              <a:rPr lang="en-US" dirty="0"/>
+              <a:t>All operations are promise-based, hence you can easily chain them for more </a:t>
+            </a:r>
+            <a:r>
+              <a:rPr lang="en-US"/>
+              <a:t>complex flows</a:t>
+            </a:r>
+            <a:endParaRPr lang="en-US" dirty="0"/>
+          </a:p>
+        </p:txBody>
+      </p:sp>
+    </p:spTree>
+    <p:extLst>
+      <p:ext uri="{BB962C8B-B14F-4D97-AF65-F5344CB8AC3E}">
+        <p14:creationId xmlns:p14="http://schemas.microsoft.com/office/powerpoint/2010/main" val="1785616590"/>
       </p:ext>
     </p:extLst>
   </p:cSld>

--- a/Node/node.pptx
+++ b/Node/node.pptx
@@ -54,6 +54,7 @@
     <p:sldId id="302" r:id="rId48"/>
     <p:sldId id="303" r:id="rId49"/>
     <p:sldId id="304" r:id="rId50"/>
+    <p:sldId id="305" r:id="rId51"/>
   </p:sldIdLst>
   <p:sldSz cx="12192000" cy="6858000"/>
   <p:notesSz cx="6858000" cy="9144000"/>
@@ -309,7 +310,7 @@
           <a:p>
             <a:fld id="{70AC578A-F481-8B4F-AC68-5322D79242CE}" type="datetimeFigureOut">
               <a:rPr lang="en-US" smtClean="0"/>
-              <a:t>12/24/25</a:t>
+              <a:t>1/8/26</a:t>
             </a:fld>
             <a:endParaRPr lang="en-US"/>
           </a:p>
@@ -509,7 +510,7 @@
           <a:p>
             <a:fld id="{70AC578A-F481-8B4F-AC68-5322D79242CE}" type="datetimeFigureOut">
               <a:rPr lang="en-US" smtClean="0"/>
-              <a:t>12/24/25</a:t>
+              <a:t>1/8/26</a:t>
             </a:fld>
             <a:endParaRPr lang="en-US"/>
           </a:p>
@@ -719,7 +720,7 @@
           <a:p>
             <a:fld id="{70AC578A-F481-8B4F-AC68-5322D79242CE}" type="datetimeFigureOut">
               <a:rPr lang="en-US" smtClean="0"/>
-              <a:t>12/24/25</a:t>
+              <a:t>1/8/26</a:t>
             </a:fld>
             <a:endParaRPr lang="en-US"/>
           </a:p>
@@ -919,7 +920,7 @@
           <a:p>
             <a:fld id="{70AC578A-F481-8B4F-AC68-5322D79242CE}" type="datetimeFigureOut">
               <a:rPr lang="en-US" smtClean="0"/>
-              <a:t>12/24/25</a:t>
+              <a:t>1/8/26</a:t>
             </a:fld>
             <a:endParaRPr lang="en-US"/>
           </a:p>
@@ -1195,7 +1196,7 @@
           <a:p>
             <a:fld id="{70AC578A-F481-8B4F-AC68-5322D79242CE}" type="datetimeFigureOut">
               <a:rPr lang="en-US" smtClean="0"/>
-              <a:t>12/24/25</a:t>
+              <a:t>1/8/26</a:t>
             </a:fld>
             <a:endParaRPr lang="en-US"/>
           </a:p>
@@ -1463,7 +1464,7 @@
           <a:p>
             <a:fld id="{70AC578A-F481-8B4F-AC68-5322D79242CE}" type="datetimeFigureOut">
               <a:rPr lang="en-US" smtClean="0"/>
-              <a:t>12/24/25</a:t>
+              <a:t>1/8/26</a:t>
             </a:fld>
             <a:endParaRPr lang="en-US"/>
           </a:p>
@@ -1878,7 +1879,7 @@
           <a:p>
             <a:fld id="{70AC578A-F481-8B4F-AC68-5322D79242CE}" type="datetimeFigureOut">
               <a:rPr lang="en-US" smtClean="0"/>
-              <a:t>12/24/25</a:t>
+              <a:t>1/8/26</a:t>
             </a:fld>
             <a:endParaRPr lang="en-US"/>
           </a:p>
@@ -2020,7 +2021,7 @@
           <a:p>
             <a:fld id="{70AC578A-F481-8B4F-AC68-5322D79242CE}" type="datetimeFigureOut">
               <a:rPr lang="en-US" smtClean="0"/>
-              <a:t>12/24/25</a:t>
+              <a:t>1/8/26</a:t>
             </a:fld>
             <a:endParaRPr lang="en-US"/>
           </a:p>
@@ -2133,7 +2134,7 @@
           <a:p>
             <a:fld id="{70AC578A-F481-8B4F-AC68-5322D79242CE}" type="datetimeFigureOut">
               <a:rPr lang="en-US" smtClean="0"/>
-              <a:t>12/24/25</a:t>
+              <a:t>1/8/26</a:t>
             </a:fld>
             <a:endParaRPr lang="en-US"/>
           </a:p>
@@ -2446,7 +2447,7 @@
           <a:p>
             <a:fld id="{70AC578A-F481-8B4F-AC68-5322D79242CE}" type="datetimeFigureOut">
               <a:rPr lang="en-US" smtClean="0"/>
-              <a:t>12/24/25</a:t>
+              <a:t>1/8/26</a:t>
             </a:fld>
             <a:endParaRPr lang="en-US"/>
           </a:p>
@@ -2735,7 +2736,7 @@
           <a:p>
             <a:fld id="{70AC578A-F481-8B4F-AC68-5322D79242CE}" type="datetimeFigureOut">
               <a:rPr lang="en-US" smtClean="0"/>
-              <a:t>12/24/25</a:t>
+              <a:t>1/8/26</a:t>
             </a:fld>
             <a:endParaRPr lang="en-US"/>
           </a:p>
@@ -2978,7 +2979,7 @@
           <a:p>
             <a:fld id="{70AC578A-F481-8B4F-AC68-5322D79242CE}" type="datetimeFigureOut">
               <a:rPr lang="en-US" smtClean="0"/>
-              <a:t>12/24/25</a:t>
+              <a:t>1/8/26</a:t>
             </a:fld>
             <a:endParaRPr lang="en-US"/>
           </a:p>
@@ -13106,6 +13107,120 @@
 </p:sld>
 </file>
 
+<file path=ppt/slides/slide50.xml><?xml version="1.0" encoding="utf-8"?>
+<p:sld xmlns:a="http://schemas.openxmlformats.org/drawingml/2006/main" xmlns:r="http://schemas.openxmlformats.org/officeDocument/2006/relationships" xmlns:p="http://schemas.openxmlformats.org/presentationml/2006/main">
+  <p:cSld>
+    <p:spTree>
+      <p:nvGrpSpPr>
+        <p:cNvPr id="1" name=""/>
+        <p:cNvGrpSpPr/>
+        <p:nvPr/>
+      </p:nvGrpSpPr>
+      <p:grpSpPr>
+        <a:xfrm>
+          <a:off x="0" y="0"/>
+          <a:ext cx="0" cy="0"/>
+          <a:chOff x="0" y="0"/>
+          <a:chExt cx="0" cy="0"/>
+        </a:xfrm>
+      </p:grpSpPr>
+      <p:sp>
+        <p:nvSpPr>
+          <p:cNvPr id="2" name="Title 1">
+            <a:extLst>
+              <a:ext uri="{FF2B5EF4-FFF2-40B4-BE49-F238E27FC236}">
+                <a16:creationId xmlns:a16="http://schemas.microsoft.com/office/drawing/2014/main" id="{73F8B4C7-0288-BC1E-60A1-1AB1509394C4}"/>
+              </a:ext>
+            </a:extLst>
+          </p:cNvPr>
+          <p:cNvSpPr>
+            <a:spLocks noGrp="1"/>
+          </p:cNvSpPr>
+          <p:nvPr>
+            <p:ph type="title"/>
+          </p:nvPr>
+        </p:nvSpPr>
+        <p:spPr/>
+        <p:txBody>
+          <a:bodyPr/>
+          <a:lstStyle/>
+          <a:p>
+            <a:r>
+              <a:rPr lang="en-US" dirty="0"/>
+              <a:t>Mongoose</a:t>
+            </a:r>
+          </a:p>
+        </p:txBody>
+      </p:sp>
+      <p:sp>
+        <p:nvSpPr>
+          <p:cNvPr id="3" name="Content Placeholder 2">
+            <a:extLst>
+              <a:ext uri="{FF2B5EF4-FFF2-40B4-BE49-F238E27FC236}">
+                <a16:creationId xmlns:a16="http://schemas.microsoft.com/office/drawing/2014/main" id="{65412237-7E8C-EF68-36C5-3F30D83457B5}"/>
+              </a:ext>
+            </a:extLst>
+          </p:cNvPr>
+          <p:cNvSpPr>
+            <a:spLocks noGrp="1"/>
+          </p:cNvSpPr>
+          <p:nvPr>
+            <p:ph idx="1"/>
+          </p:nvPr>
+        </p:nvSpPr>
+        <p:spPr/>
+        <p:txBody>
+          <a:bodyPr/>
+          <a:lstStyle/>
+          <a:p>
+            <a:r>
+              <a:rPr lang="en-US" dirty="0"/>
+              <a:t>A Object-Document Mapping Library</a:t>
+            </a:r>
+          </a:p>
+          <a:p>
+            <a:r>
+              <a:rPr lang="en-US" dirty="0"/>
+              <a:t>Connecting to the MongoDB Server with Mongoose</a:t>
+            </a:r>
+          </a:p>
+          <a:p>
+            <a:r>
+              <a:rPr lang="en-US" dirty="0"/>
+              <a:t>Creating the Product Schema</a:t>
+            </a:r>
+          </a:p>
+          <a:p>
+            <a:r>
+              <a:rPr lang="en-US" dirty="0"/>
+              <a:t>Saving data through mongoose</a:t>
+            </a:r>
+          </a:p>
+          <a:p>
+            <a:r>
+              <a:rPr lang="en-US" dirty="0"/>
+              <a:t>Fetching </a:t>
+            </a:r>
+            <a:r>
+              <a:rPr lang="en-US"/>
+              <a:t>All Product</a:t>
+            </a:r>
+          </a:p>
+        </p:txBody>
+      </p:sp>
+    </p:spTree>
+    <p:extLst>
+      <p:ext uri="{BB962C8B-B14F-4D97-AF65-F5344CB8AC3E}">
+        <p14:creationId xmlns:p14="http://schemas.microsoft.com/office/powerpoint/2010/main" val="3885837714"/>
+      </p:ext>
+    </p:extLst>
+  </p:cSld>
+  <p:clrMapOvr>
+    <a:masterClrMapping/>
+  </p:clrMapOvr>
+</p:sld>
+</file>
+
 <file path=ppt/slides/slide6.xml><?xml version="1.0" encoding="utf-8"?>
 <p:sld xmlns:a="http://schemas.openxmlformats.org/drawingml/2006/main" xmlns:r="http://schemas.openxmlformats.org/officeDocument/2006/relationships" xmlns:p="http://schemas.openxmlformats.org/presentationml/2006/main">
   <p:cSld>

--- a/Node/node.pptx
+++ b/Node/node.pptx
@@ -310,7 +310,7 @@
           <a:p>
             <a:fld id="{70AC578A-F481-8B4F-AC68-5322D79242CE}" type="datetimeFigureOut">
               <a:rPr lang="en-US" smtClean="0"/>
-              <a:t>1/8/26</a:t>
+              <a:t>1/9/26</a:t>
             </a:fld>
             <a:endParaRPr lang="en-US"/>
           </a:p>
@@ -510,7 +510,7 @@
           <a:p>
             <a:fld id="{70AC578A-F481-8B4F-AC68-5322D79242CE}" type="datetimeFigureOut">
               <a:rPr lang="en-US" smtClean="0"/>
-              <a:t>1/8/26</a:t>
+              <a:t>1/9/26</a:t>
             </a:fld>
             <a:endParaRPr lang="en-US"/>
           </a:p>
@@ -720,7 +720,7 @@
           <a:p>
             <a:fld id="{70AC578A-F481-8B4F-AC68-5322D79242CE}" type="datetimeFigureOut">
               <a:rPr lang="en-US" smtClean="0"/>
-              <a:t>1/8/26</a:t>
+              <a:t>1/9/26</a:t>
             </a:fld>
             <a:endParaRPr lang="en-US"/>
           </a:p>
@@ -920,7 +920,7 @@
           <a:p>
             <a:fld id="{70AC578A-F481-8B4F-AC68-5322D79242CE}" type="datetimeFigureOut">
               <a:rPr lang="en-US" smtClean="0"/>
-              <a:t>1/8/26</a:t>
+              <a:t>1/9/26</a:t>
             </a:fld>
             <a:endParaRPr lang="en-US"/>
           </a:p>
@@ -1196,7 +1196,7 @@
           <a:p>
             <a:fld id="{70AC578A-F481-8B4F-AC68-5322D79242CE}" type="datetimeFigureOut">
               <a:rPr lang="en-US" smtClean="0"/>
-              <a:t>1/8/26</a:t>
+              <a:t>1/9/26</a:t>
             </a:fld>
             <a:endParaRPr lang="en-US"/>
           </a:p>
@@ -1464,7 +1464,7 @@
           <a:p>
             <a:fld id="{70AC578A-F481-8B4F-AC68-5322D79242CE}" type="datetimeFigureOut">
               <a:rPr lang="en-US" smtClean="0"/>
-              <a:t>1/8/26</a:t>
+              <a:t>1/9/26</a:t>
             </a:fld>
             <a:endParaRPr lang="en-US"/>
           </a:p>
@@ -1879,7 +1879,7 @@
           <a:p>
             <a:fld id="{70AC578A-F481-8B4F-AC68-5322D79242CE}" type="datetimeFigureOut">
               <a:rPr lang="en-US" smtClean="0"/>
-              <a:t>1/8/26</a:t>
+              <a:t>1/9/26</a:t>
             </a:fld>
             <a:endParaRPr lang="en-US"/>
           </a:p>
@@ -2021,7 +2021,7 @@
           <a:p>
             <a:fld id="{70AC578A-F481-8B4F-AC68-5322D79242CE}" type="datetimeFigureOut">
               <a:rPr lang="en-US" smtClean="0"/>
-              <a:t>1/8/26</a:t>
+              <a:t>1/9/26</a:t>
             </a:fld>
             <a:endParaRPr lang="en-US"/>
           </a:p>
@@ -2134,7 +2134,7 @@
           <a:p>
             <a:fld id="{70AC578A-F481-8B4F-AC68-5322D79242CE}" type="datetimeFigureOut">
               <a:rPr lang="en-US" smtClean="0"/>
-              <a:t>1/8/26</a:t>
+              <a:t>1/9/26</a:t>
             </a:fld>
             <a:endParaRPr lang="en-US"/>
           </a:p>
@@ -2447,7 +2447,7 @@
           <a:p>
             <a:fld id="{70AC578A-F481-8B4F-AC68-5322D79242CE}" type="datetimeFigureOut">
               <a:rPr lang="en-US" smtClean="0"/>
-              <a:t>1/8/26</a:t>
+              <a:t>1/9/26</a:t>
             </a:fld>
             <a:endParaRPr lang="en-US"/>
           </a:p>
@@ -2736,7 +2736,7 @@
           <a:p>
             <a:fld id="{70AC578A-F481-8B4F-AC68-5322D79242CE}" type="datetimeFigureOut">
               <a:rPr lang="en-US" smtClean="0"/>
-              <a:t>1/8/26</a:t>
+              <a:t>1/9/26</a:t>
             </a:fld>
             <a:endParaRPr lang="en-US"/>
           </a:p>
@@ -2979,7 +2979,7 @@
           <a:p>
             <a:fld id="{70AC578A-F481-8B4F-AC68-5322D79242CE}" type="datetimeFigureOut">
               <a:rPr lang="en-US" smtClean="0"/>
-              <a:t>1/8/26</a:t>
+              <a:t>1/9/26</a:t>
             </a:fld>
             <a:endParaRPr lang="en-US"/>
           </a:p>
@@ -13170,7 +13170,7 @@
         </p:nvSpPr>
         <p:spPr/>
         <p:txBody>
-          <a:bodyPr/>
+          <a:bodyPr numCol="2"/>
           <a:lstStyle/>
           <a:p>
             <a:r>
@@ -13199,12 +13199,45 @@
           <a:p>
             <a:r>
               <a:rPr lang="en-US" dirty="0"/>
-              <a:t>Fetching </a:t>
-            </a:r>
+              <a:t>Fetching All Product</a:t>
+            </a:r>
+          </a:p>
+          <a:p>
+            <a:r>
+              <a:rPr lang="en-US" dirty="0"/>
+              <a:t>Fetching a Single Product</a:t>
+            </a:r>
+          </a:p>
+          <a:p>
+            <a:r>
+              <a:rPr lang="en-US" dirty="0"/>
+              <a:t>Updating Products</a:t>
+            </a:r>
+          </a:p>
+          <a:p>
+            <a:r>
+              <a:rPr lang="en-US" dirty="0"/>
+              <a:t>Deleting Products</a:t>
+            </a:r>
+          </a:p>
+          <a:p>
+            <a:r>
+              <a:rPr lang="en-US" dirty="0"/>
+              <a:t>Adding and Using a User Model</a:t>
+            </a:r>
+          </a:p>
+          <a:p>
+            <a:r>
+              <a:rPr lang="en-US" dirty="0"/>
+              <a:t>Using Relations in Mongoose</a:t>
+            </a:r>
+          </a:p>
+          <a:p>
             <a:r>
               <a:rPr lang="en-US"/>
-              <a:t>All Product</a:t>
-            </a:r>
+              <a:t>Fetching Relation</a:t>
+            </a:r>
+            <a:endParaRPr lang="en-US" dirty="0"/>
           </a:p>
         </p:txBody>
       </p:sp>

--- a/Node/node.pptx
+++ b/Node/node.pptx
@@ -55,6 +55,8 @@
     <p:sldId id="303" r:id="rId49"/>
     <p:sldId id="304" r:id="rId50"/>
     <p:sldId id="305" r:id="rId51"/>
+    <p:sldId id="306" r:id="rId52"/>
+    <p:sldId id="307" r:id="rId53"/>
   </p:sldIdLst>
   <p:sldSz cx="12192000" cy="6858000"/>
   <p:notesSz cx="6858000" cy="9144000"/>
@@ -310,7 +312,7 @@
           <a:p>
             <a:fld id="{70AC578A-F481-8B4F-AC68-5322D79242CE}" type="datetimeFigureOut">
               <a:rPr lang="en-US" smtClean="0"/>
-              <a:t>1/9/26</a:t>
+              <a:t>1/13/26</a:t>
             </a:fld>
             <a:endParaRPr lang="en-US"/>
           </a:p>
@@ -510,7 +512,7 @@
           <a:p>
             <a:fld id="{70AC578A-F481-8B4F-AC68-5322D79242CE}" type="datetimeFigureOut">
               <a:rPr lang="en-US" smtClean="0"/>
-              <a:t>1/9/26</a:t>
+              <a:t>1/13/26</a:t>
             </a:fld>
             <a:endParaRPr lang="en-US"/>
           </a:p>
@@ -720,7 +722,7 @@
           <a:p>
             <a:fld id="{70AC578A-F481-8B4F-AC68-5322D79242CE}" type="datetimeFigureOut">
               <a:rPr lang="en-US" smtClean="0"/>
-              <a:t>1/9/26</a:t>
+              <a:t>1/13/26</a:t>
             </a:fld>
             <a:endParaRPr lang="en-US"/>
           </a:p>
@@ -920,7 +922,7 @@
           <a:p>
             <a:fld id="{70AC578A-F481-8B4F-AC68-5322D79242CE}" type="datetimeFigureOut">
               <a:rPr lang="en-US" smtClean="0"/>
-              <a:t>1/9/26</a:t>
+              <a:t>1/13/26</a:t>
             </a:fld>
             <a:endParaRPr lang="en-US"/>
           </a:p>
@@ -1196,7 +1198,7 @@
           <a:p>
             <a:fld id="{70AC578A-F481-8B4F-AC68-5322D79242CE}" type="datetimeFigureOut">
               <a:rPr lang="en-US" smtClean="0"/>
-              <a:t>1/9/26</a:t>
+              <a:t>1/13/26</a:t>
             </a:fld>
             <a:endParaRPr lang="en-US"/>
           </a:p>
@@ -1464,7 +1466,7 @@
           <a:p>
             <a:fld id="{70AC578A-F481-8B4F-AC68-5322D79242CE}" type="datetimeFigureOut">
               <a:rPr lang="en-US" smtClean="0"/>
-              <a:t>1/9/26</a:t>
+              <a:t>1/13/26</a:t>
             </a:fld>
             <a:endParaRPr lang="en-US"/>
           </a:p>
@@ -1879,7 +1881,7 @@
           <a:p>
             <a:fld id="{70AC578A-F481-8B4F-AC68-5322D79242CE}" type="datetimeFigureOut">
               <a:rPr lang="en-US" smtClean="0"/>
-              <a:t>1/9/26</a:t>
+              <a:t>1/13/26</a:t>
             </a:fld>
             <a:endParaRPr lang="en-US"/>
           </a:p>
@@ -2021,7 +2023,7 @@
           <a:p>
             <a:fld id="{70AC578A-F481-8B4F-AC68-5322D79242CE}" type="datetimeFigureOut">
               <a:rPr lang="en-US" smtClean="0"/>
-              <a:t>1/9/26</a:t>
+              <a:t>1/13/26</a:t>
             </a:fld>
             <a:endParaRPr lang="en-US"/>
           </a:p>
@@ -2134,7 +2136,7 @@
           <a:p>
             <a:fld id="{70AC578A-F481-8B4F-AC68-5322D79242CE}" type="datetimeFigureOut">
               <a:rPr lang="en-US" smtClean="0"/>
-              <a:t>1/9/26</a:t>
+              <a:t>1/13/26</a:t>
             </a:fld>
             <a:endParaRPr lang="en-US"/>
           </a:p>
@@ -2447,7 +2449,7 @@
           <a:p>
             <a:fld id="{70AC578A-F481-8B4F-AC68-5322D79242CE}" type="datetimeFigureOut">
               <a:rPr lang="en-US" smtClean="0"/>
-              <a:t>1/9/26</a:t>
+              <a:t>1/13/26</a:t>
             </a:fld>
             <a:endParaRPr lang="en-US"/>
           </a:p>
@@ -2736,7 +2738,7 @@
           <a:p>
             <a:fld id="{70AC578A-F481-8B4F-AC68-5322D79242CE}" type="datetimeFigureOut">
               <a:rPr lang="en-US" smtClean="0"/>
-              <a:t>1/9/26</a:t>
+              <a:t>1/13/26</a:t>
             </a:fld>
             <a:endParaRPr lang="en-US"/>
           </a:p>
@@ -2979,7 +2981,7 @@
           <a:p>
             <a:fld id="{70AC578A-F481-8B4F-AC68-5322D79242CE}" type="datetimeFigureOut">
               <a:rPr lang="en-US" smtClean="0"/>
-              <a:t>1/9/26</a:t>
+              <a:t>1/13/26</a:t>
             </a:fld>
             <a:endParaRPr lang="en-US"/>
           </a:p>
@@ -13170,7 +13172,9 @@
         </p:nvSpPr>
         <p:spPr/>
         <p:txBody>
-          <a:bodyPr numCol="2"/>
+          <a:bodyPr numCol="2">
+            <a:normAutofit fontScale="92500" lnSpcReduction="10000"/>
+          </a:bodyPr>
           <a:lstStyle/>
           <a:p>
             <a:r>
@@ -13234,10 +13238,45 @@
           </a:p>
           <a:p>
             <a:r>
-              <a:rPr lang="en-US"/>
+              <a:rPr lang="en-US" dirty="0"/>
               <a:t>Fetching Relation</a:t>
             </a:r>
-            <a:endParaRPr lang="en-US" dirty="0"/>
+          </a:p>
+          <a:p>
+            <a:r>
+              <a:rPr lang="en-US" dirty="0"/>
+              <a:t>Working on the Shopping Cart</a:t>
+            </a:r>
+          </a:p>
+          <a:p>
+            <a:r>
+              <a:rPr lang="en-US" dirty="0"/>
+              <a:t>Loading the Cart</a:t>
+            </a:r>
+          </a:p>
+          <a:p>
+            <a:r>
+              <a:rPr lang="en-US" dirty="0"/>
+              <a:t>Deleting Cart Items</a:t>
+            </a:r>
+          </a:p>
+          <a:p>
+            <a:r>
+              <a:rPr lang="en-US" dirty="0"/>
+              <a:t>Creating &amp; Getting Orders</a:t>
+            </a:r>
+          </a:p>
+          <a:p>
+            <a:r>
+              <a:rPr lang="en-US" dirty="0"/>
+              <a:t>Storing All order Related Data</a:t>
+            </a:r>
+          </a:p>
+          <a:p>
+            <a:r>
+              <a:rPr lang="en-US" dirty="0"/>
+              <a:t>Clearing the Cart After Storing an Order</a:t>
+            </a:r>
           </a:p>
         </p:txBody>
       </p:sp>
@@ -13245,6 +13284,673 @@
     <p:extLst>
       <p:ext uri="{BB962C8B-B14F-4D97-AF65-F5344CB8AC3E}">
         <p14:creationId xmlns:p14="http://schemas.microsoft.com/office/powerpoint/2010/main" val="3885837714"/>
+      </p:ext>
+    </p:extLst>
+  </p:cSld>
+  <p:clrMapOvr>
+    <a:masterClrMapping/>
+  </p:clrMapOvr>
+</p:sld>
+</file>
+
+<file path=ppt/slides/slide51.xml><?xml version="1.0" encoding="utf-8"?>
+<p:sld xmlns:a="http://schemas.openxmlformats.org/drawingml/2006/main" xmlns:r="http://schemas.openxmlformats.org/officeDocument/2006/relationships" xmlns:p="http://schemas.openxmlformats.org/presentationml/2006/main">
+  <p:cSld>
+    <p:spTree>
+      <p:nvGrpSpPr>
+        <p:cNvPr id="1" name=""/>
+        <p:cNvGrpSpPr/>
+        <p:nvPr/>
+      </p:nvGrpSpPr>
+      <p:grpSpPr>
+        <a:xfrm>
+          <a:off x="0" y="0"/>
+          <a:ext cx="0" cy="0"/>
+          <a:chOff x="0" y="0"/>
+          <a:chExt cx="0" cy="0"/>
+        </a:xfrm>
+      </p:grpSpPr>
+      <p:sp>
+        <p:nvSpPr>
+          <p:cNvPr id="2" name="Title 1">
+            <a:extLst>
+              <a:ext uri="{FF2B5EF4-FFF2-40B4-BE49-F238E27FC236}">
+                <a16:creationId xmlns:a16="http://schemas.microsoft.com/office/drawing/2014/main" id="{6674AC2B-4471-4240-67B7-CB39A5292B86}"/>
+              </a:ext>
+            </a:extLst>
+          </p:cNvPr>
+          <p:cNvSpPr>
+            <a:spLocks noGrp="1"/>
+          </p:cNvSpPr>
+          <p:nvPr>
+            <p:ph type="title"/>
+          </p:nvPr>
+        </p:nvSpPr>
+        <p:spPr/>
+        <p:txBody>
+          <a:bodyPr/>
+          <a:lstStyle/>
+          <a:p>
+            <a:r>
+              <a:rPr lang="en-US" dirty="0"/>
+              <a:t>Session &amp; Cookies</a:t>
+            </a:r>
+          </a:p>
+        </p:txBody>
+      </p:sp>
+      <p:sp>
+        <p:nvSpPr>
+          <p:cNvPr id="3" name="Content Placeholder 2">
+            <a:extLst>
+              <a:ext uri="{FF2B5EF4-FFF2-40B4-BE49-F238E27FC236}">
+                <a16:creationId xmlns:a16="http://schemas.microsoft.com/office/drawing/2014/main" id="{3652B5FB-C848-5DF6-59F9-105903758330}"/>
+              </a:ext>
+            </a:extLst>
+          </p:cNvPr>
+          <p:cNvSpPr>
+            <a:spLocks noGrp="1"/>
+          </p:cNvSpPr>
+          <p:nvPr>
+            <p:ph idx="1"/>
+          </p:nvPr>
+        </p:nvSpPr>
+        <p:spPr/>
+        <p:txBody>
+          <a:bodyPr/>
+          <a:lstStyle/>
+          <a:p>
+            <a:r>
+              <a:rPr lang="en-US" dirty="0"/>
+              <a:t>What are Cookies?</a:t>
+            </a:r>
+          </a:p>
+          <a:p>
+            <a:r>
+              <a:rPr lang="en-US" dirty="0"/>
+              <a:t>What are Sessions?</a:t>
+            </a:r>
+          </a:p>
+          <a:p>
+            <a:r>
+              <a:rPr lang="en-US" dirty="0"/>
+              <a:t>Using Session &amp; Cookies?</a:t>
+            </a:r>
+          </a:p>
+          <a:p>
+            <a:endParaRPr lang="en-US" dirty="0"/>
+          </a:p>
+        </p:txBody>
+      </p:sp>
+    </p:spTree>
+    <p:extLst>
+      <p:ext uri="{BB962C8B-B14F-4D97-AF65-F5344CB8AC3E}">
+        <p14:creationId xmlns:p14="http://schemas.microsoft.com/office/powerpoint/2010/main" val="4229222643"/>
+      </p:ext>
+    </p:extLst>
+  </p:cSld>
+  <p:clrMapOvr>
+    <a:masterClrMapping/>
+  </p:clrMapOvr>
+</p:sld>
+</file>
+
+<file path=ppt/slides/slide52.xml><?xml version="1.0" encoding="utf-8"?>
+<p:sld xmlns:a="http://schemas.openxmlformats.org/drawingml/2006/main" xmlns:r="http://schemas.openxmlformats.org/officeDocument/2006/relationships" xmlns:p="http://schemas.openxmlformats.org/presentationml/2006/main">
+  <p:cSld>
+    <p:spTree>
+      <p:nvGrpSpPr>
+        <p:cNvPr id="1" name=""/>
+        <p:cNvGrpSpPr/>
+        <p:nvPr/>
+      </p:nvGrpSpPr>
+      <p:grpSpPr>
+        <a:xfrm>
+          <a:off x="0" y="0"/>
+          <a:ext cx="0" cy="0"/>
+          <a:chOff x="0" y="0"/>
+          <a:chExt cx="0" cy="0"/>
+        </a:xfrm>
+      </p:grpSpPr>
+      <p:sp>
+        <p:nvSpPr>
+          <p:cNvPr id="2" name="Title 1">
+            <a:extLst>
+              <a:ext uri="{FF2B5EF4-FFF2-40B4-BE49-F238E27FC236}">
+                <a16:creationId xmlns:a16="http://schemas.microsoft.com/office/drawing/2014/main" id="{BA4E3E25-4C5B-3C05-800F-25AC51FF8904}"/>
+              </a:ext>
+            </a:extLst>
+          </p:cNvPr>
+          <p:cNvSpPr>
+            <a:spLocks noGrp="1"/>
+          </p:cNvSpPr>
+          <p:nvPr>
+            <p:ph type="title"/>
+          </p:nvPr>
+        </p:nvSpPr>
+        <p:spPr/>
+        <p:txBody>
+          <a:bodyPr/>
+          <a:lstStyle/>
+          <a:p>
+            <a:r>
+              <a:rPr lang="en-US" dirty="0"/>
+              <a:t>Cookie</a:t>
+            </a:r>
+          </a:p>
+        </p:txBody>
+      </p:sp>
+      <p:sp>
+        <p:nvSpPr>
+          <p:cNvPr id="4" name="Rectangle 3">
+            <a:extLst>
+              <a:ext uri="{FF2B5EF4-FFF2-40B4-BE49-F238E27FC236}">
+                <a16:creationId xmlns:a16="http://schemas.microsoft.com/office/drawing/2014/main" id="{2E2D8F22-3D28-2DF0-6531-67F0A1ED59F4}"/>
+              </a:ext>
+            </a:extLst>
+          </p:cNvPr>
+          <p:cNvSpPr/>
+          <p:nvPr/>
+        </p:nvSpPr>
+        <p:spPr>
+          <a:xfrm>
+            <a:off x="4321629" y="587829"/>
+            <a:ext cx="2296885" cy="718457"/>
+          </a:xfrm>
+          <a:prstGeom prst="rect">
+            <a:avLst/>
+          </a:prstGeom>
+        </p:spPr>
+        <p:style>
+          <a:lnRef idx="2">
+            <a:schemeClr val="accent1">
+              <a:shade val="15000"/>
+            </a:schemeClr>
+          </a:lnRef>
+          <a:fillRef idx="1">
+            <a:schemeClr val="accent1"/>
+          </a:fillRef>
+          <a:effectRef idx="0">
+            <a:schemeClr val="accent1"/>
+          </a:effectRef>
+          <a:fontRef idx="minor">
+            <a:schemeClr val="lt1"/>
+          </a:fontRef>
+        </p:style>
+        <p:txBody>
+          <a:bodyPr rtlCol="0" anchor="ctr"/>
+          <a:lstStyle/>
+          <a:p>
+            <a:pPr algn="ctr"/>
+            <a:r>
+              <a:rPr lang="en-US" dirty="0"/>
+              <a:t>User</a:t>
+            </a:r>
+          </a:p>
+        </p:txBody>
+      </p:sp>
+      <p:sp>
+        <p:nvSpPr>
+          <p:cNvPr id="5" name="Rectangle 4">
+            <a:extLst>
+              <a:ext uri="{FF2B5EF4-FFF2-40B4-BE49-F238E27FC236}">
+                <a16:creationId xmlns:a16="http://schemas.microsoft.com/office/drawing/2014/main" id="{80EB21F2-5781-4C72-F4E6-8B4CC2C24332}"/>
+              </a:ext>
+            </a:extLst>
+          </p:cNvPr>
+          <p:cNvSpPr/>
+          <p:nvPr/>
+        </p:nvSpPr>
+        <p:spPr>
+          <a:xfrm>
+            <a:off x="4321627" y="2118802"/>
+            <a:ext cx="2296885" cy="718457"/>
+          </a:xfrm>
+          <a:prstGeom prst="rect">
+            <a:avLst/>
+          </a:prstGeom>
+        </p:spPr>
+        <p:style>
+          <a:lnRef idx="2">
+            <a:schemeClr val="accent1">
+              <a:shade val="15000"/>
+            </a:schemeClr>
+          </a:lnRef>
+          <a:fillRef idx="1">
+            <a:schemeClr val="accent1"/>
+          </a:fillRef>
+          <a:effectRef idx="0">
+            <a:schemeClr val="accent1"/>
+          </a:effectRef>
+          <a:fontRef idx="minor">
+            <a:schemeClr val="lt1"/>
+          </a:fontRef>
+        </p:style>
+        <p:txBody>
+          <a:bodyPr rtlCol="0" anchor="ctr"/>
+          <a:lstStyle/>
+          <a:p>
+            <a:pPr algn="ctr"/>
+            <a:r>
+              <a:rPr lang="en-US" dirty="0" err="1"/>
+              <a:t>FrontEnd</a:t>
+            </a:r>
+            <a:r>
+              <a:rPr lang="en-US" dirty="0"/>
+              <a:t> (Views)</a:t>
+            </a:r>
+          </a:p>
+        </p:txBody>
+      </p:sp>
+      <p:sp>
+        <p:nvSpPr>
+          <p:cNvPr id="6" name="Rectangle 5">
+            <a:extLst>
+              <a:ext uri="{FF2B5EF4-FFF2-40B4-BE49-F238E27FC236}">
+                <a16:creationId xmlns:a16="http://schemas.microsoft.com/office/drawing/2014/main" id="{D12B8DDE-5664-1C35-2B07-AA629C105147}"/>
+              </a:ext>
+            </a:extLst>
+          </p:cNvPr>
+          <p:cNvSpPr/>
+          <p:nvPr/>
+        </p:nvSpPr>
+        <p:spPr>
+          <a:xfrm>
+            <a:off x="4321628" y="3983832"/>
+            <a:ext cx="2296885" cy="718457"/>
+          </a:xfrm>
+          <a:prstGeom prst="rect">
+            <a:avLst/>
+          </a:prstGeom>
+        </p:spPr>
+        <p:style>
+          <a:lnRef idx="2">
+            <a:schemeClr val="accent1">
+              <a:shade val="15000"/>
+            </a:schemeClr>
+          </a:lnRef>
+          <a:fillRef idx="1">
+            <a:schemeClr val="accent1"/>
+          </a:fillRef>
+          <a:effectRef idx="0">
+            <a:schemeClr val="accent1"/>
+          </a:effectRef>
+          <a:fontRef idx="minor">
+            <a:schemeClr val="lt1"/>
+          </a:fontRef>
+        </p:style>
+        <p:txBody>
+          <a:bodyPr rtlCol="0" anchor="ctr"/>
+          <a:lstStyle/>
+          <a:p>
+            <a:pPr algn="ctr"/>
+            <a:r>
+              <a:rPr lang="en-US" dirty="0"/>
+              <a:t>Server (Node App)</a:t>
+            </a:r>
+          </a:p>
+        </p:txBody>
+      </p:sp>
+      <p:cxnSp>
+        <p:nvCxnSpPr>
+          <p:cNvPr id="8" name="Elbow Connector 7">
+            <a:extLst>
+              <a:ext uri="{FF2B5EF4-FFF2-40B4-BE49-F238E27FC236}">
+                <a16:creationId xmlns:a16="http://schemas.microsoft.com/office/drawing/2014/main" id="{57F5E0A9-F9E4-0391-ED80-668D3F35542E}"/>
+              </a:ext>
+            </a:extLst>
+          </p:cNvPr>
+          <p:cNvCxnSpPr>
+            <a:stCxn id="4" idx="2"/>
+            <a:endCxn id="5" idx="0"/>
+          </p:cNvCxnSpPr>
+          <p:nvPr/>
+        </p:nvCxnSpPr>
+        <p:spPr>
+          <a:xfrm rot="5400000">
+            <a:off x="5063813" y="1712543"/>
+            <a:ext cx="812516" cy="2"/>
+          </a:xfrm>
+          <a:prstGeom prst="bentConnector3">
+            <a:avLst/>
+          </a:prstGeom>
+          <a:ln>
+            <a:tailEnd type="triangle"/>
+          </a:ln>
+        </p:spPr>
+        <p:style>
+          <a:lnRef idx="2">
+            <a:schemeClr val="accent1"/>
+          </a:lnRef>
+          <a:fillRef idx="0">
+            <a:schemeClr val="accent1"/>
+          </a:fillRef>
+          <a:effectRef idx="1">
+            <a:schemeClr val="accent1"/>
+          </a:effectRef>
+          <a:fontRef idx="minor">
+            <a:schemeClr val="tx1"/>
+          </a:fontRef>
+        </p:style>
+      </p:cxnSp>
+      <p:cxnSp>
+        <p:nvCxnSpPr>
+          <p:cNvPr id="11" name="Elbow Connector 10">
+            <a:extLst>
+              <a:ext uri="{FF2B5EF4-FFF2-40B4-BE49-F238E27FC236}">
+                <a16:creationId xmlns:a16="http://schemas.microsoft.com/office/drawing/2014/main" id="{FC79F0BA-A461-9077-349D-5EF33483108E}"/>
+              </a:ext>
+            </a:extLst>
+          </p:cNvPr>
+          <p:cNvCxnSpPr>
+            <a:stCxn id="5" idx="2"/>
+            <a:endCxn id="6" idx="0"/>
+          </p:cNvCxnSpPr>
+          <p:nvPr/>
+        </p:nvCxnSpPr>
+        <p:spPr>
+          <a:xfrm rot="16200000" flipH="1">
+            <a:off x="4896784" y="3410544"/>
+            <a:ext cx="1146573" cy="1"/>
+          </a:xfrm>
+          <a:prstGeom prst="bentConnector3">
+            <a:avLst/>
+          </a:prstGeom>
+          <a:ln>
+            <a:tailEnd type="triangle"/>
+          </a:ln>
+        </p:spPr>
+        <p:style>
+          <a:lnRef idx="2">
+            <a:schemeClr val="accent1"/>
+          </a:lnRef>
+          <a:fillRef idx="0">
+            <a:schemeClr val="accent1"/>
+          </a:fillRef>
+          <a:effectRef idx="1">
+            <a:schemeClr val="accent1"/>
+          </a:effectRef>
+          <a:fontRef idx="minor">
+            <a:schemeClr val="tx1"/>
+          </a:fontRef>
+        </p:style>
+      </p:cxnSp>
+      <p:sp>
+        <p:nvSpPr>
+          <p:cNvPr id="12" name="TextBox 11">
+            <a:extLst>
+              <a:ext uri="{FF2B5EF4-FFF2-40B4-BE49-F238E27FC236}">
+                <a16:creationId xmlns:a16="http://schemas.microsoft.com/office/drawing/2014/main" id="{0B3B3F8F-1DC7-7F09-DCDC-93E972CE97D5}"/>
+              </a:ext>
+            </a:extLst>
+          </p:cNvPr>
+          <p:cNvSpPr txBox="1"/>
+          <p:nvPr/>
+        </p:nvSpPr>
+        <p:spPr>
+          <a:xfrm>
+            <a:off x="3766457" y="3429000"/>
+            <a:ext cx="1012072" cy="369332"/>
+          </a:xfrm>
+          <a:prstGeom prst="rect">
+            <a:avLst/>
+          </a:prstGeom>
+          <a:noFill/>
+        </p:spPr>
+        <p:txBody>
+          <a:bodyPr wrap="none" rtlCol="0">
+            <a:spAutoFit/>
+          </a:bodyPr>
+          <a:lstStyle/>
+          <a:p>
+            <a:r>
+              <a:rPr lang="en-US" dirty="0"/>
+              <a:t>Request</a:t>
+            </a:r>
+          </a:p>
+        </p:txBody>
+      </p:sp>
+      <p:sp>
+        <p:nvSpPr>
+          <p:cNvPr id="13" name="TextBox 12">
+            <a:extLst>
+              <a:ext uri="{FF2B5EF4-FFF2-40B4-BE49-F238E27FC236}">
+                <a16:creationId xmlns:a16="http://schemas.microsoft.com/office/drawing/2014/main" id="{717F510B-C385-636E-C6C0-5D8662672145}"/>
+              </a:ext>
+            </a:extLst>
+          </p:cNvPr>
+          <p:cNvSpPr txBox="1"/>
+          <p:nvPr/>
+        </p:nvSpPr>
+        <p:spPr>
+          <a:xfrm>
+            <a:off x="5834742" y="3429000"/>
+            <a:ext cx="1904689" cy="369332"/>
+          </a:xfrm>
+          <a:prstGeom prst="rect">
+            <a:avLst/>
+          </a:prstGeom>
+          <a:noFill/>
+        </p:spPr>
+        <p:txBody>
+          <a:bodyPr wrap="none" rtlCol="0">
+            <a:spAutoFit/>
+          </a:bodyPr>
+          <a:lstStyle/>
+          <a:p>
+            <a:r>
+              <a:rPr lang="en-US" dirty="0"/>
+              <a:t>Includes Cookies</a:t>
+            </a:r>
+          </a:p>
+        </p:txBody>
+      </p:sp>
+      <p:sp>
+        <p:nvSpPr>
+          <p:cNvPr id="14" name="Rectangle 13">
+            <a:extLst>
+              <a:ext uri="{FF2B5EF4-FFF2-40B4-BE49-F238E27FC236}">
+                <a16:creationId xmlns:a16="http://schemas.microsoft.com/office/drawing/2014/main" id="{28B0F118-B727-12F3-B7E8-DFA3E4D8060C}"/>
+              </a:ext>
+            </a:extLst>
+          </p:cNvPr>
+          <p:cNvSpPr/>
+          <p:nvPr/>
+        </p:nvSpPr>
+        <p:spPr>
+          <a:xfrm>
+            <a:off x="8077199" y="2189390"/>
+            <a:ext cx="2296885" cy="718457"/>
+          </a:xfrm>
+          <a:prstGeom prst="rect">
+            <a:avLst/>
+          </a:prstGeom>
+        </p:spPr>
+        <p:style>
+          <a:lnRef idx="2">
+            <a:schemeClr val="accent1">
+              <a:shade val="15000"/>
+            </a:schemeClr>
+          </a:lnRef>
+          <a:fillRef idx="1">
+            <a:schemeClr val="accent1"/>
+          </a:fillRef>
+          <a:effectRef idx="0">
+            <a:schemeClr val="accent1"/>
+          </a:effectRef>
+          <a:fontRef idx="minor">
+            <a:schemeClr val="lt1"/>
+          </a:fontRef>
+        </p:style>
+        <p:txBody>
+          <a:bodyPr rtlCol="0" anchor="ctr"/>
+          <a:lstStyle/>
+          <a:p>
+            <a:pPr algn="ctr"/>
+            <a:r>
+              <a:rPr lang="en-US" dirty="0"/>
+              <a:t>Cookie</a:t>
+            </a:r>
+          </a:p>
+        </p:txBody>
+      </p:sp>
+      <p:cxnSp>
+        <p:nvCxnSpPr>
+          <p:cNvPr id="16" name="Elbow Connector 15">
+            <a:extLst>
+              <a:ext uri="{FF2B5EF4-FFF2-40B4-BE49-F238E27FC236}">
+                <a16:creationId xmlns:a16="http://schemas.microsoft.com/office/drawing/2014/main" id="{1DE11782-A359-2D5A-103E-BA61AC9997A4}"/>
+              </a:ext>
+            </a:extLst>
+          </p:cNvPr>
+          <p:cNvCxnSpPr>
+            <a:stCxn id="5" idx="3"/>
+            <a:endCxn id="14" idx="1"/>
+          </p:cNvCxnSpPr>
+          <p:nvPr/>
+        </p:nvCxnSpPr>
+        <p:spPr>
+          <a:xfrm>
+            <a:off x="6618512" y="2478031"/>
+            <a:ext cx="1458687" cy="70588"/>
+          </a:xfrm>
+          <a:prstGeom prst="bentConnector3">
+            <a:avLst/>
+          </a:prstGeom>
+          <a:ln>
+            <a:tailEnd type="triangle"/>
+          </a:ln>
+        </p:spPr>
+        <p:style>
+          <a:lnRef idx="2">
+            <a:schemeClr val="accent1"/>
+          </a:lnRef>
+          <a:fillRef idx="0">
+            <a:schemeClr val="accent1"/>
+          </a:fillRef>
+          <a:effectRef idx="1">
+            <a:schemeClr val="accent1"/>
+          </a:effectRef>
+          <a:fontRef idx="minor">
+            <a:schemeClr val="tx1"/>
+          </a:fontRef>
+        </p:style>
+      </p:cxnSp>
+      <p:cxnSp>
+        <p:nvCxnSpPr>
+          <p:cNvPr id="18" name="Elbow Connector 17">
+            <a:extLst>
+              <a:ext uri="{FF2B5EF4-FFF2-40B4-BE49-F238E27FC236}">
+                <a16:creationId xmlns:a16="http://schemas.microsoft.com/office/drawing/2014/main" id="{45B555A0-2745-B513-08FD-CCDEF49FF496}"/>
+              </a:ext>
+            </a:extLst>
+          </p:cNvPr>
+          <p:cNvCxnSpPr>
+            <a:stCxn id="6" idx="3"/>
+            <a:endCxn id="14" idx="2"/>
+          </p:cNvCxnSpPr>
+          <p:nvPr/>
+        </p:nvCxnSpPr>
+        <p:spPr>
+          <a:xfrm flipV="1">
+            <a:off x="6618513" y="2907847"/>
+            <a:ext cx="2607129" cy="1435214"/>
+          </a:xfrm>
+          <a:prstGeom prst="bentConnector2">
+            <a:avLst/>
+          </a:prstGeom>
+          <a:ln>
+            <a:tailEnd type="triangle"/>
+          </a:ln>
+        </p:spPr>
+        <p:style>
+          <a:lnRef idx="2">
+            <a:schemeClr val="accent1"/>
+          </a:lnRef>
+          <a:fillRef idx="0">
+            <a:schemeClr val="accent1"/>
+          </a:fillRef>
+          <a:effectRef idx="1">
+            <a:schemeClr val="accent1"/>
+          </a:effectRef>
+          <a:fontRef idx="minor">
+            <a:schemeClr val="tx1"/>
+          </a:fontRef>
+        </p:style>
+      </p:cxnSp>
+      <p:sp>
+        <p:nvSpPr>
+          <p:cNvPr id="19" name="TextBox 18">
+            <a:extLst>
+              <a:ext uri="{FF2B5EF4-FFF2-40B4-BE49-F238E27FC236}">
+                <a16:creationId xmlns:a16="http://schemas.microsoft.com/office/drawing/2014/main" id="{EB334225-E1E6-0A62-4E79-1975397BECDC}"/>
+              </a:ext>
+            </a:extLst>
+          </p:cNvPr>
+          <p:cNvSpPr txBox="1"/>
+          <p:nvPr/>
+        </p:nvSpPr>
+        <p:spPr>
+          <a:xfrm>
+            <a:off x="7478482" y="4332957"/>
+            <a:ext cx="1959191" cy="369332"/>
+          </a:xfrm>
+          <a:prstGeom prst="rect">
+            <a:avLst/>
+          </a:prstGeom>
+          <a:noFill/>
+        </p:spPr>
+        <p:txBody>
+          <a:bodyPr wrap="none" rtlCol="0">
+            <a:spAutoFit/>
+          </a:bodyPr>
+          <a:lstStyle/>
+          <a:p>
+            <a:r>
+              <a:rPr lang="en-US" dirty="0"/>
+              <a:t>Response Header</a:t>
+            </a:r>
+          </a:p>
+        </p:txBody>
+      </p:sp>
+      <p:sp>
+        <p:nvSpPr>
+          <p:cNvPr id="20" name="TextBox 19">
+            <a:extLst>
+              <a:ext uri="{FF2B5EF4-FFF2-40B4-BE49-F238E27FC236}">
+                <a16:creationId xmlns:a16="http://schemas.microsoft.com/office/drawing/2014/main" id="{04E03EBB-6D09-3173-EF98-AC92000AEA47}"/>
+              </a:ext>
+            </a:extLst>
+          </p:cNvPr>
+          <p:cNvSpPr txBox="1"/>
+          <p:nvPr/>
+        </p:nvSpPr>
+        <p:spPr>
+          <a:xfrm>
+            <a:off x="8088083" y="1433054"/>
+            <a:ext cx="2928260" cy="646331"/>
+          </a:xfrm>
+          <a:prstGeom prst="rect">
+            <a:avLst/>
+          </a:prstGeom>
+          <a:noFill/>
+        </p:spPr>
+        <p:txBody>
+          <a:bodyPr wrap="square" rtlCol="0">
+            <a:spAutoFit/>
+          </a:bodyPr>
+          <a:lstStyle/>
+          <a:p>
+            <a:r>
+              <a:rPr lang="en-US" dirty="0"/>
+              <a:t>Cookies are stored on the client-side</a:t>
+            </a:r>
+          </a:p>
+        </p:txBody>
+      </p:sp>
+    </p:spTree>
+    <p:extLst>
+      <p:ext uri="{BB962C8B-B14F-4D97-AF65-F5344CB8AC3E}">
+        <p14:creationId xmlns:p14="http://schemas.microsoft.com/office/powerpoint/2010/main" val="4194185660"/>
       </p:ext>
     </p:extLst>
   </p:cSld>

--- a/Node/node.pptx
+++ b/Node/node.pptx
@@ -57,6 +57,8 @@
     <p:sldId id="305" r:id="rId51"/>
     <p:sldId id="306" r:id="rId52"/>
     <p:sldId id="307" r:id="rId53"/>
+    <p:sldId id="308" r:id="rId54"/>
+    <p:sldId id="309" r:id="rId55"/>
   </p:sldIdLst>
   <p:sldSz cx="12192000" cy="6858000"/>
   <p:notesSz cx="6858000" cy="9144000"/>
@@ -312,7 +314,7 @@
           <a:p>
             <a:fld id="{70AC578A-F481-8B4F-AC68-5322D79242CE}" type="datetimeFigureOut">
               <a:rPr lang="en-US" smtClean="0"/>
-              <a:t>1/13/26</a:t>
+              <a:t>1/16/26</a:t>
             </a:fld>
             <a:endParaRPr lang="en-US"/>
           </a:p>
@@ -512,7 +514,7 @@
           <a:p>
             <a:fld id="{70AC578A-F481-8B4F-AC68-5322D79242CE}" type="datetimeFigureOut">
               <a:rPr lang="en-US" smtClean="0"/>
-              <a:t>1/13/26</a:t>
+              <a:t>1/16/26</a:t>
             </a:fld>
             <a:endParaRPr lang="en-US"/>
           </a:p>
@@ -722,7 +724,7 @@
           <a:p>
             <a:fld id="{70AC578A-F481-8B4F-AC68-5322D79242CE}" type="datetimeFigureOut">
               <a:rPr lang="en-US" smtClean="0"/>
-              <a:t>1/13/26</a:t>
+              <a:t>1/16/26</a:t>
             </a:fld>
             <a:endParaRPr lang="en-US"/>
           </a:p>
@@ -922,7 +924,7 @@
           <a:p>
             <a:fld id="{70AC578A-F481-8B4F-AC68-5322D79242CE}" type="datetimeFigureOut">
               <a:rPr lang="en-US" smtClean="0"/>
-              <a:t>1/13/26</a:t>
+              <a:t>1/16/26</a:t>
             </a:fld>
             <a:endParaRPr lang="en-US"/>
           </a:p>
@@ -1198,7 +1200,7 @@
           <a:p>
             <a:fld id="{70AC578A-F481-8B4F-AC68-5322D79242CE}" type="datetimeFigureOut">
               <a:rPr lang="en-US" smtClean="0"/>
-              <a:t>1/13/26</a:t>
+              <a:t>1/16/26</a:t>
             </a:fld>
             <a:endParaRPr lang="en-US"/>
           </a:p>
@@ -1466,7 +1468,7 @@
           <a:p>
             <a:fld id="{70AC578A-F481-8B4F-AC68-5322D79242CE}" type="datetimeFigureOut">
               <a:rPr lang="en-US" smtClean="0"/>
-              <a:t>1/13/26</a:t>
+              <a:t>1/16/26</a:t>
             </a:fld>
             <a:endParaRPr lang="en-US"/>
           </a:p>
@@ -1881,7 +1883,7 @@
           <a:p>
             <a:fld id="{70AC578A-F481-8B4F-AC68-5322D79242CE}" type="datetimeFigureOut">
               <a:rPr lang="en-US" smtClean="0"/>
-              <a:t>1/13/26</a:t>
+              <a:t>1/16/26</a:t>
             </a:fld>
             <a:endParaRPr lang="en-US"/>
           </a:p>
@@ -2023,7 +2025,7 @@
           <a:p>
             <a:fld id="{70AC578A-F481-8B4F-AC68-5322D79242CE}" type="datetimeFigureOut">
               <a:rPr lang="en-US" smtClean="0"/>
-              <a:t>1/13/26</a:t>
+              <a:t>1/16/26</a:t>
             </a:fld>
             <a:endParaRPr lang="en-US"/>
           </a:p>
@@ -2136,7 +2138,7 @@
           <a:p>
             <a:fld id="{70AC578A-F481-8B4F-AC68-5322D79242CE}" type="datetimeFigureOut">
               <a:rPr lang="en-US" smtClean="0"/>
-              <a:t>1/13/26</a:t>
+              <a:t>1/16/26</a:t>
             </a:fld>
             <a:endParaRPr lang="en-US"/>
           </a:p>
@@ -2449,7 +2451,7 @@
           <a:p>
             <a:fld id="{70AC578A-F481-8B4F-AC68-5322D79242CE}" type="datetimeFigureOut">
               <a:rPr lang="en-US" smtClean="0"/>
-              <a:t>1/13/26</a:t>
+              <a:t>1/16/26</a:t>
             </a:fld>
             <a:endParaRPr lang="en-US"/>
           </a:p>
@@ -2738,7 +2740,7 @@
           <a:p>
             <a:fld id="{70AC578A-F481-8B4F-AC68-5322D79242CE}" type="datetimeFigureOut">
               <a:rPr lang="en-US" smtClean="0"/>
-              <a:t>1/13/26</a:t>
+              <a:t>1/16/26</a:t>
             </a:fld>
             <a:endParaRPr lang="en-US"/>
           </a:p>
@@ -2981,7 +2983,7 @@
           <a:p>
             <a:fld id="{70AC578A-F481-8B4F-AC68-5322D79242CE}" type="datetimeFigureOut">
               <a:rPr lang="en-US" smtClean="0"/>
-              <a:t>1/13/26</a:t>
+              <a:t>1/16/26</a:t>
             </a:fld>
             <a:endParaRPr lang="en-US"/>
           </a:p>
@@ -13960,6 +13962,855 @@
 </p:sld>
 </file>
 
+<file path=ppt/slides/slide53.xml><?xml version="1.0" encoding="utf-8"?>
+<p:sld xmlns:a="http://schemas.openxmlformats.org/drawingml/2006/main" xmlns:r="http://schemas.openxmlformats.org/officeDocument/2006/relationships" xmlns:p="http://schemas.openxmlformats.org/presentationml/2006/main">
+  <p:cSld>
+    <p:spTree>
+      <p:nvGrpSpPr>
+        <p:cNvPr id="1" name=""/>
+        <p:cNvGrpSpPr/>
+        <p:nvPr/>
+      </p:nvGrpSpPr>
+      <p:grpSpPr>
+        <a:xfrm>
+          <a:off x="0" y="0"/>
+          <a:ext cx="0" cy="0"/>
+          <a:chOff x="0" y="0"/>
+          <a:chExt cx="0" cy="0"/>
+        </a:xfrm>
+      </p:grpSpPr>
+      <p:sp>
+        <p:nvSpPr>
+          <p:cNvPr id="2" name="Title 1">
+            <a:extLst>
+              <a:ext uri="{FF2B5EF4-FFF2-40B4-BE49-F238E27FC236}">
+                <a16:creationId xmlns:a16="http://schemas.microsoft.com/office/drawing/2014/main" id="{80FE4E20-6891-DC39-BD77-5422A3D0A10F}"/>
+              </a:ext>
+            </a:extLst>
+          </p:cNvPr>
+          <p:cNvSpPr>
+            <a:spLocks noGrp="1"/>
+          </p:cNvSpPr>
+          <p:nvPr>
+            <p:ph type="title"/>
+          </p:nvPr>
+        </p:nvSpPr>
+        <p:spPr/>
+        <p:txBody>
+          <a:bodyPr/>
+          <a:lstStyle/>
+          <a:p>
+            <a:endParaRPr lang="en-US"/>
+          </a:p>
+        </p:txBody>
+      </p:sp>
+      <p:sp>
+        <p:nvSpPr>
+          <p:cNvPr id="3" name="Content Placeholder 2">
+            <a:extLst>
+              <a:ext uri="{FF2B5EF4-FFF2-40B4-BE49-F238E27FC236}">
+                <a16:creationId xmlns:a16="http://schemas.microsoft.com/office/drawing/2014/main" id="{1C2C4F1D-B57E-5088-3954-51790BD70817}"/>
+              </a:ext>
+            </a:extLst>
+          </p:cNvPr>
+          <p:cNvSpPr>
+            <a:spLocks noGrp="1"/>
+          </p:cNvSpPr>
+          <p:nvPr>
+            <p:ph idx="1"/>
+          </p:nvPr>
+        </p:nvSpPr>
+        <p:spPr/>
+        <p:txBody>
+          <a:bodyPr/>
+          <a:lstStyle/>
+          <a:p>
+            <a:r>
+              <a:rPr lang="en-US" dirty="0"/>
+              <a:t>Adding the Request Driven Login Solution</a:t>
+            </a:r>
+          </a:p>
+          <a:p>
+            <a:r>
+              <a:rPr lang="en-US" dirty="0"/>
+              <a:t>Setting a Cookie</a:t>
+            </a:r>
+          </a:p>
+          <a:p>
+            <a:r>
+              <a:rPr lang="en-US" dirty="0"/>
+              <a:t>Manipulating Cookies</a:t>
+            </a:r>
+          </a:p>
+          <a:p>
+            <a:r>
+              <a:rPr lang="en-US" dirty="0"/>
+              <a:t>Configuring Cookies</a:t>
+            </a:r>
+          </a:p>
+        </p:txBody>
+      </p:sp>
+    </p:spTree>
+    <p:extLst>
+      <p:ext uri="{BB962C8B-B14F-4D97-AF65-F5344CB8AC3E}">
+        <p14:creationId xmlns:p14="http://schemas.microsoft.com/office/powerpoint/2010/main" val="2199180253"/>
+      </p:ext>
+    </p:extLst>
+  </p:cSld>
+  <p:clrMapOvr>
+    <a:masterClrMapping/>
+  </p:clrMapOvr>
+</p:sld>
+</file>
+
+<file path=ppt/slides/slide54.xml><?xml version="1.0" encoding="utf-8"?>
+<p:sld xmlns:a="http://schemas.openxmlformats.org/drawingml/2006/main" xmlns:r="http://schemas.openxmlformats.org/officeDocument/2006/relationships" xmlns:p="http://schemas.openxmlformats.org/presentationml/2006/main">
+  <p:cSld>
+    <p:spTree>
+      <p:nvGrpSpPr>
+        <p:cNvPr id="1" name=""/>
+        <p:cNvGrpSpPr/>
+        <p:nvPr/>
+      </p:nvGrpSpPr>
+      <p:grpSpPr>
+        <a:xfrm>
+          <a:off x="0" y="0"/>
+          <a:ext cx="0" cy="0"/>
+          <a:chOff x="0" y="0"/>
+          <a:chExt cx="0" cy="0"/>
+        </a:xfrm>
+      </p:grpSpPr>
+      <p:sp>
+        <p:nvSpPr>
+          <p:cNvPr id="2" name="Title 1">
+            <a:extLst>
+              <a:ext uri="{FF2B5EF4-FFF2-40B4-BE49-F238E27FC236}">
+                <a16:creationId xmlns:a16="http://schemas.microsoft.com/office/drawing/2014/main" id="{2C653857-B8E1-838C-545F-79B5063C9DEB}"/>
+              </a:ext>
+            </a:extLst>
+          </p:cNvPr>
+          <p:cNvSpPr>
+            <a:spLocks noGrp="1"/>
+          </p:cNvSpPr>
+          <p:nvPr>
+            <p:ph type="title"/>
+          </p:nvPr>
+        </p:nvSpPr>
+        <p:spPr/>
+        <p:txBody>
+          <a:bodyPr/>
+          <a:lstStyle/>
+          <a:p>
+            <a:r>
+              <a:rPr lang="en-US" dirty="0"/>
+              <a:t>Session</a:t>
+            </a:r>
+          </a:p>
+        </p:txBody>
+      </p:sp>
+      <p:sp>
+        <p:nvSpPr>
+          <p:cNvPr id="4" name="Rectangle 3">
+            <a:extLst>
+              <a:ext uri="{FF2B5EF4-FFF2-40B4-BE49-F238E27FC236}">
+                <a16:creationId xmlns:a16="http://schemas.microsoft.com/office/drawing/2014/main" id="{2693FDBC-122F-90B3-84FC-C70E316D012B}"/>
+              </a:ext>
+            </a:extLst>
+          </p:cNvPr>
+          <p:cNvSpPr/>
+          <p:nvPr/>
+        </p:nvSpPr>
+        <p:spPr>
+          <a:xfrm>
+            <a:off x="3609248" y="1523494"/>
+            <a:ext cx="2296885" cy="718457"/>
+          </a:xfrm>
+          <a:prstGeom prst="rect">
+            <a:avLst/>
+          </a:prstGeom>
+        </p:spPr>
+        <p:style>
+          <a:lnRef idx="2">
+            <a:schemeClr val="accent1">
+              <a:shade val="15000"/>
+            </a:schemeClr>
+          </a:lnRef>
+          <a:fillRef idx="1">
+            <a:schemeClr val="accent1"/>
+          </a:fillRef>
+          <a:effectRef idx="0">
+            <a:schemeClr val="accent1"/>
+          </a:effectRef>
+          <a:fontRef idx="minor">
+            <a:schemeClr val="lt1"/>
+          </a:fontRef>
+        </p:style>
+        <p:txBody>
+          <a:bodyPr rtlCol="0" anchor="ctr"/>
+          <a:lstStyle/>
+          <a:p>
+            <a:pPr algn="ctr"/>
+            <a:r>
+              <a:rPr lang="en-US" b="1" dirty="0"/>
+              <a:t>User</a:t>
+            </a:r>
+          </a:p>
+        </p:txBody>
+      </p:sp>
+      <p:sp>
+        <p:nvSpPr>
+          <p:cNvPr id="5" name="Rectangle 4">
+            <a:extLst>
+              <a:ext uri="{FF2B5EF4-FFF2-40B4-BE49-F238E27FC236}">
+                <a16:creationId xmlns:a16="http://schemas.microsoft.com/office/drawing/2014/main" id="{081D1B07-E0DA-720C-253B-350FEE9217FC}"/>
+              </a:ext>
+            </a:extLst>
+          </p:cNvPr>
+          <p:cNvSpPr/>
+          <p:nvPr/>
+        </p:nvSpPr>
+        <p:spPr>
+          <a:xfrm>
+            <a:off x="3609246" y="3054467"/>
+            <a:ext cx="2296885" cy="718457"/>
+          </a:xfrm>
+          <a:prstGeom prst="rect">
+            <a:avLst/>
+          </a:prstGeom>
+        </p:spPr>
+        <p:style>
+          <a:lnRef idx="2">
+            <a:schemeClr val="accent1">
+              <a:shade val="15000"/>
+            </a:schemeClr>
+          </a:lnRef>
+          <a:fillRef idx="1">
+            <a:schemeClr val="accent1"/>
+          </a:fillRef>
+          <a:effectRef idx="0">
+            <a:schemeClr val="accent1"/>
+          </a:effectRef>
+          <a:fontRef idx="minor">
+            <a:schemeClr val="lt1"/>
+          </a:fontRef>
+        </p:style>
+        <p:txBody>
+          <a:bodyPr rtlCol="0" anchor="ctr"/>
+          <a:lstStyle/>
+          <a:p>
+            <a:pPr algn="ctr"/>
+            <a:r>
+              <a:rPr lang="en-US" b="1" dirty="0" err="1"/>
+              <a:t>FrontEnd</a:t>
+            </a:r>
+            <a:r>
+              <a:rPr lang="en-US" b="1" dirty="0"/>
+              <a:t> (Views)</a:t>
+            </a:r>
+          </a:p>
+        </p:txBody>
+      </p:sp>
+      <p:sp>
+        <p:nvSpPr>
+          <p:cNvPr id="6" name="Rectangle 5">
+            <a:extLst>
+              <a:ext uri="{FF2B5EF4-FFF2-40B4-BE49-F238E27FC236}">
+                <a16:creationId xmlns:a16="http://schemas.microsoft.com/office/drawing/2014/main" id="{88497810-F5D5-9591-8CCE-F12C09527B6F}"/>
+              </a:ext>
+            </a:extLst>
+          </p:cNvPr>
+          <p:cNvSpPr/>
+          <p:nvPr/>
+        </p:nvSpPr>
+        <p:spPr>
+          <a:xfrm>
+            <a:off x="3609247" y="4919497"/>
+            <a:ext cx="2296885" cy="718457"/>
+          </a:xfrm>
+          <a:prstGeom prst="rect">
+            <a:avLst/>
+          </a:prstGeom>
+        </p:spPr>
+        <p:style>
+          <a:lnRef idx="2">
+            <a:schemeClr val="accent1">
+              <a:shade val="15000"/>
+            </a:schemeClr>
+          </a:lnRef>
+          <a:fillRef idx="1">
+            <a:schemeClr val="accent1"/>
+          </a:fillRef>
+          <a:effectRef idx="0">
+            <a:schemeClr val="accent1"/>
+          </a:effectRef>
+          <a:fontRef idx="minor">
+            <a:schemeClr val="lt1"/>
+          </a:fontRef>
+        </p:style>
+        <p:txBody>
+          <a:bodyPr rtlCol="0" anchor="ctr"/>
+          <a:lstStyle/>
+          <a:p>
+            <a:pPr algn="ctr"/>
+            <a:r>
+              <a:rPr lang="en-US" b="1" dirty="0"/>
+              <a:t>Server (Node App)</a:t>
+            </a:r>
+          </a:p>
+        </p:txBody>
+      </p:sp>
+      <p:cxnSp>
+        <p:nvCxnSpPr>
+          <p:cNvPr id="7" name="Elbow Connector 6">
+            <a:extLst>
+              <a:ext uri="{FF2B5EF4-FFF2-40B4-BE49-F238E27FC236}">
+                <a16:creationId xmlns:a16="http://schemas.microsoft.com/office/drawing/2014/main" id="{77CA0F5F-12F1-86E1-5D28-909F20943637}"/>
+              </a:ext>
+            </a:extLst>
+          </p:cNvPr>
+          <p:cNvCxnSpPr>
+            <a:stCxn id="4" idx="2"/>
+            <a:endCxn id="5" idx="0"/>
+          </p:cNvCxnSpPr>
+          <p:nvPr/>
+        </p:nvCxnSpPr>
+        <p:spPr>
+          <a:xfrm rot="5400000">
+            <a:off x="4351432" y="2648208"/>
+            <a:ext cx="812516" cy="2"/>
+          </a:xfrm>
+          <a:prstGeom prst="bentConnector3">
+            <a:avLst/>
+          </a:prstGeom>
+          <a:ln>
+            <a:tailEnd type="triangle"/>
+          </a:ln>
+        </p:spPr>
+        <p:style>
+          <a:lnRef idx="2">
+            <a:schemeClr val="accent1"/>
+          </a:lnRef>
+          <a:fillRef idx="0">
+            <a:schemeClr val="accent1"/>
+          </a:fillRef>
+          <a:effectRef idx="1">
+            <a:schemeClr val="accent1"/>
+          </a:effectRef>
+          <a:fontRef idx="minor">
+            <a:schemeClr val="tx1"/>
+          </a:fontRef>
+        </p:style>
+      </p:cxnSp>
+      <p:cxnSp>
+        <p:nvCxnSpPr>
+          <p:cNvPr id="8" name="Elbow Connector 7">
+            <a:extLst>
+              <a:ext uri="{FF2B5EF4-FFF2-40B4-BE49-F238E27FC236}">
+                <a16:creationId xmlns:a16="http://schemas.microsoft.com/office/drawing/2014/main" id="{18741003-FA61-262C-7E71-3F2C6759B819}"/>
+              </a:ext>
+            </a:extLst>
+          </p:cNvPr>
+          <p:cNvCxnSpPr>
+            <a:stCxn id="5" idx="2"/>
+            <a:endCxn id="6" idx="0"/>
+          </p:cNvCxnSpPr>
+          <p:nvPr/>
+        </p:nvCxnSpPr>
+        <p:spPr>
+          <a:xfrm rot="16200000" flipH="1">
+            <a:off x="4184403" y="4346209"/>
+            <a:ext cx="1146573" cy="1"/>
+          </a:xfrm>
+          <a:prstGeom prst="bentConnector3">
+            <a:avLst/>
+          </a:prstGeom>
+          <a:ln>
+            <a:tailEnd type="triangle"/>
+          </a:ln>
+        </p:spPr>
+        <p:style>
+          <a:lnRef idx="2">
+            <a:schemeClr val="accent1"/>
+          </a:lnRef>
+          <a:fillRef idx="0">
+            <a:schemeClr val="accent1"/>
+          </a:fillRef>
+          <a:effectRef idx="1">
+            <a:schemeClr val="accent1"/>
+          </a:effectRef>
+          <a:fontRef idx="minor">
+            <a:schemeClr val="tx1"/>
+          </a:fontRef>
+        </p:style>
+      </p:cxnSp>
+      <p:sp>
+        <p:nvSpPr>
+          <p:cNvPr id="9" name="TextBox 8">
+            <a:extLst>
+              <a:ext uri="{FF2B5EF4-FFF2-40B4-BE49-F238E27FC236}">
+                <a16:creationId xmlns:a16="http://schemas.microsoft.com/office/drawing/2014/main" id="{F7FA7DFB-8FF7-745C-4B67-19C929162854}"/>
+              </a:ext>
+            </a:extLst>
+          </p:cNvPr>
+          <p:cNvSpPr txBox="1"/>
+          <p:nvPr/>
+        </p:nvSpPr>
+        <p:spPr>
+          <a:xfrm>
+            <a:off x="3054076" y="4364665"/>
+            <a:ext cx="1054776" cy="369332"/>
+          </a:xfrm>
+          <a:prstGeom prst="rect">
+            <a:avLst/>
+          </a:prstGeom>
+          <a:noFill/>
+        </p:spPr>
+        <p:txBody>
+          <a:bodyPr wrap="none" rtlCol="0">
+            <a:spAutoFit/>
+          </a:bodyPr>
+          <a:lstStyle/>
+          <a:p>
+            <a:r>
+              <a:rPr lang="en-US" b="1" dirty="0"/>
+              <a:t>Request</a:t>
+            </a:r>
+          </a:p>
+        </p:txBody>
+      </p:sp>
+      <p:sp>
+        <p:nvSpPr>
+          <p:cNvPr id="10" name="TextBox 9">
+            <a:extLst>
+              <a:ext uri="{FF2B5EF4-FFF2-40B4-BE49-F238E27FC236}">
+                <a16:creationId xmlns:a16="http://schemas.microsoft.com/office/drawing/2014/main" id="{510504FB-EE53-17EF-BD60-1F6B9CD500BF}"/>
+              </a:ext>
+            </a:extLst>
+          </p:cNvPr>
+          <p:cNvSpPr txBox="1"/>
+          <p:nvPr/>
+        </p:nvSpPr>
+        <p:spPr>
+          <a:xfrm>
+            <a:off x="5451754" y="4289668"/>
+            <a:ext cx="2296884" cy="646331"/>
+          </a:xfrm>
+          <a:prstGeom prst="rect">
+            <a:avLst/>
+          </a:prstGeom>
+          <a:noFill/>
+        </p:spPr>
+        <p:txBody>
+          <a:bodyPr wrap="square" rtlCol="0">
+            <a:spAutoFit/>
+          </a:bodyPr>
+          <a:lstStyle/>
+          <a:p>
+            <a:r>
+              <a:rPr lang="en-US" b="1" dirty="0"/>
+              <a:t>Sessions are stored on the server-side</a:t>
+            </a:r>
+          </a:p>
+        </p:txBody>
+      </p:sp>
+      <p:sp>
+        <p:nvSpPr>
+          <p:cNvPr id="11" name="Rectangle 10">
+            <a:extLst>
+              <a:ext uri="{FF2B5EF4-FFF2-40B4-BE49-F238E27FC236}">
+                <a16:creationId xmlns:a16="http://schemas.microsoft.com/office/drawing/2014/main" id="{291B4AF5-2E29-BBBD-B25C-0BD85F914055}"/>
+              </a:ext>
+            </a:extLst>
+          </p:cNvPr>
+          <p:cNvSpPr/>
+          <p:nvPr/>
+        </p:nvSpPr>
+        <p:spPr>
+          <a:xfrm>
+            <a:off x="7364818" y="3125055"/>
+            <a:ext cx="2296885" cy="718457"/>
+          </a:xfrm>
+          <a:prstGeom prst="rect">
+            <a:avLst/>
+          </a:prstGeom>
+        </p:spPr>
+        <p:style>
+          <a:lnRef idx="2">
+            <a:schemeClr val="accent1">
+              <a:shade val="15000"/>
+            </a:schemeClr>
+          </a:lnRef>
+          <a:fillRef idx="1">
+            <a:schemeClr val="accent1"/>
+          </a:fillRef>
+          <a:effectRef idx="0">
+            <a:schemeClr val="accent1"/>
+          </a:effectRef>
+          <a:fontRef idx="minor">
+            <a:schemeClr val="lt1"/>
+          </a:fontRef>
+        </p:style>
+        <p:txBody>
+          <a:bodyPr rtlCol="0" anchor="ctr"/>
+          <a:lstStyle/>
+          <a:p>
+            <a:pPr algn="ctr"/>
+            <a:r>
+              <a:rPr lang="en-US" b="1" dirty="0"/>
+              <a:t>Cookie</a:t>
+            </a:r>
+          </a:p>
+        </p:txBody>
+      </p:sp>
+      <p:cxnSp>
+        <p:nvCxnSpPr>
+          <p:cNvPr id="12" name="Elbow Connector 11">
+            <a:extLst>
+              <a:ext uri="{FF2B5EF4-FFF2-40B4-BE49-F238E27FC236}">
+                <a16:creationId xmlns:a16="http://schemas.microsoft.com/office/drawing/2014/main" id="{194A36F4-05CA-2DCC-15AF-9C4C94551F35}"/>
+              </a:ext>
+            </a:extLst>
+          </p:cNvPr>
+          <p:cNvCxnSpPr>
+            <a:stCxn id="5" idx="3"/>
+            <a:endCxn id="11" idx="1"/>
+          </p:cNvCxnSpPr>
+          <p:nvPr/>
+        </p:nvCxnSpPr>
+        <p:spPr>
+          <a:xfrm>
+            <a:off x="5906131" y="3413696"/>
+            <a:ext cx="1458687" cy="70588"/>
+          </a:xfrm>
+          <a:prstGeom prst="bentConnector3">
+            <a:avLst/>
+          </a:prstGeom>
+          <a:ln>
+            <a:tailEnd type="triangle"/>
+          </a:ln>
+        </p:spPr>
+        <p:style>
+          <a:lnRef idx="2">
+            <a:schemeClr val="accent1"/>
+          </a:lnRef>
+          <a:fillRef idx="0">
+            <a:schemeClr val="accent1"/>
+          </a:fillRef>
+          <a:effectRef idx="1">
+            <a:schemeClr val="accent1"/>
+          </a:effectRef>
+          <a:fontRef idx="minor">
+            <a:schemeClr val="tx1"/>
+          </a:fontRef>
+        </p:style>
+      </p:cxnSp>
+      <p:cxnSp>
+        <p:nvCxnSpPr>
+          <p:cNvPr id="13" name="Elbow Connector 12">
+            <a:extLst>
+              <a:ext uri="{FF2B5EF4-FFF2-40B4-BE49-F238E27FC236}">
+                <a16:creationId xmlns:a16="http://schemas.microsoft.com/office/drawing/2014/main" id="{D2EB1F83-9306-A486-F837-E06EEE86DDF3}"/>
+              </a:ext>
+            </a:extLst>
+          </p:cNvPr>
+          <p:cNvCxnSpPr>
+            <a:stCxn id="6" idx="3"/>
+            <a:endCxn id="11" idx="2"/>
+          </p:cNvCxnSpPr>
+          <p:nvPr/>
+        </p:nvCxnSpPr>
+        <p:spPr>
+          <a:xfrm flipV="1">
+            <a:off x="5906132" y="3843512"/>
+            <a:ext cx="2607129" cy="1435214"/>
+          </a:xfrm>
+          <a:prstGeom prst="bentConnector2">
+            <a:avLst/>
+          </a:prstGeom>
+          <a:ln>
+            <a:tailEnd type="triangle"/>
+          </a:ln>
+        </p:spPr>
+        <p:style>
+          <a:lnRef idx="2">
+            <a:schemeClr val="accent1"/>
+          </a:lnRef>
+          <a:fillRef idx="0">
+            <a:schemeClr val="accent1"/>
+          </a:fillRef>
+          <a:effectRef idx="1">
+            <a:schemeClr val="accent1"/>
+          </a:effectRef>
+          <a:fontRef idx="minor">
+            <a:schemeClr val="tx1"/>
+          </a:fontRef>
+        </p:style>
+      </p:cxnSp>
+      <p:sp>
+        <p:nvSpPr>
+          <p:cNvPr id="14" name="TextBox 13">
+            <a:extLst>
+              <a:ext uri="{FF2B5EF4-FFF2-40B4-BE49-F238E27FC236}">
+                <a16:creationId xmlns:a16="http://schemas.microsoft.com/office/drawing/2014/main" id="{C53D1BF9-C608-7D7B-B3D5-1D1E58A2033F}"/>
+              </a:ext>
+            </a:extLst>
+          </p:cNvPr>
+          <p:cNvSpPr txBox="1"/>
+          <p:nvPr/>
+        </p:nvSpPr>
+        <p:spPr>
+          <a:xfrm>
+            <a:off x="6766101" y="5268622"/>
+            <a:ext cx="2042547" cy="369332"/>
+          </a:xfrm>
+          <a:prstGeom prst="rect">
+            <a:avLst/>
+          </a:prstGeom>
+          <a:noFill/>
+        </p:spPr>
+        <p:txBody>
+          <a:bodyPr wrap="none" rtlCol="0">
+            <a:spAutoFit/>
+          </a:bodyPr>
+          <a:lstStyle/>
+          <a:p>
+            <a:r>
+              <a:rPr lang="en-US" b="1" dirty="0"/>
+              <a:t>Response Header</a:t>
+            </a:r>
+          </a:p>
+        </p:txBody>
+      </p:sp>
+      <p:sp>
+        <p:nvSpPr>
+          <p:cNvPr id="15" name="TextBox 14">
+            <a:extLst>
+              <a:ext uri="{FF2B5EF4-FFF2-40B4-BE49-F238E27FC236}">
+                <a16:creationId xmlns:a16="http://schemas.microsoft.com/office/drawing/2014/main" id="{52672AB3-5C54-AC74-1313-ED510CC7E6FE}"/>
+              </a:ext>
+            </a:extLst>
+          </p:cNvPr>
+          <p:cNvSpPr txBox="1"/>
+          <p:nvPr/>
+        </p:nvSpPr>
+        <p:spPr>
+          <a:xfrm>
+            <a:off x="7375702" y="2368719"/>
+            <a:ext cx="2928260" cy="646331"/>
+          </a:xfrm>
+          <a:prstGeom prst="rect">
+            <a:avLst/>
+          </a:prstGeom>
+          <a:noFill/>
+        </p:spPr>
+        <p:txBody>
+          <a:bodyPr wrap="square" rtlCol="0">
+            <a:spAutoFit/>
+          </a:bodyPr>
+          <a:lstStyle/>
+          <a:p>
+            <a:r>
+              <a:rPr lang="en-US" b="1" dirty="0"/>
+              <a:t>Cookies are stored on the client-side</a:t>
+            </a:r>
+          </a:p>
+        </p:txBody>
+      </p:sp>
+      <p:sp>
+        <p:nvSpPr>
+          <p:cNvPr id="16" name="Rectangle 15">
+            <a:extLst>
+              <a:ext uri="{FF2B5EF4-FFF2-40B4-BE49-F238E27FC236}">
+                <a16:creationId xmlns:a16="http://schemas.microsoft.com/office/drawing/2014/main" id="{8DD904A3-FBD5-7452-86D5-B91789F41F36}"/>
+              </a:ext>
+            </a:extLst>
+          </p:cNvPr>
+          <p:cNvSpPr/>
+          <p:nvPr/>
+        </p:nvSpPr>
+        <p:spPr>
+          <a:xfrm>
+            <a:off x="7521395" y="4677017"/>
+            <a:ext cx="2636874" cy="648586"/>
+          </a:xfrm>
+          <a:prstGeom prst="rect">
+            <a:avLst/>
+          </a:prstGeom>
+        </p:spPr>
+        <p:style>
+          <a:lnRef idx="2">
+            <a:schemeClr val="accent1">
+              <a:shade val="15000"/>
+            </a:schemeClr>
+          </a:lnRef>
+          <a:fillRef idx="1">
+            <a:schemeClr val="accent1"/>
+          </a:fillRef>
+          <a:effectRef idx="0">
+            <a:schemeClr val="accent1"/>
+          </a:effectRef>
+          <a:fontRef idx="minor">
+            <a:schemeClr val="lt1"/>
+          </a:fontRef>
+        </p:style>
+        <p:txBody>
+          <a:bodyPr rtlCol="0" anchor="ctr"/>
+          <a:lstStyle/>
+          <a:p>
+            <a:pPr algn="ctr"/>
+            <a:r>
+              <a:rPr lang="en-US" dirty="0"/>
+              <a:t>Session</a:t>
+            </a:r>
+          </a:p>
+        </p:txBody>
+      </p:sp>
+      <p:sp>
+        <p:nvSpPr>
+          <p:cNvPr id="17" name="Rectangle 16">
+            <a:extLst>
+              <a:ext uri="{FF2B5EF4-FFF2-40B4-BE49-F238E27FC236}">
+                <a16:creationId xmlns:a16="http://schemas.microsoft.com/office/drawing/2014/main" id="{70EC9A4C-99A2-F314-0E54-2B77E3A5D0A1}"/>
+              </a:ext>
+            </a:extLst>
+          </p:cNvPr>
+          <p:cNvSpPr/>
+          <p:nvPr/>
+        </p:nvSpPr>
+        <p:spPr>
+          <a:xfrm>
+            <a:off x="3609246" y="6262577"/>
+            <a:ext cx="2132335" cy="489097"/>
+          </a:xfrm>
+          <a:prstGeom prst="rect">
+            <a:avLst/>
+          </a:prstGeom>
+        </p:spPr>
+        <p:style>
+          <a:lnRef idx="2">
+            <a:schemeClr val="accent1">
+              <a:shade val="15000"/>
+            </a:schemeClr>
+          </a:lnRef>
+          <a:fillRef idx="1">
+            <a:schemeClr val="accent1"/>
+          </a:fillRef>
+          <a:effectRef idx="0">
+            <a:schemeClr val="accent1"/>
+          </a:effectRef>
+          <a:fontRef idx="minor">
+            <a:schemeClr val="lt1"/>
+          </a:fontRef>
+        </p:style>
+        <p:txBody>
+          <a:bodyPr rtlCol="0" anchor="ctr"/>
+          <a:lstStyle/>
+          <a:p>
+            <a:pPr algn="ctr"/>
+            <a:r>
+              <a:rPr lang="en-US" dirty="0"/>
+              <a:t>Database</a:t>
+            </a:r>
+          </a:p>
+        </p:txBody>
+      </p:sp>
+      <p:cxnSp>
+        <p:nvCxnSpPr>
+          <p:cNvPr id="19" name="Elbow Connector 18">
+            <a:extLst>
+              <a:ext uri="{FF2B5EF4-FFF2-40B4-BE49-F238E27FC236}">
+                <a16:creationId xmlns:a16="http://schemas.microsoft.com/office/drawing/2014/main" id="{3B5B5B36-A25D-8267-684F-E5FE822822FC}"/>
+              </a:ext>
+            </a:extLst>
+          </p:cNvPr>
+          <p:cNvCxnSpPr>
+            <a:stCxn id="6" idx="2"/>
+            <a:endCxn id="17" idx="0"/>
+          </p:cNvCxnSpPr>
+          <p:nvPr/>
+        </p:nvCxnSpPr>
+        <p:spPr>
+          <a:xfrm rot="5400000">
+            <a:off x="4404241" y="5909127"/>
+            <a:ext cx="624623" cy="82276"/>
+          </a:xfrm>
+          <a:prstGeom prst="bentConnector3">
+            <a:avLst/>
+          </a:prstGeom>
+          <a:ln>
+            <a:tailEnd type="triangle"/>
+          </a:ln>
+        </p:spPr>
+        <p:style>
+          <a:lnRef idx="2">
+            <a:schemeClr val="accent1"/>
+          </a:lnRef>
+          <a:fillRef idx="0">
+            <a:schemeClr val="accent1"/>
+          </a:fillRef>
+          <a:effectRef idx="1">
+            <a:schemeClr val="accent1"/>
+          </a:effectRef>
+          <a:fontRef idx="minor">
+            <a:schemeClr val="tx1"/>
+          </a:fontRef>
+        </p:style>
+      </p:cxnSp>
+      <p:cxnSp>
+        <p:nvCxnSpPr>
+          <p:cNvPr id="21" name="Elbow Connector 20">
+            <a:extLst>
+              <a:ext uri="{FF2B5EF4-FFF2-40B4-BE49-F238E27FC236}">
+                <a16:creationId xmlns:a16="http://schemas.microsoft.com/office/drawing/2014/main" id="{E7B2037E-3806-B655-9400-85BC6AEAF62E}"/>
+              </a:ext>
+            </a:extLst>
+          </p:cNvPr>
+          <p:cNvCxnSpPr>
+            <a:stCxn id="16" idx="2"/>
+            <a:endCxn id="17" idx="3"/>
+          </p:cNvCxnSpPr>
+          <p:nvPr/>
+        </p:nvCxnSpPr>
+        <p:spPr>
+          <a:xfrm rot="5400000">
+            <a:off x="6699946" y="4367239"/>
+            <a:ext cx="1181523" cy="3098251"/>
+          </a:xfrm>
+          <a:prstGeom prst="bentConnector2">
+            <a:avLst/>
+          </a:prstGeom>
+          <a:ln>
+            <a:tailEnd type="triangle"/>
+          </a:ln>
+        </p:spPr>
+        <p:style>
+          <a:lnRef idx="2">
+            <a:schemeClr val="accent1"/>
+          </a:lnRef>
+          <a:fillRef idx="0">
+            <a:schemeClr val="accent1"/>
+          </a:fillRef>
+          <a:effectRef idx="1">
+            <a:schemeClr val="accent1"/>
+          </a:effectRef>
+          <a:fontRef idx="minor">
+            <a:schemeClr val="tx1"/>
+          </a:fontRef>
+        </p:style>
+      </p:cxnSp>
+    </p:spTree>
+    <p:extLst>
+      <p:ext uri="{BB962C8B-B14F-4D97-AF65-F5344CB8AC3E}">
+        <p14:creationId xmlns:p14="http://schemas.microsoft.com/office/powerpoint/2010/main" val="1491450140"/>
+      </p:ext>
+    </p:extLst>
+  </p:cSld>
+  <p:clrMapOvr>
+    <a:masterClrMapping/>
+  </p:clrMapOvr>
+</p:sld>
+</file>
+
 <file path=ppt/slides/slide6.xml><?xml version="1.0" encoding="utf-8"?>
 <p:sld xmlns:a="http://schemas.openxmlformats.org/drawingml/2006/main" xmlns:r="http://schemas.openxmlformats.org/officeDocument/2006/relationships" xmlns:p="http://schemas.openxmlformats.org/presentationml/2006/main">
   <p:cSld>

--- a/Node/node.pptx
+++ b/Node/node.pptx
@@ -8,8 +8,8 @@
     <p:sldId id="256" r:id="rId2"/>
     <p:sldId id="257" r:id="rId3"/>
     <p:sldId id="258" r:id="rId4"/>
-    <p:sldId id="259" r:id="rId5"/>
-    <p:sldId id="260" r:id="rId6"/>
+    <p:sldId id="260" r:id="rId5"/>
+    <p:sldId id="259" r:id="rId6"/>
     <p:sldId id="261" r:id="rId7"/>
     <p:sldId id="262" r:id="rId8"/>
     <p:sldId id="263" r:id="rId9"/>
@@ -59,6 +59,10 @@
     <p:sldId id="307" r:id="rId53"/>
     <p:sldId id="308" r:id="rId54"/>
     <p:sldId id="309" r:id="rId55"/>
+    <p:sldId id="310" r:id="rId56"/>
+    <p:sldId id="311" r:id="rId57"/>
+    <p:sldId id="312" r:id="rId58"/>
+    <p:sldId id="313" r:id="rId59"/>
   </p:sldIdLst>
   <p:sldSz cx="12192000" cy="6858000"/>
   <p:notesSz cx="6858000" cy="9144000"/>
@@ -314,7 +318,7 @@
           <a:p>
             <a:fld id="{70AC578A-F481-8B4F-AC68-5322D79242CE}" type="datetimeFigureOut">
               <a:rPr lang="en-US" smtClean="0"/>
-              <a:t>1/16/26</a:t>
+              <a:t>1/22/26</a:t>
             </a:fld>
             <a:endParaRPr lang="en-US"/>
           </a:p>
@@ -514,7 +518,7 @@
           <a:p>
             <a:fld id="{70AC578A-F481-8B4F-AC68-5322D79242CE}" type="datetimeFigureOut">
               <a:rPr lang="en-US" smtClean="0"/>
-              <a:t>1/16/26</a:t>
+              <a:t>1/22/26</a:t>
             </a:fld>
             <a:endParaRPr lang="en-US"/>
           </a:p>
@@ -724,7 +728,7 @@
           <a:p>
             <a:fld id="{70AC578A-F481-8B4F-AC68-5322D79242CE}" type="datetimeFigureOut">
               <a:rPr lang="en-US" smtClean="0"/>
-              <a:t>1/16/26</a:t>
+              <a:t>1/22/26</a:t>
             </a:fld>
             <a:endParaRPr lang="en-US"/>
           </a:p>
@@ -924,7 +928,7 @@
           <a:p>
             <a:fld id="{70AC578A-F481-8B4F-AC68-5322D79242CE}" type="datetimeFigureOut">
               <a:rPr lang="en-US" smtClean="0"/>
-              <a:t>1/16/26</a:t>
+              <a:t>1/22/26</a:t>
             </a:fld>
             <a:endParaRPr lang="en-US"/>
           </a:p>
@@ -1200,7 +1204,7 @@
           <a:p>
             <a:fld id="{70AC578A-F481-8B4F-AC68-5322D79242CE}" type="datetimeFigureOut">
               <a:rPr lang="en-US" smtClean="0"/>
-              <a:t>1/16/26</a:t>
+              <a:t>1/22/26</a:t>
             </a:fld>
             <a:endParaRPr lang="en-US"/>
           </a:p>
@@ -1468,7 +1472,7 @@
           <a:p>
             <a:fld id="{70AC578A-F481-8B4F-AC68-5322D79242CE}" type="datetimeFigureOut">
               <a:rPr lang="en-US" smtClean="0"/>
-              <a:t>1/16/26</a:t>
+              <a:t>1/22/26</a:t>
             </a:fld>
             <a:endParaRPr lang="en-US"/>
           </a:p>
@@ -1883,7 +1887,7 @@
           <a:p>
             <a:fld id="{70AC578A-F481-8B4F-AC68-5322D79242CE}" type="datetimeFigureOut">
               <a:rPr lang="en-US" smtClean="0"/>
-              <a:t>1/16/26</a:t>
+              <a:t>1/22/26</a:t>
             </a:fld>
             <a:endParaRPr lang="en-US"/>
           </a:p>
@@ -2025,7 +2029,7 @@
           <a:p>
             <a:fld id="{70AC578A-F481-8B4F-AC68-5322D79242CE}" type="datetimeFigureOut">
               <a:rPr lang="en-US" smtClean="0"/>
-              <a:t>1/16/26</a:t>
+              <a:t>1/22/26</a:t>
             </a:fld>
             <a:endParaRPr lang="en-US"/>
           </a:p>
@@ -2138,7 +2142,7 @@
           <a:p>
             <a:fld id="{70AC578A-F481-8B4F-AC68-5322D79242CE}" type="datetimeFigureOut">
               <a:rPr lang="en-US" smtClean="0"/>
-              <a:t>1/16/26</a:t>
+              <a:t>1/22/26</a:t>
             </a:fld>
             <a:endParaRPr lang="en-US"/>
           </a:p>
@@ -2451,7 +2455,7 @@
           <a:p>
             <a:fld id="{70AC578A-F481-8B4F-AC68-5322D79242CE}" type="datetimeFigureOut">
               <a:rPr lang="en-US" smtClean="0"/>
-              <a:t>1/16/26</a:t>
+              <a:t>1/22/26</a:t>
             </a:fld>
             <a:endParaRPr lang="en-US"/>
           </a:p>
@@ -2740,7 +2744,7 @@
           <a:p>
             <a:fld id="{70AC578A-F481-8B4F-AC68-5322D79242CE}" type="datetimeFigureOut">
               <a:rPr lang="en-US" smtClean="0"/>
-              <a:t>1/16/26</a:t>
+              <a:t>1/22/26</a:t>
             </a:fld>
             <a:endParaRPr lang="en-US"/>
           </a:p>
@@ -2983,7 +2987,7 @@
           <a:p>
             <a:fld id="{70AC578A-F481-8B4F-AC68-5322D79242CE}" type="datetimeFigureOut">
               <a:rPr lang="en-US" smtClean="0"/>
-              <a:t>1/16/26</a:t>
+              <a:t>1/22/26</a:t>
             </a:fld>
             <a:endParaRPr lang="en-US"/>
           </a:p>
@@ -10234,7 +10238,7 @@
           <p:cNvPr id="2" name="Title 1">
             <a:extLst>
               <a:ext uri="{FF2B5EF4-FFF2-40B4-BE49-F238E27FC236}">
-                <a16:creationId xmlns:a16="http://schemas.microsoft.com/office/drawing/2014/main" id="{0FA44CAD-753F-55C0-78DA-92A53605B312}"/>
+                <a16:creationId xmlns:a16="http://schemas.microsoft.com/office/drawing/2014/main" id="{729DB4F8-20C3-716A-084A-C01BD913583D}"/>
               </a:ext>
             </a:extLst>
           </p:cNvPr>
@@ -10245,19 +10249,14 @@
             <p:ph type="title"/>
           </p:nvPr>
         </p:nvSpPr>
-        <p:spPr>
-          <a:xfrm>
-            <a:off x="838200" y="365125"/>
-            <a:ext cx="10515600" cy="700195"/>
-          </a:xfrm>
-        </p:spPr>
+        <p:spPr/>
         <p:txBody>
           <a:bodyPr/>
           <a:lstStyle/>
           <a:p>
             <a:r>
               <a:rPr lang="en-US" dirty="0"/>
-              <a:t>Course Outline</a:t>
+              <a:t>Intro</a:t>
             </a:r>
           </a:p>
         </p:txBody>
@@ -10267,7 +10266,7 @@
           <p:cNvPr id="3" name="Content Placeholder 2">
             <a:extLst>
               <a:ext uri="{FF2B5EF4-FFF2-40B4-BE49-F238E27FC236}">
-                <a16:creationId xmlns:a16="http://schemas.microsoft.com/office/drawing/2014/main" id="{EBE81BA0-6B3D-6A22-9058-0FD5B0206E7F}"/>
+                <a16:creationId xmlns:a16="http://schemas.microsoft.com/office/drawing/2014/main" id="{2B04490D-5503-F973-BD86-8195BDB589FA}"/>
               </a:ext>
             </a:extLst>
           </p:cNvPr>
@@ -10278,190 +10277,38 @@
             <p:ph idx="1"/>
           </p:nvPr>
         </p:nvSpPr>
-        <p:spPr>
-          <a:xfrm>
-            <a:off x="838200" y="1065320"/>
-            <a:ext cx="10515600" cy="5111643"/>
-          </a:xfrm>
-        </p:spPr>
-        <p:txBody>
-          <a:bodyPr numCol="2">
-            <a:normAutofit fontScale="70000" lnSpcReduction="20000"/>
-          </a:bodyPr>
-          <a:lstStyle/>
-          <a:p>
-            <a:r>
-              <a:rPr lang="en-US" dirty="0"/>
-              <a:t>Getting Started</a:t>
-            </a:r>
-          </a:p>
-          <a:p>
-            <a:r>
-              <a:rPr lang="en-US" dirty="0"/>
-              <a:t>JS Refresher</a:t>
-            </a:r>
-          </a:p>
-          <a:p>
-            <a:r>
-              <a:rPr lang="en-US" dirty="0"/>
-              <a:t>Node.js Basics</a:t>
-            </a:r>
-          </a:p>
-          <a:p>
-            <a:r>
-              <a:rPr lang="en-US" dirty="0"/>
-              <a:t>Efficient development</a:t>
-            </a:r>
-          </a:p>
-          <a:p>
-            <a:r>
-              <a:rPr lang="en-US" dirty="0"/>
-              <a:t>Using Express.js</a:t>
-            </a:r>
-          </a:p>
-          <a:p>
-            <a:r>
-              <a:rPr lang="en-US" dirty="0"/>
-              <a:t>Templating Engines</a:t>
-            </a:r>
-          </a:p>
-          <a:p>
-            <a:r>
-              <a:rPr lang="en-US" dirty="0"/>
-              <a:t>Model-View-Controller</a:t>
-            </a:r>
-          </a:p>
-          <a:p>
-            <a:r>
-              <a:rPr lang="en-US" dirty="0"/>
-              <a:t>Advanced Routes &amp; Models</a:t>
-            </a:r>
-          </a:p>
-          <a:p>
-            <a:r>
-              <a:rPr lang="en-US" dirty="0"/>
-              <a:t>Node + SQL (MySQL)</a:t>
-            </a:r>
-          </a:p>
-          <a:p>
-            <a:r>
-              <a:rPr lang="en-US" dirty="0"/>
-              <a:t>Using Sequelize</a:t>
-            </a:r>
-          </a:p>
-          <a:p>
-            <a:r>
-              <a:rPr lang="en-US" dirty="0"/>
-              <a:t>Node + NoSQL (MongoDB)</a:t>
-            </a:r>
-          </a:p>
-          <a:p>
-            <a:r>
-              <a:rPr lang="en-US" dirty="0"/>
-              <a:t>Using Mongoose</a:t>
-            </a:r>
-          </a:p>
-          <a:p>
-            <a:r>
-              <a:rPr lang="en-US" dirty="0"/>
-              <a:t>Sessions &amp; Cookies</a:t>
-            </a:r>
-          </a:p>
-          <a:p>
-            <a:r>
-              <a:rPr lang="en-US" dirty="0"/>
-              <a:t>Authentication</a:t>
-            </a:r>
-          </a:p>
-          <a:p>
-            <a:r>
-              <a:rPr lang="en-US" dirty="0"/>
-              <a:t>Sending E-Mails</a:t>
-            </a:r>
-          </a:p>
-          <a:p>
-            <a:r>
-              <a:rPr lang="en-US" dirty="0"/>
-              <a:t>Authentication Deep Dive</a:t>
-            </a:r>
-          </a:p>
-          <a:p>
-            <a:r>
-              <a:rPr lang="en-US" dirty="0"/>
-              <a:t>User Input Validation</a:t>
-            </a:r>
-          </a:p>
-          <a:p>
-            <a:r>
-              <a:rPr lang="en-US" dirty="0"/>
-              <a:t>Error Handling</a:t>
-            </a:r>
-          </a:p>
-          <a:p>
-            <a:r>
-              <a:rPr lang="en-US" dirty="0"/>
-              <a:t>File Uploads &amp; Downloads</a:t>
-            </a:r>
-          </a:p>
-          <a:p>
-            <a:r>
-              <a:rPr lang="en-US" dirty="0"/>
-              <a:t>Pagination</a:t>
-            </a:r>
-          </a:p>
-          <a:p>
-            <a:r>
-              <a:rPr lang="en-US" dirty="0"/>
-              <a:t>Async Requests</a:t>
-            </a:r>
-          </a:p>
-          <a:p>
-            <a:r>
-              <a:rPr lang="en-US" dirty="0"/>
-              <a:t>Handling Payments</a:t>
-            </a:r>
-          </a:p>
-          <a:p>
-            <a:r>
-              <a:rPr lang="en-US" dirty="0"/>
-              <a:t>REST API Basics</a:t>
-            </a:r>
-          </a:p>
-          <a:p>
-            <a:r>
-              <a:rPr lang="en-US" dirty="0"/>
-              <a:t>Advanced REST API Features</a:t>
-            </a:r>
-          </a:p>
-          <a:p>
-            <a:r>
-              <a:rPr lang="en-US" dirty="0"/>
-              <a:t>Using async-await</a:t>
-            </a:r>
-          </a:p>
-          <a:p>
-            <a:r>
-              <a:rPr lang="en-US" dirty="0"/>
-              <a:t>Websockets &amp; Socket.io</a:t>
-            </a:r>
-          </a:p>
-          <a:p>
-            <a:r>
-              <a:rPr lang="en-US" dirty="0" err="1"/>
-              <a:t>GraphQL</a:t>
-            </a:r>
-            <a:endParaRPr lang="en-US" dirty="0"/>
-          </a:p>
-          <a:p>
-            <a:r>
-              <a:rPr lang="en-US" dirty="0"/>
-              <a:t>Deployment</a:t>
-            </a:r>
-          </a:p>
-          <a:p>
-            <a:r>
-              <a:rPr lang="en-US" dirty="0"/>
-              <a:t>Beyond Web Servers</a:t>
+        <p:spPr/>
+        <p:txBody>
+          <a:bodyPr/>
+          <a:lstStyle/>
+          <a:p>
+            <a:r>
+              <a:rPr lang="en-US" dirty="0"/>
+              <a:t>How does the web work?</a:t>
+            </a:r>
+          </a:p>
+          <a:p>
+            <a:r>
+              <a:rPr lang="en-US" dirty="0"/>
+              <a:t>Creating a Node.js Server</a:t>
+            </a:r>
+          </a:p>
+          <a:p>
+            <a:r>
+              <a:rPr lang="en-US" dirty="0"/>
+              <a:t>Using Node Core Modules</a:t>
+            </a:r>
+          </a:p>
+          <a:p>
+            <a:r>
+              <a:rPr lang="en-US" dirty="0"/>
+              <a:t>Working with Requests &amp; Responses (Basics)</a:t>
+            </a:r>
+          </a:p>
+          <a:p>
+            <a:r>
+              <a:rPr lang="en-US" dirty="0"/>
+              <a:t>Asynchronous Code &amp; The Event Loop</a:t>
             </a:r>
           </a:p>
         </p:txBody>
@@ -10469,7 +10316,7 @@
     </p:spTree>
     <p:extLst>
       <p:ext uri="{BB962C8B-B14F-4D97-AF65-F5344CB8AC3E}">
-        <p14:creationId xmlns:p14="http://schemas.microsoft.com/office/powerpoint/2010/main" val="1918536730"/>
+        <p14:creationId xmlns:p14="http://schemas.microsoft.com/office/powerpoint/2010/main" val="4259136699"/>
       </p:ext>
     </p:extLst>
   </p:cSld>
@@ -13023,7 +12870,7 @@
           <p:cNvPr id="2" name="Title 1">
             <a:extLst>
               <a:ext uri="{FF2B5EF4-FFF2-40B4-BE49-F238E27FC236}">
-                <a16:creationId xmlns:a16="http://schemas.microsoft.com/office/drawing/2014/main" id="{729DB4F8-20C3-716A-084A-C01BD913583D}"/>
+                <a16:creationId xmlns:a16="http://schemas.microsoft.com/office/drawing/2014/main" id="{0FA44CAD-753F-55C0-78DA-92A53605B312}"/>
               </a:ext>
             </a:extLst>
           </p:cNvPr>
@@ -13034,14 +12881,19 @@
             <p:ph type="title"/>
           </p:nvPr>
         </p:nvSpPr>
-        <p:spPr/>
+        <p:spPr>
+          <a:xfrm>
+            <a:off x="838200" y="365125"/>
+            <a:ext cx="10515600" cy="700195"/>
+          </a:xfrm>
+        </p:spPr>
         <p:txBody>
           <a:bodyPr/>
           <a:lstStyle/>
           <a:p>
             <a:r>
               <a:rPr lang="en-US" dirty="0"/>
-              <a:t>Intro</a:t>
+              <a:t>Course Outline</a:t>
             </a:r>
           </a:p>
         </p:txBody>
@@ -13051,7 +12903,7 @@
           <p:cNvPr id="3" name="Content Placeholder 2">
             <a:extLst>
               <a:ext uri="{FF2B5EF4-FFF2-40B4-BE49-F238E27FC236}">
-                <a16:creationId xmlns:a16="http://schemas.microsoft.com/office/drawing/2014/main" id="{2B04490D-5503-F973-BD86-8195BDB589FA}"/>
+                <a16:creationId xmlns:a16="http://schemas.microsoft.com/office/drawing/2014/main" id="{EBE81BA0-6B3D-6A22-9058-0FD5B0206E7F}"/>
               </a:ext>
             </a:extLst>
           </p:cNvPr>
@@ -13062,38 +12914,190 @@
             <p:ph idx="1"/>
           </p:nvPr>
         </p:nvSpPr>
-        <p:spPr/>
-        <p:txBody>
-          <a:bodyPr/>
-          <a:lstStyle/>
-          <a:p>
-            <a:r>
-              <a:rPr lang="en-US" dirty="0"/>
-              <a:t>How does the web work?</a:t>
-            </a:r>
-          </a:p>
-          <a:p>
-            <a:r>
-              <a:rPr lang="en-US" dirty="0"/>
-              <a:t>Creating a Node.js Server</a:t>
-            </a:r>
-          </a:p>
-          <a:p>
-            <a:r>
-              <a:rPr lang="en-US" dirty="0"/>
-              <a:t>Using Node Core Modules</a:t>
-            </a:r>
-          </a:p>
-          <a:p>
-            <a:r>
-              <a:rPr lang="en-US" dirty="0"/>
-              <a:t>Working with Requests &amp; Responses (Basics)</a:t>
-            </a:r>
-          </a:p>
-          <a:p>
-            <a:r>
-              <a:rPr lang="en-US" dirty="0"/>
-              <a:t>Asynchronous Code &amp; The Event Loop</a:t>
+        <p:spPr>
+          <a:xfrm>
+            <a:off x="838200" y="1065320"/>
+            <a:ext cx="10515600" cy="5111643"/>
+          </a:xfrm>
+        </p:spPr>
+        <p:txBody>
+          <a:bodyPr numCol="2">
+            <a:normAutofit fontScale="70000" lnSpcReduction="20000"/>
+          </a:bodyPr>
+          <a:lstStyle/>
+          <a:p>
+            <a:r>
+              <a:rPr lang="en-US" dirty="0"/>
+              <a:t>Getting Started</a:t>
+            </a:r>
+          </a:p>
+          <a:p>
+            <a:r>
+              <a:rPr lang="en-US" dirty="0"/>
+              <a:t>JS Refresher</a:t>
+            </a:r>
+          </a:p>
+          <a:p>
+            <a:r>
+              <a:rPr lang="en-US" dirty="0"/>
+              <a:t>Node.js Basics</a:t>
+            </a:r>
+          </a:p>
+          <a:p>
+            <a:r>
+              <a:rPr lang="en-US" dirty="0"/>
+              <a:t>Efficient development</a:t>
+            </a:r>
+          </a:p>
+          <a:p>
+            <a:r>
+              <a:rPr lang="en-US" dirty="0"/>
+              <a:t>Using Express.js</a:t>
+            </a:r>
+          </a:p>
+          <a:p>
+            <a:r>
+              <a:rPr lang="en-US" dirty="0"/>
+              <a:t>Templating Engines</a:t>
+            </a:r>
+          </a:p>
+          <a:p>
+            <a:r>
+              <a:rPr lang="en-US" dirty="0"/>
+              <a:t>Model-View-Controller</a:t>
+            </a:r>
+          </a:p>
+          <a:p>
+            <a:r>
+              <a:rPr lang="en-US" dirty="0"/>
+              <a:t>Advanced Routes &amp; Models</a:t>
+            </a:r>
+          </a:p>
+          <a:p>
+            <a:r>
+              <a:rPr lang="en-US" dirty="0"/>
+              <a:t>Node + SQL (MySQL)</a:t>
+            </a:r>
+          </a:p>
+          <a:p>
+            <a:r>
+              <a:rPr lang="en-US" dirty="0"/>
+              <a:t>Using Sequelize</a:t>
+            </a:r>
+          </a:p>
+          <a:p>
+            <a:r>
+              <a:rPr lang="en-US" dirty="0"/>
+              <a:t>Node + NoSQL (MongoDB)</a:t>
+            </a:r>
+          </a:p>
+          <a:p>
+            <a:r>
+              <a:rPr lang="en-US" dirty="0"/>
+              <a:t>Using Mongoose</a:t>
+            </a:r>
+          </a:p>
+          <a:p>
+            <a:r>
+              <a:rPr lang="en-US" dirty="0"/>
+              <a:t>Sessions &amp; Cookies</a:t>
+            </a:r>
+          </a:p>
+          <a:p>
+            <a:r>
+              <a:rPr lang="en-US" dirty="0"/>
+              <a:t>Authentication</a:t>
+            </a:r>
+          </a:p>
+          <a:p>
+            <a:r>
+              <a:rPr lang="en-US" dirty="0"/>
+              <a:t>Sending E-Mails</a:t>
+            </a:r>
+          </a:p>
+          <a:p>
+            <a:r>
+              <a:rPr lang="en-US" dirty="0"/>
+              <a:t>Authentication Deep Dive</a:t>
+            </a:r>
+          </a:p>
+          <a:p>
+            <a:r>
+              <a:rPr lang="en-US" dirty="0"/>
+              <a:t>User Input Validation</a:t>
+            </a:r>
+          </a:p>
+          <a:p>
+            <a:r>
+              <a:rPr lang="en-US" dirty="0"/>
+              <a:t>Error Handling</a:t>
+            </a:r>
+          </a:p>
+          <a:p>
+            <a:r>
+              <a:rPr lang="en-US" dirty="0"/>
+              <a:t>File Uploads &amp; Downloads</a:t>
+            </a:r>
+          </a:p>
+          <a:p>
+            <a:r>
+              <a:rPr lang="en-US" dirty="0"/>
+              <a:t>Pagination</a:t>
+            </a:r>
+          </a:p>
+          <a:p>
+            <a:r>
+              <a:rPr lang="en-US" dirty="0"/>
+              <a:t>Async Requests</a:t>
+            </a:r>
+          </a:p>
+          <a:p>
+            <a:r>
+              <a:rPr lang="en-US" dirty="0"/>
+              <a:t>Handling Payments</a:t>
+            </a:r>
+          </a:p>
+          <a:p>
+            <a:r>
+              <a:rPr lang="en-US" dirty="0"/>
+              <a:t>REST API Basics</a:t>
+            </a:r>
+          </a:p>
+          <a:p>
+            <a:r>
+              <a:rPr lang="en-US" dirty="0"/>
+              <a:t>Advanced REST API Features</a:t>
+            </a:r>
+          </a:p>
+          <a:p>
+            <a:r>
+              <a:rPr lang="en-US" dirty="0"/>
+              <a:t>Using async-await</a:t>
+            </a:r>
+          </a:p>
+          <a:p>
+            <a:r>
+              <a:rPr lang="en-US" dirty="0"/>
+              <a:t>Websockets &amp; Socket.io</a:t>
+            </a:r>
+          </a:p>
+          <a:p>
+            <a:r>
+              <a:rPr lang="en-US" dirty="0" err="1"/>
+              <a:t>GraphQL</a:t>
+            </a:r>
+            <a:endParaRPr lang="en-US" dirty="0"/>
+          </a:p>
+          <a:p>
+            <a:r>
+              <a:rPr lang="en-US" dirty="0"/>
+              <a:t>Deployment</a:t>
+            </a:r>
+          </a:p>
+          <a:p>
+            <a:r>
+              <a:rPr lang="en-US" dirty="0"/>
+              <a:t>Beyond Web Servers</a:t>
             </a:r>
           </a:p>
         </p:txBody>
@@ -13101,7 +13105,7 @@
     </p:spTree>
     <p:extLst>
       <p:ext uri="{BB962C8B-B14F-4D97-AF65-F5344CB8AC3E}">
-        <p14:creationId xmlns:p14="http://schemas.microsoft.com/office/powerpoint/2010/main" val="4259136699"/>
+        <p14:creationId xmlns:p14="http://schemas.microsoft.com/office/powerpoint/2010/main" val="1918536730"/>
       </p:ext>
     </p:extLst>
   </p:cSld>
@@ -14802,6 +14806,974 @@
     <p:extLst>
       <p:ext uri="{BB962C8B-B14F-4D97-AF65-F5344CB8AC3E}">
         <p14:creationId xmlns:p14="http://schemas.microsoft.com/office/powerpoint/2010/main" val="1491450140"/>
+      </p:ext>
+    </p:extLst>
+  </p:cSld>
+  <p:clrMapOvr>
+    <a:masterClrMapping/>
+  </p:clrMapOvr>
+</p:sld>
+</file>
+
+<file path=ppt/slides/slide55.xml><?xml version="1.0" encoding="utf-8"?>
+<p:sld xmlns:a="http://schemas.openxmlformats.org/drawingml/2006/main" xmlns:r="http://schemas.openxmlformats.org/officeDocument/2006/relationships" xmlns:p="http://schemas.openxmlformats.org/presentationml/2006/main">
+  <p:cSld>
+    <p:spTree>
+      <p:nvGrpSpPr>
+        <p:cNvPr id="1" name=""/>
+        <p:cNvGrpSpPr/>
+        <p:nvPr/>
+      </p:nvGrpSpPr>
+      <p:grpSpPr>
+        <a:xfrm>
+          <a:off x="0" y="0"/>
+          <a:ext cx="0" cy="0"/>
+          <a:chOff x="0" y="0"/>
+          <a:chExt cx="0" cy="0"/>
+        </a:xfrm>
+      </p:grpSpPr>
+      <p:sp>
+        <p:nvSpPr>
+          <p:cNvPr id="2" name="Title 1">
+            <a:extLst>
+              <a:ext uri="{FF2B5EF4-FFF2-40B4-BE49-F238E27FC236}">
+                <a16:creationId xmlns:a16="http://schemas.microsoft.com/office/drawing/2014/main" id="{53418299-4863-5EA1-F0EC-B306ED6C7B2E}"/>
+              </a:ext>
+            </a:extLst>
+          </p:cNvPr>
+          <p:cNvSpPr>
+            <a:spLocks noGrp="1"/>
+          </p:cNvSpPr>
+          <p:nvPr>
+            <p:ph type="title"/>
+          </p:nvPr>
+        </p:nvSpPr>
+        <p:spPr/>
+        <p:txBody>
+          <a:bodyPr/>
+          <a:lstStyle/>
+          <a:p>
+            <a:r>
+              <a:rPr lang="en-US" dirty="0"/>
+              <a:t>Session</a:t>
+            </a:r>
+          </a:p>
+        </p:txBody>
+      </p:sp>
+      <p:sp>
+        <p:nvSpPr>
+          <p:cNvPr id="3" name="Content Placeholder 2">
+            <a:extLst>
+              <a:ext uri="{FF2B5EF4-FFF2-40B4-BE49-F238E27FC236}">
+                <a16:creationId xmlns:a16="http://schemas.microsoft.com/office/drawing/2014/main" id="{0D4534DC-4177-35FC-D95B-DA3EE557BE68}"/>
+              </a:ext>
+            </a:extLst>
+          </p:cNvPr>
+          <p:cNvSpPr>
+            <a:spLocks noGrp="1"/>
+          </p:cNvSpPr>
+          <p:nvPr>
+            <p:ph idx="1"/>
+          </p:nvPr>
+        </p:nvSpPr>
+        <p:spPr/>
+        <p:txBody>
+          <a:bodyPr/>
+          <a:lstStyle/>
+          <a:p>
+            <a:r>
+              <a:rPr lang="en-US" dirty="0"/>
+              <a:t>Initializing the Session Middleware</a:t>
+            </a:r>
+          </a:p>
+          <a:p>
+            <a:r>
+              <a:rPr lang="en-US" dirty="0"/>
+              <a:t>Using MongoDB to store Sessions</a:t>
+            </a:r>
+          </a:p>
+          <a:p>
+            <a:r>
+              <a:rPr lang="en-US" dirty="0"/>
+              <a:t>Deleting a Cookie</a:t>
+            </a:r>
+          </a:p>
+        </p:txBody>
+      </p:sp>
+    </p:spTree>
+    <p:extLst>
+      <p:ext uri="{BB962C8B-B14F-4D97-AF65-F5344CB8AC3E}">
+        <p14:creationId xmlns:p14="http://schemas.microsoft.com/office/powerpoint/2010/main" val="1760675280"/>
+      </p:ext>
+    </p:extLst>
+  </p:cSld>
+  <p:clrMapOvr>
+    <a:masterClrMapping/>
+  </p:clrMapOvr>
+</p:sld>
+</file>
+
+<file path=ppt/slides/slide56.xml><?xml version="1.0" encoding="utf-8"?>
+<p:sld xmlns:a="http://schemas.openxmlformats.org/drawingml/2006/main" xmlns:r="http://schemas.openxmlformats.org/officeDocument/2006/relationships" xmlns:p="http://schemas.openxmlformats.org/presentationml/2006/main">
+  <p:cSld>
+    <p:spTree>
+      <p:nvGrpSpPr>
+        <p:cNvPr id="1" name=""/>
+        <p:cNvGrpSpPr/>
+        <p:nvPr/>
+      </p:nvGrpSpPr>
+      <p:grpSpPr>
+        <a:xfrm>
+          <a:off x="0" y="0"/>
+          <a:ext cx="0" cy="0"/>
+          <a:chOff x="0" y="0"/>
+          <a:chExt cx="0" cy="0"/>
+        </a:xfrm>
+      </p:grpSpPr>
+      <p:sp>
+        <p:nvSpPr>
+          <p:cNvPr id="3" name="Content Placeholder 2">
+            <a:extLst>
+              <a:ext uri="{FF2B5EF4-FFF2-40B4-BE49-F238E27FC236}">
+                <a16:creationId xmlns:a16="http://schemas.microsoft.com/office/drawing/2014/main" id="{53FEA8DC-794E-5304-7022-B34B7B5563E2}"/>
+              </a:ext>
+            </a:extLst>
+          </p:cNvPr>
+          <p:cNvSpPr>
+            <a:spLocks noGrp="1"/>
+          </p:cNvSpPr>
+          <p:nvPr>
+            <p:ph idx="1"/>
+          </p:nvPr>
+        </p:nvSpPr>
+        <p:spPr>
+          <a:xfrm>
+            <a:off x="404037" y="255181"/>
+            <a:ext cx="10949763" cy="5921782"/>
+          </a:xfrm>
+        </p:spPr>
+        <p:txBody>
+          <a:bodyPr>
+            <a:normAutofit fontScale="92500" lnSpcReduction="20000"/>
+          </a:bodyPr>
+          <a:lstStyle/>
+          <a:p>
+            <a:pPr marL="0" indent="0">
+              <a:buNone/>
+            </a:pPr>
+            <a:r>
+              <a:rPr lang="en-US" dirty="0"/>
+              <a:t>Cookies</a:t>
+            </a:r>
+          </a:p>
+          <a:p>
+            <a:r>
+              <a:rPr lang="en-US" dirty="0"/>
+              <a:t>Great for storing data on the client (browser)</a:t>
+            </a:r>
+          </a:p>
+          <a:p>
+            <a:r>
+              <a:rPr lang="en-US" dirty="0"/>
+              <a:t>Do NOT store sensitive data here! It can be </a:t>
+            </a:r>
+            <a:r>
+              <a:rPr lang="en-US" dirty="0" err="1"/>
+              <a:t>viewed+manipulated</a:t>
+            </a:r>
+            <a:endParaRPr lang="en-US" dirty="0"/>
+          </a:p>
+          <a:p>
+            <a:r>
+              <a:rPr lang="en-US" dirty="0"/>
+              <a:t>Cookies can be configured to expire when the browser is closed or when a certain date is reached</a:t>
+            </a:r>
+          </a:p>
+          <a:p>
+            <a:r>
+              <a:rPr lang="en-US" dirty="0"/>
+              <a:t>Works well together with Sessions</a:t>
+            </a:r>
+          </a:p>
+          <a:p>
+            <a:endParaRPr lang="en-US" dirty="0"/>
+          </a:p>
+          <a:p>
+            <a:pPr marL="0" indent="0">
+              <a:buNone/>
+            </a:pPr>
+            <a:r>
+              <a:rPr lang="en-US" dirty="0"/>
+              <a:t>Sessions</a:t>
+            </a:r>
+          </a:p>
+          <a:p>
+            <a:r>
+              <a:rPr lang="en-US" dirty="0"/>
+              <a:t>Stored on the server, NOT on the client</a:t>
+            </a:r>
+          </a:p>
+          <a:p>
+            <a:r>
+              <a:rPr lang="en-US" dirty="0"/>
+              <a:t>Great for storing sensitive data that should survive across requests</a:t>
+            </a:r>
+          </a:p>
+          <a:p>
+            <a:r>
+              <a:rPr lang="en-US" dirty="0"/>
+              <a:t>You can store ANYTHING in sessions</a:t>
+            </a:r>
+          </a:p>
+          <a:p>
+            <a:r>
+              <a:rPr lang="en-US" dirty="0"/>
+              <a:t>Often used for storing user data/ authentication status</a:t>
+            </a:r>
+          </a:p>
+          <a:p>
+            <a:r>
+              <a:rPr lang="en-US" dirty="0"/>
+              <a:t>Identified via Cokie </a:t>
+            </a:r>
+          </a:p>
+          <a:p>
+            <a:r>
+              <a:rPr lang="en-US" dirty="0"/>
+              <a:t>You can use different storages for saving your sessions on the server</a:t>
+            </a:r>
+          </a:p>
+        </p:txBody>
+      </p:sp>
+    </p:spTree>
+    <p:extLst>
+      <p:ext uri="{BB962C8B-B14F-4D97-AF65-F5344CB8AC3E}">
+        <p14:creationId xmlns:p14="http://schemas.microsoft.com/office/powerpoint/2010/main" val="1772218542"/>
+      </p:ext>
+    </p:extLst>
+  </p:cSld>
+  <p:clrMapOvr>
+    <a:masterClrMapping/>
+  </p:clrMapOvr>
+</p:sld>
+</file>
+
+<file path=ppt/slides/slide57.xml><?xml version="1.0" encoding="utf-8"?>
+<p:sld xmlns:a="http://schemas.openxmlformats.org/drawingml/2006/main" xmlns:r="http://schemas.openxmlformats.org/officeDocument/2006/relationships" xmlns:p="http://schemas.openxmlformats.org/presentationml/2006/main">
+  <p:cSld>
+    <p:spTree>
+      <p:nvGrpSpPr>
+        <p:cNvPr id="1" name=""/>
+        <p:cNvGrpSpPr/>
+        <p:nvPr/>
+      </p:nvGrpSpPr>
+      <p:grpSpPr>
+        <a:xfrm>
+          <a:off x="0" y="0"/>
+          <a:ext cx="0" cy="0"/>
+          <a:chOff x="0" y="0"/>
+          <a:chExt cx="0" cy="0"/>
+        </a:xfrm>
+      </p:grpSpPr>
+      <p:sp>
+        <p:nvSpPr>
+          <p:cNvPr id="2" name="Title 1">
+            <a:extLst>
+              <a:ext uri="{FF2B5EF4-FFF2-40B4-BE49-F238E27FC236}">
+                <a16:creationId xmlns:a16="http://schemas.microsoft.com/office/drawing/2014/main" id="{010407D1-A557-35FF-7698-00F907C2AC1C}"/>
+              </a:ext>
+            </a:extLst>
+          </p:cNvPr>
+          <p:cNvSpPr>
+            <a:spLocks noGrp="1"/>
+          </p:cNvSpPr>
+          <p:nvPr>
+            <p:ph type="title"/>
+          </p:nvPr>
+        </p:nvSpPr>
+        <p:spPr/>
+        <p:txBody>
+          <a:bodyPr/>
+          <a:lstStyle/>
+          <a:p>
+            <a:r>
+              <a:rPr lang="en-US" dirty="0"/>
+              <a:t>User Authentication</a:t>
+            </a:r>
+          </a:p>
+        </p:txBody>
+      </p:sp>
+      <p:sp>
+        <p:nvSpPr>
+          <p:cNvPr id="3" name="Rectangle 2">
+            <a:extLst>
+              <a:ext uri="{FF2B5EF4-FFF2-40B4-BE49-F238E27FC236}">
+                <a16:creationId xmlns:a16="http://schemas.microsoft.com/office/drawing/2014/main" id="{8D829C2A-AC4C-1BD7-2263-4BC2AC1A9A0D}"/>
+              </a:ext>
+            </a:extLst>
+          </p:cNvPr>
+          <p:cNvSpPr/>
+          <p:nvPr/>
+        </p:nvSpPr>
+        <p:spPr>
+          <a:xfrm>
+            <a:off x="4061637" y="1403498"/>
+            <a:ext cx="2456121" cy="988828"/>
+          </a:xfrm>
+          <a:prstGeom prst="rect">
+            <a:avLst/>
+          </a:prstGeom>
+        </p:spPr>
+        <p:style>
+          <a:lnRef idx="2">
+            <a:schemeClr val="accent1">
+              <a:shade val="15000"/>
+            </a:schemeClr>
+          </a:lnRef>
+          <a:fillRef idx="1">
+            <a:schemeClr val="accent1"/>
+          </a:fillRef>
+          <a:effectRef idx="0">
+            <a:schemeClr val="accent1"/>
+          </a:effectRef>
+          <a:fontRef idx="minor">
+            <a:schemeClr val="lt1"/>
+          </a:fontRef>
+        </p:style>
+        <p:txBody>
+          <a:bodyPr rtlCol="0" anchor="ctr"/>
+          <a:lstStyle/>
+          <a:p>
+            <a:pPr algn="ctr"/>
+            <a:r>
+              <a:rPr lang="en-US" dirty="0"/>
+              <a:t>User</a:t>
+            </a:r>
+          </a:p>
+        </p:txBody>
+      </p:sp>
+      <p:sp>
+        <p:nvSpPr>
+          <p:cNvPr id="4" name="Rectangle 3">
+            <a:extLst>
+              <a:ext uri="{FF2B5EF4-FFF2-40B4-BE49-F238E27FC236}">
+                <a16:creationId xmlns:a16="http://schemas.microsoft.com/office/drawing/2014/main" id="{6B131EFF-4404-325E-821D-2209C756E62A}"/>
+              </a:ext>
+            </a:extLst>
+          </p:cNvPr>
+          <p:cNvSpPr/>
+          <p:nvPr/>
+        </p:nvSpPr>
+        <p:spPr>
+          <a:xfrm>
+            <a:off x="1205023" y="2934586"/>
+            <a:ext cx="2456121" cy="988828"/>
+          </a:xfrm>
+          <a:prstGeom prst="rect">
+            <a:avLst/>
+          </a:prstGeom>
+        </p:spPr>
+        <p:style>
+          <a:lnRef idx="2">
+            <a:schemeClr val="accent1">
+              <a:shade val="15000"/>
+            </a:schemeClr>
+          </a:lnRef>
+          <a:fillRef idx="1">
+            <a:schemeClr val="accent1"/>
+          </a:fillRef>
+          <a:effectRef idx="0">
+            <a:schemeClr val="accent1"/>
+          </a:effectRef>
+          <a:fontRef idx="minor">
+            <a:schemeClr val="lt1"/>
+          </a:fontRef>
+        </p:style>
+        <p:txBody>
+          <a:bodyPr rtlCol="0" anchor="ctr"/>
+          <a:lstStyle/>
+          <a:p>
+            <a:pPr algn="ctr"/>
+            <a:r>
+              <a:rPr lang="en-US" dirty="0"/>
+              <a:t>View all products</a:t>
+            </a:r>
+          </a:p>
+        </p:txBody>
+      </p:sp>
+      <p:sp>
+        <p:nvSpPr>
+          <p:cNvPr id="5" name="Rectangle 4">
+            <a:extLst>
+              <a:ext uri="{FF2B5EF4-FFF2-40B4-BE49-F238E27FC236}">
+                <a16:creationId xmlns:a16="http://schemas.microsoft.com/office/drawing/2014/main" id="{E6D964C2-02A4-6482-B3F3-17DDDB0D841C}"/>
+              </a:ext>
+            </a:extLst>
+          </p:cNvPr>
+          <p:cNvSpPr/>
+          <p:nvPr/>
+        </p:nvSpPr>
+        <p:spPr>
+          <a:xfrm>
+            <a:off x="4867939" y="2955851"/>
+            <a:ext cx="2456121" cy="988828"/>
+          </a:xfrm>
+          <a:prstGeom prst="rect">
+            <a:avLst/>
+          </a:prstGeom>
+        </p:spPr>
+        <p:style>
+          <a:lnRef idx="2">
+            <a:schemeClr val="accent1">
+              <a:shade val="15000"/>
+            </a:schemeClr>
+          </a:lnRef>
+          <a:fillRef idx="1">
+            <a:schemeClr val="accent1"/>
+          </a:fillRef>
+          <a:effectRef idx="0">
+            <a:schemeClr val="accent1"/>
+          </a:effectRef>
+          <a:fontRef idx="minor">
+            <a:schemeClr val="lt1"/>
+          </a:fontRef>
+        </p:style>
+        <p:txBody>
+          <a:bodyPr rtlCol="0" anchor="ctr"/>
+          <a:lstStyle/>
+          <a:p>
+            <a:pPr algn="ctr"/>
+            <a:r>
+              <a:rPr lang="en-US" dirty="0"/>
+              <a:t>Create &amp; Manage Products</a:t>
+            </a:r>
+          </a:p>
+        </p:txBody>
+      </p:sp>
+      <p:sp>
+        <p:nvSpPr>
+          <p:cNvPr id="6" name="Rectangle 5">
+            <a:extLst>
+              <a:ext uri="{FF2B5EF4-FFF2-40B4-BE49-F238E27FC236}">
+                <a16:creationId xmlns:a16="http://schemas.microsoft.com/office/drawing/2014/main" id="{556C3D19-540C-7319-8700-769D9DDEFB66}"/>
+              </a:ext>
+            </a:extLst>
+          </p:cNvPr>
+          <p:cNvSpPr/>
+          <p:nvPr/>
+        </p:nvSpPr>
+        <p:spPr>
+          <a:xfrm>
+            <a:off x="8530855" y="2955851"/>
+            <a:ext cx="2456121" cy="988828"/>
+          </a:xfrm>
+          <a:prstGeom prst="rect">
+            <a:avLst/>
+          </a:prstGeom>
+        </p:spPr>
+        <p:style>
+          <a:lnRef idx="2">
+            <a:schemeClr val="accent1">
+              <a:shade val="15000"/>
+            </a:schemeClr>
+          </a:lnRef>
+          <a:fillRef idx="1">
+            <a:schemeClr val="accent1"/>
+          </a:fillRef>
+          <a:effectRef idx="0">
+            <a:schemeClr val="accent1"/>
+          </a:effectRef>
+          <a:fontRef idx="minor">
+            <a:schemeClr val="lt1"/>
+          </a:fontRef>
+        </p:style>
+        <p:txBody>
+          <a:bodyPr rtlCol="0" anchor="ctr"/>
+          <a:lstStyle/>
+          <a:p>
+            <a:pPr algn="ctr"/>
+            <a:r>
+              <a:rPr lang="en-US" dirty="0"/>
+              <a:t>Place Orders</a:t>
+            </a:r>
+          </a:p>
+        </p:txBody>
+      </p:sp>
+      <p:sp>
+        <p:nvSpPr>
+          <p:cNvPr id="7" name="Rectangle 6">
+            <a:extLst>
+              <a:ext uri="{FF2B5EF4-FFF2-40B4-BE49-F238E27FC236}">
+                <a16:creationId xmlns:a16="http://schemas.microsoft.com/office/drawing/2014/main" id="{54C39337-4E36-53C2-DA25-1132011AF8A3}"/>
+              </a:ext>
+            </a:extLst>
+          </p:cNvPr>
+          <p:cNvSpPr/>
+          <p:nvPr/>
+        </p:nvSpPr>
+        <p:spPr>
+          <a:xfrm>
+            <a:off x="3863162" y="4508204"/>
+            <a:ext cx="2456121" cy="988828"/>
+          </a:xfrm>
+          <a:prstGeom prst="rect">
+            <a:avLst/>
+          </a:prstGeom>
+        </p:spPr>
+        <p:style>
+          <a:lnRef idx="2">
+            <a:schemeClr val="accent1">
+              <a:shade val="15000"/>
+            </a:schemeClr>
+          </a:lnRef>
+          <a:fillRef idx="1">
+            <a:schemeClr val="accent1"/>
+          </a:fillRef>
+          <a:effectRef idx="0">
+            <a:schemeClr val="accent1"/>
+          </a:effectRef>
+          <a:fontRef idx="minor">
+            <a:schemeClr val="lt1"/>
+          </a:fontRef>
+        </p:style>
+        <p:txBody>
+          <a:bodyPr rtlCol="0" anchor="ctr"/>
+          <a:lstStyle/>
+          <a:p>
+            <a:pPr algn="ctr"/>
+            <a:r>
+              <a:rPr lang="en-US" dirty="0"/>
+              <a:t>Server</a:t>
+            </a:r>
+          </a:p>
+        </p:txBody>
+      </p:sp>
+      <p:sp>
+        <p:nvSpPr>
+          <p:cNvPr id="8" name="Rectangle 7">
+            <a:extLst>
+              <a:ext uri="{FF2B5EF4-FFF2-40B4-BE49-F238E27FC236}">
+                <a16:creationId xmlns:a16="http://schemas.microsoft.com/office/drawing/2014/main" id="{4840539E-BA0A-99E3-A013-37F6243D1CDD}"/>
+              </a:ext>
+            </a:extLst>
+          </p:cNvPr>
+          <p:cNvSpPr/>
+          <p:nvPr/>
+        </p:nvSpPr>
+        <p:spPr>
+          <a:xfrm>
+            <a:off x="3781646" y="5773367"/>
+            <a:ext cx="2456121" cy="988828"/>
+          </a:xfrm>
+          <a:prstGeom prst="rect">
+            <a:avLst/>
+          </a:prstGeom>
+        </p:spPr>
+        <p:style>
+          <a:lnRef idx="2">
+            <a:schemeClr val="accent1">
+              <a:shade val="15000"/>
+            </a:schemeClr>
+          </a:lnRef>
+          <a:fillRef idx="1">
+            <a:schemeClr val="accent1"/>
+          </a:fillRef>
+          <a:effectRef idx="0">
+            <a:schemeClr val="accent1"/>
+          </a:effectRef>
+          <a:fontRef idx="minor">
+            <a:schemeClr val="lt1"/>
+          </a:fontRef>
+        </p:style>
+        <p:txBody>
+          <a:bodyPr rtlCol="0" anchor="ctr"/>
+          <a:lstStyle/>
+          <a:p>
+            <a:pPr algn="ctr"/>
+            <a:r>
+              <a:rPr lang="en-US" dirty="0"/>
+              <a:t>Database</a:t>
+            </a:r>
+          </a:p>
+        </p:txBody>
+      </p:sp>
+      <p:cxnSp>
+        <p:nvCxnSpPr>
+          <p:cNvPr id="10" name="Elbow Connector 9">
+            <a:extLst>
+              <a:ext uri="{FF2B5EF4-FFF2-40B4-BE49-F238E27FC236}">
+                <a16:creationId xmlns:a16="http://schemas.microsoft.com/office/drawing/2014/main" id="{77E5BC40-2C06-B5B9-EAED-F8F43B3ADEDE}"/>
+              </a:ext>
+            </a:extLst>
+          </p:cNvPr>
+          <p:cNvCxnSpPr>
+            <a:stCxn id="3" idx="2"/>
+            <a:endCxn id="4" idx="0"/>
+          </p:cNvCxnSpPr>
+          <p:nvPr/>
+        </p:nvCxnSpPr>
+        <p:spPr>
+          <a:xfrm rot="5400000">
+            <a:off x="3590261" y="1235149"/>
+            <a:ext cx="542260" cy="2856614"/>
+          </a:xfrm>
+          <a:prstGeom prst="bentConnector3">
+            <a:avLst/>
+          </a:prstGeom>
+          <a:ln>
+            <a:tailEnd type="triangle"/>
+          </a:ln>
+        </p:spPr>
+        <p:style>
+          <a:lnRef idx="2">
+            <a:schemeClr val="accent1"/>
+          </a:lnRef>
+          <a:fillRef idx="0">
+            <a:schemeClr val="accent1"/>
+          </a:fillRef>
+          <a:effectRef idx="1">
+            <a:schemeClr val="accent1"/>
+          </a:effectRef>
+          <a:fontRef idx="minor">
+            <a:schemeClr val="tx1"/>
+          </a:fontRef>
+        </p:style>
+      </p:cxnSp>
+      <p:cxnSp>
+        <p:nvCxnSpPr>
+          <p:cNvPr id="12" name="Elbow Connector 11">
+            <a:extLst>
+              <a:ext uri="{FF2B5EF4-FFF2-40B4-BE49-F238E27FC236}">
+                <a16:creationId xmlns:a16="http://schemas.microsoft.com/office/drawing/2014/main" id="{E5FBA3B2-E674-FE36-FF98-2F9A0BE4675D}"/>
+              </a:ext>
+            </a:extLst>
+          </p:cNvPr>
+          <p:cNvCxnSpPr>
+            <a:stCxn id="3" idx="2"/>
+            <a:endCxn id="5" idx="0"/>
+          </p:cNvCxnSpPr>
+          <p:nvPr/>
+        </p:nvCxnSpPr>
+        <p:spPr>
+          <a:xfrm rot="16200000" flipH="1">
+            <a:off x="5411087" y="2270937"/>
+            <a:ext cx="563525" cy="806302"/>
+          </a:xfrm>
+          <a:prstGeom prst="bentConnector3">
+            <a:avLst/>
+          </a:prstGeom>
+          <a:ln>
+            <a:tailEnd type="triangle"/>
+          </a:ln>
+        </p:spPr>
+        <p:style>
+          <a:lnRef idx="2">
+            <a:schemeClr val="accent1"/>
+          </a:lnRef>
+          <a:fillRef idx="0">
+            <a:schemeClr val="accent1"/>
+          </a:fillRef>
+          <a:effectRef idx="1">
+            <a:schemeClr val="accent1"/>
+          </a:effectRef>
+          <a:fontRef idx="minor">
+            <a:schemeClr val="tx1"/>
+          </a:fontRef>
+        </p:style>
+      </p:cxnSp>
+      <p:cxnSp>
+        <p:nvCxnSpPr>
+          <p:cNvPr id="14" name="Elbow Connector 13">
+            <a:extLst>
+              <a:ext uri="{FF2B5EF4-FFF2-40B4-BE49-F238E27FC236}">
+                <a16:creationId xmlns:a16="http://schemas.microsoft.com/office/drawing/2014/main" id="{BB49207E-9F09-FC90-35E1-78257B9DDF53}"/>
+              </a:ext>
+            </a:extLst>
+          </p:cNvPr>
+          <p:cNvCxnSpPr>
+            <a:stCxn id="3" idx="2"/>
+            <a:endCxn id="6" idx="0"/>
+          </p:cNvCxnSpPr>
+          <p:nvPr/>
+        </p:nvCxnSpPr>
+        <p:spPr>
+          <a:xfrm rot="16200000" flipH="1">
+            <a:off x="7242545" y="439479"/>
+            <a:ext cx="563525" cy="4469218"/>
+          </a:xfrm>
+          <a:prstGeom prst="bentConnector3">
+            <a:avLst/>
+          </a:prstGeom>
+          <a:ln>
+            <a:tailEnd type="triangle"/>
+          </a:ln>
+        </p:spPr>
+        <p:style>
+          <a:lnRef idx="2">
+            <a:schemeClr val="accent1"/>
+          </a:lnRef>
+          <a:fillRef idx="0">
+            <a:schemeClr val="accent1"/>
+          </a:fillRef>
+          <a:effectRef idx="1">
+            <a:schemeClr val="accent1"/>
+          </a:effectRef>
+          <a:fontRef idx="minor">
+            <a:schemeClr val="tx1"/>
+          </a:fontRef>
+        </p:style>
+      </p:cxnSp>
+      <p:sp>
+        <p:nvSpPr>
+          <p:cNvPr id="15" name="Rectangle 14">
+            <a:extLst>
+              <a:ext uri="{FF2B5EF4-FFF2-40B4-BE49-F238E27FC236}">
+                <a16:creationId xmlns:a16="http://schemas.microsoft.com/office/drawing/2014/main" id="{A6DC3B6E-38D2-F923-600A-33F22C48FDA9}"/>
+              </a:ext>
+            </a:extLst>
+          </p:cNvPr>
+          <p:cNvSpPr/>
+          <p:nvPr/>
+        </p:nvSpPr>
+        <p:spPr>
+          <a:xfrm>
+            <a:off x="4582633" y="2551814"/>
+            <a:ext cx="6847367" cy="1818167"/>
+          </a:xfrm>
+          <a:prstGeom prst="rect">
+            <a:avLst/>
+          </a:prstGeom>
+          <a:noFill/>
+          <a:ln w="57150">
+            <a:solidFill>
+              <a:srgbClr val="FF0000"/>
+            </a:solidFill>
+            <a:prstDash val="sysDash"/>
+          </a:ln>
+        </p:spPr>
+        <p:style>
+          <a:lnRef idx="2">
+            <a:schemeClr val="accent1">
+              <a:shade val="15000"/>
+            </a:schemeClr>
+          </a:lnRef>
+          <a:fillRef idx="1">
+            <a:schemeClr val="accent1"/>
+          </a:fillRef>
+          <a:effectRef idx="0">
+            <a:schemeClr val="accent1"/>
+          </a:effectRef>
+          <a:fontRef idx="minor">
+            <a:schemeClr val="lt1"/>
+          </a:fontRef>
+        </p:style>
+        <p:txBody>
+          <a:bodyPr rtlCol="0" anchor="ctr"/>
+          <a:lstStyle/>
+          <a:p>
+            <a:pPr algn="ctr"/>
+            <a:endParaRPr lang="en-US"/>
+          </a:p>
+        </p:txBody>
+      </p:sp>
+      <p:sp>
+        <p:nvSpPr>
+          <p:cNvPr id="16" name="TextBox 15">
+            <a:extLst>
+              <a:ext uri="{FF2B5EF4-FFF2-40B4-BE49-F238E27FC236}">
+                <a16:creationId xmlns:a16="http://schemas.microsoft.com/office/drawing/2014/main" id="{255D0D7B-FFFA-A89E-F51D-49FFB4BFC7FD}"/>
+              </a:ext>
+            </a:extLst>
+          </p:cNvPr>
+          <p:cNvSpPr txBox="1"/>
+          <p:nvPr/>
+        </p:nvSpPr>
+        <p:spPr>
+          <a:xfrm>
+            <a:off x="1350335" y="4125433"/>
+            <a:ext cx="1751057" cy="369332"/>
+          </a:xfrm>
+          <a:prstGeom prst="rect">
+            <a:avLst/>
+          </a:prstGeom>
+          <a:noFill/>
+        </p:spPr>
+        <p:txBody>
+          <a:bodyPr wrap="none" rtlCol="0">
+            <a:spAutoFit/>
+          </a:bodyPr>
+          <a:lstStyle/>
+          <a:p>
+            <a:r>
+              <a:rPr lang="en-US" dirty="0"/>
+              <a:t>Open to anyone</a:t>
+            </a:r>
+          </a:p>
+        </p:txBody>
+      </p:sp>
+      <p:sp>
+        <p:nvSpPr>
+          <p:cNvPr id="17" name="TextBox 16">
+            <a:extLst>
+              <a:ext uri="{FF2B5EF4-FFF2-40B4-BE49-F238E27FC236}">
+                <a16:creationId xmlns:a16="http://schemas.microsoft.com/office/drawing/2014/main" id="{F7EBCA3E-C9E5-F02E-8EE5-6D9734A0A934}"/>
+              </a:ext>
+            </a:extLst>
+          </p:cNvPr>
+          <p:cNvSpPr txBox="1"/>
+          <p:nvPr/>
+        </p:nvSpPr>
+        <p:spPr>
+          <a:xfrm>
+            <a:off x="7021033" y="3972664"/>
+            <a:ext cx="3397405" cy="369332"/>
+          </a:xfrm>
+          <a:prstGeom prst="rect">
+            <a:avLst/>
+          </a:prstGeom>
+          <a:noFill/>
+        </p:spPr>
+        <p:txBody>
+          <a:bodyPr wrap="none" rtlCol="0">
+            <a:spAutoFit/>
+          </a:bodyPr>
+          <a:lstStyle/>
+          <a:p>
+            <a:r>
+              <a:rPr lang="en-US" dirty="0"/>
+              <a:t>Only available to logged-in users</a:t>
+            </a:r>
+          </a:p>
+        </p:txBody>
+      </p:sp>
+    </p:spTree>
+    <p:extLst>
+      <p:ext uri="{BB962C8B-B14F-4D97-AF65-F5344CB8AC3E}">
+        <p14:creationId xmlns:p14="http://schemas.microsoft.com/office/powerpoint/2010/main" val="3501183413"/>
+      </p:ext>
+    </p:extLst>
+  </p:cSld>
+  <p:clrMapOvr>
+    <a:masterClrMapping/>
+  </p:clrMapOvr>
+</p:sld>
+</file>
+
+<file path=ppt/slides/slide58.xml><?xml version="1.0" encoding="utf-8"?>
+<p:sld xmlns:a="http://schemas.openxmlformats.org/drawingml/2006/main" xmlns:r="http://schemas.openxmlformats.org/officeDocument/2006/relationships" xmlns:p="http://schemas.openxmlformats.org/presentationml/2006/main">
+  <p:cSld>
+    <p:spTree>
+      <p:nvGrpSpPr>
+        <p:cNvPr id="1" name=""/>
+        <p:cNvGrpSpPr/>
+        <p:nvPr/>
+      </p:nvGrpSpPr>
+      <p:grpSpPr>
+        <a:xfrm>
+          <a:off x="0" y="0"/>
+          <a:ext cx="0" cy="0"/>
+          <a:chOff x="0" y="0"/>
+          <a:chExt cx="0" cy="0"/>
+        </a:xfrm>
+      </p:grpSpPr>
+      <p:sp>
+        <p:nvSpPr>
+          <p:cNvPr id="2" name="Title 1">
+            <a:extLst>
+              <a:ext uri="{FF2B5EF4-FFF2-40B4-BE49-F238E27FC236}">
+                <a16:creationId xmlns:a16="http://schemas.microsoft.com/office/drawing/2014/main" id="{70296396-AFF1-B870-465F-6268D6EC08C0}"/>
+              </a:ext>
+            </a:extLst>
+          </p:cNvPr>
+          <p:cNvSpPr>
+            <a:spLocks noGrp="1"/>
+          </p:cNvSpPr>
+          <p:nvPr>
+            <p:ph type="title"/>
+          </p:nvPr>
+        </p:nvSpPr>
+        <p:spPr/>
+        <p:txBody>
+          <a:bodyPr/>
+          <a:lstStyle/>
+          <a:p>
+            <a:endParaRPr lang="en-US"/>
+          </a:p>
+        </p:txBody>
+      </p:sp>
+      <p:sp>
+        <p:nvSpPr>
+          <p:cNvPr id="3" name="Content Placeholder 2">
+            <a:extLst>
+              <a:ext uri="{FF2B5EF4-FFF2-40B4-BE49-F238E27FC236}">
+                <a16:creationId xmlns:a16="http://schemas.microsoft.com/office/drawing/2014/main" id="{35EFBD8F-2C5E-5D39-A133-C396E9C6DABD}"/>
+              </a:ext>
+            </a:extLst>
+          </p:cNvPr>
+          <p:cNvSpPr>
+            <a:spLocks noGrp="1"/>
+          </p:cNvSpPr>
+          <p:nvPr>
+            <p:ph idx="1"/>
+          </p:nvPr>
+        </p:nvSpPr>
+        <p:spPr/>
+        <p:txBody>
+          <a:bodyPr/>
+          <a:lstStyle/>
+          <a:p>
+            <a:r>
+              <a:rPr lang="en-US" dirty="0"/>
+              <a:t>Implementing an Authentication Flow</a:t>
+            </a:r>
+          </a:p>
+          <a:p>
+            <a:r>
+              <a:rPr lang="en-US" dirty="0"/>
+              <a:t>Working on Route Protection</a:t>
+            </a:r>
+          </a:p>
+          <a:p>
+            <a:r>
+              <a:rPr lang="en-US" dirty="0"/>
+              <a:t>Using Middleware to Protect routes</a:t>
+            </a:r>
+          </a:p>
+          <a:p>
+            <a:r>
+              <a:rPr lang="en-US" dirty="0"/>
+              <a:t>CSRF Attacks – Cross-Site Request Forgery</a:t>
+            </a:r>
+          </a:p>
+          <a:p>
+            <a:r>
+              <a:rPr lang="en-US" dirty="0" err="1"/>
+              <a:t>Airtel.com</a:t>
+            </a:r>
+            <a:r>
+              <a:rPr lang="en-US" dirty="0"/>
+              <a:t> </a:t>
+            </a:r>
+            <a:r>
+              <a:rPr lang="en-US" dirty="0" err="1"/>
+              <a:t>Aiitel.com</a:t>
+            </a:r>
+            <a:r>
+              <a:rPr lang="en-US" dirty="0"/>
+              <a:t> (</a:t>
+            </a:r>
+            <a:r>
+              <a:rPr lang="en-US"/>
+              <a:t>send money to C)</a:t>
+            </a:r>
+            <a:endParaRPr lang="en-US" dirty="0"/>
+          </a:p>
+        </p:txBody>
+      </p:sp>
+    </p:spTree>
+    <p:extLst>
+      <p:ext uri="{BB962C8B-B14F-4D97-AF65-F5344CB8AC3E}">
+        <p14:creationId xmlns:p14="http://schemas.microsoft.com/office/powerpoint/2010/main" val="3631609255"/>
       </p:ext>
     </p:extLst>
   </p:cSld>

--- a/Node/node.pptx
+++ b/Node/node.pptx
@@ -63,6 +63,10 @@
     <p:sldId id="311" r:id="rId57"/>
     <p:sldId id="312" r:id="rId58"/>
     <p:sldId id="313" r:id="rId59"/>
+    <p:sldId id="314" r:id="rId60"/>
+    <p:sldId id="315" r:id="rId61"/>
+    <p:sldId id="316" r:id="rId62"/>
+    <p:sldId id="317" r:id="rId63"/>
   </p:sldIdLst>
   <p:sldSz cx="12192000" cy="6858000"/>
   <p:notesSz cx="6858000" cy="9144000"/>
@@ -318,7 +322,7 @@
           <a:p>
             <a:fld id="{70AC578A-F481-8B4F-AC68-5322D79242CE}" type="datetimeFigureOut">
               <a:rPr lang="en-US" smtClean="0"/>
-              <a:t>1/22/26</a:t>
+              <a:t>1/28/26</a:t>
             </a:fld>
             <a:endParaRPr lang="en-US"/>
           </a:p>
@@ -518,7 +522,7 @@
           <a:p>
             <a:fld id="{70AC578A-F481-8B4F-AC68-5322D79242CE}" type="datetimeFigureOut">
               <a:rPr lang="en-US" smtClean="0"/>
-              <a:t>1/22/26</a:t>
+              <a:t>1/28/26</a:t>
             </a:fld>
             <a:endParaRPr lang="en-US"/>
           </a:p>
@@ -728,7 +732,7 @@
           <a:p>
             <a:fld id="{70AC578A-F481-8B4F-AC68-5322D79242CE}" type="datetimeFigureOut">
               <a:rPr lang="en-US" smtClean="0"/>
-              <a:t>1/22/26</a:t>
+              <a:t>1/28/26</a:t>
             </a:fld>
             <a:endParaRPr lang="en-US"/>
           </a:p>
@@ -928,7 +932,7 @@
           <a:p>
             <a:fld id="{70AC578A-F481-8B4F-AC68-5322D79242CE}" type="datetimeFigureOut">
               <a:rPr lang="en-US" smtClean="0"/>
-              <a:t>1/22/26</a:t>
+              <a:t>1/28/26</a:t>
             </a:fld>
             <a:endParaRPr lang="en-US"/>
           </a:p>
@@ -1204,7 +1208,7 @@
           <a:p>
             <a:fld id="{70AC578A-F481-8B4F-AC68-5322D79242CE}" type="datetimeFigureOut">
               <a:rPr lang="en-US" smtClean="0"/>
-              <a:t>1/22/26</a:t>
+              <a:t>1/28/26</a:t>
             </a:fld>
             <a:endParaRPr lang="en-US"/>
           </a:p>
@@ -1472,7 +1476,7 @@
           <a:p>
             <a:fld id="{70AC578A-F481-8B4F-AC68-5322D79242CE}" type="datetimeFigureOut">
               <a:rPr lang="en-US" smtClean="0"/>
-              <a:t>1/22/26</a:t>
+              <a:t>1/28/26</a:t>
             </a:fld>
             <a:endParaRPr lang="en-US"/>
           </a:p>
@@ -1887,7 +1891,7 @@
           <a:p>
             <a:fld id="{70AC578A-F481-8B4F-AC68-5322D79242CE}" type="datetimeFigureOut">
               <a:rPr lang="en-US" smtClean="0"/>
-              <a:t>1/22/26</a:t>
+              <a:t>1/28/26</a:t>
             </a:fld>
             <a:endParaRPr lang="en-US"/>
           </a:p>
@@ -2029,7 +2033,7 @@
           <a:p>
             <a:fld id="{70AC578A-F481-8B4F-AC68-5322D79242CE}" type="datetimeFigureOut">
               <a:rPr lang="en-US" smtClean="0"/>
-              <a:t>1/22/26</a:t>
+              <a:t>1/28/26</a:t>
             </a:fld>
             <a:endParaRPr lang="en-US"/>
           </a:p>
@@ -2142,7 +2146,7 @@
           <a:p>
             <a:fld id="{70AC578A-F481-8B4F-AC68-5322D79242CE}" type="datetimeFigureOut">
               <a:rPr lang="en-US" smtClean="0"/>
-              <a:t>1/22/26</a:t>
+              <a:t>1/28/26</a:t>
             </a:fld>
             <a:endParaRPr lang="en-US"/>
           </a:p>
@@ -2455,7 +2459,7 @@
           <a:p>
             <a:fld id="{70AC578A-F481-8B4F-AC68-5322D79242CE}" type="datetimeFigureOut">
               <a:rPr lang="en-US" smtClean="0"/>
-              <a:t>1/22/26</a:t>
+              <a:t>1/28/26</a:t>
             </a:fld>
             <a:endParaRPr lang="en-US"/>
           </a:p>
@@ -2744,7 +2748,7 @@
           <a:p>
             <a:fld id="{70AC578A-F481-8B4F-AC68-5322D79242CE}" type="datetimeFigureOut">
               <a:rPr lang="en-US" smtClean="0"/>
-              <a:t>1/22/26</a:t>
+              <a:t>1/28/26</a:t>
             </a:fld>
             <a:endParaRPr lang="en-US"/>
           </a:p>
@@ -2987,7 +2991,7 @@
           <a:p>
             <a:fld id="{70AC578A-F481-8B4F-AC68-5322D79242CE}" type="datetimeFigureOut">
               <a:rPr lang="en-US" smtClean="0"/>
-              <a:t>1/22/26</a:t>
+              <a:t>1/28/26</a:t>
             </a:fld>
             <a:endParaRPr lang="en-US"/>
           </a:p>
@@ -15034,7 +15038,7 @@
           <a:p>
             <a:r>
               <a:rPr lang="en-US" dirty="0"/>
-              <a:t>Identified via Cokie </a:t>
+              <a:t>Identified via Cookie </a:t>
             </a:r>
           </a:p>
           <a:p>
@@ -15760,12 +15764,22 @@
             </a:r>
             <a:r>
               <a:rPr lang="en-US" dirty="0"/>
-              <a:t> (</a:t>
-            </a:r>
-            <a:r>
-              <a:rPr lang="en-US"/>
-              <a:t>send money to C)</a:t>
-            </a:r>
+              <a:t> (send money to C)</a:t>
+            </a:r>
+          </a:p>
+          <a:p>
+            <a:r>
+              <a:rPr lang="en-US" dirty="0"/>
+              <a:t>Fixing Order Button</a:t>
+            </a:r>
+          </a:p>
+          <a:p>
+            <a:r>
+              <a:rPr lang="en-US" dirty="0"/>
+              <a:t>Providing user Feedback</a:t>
+            </a:r>
+          </a:p>
+          <a:p>
             <a:endParaRPr lang="en-US" dirty="0"/>
           </a:p>
         </p:txBody>
@@ -15774,6 +15788,147 @@
     <p:extLst>
       <p:ext uri="{BB962C8B-B14F-4D97-AF65-F5344CB8AC3E}">
         <p14:creationId xmlns:p14="http://schemas.microsoft.com/office/powerpoint/2010/main" val="3631609255"/>
+      </p:ext>
+    </p:extLst>
+  </p:cSld>
+  <p:clrMapOvr>
+    <a:masterClrMapping/>
+  </p:clrMapOvr>
+</p:sld>
+</file>
+
+<file path=ppt/slides/slide59.xml><?xml version="1.0" encoding="utf-8"?>
+<p:sld xmlns:a="http://schemas.openxmlformats.org/drawingml/2006/main" xmlns:r="http://schemas.openxmlformats.org/officeDocument/2006/relationships" xmlns:p="http://schemas.openxmlformats.org/presentationml/2006/main">
+  <p:cSld>
+    <p:spTree>
+      <p:nvGrpSpPr>
+        <p:cNvPr id="1" name=""/>
+        <p:cNvGrpSpPr/>
+        <p:nvPr/>
+      </p:nvGrpSpPr>
+      <p:grpSpPr>
+        <a:xfrm>
+          <a:off x="0" y="0"/>
+          <a:ext cx="0" cy="0"/>
+          <a:chOff x="0" y="0"/>
+          <a:chExt cx="0" cy="0"/>
+        </a:xfrm>
+      </p:grpSpPr>
+      <p:sp>
+        <p:nvSpPr>
+          <p:cNvPr id="2" name="Title 1">
+            <a:extLst>
+              <a:ext uri="{FF2B5EF4-FFF2-40B4-BE49-F238E27FC236}">
+                <a16:creationId xmlns:a16="http://schemas.microsoft.com/office/drawing/2014/main" id="{31017B49-C1A4-2445-2122-51CE02CBDAAB}"/>
+              </a:ext>
+            </a:extLst>
+          </p:cNvPr>
+          <p:cNvSpPr>
+            <a:spLocks noGrp="1"/>
+          </p:cNvSpPr>
+          <p:nvPr>
+            <p:ph type="title"/>
+          </p:nvPr>
+        </p:nvSpPr>
+        <p:spPr/>
+        <p:txBody>
+          <a:bodyPr/>
+          <a:lstStyle/>
+          <a:p>
+            <a:endParaRPr lang="en-US"/>
+          </a:p>
+        </p:txBody>
+      </p:sp>
+      <p:sp>
+        <p:nvSpPr>
+          <p:cNvPr id="3" name="Content Placeholder 2">
+            <a:extLst>
+              <a:ext uri="{FF2B5EF4-FFF2-40B4-BE49-F238E27FC236}">
+                <a16:creationId xmlns:a16="http://schemas.microsoft.com/office/drawing/2014/main" id="{13F51465-F8BD-9353-5C02-ABA927E9461E}"/>
+              </a:ext>
+            </a:extLst>
+          </p:cNvPr>
+          <p:cNvSpPr>
+            <a:spLocks noGrp="1"/>
+          </p:cNvSpPr>
+          <p:nvPr>
+            <p:ph idx="1"/>
+          </p:nvPr>
+        </p:nvSpPr>
+        <p:spPr/>
+        <p:txBody>
+          <a:bodyPr>
+            <a:normAutofit lnSpcReduction="10000"/>
+          </a:bodyPr>
+          <a:lstStyle/>
+          <a:p>
+            <a:r>
+              <a:rPr lang="en-US" dirty="0"/>
+              <a:t>Authentication</a:t>
+            </a:r>
+          </a:p>
+          <a:p>
+            <a:pPr lvl="1"/>
+            <a:r>
+              <a:rPr lang="en-US" dirty="0"/>
+              <a:t>Means that not every visitor f the page can view and interact with everything</a:t>
+            </a:r>
+          </a:p>
+          <a:p>
+            <a:pPr lvl="1"/>
+            <a:r>
+              <a:rPr lang="en-US" dirty="0"/>
+              <a:t>Has to happen on the server-side and builds up on sessions</a:t>
+            </a:r>
+          </a:p>
+          <a:p>
+            <a:pPr lvl="1"/>
+            <a:r>
+              <a:rPr lang="en-US" dirty="0"/>
+              <a:t>You can protect routes by checking the (session-controlled) login status right before you access a controller action</a:t>
+            </a:r>
+          </a:p>
+          <a:p>
+            <a:r>
+              <a:rPr lang="en-US" dirty="0"/>
+              <a:t>Security &amp; UX</a:t>
+            </a:r>
+          </a:p>
+          <a:p>
+            <a:pPr lvl="1"/>
+            <a:r>
+              <a:rPr lang="en-US" dirty="0"/>
+              <a:t>Password should be stored in a hashed form</a:t>
+            </a:r>
+          </a:p>
+          <a:p>
+            <a:pPr lvl="1"/>
+            <a:r>
+              <a:rPr lang="en-US" dirty="0"/>
+              <a:t>CSRF attacks are a real issue and you should therefore include CSRF protection in ANY application you build</a:t>
+            </a:r>
+          </a:p>
+          <a:p>
+            <a:pPr lvl="1"/>
+            <a:r>
+              <a:rPr lang="en-US" dirty="0"/>
+              <a:t>For a better user experience, you can flash data/messages into the </a:t>
+            </a:r>
+            <a:r>
+              <a:rPr lang="en-US"/>
+              <a:t>session which you </a:t>
+            </a:r>
+            <a:r>
+              <a:rPr lang="en-US" dirty="0"/>
+              <a:t>then can display in your views.</a:t>
+            </a:r>
+          </a:p>
+        </p:txBody>
+      </p:sp>
+    </p:spTree>
+    <p:extLst>
+      <p:ext uri="{BB962C8B-B14F-4D97-AF65-F5344CB8AC3E}">
+        <p14:creationId xmlns:p14="http://schemas.microsoft.com/office/powerpoint/2010/main" val="368048221"/>
       </p:ext>
     </p:extLst>
   </p:cSld>
@@ -16561,6 +16716,343 @@
     <p:extLst>
       <p:ext uri="{BB962C8B-B14F-4D97-AF65-F5344CB8AC3E}">
         <p14:creationId xmlns:p14="http://schemas.microsoft.com/office/powerpoint/2010/main" val="1260532257"/>
+      </p:ext>
+    </p:extLst>
+  </p:cSld>
+  <p:clrMapOvr>
+    <a:masterClrMapping/>
+  </p:clrMapOvr>
+</p:sld>
+</file>
+
+<file path=ppt/slides/slide60.xml><?xml version="1.0" encoding="utf-8"?>
+<p:sld xmlns:a="http://schemas.openxmlformats.org/drawingml/2006/main" xmlns:r="http://schemas.openxmlformats.org/officeDocument/2006/relationships" xmlns:p="http://schemas.openxmlformats.org/presentationml/2006/main">
+  <p:cSld>
+    <p:spTree>
+      <p:nvGrpSpPr>
+        <p:cNvPr id="1" name=""/>
+        <p:cNvGrpSpPr/>
+        <p:nvPr/>
+      </p:nvGrpSpPr>
+      <p:grpSpPr>
+        <a:xfrm>
+          <a:off x="0" y="0"/>
+          <a:ext cx="0" cy="0"/>
+          <a:chOff x="0" y="0"/>
+          <a:chExt cx="0" cy="0"/>
+        </a:xfrm>
+      </p:grpSpPr>
+      <p:sp>
+        <p:nvSpPr>
+          <p:cNvPr id="2" name="Title 1">
+            <a:extLst>
+              <a:ext uri="{FF2B5EF4-FFF2-40B4-BE49-F238E27FC236}">
+                <a16:creationId xmlns:a16="http://schemas.microsoft.com/office/drawing/2014/main" id="{85369284-9788-5E7F-8AA9-38A99680C507}"/>
+              </a:ext>
+            </a:extLst>
+          </p:cNvPr>
+          <p:cNvSpPr>
+            <a:spLocks noGrp="1"/>
+          </p:cNvSpPr>
+          <p:nvPr>
+            <p:ph type="title"/>
+          </p:nvPr>
+        </p:nvSpPr>
+        <p:spPr/>
+        <p:txBody>
+          <a:bodyPr/>
+          <a:lstStyle/>
+          <a:p>
+            <a:r>
+              <a:rPr lang="en-US" dirty="0"/>
+              <a:t>Advanced Authentication &amp; Authorization</a:t>
+            </a:r>
+          </a:p>
+        </p:txBody>
+      </p:sp>
+      <p:sp>
+        <p:nvSpPr>
+          <p:cNvPr id="3" name="Content Placeholder 2">
+            <a:extLst>
+              <a:ext uri="{FF2B5EF4-FFF2-40B4-BE49-F238E27FC236}">
+                <a16:creationId xmlns:a16="http://schemas.microsoft.com/office/drawing/2014/main" id="{439D4787-9C09-4EF3-1377-17FCAAF51C3F}"/>
+              </a:ext>
+            </a:extLst>
+          </p:cNvPr>
+          <p:cNvSpPr>
+            <a:spLocks noGrp="1"/>
+          </p:cNvSpPr>
+          <p:nvPr>
+            <p:ph idx="1"/>
+          </p:nvPr>
+        </p:nvSpPr>
+        <p:spPr/>
+        <p:txBody>
+          <a:bodyPr/>
+          <a:lstStyle/>
+          <a:p>
+            <a:r>
+              <a:rPr lang="en-US" dirty="0"/>
+              <a:t>Resetting Password</a:t>
+            </a:r>
+          </a:p>
+          <a:p>
+            <a:r>
+              <a:rPr lang="en-US" dirty="0"/>
+              <a:t>Implementing the token Logic</a:t>
+            </a:r>
+          </a:p>
+          <a:p>
+            <a:r>
+              <a:rPr lang="en-US" dirty="0"/>
+              <a:t>Creating the Token</a:t>
+            </a:r>
+          </a:p>
+          <a:p>
+            <a:r>
+              <a:rPr lang="en-US" dirty="0"/>
+              <a:t>Adding Logic to Update the Password</a:t>
+            </a:r>
+          </a:p>
+          <a:p>
+            <a:r>
+              <a:rPr lang="en-US" dirty="0"/>
+              <a:t>Adding Authorization</a:t>
+            </a:r>
+          </a:p>
+        </p:txBody>
+      </p:sp>
+    </p:spTree>
+    <p:extLst>
+      <p:ext uri="{BB962C8B-B14F-4D97-AF65-F5344CB8AC3E}">
+        <p14:creationId xmlns:p14="http://schemas.microsoft.com/office/powerpoint/2010/main" val="3756935383"/>
+      </p:ext>
+    </p:extLst>
+  </p:cSld>
+  <p:clrMapOvr>
+    <a:masterClrMapping/>
+  </p:clrMapOvr>
+</p:sld>
+</file>
+
+<file path=ppt/slides/slide61.xml><?xml version="1.0" encoding="utf-8"?>
+<p:sld xmlns:a="http://schemas.openxmlformats.org/drawingml/2006/main" xmlns:r="http://schemas.openxmlformats.org/officeDocument/2006/relationships" xmlns:p="http://schemas.openxmlformats.org/presentationml/2006/main">
+  <p:cSld>
+    <p:spTree>
+      <p:nvGrpSpPr>
+        <p:cNvPr id="1" name=""/>
+        <p:cNvGrpSpPr/>
+        <p:nvPr/>
+      </p:nvGrpSpPr>
+      <p:grpSpPr>
+        <a:xfrm>
+          <a:off x="0" y="0"/>
+          <a:ext cx="0" cy="0"/>
+          <a:chOff x="0" y="0"/>
+          <a:chExt cx="0" cy="0"/>
+        </a:xfrm>
+      </p:grpSpPr>
+      <p:sp>
+        <p:nvSpPr>
+          <p:cNvPr id="2" name="Title 1">
+            <a:extLst>
+              <a:ext uri="{FF2B5EF4-FFF2-40B4-BE49-F238E27FC236}">
+                <a16:creationId xmlns:a16="http://schemas.microsoft.com/office/drawing/2014/main" id="{F3F21906-0BA2-E095-CBD4-40136A9BD8D3}"/>
+              </a:ext>
+            </a:extLst>
+          </p:cNvPr>
+          <p:cNvSpPr>
+            <a:spLocks noGrp="1"/>
+          </p:cNvSpPr>
+          <p:nvPr>
+            <p:ph type="title"/>
+          </p:nvPr>
+        </p:nvSpPr>
+        <p:spPr/>
+        <p:txBody>
+          <a:bodyPr/>
+          <a:lstStyle/>
+          <a:p>
+            <a:endParaRPr lang="en-US"/>
+          </a:p>
+        </p:txBody>
+      </p:sp>
+      <p:sp>
+        <p:nvSpPr>
+          <p:cNvPr id="3" name="Content Placeholder 2">
+            <a:extLst>
+              <a:ext uri="{FF2B5EF4-FFF2-40B4-BE49-F238E27FC236}">
+                <a16:creationId xmlns:a16="http://schemas.microsoft.com/office/drawing/2014/main" id="{A388DE17-B46C-F1F6-C828-073976A9534E}"/>
+              </a:ext>
+            </a:extLst>
+          </p:cNvPr>
+          <p:cNvSpPr>
+            <a:spLocks noGrp="1"/>
+          </p:cNvSpPr>
+          <p:nvPr>
+            <p:ph idx="1"/>
+          </p:nvPr>
+        </p:nvSpPr>
+        <p:spPr/>
+        <p:txBody>
+          <a:bodyPr/>
+          <a:lstStyle/>
+          <a:p>
+            <a:r>
+              <a:rPr lang="en-US" dirty="0"/>
+              <a:t>Password Resetting</a:t>
+            </a:r>
+          </a:p>
+          <a:p>
+            <a:pPr lvl="1"/>
+            <a:r>
+              <a:rPr lang="en-US" dirty="0"/>
+              <a:t>Has to be implemented in a way that prevents users from resetting random user accounts</a:t>
+            </a:r>
+          </a:p>
+          <a:p>
+            <a:pPr lvl="1"/>
+            <a:r>
+              <a:rPr lang="en-US" dirty="0"/>
+              <a:t>Reset tokens have to be random unguessable and unique</a:t>
+            </a:r>
+          </a:p>
+          <a:p>
+            <a:r>
+              <a:rPr lang="en-US" dirty="0"/>
+              <a:t>Authorization</a:t>
+            </a:r>
+          </a:p>
+          <a:p>
+            <a:pPr lvl="1"/>
+            <a:r>
+              <a:rPr lang="en-US" dirty="0"/>
+              <a:t>An important part of pretty much every app</a:t>
+            </a:r>
+          </a:p>
+          <a:p>
+            <a:pPr lvl="1"/>
+            <a:r>
+              <a:rPr lang="en-US" dirty="0"/>
+              <a:t>Not every authenticated user should be able to do everything</a:t>
+            </a:r>
+          </a:p>
+          <a:p>
+            <a:pPr lvl="1"/>
+            <a:r>
+              <a:rPr lang="en-US" dirty="0"/>
+              <a:t>You want to lock down access be restricting the permissions of your users</a:t>
+            </a:r>
+          </a:p>
+        </p:txBody>
+      </p:sp>
+    </p:spTree>
+    <p:extLst>
+      <p:ext uri="{BB962C8B-B14F-4D97-AF65-F5344CB8AC3E}">
+        <p14:creationId xmlns:p14="http://schemas.microsoft.com/office/powerpoint/2010/main" val="2906243707"/>
+      </p:ext>
+    </p:extLst>
+  </p:cSld>
+  <p:clrMapOvr>
+    <a:masterClrMapping/>
+  </p:clrMapOvr>
+</p:sld>
+</file>
+
+<file path=ppt/slides/slide62.xml><?xml version="1.0" encoding="utf-8"?>
+<p:sld xmlns:a="http://schemas.openxmlformats.org/drawingml/2006/main" xmlns:r="http://schemas.openxmlformats.org/officeDocument/2006/relationships" xmlns:p="http://schemas.openxmlformats.org/presentationml/2006/main">
+  <p:cSld>
+    <p:spTree>
+      <p:nvGrpSpPr>
+        <p:cNvPr id="1" name=""/>
+        <p:cNvGrpSpPr/>
+        <p:nvPr/>
+      </p:nvGrpSpPr>
+      <p:grpSpPr>
+        <a:xfrm>
+          <a:off x="0" y="0"/>
+          <a:ext cx="0" cy="0"/>
+          <a:chOff x="0" y="0"/>
+          <a:chExt cx="0" cy="0"/>
+        </a:xfrm>
+      </p:grpSpPr>
+      <p:sp>
+        <p:nvSpPr>
+          <p:cNvPr id="2" name="Title 1">
+            <a:extLst>
+              <a:ext uri="{FF2B5EF4-FFF2-40B4-BE49-F238E27FC236}">
+                <a16:creationId xmlns:a16="http://schemas.microsoft.com/office/drawing/2014/main" id="{42BFF4F9-2FCF-EE67-21B4-64DF3F51F996}"/>
+              </a:ext>
+            </a:extLst>
+          </p:cNvPr>
+          <p:cNvSpPr>
+            <a:spLocks noGrp="1"/>
+          </p:cNvSpPr>
+          <p:nvPr>
+            <p:ph type="title"/>
+          </p:nvPr>
+        </p:nvSpPr>
+        <p:spPr/>
+        <p:txBody>
+          <a:bodyPr/>
+          <a:lstStyle/>
+          <a:p>
+            <a:r>
+              <a:rPr lang="en-US" dirty="0"/>
+              <a:t>Forms, User Input &amp; Validation</a:t>
+            </a:r>
+          </a:p>
+        </p:txBody>
+      </p:sp>
+      <p:sp>
+        <p:nvSpPr>
+          <p:cNvPr id="3" name="Content Placeholder 2">
+            <a:extLst>
+              <a:ext uri="{FF2B5EF4-FFF2-40B4-BE49-F238E27FC236}">
+                <a16:creationId xmlns:a16="http://schemas.microsoft.com/office/drawing/2014/main" id="{41ED81AC-CAA2-DE63-18F6-049A9E34A326}"/>
+              </a:ext>
+            </a:extLst>
+          </p:cNvPr>
+          <p:cNvSpPr>
+            <a:spLocks noGrp="1"/>
+          </p:cNvSpPr>
+          <p:nvPr>
+            <p:ph idx="1"/>
+          </p:nvPr>
+        </p:nvSpPr>
+        <p:spPr/>
+        <p:txBody>
+          <a:bodyPr/>
+          <a:lstStyle/>
+          <a:p>
+            <a:r>
+              <a:rPr lang="en-US" dirty="0"/>
+              <a:t>Setup &amp; Basic Validation</a:t>
+            </a:r>
+          </a:p>
+          <a:p>
+            <a:r>
+              <a:rPr lang="en-US" dirty="0"/>
+              <a:t>Using Validation Error Messages</a:t>
+            </a:r>
+          </a:p>
+          <a:p>
+            <a:r>
+              <a:rPr lang="en-US" dirty="0"/>
+              <a:t>Built-In &amp; </a:t>
+            </a:r>
+            <a:r>
+              <a:rPr lang="en-US"/>
+              <a:t>Custom Validators</a:t>
+            </a:r>
+            <a:endParaRPr lang="en-US" dirty="0"/>
+          </a:p>
+        </p:txBody>
+      </p:sp>
+    </p:spTree>
+    <p:extLst>
+      <p:ext uri="{BB962C8B-B14F-4D97-AF65-F5344CB8AC3E}">
+        <p14:creationId xmlns:p14="http://schemas.microsoft.com/office/powerpoint/2010/main" val="1233298547"/>
       </p:ext>
     </p:extLst>
   </p:cSld>

--- a/Node/node.pptx
+++ b/Node/node.pptx
@@ -322,7 +322,7 @@
           <a:p>
             <a:fld id="{70AC578A-F481-8B4F-AC68-5322D79242CE}" type="datetimeFigureOut">
               <a:rPr lang="en-US" smtClean="0"/>
-              <a:t>1/28/26</a:t>
+              <a:t>1/30/26</a:t>
             </a:fld>
             <a:endParaRPr lang="en-US"/>
           </a:p>
@@ -522,7 +522,7 @@
           <a:p>
             <a:fld id="{70AC578A-F481-8B4F-AC68-5322D79242CE}" type="datetimeFigureOut">
               <a:rPr lang="en-US" smtClean="0"/>
-              <a:t>1/28/26</a:t>
+              <a:t>1/30/26</a:t>
             </a:fld>
             <a:endParaRPr lang="en-US"/>
           </a:p>
@@ -732,7 +732,7 @@
           <a:p>
             <a:fld id="{70AC578A-F481-8B4F-AC68-5322D79242CE}" type="datetimeFigureOut">
               <a:rPr lang="en-US" smtClean="0"/>
-              <a:t>1/28/26</a:t>
+              <a:t>1/30/26</a:t>
             </a:fld>
             <a:endParaRPr lang="en-US"/>
           </a:p>
@@ -932,7 +932,7 @@
           <a:p>
             <a:fld id="{70AC578A-F481-8B4F-AC68-5322D79242CE}" type="datetimeFigureOut">
               <a:rPr lang="en-US" smtClean="0"/>
-              <a:t>1/28/26</a:t>
+              <a:t>1/30/26</a:t>
             </a:fld>
             <a:endParaRPr lang="en-US"/>
           </a:p>
@@ -1208,7 +1208,7 @@
           <a:p>
             <a:fld id="{70AC578A-F481-8B4F-AC68-5322D79242CE}" type="datetimeFigureOut">
               <a:rPr lang="en-US" smtClean="0"/>
-              <a:t>1/28/26</a:t>
+              <a:t>1/30/26</a:t>
             </a:fld>
             <a:endParaRPr lang="en-US"/>
           </a:p>
@@ -1476,7 +1476,7 @@
           <a:p>
             <a:fld id="{70AC578A-F481-8B4F-AC68-5322D79242CE}" type="datetimeFigureOut">
               <a:rPr lang="en-US" smtClean="0"/>
-              <a:t>1/28/26</a:t>
+              <a:t>1/30/26</a:t>
             </a:fld>
             <a:endParaRPr lang="en-US"/>
           </a:p>
@@ -1891,7 +1891,7 @@
           <a:p>
             <a:fld id="{70AC578A-F481-8B4F-AC68-5322D79242CE}" type="datetimeFigureOut">
               <a:rPr lang="en-US" smtClean="0"/>
-              <a:t>1/28/26</a:t>
+              <a:t>1/30/26</a:t>
             </a:fld>
             <a:endParaRPr lang="en-US"/>
           </a:p>
@@ -2033,7 +2033,7 @@
           <a:p>
             <a:fld id="{70AC578A-F481-8B4F-AC68-5322D79242CE}" type="datetimeFigureOut">
               <a:rPr lang="en-US" smtClean="0"/>
-              <a:t>1/28/26</a:t>
+              <a:t>1/30/26</a:t>
             </a:fld>
             <a:endParaRPr lang="en-US"/>
           </a:p>
@@ -2146,7 +2146,7 @@
           <a:p>
             <a:fld id="{70AC578A-F481-8B4F-AC68-5322D79242CE}" type="datetimeFigureOut">
               <a:rPr lang="en-US" smtClean="0"/>
-              <a:t>1/28/26</a:t>
+              <a:t>1/30/26</a:t>
             </a:fld>
             <a:endParaRPr lang="en-US"/>
           </a:p>
@@ -2459,7 +2459,7 @@
           <a:p>
             <a:fld id="{70AC578A-F481-8B4F-AC68-5322D79242CE}" type="datetimeFigureOut">
               <a:rPr lang="en-US" smtClean="0"/>
-              <a:t>1/28/26</a:t>
+              <a:t>1/30/26</a:t>
             </a:fld>
             <a:endParaRPr lang="en-US"/>
           </a:p>
@@ -2748,7 +2748,7 @@
           <a:p>
             <a:fld id="{70AC578A-F481-8B4F-AC68-5322D79242CE}" type="datetimeFigureOut">
               <a:rPr lang="en-US" smtClean="0"/>
-              <a:t>1/28/26</a:t>
+              <a:t>1/30/26</a:t>
             </a:fld>
             <a:endParaRPr lang="en-US"/>
           </a:p>
@@ -2991,7 +2991,7 @@
           <a:p>
             <a:fld id="{70AC578A-F481-8B4F-AC68-5322D79242CE}" type="datetimeFigureOut">
               <a:rPr lang="en-US" smtClean="0"/>
-              <a:t>1/28/26</a:t>
+              <a:t>1/30/26</a:t>
             </a:fld>
             <a:endParaRPr lang="en-US"/>
           </a:p>
@@ -17022,7 +17022,9 @@
         </p:nvSpPr>
         <p:spPr/>
         <p:txBody>
-          <a:bodyPr/>
+          <a:bodyPr>
+            <a:normAutofit lnSpcReduction="10000"/>
+          </a:bodyPr>
           <a:lstStyle/>
           <a:p>
             <a:r>
@@ -17039,12 +17041,49 @@
           <a:p>
             <a:r>
               <a:rPr lang="en-US" dirty="0"/>
-              <a:t>Built-In &amp; </a:t>
-            </a:r>
-            <a:r>
-              <a:rPr lang="en-US"/>
-              <a:t>Custom Validators</a:t>
-            </a:r>
+              <a:t>Built-In &amp; Custom Validators</a:t>
+            </a:r>
+          </a:p>
+          <a:p>
+            <a:r>
+              <a:rPr lang="en-US" dirty="0"/>
+              <a:t>More Validators</a:t>
+            </a:r>
+          </a:p>
+          <a:p>
+            <a:r>
+              <a:rPr lang="en-US" dirty="0"/>
+              <a:t>Checking for field equality</a:t>
+            </a:r>
+          </a:p>
+          <a:p>
+            <a:r>
+              <a:rPr lang="en-US" dirty="0"/>
+              <a:t>Adding async Validation</a:t>
+            </a:r>
+          </a:p>
+          <a:p>
+            <a:r>
+              <a:rPr lang="en-US" dirty="0"/>
+              <a:t>Keeping User Input</a:t>
+            </a:r>
+          </a:p>
+          <a:p>
+            <a:r>
+              <a:rPr lang="en-US" dirty="0"/>
+              <a:t>Adding Conditional CSS classes</a:t>
+            </a:r>
+          </a:p>
+          <a:p>
+            <a:r>
+              <a:rPr lang="en-IN" dirty="0"/>
+              <a:t>Sanitizers</a:t>
+            </a:r>
+          </a:p>
+          <a:p>
+            <a:pPr marL="0" indent="0">
+              <a:buNone/>
+            </a:pPr>
             <a:endParaRPr lang="en-US" dirty="0"/>
           </a:p>
         </p:txBody>

--- a/Node/node.pptx
+++ b/Node/node.pptx
@@ -67,6 +67,7 @@
     <p:sldId id="315" r:id="rId61"/>
     <p:sldId id="316" r:id="rId62"/>
     <p:sldId id="317" r:id="rId63"/>
+    <p:sldId id="318" r:id="rId64"/>
   </p:sldIdLst>
   <p:sldSz cx="12192000" cy="6858000"/>
   <p:notesSz cx="6858000" cy="9144000"/>
@@ -322,7 +323,7 @@
           <a:p>
             <a:fld id="{70AC578A-F481-8B4F-AC68-5322D79242CE}" type="datetimeFigureOut">
               <a:rPr lang="en-US" smtClean="0"/>
-              <a:t>1/30/26</a:t>
+              <a:t>2/4/26</a:t>
             </a:fld>
             <a:endParaRPr lang="en-US"/>
           </a:p>
@@ -522,7 +523,7 @@
           <a:p>
             <a:fld id="{70AC578A-F481-8B4F-AC68-5322D79242CE}" type="datetimeFigureOut">
               <a:rPr lang="en-US" smtClean="0"/>
-              <a:t>1/30/26</a:t>
+              <a:t>2/4/26</a:t>
             </a:fld>
             <a:endParaRPr lang="en-US"/>
           </a:p>
@@ -732,7 +733,7 @@
           <a:p>
             <a:fld id="{70AC578A-F481-8B4F-AC68-5322D79242CE}" type="datetimeFigureOut">
               <a:rPr lang="en-US" smtClean="0"/>
-              <a:t>1/30/26</a:t>
+              <a:t>2/4/26</a:t>
             </a:fld>
             <a:endParaRPr lang="en-US"/>
           </a:p>
@@ -932,7 +933,7 @@
           <a:p>
             <a:fld id="{70AC578A-F481-8B4F-AC68-5322D79242CE}" type="datetimeFigureOut">
               <a:rPr lang="en-US" smtClean="0"/>
-              <a:t>1/30/26</a:t>
+              <a:t>2/4/26</a:t>
             </a:fld>
             <a:endParaRPr lang="en-US"/>
           </a:p>
@@ -1208,7 +1209,7 @@
           <a:p>
             <a:fld id="{70AC578A-F481-8B4F-AC68-5322D79242CE}" type="datetimeFigureOut">
               <a:rPr lang="en-US" smtClean="0"/>
-              <a:t>1/30/26</a:t>
+              <a:t>2/4/26</a:t>
             </a:fld>
             <a:endParaRPr lang="en-US"/>
           </a:p>
@@ -1476,7 +1477,7 @@
           <a:p>
             <a:fld id="{70AC578A-F481-8B4F-AC68-5322D79242CE}" type="datetimeFigureOut">
               <a:rPr lang="en-US" smtClean="0"/>
-              <a:t>1/30/26</a:t>
+              <a:t>2/4/26</a:t>
             </a:fld>
             <a:endParaRPr lang="en-US"/>
           </a:p>
@@ -1891,7 +1892,7 @@
           <a:p>
             <a:fld id="{70AC578A-F481-8B4F-AC68-5322D79242CE}" type="datetimeFigureOut">
               <a:rPr lang="en-US" smtClean="0"/>
-              <a:t>1/30/26</a:t>
+              <a:t>2/4/26</a:t>
             </a:fld>
             <a:endParaRPr lang="en-US"/>
           </a:p>
@@ -2033,7 +2034,7 @@
           <a:p>
             <a:fld id="{70AC578A-F481-8B4F-AC68-5322D79242CE}" type="datetimeFigureOut">
               <a:rPr lang="en-US" smtClean="0"/>
-              <a:t>1/30/26</a:t>
+              <a:t>2/4/26</a:t>
             </a:fld>
             <a:endParaRPr lang="en-US"/>
           </a:p>
@@ -2146,7 +2147,7 @@
           <a:p>
             <a:fld id="{70AC578A-F481-8B4F-AC68-5322D79242CE}" type="datetimeFigureOut">
               <a:rPr lang="en-US" smtClean="0"/>
-              <a:t>1/30/26</a:t>
+              <a:t>2/4/26</a:t>
             </a:fld>
             <a:endParaRPr lang="en-US"/>
           </a:p>
@@ -2459,7 +2460,7 @@
           <a:p>
             <a:fld id="{70AC578A-F481-8B4F-AC68-5322D79242CE}" type="datetimeFigureOut">
               <a:rPr lang="en-US" smtClean="0"/>
-              <a:t>1/30/26</a:t>
+              <a:t>2/4/26</a:t>
             </a:fld>
             <a:endParaRPr lang="en-US"/>
           </a:p>
@@ -2748,7 +2749,7 @@
           <a:p>
             <a:fld id="{70AC578A-F481-8B4F-AC68-5322D79242CE}" type="datetimeFigureOut">
               <a:rPr lang="en-US" smtClean="0"/>
-              <a:t>1/30/26</a:t>
+              <a:t>2/4/26</a:t>
             </a:fld>
             <a:endParaRPr lang="en-US"/>
           </a:p>
@@ -2991,7 +2992,7 @@
           <a:p>
             <a:fld id="{70AC578A-F481-8B4F-AC68-5322D79242CE}" type="datetimeFigureOut">
               <a:rPr lang="en-US" smtClean="0"/>
-              <a:t>1/30/26</a:t>
+              <a:t>2/4/26</a:t>
             </a:fld>
             <a:endParaRPr lang="en-US"/>
           </a:p>
@@ -17023,7 +17024,7 @@
         <p:spPr/>
         <p:txBody>
           <a:bodyPr>
-            <a:normAutofit lnSpcReduction="10000"/>
+            <a:normAutofit fontScale="85000" lnSpcReduction="20000"/>
           </a:bodyPr>
           <a:lstStyle/>
           <a:p>
@@ -17078,6 +17079,18 @@
             <a:r>
               <a:rPr lang="en-IN" dirty="0"/>
               <a:t>Sanitizers</a:t>
+            </a:r>
+          </a:p>
+          <a:p>
+            <a:r>
+              <a:rPr lang="en-IN" dirty="0"/>
+              <a:t>Validating Product Addition</a:t>
+            </a:r>
+          </a:p>
+          <a:p>
+            <a:r>
+              <a:rPr lang="en-IN" dirty="0"/>
+              <a:t>Validation Edit Addition</a:t>
             </a:r>
           </a:p>
           <a:p>
@@ -17092,6 +17105,146 @@
     <p:extLst>
       <p:ext uri="{BB962C8B-B14F-4D97-AF65-F5344CB8AC3E}">
         <p14:creationId xmlns:p14="http://schemas.microsoft.com/office/powerpoint/2010/main" val="1233298547"/>
+      </p:ext>
+    </p:extLst>
+  </p:cSld>
+  <p:clrMapOvr>
+    <a:masterClrMapping/>
+  </p:clrMapOvr>
+</p:sld>
+</file>
+
+<file path=ppt/slides/slide63.xml><?xml version="1.0" encoding="utf-8"?>
+<p:sld xmlns:a="http://schemas.openxmlformats.org/drawingml/2006/main" xmlns:r="http://schemas.openxmlformats.org/officeDocument/2006/relationships" xmlns:p="http://schemas.openxmlformats.org/presentationml/2006/main">
+  <p:cSld>
+    <p:spTree>
+      <p:nvGrpSpPr>
+        <p:cNvPr id="1" name=""/>
+        <p:cNvGrpSpPr/>
+        <p:nvPr/>
+      </p:nvGrpSpPr>
+      <p:grpSpPr>
+        <a:xfrm>
+          <a:off x="0" y="0"/>
+          <a:ext cx="0" cy="0"/>
+          <a:chOff x="0" y="0"/>
+          <a:chExt cx="0" cy="0"/>
+        </a:xfrm>
+      </p:grpSpPr>
+      <p:sp>
+        <p:nvSpPr>
+          <p:cNvPr id="2" name="Title 1">
+            <a:extLst>
+              <a:ext uri="{FF2B5EF4-FFF2-40B4-BE49-F238E27FC236}">
+                <a16:creationId xmlns:a16="http://schemas.microsoft.com/office/drawing/2014/main" id="{2C39A072-334A-644B-BC33-D3A60FFD5867}"/>
+              </a:ext>
+            </a:extLst>
+          </p:cNvPr>
+          <p:cNvSpPr>
+            <a:spLocks noGrp="1"/>
+          </p:cNvSpPr>
+          <p:nvPr>
+            <p:ph type="title"/>
+          </p:nvPr>
+        </p:nvSpPr>
+        <p:spPr/>
+        <p:txBody>
+          <a:bodyPr/>
+          <a:lstStyle/>
+          <a:p>
+            <a:r>
+              <a:rPr lang="en-US" dirty="0"/>
+              <a:t>Different types of Errors</a:t>
+            </a:r>
+          </a:p>
+        </p:txBody>
+      </p:sp>
+      <p:sp>
+        <p:nvSpPr>
+          <p:cNvPr id="3" name="Content Placeholder 2">
+            <a:extLst>
+              <a:ext uri="{FF2B5EF4-FFF2-40B4-BE49-F238E27FC236}">
+                <a16:creationId xmlns:a16="http://schemas.microsoft.com/office/drawing/2014/main" id="{55758556-4B36-3FBD-53E6-2B7AFDECC7B6}"/>
+              </a:ext>
+            </a:extLst>
+          </p:cNvPr>
+          <p:cNvSpPr>
+            <a:spLocks noGrp="1"/>
+          </p:cNvSpPr>
+          <p:nvPr>
+            <p:ph idx="1"/>
+          </p:nvPr>
+        </p:nvSpPr>
+        <p:spPr/>
+        <p:txBody>
+          <a:bodyPr/>
+          <a:lstStyle/>
+          <a:p>
+            <a:r>
+              <a:rPr lang="en-US" dirty="0"/>
+              <a:t>Technical/ Network Errors</a:t>
+            </a:r>
+          </a:p>
+          <a:p>
+            <a:pPr lvl="1"/>
+            <a:r>
+              <a:rPr lang="en-US" dirty="0"/>
+              <a:t>E.g. : database server(MongoDB) is down.</a:t>
+            </a:r>
+          </a:p>
+          <a:p>
+            <a:pPr lvl="1"/>
+            <a:r>
+              <a:rPr lang="en-US" dirty="0"/>
+              <a:t>Show error page to user</a:t>
+            </a:r>
+          </a:p>
+          <a:p>
+            <a:r>
+              <a:rPr lang="en-US" dirty="0"/>
+              <a:t>“Expected” Errors</a:t>
+            </a:r>
+          </a:p>
+          <a:p>
+            <a:pPr lvl="1"/>
+            <a:r>
+              <a:rPr lang="en-US" dirty="0"/>
+              <a:t>E.g. : File can’t be read, database operation fails</a:t>
+            </a:r>
+          </a:p>
+          <a:p>
+            <a:pPr lvl="1"/>
+            <a:r>
+              <a:rPr lang="en-US" dirty="0"/>
+              <a:t>Inform user, possibly retry</a:t>
+            </a:r>
+          </a:p>
+          <a:p>
+            <a:r>
+              <a:rPr lang="en-US" dirty="0"/>
+              <a:t>Bugs/Logical Errors</a:t>
+            </a:r>
+          </a:p>
+          <a:p>
+            <a:pPr lvl="1"/>
+            <a:r>
+              <a:rPr lang="en-US" dirty="0"/>
+              <a:t>E.g.: User object used when it doesn’t exist</a:t>
+            </a:r>
+          </a:p>
+          <a:p>
+            <a:pPr lvl="1"/>
+            <a:r>
+              <a:rPr lang="en-US" dirty="0"/>
+              <a:t>Fix during development</a:t>
+            </a:r>
+          </a:p>
+        </p:txBody>
+      </p:sp>
+    </p:spTree>
+    <p:extLst>
+      <p:ext uri="{BB962C8B-B14F-4D97-AF65-F5344CB8AC3E}">
+        <p14:creationId xmlns:p14="http://schemas.microsoft.com/office/powerpoint/2010/main" val="2869760112"/>
       </p:ext>
     </p:extLst>
   </p:cSld>

--- a/Node/node.pptx
+++ b/Node/node.pptx
@@ -68,6 +68,11 @@
     <p:sldId id="316" r:id="rId62"/>
     <p:sldId id="317" r:id="rId63"/>
     <p:sldId id="318" r:id="rId64"/>
+    <p:sldId id="319" r:id="rId65"/>
+    <p:sldId id="320" r:id="rId66"/>
+    <p:sldId id="321" r:id="rId67"/>
+    <p:sldId id="322" r:id="rId68"/>
+    <p:sldId id="323" r:id="rId69"/>
   </p:sldIdLst>
   <p:sldSz cx="12192000" cy="6858000"/>
   <p:notesSz cx="6858000" cy="9144000"/>
@@ -323,7 +328,7 @@
           <a:p>
             <a:fld id="{70AC578A-F481-8B4F-AC68-5322D79242CE}" type="datetimeFigureOut">
               <a:rPr lang="en-US" smtClean="0"/>
-              <a:t>2/4/26</a:t>
+              <a:t>2/6/26</a:t>
             </a:fld>
             <a:endParaRPr lang="en-US"/>
           </a:p>
@@ -523,7 +528,7 @@
           <a:p>
             <a:fld id="{70AC578A-F481-8B4F-AC68-5322D79242CE}" type="datetimeFigureOut">
               <a:rPr lang="en-US" smtClean="0"/>
-              <a:t>2/4/26</a:t>
+              <a:t>2/6/26</a:t>
             </a:fld>
             <a:endParaRPr lang="en-US"/>
           </a:p>
@@ -733,7 +738,7 @@
           <a:p>
             <a:fld id="{70AC578A-F481-8B4F-AC68-5322D79242CE}" type="datetimeFigureOut">
               <a:rPr lang="en-US" smtClean="0"/>
-              <a:t>2/4/26</a:t>
+              <a:t>2/6/26</a:t>
             </a:fld>
             <a:endParaRPr lang="en-US"/>
           </a:p>
@@ -933,7 +938,7 @@
           <a:p>
             <a:fld id="{70AC578A-F481-8B4F-AC68-5322D79242CE}" type="datetimeFigureOut">
               <a:rPr lang="en-US" smtClean="0"/>
-              <a:t>2/4/26</a:t>
+              <a:t>2/6/26</a:t>
             </a:fld>
             <a:endParaRPr lang="en-US"/>
           </a:p>
@@ -1209,7 +1214,7 @@
           <a:p>
             <a:fld id="{70AC578A-F481-8B4F-AC68-5322D79242CE}" type="datetimeFigureOut">
               <a:rPr lang="en-US" smtClean="0"/>
-              <a:t>2/4/26</a:t>
+              <a:t>2/6/26</a:t>
             </a:fld>
             <a:endParaRPr lang="en-US"/>
           </a:p>
@@ -1477,7 +1482,7 @@
           <a:p>
             <a:fld id="{70AC578A-F481-8B4F-AC68-5322D79242CE}" type="datetimeFigureOut">
               <a:rPr lang="en-US" smtClean="0"/>
-              <a:t>2/4/26</a:t>
+              <a:t>2/6/26</a:t>
             </a:fld>
             <a:endParaRPr lang="en-US"/>
           </a:p>
@@ -1892,7 +1897,7 @@
           <a:p>
             <a:fld id="{70AC578A-F481-8B4F-AC68-5322D79242CE}" type="datetimeFigureOut">
               <a:rPr lang="en-US" smtClean="0"/>
-              <a:t>2/4/26</a:t>
+              <a:t>2/6/26</a:t>
             </a:fld>
             <a:endParaRPr lang="en-US"/>
           </a:p>
@@ -2034,7 +2039,7 @@
           <a:p>
             <a:fld id="{70AC578A-F481-8B4F-AC68-5322D79242CE}" type="datetimeFigureOut">
               <a:rPr lang="en-US" smtClean="0"/>
-              <a:t>2/4/26</a:t>
+              <a:t>2/6/26</a:t>
             </a:fld>
             <a:endParaRPr lang="en-US"/>
           </a:p>
@@ -2147,7 +2152,7 @@
           <a:p>
             <a:fld id="{70AC578A-F481-8B4F-AC68-5322D79242CE}" type="datetimeFigureOut">
               <a:rPr lang="en-US" smtClean="0"/>
-              <a:t>2/4/26</a:t>
+              <a:t>2/6/26</a:t>
             </a:fld>
             <a:endParaRPr lang="en-US"/>
           </a:p>
@@ -2460,7 +2465,7 @@
           <a:p>
             <a:fld id="{70AC578A-F481-8B4F-AC68-5322D79242CE}" type="datetimeFigureOut">
               <a:rPr lang="en-US" smtClean="0"/>
-              <a:t>2/4/26</a:t>
+              <a:t>2/6/26</a:t>
             </a:fld>
             <a:endParaRPr lang="en-US"/>
           </a:p>
@@ -2749,7 +2754,7 @@
           <a:p>
             <a:fld id="{70AC578A-F481-8B4F-AC68-5322D79242CE}" type="datetimeFigureOut">
               <a:rPr lang="en-US" smtClean="0"/>
-              <a:t>2/4/26</a:t>
+              <a:t>2/6/26</a:t>
             </a:fld>
             <a:endParaRPr lang="en-US"/>
           </a:p>
@@ -2992,7 +2997,7 @@
           <a:p>
             <a:fld id="{70AC578A-F481-8B4F-AC68-5322D79242CE}" type="datetimeFigureOut">
               <a:rPr lang="en-US" smtClean="0"/>
-              <a:t>2/4/26</a:t>
+              <a:t>2/6/26</a:t>
             </a:fld>
             <a:endParaRPr lang="en-US"/>
           </a:p>
@@ -17254,6 +17259,2009 @@
 </p:sld>
 </file>
 
+<file path=ppt/slides/slide64.xml><?xml version="1.0" encoding="utf-8"?>
+<p:sld xmlns:a="http://schemas.openxmlformats.org/drawingml/2006/main" xmlns:r="http://schemas.openxmlformats.org/officeDocument/2006/relationships" xmlns:p="http://schemas.openxmlformats.org/presentationml/2006/main">
+  <p:cSld>
+    <p:spTree>
+      <p:nvGrpSpPr>
+        <p:cNvPr id="1" name=""/>
+        <p:cNvGrpSpPr/>
+        <p:nvPr/>
+      </p:nvGrpSpPr>
+      <p:grpSpPr>
+        <a:xfrm>
+          <a:off x="0" y="0"/>
+          <a:ext cx="0" cy="0"/>
+          <a:chOff x="0" y="0"/>
+          <a:chExt cx="0" cy="0"/>
+        </a:xfrm>
+      </p:grpSpPr>
+      <p:sp>
+        <p:nvSpPr>
+          <p:cNvPr id="2" name="Title 1">
+            <a:extLst>
+              <a:ext uri="{FF2B5EF4-FFF2-40B4-BE49-F238E27FC236}">
+                <a16:creationId xmlns:a16="http://schemas.microsoft.com/office/drawing/2014/main" id="{6FA8C9F4-8AC0-C585-13A8-C2E644212599}"/>
+              </a:ext>
+            </a:extLst>
+          </p:cNvPr>
+          <p:cNvSpPr>
+            <a:spLocks noGrp="1"/>
+          </p:cNvSpPr>
+          <p:nvPr>
+            <p:ph type="title"/>
+          </p:nvPr>
+        </p:nvSpPr>
+        <p:spPr>
+          <a:xfrm>
+            <a:off x="838200" y="365126"/>
+            <a:ext cx="1749136" cy="518102"/>
+          </a:xfrm>
+        </p:spPr>
+        <p:txBody>
+          <a:bodyPr>
+            <a:normAutofit fontScale="90000"/>
+          </a:bodyPr>
+          <a:lstStyle/>
+          <a:p>
+            <a:r>
+              <a:rPr lang="en-US" dirty="0"/>
+              <a:t>Errors</a:t>
+            </a:r>
+          </a:p>
+        </p:txBody>
+      </p:sp>
+      <p:sp>
+        <p:nvSpPr>
+          <p:cNvPr id="4" name="Rectangle 3">
+            <a:extLst>
+              <a:ext uri="{FF2B5EF4-FFF2-40B4-BE49-F238E27FC236}">
+                <a16:creationId xmlns:a16="http://schemas.microsoft.com/office/drawing/2014/main" id="{2AEE036B-CE5E-68D3-D58F-AF0461065621}"/>
+              </a:ext>
+            </a:extLst>
+          </p:cNvPr>
+          <p:cNvSpPr/>
+          <p:nvPr/>
+        </p:nvSpPr>
+        <p:spPr>
+          <a:xfrm>
+            <a:off x="519545" y="1111827"/>
+            <a:ext cx="4904510" cy="883228"/>
+          </a:xfrm>
+          <a:prstGeom prst="rect">
+            <a:avLst/>
+          </a:prstGeom>
+        </p:spPr>
+        <p:style>
+          <a:lnRef idx="2">
+            <a:schemeClr val="accent1">
+              <a:shade val="15000"/>
+            </a:schemeClr>
+          </a:lnRef>
+          <a:fillRef idx="1">
+            <a:schemeClr val="accent1"/>
+          </a:fillRef>
+          <a:effectRef idx="0">
+            <a:schemeClr val="accent1"/>
+          </a:effectRef>
+          <a:fontRef idx="minor">
+            <a:schemeClr val="lt1"/>
+          </a:fontRef>
+        </p:style>
+        <p:txBody>
+          <a:bodyPr rtlCol="0" anchor="ctr"/>
+          <a:lstStyle/>
+          <a:p>
+            <a:pPr algn="ctr"/>
+            <a:r>
+              <a:rPr lang="en-US" dirty="0"/>
+              <a:t>Error is thrown</a:t>
+            </a:r>
+          </a:p>
+        </p:txBody>
+      </p:sp>
+      <p:sp>
+        <p:nvSpPr>
+          <p:cNvPr id="5" name="Rectangle 4">
+            <a:extLst>
+              <a:ext uri="{FF2B5EF4-FFF2-40B4-BE49-F238E27FC236}">
+                <a16:creationId xmlns:a16="http://schemas.microsoft.com/office/drawing/2014/main" id="{1F699185-024F-90A5-D153-733DBD5B3FF4}"/>
+              </a:ext>
+            </a:extLst>
+          </p:cNvPr>
+          <p:cNvSpPr/>
+          <p:nvPr/>
+        </p:nvSpPr>
+        <p:spPr>
+          <a:xfrm>
+            <a:off x="6553200" y="1111827"/>
+            <a:ext cx="4904510" cy="883228"/>
+          </a:xfrm>
+          <a:prstGeom prst="rect">
+            <a:avLst/>
+          </a:prstGeom>
+        </p:spPr>
+        <p:style>
+          <a:lnRef idx="2">
+            <a:schemeClr val="accent1">
+              <a:shade val="15000"/>
+            </a:schemeClr>
+          </a:lnRef>
+          <a:fillRef idx="1">
+            <a:schemeClr val="accent1"/>
+          </a:fillRef>
+          <a:effectRef idx="0">
+            <a:schemeClr val="accent1"/>
+          </a:effectRef>
+          <a:fontRef idx="minor">
+            <a:schemeClr val="lt1"/>
+          </a:fontRef>
+        </p:style>
+        <p:txBody>
+          <a:bodyPr rtlCol="0" anchor="ctr"/>
+          <a:lstStyle/>
+          <a:p>
+            <a:pPr algn="ctr"/>
+            <a:r>
+              <a:rPr lang="en-US" dirty="0"/>
+              <a:t>No error is thrown</a:t>
+            </a:r>
+          </a:p>
+        </p:txBody>
+      </p:sp>
+      <p:sp>
+        <p:nvSpPr>
+          <p:cNvPr id="6" name="Rectangle 5">
+            <a:extLst>
+              <a:ext uri="{FF2B5EF4-FFF2-40B4-BE49-F238E27FC236}">
+                <a16:creationId xmlns:a16="http://schemas.microsoft.com/office/drawing/2014/main" id="{45284034-B3DC-2B5A-9DD8-6583DB35545D}"/>
+              </a:ext>
+            </a:extLst>
+          </p:cNvPr>
+          <p:cNvSpPr/>
+          <p:nvPr/>
+        </p:nvSpPr>
+        <p:spPr>
+          <a:xfrm>
+            <a:off x="519545" y="2545772"/>
+            <a:ext cx="2161310" cy="883228"/>
+          </a:xfrm>
+          <a:prstGeom prst="rect">
+            <a:avLst/>
+          </a:prstGeom>
+        </p:spPr>
+        <p:style>
+          <a:lnRef idx="2">
+            <a:schemeClr val="accent1">
+              <a:shade val="15000"/>
+            </a:schemeClr>
+          </a:lnRef>
+          <a:fillRef idx="1">
+            <a:schemeClr val="accent1"/>
+          </a:fillRef>
+          <a:effectRef idx="0">
+            <a:schemeClr val="accent1"/>
+          </a:effectRef>
+          <a:fontRef idx="minor">
+            <a:schemeClr val="lt1"/>
+          </a:fontRef>
+        </p:style>
+        <p:txBody>
+          <a:bodyPr rtlCol="0" anchor="ctr"/>
+          <a:lstStyle/>
+          <a:p>
+            <a:pPr algn="ctr"/>
+            <a:r>
+              <a:rPr lang="en-US" dirty="0"/>
+              <a:t>Synchronous Code:</a:t>
+            </a:r>
+          </a:p>
+          <a:p>
+            <a:pPr algn="ctr"/>
+            <a:r>
+              <a:rPr lang="en-US" dirty="0"/>
+              <a:t>Try-catch</a:t>
+            </a:r>
+          </a:p>
+        </p:txBody>
+      </p:sp>
+      <p:sp>
+        <p:nvSpPr>
+          <p:cNvPr id="7" name="Rectangle 6">
+            <a:extLst>
+              <a:ext uri="{FF2B5EF4-FFF2-40B4-BE49-F238E27FC236}">
+                <a16:creationId xmlns:a16="http://schemas.microsoft.com/office/drawing/2014/main" id="{AF6599C2-5FD3-4984-669D-7D8D971F2631}"/>
+              </a:ext>
+            </a:extLst>
+          </p:cNvPr>
+          <p:cNvSpPr/>
+          <p:nvPr/>
+        </p:nvSpPr>
+        <p:spPr>
+          <a:xfrm>
+            <a:off x="3096491" y="2545772"/>
+            <a:ext cx="2327564" cy="883228"/>
+          </a:xfrm>
+          <a:prstGeom prst="rect">
+            <a:avLst/>
+          </a:prstGeom>
+        </p:spPr>
+        <p:style>
+          <a:lnRef idx="2">
+            <a:schemeClr val="accent1">
+              <a:shade val="15000"/>
+            </a:schemeClr>
+          </a:lnRef>
+          <a:fillRef idx="1">
+            <a:schemeClr val="accent1"/>
+          </a:fillRef>
+          <a:effectRef idx="0">
+            <a:schemeClr val="accent1"/>
+          </a:effectRef>
+          <a:fontRef idx="minor">
+            <a:schemeClr val="lt1"/>
+          </a:fontRef>
+        </p:style>
+        <p:txBody>
+          <a:bodyPr rtlCol="0" anchor="ctr"/>
+          <a:lstStyle/>
+          <a:p>
+            <a:pPr algn="ctr"/>
+            <a:r>
+              <a:rPr lang="en-US" dirty="0"/>
+              <a:t>Asynchronous Code:</a:t>
+            </a:r>
+          </a:p>
+          <a:p>
+            <a:pPr algn="ctr"/>
+            <a:r>
+              <a:rPr lang="en-US" dirty="0"/>
+              <a:t>Then()-catch()</a:t>
+            </a:r>
+          </a:p>
+        </p:txBody>
+      </p:sp>
+      <p:cxnSp>
+        <p:nvCxnSpPr>
+          <p:cNvPr id="9" name="Elbow Connector 8">
+            <a:extLst>
+              <a:ext uri="{FF2B5EF4-FFF2-40B4-BE49-F238E27FC236}">
+                <a16:creationId xmlns:a16="http://schemas.microsoft.com/office/drawing/2014/main" id="{A653E3C7-C998-28DB-AA54-35EFBF56F2A5}"/>
+              </a:ext>
+            </a:extLst>
+          </p:cNvPr>
+          <p:cNvCxnSpPr>
+            <a:stCxn id="4" idx="2"/>
+            <a:endCxn id="6" idx="0"/>
+          </p:cNvCxnSpPr>
+          <p:nvPr/>
+        </p:nvCxnSpPr>
+        <p:spPr>
+          <a:xfrm rot="5400000">
+            <a:off x="2010642" y="1584613"/>
+            <a:ext cx="550717" cy="1371600"/>
+          </a:xfrm>
+          <a:prstGeom prst="bentConnector3">
+            <a:avLst/>
+          </a:prstGeom>
+          <a:ln>
+            <a:tailEnd type="triangle"/>
+          </a:ln>
+        </p:spPr>
+        <p:style>
+          <a:lnRef idx="2">
+            <a:schemeClr val="accent1"/>
+          </a:lnRef>
+          <a:fillRef idx="0">
+            <a:schemeClr val="accent1"/>
+          </a:fillRef>
+          <a:effectRef idx="1">
+            <a:schemeClr val="accent1"/>
+          </a:effectRef>
+          <a:fontRef idx="minor">
+            <a:schemeClr val="tx1"/>
+          </a:fontRef>
+        </p:style>
+      </p:cxnSp>
+      <p:cxnSp>
+        <p:nvCxnSpPr>
+          <p:cNvPr id="11" name="Elbow Connector 10">
+            <a:extLst>
+              <a:ext uri="{FF2B5EF4-FFF2-40B4-BE49-F238E27FC236}">
+                <a16:creationId xmlns:a16="http://schemas.microsoft.com/office/drawing/2014/main" id="{76302D63-B5DC-037A-401B-95437F171EC8}"/>
+              </a:ext>
+            </a:extLst>
+          </p:cNvPr>
+          <p:cNvCxnSpPr>
+            <a:stCxn id="4" idx="2"/>
+            <a:endCxn id="7" idx="0"/>
+          </p:cNvCxnSpPr>
+          <p:nvPr/>
+        </p:nvCxnSpPr>
+        <p:spPr>
+          <a:xfrm rot="16200000" flipH="1">
+            <a:off x="3340678" y="1626176"/>
+            <a:ext cx="550717" cy="1288473"/>
+          </a:xfrm>
+          <a:prstGeom prst="bentConnector3">
+            <a:avLst/>
+          </a:prstGeom>
+          <a:ln>
+            <a:tailEnd type="triangle"/>
+          </a:ln>
+        </p:spPr>
+        <p:style>
+          <a:lnRef idx="2">
+            <a:schemeClr val="accent1"/>
+          </a:lnRef>
+          <a:fillRef idx="0">
+            <a:schemeClr val="accent1"/>
+          </a:fillRef>
+          <a:effectRef idx="1">
+            <a:schemeClr val="accent1"/>
+          </a:effectRef>
+          <a:fontRef idx="minor">
+            <a:schemeClr val="tx1"/>
+          </a:fontRef>
+        </p:style>
+      </p:cxnSp>
+      <p:sp>
+        <p:nvSpPr>
+          <p:cNvPr id="12" name="Rectangle 11">
+            <a:extLst>
+              <a:ext uri="{FF2B5EF4-FFF2-40B4-BE49-F238E27FC236}">
+                <a16:creationId xmlns:a16="http://schemas.microsoft.com/office/drawing/2014/main" id="{A2DEB253-753C-9E65-955F-845EE7DD8BE5}"/>
+              </a:ext>
+            </a:extLst>
+          </p:cNvPr>
+          <p:cNvSpPr/>
+          <p:nvPr/>
+        </p:nvSpPr>
+        <p:spPr>
+          <a:xfrm>
+            <a:off x="519545" y="3782291"/>
+            <a:ext cx="5119256" cy="290945"/>
+          </a:xfrm>
+          <a:prstGeom prst="rect">
+            <a:avLst/>
+          </a:prstGeom>
+        </p:spPr>
+        <p:style>
+          <a:lnRef idx="2">
+            <a:schemeClr val="accent1">
+              <a:shade val="15000"/>
+            </a:schemeClr>
+          </a:lnRef>
+          <a:fillRef idx="1">
+            <a:schemeClr val="accent1"/>
+          </a:fillRef>
+          <a:effectRef idx="0">
+            <a:schemeClr val="accent1"/>
+          </a:effectRef>
+          <a:fontRef idx="minor">
+            <a:schemeClr val="lt1"/>
+          </a:fontRef>
+        </p:style>
+        <p:txBody>
+          <a:bodyPr rtlCol="0" anchor="ctr"/>
+          <a:lstStyle/>
+          <a:p>
+            <a:pPr algn="ctr"/>
+            <a:endParaRPr lang="en-US"/>
+          </a:p>
+        </p:txBody>
+      </p:sp>
+      <p:sp>
+        <p:nvSpPr>
+          <p:cNvPr id="13" name="Rectangle 12">
+            <a:extLst>
+              <a:ext uri="{FF2B5EF4-FFF2-40B4-BE49-F238E27FC236}">
+                <a16:creationId xmlns:a16="http://schemas.microsoft.com/office/drawing/2014/main" id="{0533F5EE-F38B-B4DD-43DB-FD80C7C7727A}"/>
+              </a:ext>
+            </a:extLst>
+          </p:cNvPr>
+          <p:cNvSpPr/>
+          <p:nvPr/>
+        </p:nvSpPr>
+        <p:spPr>
+          <a:xfrm>
+            <a:off x="519545" y="4537363"/>
+            <a:ext cx="2161310" cy="883228"/>
+          </a:xfrm>
+          <a:prstGeom prst="rect">
+            <a:avLst/>
+          </a:prstGeom>
+        </p:spPr>
+        <p:style>
+          <a:lnRef idx="2">
+            <a:schemeClr val="accent1">
+              <a:shade val="15000"/>
+            </a:schemeClr>
+          </a:lnRef>
+          <a:fillRef idx="1">
+            <a:schemeClr val="accent1"/>
+          </a:fillRef>
+          <a:effectRef idx="0">
+            <a:schemeClr val="accent1"/>
+          </a:effectRef>
+          <a:fontRef idx="minor">
+            <a:schemeClr val="lt1"/>
+          </a:fontRef>
+        </p:style>
+        <p:txBody>
+          <a:bodyPr rtlCol="0" anchor="ctr"/>
+          <a:lstStyle/>
+          <a:p>
+            <a:pPr algn="ctr"/>
+            <a:r>
+              <a:rPr lang="en-US" dirty="0"/>
+              <a:t>Directly handle error</a:t>
+            </a:r>
+          </a:p>
+        </p:txBody>
+      </p:sp>
+      <p:sp>
+        <p:nvSpPr>
+          <p:cNvPr id="14" name="Rectangle 13">
+            <a:extLst>
+              <a:ext uri="{FF2B5EF4-FFF2-40B4-BE49-F238E27FC236}">
+                <a16:creationId xmlns:a16="http://schemas.microsoft.com/office/drawing/2014/main" id="{073683F6-1E9D-7434-72AD-A2173B60CAA1}"/>
+              </a:ext>
+            </a:extLst>
+          </p:cNvPr>
+          <p:cNvSpPr/>
+          <p:nvPr/>
+        </p:nvSpPr>
+        <p:spPr>
+          <a:xfrm>
+            <a:off x="3262745" y="4537363"/>
+            <a:ext cx="2161310" cy="883228"/>
+          </a:xfrm>
+          <a:prstGeom prst="rect">
+            <a:avLst/>
+          </a:prstGeom>
+        </p:spPr>
+        <p:style>
+          <a:lnRef idx="2">
+            <a:schemeClr val="accent1">
+              <a:shade val="15000"/>
+            </a:schemeClr>
+          </a:lnRef>
+          <a:fillRef idx="1">
+            <a:schemeClr val="accent1"/>
+          </a:fillRef>
+          <a:effectRef idx="0">
+            <a:schemeClr val="accent1"/>
+          </a:effectRef>
+          <a:fontRef idx="minor">
+            <a:schemeClr val="lt1"/>
+          </a:fontRef>
+        </p:style>
+        <p:txBody>
+          <a:bodyPr rtlCol="0" anchor="ctr"/>
+          <a:lstStyle/>
+          <a:p>
+            <a:pPr algn="ctr"/>
+            <a:r>
+              <a:rPr lang="en-US" dirty="0"/>
+              <a:t>Use Express error handling function</a:t>
+            </a:r>
+          </a:p>
+        </p:txBody>
+      </p:sp>
+      <p:cxnSp>
+        <p:nvCxnSpPr>
+          <p:cNvPr id="16" name="Elbow Connector 15">
+            <a:extLst>
+              <a:ext uri="{FF2B5EF4-FFF2-40B4-BE49-F238E27FC236}">
+                <a16:creationId xmlns:a16="http://schemas.microsoft.com/office/drawing/2014/main" id="{B4BC178C-C4F7-EE69-B7F6-279E1E105ED1}"/>
+              </a:ext>
+            </a:extLst>
+          </p:cNvPr>
+          <p:cNvCxnSpPr>
+            <a:stCxn id="6" idx="2"/>
+            <a:endCxn id="12" idx="0"/>
+          </p:cNvCxnSpPr>
+          <p:nvPr/>
+        </p:nvCxnSpPr>
+        <p:spPr>
+          <a:xfrm rot="16200000" flipH="1">
+            <a:off x="2163041" y="2866158"/>
+            <a:ext cx="353291" cy="1478973"/>
+          </a:xfrm>
+          <a:prstGeom prst="bentConnector3">
+            <a:avLst/>
+          </a:prstGeom>
+          <a:ln>
+            <a:tailEnd type="triangle"/>
+          </a:ln>
+        </p:spPr>
+        <p:style>
+          <a:lnRef idx="2">
+            <a:schemeClr val="accent1"/>
+          </a:lnRef>
+          <a:fillRef idx="0">
+            <a:schemeClr val="accent1"/>
+          </a:fillRef>
+          <a:effectRef idx="1">
+            <a:schemeClr val="accent1"/>
+          </a:effectRef>
+          <a:fontRef idx="minor">
+            <a:schemeClr val="tx1"/>
+          </a:fontRef>
+        </p:style>
+      </p:cxnSp>
+      <p:cxnSp>
+        <p:nvCxnSpPr>
+          <p:cNvPr id="18" name="Elbow Connector 17">
+            <a:extLst>
+              <a:ext uri="{FF2B5EF4-FFF2-40B4-BE49-F238E27FC236}">
+                <a16:creationId xmlns:a16="http://schemas.microsoft.com/office/drawing/2014/main" id="{32A11612-5CB8-3BF5-8BD9-91473C67A457}"/>
+              </a:ext>
+            </a:extLst>
+          </p:cNvPr>
+          <p:cNvCxnSpPr>
+            <a:stCxn id="7" idx="2"/>
+            <a:endCxn id="12" idx="0"/>
+          </p:cNvCxnSpPr>
+          <p:nvPr/>
+        </p:nvCxnSpPr>
+        <p:spPr>
+          <a:xfrm rot="5400000">
+            <a:off x="3493078" y="3015095"/>
+            <a:ext cx="353291" cy="1181100"/>
+          </a:xfrm>
+          <a:prstGeom prst="bentConnector3">
+            <a:avLst/>
+          </a:prstGeom>
+          <a:ln>
+            <a:tailEnd type="triangle"/>
+          </a:ln>
+        </p:spPr>
+        <p:style>
+          <a:lnRef idx="2">
+            <a:schemeClr val="accent1"/>
+          </a:lnRef>
+          <a:fillRef idx="0">
+            <a:schemeClr val="accent1"/>
+          </a:fillRef>
+          <a:effectRef idx="1">
+            <a:schemeClr val="accent1"/>
+          </a:effectRef>
+          <a:fontRef idx="minor">
+            <a:schemeClr val="tx1"/>
+          </a:fontRef>
+        </p:style>
+      </p:cxnSp>
+      <p:cxnSp>
+        <p:nvCxnSpPr>
+          <p:cNvPr id="20" name="Elbow Connector 19">
+            <a:extLst>
+              <a:ext uri="{FF2B5EF4-FFF2-40B4-BE49-F238E27FC236}">
+                <a16:creationId xmlns:a16="http://schemas.microsoft.com/office/drawing/2014/main" id="{B0ACA801-C423-FA2B-CCE2-78F8AD1D40F7}"/>
+              </a:ext>
+            </a:extLst>
+          </p:cNvPr>
+          <p:cNvCxnSpPr>
+            <a:stCxn id="12" idx="2"/>
+            <a:endCxn id="13" idx="0"/>
+          </p:cNvCxnSpPr>
+          <p:nvPr/>
+        </p:nvCxnSpPr>
+        <p:spPr>
+          <a:xfrm rot="5400000">
+            <a:off x="2107624" y="3565813"/>
+            <a:ext cx="464127" cy="1478973"/>
+          </a:xfrm>
+          <a:prstGeom prst="bentConnector3">
+            <a:avLst/>
+          </a:prstGeom>
+          <a:ln>
+            <a:tailEnd type="triangle"/>
+          </a:ln>
+        </p:spPr>
+        <p:style>
+          <a:lnRef idx="2">
+            <a:schemeClr val="accent1"/>
+          </a:lnRef>
+          <a:fillRef idx="0">
+            <a:schemeClr val="accent1"/>
+          </a:fillRef>
+          <a:effectRef idx="1">
+            <a:schemeClr val="accent1"/>
+          </a:effectRef>
+          <a:fontRef idx="minor">
+            <a:schemeClr val="tx1"/>
+          </a:fontRef>
+        </p:style>
+      </p:cxnSp>
+      <p:cxnSp>
+        <p:nvCxnSpPr>
+          <p:cNvPr id="22" name="Elbow Connector 21">
+            <a:extLst>
+              <a:ext uri="{FF2B5EF4-FFF2-40B4-BE49-F238E27FC236}">
+                <a16:creationId xmlns:a16="http://schemas.microsoft.com/office/drawing/2014/main" id="{093A25B9-B77F-7D3E-3C61-888AEF288A06}"/>
+              </a:ext>
+            </a:extLst>
+          </p:cNvPr>
+          <p:cNvCxnSpPr>
+            <a:stCxn id="12" idx="2"/>
+            <a:endCxn id="14" idx="0"/>
+          </p:cNvCxnSpPr>
+          <p:nvPr/>
+        </p:nvCxnSpPr>
+        <p:spPr>
+          <a:xfrm rot="16200000" flipH="1">
+            <a:off x="3479223" y="3673185"/>
+            <a:ext cx="464127" cy="1264227"/>
+          </a:xfrm>
+          <a:prstGeom prst="bentConnector3">
+            <a:avLst/>
+          </a:prstGeom>
+          <a:ln>
+            <a:tailEnd type="triangle"/>
+          </a:ln>
+        </p:spPr>
+        <p:style>
+          <a:lnRef idx="2">
+            <a:schemeClr val="accent1"/>
+          </a:lnRef>
+          <a:fillRef idx="0">
+            <a:schemeClr val="accent1"/>
+          </a:fillRef>
+          <a:effectRef idx="1">
+            <a:schemeClr val="accent1"/>
+          </a:effectRef>
+          <a:fontRef idx="minor">
+            <a:schemeClr val="tx1"/>
+          </a:fontRef>
+        </p:style>
+      </p:cxnSp>
+      <p:sp>
+        <p:nvSpPr>
+          <p:cNvPr id="23" name="Rectangle 22">
+            <a:extLst>
+              <a:ext uri="{FF2B5EF4-FFF2-40B4-BE49-F238E27FC236}">
+                <a16:creationId xmlns:a16="http://schemas.microsoft.com/office/drawing/2014/main" id="{CE997CDE-5F52-BDA0-AB86-0EB39B229707}"/>
+              </a:ext>
+            </a:extLst>
+          </p:cNvPr>
+          <p:cNvSpPr/>
+          <p:nvPr/>
+        </p:nvSpPr>
+        <p:spPr>
+          <a:xfrm>
+            <a:off x="7841673" y="2545770"/>
+            <a:ext cx="2327564" cy="883228"/>
+          </a:xfrm>
+          <a:prstGeom prst="rect">
+            <a:avLst/>
+          </a:prstGeom>
+        </p:spPr>
+        <p:style>
+          <a:lnRef idx="2">
+            <a:schemeClr val="accent1">
+              <a:shade val="15000"/>
+            </a:schemeClr>
+          </a:lnRef>
+          <a:fillRef idx="1">
+            <a:schemeClr val="accent1"/>
+          </a:fillRef>
+          <a:effectRef idx="0">
+            <a:schemeClr val="accent1"/>
+          </a:effectRef>
+          <a:fontRef idx="minor">
+            <a:schemeClr val="lt1"/>
+          </a:fontRef>
+        </p:style>
+        <p:txBody>
+          <a:bodyPr rtlCol="0" anchor="ctr"/>
+          <a:lstStyle/>
+          <a:p>
+            <a:pPr algn="ctr"/>
+            <a:r>
+              <a:rPr lang="en-US" dirty="0"/>
+              <a:t>Validate values</a:t>
+            </a:r>
+          </a:p>
+        </p:txBody>
+      </p:sp>
+      <p:sp>
+        <p:nvSpPr>
+          <p:cNvPr id="24" name="Rectangle 23">
+            <a:extLst>
+              <a:ext uri="{FF2B5EF4-FFF2-40B4-BE49-F238E27FC236}">
+                <a16:creationId xmlns:a16="http://schemas.microsoft.com/office/drawing/2014/main" id="{C24DB90B-022C-0A2D-305B-3C3A6138116E}"/>
+              </a:ext>
+            </a:extLst>
+          </p:cNvPr>
+          <p:cNvSpPr/>
+          <p:nvPr/>
+        </p:nvSpPr>
+        <p:spPr>
+          <a:xfrm>
+            <a:off x="6553200" y="4537363"/>
+            <a:ext cx="2161310" cy="883228"/>
+          </a:xfrm>
+          <a:prstGeom prst="rect">
+            <a:avLst/>
+          </a:prstGeom>
+        </p:spPr>
+        <p:style>
+          <a:lnRef idx="2">
+            <a:schemeClr val="accent1">
+              <a:shade val="15000"/>
+            </a:schemeClr>
+          </a:lnRef>
+          <a:fillRef idx="1">
+            <a:schemeClr val="accent1"/>
+          </a:fillRef>
+          <a:effectRef idx="0">
+            <a:schemeClr val="accent1"/>
+          </a:effectRef>
+          <a:fontRef idx="minor">
+            <a:schemeClr val="lt1"/>
+          </a:fontRef>
+        </p:style>
+        <p:txBody>
+          <a:bodyPr rtlCol="0" anchor="ctr"/>
+          <a:lstStyle/>
+          <a:p>
+            <a:pPr algn="ctr"/>
+            <a:r>
+              <a:rPr lang="en-US" dirty="0"/>
+              <a:t>Throw error</a:t>
+            </a:r>
+          </a:p>
+        </p:txBody>
+      </p:sp>
+      <p:sp>
+        <p:nvSpPr>
+          <p:cNvPr id="25" name="Rectangle 24">
+            <a:extLst>
+              <a:ext uri="{FF2B5EF4-FFF2-40B4-BE49-F238E27FC236}">
+                <a16:creationId xmlns:a16="http://schemas.microsoft.com/office/drawing/2014/main" id="{F917280D-57B7-2476-79CE-1401F556AC9C}"/>
+              </a:ext>
+            </a:extLst>
+          </p:cNvPr>
+          <p:cNvSpPr/>
+          <p:nvPr/>
+        </p:nvSpPr>
+        <p:spPr>
+          <a:xfrm>
+            <a:off x="9296400" y="4537363"/>
+            <a:ext cx="2161310" cy="883228"/>
+          </a:xfrm>
+          <a:prstGeom prst="rect">
+            <a:avLst/>
+          </a:prstGeom>
+        </p:spPr>
+        <p:style>
+          <a:lnRef idx="2">
+            <a:schemeClr val="accent1">
+              <a:shade val="15000"/>
+            </a:schemeClr>
+          </a:lnRef>
+          <a:fillRef idx="1">
+            <a:schemeClr val="accent1"/>
+          </a:fillRef>
+          <a:effectRef idx="0">
+            <a:schemeClr val="accent1"/>
+          </a:effectRef>
+          <a:fontRef idx="minor">
+            <a:schemeClr val="lt1"/>
+          </a:fontRef>
+        </p:style>
+        <p:txBody>
+          <a:bodyPr rtlCol="0" anchor="ctr"/>
+          <a:lstStyle/>
+          <a:p>
+            <a:pPr algn="ctr"/>
+            <a:r>
+              <a:rPr lang="en-US" dirty="0"/>
+              <a:t>Directly handle error</a:t>
+            </a:r>
+          </a:p>
+        </p:txBody>
+      </p:sp>
+      <p:cxnSp>
+        <p:nvCxnSpPr>
+          <p:cNvPr id="27" name="Elbow Connector 26">
+            <a:extLst>
+              <a:ext uri="{FF2B5EF4-FFF2-40B4-BE49-F238E27FC236}">
+                <a16:creationId xmlns:a16="http://schemas.microsoft.com/office/drawing/2014/main" id="{31E7DB72-CA1A-D724-511E-E070F7FECCE0}"/>
+              </a:ext>
+            </a:extLst>
+          </p:cNvPr>
+          <p:cNvCxnSpPr>
+            <a:stCxn id="5" idx="2"/>
+            <a:endCxn id="23" idx="0"/>
+          </p:cNvCxnSpPr>
+          <p:nvPr/>
+        </p:nvCxnSpPr>
+        <p:spPr>
+          <a:xfrm rot="5400000">
+            <a:off x="8730098" y="2270412"/>
+            <a:ext cx="550715" cy="12700"/>
+          </a:xfrm>
+          <a:prstGeom prst="bentConnector3">
+            <a:avLst/>
+          </a:prstGeom>
+          <a:ln>
+            <a:tailEnd type="triangle"/>
+          </a:ln>
+        </p:spPr>
+        <p:style>
+          <a:lnRef idx="2">
+            <a:schemeClr val="accent1"/>
+          </a:lnRef>
+          <a:fillRef idx="0">
+            <a:schemeClr val="accent1"/>
+          </a:fillRef>
+          <a:effectRef idx="1">
+            <a:schemeClr val="accent1"/>
+          </a:effectRef>
+          <a:fontRef idx="minor">
+            <a:schemeClr val="tx1"/>
+          </a:fontRef>
+        </p:style>
+      </p:cxnSp>
+      <p:cxnSp>
+        <p:nvCxnSpPr>
+          <p:cNvPr id="29" name="Elbow Connector 28">
+            <a:extLst>
+              <a:ext uri="{FF2B5EF4-FFF2-40B4-BE49-F238E27FC236}">
+                <a16:creationId xmlns:a16="http://schemas.microsoft.com/office/drawing/2014/main" id="{7B6FA689-2F58-251F-D2FD-044037259329}"/>
+              </a:ext>
+            </a:extLst>
+          </p:cNvPr>
+          <p:cNvCxnSpPr>
+            <a:stCxn id="23" idx="2"/>
+            <a:endCxn id="24" idx="0"/>
+          </p:cNvCxnSpPr>
+          <p:nvPr/>
+        </p:nvCxnSpPr>
+        <p:spPr>
+          <a:xfrm rot="5400000">
+            <a:off x="7765473" y="3297380"/>
+            <a:ext cx="1108365" cy="1371600"/>
+          </a:xfrm>
+          <a:prstGeom prst="bentConnector3">
+            <a:avLst/>
+          </a:prstGeom>
+          <a:ln>
+            <a:tailEnd type="triangle"/>
+          </a:ln>
+        </p:spPr>
+        <p:style>
+          <a:lnRef idx="2">
+            <a:schemeClr val="accent1"/>
+          </a:lnRef>
+          <a:fillRef idx="0">
+            <a:schemeClr val="accent1"/>
+          </a:fillRef>
+          <a:effectRef idx="1">
+            <a:schemeClr val="accent1"/>
+          </a:effectRef>
+          <a:fontRef idx="minor">
+            <a:schemeClr val="tx1"/>
+          </a:fontRef>
+        </p:style>
+      </p:cxnSp>
+      <p:cxnSp>
+        <p:nvCxnSpPr>
+          <p:cNvPr id="31" name="Elbow Connector 30">
+            <a:extLst>
+              <a:ext uri="{FF2B5EF4-FFF2-40B4-BE49-F238E27FC236}">
+                <a16:creationId xmlns:a16="http://schemas.microsoft.com/office/drawing/2014/main" id="{05EBC8AF-68DD-697B-B687-B98494BD2E59}"/>
+              </a:ext>
+            </a:extLst>
+          </p:cNvPr>
+          <p:cNvCxnSpPr>
+            <a:stCxn id="23" idx="2"/>
+            <a:endCxn id="25" idx="0"/>
+          </p:cNvCxnSpPr>
+          <p:nvPr/>
+        </p:nvCxnSpPr>
+        <p:spPr>
+          <a:xfrm rot="16200000" flipH="1">
+            <a:off x="9137073" y="3297380"/>
+            <a:ext cx="1108365" cy="1371600"/>
+          </a:xfrm>
+          <a:prstGeom prst="bentConnector3">
+            <a:avLst/>
+          </a:prstGeom>
+          <a:ln>
+            <a:tailEnd type="triangle"/>
+          </a:ln>
+        </p:spPr>
+        <p:style>
+          <a:lnRef idx="2">
+            <a:schemeClr val="accent1"/>
+          </a:lnRef>
+          <a:fillRef idx="0">
+            <a:schemeClr val="accent1"/>
+          </a:fillRef>
+          <a:effectRef idx="1">
+            <a:schemeClr val="accent1"/>
+          </a:effectRef>
+          <a:fontRef idx="minor">
+            <a:schemeClr val="tx1"/>
+          </a:fontRef>
+        </p:style>
+      </p:cxnSp>
+      <p:sp>
+        <p:nvSpPr>
+          <p:cNvPr id="32" name="Rectangle 31">
+            <a:extLst>
+              <a:ext uri="{FF2B5EF4-FFF2-40B4-BE49-F238E27FC236}">
+                <a16:creationId xmlns:a16="http://schemas.microsoft.com/office/drawing/2014/main" id="{CEE0CA03-9353-197A-5DA6-DC4AAA949BE8}"/>
+              </a:ext>
+            </a:extLst>
+          </p:cNvPr>
+          <p:cNvSpPr/>
+          <p:nvPr/>
+        </p:nvSpPr>
+        <p:spPr>
+          <a:xfrm>
+            <a:off x="249382" y="5942155"/>
+            <a:ext cx="3013363" cy="550719"/>
+          </a:xfrm>
+          <a:prstGeom prst="rect">
+            <a:avLst/>
+          </a:prstGeom>
+        </p:spPr>
+        <p:style>
+          <a:lnRef idx="2">
+            <a:schemeClr val="accent1">
+              <a:shade val="15000"/>
+            </a:schemeClr>
+          </a:lnRef>
+          <a:fillRef idx="1">
+            <a:schemeClr val="accent1"/>
+          </a:fillRef>
+          <a:effectRef idx="0">
+            <a:schemeClr val="accent1"/>
+          </a:effectRef>
+          <a:fontRef idx="minor">
+            <a:schemeClr val="lt1"/>
+          </a:fontRef>
+        </p:style>
+        <p:txBody>
+          <a:bodyPr rtlCol="0" anchor="ctr"/>
+          <a:lstStyle/>
+          <a:p>
+            <a:pPr algn="ctr"/>
+            <a:r>
+              <a:rPr lang="en-US" dirty="0"/>
+              <a:t>Error Page (e.g. 500 pages)</a:t>
+            </a:r>
+          </a:p>
+        </p:txBody>
+      </p:sp>
+      <p:sp>
+        <p:nvSpPr>
+          <p:cNvPr id="33" name="Rectangle 32">
+            <a:extLst>
+              <a:ext uri="{FF2B5EF4-FFF2-40B4-BE49-F238E27FC236}">
+                <a16:creationId xmlns:a16="http://schemas.microsoft.com/office/drawing/2014/main" id="{9B4852AC-8DD4-19EC-1CEF-D591C49EB3BA}"/>
+              </a:ext>
+            </a:extLst>
+          </p:cNvPr>
+          <p:cNvSpPr/>
+          <p:nvPr/>
+        </p:nvSpPr>
+        <p:spPr>
+          <a:xfrm>
+            <a:off x="4114799" y="5942154"/>
+            <a:ext cx="3013363" cy="550719"/>
+          </a:xfrm>
+          <a:prstGeom prst="rect">
+            <a:avLst/>
+          </a:prstGeom>
+        </p:spPr>
+        <p:style>
+          <a:lnRef idx="2">
+            <a:schemeClr val="accent1">
+              <a:shade val="15000"/>
+            </a:schemeClr>
+          </a:lnRef>
+          <a:fillRef idx="1">
+            <a:schemeClr val="accent1"/>
+          </a:fillRef>
+          <a:effectRef idx="0">
+            <a:schemeClr val="accent1"/>
+          </a:effectRef>
+          <a:fontRef idx="minor">
+            <a:schemeClr val="lt1"/>
+          </a:fontRef>
+        </p:style>
+        <p:txBody>
+          <a:bodyPr rtlCol="0" anchor="ctr"/>
+          <a:lstStyle/>
+          <a:p>
+            <a:pPr algn="ctr"/>
+            <a:r>
+              <a:rPr lang="en-US" dirty="0"/>
+              <a:t>Intended Page with error information</a:t>
+            </a:r>
+          </a:p>
+        </p:txBody>
+      </p:sp>
+      <p:sp>
+        <p:nvSpPr>
+          <p:cNvPr id="34" name="Rectangle 33">
+            <a:extLst>
+              <a:ext uri="{FF2B5EF4-FFF2-40B4-BE49-F238E27FC236}">
+                <a16:creationId xmlns:a16="http://schemas.microsoft.com/office/drawing/2014/main" id="{0178A794-B0BB-AF36-AD3B-4D54F13E837B}"/>
+              </a:ext>
+            </a:extLst>
+          </p:cNvPr>
+          <p:cNvSpPr/>
+          <p:nvPr/>
+        </p:nvSpPr>
+        <p:spPr>
+          <a:xfrm>
+            <a:off x="8404514" y="5942153"/>
+            <a:ext cx="2275610" cy="550719"/>
+          </a:xfrm>
+          <a:prstGeom prst="rect">
+            <a:avLst/>
+          </a:prstGeom>
+        </p:spPr>
+        <p:style>
+          <a:lnRef idx="2">
+            <a:schemeClr val="accent1">
+              <a:shade val="15000"/>
+            </a:schemeClr>
+          </a:lnRef>
+          <a:fillRef idx="1">
+            <a:schemeClr val="accent1"/>
+          </a:fillRef>
+          <a:effectRef idx="0">
+            <a:schemeClr val="accent1"/>
+          </a:effectRef>
+          <a:fontRef idx="minor">
+            <a:schemeClr val="lt1"/>
+          </a:fontRef>
+        </p:style>
+        <p:txBody>
+          <a:bodyPr rtlCol="0" anchor="ctr"/>
+          <a:lstStyle/>
+          <a:p>
+            <a:pPr algn="ctr"/>
+            <a:r>
+              <a:rPr lang="en-US" dirty="0"/>
+              <a:t>Redirect</a:t>
+            </a:r>
+          </a:p>
+        </p:txBody>
+      </p:sp>
+      <p:sp>
+        <p:nvSpPr>
+          <p:cNvPr id="35" name="Rectangle 34">
+            <a:extLst>
+              <a:ext uri="{FF2B5EF4-FFF2-40B4-BE49-F238E27FC236}">
+                <a16:creationId xmlns:a16="http://schemas.microsoft.com/office/drawing/2014/main" id="{493B2D5C-6D71-9820-E18B-D805B8B1B3AA}"/>
+              </a:ext>
+            </a:extLst>
+          </p:cNvPr>
+          <p:cNvSpPr/>
+          <p:nvPr/>
+        </p:nvSpPr>
+        <p:spPr>
+          <a:xfrm>
+            <a:off x="155864" y="5756564"/>
+            <a:ext cx="11118272" cy="935181"/>
+          </a:xfrm>
+          <a:prstGeom prst="rect">
+            <a:avLst/>
+          </a:prstGeom>
+          <a:noFill/>
+          <a:ln w="57150">
+            <a:prstDash val="sysDash"/>
+          </a:ln>
+        </p:spPr>
+        <p:style>
+          <a:lnRef idx="2">
+            <a:schemeClr val="accent1">
+              <a:shade val="15000"/>
+            </a:schemeClr>
+          </a:lnRef>
+          <a:fillRef idx="1">
+            <a:schemeClr val="accent1"/>
+          </a:fillRef>
+          <a:effectRef idx="0">
+            <a:schemeClr val="accent1"/>
+          </a:effectRef>
+          <a:fontRef idx="minor">
+            <a:schemeClr val="lt1"/>
+          </a:fontRef>
+        </p:style>
+        <p:txBody>
+          <a:bodyPr rtlCol="0" anchor="ctr"/>
+          <a:lstStyle/>
+          <a:p>
+            <a:pPr algn="ctr"/>
+            <a:endParaRPr lang="en-US"/>
+          </a:p>
+        </p:txBody>
+      </p:sp>
+    </p:spTree>
+    <p:extLst>
+      <p:ext uri="{BB962C8B-B14F-4D97-AF65-F5344CB8AC3E}">
+        <p14:creationId xmlns:p14="http://schemas.microsoft.com/office/powerpoint/2010/main" val="4265873744"/>
+      </p:ext>
+    </p:extLst>
+  </p:cSld>
+  <p:clrMapOvr>
+    <a:masterClrMapping/>
+  </p:clrMapOvr>
+</p:sld>
+</file>
+
+<file path=ppt/slides/slide65.xml><?xml version="1.0" encoding="utf-8"?>
+<p:sld xmlns:a="http://schemas.openxmlformats.org/drawingml/2006/main" xmlns:r="http://schemas.openxmlformats.org/officeDocument/2006/relationships" xmlns:p="http://schemas.openxmlformats.org/presentationml/2006/main">
+  <p:cSld>
+    <p:spTree>
+      <p:nvGrpSpPr>
+        <p:cNvPr id="1" name=""/>
+        <p:cNvGrpSpPr/>
+        <p:nvPr/>
+      </p:nvGrpSpPr>
+      <p:grpSpPr>
+        <a:xfrm>
+          <a:off x="0" y="0"/>
+          <a:ext cx="0" cy="0"/>
+          <a:chOff x="0" y="0"/>
+          <a:chExt cx="0" cy="0"/>
+        </a:xfrm>
+      </p:grpSpPr>
+      <p:sp>
+        <p:nvSpPr>
+          <p:cNvPr id="2" name="Title 1">
+            <a:extLst>
+              <a:ext uri="{FF2B5EF4-FFF2-40B4-BE49-F238E27FC236}">
+                <a16:creationId xmlns:a16="http://schemas.microsoft.com/office/drawing/2014/main" id="{38F02166-211E-DD83-AA42-2C2DE1CFD7B4}"/>
+              </a:ext>
+            </a:extLst>
+          </p:cNvPr>
+          <p:cNvSpPr>
+            <a:spLocks noGrp="1"/>
+          </p:cNvSpPr>
+          <p:nvPr>
+            <p:ph type="title"/>
+          </p:nvPr>
+        </p:nvSpPr>
+        <p:spPr/>
+        <p:txBody>
+          <a:bodyPr/>
+          <a:lstStyle/>
+          <a:p>
+            <a:endParaRPr lang="en-US"/>
+          </a:p>
+        </p:txBody>
+      </p:sp>
+      <p:sp>
+        <p:nvSpPr>
+          <p:cNvPr id="3" name="Content Placeholder 2">
+            <a:extLst>
+              <a:ext uri="{FF2B5EF4-FFF2-40B4-BE49-F238E27FC236}">
+                <a16:creationId xmlns:a16="http://schemas.microsoft.com/office/drawing/2014/main" id="{CCF70D2B-BDEC-A86F-F6A2-21171AA009F7}"/>
+              </a:ext>
+            </a:extLst>
+          </p:cNvPr>
+          <p:cNvSpPr>
+            <a:spLocks noGrp="1"/>
+          </p:cNvSpPr>
+          <p:nvPr>
+            <p:ph idx="1"/>
+          </p:nvPr>
+        </p:nvSpPr>
+        <p:spPr/>
+        <p:txBody>
+          <a:bodyPr/>
+          <a:lstStyle/>
+          <a:p>
+            <a:r>
+              <a:rPr lang="en-US" dirty="0"/>
+              <a:t>Errors some Theory</a:t>
+            </a:r>
+          </a:p>
+          <a:p>
+            <a:r>
+              <a:rPr lang="en-US" dirty="0"/>
+              <a:t>Returning error message</a:t>
+            </a:r>
+          </a:p>
+          <a:p>
+            <a:r>
+              <a:rPr lang="en-US" dirty="0"/>
+              <a:t>Returning error pages</a:t>
+            </a:r>
+          </a:p>
+          <a:p>
+            <a:r>
+              <a:rPr lang="en-US" dirty="0"/>
+              <a:t>Using the Express.js Error Handling Middleware</a:t>
+            </a:r>
+          </a:p>
+          <a:p>
+            <a:r>
+              <a:rPr lang="en-US" dirty="0"/>
+              <a:t>Updating our App</a:t>
+            </a:r>
+          </a:p>
+        </p:txBody>
+      </p:sp>
+    </p:spTree>
+    <p:extLst>
+      <p:ext uri="{BB962C8B-B14F-4D97-AF65-F5344CB8AC3E}">
+        <p14:creationId xmlns:p14="http://schemas.microsoft.com/office/powerpoint/2010/main" val="1249676971"/>
+      </p:ext>
+    </p:extLst>
+  </p:cSld>
+  <p:clrMapOvr>
+    <a:masterClrMapping/>
+  </p:clrMapOvr>
+</p:sld>
+</file>
+
+<file path=ppt/slides/slide66.xml><?xml version="1.0" encoding="utf-8"?>
+<p:sld xmlns:a="http://schemas.openxmlformats.org/drawingml/2006/main" xmlns:r="http://schemas.openxmlformats.org/officeDocument/2006/relationships" xmlns:p="http://schemas.openxmlformats.org/presentationml/2006/main">
+  <p:cSld>
+    <p:spTree>
+      <p:nvGrpSpPr>
+        <p:cNvPr id="1" name=""/>
+        <p:cNvGrpSpPr/>
+        <p:nvPr/>
+      </p:nvGrpSpPr>
+      <p:grpSpPr>
+        <a:xfrm>
+          <a:off x="0" y="0"/>
+          <a:ext cx="0" cy="0"/>
+          <a:chOff x="0" y="0"/>
+          <a:chExt cx="0" cy="0"/>
+        </a:xfrm>
+      </p:grpSpPr>
+      <p:sp>
+        <p:nvSpPr>
+          <p:cNvPr id="2" name="Title 1">
+            <a:extLst>
+              <a:ext uri="{FF2B5EF4-FFF2-40B4-BE49-F238E27FC236}">
+                <a16:creationId xmlns:a16="http://schemas.microsoft.com/office/drawing/2014/main" id="{BDD81F45-F791-78A5-B6C9-D6EF90624D85}"/>
+              </a:ext>
+            </a:extLst>
+          </p:cNvPr>
+          <p:cNvSpPr>
+            <a:spLocks noGrp="1"/>
+          </p:cNvSpPr>
+          <p:nvPr>
+            <p:ph type="title"/>
+          </p:nvPr>
+        </p:nvSpPr>
+        <p:spPr/>
+        <p:txBody>
+          <a:bodyPr/>
+          <a:lstStyle/>
+          <a:p>
+            <a:pPr algn="ctr"/>
+            <a:r>
+              <a:rPr lang="en-US" dirty="0"/>
+              <a:t>Errors &amp; Http Response Codes</a:t>
+            </a:r>
+          </a:p>
+        </p:txBody>
+      </p:sp>
+      <p:graphicFrame>
+        <p:nvGraphicFramePr>
+          <p:cNvPr id="4" name="Content Placeholder 3">
+            <a:extLst>
+              <a:ext uri="{FF2B5EF4-FFF2-40B4-BE49-F238E27FC236}">
+                <a16:creationId xmlns:a16="http://schemas.microsoft.com/office/drawing/2014/main" id="{668064E5-D592-EC68-61E1-160ED7B31D4F}"/>
+              </a:ext>
+            </a:extLst>
+          </p:cNvPr>
+          <p:cNvGraphicFramePr>
+            <a:graphicFrameLocks noGrp="1"/>
+          </p:cNvGraphicFramePr>
+          <p:nvPr>
+            <p:ph idx="1"/>
+            <p:extLst>
+              <p:ext uri="{D42A27DB-BD31-4B8C-83A1-F6EECF244321}">
+                <p14:modId xmlns:p14="http://schemas.microsoft.com/office/powerpoint/2010/main" val="654001461"/>
+              </p:ext>
+            </p:extLst>
+          </p:nvPr>
+        </p:nvGraphicFramePr>
+        <p:xfrm>
+          <a:off x="838200" y="1825625"/>
+          <a:ext cx="10207335" cy="4091335"/>
+        </p:xfrm>
+        <a:graphic>
+          <a:graphicData uri="http://schemas.openxmlformats.org/drawingml/2006/table">
+            <a:tbl>
+              <a:tblPr firstRow="1" bandRow="1">
+                <a:tableStyleId>{5C22544A-7EE6-4342-B048-85BDC9FD1C3A}</a:tableStyleId>
+              </a:tblPr>
+              <a:tblGrid>
+                <a:gridCol w="3402445">
+                  <a:extLst>
+                    <a:ext uri="{9D8B030D-6E8A-4147-A177-3AD203B41FA5}">
+                      <a16:colId xmlns:a16="http://schemas.microsoft.com/office/drawing/2014/main" val="825293176"/>
+                    </a:ext>
+                  </a:extLst>
+                </a:gridCol>
+                <a:gridCol w="3402445">
+                  <a:extLst>
+                    <a:ext uri="{9D8B030D-6E8A-4147-A177-3AD203B41FA5}">
+                      <a16:colId xmlns:a16="http://schemas.microsoft.com/office/drawing/2014/main" val="684483145"/>
+                    </a:ext>
+                  </a:extLst>
+                </a:gridCol>
+                <a:gridCol w="3402445">
+                  <a:extLst>
+                    <a:ext uri="{9D8B030D-6E8A-4147-A177-3AD203B41FA5}">
+                      <a16:colId xmlns:a16="http://schemas.microsoft.com/office/drawing/2014/main" val="1179618007"/>
+                    </a:ext>
+                  </a:extLst>
+                </a:gridCol>
+              </a:tblGrid>
+              <a:tr h="598811">
+                <a:tc>
+                  <a:txBody>
+                    <a:bodyPr/>
+                    <a:lstStyle/>
+                    <a:p>
+                      <a:pPr algn="ctr"/>
+                      <a:r>
+                        <a:rPr lang="en-US" dirty="0"/>
+                        <a:t>2xx(Success)</a:t>
+                      </a:r>
+                    </a:p>
+                  </a:txBody>
+                  <a:tcPr/>
+                </a:tc>
+                <a:tc>
+                  <a:txBody>
+                    <a:bodyPr/>
+                    <a:lstStyle/>
+                    <a:p>
+                      <a:pPr algn="ctr"/>
+                      <a:r>
+                        <a:rPr lang="en-US" dirty="0"/>
+                        <a:t>200</a:t>
+                      </a:r>
+                    </a:p>
+                  </a:txBody>
+                  <a:tcPr/>
+                </a:tc>
+                <a:tc>
+                  <a:txBody>
+                    <a:bodyPr/>
+                    <a:lstStyle/>
+                    <a:p>
+                      <a:pPr algn="ctr"/>
+                      <a:r>
+                        <a:rPr lang="en-US" dirty="0"/>
+                        <a:t>Operation Succeeded</a:t>
+                      </a:r>
+                    </a:p>
+                  </a:txBody>
+                  <a:tcPr/>
+                </a:tc>
+                <a:extLst>
+                  <a:ext uri="{0D108BD9-81ED-4DB2-BD59-A6C34878D82A}">
+                    <a16:rowId xmlns:a16="http://schemas.microsoft.com/office/drawing/2014/main" val="311355573"/>
+                  </a:ext>
+                </a:extLst>
+              </a:tr>
+              <a:tr h="598811">
+                <a:tc>
+                  <a:txBody>
+                    <a:bodyPr/>
+                    <a:lstStyle/>
+                    <a:p>
+                      <a:pPr algn="ctr"/>
+                      <a:endParaRPr lang="en-US"/>
+                    </a:p>
+                  </a:txBody>
+                  <a:tcPr/>
+                </a:tc>
+                <a:tc>
+                  <a:txBody>
+                    <a:bodyPr/>
+                    <a:lstStyle/>
+                    <a:p>
+                      <a:pPr algn="ctr"/>
+                      <a:r>
+                        <a:rPr lang="en-US" dirty="0"/>
+                        <a:t>201</a:t>
+                      </a:r>
+                    </a:p>
+                  </a:txBody>
+                  <a:tcPr/>
+                </a:tc>
+                <a:tc>
+                  <a:txBody>
+                    <a:bodyPr/>
+                    <a:lstStyle/>
+                    <a:p>
+                      <a:pPr algn="ctr"/>
+                      <a:r>
+                        <a:rPr lang="en-US" dirty="0"/>
+                        <a:t>Success, resource created</a:t>
+                      </a:r>
+                    </a:p>
+                  </a:txBody>
+                  <a:tcPr/>
+                </a:tc>
+                <a:extLst>
+                  <a:ext uri="{0D108BD9-81ED-4DB2-BD59-A6C34878D82A}">
+                    <a16:rowId xmlns:a16="http://schemas.microsoft.com/office/drawing/2014/main" val="3104843132"/>
+                  </a:ext>
+                </a:extLst>
+              </a:tr>
+              <a:tr h="598811">
+                <a:tc>
+                  <a:txBody>
+                    <a:bodyPr/>
+                    <a:lstStyle/>
+                    <a:p>
+                      <a:pPr algn="ctr"/>
+                      <a:r>
+                        <a:rPr lang="en-US" dirty="0"/>
+                        <a:t>3xx(Redirect)</a:t>
+                      </a:r>
+                    </a:p>
+                  </a:txBody>
+                  <a:tcPr/>
+                </a:tc>
+                <a:tc>
+                  <a:txBody>
+                    <a:bodyPr/>
+                    <a:lstStyle/>
+                    <a:p>
+                      <a:pPr algn="ctr"/>
+                      <a:r>
+                        <a:rPr lang="en-US" dirty="0"/>
+                        <a:t>301</a:t>
+                      </a:r>
+                    </a:p>
+                  </a:txBody>
+                  <a:tcPr/>
+                </a:tc>
+                <a:tc>
+                  <a:txBody>
+                    <a:bodyPr/>
+                    <a:lstStyle/>
+                    <a:p>
+                      <a:pPr algn="ctr"/>
+                      <a:r>
+                        <a:rPr lang="en-US" dirty="0"/>
+                        <a:t>Moved permanently</a:t>
+                      </a:r>
+                    </a:p>
+                  </a:txBody>
+                  <a:tcPr/>
+                </a:tc>
+                <a:extLst>
+                  <a:ext uri="{0D108BD9-81ED-4DB2-BD59-A6C34878D82A}">
+                    <a16:rowId xmlns:a16="http://schemas.microsoft.com/office/drawing/2014/main" val="790168809"/>
+                  </a:ext>
+                </a:extLst>
+              </a:tr>
+              <a:tr h="598811">
+                <a:tc>
+                  <a:txBody>
+                    <a:bodyPr/>
+                    <a:lstStyle/>
+                    <a:p>
+                      <a:pPr algn="ctr"/>
+                      <a:r>
+                        <a:rPr lang="en-US" dirty="0"/>
+                        <a:t>4xx(Client-side error)</a:t>
+                      </a:r>
+                    </a:p>
+                  </a:txBody>
+                  <a:tcPr/>
+                </a:tc>
+                <a:tc>
+                  <a:txBody>
+                    <a:bodyPr/>
+                    <a:lstStyle/>
+                    <a:p>
+                      <a:pPr algn="ctr"/>
+                      <a:r>
+                        <a:rPr lang="en-US" dirty="0"/>
+                        <a:t>401</a:t>
+                      </a:r>
+                    </a:p>
+                  </a:txBody>
+                  <a:tcPr/>
+                </a:tc>
+                <a:tc>
+                  <a:txBody>
+                    <a:bodyPr/>
+                    <a:lstStyle/>
+                    <a:p>
+                      <a:pPr algn="ctr"/>
+                      <a:r>
+                        <a:rPr lang="en-US" dirty="0"/>
+                        <a:t>Not authenticated</a:t>
+                      </a:r>
+                    </a:p>
+                  </a:txBody>
+                  <a:tcPr/>
+                </a:tc>
+                <a:extLst>
+                  <a:ext uri="{0D108BD9-81ED-4DB2-BD59-A6C34878D82A}">
+                    <a16:rowId xmlns:a16="http://schemas.microsoft.com/office/drawing/2014/main" val="3649446162"/>
+                  </a:ext>
+                </a:extLst>
+              </a:tr>
+              <a:tr h="346930">
+                <a:tc>
+                  <a:txBody>
+                    <a:bodyPr/>
+                    <a:lstStyle/>
+                    <a:p>
+                      <a:pPr algn="ctr"/>
+                      <a:endParaRPr lang="en-US" dirty="0"/>
+                    </a:p>
+                  </a:txBody>
+                  <a:tcPr/>
+                </a:tc>
+                <a:tc>
+                  <a:txBody>
+                    <a:bodyPr/>
+                    <a:lstStyle/>
+                    <a:p>
+                      <a:pPr algn="ctr"/>
+                      <a:r>
+                        <a:rPr lang="en-US" dirty="0"/>
+                        <a:t>403</a:t>
+                      </a:r>
+                    </a:p>
+                  </a:txBody>
+                  <a:tcPr/>
+                </a:tc>
+                <a:tc>
+                  <a:txBody>
+                    <a:bodyPr/>
+                    <a:lstStyle/>
+                    <a:p>
+                      <a:pPr algn="ctr"/>
+                      <a:r>
+                        <a:rPr lang="en-US" dirty="0"/>
+                        <a:t>Not authorized</a:t>
+                      </a:r>
+                    </a:p>
+                  </a:txBody>
+                  <a:tcPr/>
+                </a:tc>
+                <a:extLst>
+                  <a:ext uri="{0D108BD9-81ED-4DB2-BD59-A6C34878D82A}">
+                    <a16:rowId xmlns:a16="http://schemas.microsoft.com/office/drawing/2014/main" val="4128543633"/>
+                  </a:ext>
+                </a:extLst>
+              </a:tr>
+              <a:tr h="346930">
+                <a:tc>
+                  <a:txBody>
+                    <a:bodyPr/>
+                    <a:lstStyle/>
+                    <a:p>
+                      <a:pPr algn="ctr"/>
+                      <a:endParaRPr lang="en-US" dirty="0"/>
+                    </a:p>
+                  </a:txBody>
+                  <a:tcPr/>
+                </a:tc>
+                <a:tc>
+                  <a:txBody>
+                    <a:bodyPr/>
+                    <a:lstStyle/>
+                    <a:p>
+                      <a:pPr algn="ctr"/>
+                      <a:r>
+                        <a:rPr lang="en-US" dirty="0"/>
+                        <a:t>404</a:t>
+                      </a:r>
+                    </a:p>
+                  </a:txBody>
+                  <a:tcPr/>
+                </a:tc>
+                <a:tc>
+                  <a:txBody>
+                    <a:bodyPr/>
+                    <a:lstStyle/>
+                    <a:p>
+                      <a:pPr algn="ctr"/>
+                      <a:r>
+                        <a:rPr lang="en-US" dirty="0"/>
+                        <a:t>Not found</a:t>
+                      </a:r>
+                    </a:p>
+                  </a:txBody>
+                  <a:tcPr/>
+                </a:tc>
+                <a:extLst>
+                  <a:ext uri="{0D108BD9-81ED-4DB2-BD59-A6C34878D82A}">
+                    <a16:rowId xmlns:a16="http://schemas.microsoft.com/office/drawing/2014/main" val="3629234792"/>
+                  </a:ext>
+                </a:extLst>
+              </a:tr>
+              <a:tr h="346930">
+                <a:tc>
+                  <a:txBody>
+                    <a:bodyPr/>
+                    <a:lstStyle/>
+                    <a:p>
+                      <a:pPr algn="ctr"/>
+                      <a:endParaRPr lang="en-US" dirty="0"/>
+                    </a:p>
+                  </a:txBody>
+                  <a:tcPr/>
+                </a:tc>
+                <a:tc>
+                  <a:txBody>
+                    <a:bodyPr/>
+                    <a:lstStyle/>
+                    <a:p>
+                      <a:pPr algn="ctr"/>
+                      <a:r>
+                        <a:rPr lang="en-US" dirty="0"/>
+                        <a:t>422</a:t>
+                      </a:r>
+                    </a:p>
+                  </a:txBody>
+                  <a:tcPr/>
+                </a:tc>
+                <a:tc>
+                  <a:txBody>
+                    <a:bodyPr/>
+                    <a:lstStyle/>
+                    <a:p>
+                      <a:pPr algn="ctr"/>
+                      <a:r>
+                        <a:rPr lang="en-US" dirty="0"/>
+                        <a:t>Invalid input</a:t>
+                      </a:r>
+                    </a:p>
+                  </a:txBody>
+                  <a:tcPr/>
+                </a:tc>
+                <a:extLst>
+                  <a:ext uri="{0D108BD9-81ED-4DB2-BD59-A6C34878D82A}">
+                    <a16:rowId xmlns:a16="http://schemas.microsoft.com/office/drawing/2014/main" val="2738255163"/>
+                  </a:ext>
+                </a:extLst>
+              </a:tr>
+              <a:tr h="598811">
+                <a:tc>
+                  <a:txBody>
+                    <a:bodyPr/>
+                    <a:lstStyle/>
+                    <a:p>
+                      <a:pPr algn="ctr"/>
+                      <a:r>
+                        <a:rPr lang="en-US" dirty="0"/>
+                        <a:t>5xx(Server-side errors)</a:t>
+                      </a:r>
+                    </a:p>
+                  </a:txBody>
+                  <a:tcPr/>
+                </a:tc>
+                <a:tc>
+                  <a:txBody>
+                    <a:bodyPr/>
+                    <a:lstStyle/>
+                    <a:p>
+                      <a:pPr algn="ctr"/>
+                      <a:r>
+                        <a:rPr lang="en-US" dirty="0"/>
+                        <a:t>500</a:t>
+                      </a:r>
+                    </a:p>
+                  </a:txBody>
+                  <a:tcPr/>
+                </a:tc>
+                <a:tc>
+                  <a:txBody>
+                    <a:bodyPr/>
+                    <a:lstStyle/>
+                    <a:p>
+                      <a:pPr algn="ctr"/>
+                      <a:r>
+                        <a:rPr lang="en-US" dirty="0"/>
+                        <a:t>Server-side error</a:t>
+                      </a:r>
+                    </a:p>
+                  </a:txBody>
+                  <a:tcPr/>
+                </a:tc>
+                <a:extLst>
+                  <a:ext uri="{0D108BD9-81ED-4DB2-BD59-A6C34878D82A}">
+                    <a16:rowId xmlns:a16="http://schemas.microsoft.com/office/drawing/2014/main" val="4007338503"/>
+                  </a:ext>
+                </a:extLst>
+              </a:tr>
+            </a:tbl>
+          </a:graphicData>
+        </a:graphic>
+      </p:graphicFrame>
+    </p:spTree>
+    <p:extLst>
+      <p:ext uri="{BB962C8B-B14F-4D97-AF65-F5344CB8AC3E}">
+        <p14:creationId xmlns:p14="http://schemas.microsoft.com/office/powerpoint/2010/main" val="1752583669"/>
+      </p:ext>
+    </p:extLst>
+  </p:cSld>
+  <p:clrMapOvr>
+    <a:masterClrMapping/>
+  </p:clrMapOvr>
+</p:sld>
+</file>
+
+<file path=ppt/slides/slide67.xml><?xml version="1.0" encoding="utf-8"?>
+<p:sld xmlns:a="http://schemas.openxmlformats.org/drawingml/2006/main" xmlns:r="http://schemas.openxmlformats.org/officeDocument/2006/relationships" xmlns:p="http://schemas.openxmlformats.org/presentationml/2006/main">
+  <p:cSld>
+    <p:spTree>
+      <p:nvGrpSpPr>
+        <p:cNvPr id="1" name=""/>
+        <p:cNvGrpSpPr/>
+        <p:nvPr/>
+      </p:nvGrpSpPr>
+      <p:grpSpPr>
+        <a:xfrm>
+          <a:off x="0" y="0"/>
+          <a:ext cx="0" cy="0"/>
+          <a:chOff x="0" y="0"/>
+          <a:chExt cx="0" cy="0"/>
+        </a:xfrm>
+      </p:grpSpPr>
+      <p:sp>
+        <p:nvSpPr>
+          <p:cNvPr id="2" name="Title 1">
+            <a:extLst>
+              <a:ext uri="{FF2B5EF4-FFF2-40B4-BE49-F238E27FC236}">
+                <a16:creationId xmlns:a16="http://schemas.microsoft.com/office/drawing/2014/main" id="{593B0E7C-AD6B-DDEB-864C-C386F2612398}"/>
+              </a:ext>
+            </a:extLst>
+          </p:cNvPr>
+          <p:cNvSpPr>
+            <a:spLocks noGrp="1"/>
+          </p:cNvSpPr>
+          <p:nvPr>
+            <p:ph type="title"/>
+          </p:nvPr>
+        </p:nvSpPr>
+        <p:spPr/>
+        <p:txBody>
+          <a:bodyPr/>
+          <a:lstStyle/>
+          <a:p>
+            <a:endParaRPr lang="en-US"/>
+          </a:p>
+        </p:txBody>
+      </p:sp>
+      <p:sp>
+        <p:nvSpPr>
+          <p:cNvPr id="3" name="Content Placeholder 2">
+            <a:extLst>
+              <a:ext uri="{FF2B5EF4-FFF2-40B4-BE49-F238E27FC236}">
+                <a16:creationId xmlns:a16="http://schemas.microsoft.com/office/drawing/2014/main" id="{E1235A4F-D5C4-8C53-8493-873143033E5F}"/>
+              </a:ext>
+            </a:extLst>
+          </p:cNvPr>
+          <p:cNvSpPr>
+            <a:spLocks noGrp="1"/>
+          </p:cNvSpPr>
+          <p:nvPr>
+            <p:ph idx="1"/>
+          </p:nvPr>
+        </p:nvSpPr>
+        <p:spPr/>
+        <p:txBody>
+          <a:bodyPr>
+            <a:normAutofit fontScale="92500"/>
+          </a:bodyPr>
+          <a:lstStyle/>
+          <a:p>
+            <a:r>
+              <a:rPr lang="en-US" dirty="0"/>
+              <a:t>Types of Errors &amp; Handling errors</a:t>
+            </a:r>
+          </a:p>
+          <a:p>
+            <a:pPr lvl="1"/>
+            <a:r>
+              <a:rPr lang="en-US" dirty="0"/>
+              <a:t>Differentiate b/w different types of errors – technical errors and expected errors</a:t>
+            </a:r>
+          </a:p>
+          <a:p>
+            <a:pPr lvl="1"/>
+            <a:r>
+              <a:rPr lang="en-US" dirty="0"/>
+              <a:t>Error handling can be done with custom if-checks, try-catch, then()-catch() etc.</a:t>
+            </a:r>
+          </a:p>
+          <a:p>
+            <a:pPr lvl="1"/>
+            <a:r>
+              <a:rPr lang="en-US" dirty="0"/>
+              <a:t>You can use the Express error handling middleware to handle all unhandled errors</a:t>
+            </a:r>
+          </a:p>
+          <a:p>
+            <a:r>
+              <a:rPr lang="en-US" dirty="0"/>
+              <a:t>Errors &amp; Status Code</a:t>
+            </a:r>
+          </a:p>
+          <a:p>
+            <a:pPr lvl="1"/>
+            <a:r>
+              <a:rPr lang="en-US" dirty="0"/>
+              <a:t>When returning responses, it can make sense to also set an appropriate Http status code- this lets the browser know what went wrong</a:t>
+            </a:r>
+          </a:p>
+          <a:p>
+            <a:pPr lvl="1"/>
+            <a:r>
+              <a:rPr lang="en-US" dirty="0"/>
+              <a:t>Success (2xx), redirect (3xx), client-side errors (4xx) and server-side errors (5xx) code to choose from</a:t>
+            </a:r>
+          </a:p>
+          <a:p>
+            <a:pPr lvl="1"/>
+            <a:r>
+              <a:rPr lang="en-US" dirty="0"/>
+              <a:t>Setting status codes does NOT mean that the response is incomplete or the app crashed!</a:t>
+            </a:r>
+          </a:p>
+        </p:txBody>
+      </p:sp>
+    </p:spTree>
+    <p:extLst>
+      <p:ext uri="{BB962C8B-B14F-4D97-AF65-F5344CB8AC3E}">
+        <p14:creationId xmlns:p14="http://schemas.microsoft.com/office/powerpoint/2010/main" val="2951622869"/>
+      </p:ext>
+    </p:extLst>
+  </p:cSld>
+  <p:clrMapOvr>
+    <a:masterClrMapping/>
+  </p:clrMapOvr>
+</p:sld>
+</file>
+
+<file path=ppt/slides/slide68.xml><?xml version="1.0" encoding="utf-8"?>
+<p:sld xmlns:a="http://schemas.openxmlformats.org/drawingml/2006/main" xmlns:r="http://schemas.openxmlformats.org/officeDocument/2006/relationships" xmlns:p="http://schemas.openxmlformats.org/presentationml/2006/main">
+  <p:cSld>
+    <p:spTree>
+      <p:nvGrpSpPr>
+        <p:cNvPr id="1" name=""/>
+        <p:cNvGrpSpPr/>
+        <p:nvPr/>
+      </p:nvGrpSpPr>
+      <p:grpSpPr>
+        <a:xfrm>
+          <a:off x="0" y="0"/>
+          <a:ext cx="0" cy="0"/>
+          <a:chOff x="0" y="0"/>
+          <a:chExt cx="0" cy="0"/>
+        </a:xfrm>
+      </p:grpSpPr>
+      <p:sp>
+        <p:nvSpPr>
+          <p:cNvPr id="2" name="Title 1">
+            <a:extLst>
+              <a:ext uri="{FF2B5EF4-FFF2-40B4-BE49-F238E27FC236}">
+                <a16:creationId xmlns:a16="http://schemas.microsoft.com/office/drawing/2014/main" id="{3FBBC8A5-496A-EAB0-9784-8DFF708EC9D9}"/>
+              </a:ext>
+            </a:extLst>
+          </p:cNvPr>
+          <p:cNvSpPr>
+            <a:spLocks noGrp="1"/>
+          </p:cNvSpPr>
+          <p:nvPr>
+            <p:ph type="title"/>
+          </p:nvPr>
+        </p:nvSpPr>
+        <p:spPr/>
+        <p:txBody>
+          <a:bodyPr/>
+          <a:lstStyle/>
+          <a:p>
+            <a:r>
+              <a:rPr lang="en-US" dirty="0"/>
+              <a:t>File upload and Download</a:t>
+            </a:r>
+          </a:p>
+        </p:txBody>
+      </p:sp>
+      <p:sp>
+        <p:nvSpPr>
+          <p:cNvPr id="3" name="Content Placeholder 2">
+            <a:extLst>
+              <a:ext uri="{FF2B5EF4-FFF2-40B4-BE49-F238E27FC236}">
+                <a16:creationId xmlns:a16="http://schemas.microsoft.com/office/drawing/2014/main" id="{B4673B02-7582-73A6-181F-28C818FEE222}"/>
+              </a:ext>
+            </a:extLst>
+          </p:cNvPr>
+          <p:cNvSpPr>
+            <a:spLocks noGrp="1"/>
+          </p:cNvSpPr>
+          <p:nvPr>
+            <p:ph idx="1"/>
+          </p:nvPr>
+        </p:nvSpPr>
+        <p:spPr/>
+        <p:txBody>
+          <a:bodyPr/>
+          <a:lstStyle/>
+          <a:p>
+            <a:r>
+              <a:rPr lang="en-US" dirty="0"/>
+              <a:t>Adding a file picker to the frontend</a:t>
+            </a:r>
+          </a:p>
+          <a:p>
+            <a:r>
+              <a:rPr lang="en-US" dirty="0"/>
+              <a:t>Handling multipart form data</a:t>
+            </a:r>
+          </a:p>
+          <a:p>
+            <a:r>
+              <a:rPr lang="en-US" dirty="0"/>
+              <a:t>Configuring Multer to adjust filename &amp; </a:t>
+            </a:r>
+            <a:r>
+              <a:rPr lang="en-US" dirty="0" err="1"/>
+              <a:t>filepath</a:t>
+            </a:r>
+            <a:endParaRPr lang="en-US" dirty="0"/>
+          </a:p>
+          <a:p>
+            <a:r>
+              <a:rPr lang="en-US" dirty="0"/>
+              <a:t>Filtering files by </a:t>
+            </a:r>
+            <a:r>
+              <a:rPr lang="en-US" dirty="0" err="1"/>
+              <a:t>minetype</a:t>
+            </a:r>
+            <a:endParaRPr lang="en-US" dirty="0"/>
+          </a:p>
+          <a:p>
+            <a:r>
+              <a:rPr lang="en-US" dirty="0"/>
+              <a:t>Storing file data in </a:t>
+            </a:r>
+            <a:r>
+              <a:rPr lang="en-US"/>
+              <a:t>the database</a:t>
+            </a:r>
+            <a:endParaRPr lang="en-US" dirty="0"/>
+          </a:p>
+        </p:txBody>
+      </p:sp>
+    </p:spTree>
+    <p:extLst>
+      <p:ext uri="{BB962C8B-B14F-4D97-AF65-F5344CB8AC3E}">
+        <p14:creationId xmlns:p14="http://schemas.microsoft.com/office/powerpoint/2010/main" val="1849030098"/>
+      </p:ext>
+    </p:extLst>
+  </p:cSld>
+  <p:clrMapOvr>
+    <a:masterClrMapping/>
+  </p:clrMapOvr>
+</p:sld>
+</file>
+
 <file path=ppt/slides/slide7.xml><?xml version="1.0" encoding="utf-8"?>
 <p:sld xmlns:a="http://schemas.openxmlformats.org/drawingml/2006/main" xmlns:r="http://schemas.openxmlformats.org/officeDocument/2006/relationships" xmlns:p="http://schemas.openxmlformats.org/presentationml/2006/main">
   <p:cSld>

--- a/Node/node.pptx
+++ b/Node/node.pptx
@@ -328,7 +328,7 @@
           <a:p>
             <a:fld id="{70AC578A-F481-8B4F-AC68-5322D79242CE}" type="datetimeFigureOut">
               <a:rPr lang="en-US" smtClean="0"/>
-              <a:t>2/6/26</a:t>
+              <a:t>2/9/26</a:t>
             </a:fld>
             <a:endParaRPr lang="en-US"/>
           </a:p>
@@ -528,7 +528,7 @@
           <a:p>
             <a:fld id="{70AC578A-F481-8B4F-AC68-5322D79242CE}" type="datetimeFigureOut">
               <a:rPr lang="en-US" smtClean="0"/>
-              <a:t>2/6/26</a:t>
+              <a:t>2/9/26</a:t>
             </a:fld>
             <a:endParaRPr lang="en-US"/>
           </a:p>
@@ -738,7 +738,7 @@
           <a:p>
             <a:fld id="{70AC578A-F481-8B4F-AC68-5322D79242CE}" type="datetimeFigureOut">
               <a:rPr lang="en-US" smtClean="0"/>
-              <a:t>2/6/26</a:t>
+              <a:t>2/9/26</a:t>
             </a:fld>
             <a:endParaRPr lang="en-US"/>
           </a:p>
@@ -938,7 +938,7 @@
           <a:p>
             <a:fld id="{70AC578A-F481-8B4F-AC68-5322D79242CE}" type="datetimeFigureOut">
               <a:rPr lang="en-US" smtClean="0"/>
-              <a:t>2/6/26</a:t>
+              <a:t>2/9/26</a:t>
             </a:fld>
             <a:endParaRPr lang="en-US"/>
           </a:p>
@@ -1214,7 +1214,7 @@
           <a:p>
             <a:fld id="{70AC578A-F481-8B4F-AC68-5322D79242CE}" type="datetimeFigureOut">
               <a:rPr lang="en-US" smtClean="0"/>
-              <a:t>2/6/26</a:t>
+              <a:t>2/9/26</a:t>
             </a:fld>
             <a:endParaRPr lang="en-US"/>
           </a:p>
@@ -1482,7 +1482,7 @@
           <a:p>
             <a:fld id="{70AC578A-F481-8B4F-AC68-5322D79242CE}" type="datetimeFigureOut">
               <a:rPr lang="en-US" smtClean="0"/>
-              <a:t>2/6/26</a:t>
+              <a:t>2/9/26</a:t>
             </a:fld>
             <a:endParaRPr lang="en-US"/>
           </a:p>
@@ -1897,7 +1897,7 @@
           <a:p>
             <a:fld id="{70AC578A-F481-8B4F-AC68-5322D79242CE}" type="datetimeFigureOut">
               <a:rPr lang="en-US" smtClean="0"/>
-              <a:t>2/6/26</a:t>
+              <a:t>2/9/26</a:t>
             </a:fld>
             <a:endParaRPr lang="en-US"/>
           </a:p>
@@ -2039,7 +2039,7 @@
           <a:p>
             <a:fld id="{70AC578A-F481-8B4F-AC68-5322D79242CE}" type="datetimeFigureOut">
               <a:rPr lang="en-US" smtClean="0"/>
-              <a:t>2/6/26</a:t>
+              <a:t>2/9/26</a:t>
             </a:fld>
             <a:endParaRPr lang="en-US"/>
           </a:p>
@@ -2152,7 +2152,7 @@
           <a:p>
             <a:fld id="{70AC578A-F481-8B4F-AC68-5322D79242CE}" type="datetimeFigureOut">
               <a:rPr lang="en-US" smtClean="0"/>
-              <a:t>2/6/26</a:t>
+              <a:t>2/9/26</a:t>
             </a:fld>
             <a:endParaRPr lang="en-US"/>
           </a:p>
@@ -2465,7 +2465,7 @@
           <a:p>
             <a:fld id="{70AC578A-F481-8B4F-AC68-5322D79242CE}" type="datetimeFigureOut">
               <a:rPr lang="en-US" smtClean="0"/>
-              <a:t>2/6/26</a:t>
+              <a:t>2/9/26</a:t>
             </a:fld>
             <a:endParaRPr lang="en-US"/>
           </a:p>
@@ -2754,7 +2754,7 @@
           <a:p>
             <a:fld id="{70AC578A-F481-8B4F-AC68-5322D79242CE}" type="datetimeFigureOut">
               <a:rPr lang="en-US" smtClean="0"/>
-              <a:t>2/6/26</a:t>
+              <a:t>2/9/26</a:t>
             </a:fld>
             <a:endParaRPr lang="en-US"/>
           </a:p>
@@ -2997,7 +2997,7 @@
           <a:p>
             <a:fld id="{70AC578A-F481-8B4F-AC68-5322D79242CE}" type="datetimeFigureOut">
               <a:rPr lang="en-US" smtClean="0"/>
-              <a:t>2/6/26</a:t>
+              <a:t>2/9/26</a:t>
             </a:fld>
             <a:endParaRPr lang="en-US"/>
           </a:p>
@@ -19239,13 +19239,26 @@
           <a:p>
             <a:r>
               <a:rPr lang="en-US" dirty="0"/>
-              <a:t>Storing file data in </a:t>
-            </a:r>
-            <a:r>
-              <a:rPr lang="en-US"/>
-              <a:t>the database</a:t>
-            </a:r>
-            <a:endParaRPr lang="en-US" dirty="0"/>
+              <a:t>Storing file data in the database</a:t>
+            </a:r>
+          </a:p>
+          <a:p>
+            <a:r>
+              <a:rPr lang="en-US" dirty="0"/>
+              <a:t>Serving images statically</a:t>
+            </a:r>
+          </a:p>
+          <a:p>
+            <a:r>
+              <a:rPr lang="en-US" dirty="0"/>
+              <a:t>Downloading files with authentication</a:t>
+            </a:r>
+          </a:p>
+          <a:p>
+            <a:r>
+              <a:rPr lang="en-US" dirty="0"/>
+              <a:t>Setting file type</a:t>
+            </a:r>
           </a:p>
         </p:txBody>
       </p:sp>

--- a/Node/node.pptx
+++ b/Node/node.pptx
@@ -328,7 +328,7 @@
           <a:p>
             <a:fld id="{70AC578A-F481-8B4F-AC68-5322D79242CE}" type="datetimeFigureOut">
               <a:rPr lang="en-US" smtClean="0"/>
-              <a:t>2/9/26</a:t>
+              <a:t>2/10/26</a:t>
             </a:fld>
             <a:endParaRPr lang="en-US"/>
           </a:p>
@@ -528,7 +528,7 @@
           <a:p>
             <a:fld id="{70AC578A-F481-8B4F-AC68-5322D79242CE}" type="datetimeFigureOut">
               <a:rPr lang="en-US" smtClean="0"/>
-              <a:t>2/9/26</a:t>
+              <a:t>2/10/26</a:t>
             </a:fld>
             <a:endParaRPr lang="en-US"/>
           </a:p>
@@ -738,7 +738,7 @@
           <a:p>
             <a:fld id="{70AC578A-F481-8B4F-AC68-5322D79242CE}" type="datetimeFigureOut">
               <a:rPr lang="en-US" smtClean="0"/>
-              <a:t>2/9/26</a:t>
+              <a:t>2/10/26</a:t>
             </a:fld>
             <a:endParaRPr lang="en-US"/>
           </a:p>
@@ -938,7 +938,7 @@
           <a:p>
             <a:fld id="{70AC578A-F481-8B4F-AC68-5322D79242CE}" type="datetimeFigureOut">
               <a:rPr lang="en-US" smtClean="0"/>
-              <a:t>2/9/26</a:t>
+              <a:t>2/10/26</a:t>
             </a:fld>
             <a:endParaRPr lang="en-US"/>
           </a:p>
@@ -1214,7 +1214,7 @@
           <a:p>
             <a:fld id="{70AC578A-F481-8B4F-AC68-5322D79242CE}" type="datetimeFigureOut">
               <a:rPr lang="en-US" smtClean="0"/>
-              <a:t>2/9/26</a:t>
+              <a:t>2/10/26</a:t>
             </a:fld>
             <a:endParaRPr lang="en-US"/>
           </a:p>
@@ -1482,7 +1482,7 @@
           <a:p>
             <a:fld id="{70AC578A-F481-8B4F-AC68-5322D79242CE}" type="datetimeFigureOut">
               <a:rPr lang="en-US" smtClean="0"/>
-              <a:t>2/9/26</a:t>
+              <a:t>2/10/26</a:t>
             </a:fld>
             <a:endParaRPr lang="en-US"/>
           </a:p>
@@ -1897,7 +1897,7 @@
           <a:p>
             <a:fld id="{70AC578A-F481-8B4F-AC68-5322D79242CE}" type="datetimeFigureOut">
               <a:rPr lang="en-US" smtClean="0"/>
-              <a:t>2/9/26</a:t>
+              <a:t>2/10/26</a:t>
             </a:fld>
             <a:endParaRPr lang="en-US"/>
           </a:p>
@@ -2039,7 +2039,7 @@
           <a:p>
             <a:fld id="{70AC578A-F481-8B4F-AC68-5322D79242CE}" type="datetimeFigureOut">
               <a:rPr lang="en-US" smtClean="0"/>
-              <a:t>2/9/26</a:t>
+              <a:t>2/10/26</a:t>
             </a:fld>
             <a:endParaRPr lang="en-US"/>
           </a:p>
@@ -2152,7 +2152,7 @@
           <a:p>
             <a:fld id="{70AC578A-F481-8B4F-AC68-5322D79242CE}" type="datetimeFigureOut">
               <a:rPr lang="en-US" smtClean="0"/>
-              <a:t>2/9/26</a:t>
+              <a:t>2/10/26</a:t>
             </a:fld>
             <a:endParaRPr lang="en-US"/>
           </a:p>
@@ -2465,7 +2465,7 @@
           <a:p>
             <a:fld id="{70AC578A-F481-8B4F-AC68-5322D79242CE}" type="datetimeFigureOut">
               <a:rPr lang="en-US" smtClean="0"/>
-              <a:t>2/9/26</a:t>
+              <a:t>2/10/26</a:t>
             </a:fld>
             <a:endParaRPr lang="en-US"/>
           </a:p>
@@ -2754,7 +2754,7 @@
           <a:p>
             <a:fld id="{70AC578A-F481-8B4F-AC68-5322D79242CE}" type="datetimeFigureOut">
               <a:rPr lang="en-US" smtClean="0"/>
-              <a:t>2/9/26</a:t>
+              <a:t>2/10/26</a:t>
             </a:fld>
             <a:endParaRPr lang="en-US"/>
           </a:p>
@@ -2997,7 +2997,7 @@
           <a:p>
             <a:fld id="{70AC578A-F481-8B4F-AC68-5322D79242CE}" type="datetimeFigureOut">
               <a:rPr lang="en-US" smtClean="0"/>
-              <a:t>2/9/26</a:t>
+              <a:t>2/10/26</a:t>
             </a:fld>
             <a:endParaRPr lang="en-US"/>
           </a:p>
@@ -19200,7 +19200,9 @@
         </p:nvSpPr>
         <p:spPr/>
         <p:txBody>
-          <a:bodyPr/>
+          <a:bodyPr numCol="2">
+            <a:normAutofit/>
+          </a:bodyPr>
           <a:lstStyle/>
           <a:p>
             <a:r>
@@ -19257,8 +19259,42 @@
           <a:p>
             <a:r>
               <a:rPr lang="en-US" dirty="0"/>
-              <a:t>Setting file type</a:t>
-            </a:r>
+              <a:t>Setting file type Headers</a:t>
+            </a:r>
+          </a:p>
+          <a:p>
+            <a:r>
+              <a:rPr lang="en-US" dirty="0"/>
+              <a:t>Restricting File Access</a:t>
+            </a:r>
+          </a:p>
+          <a:p>
+            <a:r>
+              <a:rPr lang="en-US" dirty="0"/>
+              <a:t>Streaming Data vs Preloading Data</a:t>
+            </a:r>
+          </a:p>
+          <a:p>
+            <a:r>
+              <a:rPr lang="en-US" dirty="0"/>
+              <a:t>.pdf Generation using </a:t>
+            </a:r>
+            <a:r>
+              <a:rPr lang="en-US" dirty="0" err="1"/>
+              <a:t>PDFkit</a:t>
+            </a:r>
+            <a:endParaRPr lang="en-US" dirty="0"/>
+          </a:p>
+          <a:p>
+            <a:r>
+              <a:rPr lang="en-US" dirty="0"/>
+              <a:t>Generating .pdf </a:t>
+            </a:r>
+            <a:r>
+              <a:rPr lang="en-US"/>
+              <a:t>files with Order Data</a:t>
+            </a:r>
+            <a:endParaRPr lang="en-US" dirty="0"/>
           </a:p>
         </p:txBody>
       </p:sp>

--- a/Node/node.pptx
+++ b/Node/node.pptx
@@ -73,6 +73,11 @@
     <p:sldId id="321" r:id="rId67"/>
     <p:sldId id="322" r:id="rId68"/>
     <p:sldId id="323" r:id="rId69"/>
+    <p:sldId id="324" r:id="rId70"/>
+    <p:sldId id="325" r:id="rId71"/>
+    <p:sldId id="326" r:id="rId72"/>
+    <p:sldId id="327" r:id="rId73"/>
+    <p:sldId id="328" r:id="rId74"/>
   </p:sldIdLst>
   <p:sldSz cx="12192000" cy="6858000"/>
   <p:notesSz cx="6858000" cy="9144000"/>
@@ -328,7 +333,7 @@
           <a:p>
             <a:fld id="{70AC578A-F481-8B4F-AC68-5322D79242CE}" type="datetimeFigureOut">
               <a:rPr lang="en-US" smtClean="0"/>
-              <a:t>2/10/26</a:t>
+              <a:t>2/13/26</a:t>
             </a:fld>
             <a:endParaRPr lang="en-US"/>
           </a:p>
@@ -528,7 +533,7 @@
           <a:p>
             <a:fld id="{70AC578A-F481-8B4F-AC68-5322D79242CE}" type="datetimeFigureOut">
               <a:rPr lang="en-US" smtClean="0"/>
-              <a:t>2/10/26</a:t>
+              <a:t>2/13/26</a:t>
             </a:fld>
             <a:endParaRPr lang="en-US"/>
           </a:p>
@@ -738,7 +743,7 @@
           <a:p>
             <a:fld id="{70AC578A-F481-8B4F-AC68-5322D79242CE}" type="datetimeFigureOut">
               <a:rPr lang="en-US" smtClean="0"/>
-              <a:t>2/10/26</a:t>
+              <a:t>2/13/26</a:t>
             </a:fld>
             <a:endParaRPr lang="en-US"/>
           </a:p>
@@ -938,7 +943,7 @@
           <a:p>
             <a:fld id="{70AC578A-F481-8B4F-AC68-5322D79242CE}" type="datetimeFigureOut">
               <a:rPr lang="en-US" smtClean="0"/>
-              <a:t>2/10/26</a:t>
+              <a:t>2/13/26</a:t>
             </a:fld>
             <a:endParaRPr lang="en-US"/>
           </a:p>
@@ -1214,7 +1219,7 @@
           <a:p>
             <a:fld id="{70AC578A-F481-8B4F-AC68-5322D79242CE}" type="datetimeFigureOut">
               <a:rPr lang="en-US" smtClean="0"/>
-              <a:t>2/10/26</a:t>
+              <a:t>2/13/26</a:t>
             </a:fld>
             <a:endParaRPr lang="en-US"/>
           </a:p>
@@ -1482,7 +1487,7 @@
           <a:p>
             <a:fld id="{70AC578A-F481-8B4F-AC68-5322D79242CE}" type="datetimeFigureOut">
               <a:rPr lang="en-US" smtClean="0"/>
-              <a:t>2/10/26</a:t>
+              <a:t>2/13/26</a:t>
             </a:fld>
             <a:endParaRPr lang="en-US"/>
           </a:p>
@@ -1897,7 +1902,7 @@
           <a:p>
             <a:fld id="{70AC578A-F481-8B4F-AC68-5322D79242CE}" type="datetimeFigureOut">
               <a:rPr lang="en-US" smtClean="0"/>
-              <a:t>2/10/26</a:t>
+              <a:t>2/13/26</a:t>
             </a:fld>
             <a:endParaRPr lang="en-US"/>
           </a:p>
@@ -2039,7 +2044,7 @@
           <a:p>
             <a:fld id="{70AC578A-F481-8B4F-AC68-5322D79242CE}" type="datetimeFigureOut">
               <a:rPr lang="en-US" smtClean="0"/>
-              <a:t>2/10/26</a:t>
+              <a:t>2/13/26</a:t>
             </a:fld>
             <a:endParaRPr lang="en-US"/>
           </a:p>
@@ -2152,7 +2157,7 @@
           <a:p>
             <a:fld id="{70AC578A-F481-8B4F-AC68-5322D79242CE}" type="datetimeFigureOut">
               <a:rPr lang="en-US" smtClean="0"/>
-              <a:t>2/10/26</a:t>
+              <a:t>2/13/26</a:t>
             </a:fld>
             <a:endParaRPr lang="en-US"/>
           </a:p>
@@ -2465,7 +2470,7 @@
           <a:p>
             <a:fld id="{70AC578A-F481-8B4F-AC68-5322D79242CE}" type="datetimeFigureOut">
               <a:rPr lang="en-US" smtClean="0"/>
-              <a:t>2/10/26</a:t>
+              <a:t>2/13/26</a:t>
             </a:fld>
             <a:endParaRPr lang="en-US"/>
           </a:p>
@@ -2754,7 +2759,7 @@
           <a:p>
             <a:fld id="{70AC578A-F481-8B4F-AC68-5322D79242CE}" type="datetimeFigureOut">
               <a:rPr lang="en-US" smtClean="0"/>
-              <a:t>2/10/26</a:t>
+              <a:t>2/13/26</a:t>
             </a:fld>
             <a:endParaRPr lang="en-US"/>
           </a:p>
@@ -2997,7 +3002,7 @@
           <a:p>
             <a:fld id="{70AC578A-F481-8B4F-AC68-5322D79242CE}" type="datetimeFigureOut">
               <a:rPr lang="en-US" smtClean="0"/>
-              <a:t>2/10/26</a:t>
+              <a:t>2/13/26</a:t>
             </a:fld>
             <a:endParaRPr lang="en-US"/>
           </a:p>
@@ -19288,13 +19293,14 @@
           <a:p>
             <a:r>
               <a:rPr lang="en-US" dirty="0"/>
-              <a:t>Generating .pdf </a:t>
-            </a:r>
-            <a:r>
-              <a:rPr lang="en-US"/>
-              <a:t>files with Order Data</a:t>
-            </a:r>
-            <a:endParaRPr lang="en-US" dirty="0"/>
+              <a:t>Generating .pdf files with Order Data</a:t>
+            </a:r>
+          </a:p>
+          <a:p>
+            <a:r>
+              <a:rPr lang="en-US" dirty="0"/>
+              <a:t>Deleting Files</a:t>
+            </a:r>
           </a:p>
         </p:txBody>
       </p:sp>
@@ -19302,6 +19308,95 @@
     <p:extLst>
       <p:ext uri="{BB962C8B-B14F-4D97-AF65-F5344CB8AC3E}">
         <p14:creationId xmlns:p14="http://schemas.microsoft.com/office/powerpoint/2010/main" val="1849030098"/>
+      </p:ext>
+    </p:extLst>
+  </p:cSld>
+  <p:clrMapOvr>
+    <a:masterClrMapping/>
+  </p:clrMapOvr>
+</p:sld>
+</file>
+
+<file path=ppt/slides/slide69.xml><?xml version="1.0" encoding="utf-8"?>
+<p:sld xmlns:a="http://schemas.openxmlformats.org/drawingml/2006/main" xmlns:r="http://schemas.openxmlformats.org/officeDocument/2006/relationships" xmlns:p="http://schemas.openxmlformats.org/presentationml/2006/main">
+  <p:cSld>
+    <p:spTree>
+      <p:nvGrpSpPr>
+        <p:cNvPr id="1" name=""/>
+        <p:cNvGrpSpPr/>
+        <p:nvPr/>
+      </p:nvGrpSpPr>
+      <p:grpSpPr>
+        <a:xfrm>
+          <a:off x="0" y="0"/>
+          <a:ext cx="0" cy="0"/>
+          <a:chOff x="0" y="0"/>
+          <a:chExt cx="0" cy="0"/>
+        </a:xfrm>
+      </p:grpSpPr>
+      <p:sp>
+        <p:nvSpPr>
+          <p:cNvPr id="2" name="Title 1">
+            <a:extLst>
+              <a:ext uri="{FF2B5EF4-FFF2-40B4-BE49-F238E27FC236}">
+                <a16:creationId xmlns:a16="http://schemas.microsoft.com/office/drawing/2014/main" id="{6F774BEA-0430-2340-1B20-780A1166ED34}"/>
+              </a:ext>
+            </a:extLst>
+          </p:cNvPr>
+          <p:cNvSpPr>
+            <a:spLocks noGrp="1"/>
+          </p:cNvSpPr>
+          <p:nvPr>
+            <p:ph type="title"/>
+          </p:nvPr>
+        </p:nvSpPr>
+        <p:spPr/>
+        <p:txBody>
+          <a:bodyPr/>
+          <a:lstStyle/>
+          <a:p>
+            <a:r>
+              <a:rPr lang="en-US" dirty="0"/>
+              <a:t>Pagination</a:t>
+            </a:r>
+          </a:p>
+        </p:txBody>
+      </p:sp>
+      <p:sp>
+        <p:nvSpPr>
+          <p:cNvPr id="3" name="Content Placeholder 2">
+            <a:extLst>
+              <a:ext uri="{FF2B5EF4-FFF2-40B4-BE49-F238E27FC236}">
+                <a16:creationId xmlns:a16="http://schemas.microsoft.com/office/drawing/2014/main" id="{E6B02395-2B8C-7B15-5379-6A9899C9DBED}"/>
+              </a:ext>
+            </a:extLst>
+          </p:cNvPr>
+          <p:cNvSpPr>
+            <a:spLocks noGrp="1"/>
+          </p:cNvSpPr>
+          <p:nvPr>
+            <p:ph idx="1"/>
+          </p:nvPr>
+        </p:nvSpPr>
+        <p:spPr/>
+        <p:txBody>
+          <a:bodyPr/>
+          <a:lstStyle/>
+          <a:p>
+            <a:pPr marL="0" indent="0">
+              <a:buNone/>
+            </a:pPr>
+            <a:r>
+              <a:rPr lang="en-US" dirty="0"/>
+              <a:t>Fetching Data in Chunks</a:t>
+            </a:r>
+          </a:p>
+        </p:txBody>
+      </p:sp>
+    </p:spTree>
+    <p:extLst>
+      <p:ext uri="{BB962C8B-B14F-4D97-AF65-F5344CB8AC3E}">
+        <p14:creationId xmlns:p14="http://schemas.microsoft.com/office/powerpoint/2010/main" val="799391984"/>
       </p:ext>
     </p:extLst>
   </p:cSld>
@@ -19394,6 +19489,446 @@
     <p:extLst>
       <p:ext uri="{BB962C8B-B14F-4D97-AF65-F5344CB8AC3E}">
         <p14:creationId xmlns:p14="http://schemas.microsoft.com/office/powerpoint/2010/main" val="3654158119"/>
+      </p:ext>
+    </p:extLst>
+  </p:cSld>
+  <p:clrMapOvr>
+    <a:masterClrMapping/>
+  </p:clrMapOvr>
+</p:sld>
+</file>
+
+<file path=ppt/slides/slide70.xml><?xml version="1.0" encoding="utf-8"?>
+<p:sld xmlns:a="http://schemas.openxmlformats.org/drawingml/2006/main" xmlns:r="http://schemas.openxmlformats.org/officeDocument/2006/relationships" xmlns:p="http://schemas.openxmlformats.org/presentationml/2006/main">
+  <p:cSld>
+    <p:spTree>
+      <p:nvGrpSpPr>
+        <p:cNvPr id="1" name=""/>
+        <p:cNvGrpSpPr/>
+        <p:nvPr/>
+      </p:nvGrpSpPr>
+      <p:grpSpPr>
+        <a:xfrm>
+          <a:off x="0" y="0"/>
+          <a:ext cx="0" cy="0"/>
+          <a:chOff x="0" y="0"/>
+          <a:chExt cx="0" cy="0"/>
+        </a:xfrm>
+      </p:grpSpPr>
+      <p:sp>
+        <p:nvSpPr>
+          <p:cNvPr id="2" name="Title 1">
+            <a:extLst>
+              <a:ext uri="{FF2B5EF4-FFF2-40B4-BE49-F238E27FC236}">
+                <a16:creationId xmlns:a16="http://schemas.microsoft.com/office/drawing/2014/main" id="{261E7C99-79E5-0F99-F4B3-8667B0CB10D2}"/>
+              </a:ext>
+            </a:extLst>
+          </p:cNvPr>
+          <p:cNvSpPr>
+            <a:spLocks noGrp="1"/>
+          </p:cNvSpPr>
+          <p:nvPr>
+            <p:ph type="title"/>
+          </p:nvPr>
+        </p:nvSpPr>
+        <p:spPr/>
+        <p:txBody>
+          <a:bodyPr/>
+          <a:lstStyle/>
+          <a:p>
+            <a:endParaRPr lang="en-US"/>
+          </a:p>
+        </p:txBody>
+      </p:sp>
+      <p:sp>
+        <p:nvSpPr>
+          <p:cNvPr id="3" name="Content Placeholder 2">
+            <a:extLst>
+              <a:ext uri="{FF2B5EF4-FFF2-40B4-BE49-F238E27FC236}">
+                <a16:creationId xmlns:a16="http://schemas.microsoft.com/office/drawing/2014/main" id="{A186D45C-721B-822E-70F9-2AD7437A97A5}"/>
+              </a:ext>
+            </a:extLst>
+          </p:cNvPr>
+          <p:cNvSpPr>
+            <a:spLocks noGrp="1"/>
+          </p:cNvSpPr>
+          <p:nvPr>
+            <p:ph idx="1"/>
+          </p:nvPr>
+        </p:nvSpPr>
+        <p:spPr/>
+        <p:txBody>
+          <a:bodyPr/>
+          <a:lstStyle/>
+          <a:p>
+            <a:r>
+              <a:rPr lang="en-US" dirty="0"/>
+              <a:t>Adding pagination links</a:t>
+            </a:r>
+          </a:p>
+          <a:p>
+            <a:r>
+              <a:rPr lang="en-US" dirty="0"/>
+              <a:t>Retrieving a Chunk of Data</a:t>
+            </a:r>
+          </a:p>
+          <a:p>
+            <a:r>
+              <a:rPr lang="en-US" dirty="0"/>
+              <a:t>Preparing pagination data on the server</a:t>
+            </a:r>
+          </a:p>
+          <a:p>
+            <a:r>
+              <a:rPr lang="en-US" dirty="0"/>
+              <a:t>Adding Dynamic Pagination Buttons</a:t>
+            </a:r>
+          </a:p>
+          <a:p>
+            <a:r>
+              <a:rPr lang="en-US" dirty="0"/>
+              <a:t>Re-Using the Pagination Logic </a:t>
+            </a:r>
+            <a:r>
+              <a:rPr lang="en-US"/>
+              <a:t>&amp; Controls</a:t>
+            </a:r>
+            <a:endParaRPr lang="en-US" dirty="0"/>
+          </a:p>
+        </p:txBody>
+      </p:sp>
+    </p:spTree>
+    <p:extLst>
+      <p:ext uri="{BB962C8B-B14F-4D97-AF65-F5344CB8AC3E}">
+        <p14:creationId xmlns:p14="http://schemas.microsoft.com/office/powerpoint/2010/main" val="3710101865"/>
+      </p:ext>
+    </p:extLst>
+  </p:cSld>
+  <p:clrMapOvr>
+    <a:masterClrMapping/>
+  </p:clrMapOvr>
+</p:sld>
+</file>
+
+<file path=ppt/slides/slide71.xml><?xml version="1.0" encoding="utf-8"?>
+<p:sld xmlns:a="http://schemas.openxmlformats.org/drawingml/2006/main" xmlns:r="http://schemas.openxmlformats.org/officeDocument/2006/relationships" xmlns:p="http://schemas.openxmlformats.org/presentationml/2006/main">
+  <p:cSld>
+    <p:spTree>
+      <p:nvGrpSpPr>
+        <p:cNvPr id="1" name=""/>
+        <p:cNvGrpSpPr/>
+        <p:nvPr/>
+      </p:nvGrpSpPr>
+      <p:grpSpPr>
+        <a:xfrm>
+          <a:off x="0" y="0"/>
+          <a:ext cx="0" cy="0"/>
+          <a:chOff x="0" y="0"/>
+          <a:chExt cx="0" cy="0"/>
+        </a:xfrm>
+      </p:grpSpPr>
+      <p:sp>
+        <p:nvSpPr>
+          <p:cNvPr id="2" name="Title 1">
+            <a:extLst>
+              <a:ext uri="{FF2B5EF4-FFF2-40B4-BE49-F238E27FC236}">
+                <a16:creationId xmlns:a16="http://schemas.microsoft.com/office/drawing/2014/main" id="{45172AFE-0699-6634-EAA9-9FBC25E6BE25}"/>
+              </a:ext>
+            </a:extLst>
+          </p:cNvPr>
+          <p:cNvSpPr>
+            <a:spLocks noGrp="1"/>
+          </p:cNvSpPr>
+          <p:nvPr>
+            <p:ph type="title"/>
+          </p:nvPr>
+        </p:nvSpPr>
+        <p:spPr/>
+        <p:txBody>
+          <a:bodyPr/>
+          <a:lstStyle/>
+          <a:p>
+            <a:r>
+              <a:rPr lang="en-US" dirty="0"/>
+              <a:t>Async Request</a:t>
+            </a:r>
+          </a:p>
+        </p:txBody>
+      </p:sp>
+      <p:sp>
+        <p:nvSpPr>
+          <p:cNvPr id="3" name="Content Placeholder 2">
+            <a:extLst>
+              <a:ext uri="{FF2B5EF4-FFF2-40B4-BE49-F238E27FC236}">
+                <a16:creationId xmlns:a16="http://schemas.microsoft.com/office/drawing/2014/main" id="{B45E1444-E191-7916-8A6A-689221F3EDB1}"/>
+              </a:ext>
+            </a:extLst>
+          </p:cNvPr>
+          <p:cNvSpPr>
+            <a:spLocks noGrp="1"/>
+          </p:cNvSpPr>
+          <p:nvPr>
+            <p:ph idx="1"/>
+          </p:nvPr>
+        </p:nvSpPr>
+        <p:spPr/>
+        <p:txBody>
+          <a:bodyPr/>
+          <a:lstStyle/>
+          <a:p>
+            <a:r>
+              <a:rPr lang="en-US" dirty="0"/>
+              <a:t>Adding client Side JS Code</a:t>
+            </a:r>
+          </a:p>
+          <a:p>
+            <a:r>
+              <a:rPr lang="en-US" dirty="0"/>
+              <a:t>Sending &amp; handling background requests</a:t>
+            </a:r>
+          </a:p>
+          <a:p>
+            <a:r>
+              <a:rPr lang="en-US" dirty="0"/>
+              <a:t>Manipulating the DOM</a:t>
+            </a:r>
+          </a:p>
+        </p:txBody>
+      </p:sp>
+    </p:spTree>
+    <p:extLst>
+      <p:ext uri="{BB962C8B-B14F-4D97-AF65-F5344CB8AC3E}">
+        <p14:creationId xmlns:p14="http://schemas.microsoft.com/office/powerpoint/2010/main" val="3084266180"/>
+      </p:ext>
+    </p:extLst>
+  </p:cSld>
+  <p:clrMapOvr>
+    <a:masterClrMapping/>
+  </p:clrMapOvr>
+</p:sld>
+</file>
+
+<file path=ppt/slides/slide72.xml><?xml version="1.0" encoding="utf-8"?>
+<p:sld xmlns:a="http://schemas.openxmlformats.org/drawingml/2006/main" xmlns:r="http://schemas.openxmlformats.org/officeDocument/2006/relationships" xmlns:p="http://schemas.openxmlformats.org/presentationml/2006/main">
+  <p:cSld>
+    <p:spTree>
+      <p:nvGrpSpPr>
+        <p:cNvPr id="1" name=""/>
+        <p:cNvGrpSpPr/>
+        <p:nvPr/>
+      </p:nvGrpSpPr>
+      <p:grpSpPr>
+        <a:xfrm>
+          <a:off x="0" y="0"/>
+          <a:ext cx="0" cy="0"/>
+          <a:chOff x="0" y="0"/>
+          <a:chExt cx="0" cy="0"/>
+        </a:xfrm>
+      </p:grpSpPr>
+      <p:sp>
+        <p:nvSpPr>
+          <p:cNvPr id="2" name="Title 1">
+            <a:extLst>
+              <a:ext uri="{FF2B5EF4-FFF2-40B4-BE49-F238E27FC236}">
+                <a16:creationId xmlns:a16="http://schemas.microsoft.com/office/drawing/2014/main" id="{B3D2E713-E0EF-0C77-292F-BB195D479589}"/>
+              </a:ext>
+            </a:extLst>
+          </p:cNvPr>
+          <p:cNvSpPr>
+            <a:spLocks noGrp="1"/>
+          </p:cNvSpPr>
+          <p:nvPr>
+            <p:ph type="title"/>
+          </p:nvPr>
+        </p:nvSpPr>
+        <p:spPr/>
+        <p:txBody>
+          <a:bodyPr/>
+          <a:lstStyle/>
+          <a:p>
+            <a:r>
+              <a:rPr lang="en-US" dirty="0"/>
+              <a:t>Adding Payments</a:t>
+            </a:r>
+          </a:p>
+        </p:txBody>
+      </p:sp>
+      <p:sp>
+        <p:nvSpPr>
+          <p:cNvPr id="3" name="Content Placeholder 2">
+            <a:extLst>
+              <a:ext uri="{FF2B5EF4-FFF2-40B4-BE49-F238E27FC236}">
+                <a16:creationId xmlns:a16="http://schemas.microsoft.com/office/drawing/2014/main" id="{CF48D2EB-2F14-FDFD-9C5C-26916BF5131B}"/>
+              </a:ext>
+            </a:extLst>
+          </p:cNvPr>
+          <p:cNvSpPr>
+            <a:spLocks noGrp="1"/>
+          </p:cNvSpPr>
+          <p:nvPr>
+            <p:ph idx="1"/>
+          </p:nvPr>
+        </p:nvSpPr>
+        <p:spPr/>
+        <p:txBody>
+          <a:bodyPr/>
+          <a:lstStyle/>
+          <a:p>
+            <a:r>
+              <a:rPr lang="en-US" dirty="0"/>
+              <a:t>Payment Process</a:t>
+            </a:r>
+          </a:p>
+          <a:p>
+            <a:pPr lvl="1"/>
+            <a:r>
+              <a:rPr lang="en-US" dirty="0"/>
+              <a:t>Collect Payment Method</a:t>
+            </a:r>
+          </a:p>
+          <a:p>
+            <a:pPr lvl="1"/>
+            <a:r>
+              <a:rPr lang="en-US" dirty="0"/>
+              <a:t>Verify Payment Method</a:t>
+            </a:r>
+          </a:p>
+          <a:p>
+            <a:pPr lvl="1"/>
+            <a:r>
+              <a:rPr lang="en-US" dirty="0"/>
+              <a:t>Charge Payment Method</a:t>
+            </a:r>
+          </a:p>
+          <a:p>
+            <a:pPr lvl="1"/>
+            <a:r>
+              <a:rPr lang="en-US" dirty="0"/>
+              <a:t>Manage Payments</a:t>
+            </a:r>
+          </a:p>
+          <a:p>
+            <a:pPr lvl="1"/>
+            <a:r>
+              <a:rPr lang="en-US" dirty="0"/>
+              <a:t>Process Order in App</a:t>
+            </a:r>
+          </a:p>
+          <a:p>
+            <a:r>
+              <a:rPr lang="en-US" dirty="0"/>
+              <a:t>Stripe</a:t>
+            </a:r>
+          </a:p>
+          <a:p>
+            <a:pPr lvl="1"/>
+            <a:r>
+              <a:rPr lang="en-US" dirty="0"/>
+              <a:t>Adding a checkout page</a:t>
+            </a:r>
+          </a:p>
+          <a:p>
+            <a:pPr lvl="1"/>
+            <a:r>
+              <a:rPr lang="en-US" dirty="0"/>
+              <a:t>Using Stripe in your app</a:t>
+            </a:r>
+          </a:p>
+        </p:txBody>
+      </p:sp>
+    </p:spTree>
+    <p:extLst>
+      <p:ext uri="{BB962C8B-B14F-4D97-AF65-F5344CB8AC3E}">
+        <p14:creationId xmlns:p14="http://schemas.microsoft.com/office/powerpoint/2010/main" val="325319793"/>
+      </p:ext>
+    </p:extLst>
+  </p:cSld>
+  <p:clrMapOvr>
+    <a:masterClrMapping/>
+  </p:clrMapOvr>
+</p:sld>
+</file>
+
+<file path=ppt/slides/slide73.xml><?xml version="1.0" encoding="utf-8"?>
+<p:sld xmlns:a="http://schemas.openxmlformats.org/drawingml/2006/main" xmlns:r="http://schemas.openxmlformats.org/officeDocument/2006/relationships" xmlns:p="http://schemas.openxmlformats.org/presentationml/2006/main">
+  <p:cSld>
+    <p:spTree>
+      <p:nvGrpSpPr>
+        <p:cNvPr id="1" name=""/>
+        <p:cNvGrpSpPr/>
+        <p:nvPr/>
+      </p:nvGrpSpPr>
+      <p:grpSpPr>
+        <a:xfrm>
+          <a:off x="0" y="0"/>
+          <a:ext cx="0" cy="0"/>
+          <a:chOff x="0" y="0"/>
+          <a:chExt cx="0" cy="0"/>
+        </a:xfrm>
+      </p:grpSpPr>
+      <p:sp>
+        <p:nvSpPr>
+          <p:cNvPr id="2" name="Title 1">
+            <a:extLst>
+              <a:ext uri="{FF2B5EF4-FFF2-40B4-BE49-F238E27FC236}">
+                <a16:creationId xmlns:a16="http://schemas.microsoft.com/office/drawing/2014/main" id="{4F7B8E00-1CE3-8D1F-8B10-B186FF2AD0CE}"/>
+              </a:ext>
+            </a:extLst>
+          </p:cNvPr>
+          <p:cNvSpPr>
+            <a:spLocks noGrp="1"/>
+          </p:cNvSpPr>
+          <p:nvPr>
+            <p:ph type="title"/>
+          </p:nvPr>
+        </p:nvSpPr>
+        <p:spPr/>
+        <p:txBody>
+          <a:bodyPr/>
+          <a:lstStyle/>
+          <a:p>
+            <a:r>
+              <a:rPr lang="en-US" dirty="0"/>
+              <a:t>REST APIs</a:t>
+            </a:r>
+          </a:p>
+        </p:txBody>
+      </p:sp>
+      <p:sp>
+        <p:nvSpPr>
+          <p:cNvPr id="3" name="Content Placeholder 2">
+            <a:extLst>
+              <a:ext uri="{FF2B5EF4-FFF2-40B4-BE49-F238E27FC236}">
+                <a16:creationId xmlns:a16="http://schemas.microsoft.com/office/drawing/2014/main" id="{963D5512-B31D-16C3-2189-444875B958D0}"/>
+              </a:ext>
+            </a:extLst>
+          </p:cNvPr>
+          <p:cNvSpPr>
+            <a:spLocks noGrp="1"/>
+          </p:cNvSpPr>
+          <p:nvPr>
+            <p:ph idx="1"/>
+          </p:nvPr>
+        </p:nvSpPr>
+        <p:spPr/>
+        <p:txBody>
+          <a:bodyPr/>
+          <a:lstStyle/>
+          <a:p>
+            <a:pPr marL="0" indent="0">
+              <a:buNone/>
+            </a:pPr>
+            <a:r>
+              <a:rPr lang="en-US"/>
+              <a:t>Decoupling Frontend and Backend</a:t>
+            </a:r>
+          </a:p>
+        </p:txBody>
+      </p:sp>
+    </p:spTree>
+    <p:extLst>
+      <p:ext uri="{BB962C8B-B14F-4D97-AF65-F5344CB8AC3E}">
+        <p14:creationId xmlns:p14="http://schemas.microsoft.com/office/powerpoint/2010/main" val="3780185405"/>
       </p:ext>
     </p:extLst>
   </p:cSld>

--- a/Node/node.pptx
+++ b/Node/node.pptx
@@ -78,6 +78,18 @@
     <p:sldId id="326" r:id="rId72"/>
     <p:sldId id="327" r:id="rId73"/>
     <p:sldId id="328" r:id="rId74"/>
+    <p:sldId id="329" r:id="rId75"/>
+    <p:sldId id="330" r:id="rId76"/>
+    <p:sldId id="331" r:id="rId77"/>
+    <p:sldId id="332" r:id="rId78"/>
+    <p:sldId id="336" r:id="rId79"/>
+    <p:sldId id="337" r:id="rId80"/>
+    <p:sldId id="333" r:id="rId81"/>
+    <p:sldId id="334" r:id="rId82"/>
+    <p:sldId id="335" r:id="rId83"/>
+    <p:sldId id="338" r:id="rId84"/>
+    <p:sldId id="339" r:id="rId85"/>
+    <p:sldId id="340" r:id="rId86"/>
   </p:sldIdLst>
   <p:sldSz cx="12192000" cy="6858000"/>
   <p:notesSz cx="6858000" cy="9144000"/>
@@ -333,7 +345,7 @@
           <a:p>
             <a:fld id="{70AC578A-F481-8B4F-AC68-5322D79242CE}" type="datetimeFigureOut">
               <a:rPr lang="en-US" smtClean="0"/>
-              <a:t>2/13/26</a:t>
+              <a:t>2/19/26</a:t>
             </a:fld>
             <a:endParaRPr lang="en-US"/>
           </a:p>
@@ -533,7 +545,7 @@
           <a:p>
             <a:fld id="{70AC578A-F481-8B4F-AC68-5322D79242CE}" type="datetimeFigureOut">
               <a:rPr lang="en-US" smtClean="0"/>
-              <a:t>2/13/26</a:t>
+              <a:t>2/19/26</a:t>
             </a:fld>
             <a:endParaRPr lang="en-US"/>
           </a:p>
@@ -743,7 +755,7 @@
           <a:p>
             <a:fld id="{70AC578A-F481-8B4F-AC68-5322D79242CE}" type="datetimeFigureOut">
               <a:rPr lang="en-US" smtClean="0"/>
-              <a:t>2/13/26</a:t>
+              <a:t>2/19/26</a:t>
             </a:fld>
             <a:endParaRPr lang="en-US"/>
           </a:p>
@@ -943,7 +955,7 @@
           <a:p>
             <a:fld id="{70AC578A-F481-8B4F-AC68-5322D79242CE}" type="datetimeFigureOut">
               <a:rPr lang="en-US" smtClean="0"/>
-              <a:t>2/13/26</a:t>
+              <a:t>2/19/26</a:t>
             </a:fld>
             <a:endParaRPr lang="en-US"/>
           </a:p>
@@ -1219,7 +1231,7 @@
           <a:p>
             <a:fld id="{70AC578A-F481-8B4F-AC68-5322D79242CE}" type="datetimeFigureOut">
               <a:rPr lang="en-US" smtClean="0"/>
-              <a:t>2/13/26</a:t>
+              <a:t>2/19/26</a:t>
             </a:fld>
             <a:endParaRPr lang="en-US"/>
           </a:p>
@@ -1487,7 +1499,7 @@
           <a:p>
             <a:fld id="{70AC578A-F481-8B4F-AC68-5322D79242CE}" type="datetimeFigureOut">
               <a:rPr lang="en-US" smtClean="0"/>
-              <a:t>2/13/26</a:t>
+              <a:t>2/19/26</a:t>
             </a:fld>
             <a:endParaRPr lang="en-US"/>
           </a:p>
@@ -1902,7 +1914,7 @@
           <a:p>
             <a:fld id="{70AC578A-F481-8B4F-AC68-5322D79242CE}" type="datetimeFigureOut">
               <a:rPr lang="en-US" smtClean="0"/>
-              <a:t>2/13/26</a:t>
+              <a:t>2/19/26</a:t>
             </a:fld>
             <a:endParaRPr lang="en-US"/>
           </a:p>
@@ -2044,7 +2056,7 @@
           <a:p>
             <a:fld id="{70AC578A-F481-8B4F-AC68-5322D79242CE}" type="datetimeFigureOut">
               <a:rPr lang="en-US" smtClean="0"/>
-              <a:t>2/13/26</a:t>
+              <a:t>2/19/26</a:t>
             </a:fld>
             <a:endParaRPr lang="en-US"/>
           </a:p>
@@ -2157,7 +2169,7 @@
           <a:p>
             <a:fld id="{70AC578A-F481-8B4F-AC68-5322D79242CE}" type="datetimeFigureOut">
               <a:rPr lang="en-US" smtClean="0"/>
-              <a:t>2/13/26</a:t>
+              <a:t>2/19/26</a:t>
             </a:fld>
             <a:endParaRPr lang="en-US"/>
           </a:p>
@@ -2470,7 +2482,7 @@
           <a:p>
             <a:fld id="{70AC578A-F481-8B4F-AC68-5322D79242CE}" type="datetimeFigureOut">
               <a:rPr lang="en-US" smtClean="0"/>
-              <a:t>2/13/26</a:t>
+              <a:t>2/19/26</a:t>
             </a:fld>
             <a:endParaRPr lang="en-US"/>
           </a:p>
@@ -2759,7 +2771,7 @@
           <a:p>
             <a:fld id="{70AC578A-F481-8B4F-AC68-5322D79242CE}" type="datetimeFigureOut">
               <a:rPr lang="en-US" smtClean="0"/>
-              <a:t>2/13/26</a:t>
+              <a:t>2/19/26</a:t>
             </a:fld>
             <a:endParaRPr lang="en-US"/>
           </a:p>
@@ -3002,7 +3014,7 @@
           <a:p>
             <a:fld id="{70AC578A-F481-8B4F-AC68-5322D79242CE}" type="datetimeFigureOut">
               <a:rPr lang="en-US" smtClean="0"/>
-              <a:t>2/13/26</a:t>
+              <a:t>2/19/26</a:t>
             </a:fld>
             <a:endParaRPr lang="en-US"/>
           </a:p>
@@ -19938,6 +19950,2221 @@
 </p:sld>
 </file>
 
+<file path=ppt/slides/slide74.xml><?xml version="1.0" encoding="utf-8"?>
+<p:sld xmlns:a="http://schemas.openxmlformats.org/drawingml/2006/main" xmlns:r="http://schemas.openxmlformats.org/officeDocument/2006/relationships" xmlns:p="http://schemas.openxmlformats.org/presentationml/2006/main">
+  <p:cSld>
+    <p:spTree>
+      <p:nvGrpSpPr>
+        <p:cNvPr id="1" name=""/>
+        <p:cNvGrpSpPr/>
+        <p:nvPr/>
+      </p:nvGrpSpPr>
+      <p:grpSpPr>
+        <a:xfrm>
+          <a:off x="0" y="0"/>
+          <a:ext cx="0" cy="0"/>
+          <a:chOff x="0" y="0"/>
+          <a:chExt cx="0" cy="0"/>
+        </a:xfrm>
+      </p:grpSpPr>
+      <p:sp>
+        <p:nvSpPr>
+          <p:cNvPr id="2" name="Title 1">
+            <a:extLst>
+              <a:ext uri="{FF2B5EF4-FFF2-40B4-BE49-F238E27FC236}">
+                <a16:creationId xmlns:a16="http://schemas.microsoft.com/office/drawing/2014/main" id="{A0E99B5E-2E10-F638-5591-18F9609A877E}"/>
+              </a:ext>
+            </a:extLst>
+          </p:cNvPr>
+          <p:cNvSpPr>
+            <a:spLocks noGrp="1"/>
+          </p:cNvSpPr>
+          <p:nvPr>
+            <p:ph type="title"/>
+          </p:nvPr>
+        </p:nvSpPr>
+        <p:spPr/>
+        <p:txBody>
+          <a:bodyPr/>
+          <a:lstStyle/>
+          <a:p>
+            <a:r>
+              <a:rPr lang="en-US" dirty="0">
+                <a:solidFill>
+                  <a:srgbClr val="FF0000"/>
+                </a:solidFill>
+              </a:rPr>
+              <a:t>Re</a:t>
+            </a:r>
+            <a:r>
+              <a:rPr lang="en-US" dirty="0"/>
+              <a:t>presentational </a:t>
+            </a:r>
+            <a:r>
+              <a:rPr lang="en-US" dirty="0">
+                <a:solidFill>
+                  <a:srgbClr val="FF0000"/>
+                </a:solidFill>
+              </a:rPr>
+              <a:t>S</a:t>
+            </a:r>
+            <a:r>
+              <a:rPr lang="en-US" dirty="0"/>
+              <a:t>tate </a:t>
+            </a:r>
+            <a:r>
+              <a:rPr lang="en-US" dirty="0">
+                <a:solidFill>
+                  <a:srgbClr val="FF0000"/>
+                </a:solidFill>
+              </a:rPr>
+              <a:t>T</a:t>
+            </a:r>
+            <a:r>
+              <a:rPr lang="en-US" dirty="0"/>
+              <a:t>ransfer REST</a:t>
+            </a:r>
+          </a:p>
+        </p:txBody>
+      </p:sp>
+      <p:sp>
+        <p:nvSpPr>
+          <p:cNvPr id="3" name="Content Placeholder 2">
+            <a:extLst>
+              <a:ext uri="{FF2B5EF4-FFF2-40B4-BE49-F238E27FC236}">
+                <a16:creationId xmlns:a16="http://schemas.microsoft.com/office/drawing/2014/main" id="{2EDA26CE-F26C-A00A-692C-E9DE6AA4581A}"/>
+              </a:ext>
+            </a:extLst>
+          </p:cNvPr>
+          <p:cNvSpPr>
+            <a:spLocks noGrp="1"/>
+          </p:cNvSpPr>
+          <p:nvPr>
+            <p:ph idx="1"/>
+          </p:nvPr>
+        </p:nvSpPr>
+        <p:spPr/>
+        <p:txBody>
+          <a:bodyPr/>
+          <a:lstStyle/>
+          <a:p>
+            <a:r>
+              <a:rPr lang="en-US" dirty="0"/>
+              <a:t>A different kind of Response is Needed</a:t>
+            </a:r>
+          </a:p>
+          <a:p>
+            <a:r>
+              <a:rPr lang="en-US" dirty="0"/>
+              <a:t>Transfer Data instead of User Interfaces</a:t>
+            </a:r>
+          </a:p>
+          <a:p>
+            <a:endParaRPr lang="en-US" dirty="0"/>
+          </a:p>
+        </p:txBody>
+      </p:sp>
+    </p:spTree>
+    <p:extLst>
+      <p:ext uri="{BB962C8B-B14F-4D97-AF65-F5344CB8AC3E}">
+        <p14:creationId xmlns:p14="http://schemas.microsoft.com/office/powerpoint/2010/main" val="1163314160"/>
+      </p:ext>
+    </p:extLst>
+  </p:cSld>
+  <p:clrMapOvr>
+    <a:masterClrMapping/>
+  </p:clrMapOvr>
+</p:sld>
+</file>
+
+<file path=ppt/slides/slide75.xml><?xml version="1.0" encoding="utf-8"?>
+<p:sld xmlns:a="http://schemas.openxmlformats.org/drawingml/2006/main" xmlns:r="http://schemas.openxmlformats.org/officeDocument/2006/relationships" xmlns:p="http://schemas.openxmlformats.org/presentationml/2006/main">
+  <p:cSld>
+    <p:spTree>
+      <p:nvGrpSpPr>
+        <p:cNvPr id="1" name=""/>
+        <p:cNvGrpSpPr/>
+        <p:nvPr/>
+      </p:nvGrpSpPr>
+      <p:grpSpPr>
+        <a:xfrm>
+          <a:off x="0" y="0"/>
+          <a:ext cx="0" cy="0"/>
+          <a:chOff x="0" y="0"/>
+          <a:chExt cx="0" cy="0"/>
+        </a:xfrm>
+      </p:grpSpPr>
+      <p:sp>
+        <p:nvSpPr>
+          <p:cNvPr id="2" name="Title 1">
+            <a:extLst>
+              <a:ext uri="{FF2B5EF4-FFF2-40B4-BE49-F238E27FC236}">
+                <a16:creationId xmlns:a16="http://schemas.microsoft.com/office/drawing/2014/main" id="{3931A256-870E-CA15-DFF5-8C2AD8B1F67B}"/>
+              </a:ext>
+            </a:extLst>
+          </p:cNvPr>
+          <p:cNvSpPr>
+            <a:spLocks noGrp="1"/>
+          </p:cNvSpPr>
+          <p:nvPr>
+            <p:ph type="title"/>
+          </p:nvPr>
+        </p:nvSpPr>
+        <p:spPr/>
+        <p:txBody>
+          <a:bodyPr/>
+          <a:lstStyle/>
+          <a:p>
+            <a:r>
+              <a:rPr lang="en-US" dirty="0"/>
+              <a:t>REST API Big Picture</a:t>
+            </a:r>
+          </a:p>
+        </p:txBody>
+      </p:sp>
+      <p:sp>
+        <p:nvSpPr>
+          <p:cNvPr id="4" name="Rectangle 3">
+            <a:extLst>
+              <a:ext uri="{FF2B5EF4-FFF2-40B4-BE49-F238E27FC236}">
+                <a16:creationId xmlns:a16="http://schemas.microsoft.com/office/drawing/2014/main" id="{90491A03-7E38-DC23-E65A-CD515945327E}"/>
+              </a:ext>
+            </a:extLst>
+          </p:cNvPr>
+          <p:cNvSpPr/>
+          <p:nvPr/>
+        </p:nvSpPr>
+        <p:spPr>
+          <a:xfrm>
+            <a:off x="4094018" y="1485900"/>
+            <a:ext cx="3304309" cy="581891"/>
+          </a:xfrm>
+          <a:prstGeom prst="rect">
+            <a:avLst/>
+          </a:prstGeom>
+        </p:spPr>
+        <p:style>
+          <a:lnRef idx="2">
+            <a:schemeClr val="accent1">
+              <a:shade val="15000"/>
+            </a:schemeClr>
+          </a:lnRef>
+          <a:fillRef idx="1">
+            <a:schemeClr val="accent1"/>
+          </a:fillRef>
+          <a:effectRef idx="0">
+            <a:schemeClr val="accent1"/>
+          </a:effectRef>
+          <a:fontRef idx="minor">
+            <a:schemeClr val="lt1"/>
+          </a:fontRef>
+        </p:style>
+        <p:txBody>
+          <a:bodyPr rtlCol="0" anchor="ctr"/>
+          <a:lstStyle/>
+          <a:p>
+            <a:pPr algn="ctr"/>
+            <a:r>
+              <a:rPr lang="en-US" dirty="0"/>
+              <a:t>Server</a:t>
+            </a:r>
+          </a:p>
+        </p:txBody>
+      </p:sp>
+      <p:sp>
+        <p:nvSpPr>
+          <p:cNvPr id="5" name="Rectangle 4">
+            <a:extLst>
+              <a:ext uri="{FF2B5EF4-FFF2-40B4-BE49-F238E27FC236}">
+                <a16:creationId xmlns:a16="http://schemas.microsoft.com/office/drawing/2014/main" id="{7A1E850B-7E96-D5A9-A8BA-DB89FB224EE7}"/>
+              </a:ext>
+            </a:extLst>
+          </p:cNvPr>
+          <p:cNvSpPr/>
+          <p:nvPr/>
+        </p:nvSpPr>
+        <p:spPr>
+          <a:xfrm>
+            <a:off x="838200" y="4873335"/>
+            <a:ext cx="3002972" cy="561109"/>
+          </a:xfrm>
+          <a:prstGeom prst="rect">
+            <a:avLst/>
+          </a:prstGeom>
+        </p:spPr>
+        <p:style>
+          <a:lnRef idx="2">
+            <a:schemeClr val="accent1">
+              <a:shade val="15000"/>
+            </a:schemeClr>
+          </a:lnRef>
+          <a:fillRef idx="1">
+            <a:schemeClr val="accent1"/>
+          </a:fillRef>
+          <a:effectRef idx="0">
+            <a:schemeClr val="accent1"/>
+          </a:effectRef>
+          <a:fontRef idx="minor">
+            <a:schemeClr val="lt1"/>
+          </a:fontRef>
+        </p:style>
+        <p:txBody>
+          <a:bodyPr rtlCol="0" anchor="ctr"/>
+          <a:lstStyle/>
+          <a:p>
+            <a:pPr algn="ctr"/>
+            <a:r>
+              <a:rPr lang="en-US" dirty="0"/>
+              <a:t>Mobile App</a:t>
+            </a:r>
+          </a:p>
+        </p:txBody>
+      </p:sp>
+      <p:sp>
+        <p:nvSpPr>
+          <p:cNvPr id="6" name="Rectangle 5">
+            <a:extLst>
+              <a:ext uri="{FF2B5EF4-FFF2-40B4-BE49-F238E27FC236}">
+                <a16:creationId xmlns:a16="http://schemas.microsoft.com/office/drawing/2014/main" id="{C3E5656C-A613-DD83-406C-78BDCBB65032}"/>
+              </a:ext>
+            </a:extLst>
+          </p:cNvPr>
+          <p:cNvSpPr/>
+          <p:nvPr/>
+        </p:nvSpPr>
+        <p:spPr>
+          <a:xfrm>
+            <a:off x="8350828" y="4873335"/>
+            <a:ext cx="3002972" cy="561109"/>
+          </a:xfrm>
+          <a:prstGeom prst="rect">
+            <a:avLst/>
+          </a:prstGeom>
+        </p:spPr>
+        <p:style>
+          <a:lnRef idx="2">
+            <a:schemeClr val="accent1">
+              <a:shade val="15000"/>
+            </a:schemeClr>
+          </a:lnRef>
+          <a:fillRef idx="1">
+            <a:schemeClr val="accent1"/>
+          </a:fillRef>
+          <a:effectRef idx="0">
+            <a:schemeClr val="accent1"/>
+          </a:effectRef>
+          <a:fontRef idx="minor">
+            <a:schemeClr val="lt1"/>
+          </a:fontRef>
+        </p:style>
+        <p:txBody>
+          <a:bodyPr rtlCol="0" anchor="ctr"/>
+          <a:lstStyle/>
+          <a:p>
+            <a:pPr algn="ctr"/>
+            <a:r>
+              <a:rPr lang="en-US" dirty="0"/>
+              <a:t>Any App</a:t>
+            </a:r>
+          </a:p>
+        </p:txBody>
+      </p:sp>
+      <p:sp>
+        <p:nvSpPr>
+          <p:cNvPr id="7" name="Rectangle 6">
+            <a:extLst>
+              <a:ext uri="{FF2B5EF4-FFF2-40B4-BE49-F238E27FC236}">
+                <a16:creationId xmlns:a16="http://schemas.microsoft.com/office/drawing/2014/main" id="{D47589C5-1022-85A7-546A-81FBC8A171CE}"/>
+              </a:ext>
+            </a:extLst>
+          </p:cNvPr>
+          <p:cNvSpPr/>
+          <p:nvPr/>
+        </p:nvSpPr>
+        <p:spPr>
+          <a:xfrm>
+            <a:off x="4881129" y="4873335"/>
+            <a:ext cx="2076450" cy="561109"/>
+          </a:xfrm>
+          <a:prstGeom prst="rect">
+            <a:avLst/>
+          </a:prstGeom>
+        </p:spPr>
+        <p:style>
+          <a:lnRef idx="2">
+            <a:schemeClr val="accent1">
+              <a:shade val="15000"/>
+            </a:schemeClr>
+          </a:lnRef>
+          <a:fillRef idx="1">
+            <a:schemeClr val="accent1"/>
+          </a:fillRef>
+          <a:effectRef idx="0">
+            <a:schemeClr val="accent1"/>
+          </a:effectRef>
+          <a:fontRef idx="minor">
+            <a:schemeClr val="lt1"/>
+          </a:fontRef>
+        </p:style>
+        <p:txBody>
+          <a:bodyPr rtlCol="0" anchor="ctr"/>
+          <a:lstStyle/>
+          <a:p>
+            <a:pPr algn="ctr"/>
+            <a:r>
+              <a:rPr lang="en-US" dirty="0"/>
+              <a:t>SPA</a:t>
+            </a:r>
+          </a:p>
+        </p:txBody>
+      </p:sp>
+      <p:sp>
+        <p:nvSpPr>
+          <p:cNvPr id="8" name="Rectangle 7">
+            <a:extLst>
+              <a:ext uri="{FF2B5EF4-FFF2-40B4-BE49-F238E27FC236}">
+                <a16:creationId xmlns:a16="http://schemas.microsoft.com/office/drawing/2014/main" id="{D3B527EB-944F-CEE1-48A2-393340F9C5D8}"/>
+              </a:ext>
+            </a:extLst>
+          </p:cNvPr>
+          <p:cNvSpPr/>
+          <p:nvPr/>
+        </p:nvSpPr>
+        <p:spPr>
+          <a:xfrm>
+            <a:off x="4094018" y="5784273"/>
+            <a:ext cx="3304309" cy="581891"/>
+          </a:xfrm>
+          <a:prstGeom prst="rect">
+            <a:avLst/>
+          </a:prstGeom>
+        </p:spPr>
+        <p:style>
+          <a:lnRef idx="2">
+            <a:schemeClr val="accent1">
+              <a:shade val="15000"/>
+            </a:schemeClr>
+          </a:lnRef>
+          <a:fillRef idx="1">
+            <a:schemeClr val="accent1"/>
+          </a:fillRef>
+          <a:effectRef idx="0">
+            <a:schemeClr val="accent1"/>
+          </a:effectRef>
+          <a:fontRef idx="minor">
+            <a:schemeClr val="lt1"/>
+          </a:fontRef>
+        </p:style>
+        <p:txBody>
+          <a:bodyPr rtlCol="0" anchor="ctr"/>
+          <a:lstStyle/>
+          <a:p>
+            <a:pPr algn="ctr"/>
+            <a:r>
+              <a:rPr lang="en-US" dirty="0"/>
+              <a:t>Client</a:t>
+            </a:r>
+          </a:p>
+        </p:txBody>
+      </p:sp>
+      <p:sp>
+        <p:nvSpPr>
+          <p:cNvPr id="9" name="Rectangle 8">
+            <a:extLst>
+              <a:ext uri="{FF2B5EF4-FFF2-40B4-BE49-F238E27FC236}">
+                <a16:creationId xmlns:a16="http://schemas.microsoft.com/office/drawing/2014/main" id="{99A119F0-F654-819F-6EA8-2A41FE060568}"/>
+              </a:ext>
+            </a:extLst>
+          </p:cNvPr>
+          <p:cNvSpPr/>
+          <p:nvPr/>
+        </p:nvSpPr>
+        <p:spPr>
+          <a:xfrm>
+            <a:off x="1149927" y="2183822"/>
+            <a:ext cx="3304309" cy="581891"/>
+          </a:xfrm>
+          <a:prstGeom prst="rect">
+            <a:avLst/>
+          </a:prstGeom>
+        </p:spPr>
+        <p:style>
+          <a:lnRef idx="2">
+            <a:schemeClr val="accent1">
+              <a:shade val="15000"/>
+            </a:schemeClr>
+          </a:lnRef>
+          <a:fillRef idx="1">
+            <a:schemeClr val="accent1"/>
+          </a:fillRef>
+          <a:effectRef idx="0">
+            <a:schemeClr val="accent1"/>
+          </a:effectRef>
+          <a:fontRef idx="minor">
+            <a:schemeClr val="lt1"/>
+          </a:fontRef>
+        </p:style>
+        <p:txBody>
+          <a:bodyPr rtlCol="0" anchor="ctr"/>
+          <a:lstStyle/>
+          <a:p>
+            <a:pPr algn="ctr"/>
+            <a:r>
+              <a:rPr lang="en-US" dirty="0"/>
+              <a:t>App Backend API</a:t>
+            </a:r>
+          </a:p>
+        </p:txBody>
+      </p:sp>
+      <p:sp>
+        <p:nvSpPr>
+          <p:cNvPr id="10" name="Rectangle 9">
+            <a:extLst>
+              <a:ext uri="{FF2B5EF4-FFF2-40B4-BE49-F238E27FC236}">
+                <a16:creationId xmlns:a16="http://schemas.microsoft.com/office/drawing/2014/main" id="{847A7491-0030-00C8-F1FA-C7B4CA360FD2}"/>
+              </a:ext>
+            </a:extLst>
+          </p:cNvPr>
+          <p:cNvSpPr/>
+          <p:nvPr/>
+        </p:nvSpPr>
+        <p:spPr>
+          <a:xfrm>
+            <a:off x="6698673" y="2183821"/>
+            <a:ext cx="3304309" cy="581891"/>
+          </a:xfrm>
+          <a:prstGeom prst="rect">
+            <a:avLst/>
+          </a:prstGeom>
+        </p:spPr>
+        <p:style>
+          <a:lnRef idx="2">
+            <a:schemeClr val="accent1">
+              <a:shade val="15000"/>
+            </a:schemeClr>
+          </a:lnRef>
+          <a:fillRef idx="1">
+            <a:schemeClr val="accent1"/>
+          </a:fillRef>
+          <a:effectRef idx="0">
+            <a:schemeClr val="accent1"/>
+          </a:effectRef>
+          <a:fontRef idx="minor">
+            <a:schemeClr val="lt1"/>
+          </a:fontRef>
+        </p:style>
+        <p:txBody>
+          <a:bodyPr rtlCol="0" anchor="ctr"/>
+          <a:lstStyle/>
+          <a:p>
+            <a:pPr algn="ctr"/>
+            <a:r>
+              <a:rPr lang="en-US" dirty="0"/>
+              <a:t>Service API</a:t>
+            </a:r>
+          </a:p>
+        </p:txBody>
+      </p:sp>
+      <p:sp>
+        <p:nvSpPr>
+          <p:cNvPr id="11" name="Up Arrow 10">
+            <a:extLst>
+              <a:ext uri="{FF2B5EF4-FFF2-40B4-BE49-F238E27FC236}">
+                <a16:creationId xmlns:a16="http://schemas.microsoft.com/office/drawing/2014/main" id="{9E9E9191-E5B2-94D7-281A-06C95C6C34FA}"/>
+              </a:ext>
+            </a:extLst>
+          </p:cNvPr>
+          <p:cNvSpPr/>
+          <p:nvPr/>
+        </p:nvSpPr>
+        <p:spPr>
+          <a:xfrm>
+            <a:off x="1943100" y="3252355"/>
+            <a:ext cx="498764" cy="1381990"/>
+          </a:xfrm>
+          <a:prstGeom prst="upArrow">
+            <a:avLst/>
+          </a:prstGeom>
+        </p:spPr>
+        <p:style>
+          <a:lnRef idx="2">
+            <a:schemeClr val="accent1">
+              <a:shade val="15000"/>
+            </a:schemeClr>
+          </a:lnRef>
+          <a:fillRef idx="1">
+            <a:schemeClr val="accent1"/>
+          </a:fillRef>
+          <a:effectRef idx="0">
+            <a:schemeClr val="accent1"/>
+          </a:effectRef>
+          <a:fontRef idx="minor">
+            <a:schemeClr val="lt1"/>
+          </a:fontRef>
+        </p:style>
+        <p:txBody>
+          <a:bodyPr rtlCol="0" anchor="ctr"/>
+          <a:lstStyle/>
+          <a:p>
+            <a:pPr algn="ctr"/>
+            <a:endParaRPr lang="en-US"/>
+          </a:p>
+        </p:txBody>
+      </p:sp>
+      <p:sp>
+        <p:nvSpPr>
+          <p:cNvPr id="12" name="Down Arrow 11">
+            <a:extLst>
+              <a:ext uri="{FF2B5EF4-FFF2-40B4-BE49-F238E27FC236}">
+                <a16:creationId xmlns:a16="http://schemas.microsoft.com/office/drawing/2014/main" id="{81361498-177F-3ABC-28F8-433E6F7C8456}"/>
+              </a:ext>
+            </a:extLst>
+          </p:cNvPr>
+          <p:cNvSpPr/>
+          <p:nvPr/>
+        </p:nvSpPr>
+        <p:spPr>
+          <a:xfrm>
+            <a:off x="2802081" y="3283527"/>
+            <a:ext cx="502228" cy="1319646"/>
+          </a:xfrm>
+          <a:prstGeom prst="downArrow">
+            <a:avLst/>
+          </a:prstGeom>
+        </p:spPr>
+        <p:style>
+          <a:lnRef idx="2">
+            <a:schemeClr val="accent1">
+              <a:shade val="15000"/>
+            </a:schemeClr>
+          </a:lnRef>
+          <a:fillRef idx="1">
+            <a:schemeClr val="accent1"/>
+          </a:fillRef>
+          <a:effectRef idx="0">
+            <a:schemeClr val="accent1"/>
+          </a:effectRef>
+          <a:fontRef idx="minor">
+            <a:schemeClr val="lt1"/>
+          </a:fontRef>
+        </p:style>
+        <p:txBody>
+          <a:bodyPr rtlCol="0" anchor="ctr"/>
+          <a:lstStyle/>
+          <a:p>
+            <a:pPr algn="ctr"/>
+            <a:endParaRPr lang="en-US"/>
+          </a:p>
+        </p:txBody>
+      </p:sp>
+      <p:sp>
+        <p:nvSpPr>
+          <p:cNvPr id="13" name="Up Arrow 12">
+            <a:extLst>
+              <a:ext uri="{FF2B5EF4-FFF2-40B4-BE49-F238E27FC236}">
+                <a16:creationId xmlns:a16="http://schemas.microsoft.com/office/drawing/2014/main" id="{358D78A8-FF88-9EFA-7C3D-4DD1CD62E4A6}"/>
+              </a:ext>
+            </a:extLst>
+          </p:cNvPr>
+          <p:cNvSpPr/>
+          <p:nvPr/>
+        </p:nvSpPr>
+        <p:spPr>
+          <a:xfrm>
+            <a:off x="5025737" y="3316431"/>
+            <a:ext cx="498764" cy="1381990"/>
+          </a:xfrm>
+          <a:prstGeom prst="upArrow">
+            <a:avLst/>
+          </a:prstGeom>
+        </p:spPr>
+        <p:style>
+          <a:lnRef idx="2">
+            <a:schemeClr val="accent1">
+              <a:shade val="15000"/>
+            </a:schemeClr>
+          </a:lnRef>
+          <a:fillRef idx="1">
+            <a:schemeClr val="accent1"/>
+          </a:fillRef>
+          <a:effectRef idx="0">
+            <a:schemeClr val="accent1"/>
+          </a:effectRef>
+          <a:fontRef idx="minor">
+            <a:schemeClr val="lt1"/>
+          </a:fontRef>
+        </p:style>
+        <p:txBody>
+          <a:bodyPr rtlCol="0" anchor="ctr"/>
+          <a:lstStyle/>
+          <a:p>
+            <a:pPr algn="ctr"/>
+            <a:endParaRPr lang="en-US"/>
+          </a:p>
+        </p:txBody>
+      </p:sp>
+      <p:sp>
+        <p:nvSpPr>
+          <p:cNvPr id="14" name="Down Arrow 13">
+            <a:extLst>
+              <a:ext uri="{FF2B5EF4-FFF2-40B4-BE49-F238E27FC236}">
+                <a16:creationId xmlns:a16="http://schemas.microsoft.com/office/drawing/2014/main" id="{5E745650-748E-D388-E2B3-F8843D2DEE49}"/>
+              </a:ext>
+            </a:extLst>
+          </p:cNvPr>
+          <p:cNvSpPr/>
+          <p:nvPr/>
+        </p:nvSpPr>
+        <p:spPr>
+          <a:xfrm>
+            <a:off x="5884718" y="3347603"/>
+            <a:ext cx="502228" cy="1319646"/>
+          </a:xfrm>
+          <a:prstGeom prst="downArrow">
+            <a:avLst/>
+          </a:prstGeom>
+        </p:spPr>
+        <p:style>
+          <a:lnRef idx="2">
+            <a:schemeClr val="accent1">
+              <a:shade val="15000"/>
+            </a:schemeClr>
+          </a:lnRef>
+          <a:fillRef idx="1">
+            <a:schemeClr val="accent1"/>
+          </a:fillRef>
+          <a:effectRef idx="0">
+            <a:schemeClr val="accent1"/>
+          </a:effectRef>
+          <a:fontRef idx="minor">
+            <a:schemeClr val="lt1"/>
+          </a:fontRef>
+        </p:style>
+        <p:txBody>
+          <a:bodyPr rtlCol="0" anchor="ctr"/>
+          <a:lstStyle/>
+          <a:p>
+            <a:pPr algn="ctr"/>
+            <a:endParaRPr lang="en-US"/>
+          </a:p>
+        </p:txBody>
+      </p:sp>
+      <p:sp>
+        <p:nvSpPr>
+          <p:cNvPr id="15" name="Up Arrow 14">
+            <a:extLst>
+              <a:ext uri="{FF2B5EF4-FFF2-40B4-BE49-F238E27FC236}">
+                <a16:creationId xmlns:a16="http://schemas.microsoft.com/office/drawing/2014/main" id="{815137B8-907A-A15B-0B96-14F1F6BB862D}"/>
+              </a:ext>
+            </a:extLst>
+          </p:cNvPr>
+          <p:cNvSpPr/>
+          <p:nvPr/>
+        </p:nvSpPr>
+        <p:spPr>
+          <a:xfrm>
+            <a:off x="8745682" y="3316431"/>
+            <a:ext cx="498764" cy="1381990"/>
+          </a:xfrm>
+          <a:prstGeom prst="upArrow">
+            <a:avLst/>
+          </a:prstGeom>
+        </p:spPr>
+        <p:style>
+          <a:lnRef idx="2">
+            <a:schemeClr val="accent1">
+              <a:shade val="15000"/>
+            </a:schemeClr>
+          </a:lnRef>
+          <a:fillRef idx="1">
+            <a:schemeClr val="accent1"/>
+          </a:fillRef>
+          <a:effectRef idx="0">
+            <a:schemeClr val="accent1"/>
+          </a:effectRef>
+          <a:fontRef idx="minor">
+            <a:schemeClr val="lt1"/>
+          </a:fontRef>
+        </p:style>
+        <p:txBody>
+          <a:bodyPr rtlCol="0" anchor="ctr"/>
+          <a:lstStyle/>
+          <a:p>
+            <a:pPr algn="ctr"/>
+            <a:endParaRPr lang="en-US"/>
+          </a:p>
+        </p:txBody>
+      </p:sp>
+      <p:sp>
+        <p:nvSpPr>
+          <p:cNvPr id="16" name="Down Arrow 15">
+            <a:extLst>
+              <a:ext uri="{FF2B5EF4-FFF2-40B4-BE49-F238E27FC236}">
+                <a16:creationId xmlns:a16="http://schemas.microsoft.com/office/drawing/2014/main" id="{6AFC3B49-B8EB-F1D2-6F23-0CE47E372C5E}"/>
+              </a:ext>
+            </a:extLst>
+          </p:cNvPr>
+          <p:cNvSpPr/>
+          <p:nvPr/>
+        </p:nvSpPr>
+        <p:spPr>
+          <a:xfrm>
+            <a:off x="9604663" y="3347603"/>
+            <a:ext cx="502228" cy="1319646"/>
+          </a:xfrm>
+          <a:prstGeom prst="downArrow">
+            <a:avLst/>
+          </a:prstGeom>
+        </p:spPr>
+        <p:style>
+          <a:lnRef idx="2">
+            <a:schemeClr val="accent1">
+              <a:shade val="15000"/>
+            </a:schemeClr>
+          </a:lnRef>
+          <a:fillRef idx="1">
+            <a:schemeClr val="accent1"/>
+          </a:fillRef>
+          <a:effectRef idx="0">
+            <a:schemeClr val="accent1"/>
+          </a:effectRef>
+          <a:fontRef idx="minor">
+            <a:schemeClr val="lt1"/>
+          </a:fontRef>
+        </p:style>
+        <p:txBody>
+          <a:bodyPr rtlCol="0" anchor="ctr"/>
+          <a:lstStyle/>
+          <a:p>
+            <a:pPr algn="ctr"/>
+            <a:endParaRPr lang="en-US"/>
+          </a:p>
+        </p:txBody>
+      </p:sp>
+      <p:sp>
+        <p:nvSpPr>
+          <p:cNvPr id="17" name="Rectangle 16">
+            <a:extLst>
+              <a:ext uri="{FF2B5EF4-FFF2-40B4-BE49-F238E27FC236}">
+                <a16:creationId xmlns:a16="http://schemas.microsoft.com/office/drawing/2014/main" id="{41BB2E7C-054B-A17B-7EDF-615181F273CC}"/>
+              </a:ext>
+            </a:extLst>
+          </p:cNvPr>
+          <p:cNvSpPr/>
+          <p:nvPr/>
+        </p:nvSpPr>
+        <p:spPr>
+          <a:xfrm>
+            <a:off x="221672" y="3522518"/>
+            <a:ext cx="1409701" cy="1080655"/>
+          </a:xfrm>
+          <a:prstGeom prst="rect">
+            <a:avLst/>
+          </a:prstGeom>
+        </p:spPr>
+        <p:style>
+          <a:lnRef idx="2">
+            <a:schemeClr val="accent1">
+              <a:shade val="15000"/>
+            </a:schemeClr>
+          </a:lnRef>
+          <a:fillRef idx="1">
+            <a:schemeClr val="accent1"/>
+          </a:fillRef>
+          <a:effectRef idx="0">
+            <a:schemeClr val="accent1"/>
+          </a:effectRef>
+          <a:fontRef idx="minor">
+            <a:schemeClr val="lt1"/>
+          </a:fontRef>
+        </p:style>
+        <p:txBody>
+          <a:bodyPr rtlCol="0" anchor="ctr"/>
+          <a:lstStyle/>
+          <a:p>
+            <a:pPr algn="ctr"/>
+            <a:r>
+              <a:rPr lang="en-US" dirty="0"/>
+              <a:t>ONLY the DATA, not UI</a:t>
+            </a:r>
+          </a:p>
+        </p:txBody>
+      </p:sp>
+    </p:spTree>
+    <p:extLst>
+      <p:ext uri="{BB962C8B-B14F-4D97-AF65-F5344CB8AC3E}">
+        <p14:creationId xmlns:p14="http://schemas.microsoft.com/office/powerpoint/2010/main" val="1424661798"/>
+      </p:ext>
+    </p:extLst>
+  </p:cSld>
+  <p:clrMapOvr>
+    <a:masterClrMapping/>
+  </p:clrMapOvr>
+</p:sld>
+</file>
+
+<file path=ppt/slides/slide76.xml><?xml version="1.0" encoding="utf-8"?>
+<p:sld xmlns:a="http://schemas.openxmlformats.org/drawingml/2006/main" xmlns:r="http://schemas.openxmlformats.org/officeDocument/2006/relationships" xmlns:p="http://schemas.openxmlformats.org/presentationml/2006/main">
+  <p:cSld>
+    <p:spTree>
+      <p:nvGrpSpPr>
+        <p:cNvPr id="1" name=""/>
+        <p:cNvGrpSpPr/>
+        <p:nvPr/>
+      </p:nvGrpSpPr>
+      <p:grpSpPr>
+        <a:xfrm>
+          <a:off x="0" y="0"/>
+          <a:ext cx="0" cy="0"/>
+          <a:chOff x="0" y="0"/>
+          <a:chExt cx="0" cy="0"/>
+        </a:xfrm>
+      </p:grpSpPr>
+      <p:sp>
+        <p:nvSpPr>
+          <p:cNvPr id="2" name="Title 1">
+            <a:extLst>
+              <a:ext uri="{FF2B5EF4-FFF2-40B4-BE49-F238E27FC236}">
+                <a16:creationId xmlns:a16="http://schemas.microsoft.com/office/drawing/2014/main" id="{1ED04157-ED1C-FC1F-083B-ABA5B6B59B2C}"/>
+              </a:ext>
+            </a:extLst>
+          </p:cNvPr>
+          <p:cNvSpPr>
+            <a:spLocks noGrp="1"/>
+          </p:cNvSpPr>
+          <p:nvPr>
+            <p:ph type="title"/>
+          </p:nvPr>
+        </p:nvSpPr>
+        <p:spPr/>
+        <p:txBody>
+          <a:bodyPr/>
+          <a:lstStyle/>
+          <a:p>
+            <a:pPr algn="ctr"/>
+            <a:r>
+              <a:rPr lang="en-US" dirty="0"/>
+              <a:t>Data Formats</a:t>
+            </a:r>
+          </a:p>
+        </p:txBody>
+      </p:sp>
+      <p:sp>
+        <p:nvSpPr>
+          <p:cNvPr id="4" name="Rectangle 3">
+            <a:extLst>
+              <a:ext uri="{FF2B5EF4-FFF2-40B4-BE49-F238E27FC236}">
+                <a16:creationId xmlns:a16="http://schemas.microsoft.com/office/drawing/2014/main" id="{B4010A48-076C-6A9F-247C-F387DA9E0FFC}"/>
+              </a:ext>
+            </a:extLst>
+          </p:cNvPr>
+          <p:cNvSpPr/>
+          <p:nvPr/>
+        </p:nvSpPr>
+        <p:spPr>
+          <a:xfrm>
+            <a:off x="464127" y="1399742"/>
+            <a:ext cx="2258291" cy="581891"/>
+          </a:xfrm>
+          <a:prstGeom prst="rect">
+            <a:avLst/>
+          </a:prstGeom>
+        </p:spPr>
+        <p:style>
+          <a:lnRef idx="2">
+            <a:schemeClr val="accent1">
+              <a:shade val="15000"/>
+            </a:schemeClr>
+          </a:lnRef>
+          <a:fillRef idx="1">
+            <a:schemeClr val="accent1"/>
+          </a:fillRef>
+          <a:effectRef idx="0">
+            <a:schemeClr val="accent1"/>
+          </a:effectRef>
+          <a:fontRef idx="minor">
+            <a:schemeClr val="lt1"/>
+          </a:fontRef>
+        </p:style>
+        <p:txBody>
+          <a:bodyPr rtlCol="0" anchor="ctr"/>
+          <a:lstStyle/>
+          <a:p>
+            <a:pPr algn="ctr"/>
+            <a:r>
+              <a:rPr lang="en-US" dirty="0"/>
+              <a:t>HTML</a:t>
+            </a:r>
+          </a:p>
+        </p:txBody>
+      </p:sp>
+      <p:sp>
+        <p:nvSpPr>
+          <p:cNvPr id="5" name="Rectangle 4">
+            <a:extLst>
+              <a:ext uri="{FF2B5EF4-FFF2-40B4-BE49-F238E27FC236}">
+                <a16:creationId xmlns:a16="http://schemas.microsoft.com/office/drawing/2014/main" id="{050FB6C1-58B8-7454-3320-CDE1796F7A0A}"/>
+              </a:ext>
+            </a:extLst>
+          </p:cNvPr>
+          <p:cNvSpPr/>
+          <p:nvPr/>
+        </p:nvSpPr>
+        <p:spPr>
+          <a:xfrm>
+            <a:off x="3307773" y="1399742"/>
+            <a:ext cx="2258291" cy="581891"/>
+          </a:xfrm>
+          <a:prstGeom prst="rect">
+            <a:avLst/>
+          </a:prstGeom>
+        </p:spPr>
+        <p:style>
+          <a:lnRef idx="2">
+            <a:schemeClr val="accent1">
+              <a:shade val="15000"/>
+            </a:schemeClr>
+          </a:lnRef>
+          <a:fillRef idx="1">
+            <a:schemeClr val="accent1"/>
+          </a:fillRef>
+          <a:effectRef idx="0">
+            <a:schemeClr val="accent1"/>
+          </a:effectRef>
+          <a:fontRef idx="minor">
+            <a:schemeClr val="lt1"/>
+          </a:fontRef>
+        </p:style>
+        <p:txBody>
+          <a:bodyPr rtlCol="0" anchor="ctr"/>
+          <a:lstStyle/>
+          <a:p>
+            <a:pPr algn="ctr"/>
+            <a:r>
+              <a:rPr lang="en-US" dirty="0"/>
+              <a:t>Plain Text</a:t>
+            </a:r>
+          </a:p>
+        </p:txBody>
+      </p:sp>
+      <p:sp>
+        <p:nvSpPr>
+          <p:cNvPr id="6" name="Rectangle 5">
+            <a:extLst>
+              <a:ext uri="{FF2B5EF4-FFF2-40B4-BE49-F238E27FC236}">
+                <a16:creationId xmlns:a16="http://schemas.microsoft.com/office/drawing/2014/main" id="{6F8CFD9A-1098-F55B-BBAE-E6DDAE297D71}"/>
+              </a:ext>
+            </a:extLst>
+          </p:cNvPr>
+          <p:cNvSpPr/>
+          <p:nvPr/>
+        </p:nvSpPr>
+        <p:spPr>
+          <a:xfrm>
+            <a:off x="6369628" y="1399742"/>
+            <a:ext cx="2258291" cy="581891"/>
+          </a:xfrm>
+          <a:prstGeom prst="rect">
+            <a:avLst/>
+          </a:prstGeom>
+        </p:spPr>
+        <p:style>
+          <a:lnRef idx="2">
+            <a:schemeClr val="accent1">
+              <a:shade val="15000"/>
+            </a:schemeClr>
+          </a:lnRef>
+          <a:fillRef idx="1">
+            <a:schemeClr val="accent1"/>
+          </a:fillRef>
+          <a:effectRef idx="0">
+            <a:schemeClr val="accent1"/>
+          </a:effectRef>
+          <a:fontRef idx="minor">
+            <a:schemeClr val="lt1"/>
+          </a:fontRef>
+        </p:style>
+        <p:txBody>
+          <a:bodyPr rtlCol="0" anchor="ctr"/>
+          <a:lstStyle/>
+          <a:p>
+            <a:pPr algn="ctr"/>
+            <a:r>
+              <a:rPr lang="en-US" dirty="0"/>
+              <a:t>XML</a:t>
+            </a:r>
+          </a:p>
+        </p:txBody>
+      </p:sp>
+      <p:sp>
+        <p:nvSpPr>
+          <p:cNvPr id="7" name="Rectangle 6">
+            <a:extLst>
+              <a:ext uri="{FF2B5EF4-FFF2-40B4-BE49-F238E27FC236}">
+                <a16:creationId xmlns:a16="http://schemas.microsoft.com/office/drawing/2014/main" id="{3141A21E-06B9-DBB7-920C-2A145987817B}"/>
+              </a:ext>
+            </a:extLst>
+          </p:cNvPr>
+          <p:cNvSpPr/>
+          <p:nvPr/>
+        </p:nvSpPr>
+        <p:spPr>
+          <a:xfrm>
+            <a:off x="9680864" y="1399741"/>
+            <a:ext cx="2258291" cy="581891"/>
+          </a:xfrm>
+          <a:prstGeom prst="rect">
+            <a:avLst/>
+          </a:prstGeom>
+        </p:spPr>
+        <p:style>
+          <a:lnRef idx="2">
+            <a:schemeClr val="accent1">
+              <a:shade val="15000"/>
+            </a:schemeClr>
+          </a:lnRef>
+          <a:fillRef idx="1">
+            <a:schemeClr val="accent1"/>
+          </a:fillRef>
+          <a:effectRef idx="0">
+            <a:schemeClr val="accent1"/>
+          </a:effectRef>
+          <a:fontRef idx="minor">
+            <a:schemeClr val="lt1"/>
+          </a:fontRef>
+        </p:style>
+        <p:txBody>
+          <a:bodyPr rtlCol="0" anchor="ctr"/>
+          <a:lstStyle/>
+          <a:p>
+            <a:pPr algn="ctr"/>
+            <a:r>
+              <a:rPr lang="en-US" dirty="0"/>
+              <a:t>JSON</a:t>
+            </a:r>
+          </a:p>
+        </p:txBody>
+      </p:sp>
+      <p:sp>
+        <p:nvSpPr>
+          <p:cNvPr id="9" name="Rectangle 8">
+            <a:extLst>
+              <a:ext uri="{FF2B5EF4-FFF2-40B4-BE49-F238E27FC236}">
+                <a16:creationId xmlns:a16="http://schemas.microsoft.com/office/drawing/2014/main" id="{3D27CE16-C437-7AE8-C157-1613DB5FAE9E}"/>
+              </a:ext>
+            </a:extLst>
+          </p:cNvPr>
+          <p:cNvSpPr/>
+          <p:nvPr/>
+        </p:nvSpPr>
+        <p:spPr>
+          <a:xfrm>
+            <a:off x="464127" y="2143413"/>
+            <a:ext cx="2258291" cy="581891"/>
+          </a:xfrm>
+          <a:prstGeom prst="rect">
+            <a:avLst/>
+          </a:prstGeom>
+        </p:spPr>
+        <p:style>
+          <a:lnRef idx="2">
+            <a:schemeClr val="accent1">
+              <a:shade val="15000"/>
+            </a:schemeClr>
+          </a:lnRef>
+          <a:fillRef idx="1">
+            <a:schemeClr val="accent1"/>
+          </a:fillRef>
+          <a:effectRef idx="0">
+            <a:schemeClr val="accent1"/>
+          </a:effectRef>
+          <a:fontRef idx="minor">
+            <a:schemeClr val="lt1"/>
+          </a:fontRef>
+        </p:style>
+        <p:txBody>
+          <a:bodyPr rtlCol="0" anchor="ctr"/>
+          <a:lstStyle/>
+          <a:p>
+            <a:pPr algn="ctr"/>
+            <a:r>
+              <a:rPr lang="en-US" dirty="0"/>
+              <a:t>&lt;p&gt;Node.js&lt;/p&gt;</a:t>
+            </a:r>
+          </a:p>
+        </p:txBody>
+      </p:sp>
+      <p:sp>
+        <p:nvSpPr>
+          <p:cNvPr id="10" name="Rectangle 9">
+            <a:extLst>
+              <a:ext uri="{FF2B5EF4-FFF2-40B4-BE49-F238E27FC236}">
+                <a16:creationId xmlns:a16="http://schemas.microsoft.com/office/drawing/2014/main" id="{3163CDD5-BDE8-4754-98D6-C8C9DD71263C}"/>
+              </a:ext>
+            </a:extLst>
+          </p:cNvPr>
+          <p:cNvSpPr/>
+          <p:nvPr/>
+        </p:nvSpPr>
+        <p:spPr>
+          <a:xfrm>
+            <a:off x="3307773" y="2143413"/>
+            <a:ext cx="2258291" cy="581891"/>
+          </a:xfrm>
+          <a:prstGeom prst="rect">
+            <a:avLst/>
+          </a:prstGeom>
+        </p:spPr>
+        <p:style>
+          <a:lnRef idx="2">
+            <a:schemeClr val="accent1">
+              <a:shade val="15000"/>
+            </a:schemeClr>
+          </a:lnRef>
+          <a:fillRef idx="1">
+            <a:schemeClr val="accent1"/>
+          </a:fillRef>
+          <a:effectRef idx="0">
+            <a:schemeClr val="accent1"/>
+          </a:effectRef>
+          <a:fontRef idx="minor">
+            <a:schemeClr val="lt1"/>
+          </a:fontRef>
+        </p:style>
+        <p:txBody>
+          <a:bodyPr rtlCol="0" anchor="ctr"/>
+          <a:lstStyle/>
+          <a:p>
+            <a:pPr algn="ctr"/>
+            <a:r>
+              <a:rPr lang="en-US" dirty="0"/>
+              <a:t>Node.js</a:t>
+            </a:r>
+          </a:p>
+        </p:txBody>
+      </p:sp>
+      <p:sp>
+        <p:nvSpPr>
+          <p:cNvPr id="11" name="Rectangle 10">
+            <a:extLst>
+              <a:ext uri="{FF2B5EF4-FFF2-40B4-BE49-F238E27FC236}">
+                <a16:creationId xmlns:a16="http://schemas.microsoft.com/office/drawing/2014/main" id="{97AC2BCC-8ADA-C242-D81C-EBB0419EE0B4}"/>
+              </a:ext>
+            </a:extLst>
+          </p:cNvPr>
+          <p:cNvSpPr/>
+          <p:nvPr/>
+        </p:nvSpPr>
+        <p:spPr>
+          <a:xfrm>
+            <a:off x="6369628" y="2143413"/>
+            <a:ext cx="2258291" cy="581891"/>
+          </a:xfrm>
+          <a:prstGeom prst="rect">
+            <a:avLst/>
+          </a:prstGeom>
+        </p:spPr>
+        <p:style>
+          <a:lnRef idx="2">
+            <a:schemeClr val="accent1">
+              <a:shade val="15000"/>
+            </a:schemeClr>
+          </a:lnRef>
+          <a:fillRef idx="1">
+            <a:schemeClr val="accent1"/>
+          </a:fillRef>
+          <a:effectRef idx="0">
+            <a:schemeClr val="accent1"/>
+          </a:effectRef>
+          <a:fontRef idx="minor">
+            <a:schemeClr val="lt1"/>
+          </a:fontRef>
+        </p:style>
+        <p:txBody>
+          <a:bodyPr rtlCol="0" anchor="ctr"/>
+          <a:lstStyle/>
+          <a:p>
+            <a:pPr algn="ctr"/>
+            <a:r>
+              <a:rPr lang="en-US" sz="1400" dirty="0"/>
+              <a:t>&lt;name&gt;Node.js&lt;/name&gt;</a:t>
+            </a:r>
+          </a:p>
+        </p:txBody>
+      </p:sp>
+      <p:sp>
+        <p:nvSpPr>
+          <p:cNvPr id="12" name="Rectangle 11">
+            <a:extLst>
+              <a:ext uri="{FF2B5EF4-FFF2-40B4-BE49-F238E27FC236}">
+                <a16:creationId xmlns:a16="http://schemas.microsoft.com/office/drawing/2014/main" id="{02E5AEF8-30CE-C616-8E17-E8A86A44312B}"/>
+              </a:ext>
+            </a:extLst>
+          </p:cNvPr>
+          <p:cNvSpPr/>
+          <p:nvPr/>
+        </p:nvSpPr>
+        <p:spPr>
+          <a:xfrm>
+            <a:off x="9680864" y="2143412"/>
+            <a:ext cx="2258291" cy="581891"/>
+          </a:xfrm>
+          <a:prstGeom prst="rect">
+            <a:avLst/>
+          </a:prstGeom>
+        </p:spPr>
+        <p:style>
+          <a:lnRef idx="2">
+            <a:schemeClr val="accent1">
+              <a:shade val="15000"/>
+            </a:schemeClr>
+          </a:lnRef>
+          <a:fillRef idx="1">
+            <a:schemeClr val="accent1"/>
+          </a:fillRef>
+          <a:effectRef idx="0">
+            <a:schemeClr val="accent1"/>
+          </a:effectRef>
+          <a:fontRef idx="minor">
+            <a:schemeClr val="lt1"/>
+          </a:fontRef>
+        </p:style>
+        <p:txBody>
+          <a:bodyPr rtlCol="0" anchor="ctr"/>
+          <a:lstStyle/>
+          <a:p>
+            <a:pPr algn="ctr"/>
+            <a:r>
+              <a:rPr lang="en-US" dirty="0"/>
+              <a:t>{ “title” : ’Node.js’ }</a:t>
+            </a:r>
+          </a:p>
+        </p:txBody>
+      </p:sp>
+      <p:sp>
+        <p:nvSpPr>
+          <p:cNvPr id="13" name="Rectangle 12">
+            <a:extLst>
+              <a:ext uri="{FF2B5EF4-FFF2-40B4-BE49-F238E27FC236}">
+                <a16:creationId xmlns:a16="http://schemas.microsoft.com/office/drawing/2014/main" id="{4ACA0169-7935-5428-9C1D-6E76E6FD0E8D}"/>
+              </a:ext>
+            </a:extLst>
+          </p:cNvPr>
+          <p:cNvSpPr/>
+          <p:nvPr/>
+        </p:nvSpPr>
+        <p:spPr>
+          <a:xfrm>
+            <a:off x="464127" y="3138054"/>
+            <a:ext cx="2258291" cy="581891"/>
+          </a:xfrm>
+          <a:prstGeom prst="rect">
+            <a:avLst/>
+          </a:prstGeom>
+        </p:spPr>
+        <p:style>
+          <a:lnRef idx="2">
+            <a:schemeClr val="accent1">
+              <a:shade val="15000"/>
+            </a:schemeClr>
+          </a:lnRef>
+          <a:fillRef idx="1">
+            <a:schemeClr val="accent1"/>
+          </a:fillRef>
+          <a:effectRef idx="0">
+            <a:schemeClr val="accent1"/>
+          </a:effectRef>
+          <a:fontRef idx="minor">
+            <a:schemeClr val="lt1"/>
+          </a:fontRef>
+        </p:style>
+        <p:txBody>
+          <a:bodyPr rtlCol="0" anchor="ctr"/>
+          <a:lstStyle/>
+          <a:p>
+            <a:pPr algn="ctr"/>
+            <a:r>
+              <a:rPr lang="en-US" dirty="0"/>
+              <a:t>Data + Structure</a:t>
+            </a:r>
+          </a:p>
+        </p:txBody>
+      </p:sp>
+      <p:sp>
+        <p:nvSpPr>
+          <p:cNvPr id="14" name="Rectangle 13">
+            <a:extLst>
+              <a:ext uri="{FF2B5EF4-FFF2-40B4-BE49-F238E27FC236}">
+                <a16:creationId xmlns:a16="http://schemas.microsoft.com/office/drawing/2014/main" id="{78E9B90F-6419-CE95-33D3-FB8651968F02}"/>
+              </a:ext>
+            </a:extLst>
+          </p:cNvPr>
+          <p:cNvSpPr/>
+          <p:nvPr/>
+        </p:nvSpPr>
+        <p:spPr>
+          <a:xfrm>
+            <a:off x="3307773" y="3138054"/>
+            <a:ext cx="2258291" cy="581891"/>
+          </a:xfrm>
+          <a:prstGeom prst="rect">
+            <a:avLst/>
+          </a:prstGeom>
+        </p:spPr>
+        <p:style>
+          <a:lnRef idx="2">
+            <a:schemeClr val="accent1">
+              <a:shade val="15000"/>
+            </a:schemeClr>
+          </a:lnRef>
+          <a:fillRef idx="1">
+            <a:schemeClr val="accent1"/>
+          </a:fillRef>
+          <a:effectRef idx="0">
+            <a:schemeClr val="accent1"/>
+          </a:effectRef>
+          <a:fontRef idx="minor">
+            <a:schemeClr val="lt1"/>
+          </a:fontRef>
+        </p:style>
+        <p:txBody>
+          <a:bodyPr rtlCol="0" anchor="ctr"/>
+          <a:lstStyle/>
+          <a:p>
+            <a:pPr algn="ctr"/>
+            <a:r>
+              <a:rPr lang="en-US" dirty="0"/>
+              <a:t>Data</a:t>
+            </a:r>
+          </a:p>
+        </p:txBody>
+      </p:sp>
+      <p:sp>
+        <p:nvSpPr>
+          <p:cNvPr id="15" name="Rectangle 14">
+            <a:extLst>
+              <a:ext uri="{FF2B5EF4-FFF2-40B4-BE49-F238E27FC236}">
+                <a16:creationId xmlns:a16="http://schemas.microsoft.com/office/drawing/2014/main" id="{951EFDF0-00CB-2BFD-4DA4-DAEA74B1163D}"/>
+              </a:ext>
+            </a:extLst>
+          </p:cNvPr>
+          <p:cNvSpPr/>
+          <p:nvPr/>
+        </p:nvSpPr>
+        <p:spPr>
+          <a:xfrm>
+            <a:off x="6369628" y="3138054"/>
+            <a:ext cx="2258291" cy="581891"/>
+          </a:xfrm>
+          <a:prstGeom prst="rect">
+            <a:avLst/>
+          </a:prstGeom>
+        </p:spPr>
+        <p:style>
+          <a:lnRef idx="2">
+            <a:schemeClr val="accent1">
+              <a:shade val="15000"/>
+            </a:schemeClr>
+          </a:lnRef>
+          <a:fillRef idx="1">
+            <a:schemeClr val="accent1"/>
+          </a:fillRef>
+          <a:effectRef idx="0">
+            <a:schemeClr val="accent1"/>
+          </a:effectRef>
+          <a:fontRef idx="minor">
+            <a:schemeClr val="lt1"/>
+          </a:fontRef>
+        </p:style>
+        <p:txBody>
+          <a:bodyPr rtlCol="0" anchor="ctr"/>
+          <a:lstStyle/>
+          <a:p>
+            <a:pPr algn="ctr"/>
+            <a:r>
+              <a:rPr lang="en-US" dirty="0"/>
+              <a:t>Data</a:t>
+            </a:r>
+          </a:p>
+        </p:txBody>
+      </p:sp>
+      <p:sp>
+        <p:nvSpPr>
+          <p:cNvPr id="16" name="Rectangle 15">
+            <a:extLst>
+              <a:ext uri="{FF2B5EF4-FFF2-40B4-BE49-F238E27FC236}">
+                <a16:creationId xmlns:a16="http://schemas.microsoft.com/office/drawing/2014/main" id="{22EBEBC4-97BD-DE47-3F76-97220B4D7754}"/>
+              </a:ext>
+            </a:extLst>
+          </p:cNvPr>
+          <p:cNvSpPr/>
+          <p:nvPr/>
+        </p:nvSpPr>
+        <p:spPr>
+          <a:xfrm>
+            <a:off x="9680864" y="3138053"/>
+            <a:ext cx="2258291" cy="581891"/>
+          </a:xfrm>
+          <a:prstGeom prst="rect">
+            <a:avLst/>
+          </a:prstGeom>
+        </p:spPr>
+        <p:style>
+          <a:lnRef idx="2">
+            <a:schemeClr val="accent1">
+              <a:shade val="15000"/>
+            </a:schemeClr>
+          </a:lnRef>
+          <a:fillRef idx="1">
+            <a:schemeClr val="accent1"/>
+          </a:fillRef>
+          <a:effectRef idx="0">
+            <a:schemeClr val="accent1"/>
+          </a:effectRef>
+          <a:fontRef idx="minor">
+            <a:schemeClr val="lt1"/>
+          </a:fontRef>
+        </p:style>
+        <p:txBody>
+          <a:bodyPr rtlCol="0" anchor="ctr"/>
+          <a:lstStyle/>
+          <a:p>
+            <a:pPr algn="ctr"/>
+            <a:r>
+              <a:rPr lang="en-US" dirty="0"/>
+              <a:t>Data</a:t>
+            </a:r>
+          </a:p>
+        </p:txBody>
+      </p:sp>
+      <p:sp>
+        <p:nvSpPr>
+          <p:cNvPr id="17" name="Rectangle 16">
+            <a:extLst>
+              <a:ext uri="{FF2B5EF4-FFF2-40B4-BE49-F238E27FC236}">
+                <a16:creationId xmlns:a16="http://schemas.microsoft.com/office/drawing/2014/main" id="{BC539A40-4E6B-F4AA-B9DF-76BE296E000C}"/>
+              </a:ext>
+            </a:extLst>
+          </p:cNvPr>
+          <p:cNvSpPr/>
+          <p:nvPr/>
+        </p:nvSpPr>
+        <p:spPr>
+          <a:xfrm>
+            <a:off x="464127" y="4378469"/>
+            <a:ext cx="2258291" cy="581891"/>
+          </a:xfrm>
+          <a:prstGeom prst="rect">
+            <a:avLst/>
+          </a:prstGeom>
+        </p:spPr>
+        <p:style>
+          <a:lnRef idx="2">
+            <a:schemeClr val="accent1">
+              <a:shade val="15000"/>
+            </a:schemeClr>
+          </a:lnRef>
+          <a:fillRef idx="1">
+            <a:schemeClr val="accent1"/>
+          </a:fillRef>
+          <a:effectRef idx="0">
+            <a:schemeClr val="accent1"/>
+          </a:effectRef>
+          <a:fontRef idx="minor">
+            <a:schemeClr val="lt1"/>
+          </a:fontRef>
+        </p:style>
+        <p:txBody>
+          <a:bodyPr rtlCol="0" anchor="ctr"/>
+          <a:lstStyle/>
+          <a:p>
+            <a:pPr algn="ctr"/>
+            <a:r>
+              <a:rPr lang="en-US" dirty="0"/>
+              <a:t>Contains User Interface</a:t>
+            </a:r>
+          </a:p>
+        </p:txBody>
+      </p:sp>
+      <p:sp>
+        <p:nvSpPr>
+          <p:cNvPr id="18" name="Rectangle 17">
+            <a:extLst>
+              <a:ext uri="{FF2B5EF4-FFF2-40B4-BE49-F238E27FC236}">
+                <a16:creationId xmlns:a16="http://schemas.microsoft.com/office/drawing/2014/main" id="{CF29318F-8F86-CBE0-3381-FEFEBECF6D5A}"/>
+              </a:ext>
+            </a:extLst>
+          </p:cNvPr>
+          <p:cNvSpPr/>
+          <p:nvPr/>
+        </p:nvSpPr>
+        <p:spPr>
+          <a:xfrm>
+            <a:off x="3307773" y="4378469"/>
+            <a:ext cx="2258291" cy="581891"/>
+          </a:xfrm>
+          <a:prstGeom prst="rect">
+            <a:avLst/>
+          </a:prstGeom>
+        </p:spPr>
+        <p:style>
+          <a:lnRef idx="2">
+            <a:schemeClr val="accent1">
+              <a:shade val="15000"/>
+            </a:schemeClr>
+          </a:lnRef>
+          <a:fillRef idx="1">
+            <a:schemeClr val="accent1"/>
+          </a:fillRef>
+          <a:effectRef idx="0">
+            <a:schemeClr val="accent1"/>
+          </a:effectRef>
+          <a:fontRef idx="minor">
+            <a:schemeClr val="lt1"/>
+          </a:fontRef>
+        </p:style>
+        <p:txBody>
+          <a:bodyPr rtlCol="0" anchor="ctr"/>
+          <a:lstStyle/>
+          <a:p>
+            <a:pPr algn="ctr"/>
+            <a:r>
+              <a:rPr lang="en-US" dirty="0"/>
+              <a:t>No UI</a:t>
+            </a:r>
+          </a:p>
+        </p:txBody>
+      </p:sp>
+      <p:sp>
+        <p:nvSpPr>
+          <p:cNvPr id="19" name="Rectangle 18">
+            <a:extLst>
+              <a:ext uri="{FF2B5EF4-FFF2-40B4-BE49-F238E27FC236}">
+                <a16:creationId xmlns:a16="http://schemas.microsoft.com/office/drawing/2014/main" id="{947FB85A-38ED-1AC0-072D-3F2B56169A95}"/>
+              </a:ext>
+            </a:extLst>
+          </p:cNvPr>
+          <p:cNvSpPr/>
+          <p:nvPr/>
+        </p:nvSpPr>
+        <p:spPr>
+          <a:xfrm>
+            <a:off x="6369628" y="4378469"/>
+            <a:ext cx="2258291" cy="581891"/>
+          </a:xfrm>
+          <a:prstGeom prst="rect">
+            <a:avLst/>
+          </a:prstGeom>
+        </p:spPr>
+        <p:style>
+          <a:lnRef idx="2">
+            <a:schemeClr val="accent1">
+              <a:shade val="15000"/>
+            </a:schemeClr>
+          </a:lnRef>
+          <a:fillRef idx="1">
+            <a:schemeClr val="accent1"/>
+          </a:fillRef>
+          <a:effectRef idx="0">
+            <a:schemeClr val="accent1"/>
+          </a:effectRef>
+          <a:fontRef idx="minor">
+            <a:schemeClr val="lt1"/>
+          </a:fontRef>
+        </p:style>
+        <p:txBody>
+          <a:bodyPr rtlCol="0" anchor="ctr"/>
+          <a:lstStyle/>
+          <a:p>
+            <a:pPr algn="ctr"/>
+            <a:r>
+              <a:rPr lang="en-US" dirty="0"/>
+              <a:t>No UI</a:t>
+            </a:r>
+          </a:p>
+        </p:txBody>
+      </p:sp>
+      <p:sp>
+        <p:nvSpPr>
+          <p:cNvPr id="20" name="Rectangle 19">
+            <a:extLst>
+              <a:ext uri="{FF2B5EF4-FFF2-40B4-BE49-F238E27FC236}">
+                <a16:creationId xmlns:a16="http://schemas.microsoft.com/office/drawing/2014/main" id="{7987095C-508F-6C8A-3696-A3BCF49D669E}"/>
+              </a:ext>
+            </a:extLst>
+          </p:cNvPr>
+          <p:cNvSpPr/>
+          <p:nvPr/>
+        </p:nvSpPr>
+        <p:spPr>
+          <a:xfrm>
+            <a:off x="9680864" y="4378468"/>
+            <a:ext cx="2258291" cy="581891"/>
+          </a:xfrm>
+          <a:prstGeom prst="rect">
+            <a:avLst/>
+          </a:prstGeom>
+        </p:spPr>
+        <p:style>
+          <a:lnRef idx="2">
+            <a:schemeClr val="accent1">
+              <a:shade val="15000"/>
+            </a:schemeClr>
+          </a:lnRef>
+          <a:fillRef idx="1">
+            <a:schemeClr val="accent1"/>
+          </a:fillRef>
+          <a:effectRef idx="0">
+            <a:schemeClr val="accent1"/>
+          </a:effectRef>
+          <a:fontRef idx="minor">
+            <a:schemeClr val="lt1"/>
+          </a:fontRef>
+        </p:style>
+        <p:txBody>
+          <a:bodyPr rtlCol="0" anchor="ctr"/>
+          <a:lstStyle/>
+          <a:p>
+            <a:pPr algn="ctr"/>
+            <a:r>
+              <a:rPr lang="en-US" dirty="0"/>
+              <a:t>No UI</a:t>
+            </a:r>
+          </a:p>
+        </p:txBody>
+      </p:sp>
+      <p:sp>
+        <p:nvSpPr>
+          <p:cNvPr id="21" name="Rectangle 20">
+            <a:extLst>
+              <a:ext uri="{FF2B5EF4-FFF2-40B4-BE49-F238E27FC236}">
+                <a16:creationId xmlns:a16="http://schemas.microsoft.com/office/drawing/2014/main" id="{E6C9F050-2C5E-D4B8-B8F5-EA0C7D796483}"/>
+              </a:ext>
+            </a:extLst>
+          </p:cNvPr>
+          <p:cNvSpPr/>
+          <p:nvPr/>
+        </p:nvSpPr>
+        <p:spPr>
+          <a:xfrm>
+            <a:off x="464127" y="5327937"/>
+            <a:ext cx="2258291" cy="1164938"/>
+          </a:xfrm>
+          <a:prstGeom prst="rect">
+            <a:avLst/>
+          </a:prstGeom>
+        </p:spPr>
+        <p:style>
+          <a:lnRef idx="2">
+            <a:schemeClr val="accent1">
+              <a:shade val="15000"/>
+            </a:schemeClr>
+          </a:lnRef>
+          <a:fillRef idx="1">
+            <a:schemeClr val="accent1"/>
+          </a:fillRef>
+          <a:effectRef idx="0">
+            <a:schemeClr val="accent1"/>
+          </a:effectRef>
+          <a:fontRef idx="minor">
+            <a:schemeClr val="lt1"/>
+          </a:fontRef>
+        </p:style>
+        <p:txBody>
+          <a:bodyPr rtlCol="0" anchor="ctr"/>
+          <a:lstStyle/>
+          <a:p>
+            <a:pPr algn="ctr"/>
+            <a:r>
+              <a:rPr lang="en-US" dirty="0"/>
+              <a:t>Unnecessarily difficult to parse if you just need the data</a:t>
+            </a:r>
+          </a:p>
+        </p:txBody>
+      </p:sp>
+      <p:sp>
+        <p:nvSpPr>
+          <p:cNvPr id="22" name="Rectangle 21">
+            <a:extLst>
+              <a:ext uri="{FF2B5EF4-FFF2-40B4-BE49-F238E27FC236}">
+                <a16:creationId xmlns:a16="http://schemas.microsoft.com/office/drawing/2014/main" id="{24A488E4-A2BE-F743-0F63-78FA3766512A}"/>
+              </a:ext>
+            </a:extLst>
+          </p:cNvPr>
+          <p:cNvSpPr/>
+          <p:nvPr/>
+        </p:nvSpPr>
+        <p:spPr>
+          <a:xfrm>
+            <a:off x="3307773" y="5327937"/>
+            <a:ext cx="2258291" cy="1164938"/>
+          </a:xfrm>
+          <a:prstGeom prst="rect">
+            <a:avLst/>
+          </a:prstGeom>
+        </p:spPr>
+        <p:style>
+          <a:lnRef idx="2">
+            <a:schemeClr val="accent1">
+              <a:shade val="15000"/>
+            </a:schemeClr>
+          </a:lnRef>
+          <a:fillRef idx="1">
+            <a:schemeClr val="accent1"/>
+          </a:fillRef>
+          <a:effectRef idx="0">
+            <a:schemeClr val="accent1"/>
+          </a:effectRef>
+          <a:fontRef idx="minor">
+            <a:schemeClr val="lt1"/>
+          </a:fontRef>
+        </p:style>
+        <p:txBody>
+          <a:bodyPr rtlCol="0" anchor="ctr"/>
+          <a:lstStyle/>
+          <a:p>
+            <a:pPr algn="ctr"/>
+            <a:r>
+              <a:rPr lang="en-US" dirty="0"/>
+              <a:t>Unnecessarily difficult to parse, no clear data structure</a:t>
+            </a:r>
+          </a:p>
+        </p:txBody>
+      </p:sp>
+      <p:sp>
+        <p:nvSpPr>
+          <p:cNvPr id="23" name="Rectangle 22">
+            <a:extLst>
+              <a:ext uri="{FF2B5EF4-FFF2-40B4-BE49-F238E27FC236}">
+                <a16:creationId xmlns:a16="http://schemas.microsoft.com/office/drawing/2014/main" id="{CA4E255A-2362-D0E8-F3FE-89F3550ED60A}"/>
+              </a:ext>
+            </a:extLst>
+          </p:cNvPr>
+          <p:cNvSpPr/>
+          <p:nvPr/>
+        </p:nvSpPr>
+        <p:spPr>
+          <a:xfrm>
+            <a:off x="6369628" y="5327937"/>
+            <a:ext cx="2258291" cy="1164938"/>
+          </a:xfrm>
+          <a:prstGeom prst="rect">
+            <a:avLst/>
+          </a:prstGeom>
+        </p:spPr>
+        <p:style>
+          <a:lnRef idx="2">
+            <a:schemeClr val="accent1">
+              <a:shade val="15000"/>
+            </a:schemeClr>
+          </a:lnRef>
+          <a:fillRef idx="1">
+            <a:schemeClr val="accent1"/>
+          </a:fillRef>
+          <a:effectRef idx="0">
+            <a:schemeClr val="accent1"/>
+          </a:effectRef>
+          <a:fontRef idx="minor">
+            <a:schemeClr val="lt1"/>
+          </a:fontRef>
+        </p:style>
+        <p:txBody>
+          <a:bodyPr rtlCol="0" anchor="ctr"/>
+          <a:lstStyle/>
+          <a:p>
+            <a:pPr algn="ctr"/>
+            <a:r>
+              <a:rPr lang="en-US" dirty="0"/>
+              <a:t>Machine-readable but relatively verbose; XML-parser needed</a:t>
+            </a:r>
+          </a:p>
+        </p:txBody>
+      </p:sp>
+      <p:sp>
+        <p:nvSpPr>
+          <p:cNvPr id="24" name="Rectangle 23">
+            <a:extLst>
+              <a:ext uri="{FF2B5EF4-FFF2-40B4-BE49-F238E27FC236}">
+                <a16:creationId xmlns:a16="http://schemas.microsoft.com/office/drawing/2014/main" id="{74CD8C83-BF0D-B35B-E17C-5E878F94D6D3}"/>
+              </a:ext>
+            </a:extLst>
+          </p:cNvPr>
+          <p:cNvSpPr/>
+          <p:nvPr/>
+        </p:nvSpPr>
+        <p:spPr>
+          <a:xfrm>
+            <a:off x="9680864" y="5327936"/>
+            <a:ext cx="2258291" cy="1164938"/>
+          </a:xfrm>
+          <a:prstGeom prst="rect">
+            <a:avLst/>
+          </a:prstGeom>
+        </p:spPr>
+        <p:style>
+          <a:lnRef idx="2">
+            <a:schemeClr val="accent1">
+              <a:shade val="15000"/>
+            </a:schemeClr>
+          </a:lnRef>
+          <a:fillRef idx="1">
+            <a:schemeClr val="accent1"/>
+          </a:fillRef>
+          <a:effectRef idx="0">
+            <a:schemeClr val="accent1"/>
+          </a:effectRef>
+          <a:fontRef idx="minor">
+            <a:schemeClr val="lt1"/>
+          </a:fontRef>
+        </p:style>
+        <p:txBody>
+          <a:bodyPr rtlCol="0" anchor="ctr"/>
+          <a:lstStyle/>
+          <a:p>
+            <a:pPr algn="ctr"/>
+            <a:r>
+              <a:rPr lang="en-US" dirty="0"/>
+              <a:t>Machine-readable and concise; can easily be converted to JavaScript</a:t>
+            </a:r>
+          </a:p>
+        </p:txBody>
+      </p:sp>
+    </p:spTree>
+    <p:extLst>
+      <p:ext uri="{BB962C8B-B14F-4D97-AF65-F5344CB8AC3E}">
+        <p14:creationId xmlns:p14="http://schemas.microsoft.com/office/powerpoint/2010/main" val="653664493"/>
+      </p:ext>
+    </p:extLst>
+  </p:cSld>
+  <p:clrMapOvr>
+    <a:masterClrMapping/>
+  </p:clrMapOvr>
+</p:sld>
+</file>
+
+<file path=ppt/slides/slide77.xml><?xml version="1.0" encoding="utf-8"?>
+<p:sld xmlns:a="http://schemas.openxmlformats.org/drawingml/2006/main" xmlns:r="http://schemas.openxmlformats.org/officeDocument/2006/relationships" xmlns:p="http://schemas.openxmlformats.org/presentationml/2006/main">
+  <p:cSld>
+    <p:spTree>
+      <p:nvGrpSpPr>
+        <p:cNvPr id="1" name=""/>
+        <p:cNvGrpSpPr/>
+        <p:nvPr/>
+      </p:nvGrpSpPr>
+      <p:grpSpPr>
+        <a:xfrm>
+          <a:off x="0" y="0"/>
+          <a:ext cx="0" cy="0"/>
+          <a:chOff x="0" y="0"/>
+          <a:chExt cx="0" cy="0"/>
+        </a:xfrm>
+      </p:grpSpPr>
+      <p:sp>
+        <p:nvSpPr>
+          <p:cNvPr id="2" name="Title 1">
+            <a:extLst>
+              <a:ext uri="{FF2B5EF4-FFF2-40B4-BE49-F238E27FC236}">
+                <a16:creationId xmlns:a16="http://schemas.microsoft.com/office/drawing/2014/main" id="{0E15D1EC-6FED-78E4-8206-90519FB3EB6F}"/>
+              </a:ext>
+            </a:extLst>
+          </p:cNvPr>
+          <p:cNvSpPr>
+            <a:spLocks noGrp="1"/>
+          </p:cNvSpPr>
+          <p:nvPr>
+            <p:ph type="title"/>
+          </p:nvPr>
+        </p:nvSpPr>
+        <p:spPr/>
+        <p:txBody>
+          <a:bodyPr/>
+          <a:lstStyle/>
+          <a:p>
+            <a:r>
+              <a:rPr lang="en-US" dirty="0"/>
+              <a:t>http Methods</a:t>
+            </a:r>
+          </a:p>
+        </p:txBody>
+      </p:sp>
+      <p:sp>
+        <p:nvSpPr>
+          <p:cNvPr id="3" name="Content Placeholder 2">
+            <a:extLst>
+              <a:ext uri="{FF2B5EF4-FFF2-40B4-BE49-F238E27FC236}">
+                <a16:creationId xmlns:a16="http://schemas.microsoft.com/office/drawing/2014/main" id="{3130E98C-84B1-CBDE-9B08-804E2A01FE8F}"/>
+              </a:ext>
+            </a:extLst>
+          </p:cNvPr>
+          <p:cNvSpPr>
+            <a:spLocks noGrp="1"/>
+          </p:cNvSpPr>
+          <p:nvPr>
+            <p:ph idx="1"/>
+          </p:nvPr>
+        </p:nvSpPr>
+        <p:spPr/>
+        <p:txBody>
+          <a:bodyPr/>
+          <a:lstStyle/>
+          <a:p>
+            <a:r>
+              <a:rPr lang="en-US" dirty="0"/>
+              <a:t>GET – Get a Resource from the Server</a:t>
+            </a:r>
+          </a:p>
+          <a:p>
+            <a:r>
+              <a:rPr lang="en-US" dirty="0"/>
+              <a:t>POST – Post a Resource to the Server (i.e. create or append Resource)</a:t>
+            </a:r>
+          </a:p>
+          <a:p>
+            <a:r>
+              <a:rPr lang="en-US" dirty="0"/>
+              <a:t>DELETE – Delete a Resource on the Server</a:t>
+            </a:r>
+          </a:p>
+          <a:p>
+            <a:r>
+              <a:rPr lang="en-US" dirty="0"/>
+              <a:t>PUT – put a Resource on to the server (overwrite)</a:t>
+            </a:r>
+          </a:p>
+          <a:p>
+            <a:r>
+              <a:rPr lang="en-US" dirty="0"/>
+              <a:t>PATCH – update parts of an existing Resource on the Server</a:t>
+            </a:r>
+          </a:p>
+          <a:p>
+            <a:r>
+              <a:rPr lang="en-US" dirty="0"/>
+              <a:t>OPTIONS – Determine whether follow-up Request is allowed (sent automatically)</a:t>
+            </a:r>
+          </a:p>
+        </p:txBody>
+      </p:sp>
+    </p:spTree>
+    <p:extLst>
+      <p:ext uri="{BB962C8B-B14F-4D97-AF65-F5344CB8AC3E}">
+        <p14:creationId xmlns:p14="http://schemas.microsoft.com/office/powerpoint/2010/main" val="3977798894"/>
+      </p:ext>
+    </p:extLst>
+  </p:cSld>
+  <p:clrMapOvr>
+    <a:masterClrMapping/>
+  </p:clrMapOvr>
+</p:sld>
+</file>
+
+<file path=ppt/slides/slide78.xml><?xml version="1.0" encoding="utf-8"?>
+<p:sld xmlns:a="http://schemas.openxmlformats.org/drawingml/2006/main" xmlns:r="http://schemas.openxmlformats.org/officeDocument/2006/relationships" xmlns:p="http://schemas.openxmlformats.org/presentationml/2006/main">
+  <p:cSld>
+    <p:spTree>
+      <p:nvGrpSpPr>
+        <p:cNvPr id="1" name=""/>
+        <p:cNvGrpSpPr/>
+        <p:nvPr/>
+      </p:nvGrpSpPr>
+      <p:grpSpPr>
+        <a:xfrm>
+          <a:off x="0" y="0"/>
+          <a:ext cx="0" cy="0"/>
+          <a:chOff x="0" y="0"/>
+          <a:chExt cx="0" cy="0"/>
+        </a:xfrm>
+      </p:grpSpPr>
+      <p:sp>
+        <p:nvSpPr>
+          <p:cNvPr id="2" name="Title 1">
+            <a:extLst>
+              <a:ext uri="{FF2B5EF4-FFF2-40B4-BE49-F238E27FC236}">
+                <a16:creationId xmlns:a16="http://schemas.microsoft.com/office/drawing/2014/main" id="{77F7E06B-15A8-55AF-EED2-EE1F92E4A734}"/>
+              </a:ext>
+            </a:extLst>
+          </p:cNvPr>
+          <p:cNvSpPr>
+            <a:spLocks noGrp="1"/>
+          </p:cNvSpPr>
+          <p:nvPr>
+            <p:ph type="title"/>
+          </p:nvPr>
+        </p:nvSpPr>
+        <p:spPr/>
+        <p:txBody>
+          <a:bodyPr/>
+          <a:lstStyle/>
+          <a:p>
+            <a:r>
+              <a:rPr lang="en-US" dirty="0"/>
+              <a:t>Rest Concepts &amp; Ideas</a:t>
+            </a:r>
+          </a:p>
+        </p:txBody>
+      </p:sp>
+      <p:sp>
+        <p:nvSpPr>
+          <p:cNvPr id="3" name="Content Placeholder 2">
+            <a:extLst>
+              <a:ext uri="{FF2B5EF4-FFF2-40B4-BE49-F238E27FC236}">
+                <a16:creationId xmlns:a16="http://schemas.microsoft.com/office/drawing/2014/main" id="{FC26D4CB-1B23-95CB-1F4B-FD749A5B5EBC}"/>
+              </a:ext>
+            </a:extLst>
+          </p:cNvPr>
+          <p:cNvSpPr>
+            <a:spLocks noGrp="1"/>
+          </p:cNvSpPr>
+          <p:nvPr>
+            <p:ph idx="1"/>
+          </p:nvPr>
+        </p:nvSpPr>
+        <p:spPr/>
+        <p:txBody>
+          <a:bodyPr/>
+          <a:lstStyle/>
+          <a:p>
+            <a:r>
+              <a:rPr lang="en-US" dirty="0"/>
+              <a:t>REST APIs are all about data, no UI logic is exchanged</a:t>
+            </a:r>
+          </a:p>
+          <a:p>
+            <a:r>
+              <a:rPr lang="en-US" dirty="0"/>
+              <a:t>Are normal Node servers which expose different endpoints (</a:t>
+            </a:r>
+            <a:r>
+              <a:rPr lang="en-US" dirty="0" err="1"/>
+              <a:t>Htt</a:t>
+            </a:r>
+            <a:r>
+              <a:rPr lang="en-US" dirty="0"/>
+              <a:t> method + path) for clients to end requests.</a:t>
+            </a:r>
+          </a:p>
+          <a:p>
+            <a:r>
+              <a:rPr lang="en-US" dirty="0"/>
+              <a:t> JSON is the common data format that is used both for requests and responses</a:t>
+            </a:r>
+          </a:p>
+          <a:p>
+            <a:r>
+              <a:rPr lang="en-US" dirty="0"/>
+              <a:t>REST APIs are decoupled from the clients that use them</a:t>
+            </a:r>
+          </a:p>
+        </p:txBody>
+      </p:sp>
+    </p:spTree>
+    <p:extLst>
+      <p:ext uri="{BB962C8B-B14F-4D97-AF65-F5344CB8AC3E}">
+        <p14:creationId xmlns:p14="http://schemas.microsoft.com/office/powerpoint/2010/main" val="1877558566"/>
+      </p:ext>
+    </p:extLst>
+  </p:cSld>
+  <p:clrMapOvr>
+    <a:masterClrMapping/>
+  </p:clrMapOvr>
+</p:sld>
+</file>
+
+<file path=ppt/slides/slide79.xml><?xml version="1.0" encoding="utf-8"?>
+<p:sld xmlns:a="http://schemas.openxmlformats.org/drawingml/2006/main" xmlns:r="http://schemas.openxmlformats.org/officeDocument/2006/relationships" xmlns:p="http://schemas.openxmlformats.org/presentationml/2006/main">
+  <p:cSld>
+    <p:spTree>
+      <p:nvGrpSpPr>
+        <p:cNvPr id="1" name=""/>
+        <p:cNvGrpSpPr/>
+        <p:nvPr/>
+      </p:nvGrpSpPr>
+      <p:grpSpPr>
+        <a:xfrm>
+          <a:off x="0" y="0"/>
+          <a:ext cx="0" cy="0"/>
+          <a:chOff x="0" y="0"/>
+          <a:chExt cx="0" cy="0"/>
+        </a:xfrm>
+      </p:grpSpPr>
+      <p:sp>
+        <p:nvSpPr>
+          <p:cNvPr id="2" name="Title 1">
+            <a:extLst>
+              <a:ext uri="{FF2B5EF4-FFF2-40B4-BE49-F238E27FC236}">
+                <a16:creationId xmlns:a16="http://schemas.microsoft.com/office/drawing/2014/main" id="{97B2350A-F7A9-E618-8E3A-F4A996343D7C}"/>
+              </a:ext>
+            </a:extLst>
+          </p:cNvPr>
+          <p:cNvSpPr>
+            <a:spLocks noGrp="1"/>
+          </p:cNvSpPr>
+          <p:nvPr>
+            <p:ph type="title"/>
+          </p:nvPr>
+        </p:nvSpPr>
+        <p:spPr/>
+        <p:txBody>
+          <a:bodyPr/>
+          <a:lstStyle/>
+          <a:p>
+            <a:r>
+              <a:rPr lang="en-US" dirty="0"/>
+              <a:t>Requests &amp; Responses</a:t>
+            </a:r>
+          </a:p>
+        </p:txBody>
+      </p:sp>
+      <p:sp>
+        <p:nvSpPr>
+          <p:cNvPr id="3" name="Content Placeholder 2">
+            <a:extLst>
+              <a:ext uri="{FF2B5EF4-FFF2-40B4-BE49-F238E27FC236}">
+                <a16:creationId xmlns:a16="http://schemas.microsoft.com/office/drawing/2014/main" id="{CF0DDD9A-5579-B8C4-A943-07E63E7CB879}"/>
+              </a:ext>
+            </a:extLst>
+          </p:cNvPr>
+          <p:cNvSpPr>
+            <a:spLocks noGrp="1"/>
+          </p:cNvSpPr>
+          <p:nvPr>
+            <p:ph idx="1"/>
+          </p:nvPr>
+        </p:nvSpPr>
+        <p:spPr/>
+        <p:txBody>
+          <a:bodyPr/>
+          <a:lstStyle/>
+          <a:p>
+            <a:r>
+              <a:rPr lang="en-US" dirty="0"/>
+              <a:t>Attach data in JSON format and let the other end know by setting the ‘Content-Type’ header</a:t>
+            </a:r>
+          </a:p>
+          <a:p>
+            <a:r>
+              <a:rPr lang="en-US" dirty="0"/>
+              <a:t>CORS errors occur when using an API that does not set CORS headers</a:t>
+            </a:r>
+          </a:p>
+          <a:p>
+            <a:endParaRPr lang="en-US" dirty="0"/>
+          </a:p>
+        </p:txBody>
+      </p:sp>
+    </p:spTree>
+    <p:extLst>
+      <p:ext uri="{BB962C8B-B14F-4D97-AF65-F5344CB8AC3E}">
+        <p14:creationId xmlns:p14="http://schemas.microsoft.com/office/powerpoint/2010/main" val="4105086368"/>
+      </p:ext>
+    </p:extLst>
+  </p:cSld>
+  <p:clrMapOvr>
+    <a:masterClrMapping/>
+  </p:clrMapOvr>
+</p:sld>
+</file>
+
 <file path=ppt/slides/slide8.xml><?xml version="1.0" encoding="utf-8"?>
 <p:sld xmlns:a="http://schemas.openxmlformats.org/drawingml/2006/main" xmlns:r="http://schemas.openxmlformats.org/officeDocument/2006/relationships" xmlns:p="http://schemas.openxmlformats.org/presentationml/2006/main">
   <p:cSld>
@@ -20043,6 +22270,1379 @@
     <p:extLst>
       <p:ext uri="{BB962C8B-B14F-4D97-AF65-F5344CB8AC3E}">
         <p14:creationId xmlns:p14="http://schemas.microsoft.com/office/powerpoint/2010/main" val="3907383161"/>
+      </p:ext>
+    </p:extLst>
+  </p:cSld>
+  <p:clrMapOvr>
+    <a:masterClrMapping/>
+  </p:clrMapOvr>
+</p:sld>
+</file>
+
+<file path=ppt/slides/slide80.xml><?xml version="1.0" encoding="utf-8"?>
+<p:sld xmlns:a="http://schemas.openxmlformats.org/drawingml/2006/main" xmlns:r="http://schemas.openxmlformats.org/officeDocument/2006/relationships" xmlns:p="http://schemas.openxmlformats.org/presentationml/2006/main">
+  <p:cSld>
+    <p:spTree>
+      <p:nvGrpSpPr>
+        <p:cNvPr id="1" name=""/>
+        <p:cNvGrpSpPr/>
+        <p:nvPr/>
+      </p:nvGrpSpPr>
+      <p:grpSpPr>
+        <a:xfrm>
+          <a:off x="0" y="0"/>
+          <a:ext cx="0" cy="0"/>
+          <a:chOff x="0" y="0"/>
+          <a:chExt cx="0" cy="0"/>
+        </a:xfrm>
+      </p:grpSpPr>
+      <p:sp>
+        <p:nvSpPr>
+          <p:cNvPr id="2" name="Title 1">
+            <a:extLst>
+              <a:ext uri="{FF2B5EF4-FFF2-40B4-BE49-F238E27FC236}">
+                <a16:creationId xmlns:a16="http://schemas.microsoft.com/office/drawing/2014/main" id="{A7913BE1-CEED-82E0-45E3-B16952EB355B}"/>
+              </a:ext>
+            </a:extLst>
+          </p:cNvPr>
+          <p:cNvSpPr>
+            <a:spLocks noGrp="1"/>
+          </p:cNvSpPr>
+          <p:nvPr>
+            <p:ph type="title"/>
+          </p:nvPr>
+        </p:nvSpPr>
+        <p:spPr/>
+        <p:txBody>
+          <a:bodyPr/>
+          <a:lstStyle/>
+          <a:p>
+            <a:r>
+              <a:rPr lang="en-US" dirty="0"/>
+              <a:t>REST Principles</a:t>
+            </a:r>
+          </a:p>
+        </p:txBody>
+      </p:sp>
+      <p:sp>
+        <p:nvSpPr>
+          <p:cNvPr id="3" name="Content Placeholder 2">
+            <a:extLst>
+              <a:ext uri="{FF2B5EF4-FFF2-40B4-BE49-F238E27FC236}">
+                <a16:creationId xmlns:a16="http://schemas.microsoft.com/office/drawing/2014/main" id="{0B5DBC82-7823-9DE5-E3ED-19CB237490E2}"/>
+              </a:ext>
+            </a:extLst>
+          </p:cNvPr>
+          <p:cNvSpPr>
+            <a:spLocks noGrp="1"/>
+          </p:cNvSpPr>
+          <p:nvPr>
+            <p:ph idx="1"/>
+          </p:nvPr>
+        </p:nvSpPr>
+        <p:spPr/>
+        <p:txBody>
+          <a:bodyPr/>
+          <a:lstStyle/>
+          <a:p>
+            <a:r>
+              <a:rPr lang="en-US" dirty="0"/>
+              <a:t>Uniform interface – Clearly defined API endpoints with clearly defined request + response data structure</a:t>
+            </a:r>
+          </a:p>
+          <a:p>
+            <a:r>
+              <a:rPr lang="en-US" dirty="0"/>
+              <a:t>Stateless interactions – Server and client don’t store any connection history, every request is handled separately</a:t>
+            </a:r>
+          </a:p>
+          <a:p>
+            <a:endParaRPr lang="en-US" dirty="0"/>
+          </a:p>
+          <a:p>
+            <a:endParaRPr lang="en-US" dirty="0"/>
+          </a:p>
+        </p:txBody>
+      </p:sp>
+    </p:spTree>
+    <p:extLst>
+      <p:ext uri="{BB962C8B-B14F-4D97-AF65-F5344CB8AC3E}">
+        <p14:creationId xmlns:p14="http://schemas.microsoft.com/office/powerpoint/2010/main" val="1034362813"/>
+      </p:ext>
+    </p:extLst>
+  </p:cSld>
+  <p:clrMapOvr>
+    <a:masterClrMapping/>
+  </p:clrMapOvr>
+</p:sld>
+</file>
+
+<file path=ppt/slides/slide81.xml><?xml version="1.0" encoding="utf-8"?>
+<p:sld xmlns:a="http://schemas.openxmlformats.org/drawingml/2006/main" xmlns:r="http://schemas.openxmlformats.org/officeDocument/2006/relationships" xmlns:p="http://schemas.openxmlformats.org/presentationml/2006/main">
+  <p:cSld>
+    <p:spTree>
+      <p:nvGrpSpPr>
+        <p:cNvPr id="1" name=""/>
+        <p:cNvGrpSpPr/>
+        <p:nvPr/>
+      </p:nvGrpSpPr>
+      <p:grpSpPr>
+        <a:xfrm>
+          <a:off x="0" y="0"/>
+          <a:ext cx="0" cy="0"/>
+          <a:chOff x="0" y="0"/>
+          <a:chExt cx="0" cy="0"/>
+        </a:xfrm>
+      </p:grpSpPr>
+      <p:sp>
+        <p:nvSpPr>
+          <p:cNvPr id="2" name="Title 1">
+            <a:extLst>
+              <a:ext uri="{FF2B5EF4-FFF2-40B4-BE49-F238E27FC236}">
+                <a16:creationId xmlns:a16="http://schemas.microsoft.com/office/drawing/2014/main" id="{45C6C6DC-1C48-9571-3571-0EAFF5F832E4}"/>
+              </a:ext>
+            </a:extLst>
+          </p:cNvPr>
+          <p:cNvSpPr>
+            <a:spLocks noGrp="1"/>
+          </p:cNvSpPr>
+          <p:nvPr>
+            <p:ph type="title"/>
+          </p:nvPr>
+        </p:nvSpPr>
+        <p:spPr/>
+        <p:txBody>
+          <a:bodyPr/>
+          <a:lstStyle/>
+          <a:p>
+            <a:endParaRPr lang="en-US"/>
+          </a:p>
+        </p:txBody>
+      </p:sp>
+      <p:sp>
+        <p:nvSpPr>
+          <p:cNvPr id="3" name="Content Placeholder 2">
+            <a:extLst>
+              <a:ext uri="{FF2B5EF4-FFF2-40B4-BE49-F238E27FC236}">
+                <a16:creationId xmlns:a16="http://schemas.microsoft.com/office/drawing/2014/main" id="{CB175C7D-7D98-F60C-BA2A-9B10916B6DF5}"/>
+              </a:ext>
+            </a:extLst>
+          </p:cNvPr>
+          <p:cNvSpPr>
+            <a:spLocks noGrp="1"/>
+          </p:cNvSpPr>
+          <p:nvPr>
+            <p:ph idx="1"/>
+          </p:nvPr>
+        </p:nvSpPr>
+        <p:spPr/>
+        <p:txBody>
+          <a:bodyPr/>
+          <a:lstStyle/>
+          <a:p>
+            <a:r>
+              <a:rPr lang="en-US" dirty="0"/>
+              <a:t>Creating our REST API Project &amp; implementing the Route Setup</a:t>
+            </a:r>
+          </a:p>
+          <a:p>
+            <a:r>
+              <a:rPr lang="en-US" dirty="0"/>
+              <a:t>Sending Requests &amp; Responses Working with Postman</a:t>
+            </a:r>
+          </a:p>
+          <a:p>
+            <a:r>
+              <a:rPr lang="en-US" dirty="0"/>
+              <a:t>REST API, Clients &amp; CORS Errors</a:t>
+            </a:r>
+          </a:p>
+        </p:txBody>
+      </p:sp>
+    </p:spTree>
+    <p:extLst>
+      <p:ext uri="{BB962C8B-B14F-4D97-AF65-F5344CB8AC3E}">
+        <p14:creationId xmlns:p14="http://schemas.microsoft.com/office/powerpoint/2010/main" val="4239677983"/>
+      </p:ext>
+    </p:extLst>
+  </p:cSld>
+  <p:clrMapOvr>
+    <a:masterClrMapping/>
+  </p:clrMapOvr>
+</p:sld>
+</file>
+
+<file path=ppt/slides/slide82.xml><?xml version="1.0" encoding="utf-8"?>
+<p:sld xmlns:a="http://schemas.openxmlformats.org/drawingml/2006/main" xmlns:r="http://schemas.openxmlformats.org/officeDocument/2006/relationships" xmlns:p="http://schemas.openxmlformats.org/presentationml/2006/main">
+  <p:cSld>
+    <p:spTree>
+      <p:nvGrpSpPr>
+        <p:cNvPr id="1" name=""/>
+        <p:cNvGrpSpPr/>
+        <p:nvPr/>
+      </p:nvGrpSpPr>
+      <p:grpSpPr>
+        <a:xfrm>
+          <a:off x="0" y="0"/>
+          <a:ext cx="0" cy="0"/>
+          <a:chOff x="0" y="0"/>
+          <a:chExt cx="0" cy="0"/>
+        </a:xfrm>
+      </p:grpSpPr>
+      <p:sp>
+        <p:nvSpPr>
+          <p:cNvPr id="2" name="Title 1">
+            <a:extLst>
+              <a:ext uri="{FF2B5EF4-FFF2-40B4-BE49-F238E27FC236}">
+                <a16:creationId xmlns:a16="http://schemas.microsoft.com/office/drawing/2014/main" id="{5FC2754A-B50A-8325-E52F-0CCBF0F9E84B}"/>
+              </a:ext>
+            </a:extLst>
+          </p:cNvPr>
+          <p:cNvSpPr>
+            <a:spLocks noGrp="1"/>
+          </p:cNvSpPr>
+          <p:nvPr>
+            <p:ph type="title"/>
+          </p:nvPr>
+        </p:nvSpPr>
+        <p:spPr/>
+        <p:txBody>
+          <a:bodyPr/>
+          <a:lstStyle/>
+          <a:p>
+            <a:r>
+              <a:rPr lang="en-US" dirty="0"/>
+              <a:t>CORS?</a:t>
+            </a:r>
+          </a:p>
+        </p:txBody>
+      </p:sp>
+      <p:sp>
+        <p:nvSpPr>
+          <p:cNvPr id="3" name="Content Placeholder 2">
+            <a:extLst>
+              <a:ext uri="{FF2B5EF4-FFF2-40B4-BE49-F238E27FC236}">
+                <a16:creationId xmlns:a16="http://schemas.microsoft.com/office/drawing/2014/main" id="{DE30E82D-FC17-DF67-6AE1-511115799464}"/>
+              </a:ext>
+            </a:extLst>
+          </p:cNvPr>
+          <p:cNvSpPr>
+            <a:spLocks noGrp="1"/>
+          </p:cNvSpPr>
+          <p:nvPr>
+            <p:ph idx="1"/>
+          </p:nvPr>
+        </p:nvSpPr>
+        <p:spPr/>
+        <p:txBody>
+          <a:bodyPr/>
+          <a:lstStyle/>
+          <a:p>
+            <a:r>
+              <a:rPr lang="en-US" dirty="0"/>
+              <a:t>Cross-Origin Resource Sharing</a:t>
+            </a:r>
+          </a:p>
+          <a:p>
+            <a:r>
+              <a:rPr lang="en-US" dirty="0"/>
+              <a:t>Sending Post Requests</a:t>
+            </a:r>
+          </a:p>
+        </p:txBody>
+      </p:sp>
+    </p:spTree>
+    <p:extLst>
+      <p:ext uri="{BB962C8B-B14F-4D97-AF65-F5344CB8AC3E}">
+        <p14:creationId xmlns:p14="http://schemas.microsoft.com/office/powerpoint/2010/main" val="3238926165"/>
+      </p:ext>
+    </p:extLst>
+  </p:cSld>
+  <p:clrMapOvr>
+    <a:masterClrMapping/>
+  </p:clrMapOvr>
+</p:sld>
+</file>
+
+<file path=ppt/slides/slide83.xml><?xml version="1.0" encoding="utf-8"?>
+<p:sld xmlns:a="http://schemas.openxmlformats.org/drawingml/2006/main" xmlns:r="http://schemas.openxmlformats.org/officeDocument/2006/relationships" xmlns:p="http://schemas.openxmlformats.org/presentationml/2006/main">
+  <p:cSld>
+    <p:spTree>
+      <p:nvGrpSpPr>
+        <p:cNvPr id="1" name=""/>
+        <p:cNvGrpSpPr/>
+        <p:nvPr/>
+      </p:nvGrpSpPr>
+      <p:grpSpPr>
+        <a:xfrm>
+          <a:off x="0" y="0"/>
+          <a:ext cx="0" cy="0"/>
+          <a:chOff x="0" y="0"/>
+          <a:chExt cx="0" cy="0"/>
+        </a:xfrm>
+      </p:grpSpPr>
+      <p:sp>
+        <p:nvSpPr>
+          <p:cNvPr id="2" name="Title 1">
+            <a:extLst>
+              <a:ext uri="{FF2B5EF4-FFF2-40B4-BE49-F238E27FC236}">
+                <a16:creationId xmlns:a16="http://schemas.microsoft.com/office/drawing/2014/main" id="{BEF21741-891D-2346-B517-4DC3D6991908}"/>
+              </a:ext>
+            </a:extLst>
+          </p:cNvPr>
+          <p:cNvSpPr>
+            <a:spLocks noGrp="1"/>
+          </p:cNvSpPr>
+          <p:nvPr>
+            <p:ph type="title"/>
+          </p:nvPr>
+        </p:nvSpPr>
+        <p:spPr/>
+        <p:txBody>
+          <a:bodyPr/>
+          <a:lstStyle/>
+          <a:p>
+            <a:r>
+              <a:rPr lang="en-US" dirty="0"/>
+              <a:t>Advanced REST API</a:t>
+            </a:r>
+          </a:p>
+        </p:txBody>
+      </p:sp>
+      <p:sp>
+        <p:nvSpPr>
+          <p:cNvPr id="3" name="Content Placeholder 2">
+            <a:extLst>
+              <a:ext uri="{FF2B5EF4-FFF2-40B4-BE49-F238E27FC236}">
+                <a16:creationId xmlns:a16="http://schemas.microsoft.com/office/drawing/2014/main" id="{FFF71F9B-33F6-8AB3-0C47-C1A74271FFA2}"/>
+              </a:ext>
+            </a:extLst>
+          </p:cNvPr>
+          <p:cNvSpPr>
+            <a:spLocks noGrp="1"/>
+          </p:cNvSpPr>
+          <p:nvPr>
+            <p:ph idx="1"/>
+          </p:nvPr>
+        </p:nvSpPr>
+        <p:spPr/>
+        <p:txBody>
+          <a:bodyPr/>
+          <a:lstStyle/>
+          <a:p>
+            <a:r>
+              <a:rPr lang="en-US" dirty="0"/>
+              <a:t>Planning a REST API</a:t>
+            </a:r>
+          </a:p>
+          <a:p>
+            <a:r>
+              <a:rPr lang="en-US" dirty="0"/>
+              <a:t>CRUD Operations &amp; Endpoints</a:t>
+            </a:r>
+          </a:p>
+          <a:p>
+            <a:r>
+              <a:rPr lang="en-US" dirty="0"/>
+              <a:t>Validation</a:t>
+            </a:r>
+          </a:p>
+          <a:p>
+            <a:r>
+              <a:rPr lang="en-US" dirty="0"/>
+              <a:t>Image Upload</a:t>
+            </a:r>
+          </a:p>
+          <a:p>
+            <a:r>
+              <a:rPr lang="en-US" dirty="0"/>
+              <a:t>Authentication</a:t>
+            </a:r>
+          </a:p>
+          <a:p>
+            <a:endParaRPr lang="en-US" dirty="0"/>
+          </a:p>
+          <a:p>
+            <a:pPr marL="0" indent="0">
+              <a:buNone/>
+            </a:pPr>
+            <a:endParaRPr lang="en-US" dirty="0"/>
+          </a:p>
+        </p:txBody>
+      </p:sp>
+    </p:spTree>
+    <p:extLst>
+      <p:ext uri="{BB962C8B-B14F-4D97-AF65-F5344CB8AC3E}">
+        <p14:creationId xmlns:p14="http://schemas.microsoft.com/office/powerpoint/2010/main" val="34759367"/>
+      </p:ext>
+    </p:extLst>
+  </p:cSld>
+  <p:clrMapOvr>
+    <a:masterClrMapping/>
+  </p:clrMapOvr>
+</p:sld>
+</file>
+
+<file path=ppt/slides/slide84.xml><?xml version="1.0" encoding="utf-8"?>
+<p:sld xmlns:a="http://schemas.openxmlformats.org/drawingml/2006/main" xmlns:r="http://schemas.openxmlformats.org/officeDocument/2006/relationships" xmlns:p="http://schemas.openxmlformats.org/presentationml/2006/main">
+  <p:cSld>
+    <p:spTree>
+      <p:nvGrpSpPr>
+        <p:cNvPr id="1" name=""/>
+        <p:cNvGrpSpPr/>
+        <p:nvPr/>
+      </p:nvGrpSpPr>
+      <p:grpSpPr>
+        <a:xfrm>
+          <a:off x="0" y="0"/>
+          <a:ext cx="0" cy="0"/>
+          <a:chOff x="0" y="0"/>
+          <a:chExt cx="0" cy="0"/>
+        </a:xfrm>
+      </p:grpSpPr>
+      <p:sp>
+        <p:nvSpPr>
+          <p:cNvPr id="2" name="Title 1">
+            <a:extLst>
+              <a:ext uri="{FF2B5EF4-FFF2-40B4-BE49-F238E27FC236}">
+                <a16:creationId xmlns:a16="http://schemas.microsoft.com/office/drawing/2014/main" id="{9E127297-C481-E91B-A141-8D74310BCF9E}"/>
+              </a:ext>
+            </a:extLst>
+          </p:cNvPr>
+          <p:cNvSpPr>
+            <a:spLocks noGrp="1"/>
+          </p:cNvSpPr>
+          <p:nvPr>
+            <p:ph type="title"/>
+          </p:nvPr>
+        </p:nvSpPr>
+        <p:spPr>
+          <a:xfrm>
+            <a:off x="838200" y="365126"/>
+            <a:ext cx="8097982" cy="315912"/>
+          </a:xfrm>
+        </p:spPr>
+        <p:txBody>
+          <a:bodyPr>
+            <a:normAutofit fontScale="90000"/>
+          </a:bodyPr>
+          <a:lstStyle/>
+          <a:p>
+            <a:r>
+              <a:rPr lang="en-US" dirty="0"/>
+              <a:t>REST &amp; the Rest of the Course</a:t>
+            </a:r>
+          </a:p>
+        </p:txBody>
+      </p:sp>
+      <p:sp>
+        <p:nvSpPr>
+          <p:cNvPr id="4" name="Rectangle 3">
+            <a:extLst>
+              <a:ext uri="{FF2B5EF4-FFF2-40B4-BE49-F238E27FC236}">
+                <a16:creationId xmlns:a16="http://schemas.microsoft.com/office/drawing/2014/main" id="{F7940211-2EB9-01DB-FACD-BBF3B6DFA760}"/>
+              </a:ext>
+            </a:extLst>
+          </p:cNvPr>
+          <p:cNvSpPr/>
+          <p:nvPr/>
+        </p:nvSpPr>
+        <p:spPr>
+          <a:xfrm>
+            <a:off x="405245" y="966355"/>
+            <a:ext cx="4073237" cy="457200"/>
+          </a:xfrm>
+          <a:prstGeom prst="rect">
+            <a:avLst/>
+          </a:prstGeom>
+        </p:spPr>
+        <p:style>
+          <a:lnRef idx="2">
+            <a:schemeClr val="accent1">
+              <a:shade val="15000"/>
+            </a:schemeClr>
+          </a:lnRef>
+          <a:fillRef idx="1">
+            <a:schemeClr val="accent1"/>
+          </a:fillRef>
+          <a:effectRef idx="0">
+            <a:schemeClr val="accent1"/>
+          </a:effectRef>
+          <a:fontRef idx="minor">
+            <a:schemeClr val="lt1"/>
+          </a:fontRef>
+        </p:style>
+        <p:txBody>
+          <a:bodyPr rtlCol="0" anchor="ctr"/>
+          <a:lstStyle/>
+          <a:p>
+            <a:pPr algn="ctr"/>
+            <a:r>
+              <a:rPr lang="en-US" dirty="0"/>
+              <a:t>Node + Express App Setup</a:t>
+            </a:r>
+          </a:p>
+        </p:txBody>
+      </p:sp>
+      <p:sp>
+        <p:nvSpPr>
+          <p:cNvPr id="5" name="Rectangle 4">
+            <a:extLst>
+              <a:ext uri="{FF2B5EF4-FFF2-40B4-BE49-F238E27FC236}">
+                <a16:creationId xmlns:a16="http://schemas.microsoft.com/office/drawing/2014/main" id="{CF4DEF2C-B3E6-48BF-3961-814EA40B5474}"/>
+              </a:ext>
+            </a:extLst>
+          </p:cNvPr>
+          <p:cNvSpPr/>
+          <p:nvPr/>
+        </p:nvSpPr>
+        <p:spPr>
+          <a:xfrm>
+            <a:off x="405245" y="1646527"/>
+            <a:ext cx="4073237" cy="457200"/>
+          </a:xfrm>
+          <a:prstGeom prst="rect">
+            <a:avLst/>
+          </a:prstGeom>
+        </p:spPr>
+        <p:style>
+          <a:lnRef idx="2">
+            <a:schemeClr val="accent1">
+              <a:shade val="15000"/>
+            </a:schemeClr>
+          </a:lnRef>
+          <a:fillRef idx="1">
+            <a:schemeClr val="accent1"/>
+          </a:fillRef>
+          <a:effectRef idx="0">
+            <a:schemeClr val="accent1"/>
+          </a:effectRef>
+          <a:fontRef idx="minor">
+            <a:schemeClr val="lt1"/>
+          </a:fontRef>
+        </p:style>
+        <p:txBody>
+          <a:bodyPr rtlCol="0" anchor="ctr"/>
+          <a:lstStyle/>
+          <a:p>
+            <a:pPr algn="ctr"/>
+            <a:r>
+              <a:rPr lang="en-US" dirty="0"/>
+              <a:t>Routing / Endpoints</a:t>
+            </a:r>
+          </a:p>
+        </p:txBody>
+      </p:sp>
+      <p:sp>
+        <p:nvSpPr>
+          <p:cNvPr id="6" name="Rectangle 5">
+            <a:extLst>
+              <a:ext uri="{FF2B5EF4-FFF2-40B4-BE49-F238E27FC236}">
+                <a16:creationId xmlns:a16="http://schemas.microsoft.com/office/drawing/2014/main" id="{027190C0-6B7E-9F70-1926-16E1161E3B80}"/>
+              </a:ext>
+            </a:extLst>
+          </p:cNvPr>
+          <p:cNvSpPr/>
+          <p:nvPr/>
+        </p:nvSpPr>
+        <p:spPr>
+          <a:xfrm>
+            <a:off x="405244" y="2326699"/>
+            <a:ext cx="4073237" cy="457200"/>
+          </a:xfrm>
+          <a:prstGeom prst="rect">
+            <a:avLst/>
+          </a:prstGeom>
+        </p:spPr>
+        <p:style>
+          <a:lnRef idx="2">
+            <a:schemeClr val="accent1">
+              <a:shade val="15000"/>
+            </a:schemeClr>
+          </a:lnRef>
+          <a:fillRef idx="1">
+            <a:schemeClr val="accent1"/>
+          </a:fillRef>
+          <a:effectRef idx="0">
+            <a:schemeClr val="accent1"/>
+          </a:effectRef>
+          <a:fontRef idx="minor">
+            <a:schemeClr val="lt1"/>
+          </a:fontRef>
+        </p:style>
+        <p:txBody>
+          <a:bodyPr rtlCol="0" anchor="ctr"/>
+          <a:lstStyle/>
+          <a:p>
+            <a:pPr algn="ctr"/>
+            <a:r>
+              <a:rPr lang="en-US" dirty="0"/>
+              <a:t>Handling Requests &amp; Responses</a:t>
+            </a:r>
+          </a:p>
+        </p:txBody>
+      </p:sp>
+      <p:sp>
+        <p:nvSpPr>
+          <p:cNvPr id="7" name="Rectangle 6">
+            <a:extLst>
+              <a:ext uri="{FF2B5EF4-FFF2-40B4-BE49-F238E27FC236}">
+                <a16:creationId xmlns:a16="http://schemas.microsoft.com/office/drawing/2014/main" id="{2131ADDD-5C9C-F4CA-E3A6-6126DFCBD534}"/>
+              </a:ext>
+            </a:extLst>
+          </p:cNvPr>
+          <p:cNvSpPr/>
+          <p:nvPr/>
+        </p:nvSpPr>
+        <p:spPr>
+          <a:xfrm>
+            <a:off x="405243" y="3006871"/>
+            <a:ext cx="4073237" cy="457200"/>
+          </a:xfrm>
+          <a:prstGeom prst="rect">
+            <a:avLst/>
+          </a:prstGeom>
+        </p:spPr>
+        <p:style>
+          <a:lnRef idx="2">
+            <a:schemeClr val="accent1">
+              <a:shade val="15000"/>
+            </a:schemeClr>
+          </a:lnRef>
+          <a:fillRef idx="1">
+            <a:schemeClr val="accent1"/>
+          </a:fillRef>
+          <a:effectRef idx="0">
+            <a:schemeClr val="accent1"/>
+          </a:effectRef>
+          <a:fontRef idx="minor">
+            <a:schemeClr val="lt1"/>
+          </a:fontRef>
+        </p:style>
+        <p:txBody>
+          <a:bodyPr rtlCol="0" anchor="ctr"/>
+          <a:lstStyle/>
+          <a:p>
+            <a:pPr algn="ctr"/>
+            <a:r>
+              <a:rPr lang="en-US" dirty="0"/>
+              <a:t>Request Validation</a:t>
+            </a:r>
+          </a:p>
+        </p:txBody>
+      </p:sp>
+      <p:sp>
+        <p:nvSpPr>
+          <p:cNvPr id="8" name="Rectangle 7">
+            <a:extLst>
+              <a:ext uri="{FF2B5EF4-FFF2-40B4-BE49-F238E27FC236}">
+                <a16:creationId xmlns:a16="http://schemas.microsoft.com/office/drawing/2014/main" id="{952309AE-238F-66A4-4B31-DC2F73EF2692}"/>
+              </a:ext>
+            </a:extLst>
+          </p:cNvPr>
+          <p:cNvSpPr/>
+          <p:nvPr/>
+        </p:nvSpPr>
+        <p:spPr>
+          <a:xfrm>
+            <a:off x="405243" y="3687043"/>
+            <a:ext cx="4073237" cy="457200"/>
+          </a:xfrm>
+          <a:prstGeom prst="rect">
+            <a:avLst/>
+          </a:prstGeom>
+        </p:spPr>
+        <p:style>
+          <a:lnRef idx="2">
+            <a:schemeClr val="accent1">
+              <a:shade val="15000"/>
+            </a:schemeClr>
+          </a:lnRef>
+          <a:fillRef idx="1">
+            <a:schemeClr val="accent1"/>
+          </a:fillRef>
+          <a:effectRef idx="0">
+            <a:schemeClr val="accent1"/>
+          </a:effectRef>
+          <a:fontRef idx="minor">
+            <a:schemeClr val="lt1"/>
+          </a:fontRef>
+        </p:style>
+        <p:txBody>
+          <a:bodyPr rtlCol="0" anchor="ctr"/>
+          <a:lstStyle/>
+          <a:p>
+            <a:pPr algn="ctr"/>
+            <a:r>
+              <a:rPr lang="en-US" dirty="0"/>
+              <a:t>Database Communication</a:t>
+            </a:r>
+          </a:p>
+        </p:txBody>
+      </p:sp>
+      <p:sp>
+        <p:nvSpPr>
+          <p:cNvPr id="9" name="Rectangle 8">
+            <a:extLst>
+              <a:ext uri="{FF2B5EF4-FFF2-40B4-BE49-F238E27FC236}">
+                <a16:creationId xmlns:a16="http://schemas.microsoft.com/office/drawing/2014/main" id="{2E4584A2-3FEF-C753-8D12-DA86B2057B82}"/>
+              </a:ext>
+            </a:extLst>
+          </p:cNvPr>
+          <p:cNvSpPr/>
+          <p:nvPr/>
+        </p:nvSpPr>
+        <p:spPr>
+          <a:xfrm>
+            <a:off x="405242" y="4367215"/>
+            <a:ext cx="4073237" cy="457200"/>
+          </a:xfrm>
+          <a:prstGeom prst="rect">
+            <a:avLst/>
+          </a:prstGeom>
+        </p:spPr>
+        <p:style>
+          <a:lnRef idx="2">
+            <a:schemeClr val="accent1">
+              <a:shade val="15000"/>
+            </a:schemeClr>
+          </a:lnRef>
+          <a:fillRef idx="1">
+            <a:schemeClr val="accent1"/>
+          </a:fillRef>
+          <a:effectRef idx="0">
+            <a:schemeClr val="accent1"/>
+          </a:effectRef>
+          <a:fontRef idx="minor">
+            <a:schemeClr val="lt1"/>
+          </a:fontRef>
+        </p:style>
+        <p:txBody>
+          <a:bodyPr rtlCol="0" anchor="ctr"/>
+          <a:lstStyle/>
+          <a:p>
+            <a:pPr algn="ctr"/>
+            <a:r>
+              <a:rPr lang="en-US" dirty="0"/>
+              <a:t>Files, Uploads, Downloads</a:t>
+            </a:r>
+          </a:p>
+        </p:txBody>
+      </p:sp>
+      <p:sp>
+        <p:nvSpPr>
+          <p:cNvPr id="10" name="Rectangle 9">
+            <a:extLst>
+              <a:ext uri="{FF2B5EF4-FFF2-40B4-BE49-F238E27FC236}">
+                <a16:creationId xmlns:a16="http://schemas.microsoft.com/office/drawing/2014/main" id="{3C8462ED-ACAD-487F-6502-FCA714889A59}"/>
+              </a:ext>
+            </a:extLst>
+          </p:cNvPr>
+          <p:cNvSpPr/>
+          <p:nvPr/>
+        </p:nvSpPr>
+        <p:spPr>
+          <a:xfrm>
+            <a:off x="405242" y="5047387"/>
+            <a:ext cx="4073237" cy="457200"/>
+          </a:xfrm>
+          <a:prstGeom prst="rect">
+            <a:avLst/>
+          </a:prstGeom>
+        </p:spPr>
+        <p:style>
+          <a:lnRef idx="2">
+            <a:schemeClr val="accent1">
+              <a:shade val="15000"/>
+            </a:schemeClr>
+          </a:lnRef>
+          <a:fillRef idx="1">
+            <a:schemeClr val="accent1"/>
+          </a:fillRef>
+          <a:effectRef idx="0">
+            <a:schemeClr val="accent1"/>
+          </a:effectRef>
+          <a:fontRef idx="minor">
+            <a:schemeClr val="lt1"/>
+          </a:fontRef>
+        </p:style>
+        <p:txBody>
+          <a:bodyPr rtlCol="0" anchor="ctr"/>
+          <a:lstStyle/>
+          <a:p>
+            <a:pPr algn="ctr"/>
+            <a:r>
+              <a:rPr lang="en-US" dirty="0"/>
+              <a:t>Sessions &amp; Cookies</a:t>
+            </a:r>
+          </a:p>
+        </p:txBody>
+      </p:sp>
+      <p:sp>
+        <p:nvSpPr>
+          <p:cNvPr id="11" name="Rectangle 10">
+            <a:extLst>
+              <a:ext uri="{FF2B5EF4-FFF2-40B4-BE49-F238E27FC236}">
+                <a16:creationId xmlns:a16="http://schemas.microsoft.com/office/drawing/2014/main" id="{9D2564DF-A8C3-BEAC-A92B-9371B3B50037}"/>
+              </a:ext>
+            </a:extLst>
+          </p:cNvPr>
+          <p:cNvSpPr/>
+          <p:nvPr/>
+        </p:nvSpPr>
+        <p:spPr>
+          <a:xfrm>
+            <a:off x="405242" y="5727559"/>
+            <a:ext cx="4073237" cy="457200"/>
+          </a:xfrm>
+          <a:prstGeom prst="rect">
+            <a:avLst/>
+          </a:prstGeom>
+        </p:spPr>
+        <p:style>
+          <a:lnRef idx="2">
+            <a:schemeClr val="accent1">
+              <a:shade val="15000"/>
+            </a:schemeClr>
+          </a:lnRef>
+          <a:fillRef idx="1">
+            <a:schemeClr val="accent1"/>
+          </a:fillRef>
+          <a:effectRef idx="0">
+            <a:schemeClr val="accent1"/>
+          </a:effectRef>
+          <a:fontRef idx="minor">
+            <a:schemeClr val="lt1"/>
+          </a:fontRef>
+        </p:style>
+        <p:txBody>
+          <a:bodyPr rtlCol="0" anchor="ctr"/>
+          <a:lstStyle/>
+          <a:p>
+            <a:pPr algn="ctr"/>
+            <a:r>
+              <a:rPr lang="en-US" dirty="0"/>
+              <a:t>Authentication</a:t>
+            </a:r>
+          </a:p>
+        </p:txBody>
+      </p:sp>
+      <p:sp>
+        <p:nvSpPr>
+          <p:cNvPr id="12" name="Rectangle 11">
+            <a:extLst>
+              <a:ext uri="{FF2B5EF4-FFF2-40B4-BE49-F238E27FC236}">
+                <a16:creationId xmlns:a16="http://schemas.microsoft.com/office/drawing/2014/main" id="{BCF49BDA-0A6E-E777-1486-3C16179F3783}"/>
+              </a:ext>
+            </a:extLst>
+          </p:cNvPr>
+          <p:cNvSpPr/>
+          <p:nvPr/>
+        </p:nvSpPr>
+        <p:spPr>
+          <a:xfrm>
+            <a:off x="6636327" y="966355"/>
+            <a:ext cx="4073237" cy="457200"/>
+          </a:xfrm>
+          <a:prstGeom prst="rect">
+            <a:avLst/>
+          </a:prstGeom>
+        </p:spPr>
+        <p:style>
+          <a:lnRef idx="2">
+            <a:schemeClr val="accent1">
+              <a:shade val="15000"/>
+            </a:schemeClr>
+          </a:lnRef>
+          <a:fillRef idx="1">
+            <a:schemeClr val="accent1"/>
+          </a:fillRef>
+          <a:effectRef idx="0">
+            <a:schemeClr val="accent1"/>
+          </a:effectRef>
+          <a:fontRef idx="minor">
+            <a:schemeClr val="lt1"/>
+          </a:fontRef>
+        </p:style>
+        <p:txBody>
+          <a:bodyPr rtlCol="0" anchor="ctr"/>
+          <a:lstStyle/>
+          <a:p>
+            <a:pPr algn="ctr"/>
+            <a:r>
+              <a:rPr lang="en-US" dirty="0"/>
+              <a:t>No changes</a:t>
+            </a:r>
+          </a:p>
+        </p:txBody>
+      </p:sp>
+      <p:sp>
+        <p:nvSpPr>
+          <p:cNvPr id="13" name="Rectangle 12">
+            <a:extLst>
+              <a:ext uri="{FF2B5EF4-FFF2-40B4-BE49-F238E27FC236}">
+                <a16:creationId xmlns:a16="http://schemas.microsoft.com/office/drawing/2014/main" id="{A3E6CECE-85A8-3900-083C-DAFDA2A3DC3D}"/>
+              </a:ext>
+            </a:extLst>
+          </p:cNvPr>
+          <p:cNvSpPr/>
+          <p:nvPr/>
+        </p:nvSpPr>
+        <p:spPr>
+          <a:xfrm>
+            <a:off x="6636327" y="1646527"/>
+            <a:ext cx="4073237" cy="457200"/>
+          </a:xfrm>
+          <a:prstGeom prst="rect">
+            <a:avLst/>
+          </a:prstGeom>
+        </p:spPr>
+        <p:style>
+          <a:lnRef idx="2">
+            <a:schemeClr val="accent1">
+              <a:shade val="15000"/>
+            </a:schemeClr>
+          </a:lnRef>
+          <a:fillRef idx="1">
+            <a:schemeClr val="accent1"/>
+          </a:fillRef>
+          <a:effectRef idx="0">
+            <a:schemeClr val="accent1"/>
+          </a:effectRef>
+          <a:fontRef idx="minor">
+            <a:schemeClr val="lt1"/>
+          </a:fontRef>
+        </p:style>
+        <p:txBody>
+          <a:bodyPr rtlCol="0" anchor="ctr"/>
+          <a:lstStyle/>
+          <a:p>
+            <a:pPr algn="ctr"/>
+            <a:r>
+              <a:rPr lang="en-US" dirty="0"/>
+              <a:t>No real changes, more Http methods</a:t>
+            </a:r>
+          </a:p>
+        </p:txBody>
+      </p:sp>
+      <p:sp>
+        <p:nvSpPr>
+          <p:cNvPr id="14" name="Rectangle 13">
+            <a:extLst>
+              <a:ext uri="{FF2B5EF4-FFF2-40B4-BE49-F238E27FC236}">
+                <a16:creationId xmlns:a16="http://schemas.microsoft.com/office/drawing/2014/main" id="{C14BF705-0819-468F-55CB-F9F17A04B2E7}"/>
+              </a:ext>
+            </a:extLst>
+          </p:cNvPr>
+          <p:cNvSpPr/>
+          <p:nvPr/>
+        </p:nvSpPr>
+        <p:spPr>
+          <a:xfrm>
+            <a:off x="6636326" y="2326699"/>
+            <a:ext cx="4073237" cy="457200"/>
+          </a:xfrm>
+          <a:prstGeom prst="rect">
+            <a:avLst/>
+          </a:prstGeom>
+          <a:solidFill>
+            <a:schemeClr val="accent2"/>
+          </a:solidFill>
+        </p:spPr>
+        <p:style>
+          <a:lnRef idx="2">
+            <a:schemeClr val="accent1">
+              <a:shade val="15000"/>
+            </a:schemeClr>
+          </a:lnRef>
+          <a:fillRef idx="1">
+            <a:schemeClr val="accent1"/>
+          </a:fillRef>
+          <a:effectRef idx="0">
+            <a:schemeClr val="accent1"/>
+          </a:effectRef>
+          <a:fontRef idx="minor">
+            <a:schemeClr val="lt1"/>
+          </a:fontRef>
+        </p:style>
+        <p:txBody>
+          <a:bodyPr rtlCol="0" anchor="ctr"/>
+          <a:lstStyle/>
+          <a:p>
+            <a:pPr algn="ctr"/>
+            <a:r>
+              <a:rPr lang="en-US" dirty="0"/>
+              <a:t>Parse + Send JSON Data, no Views</a:t>
+            </a:r>
+          </a:p>
+        </p:txBody>
+      </p:sp>
+      <p:sp>
+        <p:nvSpPr>
+          <p:cNvPr id="15" name="Rectangle 14">
+            <a:extLst>
+              <a:ext uri="{FF2B5EF4-FFF2-40B4-BE49-F238E27FC236}">
+                <a16:creationId xmlns:a16="http://schemas.microsoft.com/office/drawing/2014/main" id="{B386FBD9-6875-9539-41E8-9BB3D0FDBBAC}"/>
+              </a:ext>
+            </a:extLst>
+          </p:cNvPr>
+          <p:cNvSpPr/>
+          <p:nvPr/>
+        </p:nvSpPr>
+        <p:spPr>
+          <a:xfrm>
+            <a:off x="6636325" y="3006871"/>
+            <a:ext cx="4073237" cy="457200"/>
+          </a:xfrm>
+          <a:prstGeom prst="rect">
+            <a:avLst/>
+          </a:prstGeom>
+        </p:spPr>
+        <p:style>
+          <a:lnRef idx="2">
+            <a:schemeClr val="accent1">
+              <a:shade val="15000"/>
+            </a:schemeClr>
+          </a:lnRef>
+          <a:fillRef idx="1">
+            <a:schemeClr val="accent1"/>
+          </a:fillRef>
+          <a:effectRef idx="0">
+            <a:schemeClr val="accent1"/>
+          </a:effectRef>
+          <a:fontRef idx="minor">
+            <a:schemeClr val="lt1"/>
+          </a:fontRef>
+        </p:style>
+        <p:txBody>
+          <a:bodyPr rtlCol="0" anchor="ctr"/>
+          <a:lstStyle/>
+          <a:p>
+            <a:pPr algn="ctr"/>
+            <a:r>
+              <a:rPr lang="en-US" dirty="0"/>
+              <a:t>No Changes</a:t>
+            </a:r>
+          </a:p>
+        </p:txBody>
+      </p:sp>
+      <p:sp>
+        <p:nvSpPr>
+          <p:cNvPr id="16" name="Rectangle 15">
+            <a:extLst>
+              <a:ext uri="{FF2B5EF4-FFF2-40B4-BE49-F238E27FC236}">
+                <a16:creationId xmlns:a16="http://schemas.microsoft.com/office/drawing/2014/main" id="{A3254B6E-B7AE-50EE-D6A5-DE03CDBDA5DC}"/>
+              </a:ext>
+            </a:extLst>
+          </p:cNvPr>
+          <p:cNvSpPr/>
+          <p:nvPr/>
+        </p:nvSpPr>
+        <p:spPr>
+          <a:xfrm>
+            <a:off x="6636325" y="3687043"/>
+            <a:ext cx="4073237" cy="457200"/>
+          </a:xfrm>
+          <a:prstGeom prst="rect">
+            <a:avLst/>
+          </a:prstGeom>
+        </p:spPr>
+        <p:style>
+          <a:lnRef idx="2">
+            <a:schemeClr val="accent1">
+              <a:shade val="15000"/>
+            </a:schemeClr>
+          </a:lnRef>
+          <a:fillRef idx="1">
+            <a:schemeClr val="accent1"/>
+          </a:fillRef>
+          <a:effectRef idx="0">
+            <a:schemeClr val="accent1"/>
+          </a:effectRef>
+          <a:fontRef idx="minor">
+            <a:schemeClr val="lt1"/>
+          </a:fontRef>
+        </p:style>
+        <p:txBody>
+          <a:bodyPr rtlCol="0" anchor="ctr"/>
+          <a:lstStyle/>
+          <a:p>
+            <a:pPr algn="ctr"/>
+            <a:r>
+              <a:rPr lang="en-US" dirty="0"/>
+              <a:t>No changes</a:t>
+            </a:r>
+          </a:p>
+        </p:txBody>
+      </p:sp>
+      <p:sp>
+        <p:nvSpPr>
+          <p:cNvPr id="17" name="Rectangle 16">
+            <a:extLst>
+              <a:ext uri="{FF2B5EF4-FFF2-40B4-BE49-F238E27FC236}">
+                <a16:creationId xmlns:a16="http://schemas.microsoft.com/office/drawing/2014/main" id="{4E3B1DCB-41D2-947F-8A65-EA3A7A887997}"/>
+              </a:ext>
+            </a:extLst>
+          </p:cNvPr>
+          <p:cNvSpPr/>
+          <p:nvPr/>
+        </p:nvSpPr>
+        <p:spPr>
+          <a:xfrm>
+            <a:off x="6636324" y="4367215"/>
+            <a:ext cx="4073237" cy="457200"/>
+          </a:xfrm>
+          <a:prstGeom prst="rect">
+            <a:avLst/>
+          </a:prstGeom>
+        </p:spPr>
+        <p:style>
+          <a:lnRef idx="2">
+            <a:schemeClr val="accent1">
+              <a:shade val="15000"/>
+            </a:schemeClr>
+          </a:lnRef>
+          <a:fillRef idx="1">
+            <a:schemeClr val="accent1"/>
+          </a:fillRef>
+          <a:effectRef idx="0">
+            <a:schemeClr val="accent1"/>
+          </a:effectRef>
+          <a:fontRef idx="minor">
+            <a:schemeClr val="lt1"/>
+          </a:fontRef>
+        </p:style>
+        <p:txBody>
+          <a:bodyPr rtlCol="0" anchor="ctr"/>
+          <a:lstStyle/>
+          <a:p>
+            <a:pPr algn="ctr"/>
+            <a:r>
+              <a:rPr lang="en-US" dirty="0"/>
+              <a:t>No changes (only on client – side)</a:t>
+            </a:r>
+          </a:p>
+        </p:txBody>
+      </p:sp>
+      <p:sp>
+        <p:nvSpPr>
+          <p:cNvPr id="18" name="Rectangle 17">
+            <a:extLst>
+              <a:ext uri="{FF2B5EF4-FFF2-40B4-BE49-F238E27FC236}">
+                <a16:creationId xmlns:a16="http://schemas.microsoft.com/office/drawing/2014/main" id="{D855E372-54E9-B178-200F-01A34842E356}"/>
+              </a:ext>
+            </a:extLst>
+          </p:cNvPr>
+          <p:cNvSpPr/>
+          <p:nvPr/>
+        </p:nvSpPr>
+        <p:spPr>
+          <a:xfrm>
+            <a:off x="6636324" y="5047387"/>
+            <a:ext cx="4073237" cy="457200"/>
+          </a:xfrm>
+          <a:prstGeom prst="rect">
+            <a:avLst/>
+          </a:prstGeom>
+          <a:solidFill>
+            <a:schemeClr val="accent2"/>
+          </a:solidFill>
+        </p:spPr>
+        <p:style>
+          <a:lnRef idx="2">
+            <a:schemeClr val="accent1">
+              <a:shade val="15000"/>
+            </a:schemeClr>
+          </a:lnRef>
+          <a:fillRef idx="1">
+            <a:schemeClr val="accent1"/>
+          </a:fillRef>
+          <a:effectRef idx="0">
+            <a:schemeClr val="accent1"/>
+          </a:effectRef>
+          <a:fontRef idx="minor">
+            <a:schemeClr val="lt1"/>
+          </a:fontRef>
+        </p:style>
+        <p:txBody>
+          <a:bodyPr rtlCol="0" anchor="ctr"/>
+          <a:lstStyle/>
+          <a:p>
+            <a:pPr algn="ctr"/>
+            <a:r>
+              <a:rPr lang="en-US" dirty="0"/>
+              <a:t>No Session &amp; Cookies Usage</a:t>
+            </a:r>
+          </a:p>
+        </p:txBody>
+      </p:sp>
+      <p:sp>
+        <p:nvSpPr>
+          <p:cNvPr id="19" name="Rectangle 18">
+            <a:extLst>
+              <a:ext uri="{FF2B5EF4-FFF2-40B4-BE49-F238E27FC236}">
+                <a16:creationId xmlns:a16="http://schemas.microsoft.com/office/drawing/2014/main" id="{2302D0D5-1C9E-D459-5552-16B8BFE64F4D}"/>
+              </a:ext>
+            </a:extLst>
+          </p:cNvPr>
+          <p:cNvSpPr/>
+          <p:nvPr/>
+        </p:nvSpPr>
+        <p:spPr>
+          <a:xfrm>
+            <a:off x="6636324" y="5727559"/>
+            <a:ext cx="4073237" cy="457200"/>
+          </a:xfrm>
+          <a:prstGeom prst="rect">
+            <a:avLst/>
+          </a:prstGeom>
+          <a:solidFill>
+            <a:schemeClr val="accent2"/>
+          </a:solidFill>
+        </p:spPr>
+        <p:style>
+          <a:lnRef idx="2">
+            <a:schemeClr val="accent1">
+              <a:shade val="15000"/>
+            </a:schemeClr>
+          </a:lnRef>
+          <a:fillRef idx="1">
+            <a:schemeClr val="accent1"/>
+          </a:fillRef>
+          <a:effectRef idx="0">
+            <a:schemeClr val="accent1"/>
+          </a:effectRef>
+          <a:fontRef idx="minor">
+            <a:schemeClr val="lt1"/>
+          </a:fontRef>
+        </p:style>
+        <p:txBody>
+          <a:bodyPr rtlCol="0" anchor="ctr"/>
+          <a:lstStyle/>
+          <a:p>
+            <a:pPr algn="ctr"/>
+            <a:r>
+              <a:rPr lang="en-US" dirty="0"/>
+              <a:t>Different Authentication Approach</a:t>
+            </a:r>
+          </a:p>
+        </p:txBody>
+      </p:sp>
+    </p:spTree>
+    <p:extLst>
+      <p:ext uri="{BB962C8B-B14F-4D97-AF65-F5344CB8AC3E}">
+        <p14:creationId xmlns:p14="http://schemas.microsoft.com/office/powerpoint/2010/main" val="1255373212"/>
+      </p:ext>
+    </p:extLst>
+  </p:cSld>
+  <p:clrMapOvr>
+    <a:masterClrMapping/>
+  </p:clrMapOvr>
+</p:sld>
+</file>
+
+<file path=ppt/slides/slide85.xml><?xml version="1.0" encoding="utf-8"?>
+<p:sld xmlns:a="http://schemas.openxmlformats.org/drawingml/2006/main" xmlns:r="http://schemas.openxmlformats.org/officeDocument/2006/relationships" xmlns:p="http://schemas.openxmlformats.org/presentationml/2006/main">
+  <p:cSld>
+    <p:spTree>
+      <p:nvGrpSpPr>
+        <p:cNvPr id="1" name=""/>
+        <p:cNvGrpSpPr/>
+        <p:nvPr/>
+      </p:nvGrpSpPr>
+      <p:grpSpPr>
+        <a:xfrm>
+          <a:off x="0" y="0"/>
+          <a:ext cx="0" cy="0"/>
+          <a:chOff x="0" y="0"/>
+          <a:chExt cx="0" cy="0"/>
+        </a:xfrm>
+      </p:grpSpPr>
+      <p:sp>
+        <p:nvSpPr>
+          <p:cNvPr id="2" name="Title 1">
+            <a:extLst>
+              <a:ext uri="{FF2B5EF4-FFF2-40B4-BE49-F238E27FC236}">
+                <a16:creationId xmlns:a16="http://schemas.microsoft.com/office/drawing/2014/main" id="{B8A40FF1-2873-59F7-9BA5-E06BAA757361}"/>
+              </a:ext>
+            </a:extLst>
+          </p:cNvPr>
+          <p:cNvSpPr>
+            <a:spLocks noGrp="1"/>
+          </p:cNvSpPr>
+          <p:nvPr>
+            <p:ph type="title"/>
+          </p:nvPr>
+        </p:nvSpPr>
+        <p:spPr/>
+        <p:txBody>
+          <a:bodyPr/>
+          <a:lstStyle/>
+          <a:p>
+            <a:endParaRPr lang="en-US" dirty="0"/>
+          </a:p>
+        </p:txBody>
+      </p:sp>
+      <p:sp>
+        <p:nvSpPr>
+          <p:cNvPr id="3" name="Content Placeholder 2">
+            <a:extLst>
+              <a:ext uri="{FF2B5EF4-FFF2-40B4-BE49-F238E27FC236}">
+                <a16:creationId xmlns:a16="http://schemas.microsoft.com/office/drawing/2014/main" id="{E3CC673F-9FB1-C7B4-4BB6-AB22384B4A46}"/>
+              </a:ext>
+            </a:extLst>
+          </p:cNvPr>
+          <p:cNvSpPr>
+            <a:spLocks noGrp="1"/>
+          </p:cNvSpPr>
+          <p:nvPr>
+            <p:ph idx="1"/>
+          </p:nvPr>
+        </p:nvSpPr>
+        <p:spPr/>
+        <p:txBody>
+          <a:bodyPr/>
+          <a:lstStyle/>
+          <a:p>
+            <a:r>
+              <a:rPr lang="en-US" dirty="0"/>
+              <a:t>Fetching Lists of Posts</a:t>
+            </a:r>
+          </a:p>
+          <a:p>
+            <a:r>
+              <a:rPr lang="en-US" dirty="0"/>
+              <a:t>Adding a create post endpoint</a:t>
+            </a:r>
+          </a:p>
+          <a:p>
+            <a:r>
+              <a:rPr lang="en-US" dirty="0"/>
+              <a:t>Adding Server Side Validation</a:t>
+            </a:r>
+          </a:p>
+          <a:p>
+            <a:r>
+              <a:rPr lang="en-US" dirty="0"/>
+              <a:t>Setting up a Post Model</a:t>
+            </a:r>
+          </a:p>
+          <a:p>
+            <a:r>
+              <a:rPr lang="en-US" dirty="0"/>
+              <a:t>Storing Posts in </a:t>
+            </a:r>
+            <a:r>
+              <a:rPr lang="en-US"/>
+              <a:t>the database</a:t>
+            </a:r>
+          </a:p>
+        </p:txBody>
+      </p:sp>
+    </p:spTree>
+    <p:extLst>
+      <p:ext uri="{BB962C8B-B14F-4D97-AF65-F5344CB8AC3E}">
+        <p14:creationId xmlns:p14="http://schemas.microsoft.com/office/powerpoint/2010/main" val="774895368"/>
       </p:ext>
     </p:extLst>
   </p:cSld>

--- a/Node/node.pptx
+++ b/Node/node.pptx
@@ -345,7 +345,7 @@
           <a:p>
             <a:fld id="{70AC578A-F481-8B4F-AC68-5322D79242CE}" type="datetimeFigureOut">
               <a:rPr lang="en-US" smtClean="0"/>
-              <a:t>2/19/26</a:t>
+              <a:t>2/20/26</a:t>
             </a:fld>
             <a:endParaRPr lang="en-US"/>
           </a:p>
@@ -545,7 +545,7 @@
           <a:p>
             <a:fld id="{70AC578A-F481-8B4F-AC68-5322D79242CE}" type="datetimeFigureOut">
               <a:rPr lang="en-US" smtClean="0"/>
-              <a:t>2/19/26</a:t>
+              <a:t>2/20/26</a:t>
             </a:fld>
             <a:endParaRPr lang="en-US"/>
           </a:p>
@@ -755,7 +755,7 @@
           <a:p>
             <a:fld id="{70AC578A-F481-8B4F-AC68-5322D79242CE}" type="datetimeFigureOut">
               <a:rPr lang="en-US" smtClean="0"/>
-              <a:t>2/19/26</a:t>
+              <a:t>2/20/26</a:t>
             </a:fld>
             <a:endParaRPr lang="en-US"/>
           </a:p>
@@ -955,7 +955,7 @@
           <a:p>
             <a:fld id="{70AC578A-F481-8B4F-AC68-5322D79242CE}" type="datetimeFigureOut">
               <a:rPr lang="en-US" smtClean="0"/>
-              <a:t>2/19/26</a:t>
+              <a:t>2/20/26</a:t>
             </a:fld>
             <a:endParaRPr lang="en-US"/>
           </a:p>
@@ -1231,7 +1231,7 @@
           <a:p>
             <a:fld id="{70AC578A-F481-8B4F-AC68-5322D79242CE}" type="datetimeFigureOut">
               <a:rPr lang="en-US" smtClean="0"/>
-              <a:t>2/19/26</a:t>
+              <a:t>2/20/26</a:t>
             </a:fld>
             <a:endParaRPr lang="en-US"/>
           </a:p>
@@ -1499,7 +1499,7 @@
           <a:p>
             <a:fld id="{70AC578A-F481-8B4F-AC68-5322D79242CE}" type="datetimeFigureOut">
               <a:rPr lang="en-US" smtClean="0"/>
-              <a:t>2/19/26</a:t>
+              <a:t>2/20/26</a:t>
             </a:fld>
             <a:endParaRPr lang="en-US"/>
           </a:p>
@@ -1914,7 +1914,7 @@
           <a:p>
             <a:fld id="{70AC578A-F481-8B4F-AC68-5322D79242CE}" type="datetimeFigureOut">
               <a:rPr lang="en-US" smtClean="0"/>
-              <a:t>2/19/26</a:t>
+              <a:t>2/20/26</a:t>
             </a:fld>
             <a:endParaRPr lang="en-US"/>
           </a:p>
@@ -2056,7 +2056,7 @@
           <a:p>
             <a:fld id="{70AC578A-F481-8B4F-AC68-5322D79242CE}" type="datetimeFigureOut">
               <a:rPr lang="en-US" smtClean="0"/>
-              <a:t>2/19/26</a:t>
+              <a:t>2/20/26</a:t>
             </a:fld>
             <a:endParaRPr lang="en-US"/>
           </a:p>
@@ -2169,7 +2169,7 @@
           <a:p>
             <a:fld id="{70AC578A-F481-8B4F-AC68-5322D79242CE}" type="datetimeFigureOut">
               <a:rPr lang="en-US" smtClean="0"/>
-              <a:t>2/19/26</a:t>
+              <a:t>2/20/26</a:t>
             </a:fld>
             <a:endParaRPr lang="en-US"/>
           </a:p>
@@ -2482,7 +2482,7 @@
           <a:p>
             <a:fld id="{70AC578A-F481-8B4F-AC68-5322D79242CE}" type="datetimeFigureOut">
               <a:rPr lang="en-US" smtClean="0"/>
-              <a:t>2/19/26</a:t>
+              <a:t>2/20/26</a:t>
             </a:fld>
             <a:endParaRPr lang="en-US"/>
           </a:p>
@@ -2771,7 +2771,7 @@
           <a:p>
             <a:fld id="{70AC578A-F481-8B4F-AC68-5322D79242CE}" type="datetimeFigureOut">
               <a:rPr lang="en-US" smtClean="0"/>
-              <a:t>2/19/26</a:t>
+              <a:t>2/20/26</a:t>
             </a:fld>
             <a:endParaRPr lang="en-US"/>
           </a:p>
@@ -3014,7 +3014,7 @@
           <a:p>
             <a:fld id="{70AC578A-F481-8B4F-AC68-5322D79242CE}" type="datetimeFigureOut">
               <a:rPr lang="en-US" smtClean="0"/>
-              <a:t>2/19/26</a:t>
+              <a:t>2/20/26</a:t>
             </a:fld>
             <a:endParaRPr lang="en-US"/>
           </a:p>
@@ -23630,11 +23630,23 @@
           <a:p>
             <a:r>
               <a:rPr lang="en-US" dirty="0"/>
-              <a:t>Storing Posts in </a:t>
+              <a:t>Storing Posts in the database</a:t>
+            </a:r>
+          </a:p>
+          <a:p>
+            <a:r>
+              <a:rPr lang="en-US" dirty="0"/>
+              <a:t>Static Images &amp; Errors Handling</a:t>
+            </a:r>
+          </a:p>
+          <a:p>
+            <a:r>
+              <a:rPr lang="en-US" dirty="0"/>
+              <a:t>Fetching </a:t>
             </a:r>
             <a:r>
               <a:rPr lang="en-US"/>
-              <a:t>the database</a:t>
+              <a:t>a single post</a:t>
             </a:r>
           </a:p>
         </p:txBody>

--- a/Node/node.pptx
+++ b/Node/node.pptx
@@ -345,7 +345,7 @@
           <a:p>
             <a:fld id="{70AC578A-F481-8B4F-AC68-5322D79242CE}" type="datetimeFigureOut">
               <a:rPr lang="en-US" smtClean="0"/>
-              <a:t>2/20/26</a:t>
+              <a:t>2/24/26</a:t>
             </a:fld>
             <a:endParaRPr lang="en-US"/>
           </a:p>
@@ -545,7 +545,7 @@
           <a:p>
             <a:fld id="{70AC578A-F481-8B4F-AC68-5322D79242CE}" type="datetimeFigureOut">
               <a:rPr lang="en-US" smtClean="0"/>
-              <a:t>2/20/26</a:t>
+              <a:t>2/24/26</a:t>
             </a:fld>
             <a:endParaRPr lang="en-US"/>
           </a:p>
@@ -755,7 +755,7 @@
           <a:p>
             <a:fld id="{70AC578A-F481-8B4F-AC68-5322D79242CE}" type="datetimeFigureOut">
               <a:rPr lang="en-US" smtClean="0"/>
-              <a:t>2/20/26</a:t>
+              <a:t>2/24/26</a:t>
             </a:fld>
             <a:endParaRPr lang="en-US"/>
           </a:p>
@@ -955,7 +955,7 @@
           <a:p>
             <a:fld id="{70AC578A-F481-8B4F-AC68-5322D79242CE}" type="datetimeFigureOut">
               <a:rPr lang="en-US" smtClean="0"/>
-              <a:t>2/20/26</a:t>
+              <a:t>2/24/26</a:t>
             </a:fld>
             <a:endParaRPr lang="en-US"/>
           </a:p>
@@ -1231,7 +1231,7 @@
           <a:p>
             <a:fld id="{70AC578A-F481-8B4F-AC68-5322D79242CE}" type="datetimeFigureOut">
               <a:rPr lang="en-US" smtClean="0"/>
-              <a:t>2/20/26</a:t>
+              <a:t>2/24/26</a:t>
             </a:fld>
             <a:endParaRPr lang="en-US"/>
           </a:p>
@@ -1499,7 +1499,7 @@
           <a:p>
             <a:fld id="{70AC578A-F481-8B4F-AC68-5322D79242CE}" type="datetimeFigureOut">
               <a:rPr lang="en-US" smtClean="0"/>
-              <a:t>2/20/26</a:t>
+              <a:t>2/24/26</a:t>
             </a:fld>
             <a:endParaRPr lang="en-US"/>
           </a:p>
@@ -1914,7 +1914,7 @@
           <a:p>
             <a:fld id="{70AC578A-F481-8B4F-AC68-5322D79242CE}" type="datetimeFigureOut">
               <a:rPr lang="en-US" smtClean="0"/>
-              <a:t>2/20/26</a:t>
+              <a:t>2/24/26</a:t>
             </a:fld>
             <a:endParaRPr lang="en-US"/>
           </a:p>
@@ -2056,7 +2056,7 @@
           <a:p>
             <a:fld id="{70AC578A-F481-8B4F-AC68-5322D79242CE}" type="datetimeFigureOut">
               <a:rPr lang="en-US" smtClean="0"/>
-              <a:t>2/20/26</a:t>
+              <a:t>2/24/26</a:t>
             </a:fld>
             <a:endParaRPr lang="en-US"/>
           </a:p>
@@ -2169,7 +2169,7 @@
           <a:p>
             <a:fld id="{70AC578A-F481-8B4F-AC68-5322D79242CE}" type="datetimeFigureOut">
               <a:rPr lang="en-US" smtClean="0"/>
-              <a:t>2/20/26</a:t>
+              <a:t>2/24/26</a:t>
             </a:fld>
             <a:endParaRPr lang="en-US"/>
           </a:p>
@@ -2482,7 +2482,7 @@
           <a:p>
             <a:fld id="{70AC578A-F481-8B4F-AC68-5322D79242CE}" type="datetimeFigureOut">
               <a:rPr lang="en-US" smtClean="0"/>
-              <a:t>2/20/26</a:t>
+              <a:t>2/24/26</a:t>
             </a:fld>
             <a:endParaRPr lang="en-US"/>
           </a:p>
@@ -2771,7 +2771,7 @@
           <a:p>
             <a:fld id="{70AC578A-F481-8B4F-AC68-5322D79242CE}" type="datetimeFigureOut">
               <a:rPr lang="en-US" smtClean="0"/>
-              <a:t>2/20/26</a:t>
+              <a:t>2/24/26</a:t>
             </a:fld>
             <a:endParaRPr lang="en-US"/>
           </a:p>
@@ -3014,7 +3014,7 @@
           <a:p>
             <a:fld id="{70AC578A-F481-8B4F-AC68-5322D79242CE}" type="datetimeFigureOut">
               <a:rPr lang="en-US" smtClean="0"/>
-              <a:t>2/20/26</a:t>
+              <a:t>2/24/26</a:t>
             </a:fld>
             <a:endParaRPr lang="en-US"/>
           </a:p>
@@ -23560,31 +23560,6 @@
       </p:grpSpPr>
       <p:sp>
         <p:nvSpPr>
-          <p:cNvPr id="2" name="Title 1">
-            <a:extLst>
-              <a:ext uri="{FF2B5EF4-FFF2-40B4-BE49-F238E27FC236}">
-                <a16:creationId xmlns:a16="http://schemas.microsoft.com/office/drawing/2014/main" id="{B8A40FF1-2873-59F7-9BA5-E06BAA757361}"/>
-              </a:ext>
-            </a:extLst>
-          </p:cNvPr>
-          <p:cNvSpPr>
-            <a:spLocks noGrp="1"/>
-          </p:cNvSpPr>
-          <p:nvPr>
-            <p:ph type="title"/>
-          </p:nvPr>
-        </p:nvSpPr>
-        <p:spPr/>
-        <p:txBody>
-          <a:bodyPr/>
-          <a:lstStyle/>
-          <a:p>
-            <a:endParaRPr lang="en-US" dirty="0"/>
-          </a:p>
-        </p:txBody>
-      </p:sp>
-      <p:sp>
-        <p:nvSpPr>
           <p:cNvPr id="3" name="Content Placeholder 2">
             <a:extLst>
               <a:ext uri="{FF2B5EF4-FFF2-40B4-BE49-F238E27FC236}">
@@ -23599,7 +23574,12 @@
             <p:ph idx="1"/>
           </p:nvPr>
         </p:nvSpPr>
-        <p:spPr/>
+        <p:spPr>
+          <a:xfrm>
+            <a:off x="384464" y="166255"/>
+            <a:ext cx="10969336" cy="6010708"/>
+          </a:xfrm>
+        </p:spPr>
         <p:txBody>
           <a:bodyPr/>
           <a:lstStyle/>
@@ -23642,12 +23622,30 @@
           <a:p>
             <a:r>
               <a:rPr lang="en-US" dirty="0"/>
-              <a:t>Fetching </a:t>
-            </a:r>
+              <a:t>Fetching a single post</a:t>
+            </a:r>
+          </a:p>
+          <a:p>
+            <a:r>
+              <a:rPr lang="en-US" dirty="0"/>
+              <a:t>Uploading image</a:t>
+            </a:r>
+          </a:p>
+          <a:p>
+            <a:r>
+              <a:rPr lang="en-US" dirty="0"/>
+              <a:t>Updating Posts</a:t>
+            </a:r>
+          </a:p>
+          <a:p>
             <a:r>
               <a:rPr lang="en-US"/>
-              <a:t>a single post</a:t>
-            </a:r>
+              <a:t>Delete Posts</a:t>
+            </a:r>
+            <a:endParaRPr lang="en-US" dirty="0"/>
+          </a:p>
+          <a:p>
+            <a:endParaRPr lang="en-US" dirty="0"/>
           </a:p>
         </p:txBody>
       </p:sp>

--- a/Node/node.pptx
+++ b/Node/node.pptx
@@ -345,7 +345,7 @@
           <a:p>
             <a:fld id="{70AC578A-F481-8B4F-AC68-5322D79242CE}" type="datetimeFigureOut">
               <a:rPr lang="en-US" smtClean="0"/>
-              <a:t>2/24/26</a:t>
+              <a:t>2/26/26</a:t>
             </a:fld>
             <a:endParaRPr lang="en-US"/>
           </a:p>
@@ -545,7 +545,7 @@
           <a:p>
             <a:fld id="{70AC578A-F481-8B4F-AC68-5322D79242CE}" type="datetimeFigureOut">
               <a:rPr lang="en-US" smtClean="0"/>
-              <a:t>2/24/26</a:t>
+              <a:t>2/26/26</a:t>
             </a:fld>
             <a:endParaRPr lang="en-US"/>
           </a:p>
@@ -755,7 +755,7 @@
           <a:p>
             <a:fld id="{70AC578A-F481-8B4F-AC68-5322D79242CE}" type="datetimeFigureOut">
               <a:rPr lang="en-US" smtClean="0"/>
-              <a:t>2/24/26</a:t>
+              <a:t>2/26/26</a:t>
             </a:fld>
             <a:endParaRPr lang="en-US"/>
           </a:p>
@@ -955,7 +955,7 @@
           <a:p>
             <a:fld id="{70AC578A-F481-8B4F-AC68-5322D79242CE}" type="datetimeFigureOut">
               <a:rPr lang="en-US" smtClean="0"/>
-              <a:t>2/24/26</a:t>
+              <a:t>2/26/26</a:t>
             </a:fld>
             <a:endParaRPr lang="en-US"/>
           </a:p>
@@ -1231,7 +1231,7 @@
           <a:p>
             <a:fld id="{70AC578A-F481-8B4F-AC68-5322D79242CE}" type="datetimeFigureOut">
               <a:rPr lang="en-US" smtClean="0"/>
-              <a:t>2/24/26</a:t>
+              <a:t>2/26/26</a:t>
             </a:fld>
             <a:endParaRPr lang="en-US"/>
           </a:p>
@@ -1499,7 +1499,7 @@
           <a:p>
             <a:fld id="{70AC578A-F481-8B4F-AC68-5322D79242CE}" type="datetimeFigureOut">
               <a:rPr lang="en-US" smtClean="0"/>
-              <a:t>2/24/26</a:t>
+              <a:t>2/26/26</a:t>
             </a:fld>
             <a:endParaRPr lang="en-US"/>
           </a:p>
@@ -1914,7 +1914,7 @@
           <a:p>
             <a:fld id="{70AC578A-F481-8B4F-AC68-5322D79242CE}" type="datetimeFigureOut">
               <a:rPr lang="en-US" smtClean="0"/>
-              <a:t>2/24/26</a:t>
+              <a:t>2/26/26</a:t>
             </a:fld>
             <a:endParaRPr lang="en-US"/>
           </a:p>
@@ -2056,7 +2056,7 @@
           <a:p>
             <a:fld id="{70AC578A-F481-8B4F-AC68-5322D79242CE}" type="datetimeFigureOut">
               <a:rPr lang="en-US" smtClean="0"/>
-              <a:t>2/24/26</a:t>
+              <a:t>2/26/26</a:t>
             </a:fld>
             <a:endParaRPr lang="en-US"/>
           </a:p>
@@ -2169,7 +2169,7 @@
           <a:p>
             <a:fld id="{70AC578A-F481-8B4F-AC68-5322D79242CE}" type="datetimeFigureOut">
               <a:rPr lang="en-US" smtClean="0"/>
-              <a:t>2/24/26</a:t>
+              <a:t>2/26/26</a:t>
             </a:fld>
             <a:endParaRPr lang="en-US"/>
           </a:p>
@@ -2482,7 +2482,7 @@
           <a:p>
             <a:fld id="{70AC578A-F481-8B4F-AC68-5322D79242CE}" type="datetimeFigureOut">
               <a:rPr lang="en-US" smtClean="0"/>
-              <a:t>2/24/26</a:t>
+              <a:t>2/26/26</a:t>
             </a:fld>
             <a:endParaRPr lang="en-US"/>
           </a:p>
@@ -2771,7 +2771,7 @@
           <a:p>
             <a:fld id="{70AC578A-F481-8B4F-AC68-5322D79242CE}" type="datetimeFigureOut">
               <a:rPr lang="en-US" smtClean="0"/>
-              <a:t>2/24/26</a:t>
+              <a:t>2/26/26</a:t>
             </a:fld>
             <a:endParaRPr lang="en-US"/>
           </a:p>
@@ -3014,7 +3014,7 @@
           <a:p>
             <a:fld id="{70AC578A-F481-8B4F-AC68-5322D79242CE}" type="datetimeFigureOut">
               <a:rPr lang="en-US" smtClean="0"/>
-              <a:t>2/24/26</a:t>
+              <a:t>2/26/26</a:t>
             </a:fld>
             <a:endParaRPr lang="en-US"/>
           </a:p>
@@ -23581,7 +23581,7 @@
           </a:xfrm>
         </p:spPr>
         <p:txBody>
-          <a:bodyPr/>
+          <a:bodyPr numCol="2"/>
           <a:lstStyle/>
           <a:p>
             <a:r>
@@ -23639,8 +23639,36 @@
           </a:p>
           <a:p>
             <a:r>
+              <a:rPr lang="en-US" dirty="0"/>
+              <a:t>Delete Posts</a:t>
+            </a:r>
+          </a:p>
+          <a:p>
+            <a:r>
+              <a:rPr lang="en-US" dirty="0"/>
+              <a:t>Adding Pagination</a:t>
+            </a:r>
+          </a:p>
+          <a:p>
+            <a:r>
+              <a:rPr lang="en-US" dirty="0"/>
+              <a:t>Adding a User Modal</a:t>
+            </a:r>
+          </a:p>
+          <a:p>
+            <a:r>
+              <a:rPr lang="en-US" dirty="0"/>
+              <a:t>Adding user signup validation</a:t>
+            </a:r>
+          </a:p>
+          <a:p>
+            <a:r>
+              <a:rPr lang="en-US" dirty="0"/>
+              <a:t>Signing </a:t>
+            </a:r>
+            <a:r>
               <a:rPr lang="en-US"/>
-              <a:t>Delete Posts</a:t>
+              <a:t>User Password</a:t>
             </a:r>
             <a:endParaRPr lang="en-US" dirty="0"/>
           </a:p>

--- a/Node/node.pptx
+++ b/Node/node.pptx
@@ -345,7 +345,7 @@
           <a:p>
             <a:fld id="{70AC578A-F481-8B4F-AC68-5322D79242CE}" type="datetimeFigureOut">
               <a:rPr lang="en-US" smtClean="0"/>
-              <a:t>2/26/26</a:t>
+              <a:t>2/27/26</a:t>
             </a:fld>
             <a:endParaRPr lang="en-US"/>
           </a:p>
@@ -545,7 +545,7 @@
           <a:p>
             <a:fld id="{70AC578A-F481-8B4F-AC68-5322D79242CE}" type="datetimeFigureOut">
               <a:rPr lang="en-US" smtClean="0"/>
-              <a:t>2/26/26</a:t>
+              <a:t>2/27/26</a:t>
             </a:fld>
             <a:endParaRPr lang="en-US"/>
           </a:p>
@@ -755,7 +755,7 @@
           <a:p>
             <a:fld id="{70AC578A-F481-8B4F-AC68-5322D79242CE}" type="datetimeFigureOut">
               <a:rPr lang="en-US" smtClean="0"/>
-              <a:t>2/26/26</a:t>
+              <a:t>2/27/26</a:t>
             </a:fld>
             <a:endParaRPr lang="en-US"/>
           </a:p>
@@ -955,7 +955,7 @@
           <a:p>
             <a:fld id="{70AC578A-F481-8B4F-AC68-5322D79242CE}" type="datetimeFigureOut">
               <a:rPr lang="en-US" smtClean="0"/>
-              <a:t>2/26/26</a:t>
+              <a:t>2/27/26</a:t>
             </a:fld>
             <a:endParaRPr lang="en-US"/>
           </a:p>
@@ -1231,7 +1231,7 @@
           <a:p>
             <a:fld id="{70AC578A-F481-8B4F-AC68-5322D79242CE}" type="datetimeFigureOut">
               <a:rPr lang="en-US" smtClean="0"/>
-              <a:t>2/26/26</a:t>
+              <a:t>2/27/26</a:t>
             </a:fld>
             <a:endParaRPr lang="en-US"/>
           </a:p>
@@ -1499,7 +1499,7 @@
           <a:p>
             <a:fld id="{70AC578A-F481-8B4F-AC68-5322D79242CE}" type="datetimeFigureOut">
               <a:rPr lang="en-US" smtClean="0"/>
-              <a:t>2/26/26</a:t>
+              <a:t>2/27/26</a:t>
             </a:fld>
             <a:endParaRPr lang="en-US"/>
           </a:p>
@@ -1914,7 +1914,7 @@
           <a:p>
             <a:fld id="{70AC578A-F481-8B4F-AC68-5322D79242CE}" type="datetimeFigureOut">
               <a:rPr lang="en-US" smtClean="0"/>
-              <a:t>2/26/26</a:t>
+              <a:t>2/27/26</a:t>
             </a:fld>
             <a:endParaRPr lang="en-US"/>
           </a:p>
@@ -2056,7 +2056,7 @@
           <a:p>
             <a:fld id="{70AC578A-F481-8B4F-AC68-5322D79242CE}" type="datetimeFigureOut">
               <a:rPr lang="en-US" smtClean="0"/>
-              <a:t>2/26/26</a:t>
+              <a:t>2/27/26</a:t>
             </a:fld>
             <a:endParaRPr lang="en-US"/>
           </a:p>
@@ -2169,7 +2169,7 @@
           <a:p>
             <a:fld id="{70AC578A-F481-8B4F-AC68-5322D79242CE}" type="datetimeFigureOut">
               <a:rPr lang="en-US" smtClean="0"/>
-              <a:t>2/26/26</a:t>
+              <a:t>2/27/26</a:t>
             </a:fld>
             <a:endParaRPr lang="en-US"/>
           </a:p>
@@ -2482,7 +2482,7 @@
           <a:p>
             <a:fld id="{70AC578A-F481-8B4F-AC68-5322D79242CE}" type="datetimeFigureOut">
               <a:rPr lang="en-US" smtClean="0"/>
-              <a:t>2/26/26</a:t>
+              <a:t>2/27/26</a:t>
             </a:fld>
             <a:endParaRPr lang="en-US"/>
           </a:p>
@@ -2771,7 +2771,7 @@
           <a:p>
             <a:fld id="{70AC578A-F481-8B4F-AC68-5322D79242CE}" type="datetimeFigureOut">
               <a:rPr lang="en-US" smtClean="0"/>
-              <a:t>2/26/26</a:t>
+              <a:t>2/27/26</a:t>
             </a:fld>
             <a:endParaRPr lang="en-US"/>
           </a:p>
@@ -3014,7 +3014,7 @@
           <a:p>
             <a:fld id="{70AC578A-F481-8B4F-AC68-5322D79242CE}" type="datetimeFigureOut">
               <a:rPr lang="en-US" smtClean="0"/>
-              <a:t>2/26/26</a:t>
+              <a:t>2/27/26</a:t>
             </a:fld>
             <a:endParaRPr lang="en-US"/>
           </a:p>
@@ -23664,11 +23664,29 @@
           <a:p>
             <a:r>
               <a:rPr lang="en-US" dirty="0"/>
-              <a:t>Signing </a:t>
+              <a:t>Signing User Password</a:t>
+            </a:r>
+          </a:p>
+          <a:p>
+            <a:r>
+              <a:rPr lang="en-US" dirty="0"/>
+              <a:t>Starting with user Login</a:t>
+            </a:r>
+          </a:p>
+          <a:p>
+            <a:r>
+              <a:rPr lang="en-US" dirty="0"/>
+              <a:t>Logging in &amp; creating JSON Web Token (JWTs)</a:t>
+            </a:r>
+          </a:p>
+          <a:p>
+            <a:r>
+              <a:rPr lang="en-US" dirty="0"/>
+              <a:t>Using </a:t>
             </a:r>
             <a:r>
               <a:rPr lang="en-US"/>
-              <a:t>User Password</a:t>
+              <a:t>&amp; Validating the Token</a:t>
             </a:r>
             <a:endParaRPr lang="en-US" dirty="0"/>
           </a:p>

--- a/Node/node.pptx
+++ b/Node/node.pptx
@@ -90,6 +90,7 @@
     <p:sldId id="338" r:id="rId84"/>
     <p:sldId id="339" r:id="rId85"/>
     <p:sldId id="340" r:id="rId86"/>
+    <p:sldId id="341" r:id="rId87"/>
   </p:sldIdLst>
   <p:sldSz cx="12192000" cy="6858000"/>
   <p:notesSz cx="6858000" cy="9144000"/>
@@ -345,7 +346,7 @@
           <a:p>
             <a:fld id="{70AC578A-F481-8B4F-AC68-5322D79242CE}" type="datetimeFigureOut">
               <a:rPr lang="en-US" smtClean="0"/>
-              <a:t>2/27/26</a:t>
+              <a:t>3/2/26</a:t>
             </a:fld>
             <a:endParaRPr lang="en-US"/>
           </a:p>
@@ -545,7 +546,7 @@
           <a:p>
             <a:fld id="{70AC578A-F481-8B4F-AC68-5322D79242CE}" type="datetimeFigureOut">
               <a:rPr lang="en-US" smtClean="0"/>
-              <a:t>2/27/26</a:t>
+              <a:t>3/2/26</a:t>
             </a:fld>
             <a:endParaRPr lang="en-US"/>
           </a:p>
@@ -755,7 +756,7 @@
           <a:p>
             <a:fld id="{70AC578A-F481-8B4F-AC68-5322D79242CE}" type="datetimeFigureOut">
               <a:rPr lang="en-US" smtClean="0"/>
-              <a:t>2/27/26</a:t>
+              <a:t>3/2/26</a:t>
             </a:fld>
             <a:endParaRPr lang="en-US"/>
           </a:p>
@@ -955,7 +956,7 @@
           <a:p>
             <a:fld id="{70AC578A-F481-8B4F-AC68-5322D79242CE}" type="datetimeFigureOut">
               <a:rPr lang="en-US" smtClean="0"/>
-              <a:t>2/27/26</a:t>
+              <a:t>3/2/26</a:t>
             </a:fld>
             <a:endParaRPr lang="en-US"/>
           </a:p>
@@ -1231,7 +1232,7 @@
           <a:p>
             <a:fld id="{70AC578A-F481-8B4F-AC68-5322D79242CE}" type="datetimeFigureOut">
               <a:rPr lang="en-US" smtClean="0"/>
-              <a:t>2/27/26</a:t>
+              <a:t>3/2/26</a:t>
             </a:fld>
             <a:endParaRPr lang="en-US"/>
           </a:p>
@@ -1499,7 +1500,7 @@
           <a:p>
             <a:fld id="{70AC578A-F481-8B4F-AC68-5322D79242CE}" type="datetimeFigureOut">
               <a:rPr lang="en-US" smtClean="0"/>
-              <a:t>2/27/26</a:t>
+              <a:t>3/2/26</a:t>
             </a:fld>
             <a:endParaRPr lang="en-US"/>
           </a:p>
@@ -1914,7 +1915,7 @@
           <a:p>
             <a:fld id="{70AC578A-F481-8B4F-AC68-5322D79242CE}" type="datetimeFigureOut">
               <a:rPr lang="en-US" smtClean="0"/>
-              <a:t>2/27/26</a:t>
+              <a:t>3/2/26</a:t>
             </a:fld>
             <a:endParaRPr lang="en-US"/>
           </a:p>
@@ -2056,7 +2057,7 @@
           <a:p>
             <a:fld id="{70AC578A-F481-8B4F-AC68-5322D79242CE}" type="datetimeFigureOut">
               <a:rPr lang="en-US" smtClean="0"/>
-              <a:t>2/27/26</a:t>
+              <a:t>3/2/26</a:t>
             </a:fld>
             <a:endParaRPr lang="en-US"/>
           </a:p>
@@ -2169,7 +2170,7 @@
           <a:p>
             <a:fld id="{70AC578A-F481-8B4F-AC68-5322D79242CE}" type="datetimeFigureOut">
               <a:rPr lang="en-US" smtClean="0"/>
-              <a:t>2/27/26</a:t>
+              <a:t>3/2/26</a:t>
             </a:fld>
             <a:endParaRPr lang="en-US"/>
           </a:p>
@@ -2482,7 +2483,7 @@
           <a:p>
             <a:fld id="{70AC578A-F481-8B4F-AC68-5322D79242CE}" type="datetimeFigureOut">
               <a:rPr lang="en-US" smtClean="0"/>
-              <a:t>2/27/26</a:t>
+              <a:t>3/2/26</a:t>
             </a:fld>
             <a:endParaRPr lang="en-US"/>
           </a:p>
@@ -2771,7 +2772,7 @@
           <a:p>
             <a:fld id="{70AC578A-F481-8B4F-AC68-5322D79242CE}" type="datetimeFigureOut">
               <a:rPr lang="en-US" smtClean="0"/>
-              <a:t>2/27/26</a:t>
+              <a:t>3/2/26</a:t>
             </a:fld>
             <a:endParaRPr lang="en-US"/>
           </a:p>
@@ -3014,7 +3015,7 @@
           <a:p>
             <a:fld id="{70AC578A-F481-8B4F-AC68-5322D79242CE}" type="datetimeFigureOut">
               <a:rPr lang="en-US" smtClean="0"/>
-              <a:t>2/27/26</a:t>
+              <a:t>3/2/26</a:t>
             </a:fld>
             <a:endParaRPr lang="en-US"/>
           </a:p>
@@ -23682,11 +23683,29 @@
           <a:p>
             <a:r>
               <a:rPr lang="en-US" dirty="0"/>
-              <a:t>Using </a:t>
-            </a:r>
-            <a:r>
-              <a:rPr lang="en-US"/>
-              <a:t>&amp; Validating the Token</a:t>
+              <a:t>Using &amp; Validating the Token</a:t>
+            </a:r>
+          </a:p>
+          <a:p>
+            <a:r>
+              <a:rPr lang="en-US" dirty="0"/>
+              <a:t>Adding auth Middleware to All Routes</a:t>
+            </a:r>
+          </a:p>
+          <a:p>
+            <a:r>
+              <a:rPr lang="en-US" dirty="0"/>
+              <a:t>Connecting Posts &amp; Users</a:t>
+            </a:r>
+          </a:p>
+          <a:p>
+            <a:r>
+              <a:rPr lang="en-US" dirty="0"/>
+              <a:t>Clearing Post-User </a:t>
+            </a:r>
+            <a:r>
+              <a:rPr lang="en-US" dirty="0" err="1"/>
+              <a:t>Ralations</a:t>
             </a:r>
             <a:endParaRPr lang="en-US" dirty="0"/>
           </a:p>
@@ -23699,6 +23718,151 @@
     <p:extLst>
       <p:ext uri="{BB962C8B-B14F-4D97-AF65-F5344CB8AC3E}">
         <p14:creationId xmlns:p14="http://schemas.microsoft.com/office/powerpoint/2010/main" val="774895368"/>
+      </p:ext>
+    </p:extLst>
+  </p:cSld>
+  <p:clrMapOvr>
+    <a:masterClrMapping/>
+  </p:clrMapOvr>
+</p:sld>
+</file>
+
+<file path=ppt/slides/slide86.xml><?xml version="1.0" encoding="utf-8"?>
+<p:sld xmlns:a="http://schemas.openxmlformats.org/drawingml/2006/main" xmlns:r="http://schemas.openxmlformats.org/officeDocument/2006/relationships" xmlns:p="http://schemas.openxmlformats.org/presentationml/2006/main">
+  <p:cSld>
+    <p:spTree>
+      <p:nvGrpSpPr>
+        <p:cNvPr id="1" name=""/>
+        <p:cNvGrpSpPr/>
+        <p:nvPr/>
+      </p:nvGrpSpPr>
+      <p:grpSpPr>
+        <a:xfrm>
+          <a:off x="0" y="0"/>
+          <a:ext cx="0" cy="0"/>
+          <a:chOff x="0" y="0"/>
+          <a:chExt cx="0" cy="0"/>
+        </a:xfrm>
+      </p:grpSpPr>
+      <p:sp>
+        <p:nvSpPr>
+          <p:cNvPr id="2" name="Title 1">
+            <a:extLst>
+              <a:ext uri="{FF2B5EF4-FFF2-40B4-BE49-F238E27FC236}">
+                <a16:creationId xmlns:a16="http://schemas.microsoft.com/office/drawing/2014/main" id="{EF00B034-7E06-5064-6FE8-6DF69F94ED2D}"/>
+              </a:ext>
+            </a:extLst>
+          </p:cNvPr>
+          <p:cNvSpPr>
+            <a:spLocks noGrp="1"/>
+          </p:cNvSpPr>
+          <p:nvPr>
+            <p:ph type="title"/>
+          </p:nvPr>
+        </p:nvSpPr>
+        <p:spPr/>
+        <p:txBody>
+          <a:bodyPr/>
+          <a:lstStyle/>
+          <a:p>
+            <a:endParaRPr lang="en-US"/>
+          </a:p>
+        </p:txBody>
+      </p:sp>
+      <p:sp>
+        <p:nvSpPr>
+          <p:cNvPr id="3" name="Content Placeholder 2">
+            <a:extLst>
+              <a:ext uri="{FF2B5EF4-FFF2-40B4-BE49-F238E27FC236}">
+                <a16:creationId xmlns:a16="http://schemas.microsoft.com/office/drawing/2014/main" id="{D013CC92-7F2B-C2F4-DD89-1C7F327D8278}"/>
+              </a:ext>
+            </a:extLst>
+          </p:cNvPr>
+          <p:cNvSpPr>
+            <a:spLocks noGrp="1"/>
+          </p:cNvSpPr>
+          <p:nvPr>
+            <p:ph idx="1"/>
+          </p:nvPr>
+        </p:nvSpPr>
+        <p:spPr/>
+        <p:txBody>
+          <a:bodyPr>
+            <a:normAutofit fontScale="92500" lnSpcReduction="10000"/>
+          </a:bodyPr>
+          <a:lstStyle/>
+          <a:p>
+            <a:r>
+              <a:rPr lang="en-US" dirty="0"/>
+              <a:t>From Classic to REST API</a:t>
+            </a:r>
+          </a:p>
+          <a:p>
+            <a:pPr lvl="1"/>
+            <a:r>
+              <a:rPr lang="en-US" dirty="0"/>
+              <a:t>Most of the server-side code does not change, only request + response data is affected</a:t>
+            </a:r>
+          </a:p>
+          <a:p>
+            <a:pPr lvl="1"/>
+            <a:r>
+              <a:rPr lang="en-US" dirty="0"/>
+              <a:t>More Http methods are available</a:t>
+            </a:r>
+          </a:p>
+          <a:p>
+            <a:pPr lvl="1"/>
+            <a:r>
+              <a:rPr lang="en-US" dirty="0"/>
+              <a:t>The REST API server does not care about client, requests are handled in isolation =&gt; No sessions</a:t>
+            </a:r>
+          </a:p>
+          <a:p>
+            <a:r>
+              <a:rPr lang="en-US" dirty="0"/>
+              <a:t>Authentication</a:t>
+            </a:r>
+          </a:p>
+          <a:p>
+            <a:pPr lvl="1"/>
+            <a:r>
+              <a:rPr lang="en-US" dirty="0"/>
+              <a:t>Due to no sessions being used, authentication works differently</a:t>
+            </a:r>
+          </a:p>
+          <a:p>
+            <a:pPr lvl="1"/>
+            <a:r>
+              <a:rPr lang="en-US" dirty="0"/>
+              <a:t>Each request needs to be able to send some data that proves that the request is authenticated</a:t>
+            </a:r>
+          </a:p>
+          <a:p>
+            <a:pPr lvl="1"/>
+            <a:r>
+              <a:rPr lang="en-US" dirty="0"/>
+              <a:t>JSON web Tokens (“JWT”) are a common way of storing authentication information on the client and proving authentication status</a:t>
+            </a:r>
+          </a:p>
+          <a:p>
+            <a:pPr lvl="1"/>
+            <a:r>
+              <a:rPr lang="en-US" dirty="0"/>
+              <a:t>JWTs are signed by the server and can only </a:t>
+            </a:r>
+            <a:r>
+              <a:rPr lang="en-US"/>
+              <a:t>be validated by the server.</a:t>
+            </a:r>
+            <a:endParaRPr lang="en-US" dirty="0"/>
+          </a:p>
+        </p:txBody>
+      </p:sp>
+    </p:spTree>
+    <p:extLst>
+      <p:ext uri="{BB962C8B-B14F-4D97-AF65-F5344CB8AC3E}">
+        <p14:creationId xmlns:p14="http://schemas.microsoft.com/office/powerpoint/2010/main" val="3753124101"/>
       </p:ext>
     </p:extLst>
   </p:cSld>
